--- a/img/insurance.pptx
+++ b/img/insurance.pptx
@@ -7,11 +7,13 @@
   <p:sldIdLst>
     <p:sldId id="301" r:id="rId2"/>
     <p:sldId id="302" r:id="rId3"/>
-    <p:sldId id="303" r:id="rId4"/>
-    <p:sldId id="304" r:id="rId5"/>
-    <p:sldId id="305" r:id="rId6"/>
-    <p:sldId id="306" r:id="rId7"/>
-    <p:sldId id="307" r:id="rId8"/>
+    <p:sldId id="310" r:id="rId4"/>
+    <p:sldId id="311" r:id="rId5"/>
+    <p:sldId id="303" r:id="rId6"/>
+    <p:sldId id="304" r:id="rId7"/>
+    <p:sldId id="305" r:id="rId8"/>
+    <p:sldId id="306" r:id="rId9"/>
+    <p:sldId id="307" r:id="rId10"/>
   </p:sldIdLst>
   <p:sldSz cx="5400675" cy="6858000"/>
   <p:notesSz cx="6858000" cy="9144000"/>
@@ -39,7 +41,7 @@
         <a:cs typeface="+mn-cs"/>
       </a:defRPr>
     </a:lvl2pPr>
-    <a:lvl3pPr marL="914400" algn="l" defTabSz="457200" rtl="0" eaLnBrk="1" latinLnBrk="0" hangingPunct="1">
+    <a:lvl3pPr marL="914399" algn="l" defTabSz="457200" rtl="0" eaLnBrk="1" latinLnBrk="0" hangingPunct="1">
       <a:defRPr sz="1800" kern="1200">
         <a:solidFill>
           <a:schemeClr val="tx1"/>
@@ -49,7 +51,7 @@
         <a:cs typeface="+mn-cs"/>
       </a:defRPr>
     </a:lvl3pPr>
-    <a:lvl4pPr marL="1371600" algn="l" defTabSz="457200" rtl="0" eaLnBrk="1" latinLnBrk="0" hangingPunct="1">
+    <a:lvl4pPr marL="1371598" algn="l" defTabSz="457200" rtl="0" eaLnBrk="1" latinLnBrk="0" hangingPunct="1">
       <a:defRPr sz="1800" kern="1200">
         <a:solidFill>
           <a:schemeClr val="tx1"/>
@@ -59,7 +61,7 @@
         <a:cs typeface="+mn-cs"/>
       </a:defRPr>
     </a:lvl4pPr>
-    <a:lvl5pPr marL="1828800" algn="l" defTabSz="457200" rtl="0" eaLnBrk="1" latinLnBrk="0" hangingPunct="1">
+    <a:lvl5pPr marL="1828798" algn="l" defTabSz="457200" rtl="0" eaLnBrk="1" latinLnBrk="0" hangingPunct="1">
       <a:defRPr sz="1800" kern="1200">
         <a:solidFill>
           <a:schemeClr val="tx1"/>
@@ -69,7 +71,7 @@
         <a:cs typeface="+mn-cs"/>
       </a:defRPr>
     </a:lvl5pPr>
-    <a:lvl6pPr marL="2286000" algn="l" defTabSz="457200" rtl="0" eaLnBrk="1" latinLnBrk="0" hangingPunct="1">
+    <a:lvl6pPr marL="2285998" algn="l" defTabSz="457200" rtl="0" eaLnBrk="1" latinLnBrk="0" hangingPunct="1">
       <a:defRPr sz="1800" kern="1200">
         <a:solidFill>
           <a:schemeClr val="tx1"/>
@@ -79,7 +81,7 @@
         <a:cs typeface="+mn-cs"/>
       </a:defRPr>
     </a:lvl6pPr>
-    <a:lvl7pPr marL="2743200" algn="l" defTabSz="457200" rtl="0" eaLnBrk="1" latinLnBrk="0" hangingPunct="1">
+    <a:lvl7pPr marL="2743197" algn="l" defTabSz="457200" rtl="0" eaLnBrk="1" latinLnBrk="0" hangingPunct="1">
       <a:defRPr sz="1800" kern="1200">
         <a:solidFill>
           <a:schemeClr val="tx1"/>
@@ -89,7 +91,7 @@
         <a:cs typeface="+mn-cs"/>
       </a:defRPr>
     </a:lvl7pPr>
-    <a:lvl8pPr marL="3200400" algn="l" defTabSz="457200" rtl="0" eaLnBrk="1" latinLnBrk="0" hangingPunct="1">
+    <a:lvl8pPr marL="3200397" algn="l" defTabSz="457200" rtl="0" eaLnBrk="1" latinLnBrk="0" hangingPunct="1">
       <a:defRPr sz="1800" kern="1200">
         <a:solidFill>
           <a:schemeClr val="tx1"/>
@@ -99,7 +101,7 @@
         <a:cs typeface="+mn-cs"/>
       </a:defRPr>
     </a:lvl8pPr>
-    <a:lvl9pPr marL="3657600" algn="l" defTabSz="457200" rtl="0" eaLnBrk="1" latinLnBrk="0" hangingPunct="1">
+    <a:lvl9pPr marL="3657596" algn="l" defTabSz="457200" rtl="0" eaLnBrk="1" latinLnBrk="0" hangingPunct="1">
       <a:defRPr sz="1800" kern="1200">
         <a:solidFill>
           <a:schemeClr val="tx1"/>
@@ -520,7 +522,7 @@
         </p:nvSpPr>
         <p:spPr>
           <a:xfrm>
-            <a:off x="3864858" y="365125"/>
+            <a:off x="3864860" y="365125"/>
             <a:ext cx="1164521" cy="5811838"/>
           </a:xfrm>
         </p:spPr>
@@ -548,7 +550,7 @@
         </p:nvSpPr>
         <p:spPr>
           <a:xfrm>
-            <a:off x="371297" y="365125"/>
+            <a:off x="371298" y="365125"/>
             <a:ext cx="3426053" cy="5811838"/>
           </a:xfrm>
         </p:spPr>
@@ -870,7 +872,7 @@
         </p:nvSpPr>
         <p:spPr>
           <a:xfrm>
-            <a:off x="368484" y="1709740"/>
+            <a:off x="368484" y="1709743"/>
             <a:ext cx="4658082" cy="2852737"/>
           </a:xfrm>
         </p:spPr>
@@ -902,7 +904,7 @@
         </p:nvSpPr>
         <p:spPr>
           <a:xfrm>
-            <a:off x="368484" y="4589465"/>
+            <a:off x="368484" y="4589468"/>
             <a:ext cx="4658082" cy="1500187"/>
           </a:xfrm>
         </p:spPr>
@@ -1137,7 +1139,7 @@
         </p:nvSpPr>
         <p:spPr>
           <a:xfrm>
-            <a:off x="371296" y="1825625"/>
+            <a:off x="371298" y="1825625"/>
             <a:ext cx="2295287" cy="4351338"/>
           </a:xfrm>
         </p:spPr>
@@ -1194,7 +1196,7 @@
         </p:nvSpPr>
         <p:spPr>
           <a:xfrm>
-            <a:off x="2734092" y="1825625"/>
+            <a:off x="2734093" y="1825625"/>
             <a:ext cx="2295287" cy="4351338"/>
           </a:xfrm>
         </p:spPr>
@@ -1346,7 +1348,7 @@
         </p:nvSpPr>
         <p:spPr>
           <a:xfrm>
-            <a:off x="372000" y="365127"/>
+            <a:off x="372001" y="365129"/>
             <a:ext cx="4658082" cy="1325563"/>
           </a:xfrm>
         </p:spPr>
@@ -1439,7 +1441,7 @@
         </p:nvSpPr>
         <p:spPr>
           <a:xfrm>
-            <a:off x="372001" y="2505075"/>
+            <a:off x="372001" y="2505076"/>
             <a:ext cx="2284738" cy="3684588"/>
           </a:xfrm>
         </p:spPr>
@@ -1496,7 +1498,7 @@
         </p:nvSpPr>
         <p:spPr>
           <a:xfrm>
-            <a:off x="2734092" y="1681163"/>
+            <a:off x="2734093" y="1681163"/>
             <a:ext cx="2295990" cy="823912"/>
           </a:xfrm>
         </p:spPr>
@@ -1561,7 +1563,7 @@
         </p:nvSpPr>
         <p:spPr>
           <a:xfrm>
-            <a:off x="2734092" y="2505075"/>
+            <a:off x="2734093" y="2505076"/>
             <a:ext cx="2295990" cy="3684588"/>
           </a:xfrm>
         </p:spPr>
@@ -1958,7 +1960,7 @@
         </p:nvSpPr>
         <p:spPr>
           <a:xfrm>
-            <a:off x="2295990" y="987427"/>
+            <a:off x="2295991" y="987430"/>
             <a:ext cx="2734092" cy="4873625"/>
           </a:xfrm>
         </p:spPr>
@@ -2235,7 +2237,7 @@
         </p:nvSpPr>
         <p:spPr>
           <a:xfrm>
-            <a:off x="2295990" y="987427"/>
+            <a:off x="2295991" y="987430"/>
             <a:ext cx="2734092" cy="4873625"/>
           </a:xfrm>
         </p:spPr>
@@ -2465,7 +2467,7 @@
         </p:nvSpPr>
         <p:spPr>
           <a:xfrm>
-            <a:off x="371297" y="365127"/>
+            <a:off x="371297" y="365129"/>
             <a:ext cx="4658082" cy="1325563"/>
           </a:xfrm>
           <a:prstGeom prst="rect">
@@ -2560,7 +2562,7 @@
         </p:nvSpPr>
         <p:spPr>
           <a:xfrm>
-            <a:off x="371296" y="6356352"/>
+            <a:off x="371296" y="6356355"/>
             <a:ext cx="1215152" cy="365125"/>
           </a:xfrm>
           <a:prstGeom prst="rect">
@@ -2602,7 +2604,7 @@
         </p:nvSpPr>
         <p:spPr>
           <a:xfrm>
-            <a:off x="1788974" y="6356352"/>
+            <a:off x="1788974" y="6356355"/>
             <a:ext cx="1822728" cy="365125"/>
           </a:xfrm>
           <a:prstGeom prst="rect">
@@ -2639,7 +2641,7 @@
         </p:nvSpPr>
         <p:spPr>
           <a:xfrm>
-            <a:off x="3814227" y="6356352"/>
+            <a:off x="3814227" y="6356355"/>
             <a:ext cx="1215152" cy="365125"/>
           </a:xfrm>
           <a:prstGeom prst="rect">
@@ -2990,12 +2992,1413 @@
           <a:chExt cx="0" cy="0"/>
         </a:xfrm>
       </p:grpSpPr>
+      <p:sp>
+        <p:nvSpPr>
+          <p:cNvPr id="41987" name="Line 3">
+            <a:extLst>
+              <a:ext uri="{FF2B5EF4-FFF2-40B4-BE49-F238E27FC236}">
+                <a16:creationId xmlns:a16="http://schemas.microsoft.com/office/drawing/2014/main" id="{3127191C-404E-9046-A4E0-97AC0495884A}"/>
+              </a:ext>
+            </a:extLst>
+          </p:cNvPr>
+          <p:cNvSpPr>
+            <a:spLocks noChangeShapeType="1"/>
+          </p:cNvSpPr>
+          <p:nvPr/>
+        </p:nvSpPr>
+        <p:spPr bwMode="auto">
+          <a:xfrm flipV="1">
+            <a:off x="841856" y="645377"/>
+            <a:ext cx="0" cy="5454867"/>
+          </a:xfrm>
+          <a:prstGeom prst="line">
+            <a:avLst/>
+          </a:prstGeom>
+          <a:noFill/>
+          <a:ln w="12700">
+            <a:solidFill>
+              <a:schemeClr val="tx1"/>
+            </a:solidFill>
+            <a:round/>
+            <a:headEnd type="none" w="sm" len="sm"/>
+            <a:tailEnd type="stealth" w="med" len="lg"/>
+          </a:ln>
+          <a:effectLst/>
+          <a:extLst>
+            <a:ext uri="{909E8E84-426E-40DD-AFC4-6F175D3DCCD1}">
+              <a14:hiddenFill xmlns:a14="http://schemas.microsoft.com/office/drawing/2010/main">
+                <a:noFill/>
+              </a14:hiddenFill>
+            </a:ext>
+            <a:ext uri="{AF507438-7753-43E0-B8FC-AC1667EBCBE1}">
+              <a14:hiddenEffects xmlns:a14="http://schemas.microsoft.com/office/drawing/2010/main">
+                <a:effectLst>
+                  <a:outerShdw dist="35921" dir="2700000" algn="ctr" rotWithShape="0">
+                    <a:schemeClr val="bg2"/>
+                  </a:outerShdw>
+                </a:effectLst>
+              </a14:hiddenEffects>
+            </a:ext>
+          </a:extLst>
+        </p:spPr>
+        <p:txBody>
+          <a:bodyPr wrap="none" anchor="ctr"/>
+          <a:lstStyle/>
+          <a:p>
+            <a:endParaRPr lang="de-DE" dirty="0">
+              <a:latin typeface="Helvetica Light" panose="020B0403020202020204" pitchFamily="34" charset="0"/>
+            </a:endParaRPr>
+          </a:p>
+        </p:txBody>
+      </p:sp>
+      <p:sp>
+        <p:nvSpPr>
+          <p:cNvPr id="41988" name="Line 4">
+            <a:extLst>
+              <a:ext uri="{FF2B5EF4-FFF2-40B4-BE49-F238E27FC236}">
+                <a16:creationId xmlns:a16="http://schemas.microsoft.com/office/drawing/2014/main" id="{8EC619E7-6BE3-8C47-AD78-F7533447E138}"/>
+              </a:ext>
+            </a:extLst>
+          </p:cNvPr>
+          <p:cNvSpPr>
+            <a:spLocks noChangeShapeType="1"/>
+          </p:cNvSpPr>
+          <p:nvPr/>
+        </p:nvSpPr>
+        <p:spPr bwMode="auto">
+          <a:xfrm>
+            <a:off x="841856" y="6100244"/>
+            <a:ext cx="3992656" cy="0"/>
+          </a:xfrm>
+          <a:prstGeom prst="line">
+            <a:avLst/>
+          </a:prstGeom>
+          <a:noFill/>
+          <a:ln w="12700">
+            <a:solidFill>
+              <a:schemeClr val="tx1"/>
+            </a:solidFill>
+            <a:round/>
+            <a:headEnd type="none" w="sm" len="sm"/>
+            <a:tailEnd type="stealth" w="med" len="lg"/>
+          </a:ln>
+          <a:effectLst/>
+          <a:extLst>
+            <a:ext uri="{909E8E84-426E-40DD-AFC4-6F175D3DCCD1}">
+              <a14:hiddenFill xmlns:a14="http://schemas.microsoft.com/office/drawing/2010/main">
+                <a:noFill/>
+              </a14:hiddenFill>
+            </a:ext>
+            <a:ext uri="{AF507438-7753-43E0-B8FC-AC1667EBCBE1}">
+              <a14:hiddenEffects xmlns:a14="http://schemas.microsoft.com/office/drawing/2010/main">
+                <a:effectLst>
+                  <a:outerShdw dist="35921" dir="2700000" algn="ctr" rotWithShape="0">
+                    <a:schemeClr val="bg2"/>
+                  </a:outerShdw>
+                </a:effectLst>
+              </a14:hiddenEffects>
+            </a:ext>
+          </a:extLst>
+        </p:spPr>
+        <p:txBody>
+          <a:bodyPr wrap="none" anchor="ctr"/>
+          <a:lstStyle/>
+          <a:p>
+            <a:endParaRPr lang="de-DE" dirty="0">
+              <a:latin typeface="Helvetica Light" panose="020B0403020202020204" pitchFamily="34" charset="0"/>
+            </a:endParaRPr>
+          </a:p>
+        </p:txBody>
+      </p:sp>
+      <p:sp>
+        <p:nvSpPr>
+          <p:cNvPr id="41997" name="Line 13">
+            <a:extLst>
+              <a:ext uri="{FF2B5EF4-FFF2-40B4-BE49-F238E27FC236}">
+                <a16:creationId xmlns:a16="http://schemas.microsoft.com/office/drawing/2014/main" id="{866E3355-8117-744F-A840-C118B3BF9C24}"/>
+              </a:ext>
+            </a:extLst>
+          </p:cNvPr>
+          <p:cNvSpPr>
+            <a:spLocks noChangeShapeType="1"/>
+          </p:cNvSpPr>
+          <p:nvPr/>
+        </p:nvSpPr>
+        <p:spPr bwMode="auto">
+          <a:xfrm>
+            <a:off x="841856" y="1533379"/>
+            <a:ext cx="3019468" cy="4566865"/>
+          </a:xfrm>
+          <a:prstGeom prst="line">
+            <a:avLst/>
+          </a:prstGeom>
+          <a:noFill/>
+          <a:ln w="38100">
+            <a:solidFill>
+              <a:schemeClr val="tx1"/>
+            </a:solidFill>
+            <a:round/>
+            <a:headEnd type="none" w="sm" len="sm"/>
+            <a:tailEnd type="none" w="sm" len="sm"/>
+          </a:ln>
+          <a:effectLst/>
+          <a:extLst>
+            <a:ext uri="{909E8E84-426E-40DD-AFC4-6F175D3DCCD1}">
+              <a14:hiddenFill xmlns:a14="http://schemas.microsoft.com/office/drawing/2010/main">
+                <a:noFill/>
+              </a14:hiddenFill>
+            </a:ext>
+            <a:ext uri="{AF507438-7753-43E0-B8FC-AC1667EBCBE1}">
+              <a14:hiddenEffects xmlns:a14="http://schemas.microsoft.com/office/drawing/2010/main">
+                <a:effectLst>
+                  <a:outerShdw dist="35921" dir="2700000" algn="ctr" rotWithShape="0">
+                    <a:schemeClr val="bg2"/>
+                  </a:outerShdw>
+                </a:effectLst>
+              </a14:hiddenEffects>
+            </a:ext>
+          </a:extLst>
+        </p:spPr>
+        <p:txBody>
+          <a:bodyPr wrap="none" anchor="ctr"/>
+          <a:lstStyle/>
+          <a:p>
+            <a:endParaRPr lang="de-DE" dirty="0">
+              <a:latin typeface="Helvetica Light" panose="020B0403020202020204" pitchFamily="34" charset="0"/>
+            </a:endParaRPr>
+          </a:p>
+        </p:txBody>
+      </p:sp>
+      <p:sp>
+        <p:nvSpPr>
+          <p:cNvPr id="41998" name="Oval 14">
+            <a:extLst>
+              <a:ext uri="{FF2B5EF4-FFF2-40B4-BE49-F238E27FC236}">
+                <a16:creationId xmlns:a16="http://schemas.microsoft.com/office/drawing/2014/main" id="{660EF5A3-C5C0-4948-9704-72560F971AB4}"/>
+              </a:ext>
+            </a:extLst>
+          </p:cNvPr>
+          <p:cNvSpPr>
+            <a:spLocks noChangeArrowheads="1"/>
+          </p:cNvSpPr>
+          <p:nvPr/>
+        </p:nvSpPr>
+        <p:spPr bwMode="auto">
+          <a:xfrm>
+            <a:off x="1625001" y="2743937"/>
+            <a:ext cx="117054" cy="126857"/>
+          </a:xfrm>
+          <a:prstGeom prst="ellipse">
+            <a:avLst/>
+          </a:prstGeom>
+          <a:solidFill>
+            <a:schemeClr val="accent1"/>
+          </a:solidFill>
+          <a:ln>
+            <a:noFill/>
+          </a:ln>
+          <a:effectLst/>
+          <a:extLst>
+            <a:ext uri="{91240B29-F687-4F45-9708-019B960494DF}">
+              <a14:hiddenLine xmlns:a14="http://schemas.microsoft.com/office/drawing/2010/main" w="12700">
+                <a:solidFill>
+                  <a:schemeClr val="tx1"/>
+                </a:solidFill>
+                <a:round/>
+                <a:headEnd type="none" w="sm" len="sm"/>
+                <a:tailEnd type="none" w="sm" len="sm"/>
+              </a14:hiddenLine>
+            </a:ext>
+            <a:ext uri="{AF507438-7753-43E0-B8FC-AC1667EBCBE1}">
+              <a14:hiddenEffects xmlns:a14="http://schemas.microsoft.com/office/drawing/2010/main">
+                <a:effectLst>
+                  <a:outerShdw dist="35921" dir="2700000" algn="ctr" rotWithShape="0">
+                    <a:schemeClr val="bg2"/>
+                  </a:outerShdw>
+                </a:effectLst>
+              </a14:hiddenEffects>
+            </a:ext>
+          </a:extLst>
+        </p:spPr>
+        <p:txBody>
+          <a:bodyPr wrap="none" anchor="ctr"/>
+          <a:lstStyle/>
+          <a:p>
+            <a:endParaRPr lang="de-DE" dirty="0">
+              <a:latin typeface="Helvetica Light" panose="020B0403020202020204" pitchFamily="34" charset="0"/>
+            </a:endParaRPr>
+          </a:p>
+        </p:txBody>
+      </p:sp>
+      <mc:AlternateContent xmlns:mc="http://schemas.openxmlformats.org/markup-compatibility/2006">
+        <mc:Choice xmlns:a14="http://schemas.microsoft.com/office/drawing/2010/main" Requires="a14">
+          <p:sp>
+            <p:nvSpPr>
+              <p:cNvPr id="2" name="TextBox 1">
+                <a:extLst>
+                  <a:ext uri="{FF2B5EF4-FFF2-40B4-BE49-F238E27FC236}">
+                    <a16:creationId xmlns:a16="http://schemas.microsoft.com/office/drawing/2014/main" id="{0D5D00E4-32B1-5E4B-B925-3AD2A98A1873}"/>
+                  </a:ext>
+                </a:extLst>
+              </p:cNvPr>
+              <p:cNvSpPr txBox="1"/>
+              <p:nvPr/>
+            </p:nvSpPr>
+            <p:spPr>
+              <a:xfrm>
+                <a:off x="5" y="1394879"/>
+                <a:ext cx="746999" cy="276999"/>
+              </a:xfrm>
+              <a:prstGeom prst="rect">
+                <a:avLst/>
+              </a:prstGeom>
+              <a:noFill/>
+            </p:spPr>
+            <p:txBody>
+              <a:bodyPr wrap="none" lIns="0" tIns="0" rIns="0" bIns="0" rtlCol="0">
+                <a:spAutoFit/>
+              </a:bodyPr>
+              <a:lstStyle/>
+              <a:p>
+                <a:pPr/>
+                <a14:m>
+                  <m:oMathPara xmlns:m="http://schemas.openxmlformats.org/officeDocument/2006/math">
+                    <m:oMathParaPr>
+                      <m:jc m:val="centerGroup"/>
+                    </m:oMathParaPr>
+                    <m:oMath xmlns:m="http://schemas.openxmlformats.org/officeDocument/2006/math">
+                      <m:r>
+                        <a:rPr lang="en-GB" smtClean="0">
+                          <a:latin typeface="Cambria Math" panose="02040503050406030204" pitchFamily="18" charset="0"/>
+                        </a:rPr>
+                        <m:t>£</m:t>
+                      </m:r>
+                      <m:r>
+                        <a:rPr lang="en-GB" b="0" i="0" smtClean="0">
+                          <a:latin typeface="Cambria Math" panose="02040503050406030204" pitchFamily="18" charset="0"/>
+                        </a:rPr>
+                        <m:t>6</m:t>
+                      </m:r>
+                      <m:r>
+                        <a:rPr lang="en-GB">
+                          <a:latin typeface="Cambria Math" panose="02040503050406030204" pitchFamily="18" charset="0"/>
+                        </a:rPr>
+                        <m:t>,</m:t>
+                      </m:r>
+                      <m:r>
+                        <a:rPr lang="en-GB" b="0" i="0" smtClean="0">
+                          <a:latin typeface="Cambria Math" panose="02040503050406030204" pitchFamily="18" charset="0"/>
+                        </a:rPr>
+                        <m:t>0</m:t>
+                      </m:r>
+                      <m:r>
+                        <a:rPr lang="en-GB">
+                          <a:latin typeface="Cambria Math" panose="02040503050406030204" pitchFamily="18" charset="0"/>
+                        </a:rPr>
+                        <m:t>00</m:t>
+                      </m:r>
+                    </m:oMath>
+                  </m:oMathPara>
+                </a14:m>
+                <a:endParaRPr lang="de-DE" dirty="0">
+                  <a:latin typeface="Helvetica Light" panose="020B0403020202020204" pitchFamily="34" charset="0"/>
+                </a:endParaRPr>
+              </a:p>
+            </p:txBody>
+          </p:sp>
+        </mc:Choice>
+        <mc:Fallback>
+          <p:sp>
+            <p:nvSpPr>
+              <p:cNvPr id="2" name="TextBox 1">
+                <a:extLst>
+                  <a:ext uri="{FF2B5EF4-FFF2-40B4-BE49-F238E27FC236}">
+                    <a16:creationId xmlns:a16="http://schemas.microsoft.com/office/drawing/2014/main" id="{0D5D00E4-32B1-5E4B-B925-3AD2A98A1873}"/>
+                  </a:ext>
+                </a:extLst>
+              </p:cNvPr>
+              <p:cNvSpPr txBox="1">
+                <a:spLocks noRot="1" noChangeAspect="1" noMove="1" noResize="1" noEditPoints="1" noAdjustHandles="1" noChangeArrowheads="1" noChangeShapeType="1" noTextEdit="1"/>
+              </p:cNvSpPr>
+              <p:nvPr/>
+            </p:nvSpPr>
+            <p:spPr>
+              <a:xfrm>
+                <a:off x="5" y="1394879"/>
+                <a:ext cx="746999" cy="276999"/>
+              </a:xfrm>
+              <a:prstGeom prst="rect">
+                <a:avLst/>
+              </a:prstGeom>
+              <a:blipFill>
+                <a:blip r:embed="rId2"/>
+                <a:stretch>
+                  <a:fillRect l="-5085" r="-5085"/>
+                </a:stretch>
+              </a:blipFill>
+            </p:spPr>
+            <p:txBody>
+              <a:bodyPr/>
+              <a:lstStyle/>
+              <a:p>
+                <a:r>
+                  <a:rPr lang="en-US">
+                    <a:noFill/>
+                  </a:rPr>
+                  <a:t> </a:t>
+                </a:r>
+              </a:p>
+            </p:txBody>
+          </p:sp>
+        </mc:Fallback>
+      </mc:AlternateContent>
+      <mc:AlternateContent xmlns:mc="http://schemas.openxmlformats.org/markup-compatibility/2006">
+        <mc:Choice xmlns:a14="http://schemas.microsoft.com/office/drawing/2010/main" Requires="a14">
+          <p:sp>
+            <p:nvSpPr>
+              <p:cNvPr id="15" name="TextBox 14">
+                <a:extLst>
+                  <a:ext uri="{FF2B5EF4-FFF2-40B4-BE49-F238E27FC236}">
+                    <a16:creationId xmlns:a16="http://schemas.microsoft.com/office/drawing/2014/main" id="{9E073F8A-FBB1-1D49-B987-48A0C098A9C8}"/>
+                  </a:ext>
+                </a:extLst>
+              </p:cNvPr>
+              <p:cNvSpPr txBox="1"/>
+              <p:nvPr/>
+            </p:nvSpPr>
+            <p:spPr>
+              <a:xfrm>
+                <a:off x="3469663" y="6254784"/>
+                <a:ext cx="746999" cy="276999"/>
+              </a:xfrm>
+              <a:prstGeom prst="rect">
+                <a:avLst/>
+              </a:prstGeom>
+              <a:noFill/>
+            </p:spPr>
+            <p:txBody>
+              <a:bodyPr wrap="none" lIns="0" tIns="0" rIns="0" bIns="0" rtlCol="0">
+                <a:spAutoFit/>
+              </a:bodyPr>
+              <a:lstStyle/>
+              <a:p>
+                <a:pPr/>
+                <a14:m>
+                  <m:oMathPara xmlns:m="http://schemas.openxmlformats.org/officeDocument/2006/math">
+                    <m:oMathParaPr>
+                      <m:jc m:val="centerGroup"/>
+                    </m:oMathParaPr>
+                    <m:oMath xmlns:m="http://schemas.openxmlformats.org/officeDocument/2006/math">
+                      <m:r>
+                        <a:rPr lang="en-GB" smtClean="0">
+                          <a:latin typeface="Cambria Math" panose="02040503050406030204" pitchFamily="18" charset="0"/>
+                        </a:rPr>
+                        <m:t>£</m:t>
+                      </m:r>
+                      <m:r>
+                        <a:rPr lang="en-GB" b="0" i="0" smtClean="0">
+                          <a:latin typeface="Cambria Math" panose="02040503050406030204" pitchFamily="18" charset="0"/>
+                        </a:rPr>
+                        <m:t>6</m:t>
+                      </m:r>
+                      <m:r>
+                        <a:rPr lang="en-GB">
+                          <a:latin typeface="Cambria Math" panose="02040503050406030204" pitchFamily="18" charset="0"/>
+                        </a:rPr>
+                        <m:t>,000</m:t>
+                      </m:r>
+                    </m:oMath>
+                  </m:oMathPara>
+                </a14:m>
+                <a:endParaRPr lang="de-DE" dirty="0">
+                  <a:latin typeface="Helvetica Light" panose="020B0403020202020204" pitchFamily="34" charset="0"/>
+                </a:endParaRPr>
+              </a:p>
+            </p:txBody>
+          </p:sp>
+        </mc:Choice>
+        <mc:Fallback>
+          <p:sp>
+            <p:nvSpPr>
+              <p:cNvPr id="15" name="TextBox 14">
+                <a:extLst>
+                  <a:ext uri="{FF2B5EF4-FFF2-40B4-BE49-F238E27FC236}">
+                    <a16:creationId xmlns:a16="http://schemas.microsoft.com/office/drawing/2014/main" id="{9E073F8A-FBB1-1D49-B987-48A0C098A9C8}"/>
+                  </a:ext>
+                </a:extLst>
+              </p:cNvPr>
+              <p:cNvSpPr txBox="1">
+                <a:spLocks noRot="1" noChangeAspect="1" noMove="1" noResize="1" noEditPoints="1" noAdjustHandles="1" noChangeArrowheads="1" noChangeShapeType="1" noTextEdit="1"/>
+              </p:cNvSpPr>
+              <p:nvPr/>
+            </p:nvSpPr>
+            <p:spPr>
+              <a:xfrm>
+                <a:off x="3469663" y="6254784"/>
+                <a:ext cx="746999" cy="276999"/>
+              </a:xfrm>
+              <a:prstGeom prst="rect">
+                <a:avLst/>
+              </a:prstGeom>
+              <a:blipFill>
+                <a:blip r:embed="rId3"/>
+                <a:stretch>
+                  <a:fillRect l="-5000" r="-5000" b="-4545"/>
+                </a:stretch>
+              </a:blipFill>
+            </p:spPr>
+            <p:txBody>
+              <a:bodyPr/>
+              <a:lstStyle/>
+              <a:p>
+                <a:r>
+                  <a:rPr lang="en-US">
+                    <a:noFill/>
+                  </a:rPr>
+                  <a:t> </a:t>
+                </a:r>
+              </a:p>
+            </p:txBody>
+          </p:sp>
+        </mc:Fallback>
+      </mc:AlternateContent>
+      <mc:AlternateContent xmlns:mc="http://schemas.openxmlformats.org/markup-compatibility/2006">
+        <mc:Choice xmlns:a14="http://schemas.microsoft.com/office/drawing/2010/main" Requires="a14">
+          <p:sp>
+            <p:nvSpPr>
+              <p:cNvPr id="5" name="TextBox 4">
+                <a:extLst>
+                  <a:ext uri="{FF2B5EF4-FFF2-40B4-BE49-F238E27FC236}">
+                    <a16:creationId xmlns:a16="http://schemas.microsoft.com/office/drawing/2014/main" id="{054310DB-4D1F-A546-B853-AF1E6F0DE10A}"/>
+                  </a:ext>
+                </a:extLst>
+              </p:cNvPr>
+              <p:cNvSpPr txBox="1"/>
+              <p:nvPr/>
+            </p:nvSpPr>
+            <p:spPr>
+              <a:xfrm>
+                <a:off x="1519693" y="2183053"/>
+                <a:ext cx="1180644" cy="461665"/>
+              </a:xfrm>
+              <a:prstGeom prst="rect">
+                <a:avLst/>
+              </a:prstGeom>
+              <a:noFill/>
+            </p:spPr>
+            <p:txBody>
+              <a:bodyPr wrap="none" rtlCol="0">
+                <a:spAutoFit/>
+              </a:bodyPr>
+              <a:lstStyle/>
+              <a:p>
+                <a:pPr algn="ctr"/>
+                <a:r>
+                  <a:rPr lang="en-US" sz="1200" dirty="0"/>
+                  <a:t>Initial allocation</a:t>
+                </a:r>
+              </a:p>
+              <a:p>
+                <a:pPr algn="ctr"/>
+                <a:r>
+                  <a:rPr lang="en-US" sz="1200" dirty="0"/>
+                  <a:t>(</a:t>
+                </a:r>
+                <a14:m>
+                  <m:oMath xmlns:m="http://schemas.openxmlformats.org/officeDocument/2006/math">
+                    <m:r>
+                      <a:rPr lang="en-GB" sz="1200" smtClean="0">
+                        <a:latin typeface="Cambria Math" panose="02040503050406030204" pitchFamily="18" charset="0"/>
+                      </a:rPr>
+                      <m:t>£</m:t>
+                    </m:r>
+                    <m:r>
+                      <a:rPr lang="en-GB" sz="1200" i="1">
+                        <a:latin typeface="Cambria Math" panose="02040503050406030204" pitchFamily="18" charset="0"/>
+                      </a:rPr>
+                      <m:t> </m:t>
+                    </m:r>
+                  </m:oMath>
+                </a14:m>
+                <a:r>
+                  <a:rPr lang="en-US" sz="1200" dirty="0"/>
+                  <a:t>5,000, 0)</a:t>
+                </a:r>
+              </a:p>
+            </p:txBody>
+          </p:sp>
+        </mc:Choice>
+        <mc:Fallback>
+          <p:sp>
+            <p:nvSpPr>
+              <p:cNvPr id="5" name="TextBox 4">
+                <a:extLst>
+                  <a:ext uri="{FF2B5EF4-FFF2-40B4-BE49-F238E27FC236}">
+                    <a16:creationId xmlns:a16="http://schemas.microsoft.com/office/drawing/2014/main" id="{054310DB-4D1F-A546-B853-AF1E6F0DE10A}"/>
+                  </a:ext>
+                </a:extLst>
+              </p:cNvPr>
+              <p:cNvSpPr txBox="1">
+                <a:spLocks noRot="1" noChangeAspect="1" noMove="1" noResize="1" noEditPoints="1" noAdjustHandles="1" noChangeArrowheads="1" noChangeShapeType="1" noTextEdit="1"/>
+              </p:cNvSpPr>
+              <p:nvPr/>
+            </p:nvSpPr>
+            <p:spPr>
+              <a:xfrm>
+                <a:off x="1519693" y="2183053"/>
+                <a:ext cx="1180644" cy="461665"/>
+              </a:xfrm>
+              <a:prstGeom prst="rect">
+                <a:avLst/>
+              </a:prstGeom>
+              <a:blipFill>
+                <a:blip r:embed="rId4"/>
+                <a:stretch>
+                  <a:fillRect b="-8108"/>
+                </a:stretch>
+              </a:blipFill>
+            </p:spPr>
+            <p:txBody>
+              <a:bodyPr/>
+              <a:lstStyle/>
+              <a:p>
+                <a:r>
+                  <a:rPr lang="en-US">
+                    <a:noFill/>
+                  </a:rPr>
+                  <a:t> </a:t>
+                </a:r>
+              </a:p>
+            </p:txBody>
+          </p:sp>
+        </mc:Fallback>
+      </mc:AlternateContent>
+    </p:spTree>
+    <p:extLst>
+      <p:ext uri="{BB962C8B-B14F-4D97-AF65-F5344CB8AC3E}">
+        <p14:creationId xmlns:p14="http://schemas.microsoft.com/office/powerpoint/2010/main" val="1649274151"/>
+      </p:ext>
+    </p:extLst>
+  </p:cSld>
+  <p:clrMapOvr>
+    <a:masterClrMapping/>
+  </p:clrMapOvr>
+</p:sld>
+</file>
+
+<file path=ppt/slides/slide2.xml><?xml version="1.0" encoding="utf-8"?>
+<p:sld xmlns:a="http://schemas.openxmlformats.org/drawingml/2006/main" xmlns:r="http://schemas.openxmlformats.org/officeDocument/2006/relationships" xmlns:p="http://schemas.openxmlformats.org/presentationml/2006/main">
+  <p:cSld>
+    <p:spTree>
+      <p:nvGrpSpPr>
+        <p:cNvPr id="1" name=""/>
+        <p:cNvGrpSpPr/>
+        <p:nvPr/>
+      </p:nvGrpSpPr>
+      <p:grpSpPr>
+        <a:xfrm>
+          <a:off x="0" y="0"/>
+          <a:ext cx="0" cy="0"/>
+          <a:chOff x="0" y="0"/>
+          <a:chExt cx="0" cy="0"/>
+        </a:xfrm>
+      </p:grpSpPr>
+      <p:sp>
+        <p:nvSpPr>
+          <p:cNvPr id="41987" name="Line 3">
+            <a:extLst>
+              <a:ext uri="{FF2B5EF4-FFF2-40B4-BE49-F238E27FC236}">
+                <a16:creationId xmlns:a16="http://schemas.microsoft.com/office/drawing/2014/main" id="{3127191C-404E-9046-A4E0-97AC0495884A}"/>
+              </a:ext>
+            </a:extLst>
+          </p:cNvPr>
+          <p:cNvSpPr>
+            <a:spLocks noChangeShapeType="1"/>
+          </p:cNvSpPr>
+          <p:nvPr/>
+        </p:nvSpPr>
+        <p:spPr bwMode="auto">
+          <a:xfrm flipV="1">
+            <a:off x="841850" y="637957"/>
+            <a:ext cx="0" cy="5454868"/>
+          </a:xfrm>
+          <a:prstGeom prst="line">
+            <a:avLst/>
+          </a:prstGeom>
+          <a:noFill/>
+          <a:ln w="12700">
+            <a:solidFill>
+              <a:schemeClr val="tx1"/>
+            </a:solidFill>
+            <a:round/>
+            <a:headEnd type="none" w="sm" len="sm"/>
+            <a:tailEnd type="stealth" w="med" len="lg"/>
+          </a:ln>
+          <a:effectLst/>
+          <a:extLst>
+            <a:ext uri="{909E8E84-426E-40DD-AFC4-6F175D3DCCD1}">
+              <a14:hiddenFill xmlns:a14="http://schemas.microsoft.com/office/drawing/2010/main">
+                <a:noFill/>
+              </a14:hiddenFill>
+            </a:ext>
+            <a:ext uri="{AF507438-7753-43E0-B8FC-AC1667EBCBE1}">
+              <a14:hiddenEffects xmlns:a14="http://schemas.microsoft.com/office/drawing/2010/main">
+                <a:effectLst>
+                  <a:outerShdw dist="35921" dir="2700000" algn="ctr" rotWithShape="0">
+                    <a:schemeClr val="bg2"/>
+                  </a:outerShdw>
+                </a:effectLst>
+              </a14:hiddenEffects>
+            </a:ext>
+          </a:extLst>
+        </p:spPr>
+        <p:txBody>
+          <a:bodyPr wrap="none" anchor="ctr"/>
+          <a:lstStyle/>
+          <a:p>
+            <a:endParaRPr lang="de-DE" dirty="0">
+              <a:latin typeface="Helvetica Light" panose="020B0403020202020204" pitchFamily="34" charset="0"/>
+            </a:endParaRPr>
+          </a:p>
+        </p:txBody>
+      </p:sp>
+      <p:sp>
+        <p:nvSpPr>
+          <p:cNvPr id="41988" name="Line 4">
+            <a:extLst>
+              <a:ext uri="{FF2B5EF4-FFF2-40B4-BE49-F238E27FC236}">
+                <a16:creationId xmlns:a16="http://schemas.microsoft.com/office/drawing/2014/main" id="{8EC619E7-6BE3-8C47-AD78-F7533447E138}"/>
+              </a:ext>
+            </a:extLst>
+          </p:cNvPr>
+          <p:cNvSpPr>
+            <a:spLocks noChangeShapeType="1"/>
+          </p:cNvSpPr>
+          <p:nvPr/>
+        </p:nvSpPr>
+        <p:spPr bwMode="auto">
+          <a:xfrm>
+            <a:off x="841850" y="6092825"/>
+            <a:ext cx="3992656" cy="0"/>
+          </a:xfrm>
+          <a:prstGeom prst="line">
+            <a:avLst/>
+          </a:prstGeom>
+          <a:noFill/>
+          <a:ln w="12700">
+            <a:solidFill>
+              <a:schemeClr val="tx1"/>
+            </a:solidFill>
+            <a:round/>
+            <a:headEnd type="none" w="sm" len="sm"/>
+            <a:tailEnd type="stealth" w="med" len="lg"/>
+          </a:ln>
+          <a:effectLst/>
+          <a:extLst>
+            <a:ext uri="{909E8E84-426E-40DD-AFC4-6F175D3DCCD1}">
+              <a14:hiddenFill xmlns:a14="http://schemas.microsoft.com/office/drawing/2010/main">
+                <a:noFill/>
+              </a14:hiddenFill>
+            </a:ext>
+            <a:ext uri="{AF507438-7753-43E0-B8FC-AC1667EBCBE1}">
+              <a14:hiddenEffects xmlns:a14="http://schemas.microsoft.com/office/drawing/2010/main">
+                <a:effectLst>
+                  <a:outerShdw dist="35921" dir="2700000" algn="ctr" rotWithShape="0">
+                    <a:schemeClr val="bg2"/>
+                  </a:outerShdw>
+                </a:effectLst>
+              </a14:hiddenEffects>
+            </a:ext>
+          </a:extLst>
+        </p:spPr>
+        <p:txBody>
+          <a:bodyPr wrap="none" anchor="ctr"/>
+          <a:lstStyle/>
+          <a:p>
+            <a:endParaRPr lang="de-DE" dirty="0">
+              <a:latin typeface="Helvetica Light" panose="020B0403020202020204" pitchFamily="34" charset="0"/>
+            </a:endParaRPr>
+          </a:p>
+        </p:txBody>
+      </p:sp>
+      <p:sp>
+        <p:nvSpPr>
+          <p:cNvPr id="41997" name="Line 13">
+            <a:extLst>
+              <a:ext uri="{FF2B5EF4-FFF2-40B4-BE49-F238E27FC236}">
+                <a16:creationId xmlns:a16="http://schemas.microsoft.com/office/drawing/2014/main" id="{866E3355-8117-744F-A840-C118B3BF9C24}"/>
+              </a:ext>
+            </a:extLst>
+          </p:cNvPr>
+          <p:cNvSpPr>
+            <a:spLocks noChangeShapeType="1"/>
+          </p:cNvSpPr>
+          <p:nvPr/>
+        </p:nvSpPr>
+        <p:spPr bwMode="auto">
+          <a:xfrm>
+            <a:off x="841850" y="1525959"/>
+            <a:ext cx="3019468" cy="4566866"/>
+          </a:xfrm>
+          <a:prstGeom prst="line">
+            <a:avLst/>
+          </a:prstGeom>
+          <a:noFill/>
+          <a:ln w="38100">
+            <a:solidFill>
+              <a:schemeClr val="tx1"/>
+            </a:solidFill>
+            <a:round/>
+            <a:headEnd type="none" w="sm" len="sm"/>
+            <a:tailEnd type="none" w="sm" len="sm"/>
+          </a:ln>
+          <a:effectLst/>
+          <a:extLst>
+            <a:ext uri="{909E8E84-426E-40DD-AFC4-6F175D3DCCD1}">
+              <a14:hiddenFill xmlns:a14="http://schemas.microsoft.com/office/drawing/2010/main">
+                <a:noFill/>
+              </a14:hiddenFill>
+            </a:ext>
+            <a:ext uri="{AF507438-7753-43E0-B8FC-AC1667EBCBE1}">
+              <a14:hiddenEffects xmlns:a14="http://schemas.microsoft.com/office/drawing/2010/main">
+                <a:effectLst>
+                  <a:outerShdw dist="35921" dir="2700000" algn="ctr" rotWithShape="0">
+                    <a:schemeClr val="bg2"/>
+                  </a:outerShdw>
+                </a:effectLst>
+              </a14:hiddenEffects>
+            </a:ext>
+          </a:extLst>
+        </p:spPr>
+        <p:txBody>
+          <a:bodyPr wrap="none" anchor="ctr"/>
+          <a:lstStyle/>
+          <a:p>
+            <a:endParaRPr lang="de-DE" dirty="0">
+              <a:latin typeface="Helvetica Light" panose="020B0403020202020204" pitchFamily="34" charset="0"/>
+            </a:endParaRPr>
+          </a:p>
+        </p:txBody>
+      </p:sp>
+      <mc:AlternateContent xmlns:mc="http://schemas.openxmlformats.org/markup-compatibility/2006">
+        <mc:Choice xmlns:a14="http://schemas.microsoft.com/office/drawing/2010/main" Requires="a14">
+          <p:sp>
+            <p:nvSpPr>
+              <p:cNvPr id="15" name="TextBox 14">
+                <a:extLst>
+                  <a:ext uri="{FF2B5EF4-FFF2-40B4-BE49-F238E27FC236}">
+                    <a16:creationId xmlns:a16="http://schemas.microsoft.com/office/drawing/2014/main" id="{F13E77ED-CF39-2A41-A964-1C21F800441F}"/>
+                  </a:ext>
+                </a:extLst>
+              </p:cNvPr>
+              <p:cNvSpPr txBox="1"/>
+              <p:nvPr/>
+            </p:nvSpPr>
+            <p:spPr>
+              <a:xfrm>
+                <a:off x="828675" y="3362658"/>
+                <a:ext cx="986017" cy="507831"/>
+              </a:xfrm>
+              <a:prstGeom prst="rect">
+                <a:avLst/>
+              </a:prstGeom>
+              <a:noFill/>
+            </p:spPr>
+            <p:txBody>
+              <a:bodyPr wrap="square" lIns="0" tIns="0" rIns="0" bIns="0" rtlCol="0">
+                <a:spAutoFit/>
+              </a:bodyPr>
+              <a:lstStyle/>
+              <a:p>
+                <a:pPr algn="ctr"/>
+                <a:r>
+                  <a:rPr lang="de-DE" sz="1100" dirty="0">
+                    <a:latin typeface="Helvetica Light" panose="020B0403020202020204" pitchFamily="34" charset="0"/>
+                  </a:rPr>
+                  <a:t>Premium</a:t>
+                </a:r>
+              </a:p>
+              <a:p>
+                <a:pPr algn="ctr"/>
+                <a14:m>
+                  <m:oMath xmlns:m="http://schemas.openxmlformats.org/officeDocument/2006/math">
+                    <m:r>
+                      <a:rPr lang="en-GB" sz="1100">
+                        <a:latin typeface="Cambria Math" panose="02040503050406030204" pitchFamily="18" charset="0"/>
+                      </a:rPr>
+                      <m:t>£2</m:t>
+                    </m:r>
+                    <m:r>
+                      <a:rPr lang="en-GB" sz="1100" b="0" i="0" smtClean="0">
+                        <a:latin typeface="Cambria Math" panose="02040503050406030204" pitchFamily="18" charset="0"/>
+                      </a:rPr>
+                      <m:t>0</m:t>
+                    </m:r>
+                    <m:r>
+                      <a:rPr lang="en-GB" sz="1100">
+                        <a:latin typeface="Cambria Math" panose="02040503050406030204" pitchFamily="18" charset="0"/>
+                      </a:rPr>
+                      <m:t>00</m:t>
+                    </m:r>
+                  </m:oMath>
+                </a14:m>
+                <a:r>
+                  <a:rPr lang="de-DE" sz="1100" dirty="0">
+                    <a:latin typeface="Helvetica Light" panose="020B0403020202020204" pitchFamily="34" charset="0"/>
+                  </a:rPr>
+                  <a:t> </a:t>
+                </a:r>
+              </a:p>
+              <a:p>
+                <a:pPr algn="ctr"/>
+                <a:endParaRPr lang="de-DE" sz="1100" dirty="0">
+                  <a:latin typeface="Helvetica Light" panose="020B0403020202020204" pitchFamily="34" charset="0"/>
+                </a:endParaRPr>
+              </a:p>
+            </p:txBody>
+          </p:sp>
+        </mc:Choice>
+        <mc:Fallback>
+          <p:sp>
+            <p:nvSpPr>
+              <p:cNvPr id="15" name="TextBox 14">
+                <a:extLst>
+                  <a:ext uri="{FF2B5EF4-FFF2-40B4-BE49-F238E27FC236}">
+                    <a16:creationId xmlns:a16="http://schemas.microsoft.com/office/drawing/2014/main" id="{F13E77ED-CF39-2A41-A964-1C21F800441F}"/>
+                  </a:ext>
+                </a:extLst>
+              </p:cNvPr>
+              <p:cNvSpPr txBox="1">
+                <a:spLocks noRot="1" noChangeAspect="1" noMove="1" noResize="1" noEditPoints="1" noAdjustHandles="1" noChangeArrowheads="1" noChangeShapeType="1" noTextEdit="1"/>
+              </p:cNvSpPr>
+              <p:nvPr/>
+            </p:nvSpPr>
+            <p:spPr>
+              <a:xfrm>
+                <a:off x="828675" y="3362658"/>
+                <a:ext cx="986017" cy="507831"/>
+              </a:xfrm>
+              <a:prstGeom prst="rect">
+                <a:avLst/>
+              </a:prstGeom>
+              <a:blipFill>
+                <a:blip r:embed="rId2"/>
+                <a:stretch>
+                  <a:fillRect t="-7317"/>
+                </a:stretch>
+              </a:blipFill>
+            </p:spPr>
+            <p:txBody>
+              <a:bodyPr/>
+              <a:lstStyle/>
+              <a:p>
+                <a:r>
+                  <a:rPr lang="en-US">
+                    <a:noFill/>
+                  </a:rPr>
+                  <a:t> </a:t>
+                </a:r>
+              </a:p>
+            </p:txBody>
+          </p:sp>
+        </mc:Fallback>
+      </mc:AlternateContent>
+      <mc:AlternateContent xmlns:mc="http://schemas.openxmlformats.org/markup-compatibility/2006">
+        <mc:Choice xmlns:a14="http://schemas.microsoft.com/office/drawing/2010/main" Requires="a14">
+          <p:sp>
+            <p:nvSpPr>
+              <p:cNvPr id="19" name="TextBox 18">
+                <a:extLst>
+                  <a:ext uri="{FF2B5EF4-FFF2-40B4-BE49-F238E27FC236}">
+                    <a16:creationId xmlns:a16="http://schemas.microsoft.com/office/drawing/2014/main" id="{3882B97E-1AD0-9B45-A429-1E0A7E47FB74}"/>
+                  </a:ext>
+                </a:extLst>
+              </p:cNvPr>
+              <p:cNvSpPr txBox="1"/>
+              <p:nvPr/>
+            </p:nvSpPr>
+            <p:spPr>
+              <a:xfrm>
+                <a:off x="3469662" y="6247370"/>
+                <a:ext cx="746999" cy="276999"/>
+              </a:xfrm>
+              <a:prstGeom prst="rect">
+                <a:avLst/>
+              </a:prstGeom>
+              <a:noFill/>
+            </p:spPr>
+            <p:txBody>
+              <a:bodyPr wrap="none" lIns="0" tIns="0" rIns="0" bIns="0" rtlCol="0">
+                <a:spAutoFit/>
+              </a:bodyPr>
+              <a:lstStyle/>
+              <a:p>
+                <a:pPr/>
+                <a14:m>
+                  <m:oMathPara xmlns:m="http://schemas.openxmlformats.org/officeDocument/2006/math">
+                    <m:oMathParaPr>
+                      <m:jc m:val="centerGroup"/>
+                    </m:oMathParaPr>
+                    <m:oMath xmlns:m="http://schemas.openxmlformats.org/officeDocument/2006/math">
+                      <m:r>
+                        <a:rPr lang="en-GB" smtClean="0">
+                          <a:latin typeface="Cambria Math" panose="02040503050406030204" pitchFamily="18" charset="0"/>
+                        </a:rPr>
+                        <m:t>£</m:t>
+                      </m:r>
+                      <m:r>
+                        <a:rPr lang="en-GB" b="0" i="0" smtClean="0">
+                          <a:latin typeface="Cambria Math" panose="02040503050406030204" pitchFamily="18" charset="0"/>
+                        </a:rPr>
+                        <m:t>6</m:t>
+                      </m:r>
+                      <m:r>
+                        <a:rPr lang="en-GB">
+                          <a:latin typeface="Cambria Math" panose="02040503050406030204" pitchFamily="18" charset="0"/>
+                        </a:rPr>
+                        <m:t>,</m:t>
+                      </m:r>
+                      <m:r>
+                        <a:rPr lang="en-GB">
+                          <a:latin typeface="Cambria Math" panose="02040503050406030204" pitchFamily="18" charset="0"/>
+                        </a:rPr>
+                        <m:t>000</m:t>
+                      </m:r>
+                    </m:oMath>
+                  </m:oMathPara>
+                </a14:m>
+                <a:endParaRPr lang="de-DE" dirty="0">
+                  <a:latin typeface="Helvetica Light" panose="020B0403020202020204" pitchFamily="34" charset="0"/>
+                </a:endParaRPr>
+              </a:p>
+            </p:txBody>
+          </p:sp>
+        </mc:Choice>
+        <mc:Fallback>
+          <p:sp>
+            <p:nvSpPr>
+              <p:cNvPr id="19" name="TextBox 18">
+                <a:extLst>
+                  <a:ext uri="{FF2B5EF4-FFF2-40B4-BE49-F238E27FC236}">
+                    <a16:creationId xmlns:a16="http://schemas.microsoft.com/office/drawing/2014/main" id="{3882B97E-1AD0-9B45-A429-1E0A7E47FB74}"/>
+                  </a:ext>
+                </a:extLst>
+              </p:cNvPr>
+              <p:cNvSpPr txBox="1">
+                <a:spLocks noRot="1" noChangeAspect="1" noMove="1" noResize="1" noEditPoints="1" noAdjustHandles="1" noChangeArrowheads="1" noChangeShapeType="1" noTextEdit="1"/>
+              </p:cNvSpPr>
+              <p:nvPr/>
+            </p:nvSpPr>
+            <p:spPr>
+              <a:xfrm>
+                <a:off x="3469662" y="6247370"/>
+                <a:ext cx="746999" cy="276999"/>
+              </a:xfrm>
+              <a:prstGeom prst="rect">
+                <a:avLst/>
+              </a:prstGeom>
+              <a:blipFill>
+                <a:blip r:embed="rId3"/>
+                <a:stretch>
+                  <a:fillRect l="-5000" r="-5000" b="-4545"/>
+                </a:stretch>
+              </a:blipFill>
+            </p:spPr>
+            <p:txBody>
+              <a:bodyPr/>
+              <a:lstStyle/>
+              <a:p>
+                <a:r>
+                  <a:rPr lang="en-US">
+                    <a:noFill/>
+                  </a:rPr>
+                  <a:t> </a:t>
+                </a:r>
+              </a:p>
+            </p:txBody>
+          </p:sp>
+        </mc:Fallback>
+      </mc:AlternateContent>
+      <mc:AlternateContent xmlns:mc="http://schemas.openxmlformats.org/markup-compatibility/2006">
+        <mc:Choice xmlns:a14="http://schemas.microsoft.com/office/drawing/2010/main" Requires="a14">
+          <p:sp>
+            <p:nvSpPr>
+              <p:cNvPr id="22" name="TextBox 21">
+                <a:extLst>
+                  <a:ext uri="{FF2B5EF4-FFF2-40B4-BE49-F238E27FC236}">
+                    <a16:creationId xmlns:a16="http://schemas.microsoft.com/office/drawing/2014/main" id="{352A207F-C0D9-5B41-A278-3AD12F72E703}"/>
+                  </a:ext>
+                </a:extLst>
+              </p:cNvPr>
+              <p:cNvSpPr txBox="1"/>
+              <p:nvPr/>
+            </p:nvSpPr>
+            <p:spPr>
+              <a:xfrm>
+                <a:off x="7062" y="1399354"/>
+                <a:ext cx="746999" cy="276999"/>
+              </a:xfrm>
+              <a:prstGeom prst="rect">
+                <a:avLst/>
+              </a:prstGeom>
+              <a:noFill/>
+            </p:spPr>
+            <p:txBody>
+              <a:bodyPr wrap="none" lIns="0" tIns="0" rIns="0" bIns="0" rtlCol="0">
+                <a:spAutoFit/>
+              </a:bodyPr>
+              <a:lstStyle/>
+              <a:p>
+                <a:pPr/>
+                <a14:m>
+                  <m:oMathPara xmlns:m="http://schemas.openxmlformats.org/officeDocument/2006/math">
+                    <m:oMathParaPr>
+                      <m:jc m:val="centerGroup"/>
+                    </m:oMathParaPr>
+                    <m:oMath xmlns:m="http://schemas.openxmlformats.org/officeDocument/2006/math">
+                      <m:r>
+                        <a:rPr lang="en-GB" smtClean="0">
+                          <a:latin typeface="Cambria Math" panose="02040503050406030204" pitchFamily="18" charset="0"/>
+                        </a:rPr>
+                        <m:t>£</m:t>
+                      </m:r>
+                      <m:r>
+                        <a:rPr lang="en-GB" b="0" i="0" smtClean="0">
+                          <a:latin typeface="Cambria Math" panose="02040503050406030204" pitchFamily="18" charset="0"/>
+                        </a:rPr>
+                        <m:t>6</m:t>
+                      </m:r>
+                      <m:r>
+                        <a:rPr lang="en-GB">
+                          <a:latin typeface="Cambria Math" panose="02040503050406030204" pitchFamily="18" charset="0"/>
+                        </a:rPr>
+                        <m:t>,</m:t>
+                      </m:r>
+                      <m:r>
+                        <a:rPr lang="en-GB" b="0" i="0" smtClean="0">
+                          <a:latin typeface="Cambria Math" panose="02040503050406030204" pitchFamily="18" charset="0"/>
+                        </a:rPr>
+                        <m:t>0</m:t>
+                      </m:r>
+                      <m:r>
+                        <a:rPr lang="en-GB">
+                          <a:latin typeface="Cambria Math" panose="02040503050406030204" pitchFamily="18" charset="0"/>
+                        </a:rPr>
+                        <m:t>00</m:t>
+                      </m:r>
+                    </m:oMath>
+                  </m:oMathPara>
+                </a14:m>
+                <a:endParaRPr lang="de-DE" dirty="0">
+                  <a:latin typeface="Helvetica Light" panose="020B0403020202020204" pitchFamily="34" charset="0"/>
+                </a:endParaRPr>
+              </a:p>
+            </p:txBody>
+          </p:sp>
+        </mc:Choice>
+        <mc:Fallback>
+          <p:sp>
+            <p:nvSpPr>
+              <p:cNvPr id="22" name="TextBox 21">
+                <a:extLst>
+                  <a:ext uri="{FF2B5EF4-FFF2-40B4-BE49-F238E27FC236}">
+                    <a16:creationId xmlns:a16="http://schemas.microsoft.com/office/drawing/2014/main" id="{352A207F-C0D9-5B41-A278-3AD12F72E703}"/>
+                  </a:ext>
+                </a:extLst>
+              </p:cNvPr>
+              <p:cNvSpPr txBox="1">
+                <a:spLocks noRot="1" noChangeAspect="1" noMove="1" noResize="1" noEditPoints="1" noAdjustHandles="1" noChangeArrowheads="1" noChangeShapeType="1" noTextEdit="1"/>
+              </p:cNvSpPr>
+              <p:nvPr/>
+            </p:nvSpPr>
+            <p:spPr>
+              <a:xfrm>
+                <a:off x="7062" y="1399354"/>
+                <a:ext cx="746999" cy="276999"/>
+              </a:xfrm>
+              <a:prstGeom prst="rect">
+                <a:avLst/>
+              </a:prstGeom>
+              <a:blipFill>
+                <a:blip r:embed="rId4"/>
+                <a:stretch>
+                  <a:fillRect l="-3390" r="-5085" b="-4348"/>
+                </a:stretch>
+              </a:blipFill>
+            </p:spPr>
+            <p:txBody>
+              <a:bodyPr/>
+              <a:lstStyle/>
+              <a:p>
+                <a:r>
+                  <a:rPr lang="en-US">
+                    <a:noFill/>
+                  </a:rPr>
+                  <a:t> </a:t>
+                </a:r>
+              </a:p>
+            </p:txBody>
+          </p:sp>
+        </mc:Fallback>
+      </mc:AlternateContent>
+      <p:cxnSp>
+        <p:nvCxnSpPr>
+          <p:cNvPr id="8" name="Straight Arrow Connector 7">
+            <a:extLst>
+              <a:ext uri="{FF2B5EF4-FFF2-40B4-BE49-F238E27FC236}">
+                <a16:creationId xmlns:a16="http://schemas.microsoft.com/office/drawing/2014/main" id="{70EA46B4-98B2-B048-AB1E-53F85A7C2434}"/>
+              </a:ext>
+            </a:extLst>
+          </p:cNvPr>
+          <p:cNvCxnSpPr>
+            <a:cxnSpLocks/>
+          </p:cNvCxnSpPr>
+          <p:nvPr/>
+        </p:nvCxnSpPr>
+        <p:spPr>
+          <a:xfrm>
+            <a:off x="1683528" y="2750944"/>
+            <a:ext cx="0" cy="1342489"/>
+          </a:xfrm>
+          <a:prstGeom prst="straightConnector1">
+            <a:avLst/>
+          </a:prstGeom>
+          <a:ln w="34925">
+            <a:solidFill>
+              <a:srgbClr val="C00000"/>
+            </a:solidFill>
+            <a:tailEnd type="triangle"/>
+          </a:ln>
+        </p:spPr>
+        <p:style>
+          <a:lnRef idx="1">
+            <a:schemeClr val="accent1"/>
+          </a:lnRef>
+          <a:fillRef idx="0">
+            <a:schemeClr val="accent1"/>
+          </a:fillRef>
+          <a:effectRef idx="0">
+            <a:schemeClr val="accent1"/>
+          </a:effectRef>
+          <a:fontRef idx="minor">
+            <a:schemeClr val="tx1"/>
+          </a:fontRef>
+        </p:style>
+      </p:cxnSp>
+      <p:sp>
+        <p:nvSpPr>
+          <p:cNvPr id="36" name="Oval 14">
+            <a:extLst>
+              <a:ext uri="{FF2B5EF4-FFF2-40B4-BE49-F238E27FC236}">
+                <a16:creationId xmlns:a16="http://schemas.microsoft.com/office/drawing/2014/main" id="{4E2F3C68-3CE6-3142-80FA-D59655499B8F}"/>
+              </a:ext>
+            </a:extLst>
+          </p:cNvPr>
+          <p:cNvSpPr>
+            <a:spLocks noChangeArrowheads="1"/>
+          </p:cNvSpPr>
+          <p:nvPr/>
+        </p:nvSpPr>
+        <p:spPr bwMode="auto">
+          <a:xfrm>
+            <a:off x="1625001" y="2743937"/>
+            <a:ext cx="117054" cy="126857"/>
+          </a:xfrm>
+          <a:prstGeom prst="ellipse">
+            <a:avLst/>
+          </a:prstGeom>
+          <a:solidFill>
+            <a:schemeClr val="accent1"/>
+          </a:solidFill>
+          <a:ln>
+            <a:noFill/>
+          </a:ln>
+          <a:effectLst/>
+          <a:extLst>
+            <a:ext uri="{91240B29-F687-4F45-9708-019B960494DF}">
+              <a14:hiddenLine xmlns:a14="http://schemas.microsoft.com/office/drawing/2010/main" w="12700">
+                <a:solidFill>
+                  <a:schemeClr val="tx1"/>
+                </a:solidFill>
+                <a:round/>
+                <a:headEnd type="none" w="sm" len="sm"/>
+                <a:tailEnd type="none" w="sm" len="sm"/>
+              </a14:hiddenLine>
+            </a:ext>
+            <a:ext uri="{AF507438-7753-43E0-B8FC-AC1667EBCBE1}">
+              <a14:hiddenEffects xmlns:a14="http://schemas.microsoft.com/office/drawing/2010/main">
+                <a:effectLst>
+                  <a:outerShdw dist="35921" dir="2700000" algn="ctr" rotWithShape="0">
+                    <a:schemeClr val="bg2"/>
+                  </a:outerShdw>
+                </a:effectLst>
+              </a14:hiddenEffects>
+            </a:ext>
+          </a:extLst>
+        </p:spPr>
+        <p:txBody>
+          <a:bodyPr wrap="none" anchor="ctr"/>
+          <a:lstStyle/>
+          <a:p>
+            <a:endParaRPr lang="de-DE" dirty="0">
+              <a:latin typeface="Helvetica Light" panose="020B0403020202020204" pitchFamily="34" charset="0"/>
+            </a:endParaRPr>
+          </a:p>
+        </p:txBody>
+      </p:sp>
+      <mc:AlternateContent xmlns:mc="http://schemas.openxmlformats.org/markup-compatibility/2006">
+        <mc:Choice xmlns:a14="http://schemas.microsoft.com/office/drawing/2010/main" Requires="a14">
+          <p:sp>
+            <p:nvSpPr>
+              <p:cNvPr id="40" name="TextBox 39">
+                <a:extLst>
+                  <a:ext uri="{FF2B5EF4-FFF2-40B4-BE49-F238E27FC236}">
+                    <a16:creationId xmlns:a16="http://schemas.microsoft.com/office/drawing/2014/main" id="{28FF8B66-6E52-F641-A916-F9995D65CDA6}"/>
+                  </a:ext>
+                </a:extLst>
+              </p:cNvPr>
+              <p:cNvSpPr txBox="1"/>
+              <p:nvPr/>
+            </p:nvSpPr>
+            <p:spPr>
+              <a:xfrm>
+                <a:off x="1582706" y="2233987"/>
+                <a:ext cx="1292341" cy="461665"/>
+              </a:xfrm>
+              <a:prstGeom prst="rect">
+                <a:avLst/>
+              </a:prstGeom>
+              <a:noFill/>
+            </p:spPr>
+            <p:txBody>
+              <a:bodyPr wrap="none" rtlCol="0">
+                <a:spAutoFit/>
+              </a:bodyPr>
+              <a:lstStyle/>
+              <a:p>
+                <a:pPr algn="ctr"/>
+                <a:r>
+                  <a:rPr lang="en-US" sz="1200" dirty="0"/>
+                  <a:t>Initial allocation</a:t>
+                </a:r>
+              </a:p>
+              <a:p>
+                <a:pPr algn="ctr"/>
+                <a:r>
+                  <a:rPr lang="en-US" sz="1200" dirty="0"/>
+                  <a:t>(</a:t>
+                </a:r>
+                <a14:m>
+                  <m:oMath xmlns:m="http://schemas.openxmlformats.org/officeDocument/2006/math">
+                    <m:r>
+                      <a:rPr lang="en-GB" sz="1200" smtClean="0">
+                        <a:latin typeface="Cambria Math" panose="02040503050406030204" pitchFamily="18" charset="0"/>
+                      </a:rPr>
+                      <m:t>£</m:t>
+                    </m:r>
+                    <m:r>
+                      <a:rPr lang="en-GB" sz="1200" i="1">
+                        <a:latin typeface="Cambria Math" panose="02040503050406030204" pitchFamily="18" charset="0"/>
+                      </a:rPr>
+                      <m:t> </m:t>
+                    </m:r>
+                    <m:r>
+                      <a:rPr lang="en-GB" sz="1200" b="0" i="0" smtClean="0">
+                        <a:latin typeface="Cambria Math" panose="02040503050406030204" pitchFamily="18" charset="0"/>
+                      </a:rPr>
+                      <m:t>5</m:t>
+                    </m:r>
+                  </m:oMath>
+                </a14:m>
+                <a:r>
+                  <a:rPr lang="en-US" sz="1200" dirty="0"/>
+                  <a:t>,000, £ 1,000)</a:t>
+                </a:r>
+              </a:p>
+            </p:txBody>
+          </p:sp>
+        </mc:Choice>
+        <mc:Fallback>
+          <p:sp>
+            <p:nvSpPr>
+              <p:cNvPr id="40" name="TextBox 39">
+                <a:extLst>
+                  <a:ext uri="{FF2B5EF4-FFF2-40B4-BE49-F238E27FC236}">
+                    <a16:creationId xmlns:a16="http://schemas.microsoft.com/office/drawing/2014/main" id="{28FF8B66-6E52-F641-A916-F9995D65CDA6}"/>
+                  </a:ext>
+                </a:extLst>
+              </p:cNvPr>
+              <p:cNvSpPr txBox="1">
+                <a:spLocks noRot="1" noChangeAspect="1" noMove="1" noResize="1" noEditPoints="1" noAdjustHandles="1" noChangeArrowheads="1" noChangeShapeType="1" noTextEdit="1"/>
+              </p:cNvSpPr>
+              <p:nvPr/>
+            </p:nvSpPr>
+            <p:spPr>
+              <a:xfrm>
+                <a:off x="1582706" y="2233987"/>
+                <a:ext cx="1292341" cy="461665"/>
+              </a:xfrm>
+              <a:prstGeom prst="rect">
+                <a:avLst/>
+              </a:prstGeom>
+              <a:blipFill>
+                <a:blip r:embed="rId5"/>
+                <a:stretch>
+                  <a:fillRect b="-8108"/>
+                </a:stretch>
+              </a:blipFill>
+            </p:spPr>
+            <p:txBody>
+              <a:bodyPr/>
+              <a:lstStyle/>
+              <a:p>
+                <a:r>
+                  <a:rPr lang="en-US">
+                    <a:noFill/>
+                  </a:rPr>
+                  <a:t> </a:t>
+                </a:r>
+              </a:p>
+            </p:txBody>
+          </p:sp>
+        </mc:Fallback>
+      </mc:AlternateContent>
+    </p:spTree>
+    <p:extLst>
+      <p:ext uri="{BB962C8B-B14F-4D97-AF65-F5344CB8AC3E}">
+        <p14:creationId xmlns:p14="http://schemas.microsoft.com/office/powerpoint/2010/main" val="2806225907"/>
+      </p:ext>
+    </p:extLst>
+  </p:cSld>
+  <p:clrMapOvr>
+    <a:masterClrMapping/>
+  </p:clrMapOvr>
+</p:sld>
+</file>
+
+<file path=ppt/slides/slide3.xml><?xml version="1.0" encoding="utf-8"?>
+<p:sld xmlns:a="http://schemas.openxmlformats.org/drawingml/2006/main" xmlns:r="http://schemas.openxmlformats.org/officeDocument/2006/relationships" xmlns:p="http://schemas.openxmlformats.org/presentationml/2006/main">
+  <p:cSld>
+    <p:spTree>
+      <p:nvGrpSpPr>
+        <p:cNvPr id="1" name=""/>
+        <p:cNvGrpSpPr/>
+        <p:nvPr/>
+      </p:nvGrpSpPr>
+      <p:grpSpPr>
+        <a:xfrm>
+          <a:off x="0" y="0"/>
+          <a:ext cx="0" cy="0"/>
+          <a:chOff x="0" y="0"/>
+          <a:chExt cx="0" cy="0"/>
+        </a:xfrm>
+      </p:grpSpPr>
       <p:grpSp>
         <p:nvGrpSpPr>
-          <p:cNvPr id="4" name="Group 3">
+          <p:cNvPr id="6" name="Group 5">
             <a:extLst>
               <a:ext uri="{FF2B5EF4-FFF2-40B4-BE49-F238E27FC236}">
-                <a16:creationId xmlns:a16="http://schemas.microsoft.com/office/drawing/2014/main" id="{2AC17E8F-78DD-2544-977D-95E5B0743F0E}"/>
+                <a16:creationId xmlns:a16="http://schemas.microsoft.com/office/drawing/2014/main" id="{82C10D7E-E087-B64B-BD03-9774B9F66623}"/>
               </a:ext>
             </a:extLst>
           </p:cNvPr>
@@ -3004,10 +4407,10 @@
         </p:nvGrpSpPr>
         <p:grpSpPr>
           <a:xfrm>
-            <a:off x="0" y="645375"/>
-            <a:ext cx="4834507" cy="5886407"/>
-            <a:chOff x="389134" y="651643"/>
-            <a:chExt cx="4834507" cy="5886407"/>
+            <a:off x="783322" y="637957"/>
+            <a:ext cx="4051184" cy="5454868"/>
+            <a:chOff x="2878225" y="630622"/>
+            <a:chExt cx="6770272" cy="5454868"/>
           </a:xfrm>
         </p:grpSpPr>
         <p:sp>
@@ -3026,7 +4429,7 @@
           </p:nvSpPr>
           <p:spPr bwMode="auto">
             <a:xfrm flipV="1">
-              <a:off x="1230985" y="651643"/>
+              <a:off x="2976036" y="630622"/>
               <a:ext cx="0" cy="5454868"/>
             </a:xfrm>
             <a:prstGeom prst="line">
@@ -3085,8 +4488,8 @@
           </p:nvSpPr>
           <p:spPr bwMode="auto">
             <a:xfrm>
-              <a:off x="1230985" y="6106511"/>
-              <a:ext cx="3992656" cy="0"/>
+              <a:off x="2976036" y="6085490"/>
+              <a:ext cx="6672461" cy="0"/>
             </a:xfrm>
             <a:prstGeom prst="line">
               <a:avLst/>
@@ -3144,8 +4547,8 @@
           </p:nvSpPr>
           <p:spPr bwMode="auto">
             <a:xfrm>
-              <a:off x="1230985" y="1539645"/>
-              <a:ext cx="3019468" cy="4566866"/>
+              <a:off x="2976036" y="1518624"/>
+              <a:ext cx="5046085" cy="4566866"/>
             </a:xfrm>
             <a:prstGeom prst="line">
               <a:avLst/>
@@ -3203,8 +4606,8 @@
           </p:nvSpPr>
           <p:spPr bwMode="auto">
             <a:xfrm>
-              <a:off x="4172540" y="6035664"/>
-              <a:ext cx="117054" cy="126857"/>
+              <a:off x="2878225" y="1467087"/>
+              <a:ext cx="195619" cy="126857"/>
             </a:xfrm>
             <a:prstGeom prst="ellipse">
               <a:avLst/>
@@ -3248,225 +4651,972 @@
             </a:p>
           </p:txBody>
         </p:sp>
-        <mc:AlternateContent xmlns:mc="http://schemas.openxmlformats.org/markup-compatibility/2006">
-          <mc:Choice xmlns:a14="http://schemas.microsoft.com/office/drawing/2010/main" Requires="a14">
-            <p:sp>
-              <p:nvSpPr>
-                <p:cNvPr id="2" name="TextBox 1">
-                  <a:extLst>
-                    <a:ext uri="{FF2B5EF4-FFF2-40B4-BE49-F238E27FC236}">
-                      <a16:creationId xmlns:a16="http://schemas.microsoft.com/office/drawing/2014/main" id="{0D5D00E4-32B1-5E4B-B925-3AD2A98A1873}"/>
-                    </a:ext>
-                  </a:extLst>
-                </p:cNvPr>
-                <p:cNvSpPr txBox="1"/>
-                <p:nvPr/>
-              </p:nvSpPr>
-              <p:spPr>
-                <a:xfrm>
-                  <a:off x="389134" y="1401145"/>
-                  <a:ext cx="746999" cy="276999"/>
-                </a:xfrm>
-                <a:prstGeom prst="rect">
-                  <a:avLst/>
-                </a:prstGeom>
-                <a:noFill/>
-              </p:spPr>
-              <p:txBody>
-                <a:bodyPr wrap="none" lIns="0" tIns="0" rIns="0" bIns="0" rtlCol="0">
-                  <a:spAutoFit/>
-                </a:bodyPr>
-                <a:lstStyle/>
-                <a:p>
-                  <a:pPr/>
-                  <a14:m>
-                    <m:oMathPara xmlns:m="http://schemas.openxmlformats.org/officeDocument/2006/math">
-                      <m:oMathParaPr>
-                        <m:jc m:val="centerGroup"/>
-                      </m:oMathParaPr>
-                      <m:oMath xmlns:m="http://schemas.openxmlformats.org/officeDocument/2006/math">
-                        <m:r>
-                          <a:rPr lang="en-GB" smtClean="0">
-                            <a:latin typeface="Cambria Math" panose="02040503050406030204" pitchFamily="18" charset="0"/>
-                          </a:rPr>
-                          <m:t>£</m:t>
-                        </m:r>
-                        <m:r>
-                          <a:rPr lang="en-GB" b="0" i="0" smtClean="0">
-                            <a:latin typeface="Cambria Math" panose="02040503050406030204" pitchFamily="18" charset="0"/>
-                          </a:rPr>
-                          <m:t>7,5</m:t>
-                        </m:r>
-                        <m:r>
-                          <a:rPr lang="en-GB">
-                            <a:latin typeface="Cambria Math" panose="02040503050406030204" pitchFamily="18" charset="0"/>
-                          </a:rPr>
-                          <m:t>00</m:t>
-                        </m:r>
-                      </m:oMath>
-                    </m:oMathPara>
-                  </a14:m>
-                  <a:endParaRPr lang="de-DE" dirty="0">
+      </p:grpSp>
+      <p:sp>
+        <p:nvSpPr>
+          <p:cNvPr id="16" name="Oval 14">
+            <a:extLst>
+              <a:ext uri="{FF2B5EF4-FFF2-40B4-BE49-F238E27FC236}">
+                <a16:creationId xmlns:a16="http://schemas.microsoft.com/office/drawing/2014/main" id="{D38A9E78-5451-014B-8A6C-1269713417C0}"/>
+              </a:ext>
+            </a:extLst>
+          </p:cNvPr>
+          <p:cNvSpPr>
+            <a:spLocks noChangeArrowheads="1"/>
+          </p:cNvSpPr>
+          <p:nvPr/>
+        </p:nvSpPr>
+        <p:spPr bwMode="auto">
+          <a:xfrm>
+            <a:off x="2474579" y="4021869"/>
+            <a:ext cx="117054" cy="126857"/>
+          </a:xfrm>
+          <a:prstGeom prst="ellipse">
+            <a:avLst/>
+          </a:prstGeom>
+          <a:solidFill>
+            <a:schemeClr val="accent1"/>
+          </a:solidFill>
+          <a:ln>
+            <a:noFill/>
+          </a:ln>
+          <a:effectLst/>
+          <a:extLst>
+            <a:ext uri="{91240B29-F687-4F45-9708-019B960494DF}">
+              <a14:hiddenLine xmlns:a14="http://schemas.microsoft.com/office/drawing/2010/main" w="12700">
+                <a:solidFill>
+                  <a:schemeClr val="tx1"/>
+                </a:solidFill>
+                <a:round/>
+                <a:headEnd type="none" w="sm" len="sm"/>
+                <a:tailEnd type="none" w="sm" len="sm"/>
+              </a14:hiddenLine>
+            </a:ext>
+            <a:ext uri="{AF507438-7753-43E0-B8FC-AC1667EBCBE1}">
+              <a14:hiddenEffects xmlns:a14="http://schemas.microsoft.com/office/drawing/2010/main">
+                <a:effectLst>
+                  <a:outerShdw dist="35921" dir="2700000" algn="ctr" rotWithShape="0">
+                    <a:schemeClr val="bg2"/>
+                  </a:outerShdw>
+                </a:effectLst>
+              </a14:hiddenEffects>
+            </a:ext>
+          </a:extLst>
+        </p:spPr>
+        <p:txBody>
+          <a:bodyPr wrap="none" anchor="ctr"/>
+          <a:lstStyle/>
+          <a:p>
+            <a:endParaRPr lang="de-DE" dirty="0">
+              <a:latin typeface="Helvetica Light" panose="020B0403020202020204" pitchFamily="34" charset="0"/>
+            </a:endParaRPr>
+          </a:p>
+        </p:txBody>
+      </p:sp>
+      <mc:AlternateContent xmlns:mc="http://schemas.openxmlformats.org/markup-compatibility/2006">
+        <mc:Choice xmlns:a14="http://schemas.microsoft.com/office/drawing/2010/main" Requires="a14">
+          <p:sp>
+            <p:nvSpPr>
+              <p:cNvPr id="19" name="TextBox 18">
+                <a:extLst>
+                  <a:ext uri="{FF2B5EF4-FFF2-40B4-BE49-F238E27FC236}">
+                    <a16:creationId xmlns:a16="http://schemas.microsoft.com/office/drawing/2014/main" id="{3882B97E-1AD0-9B45-A429-1E0A7E47FB74}"/>
+                  </a:ext>
+                </a:extLst>
+              </p:cNvPr>
+              <p:cNvSpPr txBox="1"/>
+              <p:nvPr/>
+            </p:nvSpPr>
+            <p:spPr>
+              <a:xfrm>
+                <a:off x="3469662" y="6247370"/>
+                <a:ext cx="746999" cy="276999"/>
+              </a:xfrm>
+              <a:prstGeom prst="rect">
+                <a:avLst/>
+              </a:prstGeom>
+              <a:noFill/>
+            </p:spPr>
+            <p:txBody>
+              <a:bodyPr wrap="none" lIns="0" tIns="0" rIns="0" bIns="0" rtlCol="0">
+                <a:spAutoFit/>
+              </a:bodyPr>
+              <a:lstStyle/>
+              <a:p>
+                <a:pPr/>
+                <a14:m>
+                  <m:oMathPara xmlns:m="http://schemas.openxmlformats.org/officeDocument/2006/math">
+                    <m:oMathParaPr>
+                      <m:jc m:val="centerGroup"/>
+                    </m:oMathParaPr>
+                    <m:oMath xmlns:m="http://schemas.openxmlformats.org/officeDocument/2006/math">
+                      <m:r>
+                        <a:rPr lang="en-GB" smtClean="0">
+                          <a:latin typeface="Cambria Math" panose="02040503050406030204" pitchFamily="18" charset="0"/>
+                        </a:rPr>
+                        <m:t>£</m:t>
+                      </m:r>
+                      <m:r>
+                        <a:rPr lang="en-GB" b="0" i="0" smtClean="0">
+                          <a:latin typeface="Cambria Math" panose="02040503050406030204" pitchFamily="18" charset="0"/>
+                        </a:rPr>
+                        <m:t>6</m:t>
+                      </m:r>
+                      <m:r>
+                        <a:rPr lang="en-GB">
+                          <a:latin typeface="Cambria Math" panose="02040503050406030204" pitchFamily="18" charset="0"/>
+                        </a:rPr>
+                        <m:t>,</m:t>
+                      </m:r>
+                      <m:r>
+                        <a:rPr lang="en-GB">
+                          <a:latin typeface="Cambria Math" panose="02040503050406030204" pitchFamily="18" charset="0"/>
+                        </a:rPr>
+                        <m:t>000</m:t>
+                      </m:r>
+                    </m:oMath>
+                  </m:oMathPara>
+                </a14:m>
+                <a:endParaRPr lang="de-DE" dirty="0">
+                  <a:latin typeface="Helvetica Light" panose="020B0403020202020204" pitchFamily="34" charset="0"/>
+                </a:endParaRPr>
+              </a:p>
+            </p:txBody>
+          </p:sp>
+        </mc:Choice>
+        <mc:Fallback>
+          <p:sp>
+            <p:nvSpPr>
+              <p:cNvPr id="19" name="TextBox 18">
+                <a:extLst>
+                  <a:ext uri="{FF2B5EF4-FFF2-40B4-BE49-F238E27FC236}">
+                    <a16:creationId xmlns:a16="http://schemas.microsoft.com/office/drawing/2014/main" id="{3882B97E-1AD0-9B45-A429-1E0A7E47FB74}"/>
+                  </a:ext>
+                </a:extLst>
+              </p:cNvPr>
+              <p:cNvSpPr txBox="1">
+                <a:spLocks noRot="1" noChangeAspect="1" noMove="1" noResize="1" noEditPoints="1" noAdjustHandles="1" noChangeArrowheads="1" noChangeShapeType="1" noTextEdit="1"/>
+              </p:cNvSpPr>
+              <p:nvPr/>
+            </p:nvSpPr>
+            <p:spPr>
+              <a:xfrm>
+                <a:off x="3469662" y="6247370"/>
+                <a:ext cx="746999" cy="276999"/>
+              </a:xfrm>
+              <a:prstGeom prst="rect">
+                <a:avLst/>
+              </a:prstGeom>
+              <a:blipFill>
+                <a:blip r:embed="rId2"/>
+                <a:stretch>
+                  <a:fillRect l="-5000" r="-5000" b="-4545"/>
+                </a:stretch>
+              </a:blipFill>
+            </p:spPr>
+            <p:txBody>
+              <a:bodyPr/>
+              <a:lstStyle/>
+              <a:p>
+                <a:r>
+                  <a:rPr lang="en-US">
+                    <a:noFill/>
+                  </a:rPr>
+                  <a:t> </a:t>
+                </a:r>
+              </a:p>
+            </p:txBody>
+          </p:sp>
+        </mc:Fallback>
+      </mc:AlternateContent>
+      <mc:AlternateContent xmlns:mc="http://schemas.openxmlformats.org/markup-compatibility/2006">
+        <mc:Choice xmlns:a14="http://schemas.microsoft.com/office/drawing/2010/main" Requires="a14">
+          <p:sp>
+            <p:nvSpPr>
+              <p:cNvPr id="22" name="TextBox 21">
+                <a:extLst>
+                  <a:ext uri="{FF2B5EF4-FFF2-40B4-BE49-F238E27FC236}">
+                    <a16:creationId xmlns:a16="http://schemas.microsoft.com/office/drawing/2014/main" id="{352A207F-C0D9-5B41-A278-3AD12F72E703}"/>
+                  </a:ext>
+                </a:extLst>
+              </p:cNvPr>
+              <p:cNvSpPr txBox="1"/>
+              <p:nvPr/>
+            </p:nvSpPr>
+            <p:spPr>
+              <a:xfrm>
+                <a:off x="7062" y="1399354"/>
+                <a:ext cx="746999" cy="276999"/>
+              </a:xfrm>
+              <a:prstGeom prst="rect">
+                <a:avLst/>
+              </a:prstGeom>
+              <a:noFill/>
+            </p:spPr>
+            <p:txBody>
+              <a:bodyPr wrap="none" lIns="0" tIns="0" rIns="0" bIns="0" rtlCol="0">
+                <a:spAutoFit/>
+              </a:bodyPr>
+              <a:lstStyle/>
+              <a:p>
+                <a:pPr/>
+                <a14:m>
+                  <m:oMathPara xmlns:m="http://schemas.openxmlformats.org/officeDocument/2006/math">
+                    <m:oMathParaPr>
+                      <m:jc m:val="centerGroup"/>
+                    </m:oMathParaPr>
+                    <m:oMath xmlns:m="http://schemas.openxmlformats.org/officeDocument/2006/math">
+                      <m:r>
+                        <a:rPr lang="en-GB" smtClean="0">
+                          <a:latin typeface="Cambria Math" panose="02040503050406030204" pitchFamily="18" charset="0"/>
+                        </a:rPr>
+                        <m:t>£</m:t>
+                      </m:r>
+                      <m:r>
+                        <a:rPr lang="en-GB" b="0" i="0" smtClean="0">
+                          <a:latin typeface="Cambria Math" panose="02040503050406030204" pitchFamily="18" charset="0"/>
+                        </a:rPr>
+                        <m:t>6,0</m:t>
+                      </m:r>
+                      <m:r>
+                        <a:rPr lang="en-GB">
+                          <a:latin typeface="Cambria Math" panose="02040503050406030204" pitchFamily="18" charset="0"/>
+                        </a:rPr>
+                        <m:t>00</m:t>
+                      </m:r>
+                    </m:oMath>
+                  </m:oMathPara>
+                </a14:m>
+                <a:endParaRPr lang="de-DE" dirty="0">
+                  <a:latin typeface="Helvetica Light" panose="020B0403020202020204" pitchFamily="34" charset="0"/>
+                </a:endParaRPr>
+              </a:p>
+            </p:txBody>
+          </p:sp>
+        </mc:Choice>
+        <mc:Fallback>
+          <p:sp>
+            <p:nvSpPr>
+              <p:cNvPr id="22" name="TextBox 21">
+                <a:extLst>
+                  <a:ext uri="{FF2B5EF4-FFF2-40B4-BE49-F238E27FC236}">
+                    <a16:creationId xmlns:a16="http://schemas.microsoft.com/office/drawing/2014/main" id="{352A207F-C0D9-5B41-A278-3AD12F72E703}"/>
+                  </a:ext>
+                </a:extLst>
+              </p:cNvPr>
+              <p:cNvSpPr txBox="1">
+                <a:spLocks noRot="1" noChangeAspect="1" noMove="1" noResize="1" noEditPoints="1" noAdjustHandles="1" noChangeArrowheads="1" noChangeShapeType="1" noTextEdit="1"/>
+              </p:cNvSpPr>
+              <p:nvPr/>
+            </p:nvSpPr>
+            <p:spPr>
+              <a:xfrm>
+                <a:off x="7062" y="1399354"/>
+                <a:ext cx="746999" cy="276999"/>
+              </a:xfrm>
+              <a:prstGeom prst="rect">
+                <a:avLst/>
+              </a:prstGeom>
+              <a:blipFill>
+                <a:blip r:embed="rId3"/>
+                <a:stretch>
+                  <a:fillRect l="-3390" r="-5085" b="-4348"/>
+                </a:stretch>
+              </a:blipFill>
+            </p:spPr>
+            <p:txBody>
+              <a:bodyPr/>
+              <a:lstStyle/>
+              <a:p>
+                <a:r>
+                  <a:rPr lang="en-US">
+                    <a:noFill/>
+                  </a:rPr>
+                  <a:t> </a:t>
+                </a:r>
+              </a:p>
+            </p:txBody>
+          </p:sp>
+        </mc:Fallback>
+      </mc:AlternateContent>
+      <mc:AlternateContent xmlns:mc="http://schemas.openxmlformats.org/markup-compatibility/2006">
+        <mc:Choice xmlns:a14="http://schemas.microsoft.com/office/drawing/2010/main" Requires="a14">
+          <p:sp>
+            <p:nvSpPr>
+              <p:cNvPr id="32" name="TextBox 31">
+                <a:extLst>
+                  <a:ext uri="{FF2B5EF4-FFF2-40B4-BE49-F238E27FC236}">
+                    <a16:creationId xmlns:a16="http://schemas.microsoft.com/office/drawing/2014/main" id="{349DD4CA-E3E3-1443-8634-7304D8D8A81F}"/>
+                  </a:ext>
+                </a:extLst>
+              </p:cNvPr>
+              <p:cNvSpPr txBox="1"/>
+              <p:nvPr/>
+            </p:nvSpPr>
+            <p:spPr>
+              <a:xfrm>
+                <a:off x="1562616" y="4266824"/>
+                <a:ext cx="983487" cy="846386"/>
+              </a:xfrm>
+              <a:prstGeom prst="rect">
+                <a:avLst/>
+              </a:prstGeom>
+              <a:noFill/>
+            </p:spPr>
+            <p:txBody>
+              <a:bodyPr wrap="square" lIns="0" tIns="0" rIns="0" bIns="0" rtlCol="0">
+                <a:spAutoFit/>
+              </a:bodyPr>
+              <a:lstStyle/>
+              <a:p>
+                <a:pPr algn="ctr"/>
+                <a:r>
+                  <a:rPr lang="de-DE" sz="1100" dirty="0">
                     <a:latin typeface="Helvetica Light" panose="020B0403020202020204" pitchFamily="34" charset="0"/>
-                  </a:endParaRPr>
-                </a:p>
-              </p:txBody>
-            </p:sp>
-          </mc:Choice>
-          <mc:Fallback>
-            <p:sp>
-              <p:nvSpPr>
-                <p:cNvPr id="2" name="TextBox 1">
-                  <a:extLst>
-                    <a:ext uri="{FF2B5EF4-FFF2-40B4-BE49-F238E27FC236}">
-                      <a16:creationId xmlns:a16="http://schemas.microsoft.com/office/drawing/2014/main" id="{0D5D00E4-32B1-5E4B-B925-3AD2A98A1873}"/>
-                    </a:ext>
-                  </a:extLst>
-                </p:cNvPr>
-                <p:cNvSpPr txBox="1">
-                  <a:spLocks noRot="1" noChangeAspect="1" noMove="1" noResize="1" noEditPoints="1" noAdjustHandles="1" noChangeArrowheads="1" noChangeShapeType="1" noTextEdit="1"/>
-                </p:cNvSpPr>
-                <p:nvPr/>
-              </p:nvSpPr>
-              <p:spPr>
-                <a:xfrm>
-                  <a:off x="389134" y="1401145"/>
-                  <a:ext cx="746999" cy="276999"/>
-                </a:xfrm>
-                <a:prstGeom prst="rect">
-                  <a:avLst/>
-                </a:prstGeom>
-                <a:blipFill>
-                  <a:blip r:embed="rId2"/>
-                  <a:stretch>
-                    <a:fillRect l="-5085" r="-5085" b="-4348"/>
-                  </a:stretch>
-                </a:blipFill>
-              </p:spPr>
-              <p:txBody>
-                <a:bodyPr/>
-                <a:lstStyle/>
-                <a:p>
-                  <a:r>
-                    <a:rPr lang="en-US">
-                      <a:noFill/>
-                    </a:rPr>
-                    <a:t> </a:t>
-                  </a:r>
-                </a:p>
-              </p:txBody>
-            </p:sp>
-          </mc:Fallback>
-        </mc:AlternateContent>
-        <mc:AlternateContent xmlns:mc="http://schemas.openxmlformats.org/markup-compatibility/2006">
-          <mc:Choice xmlns:a14="http://schemas.microsoft.com/office/drawing/2010/main" Requires="a14">
-            <p:sp>
-              <p:nvSpPr>
-                <p:cNvPr id="15" name="TextBox 14">
-                  <a:extLst>
-                    <a:ext uri="{FF2B5EF4-FFF2-40B4-BE49-F238E27FC236}">
-                      <a16:creationId xmlns:a16="http://schemas.microsoft.com/office/drawing/2014/main" id="{9E073F8A-FBB1-1D49-B987-48A0C098A9C8}"/>
-                    </a:ext>
-                  </a:extLst>
-                </p:cNvPr>
-                <p:cNvSpPr txBox="1"/>
-                <p:nvPr/>
-              </p:nvSpPr>
-              <p:spPr>
-                <a:xfrm>
-                  <a:off x="3858792" y="6261051"/>
-                  <a:ext cx="746999" cy="276999"/>
-                </a:xfrm>
-                <a:prstGeom prst="rect">
-                  <a:avLst/>
-                </a:prstGeom>
-                <a:noFill/>
-              </p:spPr>
-              <p:txBody>
-                <a:bodyPr wrap="none" lIns="0" tIns="0" rIns="0" bIns="0" rtlCol="0">
-                  <a:spAutoFit/>
-                </a:bodyPr>
-                <a:lstStyle/>
-                <a:p>
-                  <a:pPr/>
-                  <a14:m>
-                    <m:oMathPara xmlns:m="http://schemas.openxmlformats.org/officeDocument/2006/math">
-                      <m:oMathParaPr>
-                        <m:jc m:val="centerGroup"/>
-                      </m:oMathParaPr>
-                      <m:oMath xmlns:m="http://schemas.openxmlformats.org/officeDocument/2006/math">
-                        <m:r>
-                          <a:rPr lang="en-GB" smtClean="0">
-                            <a:latin typeface="Cambria Math" panose="02040503050406030204" pitchFamily="18" charset="0"/>
-                          </a:rPr>
-                          <m:t>£</m:t>
-                        </m:r>
-                        <m:r>
-                          <a:rPr lang="en-GB" b="0" i="0" smtClean="0">
-                            <a:latin typeface="Cambria Math" panose="02040503050406030204" pitchFamily="18" charset="0"/>
-                          </a:rPr>
-                          <m:t>5,000</m:t>
-                        </m:r>
-                      </m:oMath>
-                    </m:oMathPara>
-                  </a14:m>
-                  <a:endParaRPr lang="de-DE" dirty="0">
+                  </a:rPr>
+                  <a:t>Insurance </a:t>
+                </a:r>
+                <a:r>
+                  <a:rPr lang="de-DE" sz="1100" dirty="0" err="1">
                     <a:latin typeface="Helvetica Light" panose="020B0403020202020204" pitchFamily="34" charset="0"/>
-                  </a:endParaRPr>
-                </a:p>
-              </p:txBody>
-            </p:sp>
-          </mc:Choice>
-          <mc:Fallback>
-            <p:sp>
-              <p:nvSpPr>
-                <p:cNvPr id="15" name="TextBox 14">
-                  <a:extLst>
-                    <a:ext uri="{FF2B5EF4-FFF2-40B4-BE49-F238E27FC236}">
-                      <a16:creationId xmlns:a16="http://schemas.microsoft.com/office/drawing/2014/main" id="{9E073F8A-FBB1-1D49-B987-48A0C098A9C8}"/>
-                    </a:ext>
-                  </a:extLst>
-                </p:cNvPr>
-                <p:cNvSpPr txBox="1">
-                  <a:spLocks noRot="1" noChangeAspect="1" noMove="1" noResize="1" noEditPoints="1" noAdjustHandles="1" noChangeArrowheads="1" noChangeShapeType="1" noTextEdit="1"/>
-                </p:cNvSpPr>
-                <p:nvPr/>
-              </p:nvSpPr>
-              <p:spPr>
-                <a:xfrm>
-                  <a:off x="3858792" y="6261051"/>
-                  <a:ext cx="746999" cy="276999"/>
-                </a:xfrm>
-                <a:prstGeom prst="rect">
-                  <a:avLst/>
-                </a:prstGeom>
-                <a:blipFill>
-                  <a:blip r:embed="rId3"/>
-                  <a:stretch>
-                    <a:fillRect l="-5000" r="-5000" b="-9091"/>
-                  </a:stretch>
-                </a:blipFill>
-              </p:spPr>
-              <p:txBody>
-                <a:bodyPr/>
-                <a:lstStyle/>
-                <a:p>
-                  <a:r>
-                    <a:rPr lang="en-US">
-                      <a:noFill/>
-                    </a:rPr>
-                    <a:t> </a:t>
-                  </a:r>
-                </a:p>
-              </p:txBody>
-            </p:sp>
-          </mc:Fallback>
-        </mc:AlternateContent>
-      </p:grpSp>
+                  </a:rPr>
+                  <a:t>payment</a:t>
+                </a:r>
+                <a:endParaRPr lang="de-DE" sz="1100" dirty="0">
+                  <a:latin typeface="Helvetica Light" panose="020B0403020202020204" pitchFamily="34" charset="0"/>
+                </a:endParaRPr>
+              </a:p>
+              <a:p>
+                <a:pPr algn="ctr"/>
+                <a:r>
+                  <a:rPr lang="de-DE" sz="1100" dirty="0">
+                    <a:latin typeface="Helvetica Light" panose="020B0403020202020204" pitchFamily="34" charset="0"/>
+                  </a:rPr>
+                  <a:t>In </a:t>
+                </a:r>
+                <a:r>
+                  <a:rPr lang="de-DE" sz="1100" dirty="0" err="1">
+                    <a:latin typeface="Helvetica Light" panose="020B0403020202020204" pitchFamily="34" charset="0"/>
+                  </a:rPr>
+                  <a:t>case</a:t>
+                </a:r>
+                <a:r>
+                  <a:rPr lang="de-DE" sz="1100" dirty="0">
+                    <a:latin typeface="Helvetica Light" panose="020B0403020202020204" pitchFamily="34" charset="0"/>
+                  </a:rPr>
+                  <a:t> </a:t>
+                </a:r>
+                <a:r>
+                  <a:rPr lang="de-DE" sz="1100" dirty="0" err="1">
+                    <a:latin typeface="Helvetica Light" panose="020B0403020202020204" pitchFamily="34" charset="0"/>
+                  </a:rPr>
+                  <a:t>of</a:t>
+                </a:r>
+                <a:r>
+                  <a:rPr lang="de-DE" sz="1100" dirty="0">
+                    <a:latin typeface="Helvetica Light" panose="020B0403020202020204" pitchFamily="34" charset="0"/>
+                  </a:rPr>
+                  <a:t> </a:t>
+                </a:r>
+                <a:r>
+                  <a:rPr lang="de-DE" sz="1100" dirty="0" err="1">
+                    <a:latin typeface="Helvetica Light" panose="020B0403020202020204" pitchFamily="34" charset="0"/>
+                  </a:rPr>
+                  <a:t>loss</a:t>
+                </a:r>
+                <a:endParaRPr lang="de-DE" sz="1100" dirty="0">
+                  <a:latin typeface="Helvetica Light" panose="020B0403020202020204" pitchFamily="34" charset="0"/>
+                </a:endParaRPr>
+              </a:p>
+              <a:p>
+                <a:pPr algn="ctr"/>
+                <a14:m>
+                  <m:oMath xmlns:m="http://schemas.openxmlformats.org/officeDocument/2006/math">
+                    <m:r>
+                      <a:rPr lang="en-GB" sz="1100" smtClean="0">
+                        <a:latin typeface="Cambria Math" panose="02040503050406030204" pitchFamily="18" charset="0"/>
+                      </a:rPr>
+                      <m:t>£</m:t>
+                    </m:r>
+                    <m:r>
+                      <a:rPr lang="en-GB" sz="1100" b="0" i="0" smtClean="0">
+                        <a:latin typeface="Cambria Math" panose="02040503050406030204" pitchFamily="18" charset="0"/>
+                      </a:rPr>
+                      <m:t>2000</m:t>
+                    </m:r>
+                  </m:oMath>
+                </a14:m>
+                <a:r>
+                  <a:rPr lang="de-DE" sz="1100" dirty="0">
+                    <a:latin typeface="Helvetica Light" panose="020B0403020202020204" pitchFamily="34" charset="0"/>
+                  </a:rPr>
+                  <a:t> </a:t>
+                </a:r>
+              </a:p>
+              <a:p>
+                <a:pPr algn="ctr"/>
+                <a:endParaRPr lang="de-DE" sz="1100" dirty="0">
+                  <a:latin typeface="Helvetica Light" panose="020B0403020202020204" pitchFamily="34" charset="0"/>
+                </a:endParaRPr>
+              </a:p>
+            </p:txBody>
+          </p:sp>
+        </mc:Choice>
+        <mc:Fallback>
+          <p:sp>
+            <p:nvSpPr>
+              <p:cNvPr id="32" name="TextBox 31">
+                <a:extLst>
+                  <a:ext uri="{FF2B5EF4-FFF2-40B4-BE49-F238E27FC236}">
+                    <a16:creationId xmlns:a16="http://schemas.microsoft.com/office/drawing/2014/main" id="{349DD4CA-E3E3-1443-8634-7304D8D8A81F}"/>
+                  </a:ext>
+                </a:extLst>
+              </p:cNvPr>
+              <p:cNvSpPr txBox="1">
+                <a:spLocks noRot="1" noChangeAspect="1" noMove="1" noResize="1" noEditPoints="1" noAdjustHandles="1" noChangeArrowheads="1" noChangeShapeType="1" noTextEdit="1"/>
+              </p:cNvSpPr>
+              <p:nvPr/>
+            </p:nvSpPr>
+            <p:spPr>
+              <a:xfrm>
+                <a:off x="1562616" y="4266824"/>
+                <a:ext cx="983487" cy="846386"/>
+              </a:xfrm>
+              <a:prstGeom prst="rect">
+                <a:avLst/>
+              </a:prstGeom>
+              <a:blipFill>
+                <a:blip r:embed="rId4"/>
+                <a:stretch>
+                  <a:fillRect l="-3846" t="-5970" r="-5128"/>
+                </a:stretch>
+              </a:blipFill>
+            </p:spPr>
+            <p:txBody>
+              <a:bodyPr/>
+              <a:lstStyle/>
+              <a:p>
+                <a:r>
+                  <a:rPr lang="en-US">
+                    <a:noFill/>
+                  </a:rPr>
+                  <a:t> </a:t>
+                </a:r>
+              </a:p>
+            </p:txBody>
+          </p:sp>
+        </mc:Fallback>
+      </mc:AlternateContent>
+      <p:cxnSp>
+        <p:nvCxnSpPr>
+          <p:cNvPr id="33" name="Straight Arrow Connector 32">
+            <a:extLst>
+              <a:ext uri="{FF2B5EF4-FFF2-40B4-BE49-F238E27FC236}">
+                <a16:creationId xmlns:a16="http://schemas.microsoft.com/office/drawing/2014/main" id="{3F6B5CBD-33A4-FE4A-B5BA-8961E1C3B830}"/>
+              </a:ext>
+            </a:extLst>
+          </p:cNvPr>
+          <p:cNvCxnSpPr>
+            <a:cxnSpLocks/>
+          </p:cNvCxnSpPr>
+          <p:nvPr/>
+        </p:nvCxnSpPr>
+        <p:spPr>
+          <a:xfrm>
+            <a:off x="1683528" y="4093433"/>
+            <a:ext cx="896458" cy="0"/>
+          </a:xfrm>
+          <a:prstGeom prst="straightConnector1">
+            <a:avLst/>
+          </a:prstGeom>
+          <a:ln w="34925">
+            <a:solidFill>
+              <a:srgbClr val="00B050"/>
+            </a:solidFill>
+            <a:tailEnd type="triangle"/>
+          </a:ln>
+        </p:spPr>
+        <p:style>
+          <a:lnRef idx="1">
+            <a:schemeClr val="accent1"/>
+          </a:lnRef>
+          <a:fillRef idx="0">
+            <a:schemeClr val="accent1"/>
+          </a:fillRef>
+          <a:effectRef idx="0">
+            <a:schemeClr val="accent1"/>
+          </a:effectRef>
+          <a:fontRef idx="minor">
+            <a:schemeClr val="tx1"/>
+          </a:fontRef>
+        </p:style>
+      </p:cxnSp>
+      <mc:AlternateContent xmlns:mc="http://schemas.openxmlformats.org/markup-compatibility/2006">
+        <mc:Choice xmlns:a14="http://schemas.microsoft.com/office/drawing/2010/main" Requires="a14">
+          <p:sp>
+            <p:nvSpPr>
+              <p:cNvPr id="21" name="TextBox 20">
+                <a:extLst>
+                  <a:ext uri="{FF2B5EF4-FFF2-40B4-BE49-F238E27FC236}">
+                    <a16:creationId xmlns:a16="http://schemas.microsoft.com/office/drawing/2014/main" id="{71AAB004-AE95-C24F-BC9B-348640094E8D}"/>
+                  </a:ext>
+                </a:extLst>
+              </p:cNvPr>
+              <p:cNvSpPr txBox="1"/>
+              <p:nvPr/>
+            </p:nvSpPr>
+            <p:spPr>
+              <a:xfrm>
+                <a:off x="828675" y="3362658"/>
+                <a:ext cx="986017" cy="507831"/>
+              </a:xfrm>
+              <a:prstGeom prst="rect">
+                <a:avLst/>
+              </a:prstGeom>
+              <a:noFill/>
+            </p:spPr>
+            <p:txBody>
+              <a:bodyPr wrap="square" lIns="0" tIns="0" rIns="0" bIns="0" rtlCol="0">
+                <a:spAutoFit/>
+              </a:bodyPr>
+              <a:lstStyle/>
+              <a:p>
+                <a:pPr algn="ctr"/>
+                <a:r>
+                  <a:rPr lang="de-DE" sz="1100" dirty="0">
+                    <a:latin typeface="Helvetica Light" panose="020B0403020202020204" pitchFamily="34" charset="0"/>
+                  </a:rPr>
+                  <a:t>Premium</a:t>
+                </a:r>
+              </a:p>
+              <a:p>
+                <a:pPr algn="ctr"/>
+                <a14:m>
+                  <m:oMath xmlns:m="http://schemas.openxmlformats.org/officeDocument/2006/math">
+                    <m:r>
+                      <a:rPr lang="en-GB" sz="1100">
+                        <a:latin typeface="Cambria Math" panose="02040503050406030204" pitchFamily="18" charset="0"/>
+                      </a:rPr>
+                      <m:t>£2</m:t>
+                    </m:r>
+                    <m:r>
+                      <a:rPr lang="en-GB" sz="1100" b="0" i="0" smtClean="0">
+                        <a:latin typeface="Cambria Math" panose="02040503050406030204" pitchFamily="18" charset="0"/>
+                      </a:rPr>
+                      <m:t>0</m:t>
+                    </m:r>
+                    <m:r>
+                      <a:rPr lang="en-GB" sz="1100">
+                        <a:latin typeface="Cambria Math" panose="02040503050406030204" pitchFamily="18" charset="0"/>
+                      </a:rPr>
+                      <m:t>00</m:t>
+                    </m:r>
+                  </m:oMath>
+                </a14:m>
+                <a:r>
+                  <a:rPr lang="de-DE" sz="1100" dirty="0">
+                    <a:latin typeface="Helvetica Light" panose="020B0403020202020204" pitchFamily="34" charset="0"/>
+                  </a:rPr>
+                  <a:t> </a:t>
+                </a:r>
+              </a:p>
+              <a:p>
+                <a:pPr algn="ctr"/>
+                <a:endParaRPr lang="de-DE" sz="1100" dirty="0">
+                  <a:latin typeface="Helvetica Light" panose="020B0403020202020204" pitchFamily="34" charset="0"/>
+                </a:endParaRPr>
+              </a:p>
+            </p:txBody>
+          </p:sp>
+        </mc:Choice>
+        <mc:Fallback>
+          <p:sp>
+            <p:nvSpPr>
+              <p:cNvPr id="21" name="TextBox 20">
+                <a:extLst>
+                  <a:ext uri="{FF2B5EF4-FFF2-40B4-BE49-F238E27FC236}">
+                    <a16:creationId xmlns:a16="http://schemas.microsoft.com/office/drawing/2014/main" id="{71AAB004-AE95-C24F-BC9B-348640094E8D}"/>
+                  </a:ext>
+                </a:extLst>
+              </p:cNvPr>
+              <p:cNvSpPr txBox="1">
+                <a:spLocks noRot="1" noChangeAspect="1" noMove="1" noResize="1" noEditPoints="1" noAdjustHandles="1" noChangeArrowheads="1" noChangeShapeType="1" noTextEdit="1"/>
+              </p:cNvSpPr>
+              <p:nvPr/>
+            </p:nvSpPr>
+            <p:spPr>
+              <a:xfrm>
+                <a:off x="828675" y="3362658"/>
+                <a:ext cx="986017" cy="507831"/>
+              </a:xfrm>
+              <a:prstGeom prst="rect">
+                <a:avLst/>
+              </a:prstGeom>
+              <a:blipFill>
+                <a:blip r:embed="rId5"/>
+                <a:stretch>
+                  <a:fillRect t="-7317"/>
+                </a:stretch>
+              </a:blipFill>
+            </p:spPr>
+            <p:txBody>
+              <a:bodyPr/>
+              <a:lstStyle/>
+              <a:p>
+                <a:r>
+                  <a:rPr lang="en-US">
+                    <a:noFill/>
+                  </a:rPr>
+                  <a:t> </a:t>
+                </a:r>
+              </a:p>
+            </p:txBody>
+          </p:sp>
+        </mc:Fallback>
+      </mc:AlternateContent>
+      <p:cxnSp>
+        <p:nvCxnSpPr>
+          <p:cNvPr id="23" name="Straight Arrow Connector 22">
+            <a:extLst>
+              <a:ext uri="{FF2B5EF4-FFF2-40B4-BE49-F238E27FC236}">
+                <a16:creationId xmlns:a16="http://schemas.microsoft.com/office/drawing/2014/main" id="{FE8A9D15-AF82-CD46-9A22-B70C89B511A3}"/>
+              </a:ext>
+            </a:extLst>
+          </p:cNvPr>
+          <p:cNvCxnSpPr>
+            <a:cxnSpLocks/>
+          </p:cNvCxnSpPr>
+          <p:nvPr/>
+        </p:nvCxnSpPr>
+        <p:spPr>
+          <a:xfrm>
+            <a:off x="1683528" y="2750944"/>
+            <a:ext cx="0" cy="1342489"/>
+          </a:xfrm>
+          <a:prstGeom prst="straightConnector1">
+            <a:avLst/>
+          </a:prstGeom>
+          <a:ln w="34925">
+            <a:solidFill>
+              <a:srgbClr val="C00000"/>
+            </a:solidFill>
+            <a:tailEnd type="triangle"/>
+          </a:ln>
+        </p:spPr>
+        <p:style>
+          <a:lnRef idx="1">
+            <a:schemeClr val="accent1"/>
+          </a:lnRef>
+          <a:fillRef idx="0">
+            <a:schemeClr val="accent1"/>
+          </a:fillRef>
+          <a:effectRef idx="0">
+            <a:schemeClr val="accent1"/>
+          </a:effectRef>
+          <a:fontRef idx="minor">
+            <a:schemeClr val="tx1"/>
+          </a:fontRef>
+        </p:style>
+      </p:cxnSp>
+      <p:sp>
+        <p:nvSpPr>
+          <p:cNvPr id="24" name="Oval 14">
+            <a:extLst>
+              <a:ext uri="{FF2B5EF4-FFF2-40B4-BE49-F238E27FC236}">
+                <a16:creationId xmlns:a16="http://schemas.microsoft.com/office/drawing/2014/main" id="{DAD15AFB-12BE-0447-BACA-99E91523C8CF}"/>
+              </a:ext>
+            </a:extLst>
+          </p:cNvPr>
+          <p:cNvSpPr>
+            <a:spLocks noChangeArrowheads="1"/>
+          </p:cNvSpPr>
+          <p:nvPr/>
+        </p:nvSpPr>
+        <p:spPr bwMode="auto">
+          <a:xfrm>
+            <a:off x="1625001" y="2743937"/>
+            <a:ext cx="117054" cy="126857"/>
+          </a:xfrm>
+          <a:prstGeom prst="ellipse">
+            <a:avLst/>
+          </a:prstGeom>
+          <a:solidFill>
+            <a:schemeClr val="accent1"/>
+          </a:solidFill>
+          <a:ln>
+            <a:noFill/>
+          </a:ln>
+          <a:effectLst/>
+          <a:extLst>
+            <a:ext uri="{91240B29-F687-4F45-9708-019B960494DF}">
+              <a14:hiddenLine xmlns:a14="http://schemas.microsoft.com/office/drawing/2010/main" w="12700">
+                <a:solidFill>
+                  <a:schemeClr val="tx1"/>
+                </a:solidFill>
+                <a:round/>
+                <a:headEnd type="none" w="sm" len="sm"/>
+                <a:tailEnd type="none" w="sm" len="sm"/>
+              </a14:hiddenLine>
+            </a:ext>
+            <a:ext uri="{AF507438-7753-43E0-B8FC-AC1667EBCBE1}">
+              <a14:hiddenEffects xmlns:a14="http://schemas.microsoft.com/office/drawing/2010/main">
+                <a:effectLst>
+                  <a:outerShdw dist="35921" dir="2700000" algn="ctr" rotWithShape="0">
+                    <a:schemeClr val="bg2"/>
+                  </a:outerShdw>
+                </a:effectLst>
+              </a14:hiddenEffects>
+            </a:ext>
+          </a:extLst>
+        </p:spPr>
+        <p:txBody>
+          <a:bodyPr wrap="none" anchor="ctr"/>
+          <a:lstStyle/>
+          <a:p>
+            <a:endParaRPr lang="de-DE" dirty="0">
+              <a:latin typeface="Helvetica Light" panose="020B0403020202020204" pitchFamily="34" charset="0"/>
+            </a:endParaRPr>
+          </a:p>
+        </p:txBody>
+      </p:sp>
+      <mc:AlternateContent xmlns:mc="http://schemas.openxmlformats.org/markup-compatibility/2006">
+        <mc:Choice xmlns:a14="http://schemas.microsoft.com/office/drawing/2010/main" Requires="a14">
+          <p:sp>
+            <p:nvSpPr>
+              <p:cNvPr id="25" name="TextBox 24">
+                <a:extLst>
+                  <a:ext uri="{FF2B5EF4-FFF2-40B4-BE49-F238E27FC236}">
+                    <a16:creationId xmlns:a16="http://schemas.microsoft.com/office/drawing/2014/main" id="{81A1BEA1-0979-2D4C-BD8B-EEA3C1CC7EC2}"/>
+                  </a:ext>
+                </a:extLst>
+              </p:cNvPr>
+              <p:cNvSpPr txBox="1"/>
+              <p:nvPr/>
+            </p:nvSpPr>
+            <p:spPr>
+              <a:xfrm>
+                <a:off x="1582706" y="2233987"/>
+                <a:ext cx="1292341" cy="461665"/>
+              </a:xfrm>
+              <a:prstGeom prst="rect">
+                <a:avLst/>
+              </a:prstGeom>
+              <a:noFill/>
+            </p:spPr>
+            <p:txBody>
+              <a:bodyPr wrap="none" rtlCol="0">
+                <a:spAutoFit/>
+              </a:bodyPr>
+              <a:lstStyle/>
+              <a:p>
+                <a:pPr algn="ctr"/>
+                <a:r>
+                  <a:rPr lang="en-US" sz="1200" dirty="0"/>
+                  <a:t>Initial allocation</a:t>
+                </a:r>
+              </a:p>
+              <a:p>
+                <a:pPr algn="ctr"/>
+                <a:r>
+                  <a:rPr lang="en-US" sz="1200" dirty="0"/>
+                  <a:t>(</a:t>
+                </a:r>
+                <a14:m>
+                  <m:oMath xmlns:m="http://schemas.openxmlformats.org/officeDocument/2006/math">
+                    <m:r>
+                      <a:rPr lang="en-GB" sz="1200" smtClean="0">
+                        <a:latin typeface="Cambria Math" panose="02040503050406030204" pitchFamily="18" charset="0"/>
+                      </a:rPr>
+                      <m:t>£</m:t>
+                    </m:r>
+                    <m:r>
+                      <a:rPr lang="en-GB" sz="1200" i="1">
+                        <a:latin typeface="Cambria Math" panose="02040503050406030204" pitchFamily="18" charset="0"/>
+                      </a:rPr>
+                      <m:t> </m:t>
+                    </m:r>
+                    <m:r>
+                      <a:rPr lang="en-GB" sz="1200" b="0" i="0" smtClean="0">
+                        <a:latin typeface="Cambria Math" panose="02040503050406030204" pitchFamily="18" charset="0"/>
+                      </a:rPr>
+                      <m:t>5</m:t>
+                    </m:r>
+                  </m:oMath>
+                </a14:m>
+                <a:r>
+                  <a:rPr lang="en-US" sz="1200" dirty="0"/>
+                  <a:t>,000, £ 1,000)</a:t>
+                </a:r>
+              </a:p>
+            </p:txBody>
+          </p:sp>
+        </mc:Choice>
+        <mc:Fallback>
+          <p:sp>
+            <p:nvSpPr>
+              <p:cNvPr id="25" name="TextBox 24">
+                <a:extLst>
+                  <a:ext uri="{FF2B5EF4-FFF2-40B4-BE49-F238E27FC236}">
+                    <a16:creationId xmlns:a16="http://schemas.microsoft.com/office/drawing/2014/main" id="{81A1BEA1-0979-2D4C-BD8B-EEA3C1CC7EC2}"/>
+                  </a:ext>
+                </a:extLst>
+              </p:cNvPr>
+              <p:cNvSpPr txBox="1">
+                <a:spLocks noRot="1" noChangeAspect="1" noMove="1" noResize="1" noEditPoints="1" noAdjustHandles="1" noChangeArrowheads="1" noChangeShapeType="1" noTextEdit="1"/>
+              </p:cNvSpPr>
+              <p:nvPr/>
+            </p:nvSpPr>
+            <p:spPr>
+              <a:xfrm>
+                <a:off x="1582706" y="2233987"/>
+                <a:ext cx="1292341" cy="461665"/>
+              </a:xfrm>
+              <a:prstGeom prst="rect">
+                <a:avLst/>
+              </a:prstGeom>
+              <a:blipFill>
+                <a:blip r:embed="rId6"/>
+                <a:stretch>
+                  <a:fillRect b="-8108"/>
+                </a:stretch>
+              </a:blipFill>
+            </p:spPr>
+            <p:txBody>
+              <a:bodyPr/>
+              <a:lstStyle/>
+              <a:p>
+                <a:r>
+                  <a:rPr lang="en-US">
+                    <a:noFill/>
+                  </a:rPr>
+                  <a:t> </a:t>
+                </a:r>
+              </a:p>
+            </p:txBody>
+          </p:sp>
+        </mc:Fallback>
+      </mc:AlternateContent>
+      <mc:AlternateContent xmlns:mc="http://schemas.openxmlformats.org/markup-compatibility/2006">
+        <mc:Choice xmlns:a14="http://schemas.microsoft.com/office/drawing/2010/main" Requires="a14">
+          <p:sp>
+            <p:nvSpPr>
+              <p:cNvPr id="38" name="TextBox 37">
+                <a:extLst>
+                  <a:ext uri="{FF2B5EF4-FFF2-40B4-BE49-F238E27FC236}">
+                    <a16:creationId xmlns:a16="http://schemas.microsoft.com/office/drawing/2014/main" id="{1596BCC3-9078-5A4E-AAC2-9691D9F1BF45}"/>
+                  </a:ext>
+                </a:extLst>
+              </p:cNvPr>
+              <p:cNvSpPr txBox="1"/>
+              <p:nvPr/>
+            </p:nvSpPr>
+            <p:spPr>
+              <a:xfrm>
+                <a:off x="2605742" y="3675267"/>
+                <a:ext cx="1292341" cy="461665"/>
+              </a:xfrm>
+              <a:prstGeom prst="rect">
+                <a:avLst/>
+              </a:prstGeom>
+              <a:noFill/>
+            </p:spPr>
+            <p:txBody>
+              <a:bodyPr wrap="none" rtlCol="0">
+                <a:spAutoFit/>
+              </a:bodyPr>
+              <a:lstStyle/>
+              <a:p>
+                <a:pPr algn="ctr"/>
+                <a:r>
+                  <a:rPr lang="en-US" sz="1200" dirty="0"/>
+                  <a:t>new allocation</a:t>
+                </a:r>
+              </a:p>
+              <a:p>
+                <a:pPr algn="ctr"/>
+                <a:r>
+                  <a:rPr lang="en-US" sz="1200" dirty="0"/>
+                  <a:t>(</a:t>
+                </a:r>
+                <a14:m>
+                  <m:oMath xmlns:m="http://schemas.openxmlformats.org/officeDocument/2006/math">
+                    <m:r>
+                      <a:rPr lang="en-GB" sz="1200" smtClean="0">
+                        <a:latin typeface="Cambria Math" panose="02040503050406030204" pitchFamily="18" charset="0"/>
+                      </a:rPr>
+                      <m:t>£</m:t>
+                    </m:r>
+                    <m:r>
+                      <a:rPr lang="en-GB" sz="1200" i="1">
+                        <a:latin typeface="Cambria Math" panose="02040503050406030204" pitchFamily="18" charset="0"/>
+                      </a:rPr>
+                      <m:t> </m:t>
+                    </m:r>
+                    <m:r>
+                      <a:rPr lang="en-GB" sz="1200" b="0" i="0" smtClean="0">
+                        <a:latin typeface="Cambria Math" panose="02040503050406030204" pitchFamily="18" charset="0"/>
+                      </a:rPr>
+                      <m:t>3</m:t>
+                    </m:r>
+                  </m:oMath>
+                </a14:m>
+                <a:r>
+                  <a:rPr lang="en-US" sz="1200" dirty="0"/>
+                  <a:t>,000, £ 3,000)</a:t>
+                </a:r>
+              </a:p>
+            </p:txBody>
+          </p:sp>
+        </mc:Choice>
+        <mc:Fallback>
+          <p:sp>
+            <p:nvSpPr>
+              <p:cNvPr id="38" name="TextBox 37">
+                <a:extLst>
+                  <a:ext uri="{FF2B5EF4-FFF2-40B4-BE49-F238E27FC236}">
+                    <a16:creationId xmlns:a16="http://schemas.microsoft.com/office/drawing/2014/main" id="{1596BCC3-9078-5A4E-AAC2-9691D9F1BF45}"/>
+                  </a:ext>
+                </a:extLst>
+              </p:cNvPr>
+              <p:cNvSpPr txBox="1">
+                <a:spLocks noRot="1" noChangeAspect="1" noMove="1" noResize="1" noEditPoints="1" noAdjustHandles="1" noChangeArrowheads="1" noChangeShapeType="1" noTextEdit="1"/>
+              </p:cNvSpPr>
+              <p:nvPr/>
+            </p:nvSpPr>
+            <p:spPr>
+              <a:xfrm>
+                <a:off x="2605742" y="3675267"/>
+                <a:ext cx="1292341" cy="461665"/>
+              </a:xfrm>
+              <a:prstGeom prst="rect">
+                <a:avLst/>
+              </a:prstGeom>
+              <a:blipFill>
+                <a:blip r:embed="rId7"/>
+                <a:stretch>
+                  <a:fillRect b="-7895"/>
+                </a:stretch>
+              </a:blipFill>
+            </p:spPr>
+            <p:txBody>
+              <a:bodyPr/>
+              <a:lstStyle/>
+              <a:p>
+                <a:r>
+                  <a:rPr lang="en-US">
+                    <a:noFill/>
+                  </a:rPr>
+                  <a:t> </a:t>
+                </a:r>
+              </a:p>
+            </p:txBody>
+          </p:sp>
+        </mc:Fallback>
+      </mc:AlternateContent>
     </p:spTree>
     <p:extLst>
       <p:ext uri="{BB962C8B-B14F-4D97-AF65-F5344CB8AC3E}">
-        <p14:creationId xmlns:p14="http://schemas.microsoft.com/office/powerpoint/2010/main" val="1649274151"/>
+        <p14:creationId xmlns:p14="http://schemas.microsoft.com/office/powerpoint/2010/main" val="1354662761"/>
       </p:ext>
     </p:extLst>
   </p:cSld>
@@ -3476,7 +5626,7 @@
 </p:sld>
 </file>
 
-<file path=ppt/slides/slide2.xml><?xml version="1.0" encoding="utf-8"?>
+<file path=ppt/slides/slide4.xml><?xml version="1.0" encoding="utf-8"?>
 <p:sld xmlns:a="http://schemas.openxmlformats.org/drawingml/2006/main" xmlns:r="http://schemas.openxmlformats.org/officeDocument/2006/relationships" xmlns:p="http://schemas.openxmlformats.org/presentationml/2006/main">
   <p:cSld>
     <p:spTree>
@@ -3766,8 +5916,8 @@
         </p:nvGrpSpPr>
         <p:grpSpPr>
           <a:xfrm>
-            <a:off x="797442" y="3806456"/>
-            <a:ext cx="1614195" cy="2286368"/>
+            <a:off x="797446" y="4093432"/>
+            <a:ext cx="1782520" cy="1999391"/>
             <a:chOff x="853661" y="2530223"/>
             <a:chExt cx="678952" cy="3562602"/>
           </a:xfrm>
@@ -3909,7 +6059,7 @@
             </p:nvSpPr>
             <p:spPr>
               <a:xfrm>
-                <a:off x="40008" y="3691715"/>
+                <a:off x="40012" y="3954932"/>
                 <a:ext cx="698909" cy="276999"/>
               </a:xfrm>
               <a:prstGeom prst="rect">
@@ -3940,7 +6090,7 @@
                         <a:rPr lang="en-GB" b="0" i="0" smtClean="0">
                           <a:latin typeface="Cambria Math" panose="02040503050406030204" pitchFamily="18" charset="0"/>
                         </a:rPr>
-                        <m:t>75</m:t>
+                        <m:t>00</m:t>
                       </m:r>
                       <m:r>
                         <a:rPr lang="en-GB">
@@ -3975,7 +6125,7 @@
             </p:nvSpPr>
             <p:spPr>
               <a:xfrm>
-                <a:off x="40008" y="3691715"/>
+                <a:off x="40012" y="3954932"/>
                 <a:ext cx="698909" cy="276999"/>
               </a:xfrm>
               <a:prstGeom prst="rect">
@@ -3984,7 +6134,7 @@
               <a:blipFill>
                 <a:blip r:embed="rId2"/>
                 <a:stretch>
-                  <a:fillRect l="-3571" r="-5357" b="-9091"/>
+                  <a:fillRect l="-3571" r="-5357" b="-4348"/>
                 </a:stretch>
               </a:blipFill>
             </p:spPr>
@@ -4019,7 +6169,7 @@
             </p:nvSpPr>
             <p:spPr>
               <a:xfrm>
-                <a:off x="1999499" y="6266213"/>
+                <a:off x="1999502" y="6266217"/>
                 <a:ext cx="698909" cy="276999"/>
               </a:xfrm>
               <a:prstGeom prst="rect">
@@ -4050,13 +6200,13 @@
                         <a:rPr lang="en-GB" b="0" i="0" smtClean="0">
                           <a:latin typeface="Cambria Math" panose="02040503050406030204" pitchFamily="18" charset="0"/>
                         </a:rPr>
-                        <m:t>250</m:t>
+                        <m:t>30</m:t>
                       </m:r>
                       <m:r>
                         <a:rPr lang="en-GB">
                           <a:latin typeface="Cambria Math" panose="02040503050406030204" pitchFamily="18" charset="0"/>
                         </a:rPr>
-                        <m:t>0</m:t>
+                        <m:t>00</m:t>
                       </m:r>
                     </m:oMath>
                   </m:oMathPara>
@@ -4085,7 +6235,7 @@
             </p:nvSpPr>
             <p:spPr>
               <a:xfrm>
-                <a:off x="1999499" y="6266213"/>
+                <a:off x="1999502" y="6266217"/>
                 <a:ext cx="698909" cy="276999"/>
               </a:xfrm>
               <a:prstGeom prst="rect">
@@ -4113,66 +6263,14 @@
           </p:sp>
         </mc:Fallback>
       </mc:AlternateContent>
-      <p:sp>
-        <p:nvSpPr>
-          <p:cNvPr id="3" name="Arc 2">
-            <a:extLst>
-              <a:ext uri="{FF2B5EF4-FFF2-40B4-BE49-F238E27FC236}">
-                <a16:creationId xmlns:a16="http://schemas.microsoft.com/office/drawing/2014/main" id="{E08C5916-E8F7-5C4D-947C-556926177F16}"/>
-              </a:ext>
-            </a:extLst>
-          </p:cNvPr>
-          <p:cNvSpPr/>
-          <p:nvPr/>
-        </p:nvSpPr>
-        <p:spPr>
-          <a:xfrm rot="5071384" flipH="1">
-            <a:off x="1097680" y="4157719"/>
-            <a:ext cx="3237506" cy="2480065"/>
-          </a:xfrm>
-          <a:prstGeom prst="arc">
-            <a:avLst>
-              <a:gd name="adj1" fmla="val 13876355"/>
-              <a:gd name="adj2" fmla="val 226661"/>
-            </a:avLst>
-          </a:prstGeom>
-          <a:ln w="28575">
-            <a:tailEnd type="triangle"/>
-          </a:ln>
-        </p:spPr>
-        <p:style>
-          <a:lnRef idx="1">
-            <a:schemeClr val="accent1"/>
-          </a:lnRef>
-          <a:fillRef idx="0">
-            <a:schemeClr val="accent1"/>
-          </a:fillRef>
-          <a:effectRef idx="0">
-            <a:schemeClr val="accent1"/>
-          </a:effectRef>
-          <a:fontRef idx="minor">
-            <a:schemeClr val="tx1"/>
-          </a:fontRef>
-        </p:style>
-        <p:txBody>
-          <a:bodyPr rtlCol="0" anchor="ctr"/>
-          <a:lstStyle/>
-          <a:p>
-            <a:pPr algn="ctr"/>
-            <a:endParaRPr lang="de-DE" dirty="0">
-              <a:latin typeface="Helvetica Light" panose="020B0403020202020204" pitchFamily="34" charset="0"/>
-            </a:endParaRPr>
-          </a:p>
-        </p:txBody>
-      </p:sp>
       <mc:AlternateContent xmlns:mc="http://schemas.openxmlformats.org/markup-compatibility/2006">
         <mc:Choice xmlns:a14="http://schemas.microsoft.com/office/drawing/2010/main" Requires="a14">
           <p:sp>
             <p:nvSpPr>
-              <p:cNvPr id="15" name="TextBox 14">
+              <p:cNvPr id="19" name="TextBox 18">
                 <a:extLst>
                   <a:ext uri="{FF2B5EF4-FFF2-40B4-BE49-F238E27FC236}">
-                    <a16:creationId xmlns:a16="http://schemas.microsoft.com/office/drawing/2014/main" id="{F13E77ED-CF39-2A41-A964-1C21F800441F}"/>
+                    <a16:creationId xmlns:a16="http://schemas.microsoft.com/office/drawing/2014/main" id="{3882B97E-1AD0-9B45-A429-1E0A7E47FB74}"/>
                   </a:ext>
                 </a:extLst>
               </p:cNvPr>
@@ -4181,8 +6279,8 @@
             </p:nvSpPr>
             <p:spPr>
               <a:xfrm>
-                <a:off x="3297901" y="3686960"/>
-                <a:ext cx="2045432" cy="276999"/>
+                <a:off x="3469662" y="6247370"/>
+                <a:ext cx="746999" cy="276999"/>
               </a:xfrm>
               <a:prstGeom prst="rect">
                 <a:avLst/>
@@ -4195,52 +6293,28 @@
               </a:bodyPr>
               <a:lstStyle/>
               <a:p>
+                <a:pPr/>
                 <a14:m>
-                  <m:oMath xmlns:m="http://schemas.openxmlformats.org/officeDocument/2006/math">
-                    <m:r>
-                      <a:rPr lang="en-GB" smtClean="0">
-                        <a:latin typeface="Cambria Math" panose="02040503050406030204" pitchFamily="18" charset="0"/>
-                      </a:rPr>
-                      <m:t>£</m:t>
-                    </m:r>
-                    <m:r>
-                      <a:rPr lang="en-GB" b="0" i="0" smtClean="0">
-                        <a:latin typeface="Cambria Math" panose="02040503050406030204" pitchFamily="18" charset="0"/>
-                      </a:rPr>
-                      <m:t>25</m:t>
-                    </m:r>
-                    <m:r>
-                      <a:rPr lang="en-GB">
-                        <a:latin typeface="Cambria Math" panose="02040503050406030204" pitchFamily="18" charset="0"/>
-                      </a:rPr>
-                      <m:t>00</m:t>
-                    </m:r>
-                  </m:oMath>
+                  <m:oMathPara xmlns:m="http://schemas.openxmlformats.org/officeDocument/2006/math">
+                    <m:oMathParaPr>
+                      <m:jc m:val="centerGroup"/>
+                    </m:oMathParaPr>
+                    <m:oMath xmlns:m="http://schemas.openxmlformats.org/officeDocument/2006/math">
+                      <m:r>
+                        <a:rPr lang="en-GB">
+                          <a:latin typeface="Cambria Math" panose="02040503050406030204" pitchFamily="18" charset="0"/>
+                        </a:rPr>
+                        <m:t>£5,</m:t>
+                      </m:r>
+                      <m:r>
+                        <a:rPr lang="en-GB">
+                          <a:latin typeface="Cambria Math" panose="02040503050406030204" pitchFamily="18" charset="0"/>
+                        </a:rPr>
+                        <m:t>000</m:t>
+                      </m:r>
+                    </m:oMath>
+                  </m:oMathPara>
                 </a14:m>
-                <a:r>
-                  <a:rPr lang="de-DE" dirty="0">
-                    <a:latin typeface="Helvetica Light" panose="020B0403020202020204" pitchFamily="34" charset="0"/>
-                  </a:rPr>
-                  <a:t> </a:t>
-                </a:r>
-                <a:r>
-                  <a:rPr lang="de-DE" dirty="0" err="1">
-                    <a:latin typeface="Helvetica Light" panose="020B0403020202020204" pitchFamily="34" charset="0"/>
-                  </a:rPr>
-                  <a:t>for</a:t>
-                </a:r>
-                <a:r>
-                  <a:rPr lang="de-DE" dirty="0">
-                    <a:latin typeface="Helvetica Light" panose="020B0403020202020204" pitchFamily="34" charset="0"/>
-                  </a:rPr>
-                  <a:t> </a:t>
-                </a:r>
-                <a:r>
-                  <a:rPr lang="de-DE" dirty="0" err="1">
-                    <a:latin typeface="Helvetica Light" panose="020B0403020202020204" pitchFamily="34" charset="0"/>
-                  </a:rPr>
-                  <a:t>insurance</a:t>
-                </a:r>
                 <a:endParaRPr lang="de-DE" dirty="0">
                   <a:latin typeface="Helvetica Light" panose="020B0403020202020204" pitchFamily="34" charset="0"/>
                 </a:endParaRPr>
@@ -4251,10 +6325,10 @@
         <mc:Fallback>
           <p:sp>
             <p:nvSpPr>
-              <p:cNvPr id="15" name="TextBox 14">
+              <p:cNvPr id="19" name="TextBox 18">
                 <a:extLst>
                   <a:ext uri="{FF2B5EF4-FFF2-40B4-BE49-F238E27FC236}">
-                    <a16:creationId xmlns:a16="http://schemas.microsoft.com/office/drawing/2014/main" id="{F13E77ED-CF39-2A41-A964-1C21F800441F}"/>
+                    <a16:creationId xmlns:a16="http://schemas.microsoft.com/office/drawing/2014/main" id="{3882B97E-1AD0-9B45-A429-1E0A7E47FB74}"/>
                   </a:ext>
                 </a:extLst>
               </p:cNvPr>
@@ -4265,8 +6339,8 @@
             </p:nvSpPr>
             <p:spPr>
               <a:xfrm>
-                <a:off x="3297901" y="3686960"/>
-                <a:ext cx="2045432" cy="276999"/>
+                <a:off x="3469662" y="6247370"/>
+                <a:ext cx="746999" cy="276999"/>
               </a:xfrm>
               <a:prstGeom prst="rect">
                 <a:avLst/>
@@ -4274,7 +6348,111 @@
               <a:blipFill>
                 <a:blip r:embed="rId4"/>
                 <a:stretch>
-                  <a:fillRect l="-3704" t="-21739" r="-5556" b="-47826"/>
+                  <a:fillRect l="-5000" r="-5000" b="-4545"/>
+                </a:stretch>
+              </a:blipFill>
+            </p:spPr>
+            <p:txBody>
+              <a:bodyPr/>
+              <a:lstStyle/>
+              <a:p>
+                <a:r>
+                  <a:rPr lang="en-US">
+                    <a:noFill/>
+                  </a:rPr>
+                  <a:t> </a:t>
+                </a:r>
+              </a:p>
+            </p:txBody>
+          </p:sp>
+        </mc:Fallback>
+      </mc:AlternateContent>
+      <mc:AlternateContent xmlns:mc="http://schemas.openxmlformats.org/markup-compatibility/2006">
+        <mc:Choice xmlns:a14="http://schemas.microsoft.com/office/drawing/2010/main" Requires="a14">
+          <p:sp>
+            <p:nvSpPr>
+              <p:cNvPr id="22" name="TextBox 21">
+                <a:extLst>
+                  <a:ext uri="{FF2B5EF4-FFF2-40B4-BE49-F238E27FC236}">
+                    <a16:creationId xmlns:a16="http://schemas.microsoft.com/office/drawing/2014/main" id="{352A207F-C0D9-5B41-A278-3AD12F72E703}"/>
+                  </a:ext>
+                </a:extLst>
+              </p:cNvPr>
+              <p:cNvSpPr txBox="1"/>
+              <p:nvPr/>
+            </p:nvSpPr>
+            <p:spPr>
+              <a:xfrm>
+                <a:off x="7062" y="1399354"/>
+                <a:ext cx="746999" cy="276999"/>
+              </a:xfrm>
+              <a:prstGeom prst="rect">
+                <a:avLst/>
+              </a:prstGeom>
+              <a:noFill/>
+            </p:spPr>
+            <p:txBody>
+              <a:bodyPr wrap="none" lIns="0" tIns="0" rIns="0" bIns="0" rtlCol="0">
+                <a:spAutoFit/>
+              </a:bodyPr>
+              <a:lstStyle/>
+              <a:p>
+                <a:pPr/>
+                <a14:m>
+                  <m:oMathPara xmlns:m="http://schemas.openxmlformats.org/officeDocument/2006/math">
+                    <m:oMathParaPr>
+                      <m:jc m:val="centerGroup"/>
+                    </m:oMathParaPr>
+                    <m:oMath xmlns:m="http://schemas.openxmlformats.org/officeDocument/2006/math">
+                      <m:r>
+                        <a:rPr lang="en-GB">
+                          <a:latin typeface="Cambria Math" panose="02040503050406030204" pitchFamily="18" charset="0"/>
+                        </a:rPr>
+                        <m:t>£7,5</m:t>
+                      </m:r>
+                      <m:r>
+                        <a:rPr lang="en-GB">
+                          <a:latin typeface="Cambria Math" panose="02040503050406030204" pitchFamily="18" charset="0"/>
+                        </a:rPr>
+                        <m:t>00</m:t>
+                      </m:r>
+                    </m:oMath>
+                  </m:oMathPara>
+                </a14:m>
+                <a:endParaRPr lang="de-DE" dirty="0">
+                  <a:latin typeface="Helvetica Light" panose="020B0403020202020204" pitchFamily="34" charset="0"/>
+                </a:endParaRPr>
+              </a:p>
+            </p:txBody>
+          </p:sp>
+        </mc:Choice>
+        <mc:Fallback>
+          <p:sp>
+            <p:nvSpPr>
+              <p:cNvPr id="22" name="TextBox 21">
+                <a:extLst>
+                  <a:ext uri="{FF2B5EF4-FFF2-40B4-BE49-F238E27FC236}">
+                    <a16:creationId xmlns:a16="http://schemas.microsoft.com/office/drawing/2014/main" id="{352A207F-C0D9-5B41-A278-3AD12F72E703}"/>
+                  </a:ext>
+                </a:extLst>
+              </p:cNvPr>
+              <p:cNvSpPr txBox="1">
+                <a:spLocks noRot="1" noChangeAspect="1" noMove="1" noResize="1" noEditPoints="1" noAdjustHandles="1" noChangeArrowheads="1" noChangeShapeType="1" noTextEdit="1"/>
+              </p:cNvSpPr>
+              <p:nvPr/>
+            </p:nvSpPr>
+            <p:spPr>
+              <a:xfrm>
+                <a:off x="7062" y="1399354"/>
+                <a:ext cx="746999" cy="276999"/>
+              </a:xfrm>
+              <a:prstGeom prst="rect">
+                <a:avLst/>
+              </a:prstGeom>
+              <a:blipFill>
+                <a:blip r:embed="rId5"/>
+                <a:stretch>
+                  <a:fillRect l="-3390" r="-6780" b="-4348"/>
                 </a:stretch>
               </a:blipFill>
             </p:spPr>
@@ -4295,10 +6473,10 @@
       </mc:AlternateContent>
       <p:sp>
         <p:nvSpPr>
-          <p:cNvPr id="16" name="Oval 14">
+          <p:cNvPr id="39" name="Oval 14">
             <a:extLst>
               <a:ext uri="{FF2B5EF4-FFF2-40B4-BE49-F238E27FC236}">
-                <a16:creationId xmlns:a16="http://schemas.microsoft.com/office/drawing/2014/main" id="{D38A9E78-5451-014B-8A6C-1269713417C0}"/>
+                <a16:creationId xmlns:a16="http://schemas.microsoft.com/office/drawing/2014/main" id="{1F612517-93B9-624B-82F2-808F32EF5E6F}"/>
               </a:ext>
             </a:extLst>
           </p:cNvPr>
@@ -4309,7 +6487,7 @@
         </p:nvSpPr>
         <p:spPr bwMode="auto">
           <a:xfrm>
-            <a:off x="2294583" y="3762032"/>
+            <a:off x="2474579" y="4021869"/>
             <a:ext cx="117054" cy="126857"/>
           </a:xfrm>
           <a:prstGeom prst="ellipse">
@@ -4354,14 +6532,75 @@
           </a:p>
         </p:txBody>
       </p:sp>
+      <p:sp>
+        <p:nvSpPr>
+          <p:cNvPr id="44" name="Oval 14">
+            <a:extLst>
+              <a:ext uri="{FF2B5EF4-FFF2-40B4-BE49-F238E27FC236}">
+                <a16:creationId xmlns:a16="http://schemas.microsoft.com/office/drawing/2014/main" id="{387CD582-26E5-C44B-BB72-910A29D9B38D}"/>
+              </a:ext>
+            </a:extLst>
+          </p:cNvPr>
+          <p:cNvSpPr>
+            <a:spLocks noChangeArrowheads="1"/>
+          </p:cNvSpPr>
+          <p:nvPr/>
+        </p:nvSpPr>
+        <p:spPr bwMode="auto">
+          <a:xfrm>
+            <a:off x="1625001" y="2743937"/>
+            <a:ext cx="117054" cy="126857"/>
+          </a:xfrm>
+          <a:prstGeom prst="ellipse">
+            <a:avLst/>
+          </a:prstGeom>
+          <a:solidFill>
+            <a:schemeClr val="accent1"/>
+          </a:solidFill>
+          <a:ln>
+            <a:noFill/>
+          </a:ln>
+          <a:effectLst/>
+          <a:extLst>
+            <a:ext uri="{91240B29-F687-4F45-9708-019B960494DF}">
+              <a14:hiddenLine xmlns:a14="http://schemas.microsoft.com/office/drawing/2010/main" w="12700">
+                <a:solidFill>
+                  <a:schemeClr val="tx1"/>
+                </a:solidFill>
+                <a:round/>
+                <a:headEnd type="none" w="sm" len="sm"/>
+                <a:tailEnd type="none" w="sm" len="sm"/>
+              </a14:hiddenLine>
+            </a:ext>
+            <a:ext uri="{AF507438-7753-43E0-B8FC-AC1667EBCBE1}">
+              <a14:hiddenEffects xmlns:a14="http://schemas.microsoft.com/office/drawing/2010/main">
+                <a:effectLst>
+                  <a:outerShdw dist="35921" dir="2700000" algn="ctr" rotWithShape="0">
+                    <a:schemeClr val="bg2"/>
+                  </a:outerShdw>
+                </a:effectLst>
+              </a14:hiddenEffects>
+            </a:ext>
+          </a:extLst>
+        </p:spPr>
+        <p:txBody>
+          <a:bodyPr wrap="none" anchor="ctr"/>
+          <a:lstStyle/>
+          <a:p>
+            <a:endParaRPr lang="de-DE" dirty="0">
+              <a:latin typeface="Helvetica Light" panose="020B0403020202020204" pitchFamily="34" charset="0"/>
+            </a:endParaRPr>
+          </a:p>
+        </p:txBody>
+      </p:sp>
       <mc:AlternateContent xmlns:mc="http://schemas.openxmlformats.org/markup-compatibility/2006">
         <mc:Choice xmlns:a14="http://schemas.microsoft.com/office/drawing/2010/main" Requires="a14">
           <p:sp>
             <p:nvSpPr>
-              <p:cNvPr id="19" name="TextBox 18">
+              <p:cNvPr id="45" name="TextBox 44">
                 <a:extLst>
                   <a:ext uri="{FF2B5EF4-FFF2-40B4-BE49-F238E27FC236}">
-                    <a16:creationId xmlns:a16="http://schemas.microsoft.com/office/drawing/2014/main" id="{3882B97E-1AD0-9B45-A429-1E0A7E47FB74}"/>
+                    <a16:creationId xmlns:a16="http://schemas.microsoft.com/office/drawing/2014/main" id="{CCECDAEF-C755-D440-B4A0-5EB3F52F0ADE}"/>
                   </a:ext>
                 </a:extLst>
               </p:cNvPr>
@@ -4370,8 +6609,8 @@
             </p:nvSpPr>
             <p:spPr>
               <a:xfrm>
-                <a:off x="3469659" y="6247366"/>
-                <a:ext cx="746999" cy="276999"/>
+                <a:off x="1582706" y="2233987"/>
+                <a:ext cx="1292341" cy="461665"/>
               </a:xfrm>
               <a:prstGeom prst="rect">
                 <a:avLst/>
@@ -4379,48 +6618,49 @@
               <a:noFill/>
             </p:spPr>
             <p:txBody>
-              <a:bodyPr wrap="none" lIns="0" tIns="0" rIns="0" bIns="0" rtlCol="0">
+              <a:bodyPr wrap="none" rtlCol="0">
                 <a:spAutoFit/>
               </a:bodyPr>
               <a:lstStyle/>
               <a:p>
-                <a:pPr/>
+                <a:pPr algn="ctr"/>
+                <a:r>
+                  <a:rPr lang="en-US" sz="1200" dirty="0"/>
+                  <a:t>Initial allocation</a:t>
+                </a:r>
+              </a:p>
+              <a:p>
+                <a:pPr algn="ctr"/>
+                <a:r>
+                  <a:rPr lang="en-US" sz="1200" dirty="0"/>
+                  <a:t>(</a:t>
+                </a:r>
                 <a14:m>
-                  <m:oMathPara xmlns:m="http://schemas.openxmlformats.org/officeDocument/2006/math">
-                    <m:oMathParaPr>
-                      <m:jc m:val="centerGroup"/>
-                    </m:oMathParaPr>
-                    <m:oMath xmlns:m="http://schemas.openxmlformats.org/officeDocument/2006/math">
-                      <m:r>
-                        <a:rPr lang="en-GB" smtClean="0">
-                          <a:latin typeface="Cambria Math" panose="02040503050406030204" pitchFamily="18" charset="0"/>
-                        </a:rPr>
-                        <m:t>£</m:t>
-                      </m:r>
-                      <m:r>
-                        <a:rPr lang="en-GB" b="0" i="0" smtClean="0">
-                          <a:latin typeface="Cambria Math" panose="02040503050406030204" pitchFamily="18" charset="0"/>
-                        </a:rPr>
-                        <m:t>5</m:t>
-                      </m:r>
-                      <m:r>
-                        <a:rPr lang="en-GB" smtClean="0">
-                          <a:latin typeface="Cambria Math" panose="02040503050406030204" pitchFamily="18" charset="0"/>
-                        </a:rPr>
-                        <m:t>,</m:t>
-                      </m:r>
-                      <m:r>
-                        <a:rPr lang="en-GB">
-                          <a:latin typeface="Cambria Math" panose="02040503050406030204" pitchFamily="18" charset="0"/>
-                        </a:rPr>
-                        <m:t>000</m:t>
-                      </m:r>
-                    </m:oMath>
-                  </m:oMathPara>
+                  <m:oMath xmlns:m="http://schemas.openxmlformats.org/officeDocument/2006/math">
+                    <m:r>
+                      <a:rPr lang="en-GB" sz="1200" smtClean="0">
+                        <a:latin typeface="Cambria Math" panose="02040503050406030204" pitchFamily="18" charset="0"/>
+                      </a:rPr>
+                      <m:t>£</m:t>
+                    </m:r>
+                    <m:r>
+                      <a:rPr lang="en-GB" sz="1200" i="1">
+                        <a:latin typeface="Cambria Math" panose="02040503050406030204" pitchFamily="18" charset="0"/>
+                      </a:rPr>
+                      <m:t> </m:t>
+                    </m:r>
+                    <m:r>
+                      <a:rPr lang="en-GB" sz="1200" b="0" i="0" smtClean="0">
+                        <a:latin typeface="Cambria Math" panose="02040503050406030204" pitchFamily="18" charset="0"/>
+                      </a:rPr>
+                      <m:t>5</m:t>
+                    </m:r>
+                  </m:oMath>
                 </a14:m>
-                <a:endParaRPr lang="de-DE" dirty="0">
-                  <a:latin typeface="Helvetica Light" panose="020B0403020202020204" pitchFamily="34" charset="0"/>
-                </a:endParaRPr>
+                <a:r>
+                  <a:rPr lang="en-US" sz="1200" dirty="0"/>
+                  <a:t>,000, £ 1,000)</a:t>
+                </a:r>
               </a:p>
             </p:txBody>
           </p:sp>
@@ -4428,10 +6668,10 @@
         <mc:Fallback>
           <p:sp>
             <p:nvSpPr>
-              <p:cNvPr id="19" name="TextBox 18">
+              <p:cNvPr id="45" name="TextBox 44">
                 <a:extLst>
                   <a:ext uri="{FF2B5EF4-FFF2-40B4-BE49-F238E27FC236}">
-                    <a16:creationId xmlns:a16="http://schemas.microsoft.com/office/drawing/2014/main" id="{3882B97E-1AD0-9B45-A429-1E0A7E47FB74}"/>
+                    <a16:creationId xmlns:a16="http://schemas.microsoft.com/office/drawing/2014/main" id="{CCECDAEF-C755-D440-B4A0-5EB3F52F0ADE}"/>
                   </a:ext>
                 </a:extLst>
               </p:cNvPr>
@@ -4442,16 +6682,16 @@
             </p:nvSpPr>
             <p:spPr>
               <a:xfrm>
-                <a:off x="3469659" y="6247366"/>
-                <a:ext cx="746999" cy="276999"/>
+                <a:off x="1582706" y="2233987"/>
+                <a:ext cx="1292341" cy="461665"/>
               </a:xfrm>
               <a:prstGeom prst="rect">
                 <a:avLst/>
               </a:prstGeom>
               <a:blipFill>
-                <a:blip r:embed="rId5"/>
+                <a:blip r:embed="rId6"/>
                 <a:stretch>
-                  <a:fillRect l="-5000" r="-5000" b="-4545"/>
+                  <a:fillRect b="-8108"/>
                 </a:stretch>
               </a:blipFill>
             </p:spPr>
@@ -4474,10 +6714,10 @@
         <mc:Choice xmlns:a14="http://schemas.microsoft.com/office/drawing/2010/main" Requires="a14">
           <p:sp>
             <p:nvSpPr>
-              <p:cNvPr id="22" name="TextBox 21">
+              <p:cNvPr id="46" name="TextBox 45">
                 <a:extLst>
                   <a:ext uri="{FF2B5EF4-FFF2-40B4-BE49-F238E27FC236}">
-                    <a16:creationId xmlns:a16="http://schemas.microsoft.com/office/drawing/2014/main" id="{352A207F-C0D9-5B41-A278-3AD12F72E703}"/>
+                    <a16:creationId xmlns:a16="http://schemas.microsoft.com/office/drawing/2014/main" id="{D2A70EB0-3078-5C48-9360-0BC257E9016E}"/>
                   </a:ext>
                 </a:extLst>
               </p:cNvPr>
@@ -4486,8 +6726,8 @@
             </p:nvSpPr>
             <p:spPr>
               <a:xfrm>
-                <a:off x="7059" y="1399350"/>
-                <a:ext cx="746999" cy="276999"/>
+                <a:off x="2605742" y="3675267"/>
+                <a:ext cx="1292341" cy="461665"/>
               </a:xfrm>
               <a:prstGeom prst="rect">
                 <a:avLst/>
@@ -4495,42 +6735,49 @@
               <a:noFill/>
             </p:spPr>
             <p:txBody>
-              <a:bodyPr wrap="none" lIns="0" tIns="0" rIns="0" bIns="0" rtlCol="0">
+              <a:bodyPr wrap="none" rtlCol="0">
                 <a:spAutoFit/>
               </a:bodyPr>
               <a:lstStyle/>
               <a:p>
-                <a:pPr/>
+                <a:pPr algn="ctr"/>
+                <a:r>
+                  <a:rPr lang="en-US" sz="1200" dirty="0"/>
+                  <a:t>new allocation</a:t>
+                </a:r>
+              </a:p>
+              <a:p>
+                <a:pPr algn="ctr"/>
+                <a:r>
+                  <a:rPr lang="en-US" sz="1200" dirty="0"/>
+                  <a:t>(</a:t>
+                </a:r>
                 <a14:m>
-                  <m:oMathPara xmlns:m="http://schemas.openxmlformats.org/officeDocument/2006/math">
-                    <m:oMathParaPr>
-                      <m:jc m:val="centerGroup"/>
-                    </m:oMathParaPr>
-                    <m:oMath xmlns:m="http://schemas.openxmlformats.org/officeDocument/2006/math">
-                      <m:r>
-                        <a:rPr lang="en-GB" smtClean="0">
-                          <a:latin typeface="Cambria Math" panose="02040503050406030204" pitchFamily="18" charset="0"/>
-                        </a:rPr>
-                        <m:t>£</m:t>
-                      </m:r>
-                      <m:r>
-                        <a:rPr lang="en-GB" b="0" i="0" smtClean="0">
-                          <a:latin typeface="Cambria Math" panose="02040503050406030204" pitchFamily="18" charset="0"/>
-                        </a:rPr>
-                        <m:t>7,5</m:t>
-                      </m:r>
-                      <m:r>
-                        <a:rPr lang="en-GB">
-                          <a:latin typeface="Cambria Math" panose="02040503050406030204" pitchFamily="18" charset="0"/>
-                        </a:rPr>
-                        <m:t>00</m:t>
-                      </m:r>
-                    </m:oMath>
-                  </m:oMathPara>
+                  <m:oMath xmlns:m="http://schemas.openxmlformats.org/officeDocument/2006/math">
+                    <m:r>
+                      <a:rPr lang="en-GB" sz="1200" smtClean="0">
+                        <a:latin typeface="Cambria Math" panose="02040503050406030204" pitchFamily="18" charset="0"/>
+                      </a:rPr>
+                      <m:t>£</m:t>
+                    </m:r>
+                    <m:r>
+                      <a:rPr lang="en-GB" sz="1200" i="1">
+                        <a:latin typeface="Cambria Math" panose="02040503050406030204" pitchFamily="18" charset="0"/>
+                      </a:rPr>
+                      <m:t> </m:t>
+                    </m:r>
+                    <m:r>
+                      <a:rPr lang="en-GB" sz="1200" b="0" i="0" smtClean="0">
+                        <a:latin typeface="Cambria Math" panose="02040503050406030204" pitchFamily="18" charset="0"/>
+                      </a:rPr>
+                      <m:t>3</m:t>
+                    </m:r>
+                  </m:oMath>
                 </a14:m>
-                <a:endParaRPr lang="de-DE" dirty="0">
-                  <a:latin typeface="Helvetica Light" panose="020B0403020202020204" pitchFamily="34" charset="0"/>
-                </a:endParaRPr>
+                <a:r>
+                  <a:rPr lang="en-US" sz="1200" dirty="0"/>
+                  <a:t>,000, £ 3,000)</a:t>
+                </a:r>
               </a:p>
             </p:txBody>
           </p:sp>
@@ -4538,10 +6785,10 @@
         <mc:Fallback>
           <p:sp>
             <p:nvSpPr>
-              <p:cNvPr id="22" name="TextBox 21">
+              <p:cNvPr id="46" name="TextBox 45">
                 <a:extLst>
                   <a:ext uri="{FF2B5EF4-FFF2-40B4-BE49-F238E27FC236}">
-                    <a16:creationId xmlns:a16="http://schemas.microsoft.com/office/drawing/2014/main" id="{352A207F-C0D9-5B41-A278-3AD12F72E703}"/>
+                    <a16:creationId xmlns:a16="http://schemas.microsoft.com/office/drawing/2014/main" id="{D2A70EB0-3078-5C48-9360-0BC257E9016E}"/>
                   </a:ext>
                 </a:extLst>
               </p:cNvPr>
@@ -4552,16 +6799,16 @@
             </p:nvSpPr>
             <p:spPr>
               <a:xfrm>
-                <a:off x="7059" y="1399350"/>
-                <a:ext cx="746999" cy="276999"/>
+                <a:off x="2605742" y="3675267"/>
+                <a:ext cx="1292341" cy="461665"/>
               </a:xfrm>
               <a:prstGeom prst="rect">
                 <a:avLst/>
               </a:prstGeom>
               <a:blipFill>
-                <a:blip r:embed="rId6"/>
+                <a:blip r:embed="rId7"/>
                 <a:stretch>
-                  <a:fillRect l="-3390" r="-5085" b="-4348"/>
+                  <a:fillRect b="-7895"/>
                 </a:stretch>
               </a:blipFill>
             </p:spPr>
@@ -4583,7 +6830,7 @@
     </p:spTree>
     <p:extLst>
       <p:ext uri="{BB962C8B-B14F-4D97-AF65-F5344CB8AC3E}">
-        <p14:creationId xmlns:p14="http://schemas.microsoft.com/office/powerpoint/2010/main" val="2806225907"/>
+        <p14:creationId xmlns:p14="http://schemas.microsoft.com/office/powerpoint/2010/main" val="527433077"/>
       </p:ext>
     </p:extLst>
   </p:cSld>
@@ -4593,7 +6840,7 @@
 </p:sld>
 </file>
 
-<file path=ppt/slides/slide3.xml><?xml version="1.0" encoding="utf-8"?>
+<file path=ppt/slides/slide5.xml><?xml version="1.0" encoding="utf-8"?>
 <p:sld xmlns:a="http://schemas.openxmlformats.org/drawingml/2006/main" xmlns:r="http://schemas.openxmlformats.org/officeDocument/2006/relationships" xmlns:p="http://schemas.openxmlformats.org/presentationml/2006/main">
   <p:cSld>
     <p:spTree>
@@ -4626,7 +6873,7 @@
             </p:nvSpPr>
             <p:spPr>
               <a:xfrm>
-                <a:off x="7059" y="1399350"/>
+                <a:off x="7062" y="1399354"/>
                 <a:ext cx="746999" cy="276999"/>
               </a:xfrm>
               <a:prstGeom prst="rect">
@@ -4657,7 +6904,19 @@
                         <a:rPr lang="en-GB" b="0" i="0" smtClean="0">
                           <a:latin typeface="Cambria Math" panose="02040503050406030204" pitchFamily="18" charset="0"/>
                         </a:rPr>
-                        <m:t>7,5</m:t>
+                        <m:t>6</m:t>
+                      </m:r>
+                      <m:r>
+                        <a:rPr lang="en-GB" smtClean="0">
+                          <a:latin typeface="Cambria Math" panose="02040503050406030204" pitchFamily="18" charset="0"/>
+                        </a:rPr>
+                        <m:t>,</m:t>
+                      </m:r>
+                      <m:r>
+                        <a:rPr lang="en-GB" b="0" i="0" smtClean="0">
+                          <a:latin typeface="Cambria Math" panose="02040503050406030204" pitchFamily="18" charset="0"/>
+                        </a:rPr>
+                        <m:t>0</m:t>
                       </m:r>
                       <m:r>
                         <a:rPr lang="en-GB">
@@ -4692,7 +6951,7 @@
             </p:nvSpPr>
             <p:spPr>
               <a:xfrm>
-                <a:off x="7059" y="1399350"/>
+                <a:off x="7062" y="1399354"/>
                 <a:ext cx="746999" cy="276999"/>
               </a:xfrm>
               <a:prstGeom prst="rect">
@@ -5099,157 +7358,6 @@
           </a:p>
         </p:txBody>
       </p:sp>
-      <mc:AlternateContent xmlns:mc="http://schemas.openxmlformats.org/markup-compatibility/2006">
-        <mc:Choice xmlns:a14="http://schemas.microsoft.com/office/drawing/2010/main" Requires="a14">
-          <p:sp>
-            <p:nvSpPr>
-              <p:cNvPr id="14" name="TextBox 13">
-                <a:extLst>
-                  <a:ext uri="{FF2B5EF4-FFF2-40B4-BE49-F238E27FC236}">
-                    <a16:creationId xmlns:a16="http://schemas.microsoft.com/office/drawing/2014/main" id="{DB4F6BD1-6B9D-6341-BD8B-167E20C36BF4}"/>
-                  </a:ext>
-                </a:extLst>
-              </p:cNvPr>
-              <p:cNvSpPr txBox="1"/>
-              <p:nvPr/>
-            </p:nvSpPr>
-            <p:spPr>
-              <a:xfrm>
-                <a:off x="1168131" y="6254895"/>
-                <a:ext cx="698909" cy="276999"/>
-              </a:xfrm>
-              <a:prstGeom prst="rect">
-                <a:avLst/>
-              </a:prstGeom>
-              <a:noFill/>
-            </p:spPr>
-            <p:txBody>
-              <a:bodyPr wrap="none" lIns="0" tIns="0" rIns="0" bIns="0" rtlCol="0">
-                <a:spAutoFit/>
-              </a:bodyPr>
-              <a:lstStyle/>
-              <a:p>
-                <a:pPr/>
-                <a14:m>
-                  <m:oMathPara xmlns:m="http://schemas.openxmlformats.org/officeDocument/2006/math">
-                    <m:oMathParaPr>
-                      <m:jc m:val="centerGroup"/>
-                    </m:oMathParaPr>
-                    <m:oMath xmlns:m="http://schemas.openxmlformats.org/officeDocument/2006/math">
-                      <m:r>
-                        <a:rPr lang="en-GB">
-                          <a:latin typeface="Cambria Math" panose="02040503050406030204" pitchFamily="18" charset="0"/>
-                        </a:rPr>
-                        <m:t>£1400</m:t>
-                      </m:r>
-                    </m:oMath>
-                  </m:oMathPara>
-                </a14:m>
-                <a:endParaRPr lang="de-DE" dirty="0">
-                  <a:latin typeface="Helvetica Light" panose="020B0403020202020204" pitchFamily="34" charset="0"/>
-                </a:endParaRPr>
-              </a:p>
-            </p:txBody>
-          </p:sp>
-        </mc:Choice>
-        <mc:Fallback>
-          <p:sp>
-            <p:nvSpPr>
-              <p:cNvPr id="14" name="TextBox 13">
-                <a:extLst>
-                  <a:ext uri="{FF2B5EF4-FFF2-40B4-BE49-F238E27FC236}">
-                    <a16:creationId xmlns:a16="http://schemas.microsoft.com/office/drawing/2014/main" id="{DB4F6BD1-6B9D-6341-BD8B-167E20C36BF4}"/>
-                  </a:ext>
-                </a:extLst>
-              </p:cNvPr>
-              <p:cNvSpPr txBox="1">
-                <a:spLocks noRot="1" noChangeAspect="1" noMove="1" noResize="1" noEditPoints="1" noAdjustHandles="1" noChangeArrowheads="1" noChangeShapeType="1" noTextEdit="1"/>
-              </p:cNvSpPr>
-              <p:nvPr/>
-            </p:nvSpPr>
-            <p:spPr>
-              <a:xfrm>
-                <a:off x="1168131" y="6254895"/>
-                <a:ext cx="698909" cy="276999"/>
-              </a:xfrm>
-              <a:prstGeom prst="rect">
-                <a:avLst/>
-              </a:prstGeom>
-              <a:blipFill>
-                <a:blip r:embed="rId3"/>
-                <a:stretch>
-                  <a:fillRect l="-5357" r="-5357" b="-4545"/>
-                </a:stretch>
-              </a:blipFill>
-            </p:spPr>
-            <p:txBody>
-              <a:bodyPr/>
-              <a:lstStyle/>
-              <a:p>
-                <a:r>
-                  <a:rPr lang="en-US">
-                    <a:noFill/>
-                  </a:rPr>
-                  <a:t> </a:t>
-                </a:r>
-              </a:p>
-            </p:txBody>
-          </p:sp>
-        </mc:Fallback>
-      </mc:AlternateContent>
-      <p:sp>
-        <p:nvSpPr>
-          <p:cNvPr id="3" name="Arc 2">
-            <a:extLst>
-              <a:ext uri="{FF2B5EF4-FFF2-40B4-BE49-F238E27FC236}">
-                <a16:creationId xmlns:a16="http://schemas.microsoft.com/office/drawing/2014/main" id="{E08C5916-E8F7-5C4D-947C-556926177F16}"/>
-              </a:ext>
-            </a:extLst>
-          </p:cNvPr>
-          <p:cNvSpPr/>
-          <p:nvPr/>
-        </p:nvSpPr>
-        <p:spPr>
-          <a:xfrm rot="2223971">
-            <a:off x="1398258" y="3729838"/>
-            <a:ext cx="2795371" cy="2899785"/>
-          </a:xfrm>
-          <a:prstGeom prst="arc">
-            <a:avLst>
-              <a:gd name="adj1" fmla="val 13014505"/>
-              <a:gd name="adj2" fmla="val 0"/>
-            </a:avLst>
-          </a:prstGeom>
-          <a:ln w="28575">
-            <a:headEnd type="triangle"/>
-            <a:tailEnd type="none"/>
-          </a:ln>
-        </p:spPr>
-        <p:style>
-          <a:lnRef idx="1">
-            <a:schemeClr val="accent1"/>
-          </a:lnRef>
-          <a:fillRef idx="0">
-            <a:schemeClr val="accent1"/>
-          </a:fillRef>
-          <a:effectRef idx="0">
-            <a:schemeClr val="accent1"/>
-          </a:effectRef>
-          <a:fontRef idx="minor">
-            <a:schemeClr val="tx1"/>
-          </a:fontRef>
-        </p:style>
-        <p:txBody>
-          <a:bodyPr rtlCol="0" anchor="ctr"/>
-          <a:lstStyle/>
-          <a:p>
-            <a:pPr algn="ctr"/>
-            <a:endParaRPr lang="de-DE" dirty="0">
-              <a:latin typeface="Helvetica Light" panose="020B0403020202020204" pitchFamily="34" charset="0"/>
-            </a:endParaRPr>
-          </a:p>
-        </p:txBody>
-      </p:sp>
       <p:sp>
         <p:nvSpPr>
           <p:cNvPr id="15" name="TextBox 14">
@@ -5264,8 +7372,8 @@
         </p:nvSpPr>
         <p:spPr>
           <a:xfrm>
-            <a:off x="3203298" y="1697425"/>
-            <a:ext cx="2090316" cy="553998"/>
+            <a:off x="3203299" y="1697426"/>
+            <a:ext cx="1359346" cy="830997"/>
           </a:xfrm>
           <a:prstGeom prst="rect">
             <a:avLst/>
@@ -5340,11 +7448,13 @@
               </a:rPr>
               <a:t> </a:t>
             </a:r>
+          </a:p>
+          <a:p>
             <a:r>
               <a:rPr lang="de-DE" dirty="0" err="1">
                 <a:latin typeface="Helvetica Light" panose="020B0403020202020204" pitchFamily="34" charset="0"/>
               </a:rPr>
-              <a:t>affordable</a:t>
+              <a:t>feasible</a:t>
             </a:r>
             <a:endParaRPr lang="de-DE" dirty="0">
               <a:latin typeface="Helvetica Light" panose="020B0403020202020204" pitchFamily="34" charset="0"/>
@@ -5368,7 +7478,7 @@
         </p:nvSpPr>
         <p:spPr bwMode="auto">
           <a:xfrm>
-            <a:off x="1453448" y="2466796"/>
+            <a:off x="1453448" y="2466801"/>
             <a:ext cx="117054" cy="126857"/>
           </a:xfrm>
           <a:prstGeom prst="ellipse">
@@ -5415,59 +7525,6 @@
       </p:sp>
       <p:sp>
         <p:nvSpPr>
-          <p:cNvPr id="22" name="Arc 21">
-            <a:extLst>
-              <a:ext uri="{FF2B5EF4-FFF2-40B4-BE49-F238E27FC236}">
-                <a16:creationId xmlns:a16="http://schemas.microsoft.com/office/drawing/2014/main" id="{39E8DF06-786B-684A-BF54-C8DEF022FE33}"/>
-              </a:ext>
-            </a:extLst>
-          </p:cNvPr>
-          <p:cNvSpPr/>
-          <p:nvPr/>
-        </p:nvSpPr>
-        <p:spPr>
-          <a:xfrm rot="2223971">
-            <a:off x="-225865" y="2530702"/>
-            <a:ext cx="4557141" cy="4387692"/>
-          </a:xfrm>
-          <a:prstGeom prst="arc">
-            <a:avLst>
-              <a:gd name="adj1" fmla="val 13298009"/>
-              <a:gd name="adj2" fmla="val 0"/>
-            </a:avLst>
-          </a:prstGeom>
-          <a:ln w="28575">
-            <a:headEnd type="triangle"/>
-            <a:tailEnd type="none"/>
-          </a:ln>
-        </p:spPr>
-        <p:style>
-          <a:lnRef idx="1">
-            <a:schemeClr val="accent1"/>
-          </a:lnRef>
-          <a:fillRef idx="0">
-            <a:schemeClr val="accent1"/>
-          </a:fillRef>
-          <a:effectRef idx="0">
-            <a:schemeClr val="accent1"/>
-          </a:effectRef>
-          <a:fontRef idx="minor">
-            <a:schemeClr val="tx1"/>
-          </a:fontRef>
-        </p:style>
-        <p:txBody>
-          <a:bodyPr rtlCol="0" anchor="ctr"/>
-          <a:lstStyle/>
-          <a:p>
-            <a:pPr algn="ctr"/>
-            <a:endParaRPr lang="de-DE" dirty="0">
-              <a:latin typeface="Helvetica Light" panose="020B0403020202020204" pitchFamily="34" charset="0"/>
-            </a:endParaRPr>
-          </a:p>
-        </p:txBody>
-      </p:sp>
-      <p:sp>
-        <p:nvSpPr>
           <p:cNvPr id="23" name="Oval 14">
             <a:extLst>
               <a:ext uri="{FF2B5EF4-FFF2-40B4-BE49-F238E27FC236}">
@@ -5482,7 +7539,7 @@
         </p:nvSpPr>
         <p:spPr bwMode="auto">
           <a:xfrm>
-            <a:off x="2874019" y="4639489"/>
+            <a:off x="2874019" y="4639494"/>
             <a:ext cx="117054" cy="126857"/>
           </a:xfrm>
           <a:prstGeom prst="ellipse">
@@ -5531,226 +7588,6 @@
         <mc:Choice xmlns:a14="http://schemas.microsoft.com/office/drawing/2010/main" Requires="a14">
           <p:sp>
             <p:nvSpPr>
-              <p:cNvPr id="28" name="TextBox 27">
-                <a:extLst>
-                  <a:ext uri="{FF2B5EF4-FFF2-40B4-BE49-F238E27FC236}">
-                    <a16:creationId xmlns:a16="http://schemas.microsoft.com/office/drawing/2014/main" id="{0BCD05ED-62DA-A841-8A67-1234CAE460BA}"/>
-                  </a:ext>
-                </a:extLst>
-              </p:cNvPr>
-              <p:cNvSpPr txBox="1"/>
-              <p:nvPr/>
-            </p:nvSpPr>
-            <p:spPr>
-              <a:xfrm>
-                <a:off x="40008" y="3691715"/>
-                <a:ext cx="698909" cy="276999"/>
-              </a:xfrm>
-              <a:prstGeom prst="rect">
-                <a:avLst/>
-              </a:prstGeom>
-              <a:noFill/>
-            </p:spPr>
-            <p:txBody>
-              <a:bodyPr wrap="none" lIns="0" tIns="0" rIns="0" bIns="0" rtlCol="0">
-                <a:spAutoFit/>
-              </a:bodyPr>
-              <a:lstStyle/>
-              <a:p>
-                <a:pPr/>
-                <a14:m>
-                  <m:oMathPara xmlns:m="http://schemas.openxmlformats.org/officeDocument/2006/math">
-                    <m:oMathParaPr>
-                      <m:jc m:val="centerGroup"/>
-                    </m:oMathParaPr>
-                    <m:oMath xmlns:m="http://schemas.openxmlformats.org/officeDocument/2006/math">
-                      <m:r>
-                        <a:rPr lang="en-GB" smtClean="0">
-                          <a:latin typeface="Cambria Math" panose="02040503050406030204" pitchFamily="18" charset="0"/>
-                        </a:rPr>
-                        <m:t>£3</m:t>
-                      </m:r>
-                      <m:r>
-                        <a:rPr lang="en-GB" b="0" i="0" smtClean="0">
-                          <a:latin typeface="Cambria Math" panose="02040503050406030204" pitchFamily="18" charset="0"/>
-                        </a:rPr>
-                        <m:t>75</m:t>
-                      </m:r>
-                      <m:r>
-                        <a:rPr lang="en-GB">
-                          <a:latin typeface="Cambria Math" panose="02040503050406030204" pitchFamily="18" charset="0"/>
-                        </a:rPr>
-                        <m:t>0</m:t>
-                      </m:r>
-                    </m:oMath>
-                  </m:oMathPara>
-                </a14:m>
-                <a:endParaRPr lang="de-DE" dirty="0">
-                  <a:latin typeface="Helvetica Light" panose="020B0403020202020204" pitchFamily="34" charset="0"/>
-                </a:endParaRPr>
-              </a:p>
-            </p:txBody>
-          </p:sp>
-        </mc:Choice>
-        <mc:Fallback>
-          <p:sp>
-            <p:nvSpPr>
-              <p:cNvPr id="28" name="TextBox 27">
-                <a:extLst>
-                  <a:ext uri="{FF2B5EF4-FFF2-40B4-BE49-F238E27FC236}">
-                    <a16:creationId xmlns:a16="http://schemas.microsoft.com/office/drawing/2014/main" id="{0BCD05ED-62DA-A841-8A67-1234CAE460BA}"/>
-                  </a:ext>
-                </a:extLst>
-              </p:cNvPr>
-              <p:cNvSpPr txBox="1">
-                <a:spLocks noRot="1" noChangeAspect="1" noMove="1" noResize="1" noEditPoints="1" noAdjustHandles="1" noChangeArrowheads="1" noChangeShapeType="1" noTextEdit="1"/>
-              </p:cNvSpPr>
-              <p:nvPr/>
-            </p:nvSpPr>
-            <p:spPr>
-              <a:xfrm>
-                <a:off x="40008" y="3691715"/>
-                <a:ext cx="698909" cy="276999"/>
-              </a:xfrm>
-              <a:prstGeom prst="rect">
-                <a:avLst/>
-              </a:prstGeom>
-              <a:blipFill>
-                <a:blip r:embed="rId4"/>
-                <a:stretch>
-                  <a:fillRect l="-3571" r="-5357" b="-9091"/>
-                </a:stretch>
-              </a:blipFill>
-            </p:spPr>
-            <p:txBody>
-              <a:bodyPr/>
-              <a:lstStyle/>
-              <a:p>
-                <a:r>
-                  <a:rPr lang="en-US">
-                    <a:noFill/>
-                  </a:rPr>
-                  <a:t> </a:t>
-                </a:r>
-              </a:p>
-            </p:txBody>
-          </p:sp>
-        </mc:Fallback>
-      </mc:AlternateContent>
-      <mc:AlternateContent xmlns:mc="http://schemas.openxmlformats.org/markup-compatibility/2006">
-        <mc:Choice xmlns:a14="http://schemas.microsoft.com/office/drawing/2010/main" Requires="a14">
-          <p:sp>
-            <p:nvSpPr>
-              <p:cNvPr id="29" name="TextBox 28">
-                <a:extLst>
-                  <a:ext uri="{FF2B5EF4-FFF2-40B4-BE49-F238E27FC236}">
-                    <a16:creationId xmlns:a16="http://schemas.microsoft.com/office/drawing/2014/main" id="{68FA2C92-D9FC-2547-B5F9-130674EB89E8}"/>
-                  </a:ext>
-                </a:extLst>
-              </p:cNvPr>
-              <p:cNvSpPr txBox="1"/>
-              <p:nvPr/>
-            </p:nvSpPr>
-            <p:spPr>
-              <a:xfrm>
-                <a:off x="1999499" y="6266213"/>
-                <a:ext cx="698909" cy="276999"/>
-              </a:xfrm>
-              <a:prstGeom prst="rect">
-                <a:avLst/>
-              </a:prstGeom>
-              <a:noFill/>
-            </p:spPr>
-            <p:txBody>
-              <a:bodyPr wrap="none" lIns="0" tIns="0" rIns="0" bIns="0" rtlCol="0">
-                <a:spAutoFit/>
-              </a:bodyPr>
-              <a:lstStyle/>
-              <a:p>
-                <a:pPr/>
-                <a14:m>
-                  <m:oMathPara xmlns:m="http://schemas.openxmlformats.org/officeDocument/2006/math">
-                    <m:oMathParaPr>
-                      <m:jc m:val="centerGroup"/>
-                    </m:oMathParaPr>
-                    <m:oMath xmlns:m="http://schemas.openxmlformats.org/officeDocument/2006/math">
-                      <m:r>
-                        <a:rPr lang="en-GB" smtClean="0">
-                          <a:latin typeface="Cambria Math" panose="02040503050406030204" pitchFamily="18" charset="0"/>
-                        </a:rPr>
-                        <m:t>£</m:t>
-                      </m:r>
-                      <m:r>
-                        <a:rPr lang="en-GB" b="0" i="0" smtClean="0">
-                          <a:latin typeface="Cambria Math" panose="02040503050406030204" pitchFamily="18" charset="0"/>
-                        </a:rPr>
-                        <m:t>250</m:t>
-                      </m:r>
-                      <m:r>
-                        <a:rPr lang="en-GB">
-                          <a:latin typeface="Cambria Math" panose="02040503050406030204" pitchFamily="18" charset="0"/>
-                        </a:rPr>
-                        <m:t>0</m:t>
-                      </m:r>
-                    </m:oMath>
-                  </m:oMathPara>
-                </a14:m>
-                <a:endParaRPr lang="de-DE" dirty="0">
-                  <a:latin typeface="Helvetica Light" panose="020B0403020202020204" pitchFamily="34" charset="0"/>
-                </a:endParaRPr>
-              </a:p>
-            </p:txBody>
-          </p:sp>
-        </mc:Choice>
-        <mc:Fallback>
-          <p:sp>
-            <p:nvSpPr>
-              <p:cNvPr id="29" name="TextBox 28">
-                <a:extLst>
-                  <a:ext uri="{FF2B5EF4-FFF2-40B4-BE49-F238E27FC236}">
-                    <a16:creationId xmlns:a16="http://schemas.microsoft.com/office/drawing/2014/main" id="{68FA2C92-D9FC-2547-B5F9-130674EB89E8}"/>
-                  </a:ext>
-                </a:extLst>
-              </p:cNvPr>
-              <p:cNvSpPr txBox="1">
-                <a:spLocks noRot="1" noChangeAspect="1" noMove="1" noResize="1" noEditPoints="1" noAdjustHandles="1" noChangeArrowheads="1" noChangeShapeType="1" noTextEdit="1"/>
-              </p:cNvSpPr>
-              <p:nvPr/>
-            </p:nvSpPr>
-            <p:spPr>
-              <a:xfrm>
-                <a:off x="1999499" y="6266213"/>
-                <a:ext cx="698909" cy="276999"/>
-              </a:xfrm>
-              <a:prstGeom prst="rect">
-                <a:avLst/>
-              </a:prstGeom>
-              <a:blipFill>
-                <a:blip r:embed="rId5"/>
-                <a:stretch>
-                  <a:fillRect l="-3571" r="-7143" b="-4348"/>
-                </a:stretch>
-              </a:blipFill>
-            </p:spPr>
-            <p:txBody>
-              <a:bodyPr/>
-              <a:lstStyle/>
-              <a:p>
-                <a:r>
-                  <a:rPr lang="en-US">
-                    <a:noFill/>
-                  </a:rPr>
-                  <a:t> </a:t>
-                </a:r>
-              </a:p>
-            </p:txBody>
-          </p:sp>
-        </mc:Fallback>
-      </mc:AlternateContent>
-      <mc:AlternateContent xmlns:mc="http://schemas.openxmlformats.org/markup-compatibility/2006">
-        <mc:Choice xmlns:a14="http://schemas.microsoft.com/office/drawing/2010/main" Requires="a14">
-          <p:sp>
-            <p:nvSpPr>
               <p:cNvPr id="31" name="TextBox 30">
                 <a:extLst>
                   <a:ext uri="{FF2B5EF4-FFF2-40B4-BE49-F238E27FC236}">
@@ -5763,7 +7600,7 @@
             </p:nvSpPr>
             <p:spPr>
               <a:xfrm>
-                <a:off x="3472567" y="6259084"/>
+                <a:off x="3472570" y="6259088"/>
                 <a:ext cx="746999" cy="276999"/>
               </a:xfrm>
               <a:prstGeom prst="rect">
@@ -5794,10 +7631,10 @@
                         <a:rPr lang="en-GB" b="0" i="0" smtClean="0">
                           <a:latin typeface="Cambria Math" panose="02040503050406030204" pitchFamily="18" charset="0"/>
                         </a:rPr>
-                        <m:t>5</m:t>
+                        <m:t>6</m:t>
                       </m:r>
                       <m:r>
-                        <a:rPr lang="en-GB" smtClean="0">
+                        <a:rPr lang="en-GB">
                           <a:latin typeface="Cambria Math" panose="02040503050406030204" pitchFamily="18" charset="0"/>
                         </a:rPr>
                         <m:t>,</m:t>
@@ -5835,14 +7672,14 @@
             </p:nvSpPr>
             <p:spPr>
               <a:xfrm>
-                <a:off x="3472567" y="6259084"/>
+                <a:off x="3472570" y="6259088"/>
                 <a:ext cx="746999" cy="276999"/>
               </a:xfrm>
               <a:prstGeom prst="rect">
                 <a:avLst/>
               </a:prstGeom>
               <a:blipFill>
-                <a:blip r:embed="rId6"/>
+                <a:blip r:embed="rId3"/>
                 <a:stretch>
                   <a:fillRect l="-5000" r="-5000" b="-4348"/>
                 </a:stretch>
@@ -5877,7 +7714,7 @@
         </p:nvGrpSpPr>
         <p:grpSpPr>
           <a:xfrm>
-            <a:off x="797442" y="3806456"/>
+            <a:off x="797446" y="3806456"/>
             <a:ext cx="1614195" cy="2286368"/>
             <a:chOff x="853661" y="2530223"/>
             <a:chExt cx="678952" cy="3562602"/>
@@ -6020,7 +7857,7 @@
         </p:nvSpPr>
         <p:spPr bwMode="auto">
           <a:xfrm>
-            <a:off x="2294583" y="3762032"/>
+            <a:off x="2294583" y="3762036"/>
             <a:ext cx="117054" cy="126857"/>
           </a:xfrm>
           <a:prstGeom prst="ellipse">
@@ -6081,7 +7918,7 @@
         </p:nvSpPr>
         <p:spPr bwMode="auto">
           <a:xfrm flipH="1" flipV="1">
-            <a:off x="696088" y="4688946"/>
+            <a:off x="696088" y="4688951"/>
             <a:ext cx="2244510" cy="6379"/>
           </a:xfrm>
           <a:prstGeom prst="line">
@@ -6141,7 +7978,7 @@
         </p:nvSpPr>
         <p:spPr bwMode="auto">
           <a:xfrm>
-            <a:off x="2940598" y="4695327"/>
+            <a:off x="2940598" y="4695332"/>
             <a:ext cx="0" cy="1397503"/>
           </a:xfrm>
           <a:prstGeom prst="line">
@@ -6185,59 +8022,6 @@
           </a:p>
         </p:txBody>
       </p:sp>
-      <p:sp>
-        <p:nvSpPr>
-          <p:cNvPr id="40" name="Arc 39">
-            <a:extLst>
-              <a:ext uri="{FF2B5EF4-FFF2-40B4-BE49-F238E27FC236}">
-                <a16:creationId xmlns:a16="http://schemas.microsoft.com/office/drawing/2014/main" id="{1ADDFE66-6EC9-DA43-B8FC-5DFD2A6D3117}"/>
-              </a:ext>
-            </a:extLst>
-          </p:cNvPr>
-          <p:cNvSpPr/>
-          <p:nvPr/>
-        </p:nvSpPr>
-        <p:spPr>
-          <a:xfrm rot="2223971">
-            <a:off x="2309863" y="4712028"/>
-            <a:ext cx="1809618" cy="1486252"/>
-          </a:xfrm>
-          <a:prstGeom prst="arc">
-            <a:avLst>
-              <a:gd name="adj1" fmla="val 13137143"/>
-              <a:gd name="adj2" fmla="val 0"/>
-            </a:avLst>
-          </a:prstGeom>
-          <a:ln w="28575">
-            <a:headEnd type="triangle"/>
-            <a:tailEnd type="none"/>
-          </a:ln>
-        </p:spPr>
-        <p:style>
-          <a:lnRef idx="1">
-            <a:schemeClr val="accent1"/>
-          </a:lnRef>
-          <a:fillRef idx="0">
-            <a:schemeClr val="accent1"/>
-          </a:fillRef>
-          <a:effectRef idx="0">
-            <a:schemeClr val="accent1"/>
-          </a:effectRef>
-          <a:fontRef idx="minor">
-            <a:schemeClr val="tx1"/>
-          </a:fontRef>
-        </p:style>
-        <p:txBody>
-          <a:bodyPr rtlCol="0" anchor="ctr"/>
-          <a:lstStyle/>
-          <a:p>
-            <a:pPr algn="ctr"/>
-            <a:endParaRPr lang="de-DE" dirty="0">
-              <a:latin typeface="Helvetica Light" panose="020B0403020202020204" pitchFamily="34" charset="0"/>
-            </a:endParaRPr>
-          </a:p>
-        </p:txBody>
-      </p:sp>
     </p:spTree>
     <p:extLst>
       <p:ext uri="{BB962C8B-B14F-4D97-AF65-F5344CB8AC3E}">
@@ -6251,7 +8035,7 @@
 </p:sld>
 </file>
 
-<file path=ppt/slides/slide4.xml><?xml version="1.0" encoding="utf-8"?>
+<file path=ppt/slides/slide6.xml><?xml version="1.0" encoding="utf-8"?>
 <p:sld xmlns:a="http://schemas.openxmlformats.org/drawingml/2006/main" xmlns:r="http://schemas.openxmlformats.org/officeDocument/2006/relationships" xmlns:p="http://schemas.openxmlformats.org/presentationml/2006/main">
   <p:cSld>
     <p:spTree>
@@ -6647,104 +8431,6 @@
           </a:p>
         </p:txBody>
       </p:sp>
-      <mc:AlternateContent xmlns:mc="http://schemas.openxmlformats.org/markup-compatibility/2006">
-        <mc:Choice xmlns:a14="http://schemas.microsoft.com/office/drawing/2010/main" Requires="a14">
-          <p:sp>
-            <p:nvSpPr>
-              <p:cNvPr id="14" name="TextBox 13">
-                <a:extLst>
-                  <a:ext uri="{FF2B5EF4-FFF2-40B4-BE49-F238E27FC236}">
-                    <a16:creationId xmlns:a16="http://schemas.microsoft.com/office/drawing/2014/main" id="{DB4F6BD1-6B9D-6341-BD8B-167E20C36BF4}"/>
-                  </a:ext>
-                </a:extLst>
-              </p:cNvPr>
-              <p:cNvSpPr txBox="1"/>
-              <p:nvPr/>
-            </p:nvSpPr>
-            <p:spPr>
-              <a:xfrm>
-                <a:off x="1168131" y="6254895"/>
-                <a:ext cx="698909" cy="276999"/>
-              </a:xfrm>
-              <a:prstGeom prst="rect">
-                <a:avLst/>
-              </a:prstGeom>
-              <a:noFill/>
-            </p:spPr>
-            <p:txBody>
-              <a:bodyPr wrap="none" lIns="0" tIns="0" rIns="0" bIns="0" rtlCol="0">
-                <a:spAutoFit/>
-              </a:bodyPr>
-              <a:lstStyle/>
-              <a:p>
-                <a:pPr/>
-                <a14:m>
-                  <m:oMathPara xmlns:m="http://schemas.openxmlformats.org/officeDocument/2006/math">
-                    <m:oMathParaPr>
-                      <m:jc m:val="centerGroup"/>
-                    </m:oMathParaPr>
-                    <m:oMath xmlns:m="http://schemas.openxmlformats.org/officeDocument/2006/math">
-                      <m:r>
-                        <a:rPr lang="en-GB">
-                          <a:latin typeface="Cambria Math" panose="02040503050406030204" pitchFamily="18" charset="0"/>
-                        </a:rPr>
-                        <m:t>£1400</m:t>
-                      </m:r>
-                    </m:oMath>
-                  </m:oMathPara>
-                </a14:m>
-                <a:endParaRPr lang="de-DE" dirty="0">
-                  <a:latin typeface="Helvetica Light" panose="020B0403020202020204" pitchFamily="34" charset="0"/>
-                </a:endParaRPr>
-              </a:p>
-            </p:txBody>
-          </p:sp>
-        </mc:Choice>
-        <mc:Fallback>
-          <p:sp>
-            <p:nvSpPr>
-              <p:cNvPr id="14" name="TextBox 13">
-                <a:extLst>
-                  <a:ext uri="{FF2B5EF4-FFF2-40B4-BE49-F238E27FC236}">
-                    <a16:creationId xmlns:a16="http://schemas.microsoft.com/office/drawing/2014/main" id="{DB4F6BD1-6B9D-6341-BD8B-167E20C36BF4}"/>
-                  </a:ext>
-                </a:extLst>
-              </p:cNvPr>
-              <p:cNvSpPr txBox="1">
-                <a:spLocks noRot="1" noChangeAspect="1" noMove="1" noResize="1" noEditPoints="1" noAdjustHandles="1" noChangeArrowheads="1" noChangeShapeType="1" noTextEdit="1"/>
-              </p:cNvSpPr>
-              <p:nvPr/>
-            </p:nvSpPr>
-            <p:spPr>
-              <a:xfrm>
-                <a:off x="1168131" y="6254895"/>
-                <a:ext cx="698909" cy="276999"/>
-              </a:xfrm>
-              <a:prstGeom prst="rect">
-                <a:avLst/>
-              </a:prstGeom>
-              <a:blipFill>
-                <a:blip r:embed="rId2"/>
-                <a:stretch>
-                  <a:fillRect l="-5357" r="-5357" b="-4545"/>
-                </a:stretch>
-              </a:blipFill>
-            </p:spPr>
-            <p:txBody>
-              <a:bodyPr/>
-              <a:lstStyle/>
-              <a:p>
-                <a:r>
-                  <a:rPr lang="en-US">
-                    <a:noFill/>
-                  </a:rPr>
-                  <a:t> </a:t>
-                </a:r>
-              </a:p>
-            </p:txBody>
-          </p:sp>
-        </mc:Fallback>
-      </mc:AlternateContent>
       <p:sp>
         <p:nvSpPr>
           <p:cNvPr id="15" name="TextBox 14">
@@ -6759,7 +8445,7 @@
         </p:nvSpPr>
         <p:spPr>
           <a:xfrm>
-            <a:off x="3203297" y="1697429"/>
+            <a:off x="3203298" y="1697434"/>
             <a:ext cx="1923604" cy="276999"/>
           </a:xfrm>
           <a:prstGeom prst="rect">
@@ -6816,7 +8502,7 @@
         </p:nvSpPr>
         <p:spPr bwMode="auto">
           <a:xfrm>
-            <a:off x="1453448" y="2466796"/>
+            <a:off x="1453448" y="2466801"/>
             <a:ext cx="117054" cy="126857"/>
           </a:xfrm>
           <a:prstGeom prst="ellipse">
@@ -6877,7 +8563,7 @@
         </p:nvSpPr>
         <p:spPr bwMode="auto">
           <a:xfrm>
-            <a:off x="2874019" y="4639489"/>
+            <a:off x="2874019" y="4639494"/>
             <a:ext cx="117054" cy="126857"/>
           </a:xfrm>
           <a:prstGeom prst="ellipse">
@@ -6938,7 +8624,7 @@
         </p:nvSpPr>
         <p:spPr bwMode="auto">
           <a:xfrm flipH="1" flipV="1">
-            <a:off x="696088" y="4688946"/>
+            <a:off x="696088" y="4688951"/>
             <a:ext cx="2244510" cy="6379"/>
           </a:xfrm>
           <a:prstGeom prst="line">
@@ -6998,7 +8684,7 @@
         </p:nvSpPr>
         <p:spPr bwMode="auto">
           <a:xfrm>
-            <a:off x="2940598" y="4695327"/>
+            <a:off x="2940598" y="4695332"/>
             <a:ext cx="0" cy="1397503"/>
           </a:xfrm>
           <a:prstGeom prst="line">
@@ -7056,7 +8742,7 @@
         </p:nvGrpSpPr>
         <p:grpSpPr>
           <a:xfrm>
-            <a:off x="797442" y="3806456"/>
+            <a:off x="797446" y="3806456"/>
             <a:ext cx="1614195" cy="2286368"/>
             <a:chOff x="853661" y="2530223"/>
             <a:chExt cx="678952" cy="3562602"/>
@@ -7199,7 +8885,7 @@
         </p:nvSpPr>
         <p:spPr bwMode="auto">
           <a:xfrm>
-            <a:off x="2294583" y="3762032"/>
+            <a:off x="2294583" y="3762036"/>
             <a:ext cx="117054" cy="126857"/>
           </a:xfrm>
           <a:prstGeom prst="ellipse">
@@ -7260,7 +8946,7 @@
             </p:nvSpPr>
             <p:spPr>
               <a:xfrm>
-                <a:off x="7059" y="1399350"/>
+                <a:off x="7062" y="1399354"/>
                 <a:ext cx="746999" cy="276999"/>
               </a:xfrm>
               <a:prstGeom prst="rect">
@@ -7291,7 +8977,19 @@
                         <a:rPr lang="en-GB" b="0" i="0" smtClean="0">
                           <a:latin typeface="Cambria Math" panose="02040503050406030204" pitchFamily="18" charset="0"/>
                         </a:rPr>
-                        <m:t>7,5</m:t>
+                        <m:t>6</m:t>
+                      </m:r>
+                      <m:r>
+                        <a:rPr lang="en-GB">
+                          <a:latin typeface="Cambria Math" panose="02040503050406030204" pitchFamily="18" charset="0"/>
+                        </a:rPr>
+                        <m:t>,</m:t>
+                      </m:r>
+                      <m:r>
+                        <a:rPr lang="en-GB" b="0" i="0" smtClean="0">
+                          <a:latin typeface="Cambria Math" panose="02040503050406030204" pitchFamily="18" charset="0"/>
+                        </a:rPr>
+                        <m:t>0</m:t>
                       </m:r>
                       <m:r>
                         <a:rPr lang="en-GB">
@@ -7326,14 +9024,14 @@
             </p:nvSpPr>
             <p:spPr>
               <a:xfrm>
-                <a:off x="7059" y="1399350"/>
+                <a:off x="7062" y="1399354"/>
                 <a:ext cx="746999" cy="276999"/>
               </a:xfrm>
               <a:prstGeom prst="rect">
                 <a:avLst/>
               </a:prstGeom>
               <a:blipFill>
-                <a:blip r:embed="rId3"/>
+                <a:blip r:embed="rId2"/>
                 <a:stretch>
                   <a:fillRect l="-3390" r="-5085" b="-4348"/>
                 </a:stretch>
@@ -7370,7 +9068,7 @@
             </p:nvSpPr>
             <p:spPr>
               <a:xfrm>
-                <a:off x="3472567" y="6259084"/>
+                <a:off x="3472570" y="6259088"/>
                 <a:ext cx="746999" cy="276999"/>
               </a:xfrm>
               <a:prstGeom prst="rect">
@@ -7401,10 +9099,10 @@
                         <a:rPr lang="en-GB" b="0" i="0" smtClean="0">
                           <a:latin typeface="Cambria Math" panose="02040503050406030204" pitchFamily="18" charset="0"/>
                         </a:rPr>
-                        <m:t>5</m:t>
+                        <m:t>6</m:t>
                       </m:r>
                       <m:r>
-                        <a:rPr lang="en-GB" smtClean="0">
+                        <a:rPr lang="en-GB">
                           <a:latin typeface="Cambria Math" panose="02040503050406030204" pitchFamily="18" charset="0"/>
                         </a:rPr>
                         <m:t>,</m:t>
@@ -7442,14 +9140,14 @@
             </p:nvSpPr>
             <p:spPr>
               <a:xfrm>
-                <a:off x="3472567" y="6259084"/>
+                <a:off x="3472570" y="6259088"/>
                 <a:ext cx="746999" cy="276999"/>
               </a:xfrm>
               <a:prstGeom prst="rect">
                 <a:avLst/>
               </a:prstGeom>
               <a:blipFill>
-                <a:blip r:embed="rId4"/>
+                <a:blip r:embed="rId3"/>
                 <a:stretch>
                   <a:fillRect l="-5000" r="-5000" b="-4348"/>
                 </a:stretch>
@@ -7483,7 +9181,7 @@
 </p:sld>
 </file>
 
-<file path=ppt/slides/slide5.xml><?xml version="1.0" encoding="utf-8"?>
+<file path=ppt/slides/slide7.xml><?xml version="1.0" encoding="utf-8"?>
 <p:sld xmlns:a="http://schemas.openxmlformats.org/drawingml/2006/main" xmlns:r="http://schemas.openxmlformats.org/officeDocument/2006/relationships" xmlns:p="http://schemas.openxmlformats.org/presentationml/2006/main">
   <p:cSld>
     <p:spTree>
@@ -7500,265 +9198,186 @@
           <a:chExt cx="0" cy="0"/>
         </a:xfrm>
       </p:grpSpPr>
-      <p:grpSp>
-        <p:nvGrpSpPr>
-          <p:cNvPr id="6" name="Group 5">
+      <p:sp>
+        <p:nvSpPr>
+          <p:cNvPr id="41987" name="Line 3">
             <a:extLst>
               <a:ext uri="{FF2B5EF4-FFF2-40B4-BE49-F238E27FC236}">
-                <a16:creationId xmlns:a16="http://schemas.microsoft.com/office/drawing/2014/main" id="{82C10D7E-E087-B64B-BD03-9774B9F66623}"/>
+                <a16:creationId xmlns:a16="http://schemas.microsoft.com/office/drawing/2014/main" id="{3127191C-404E-9046-A4E0-97AC0495884A}"/>
               </a:ext>
             </a:extLst>
           </p:cNvPr>
-          <p:cNvGrpSpPr/>
+          <p:cNvSpPr>
+            <a:spLocks noChangeShapeType="1"/>
+          </p:cNvSpPr>
           <p:nvPr/>
-        </p:nvGrpSpPr>
-        <p:grpSpPr>
-          <a:xfrm>
-            <a:off x="770145" y="630378"/>
-            <a:ext cx="4051184" cy="5454868"/>
-            <a:chOff x="2878225" y="630622"/>
-            <a:chExt cx="6770272" cy="5454868"/>
+        </p:nvSpPr>
+        <p:spPr bwMode="auto">
+          <a:xfrm flipV="1">
+            <a:off x="828673" y="630378"/>
+            <a:ext cx="0" cy="5454868"/>
           </a:xfrm>
-        </p:grpSpPr>
-        <p:sp>
-          <p:nvSpPr>
-            <p:cNvPr id="41987" name="Line 3">
-              <a:extLst>
-                <a:ext uri="{FF2B5EF4-FFF2-40B4-BE49-F238E27FC236}">
-                  <a16:creationId xmlns:a16="http://schemas.microsoft.com/office/drawing/2014/main" id="{3127191C-404E-9046-A4E0-97AC0495884A}"/>
-                </a:ext>
-              </a:extLst>
-            </p:cNvPr>
-            <p:cNvSpPr>
-              <a:spLocks noChangeShapeType="1"/>
-            </p:cNvSpPr>
-            <p:nvPr/>
-          </p:nvSpPr>
-          <p:spPr bwMode="auto">
-            <a:xfrm flipV="1">
-              <a:off x="2976036" y="630622"/>
-              <a:ext cx="0" cy="5454868"/>
-            </a:xfrm>
-            <a:prstGeom prst="line">
-              <a:avLst/>
-            </a:prstGeom>
-            <a:noFill/>
-            <a:ln w="12700">
-              <a:solidFill>
-                <a:schemeClr val="tx1"/>
-              </a:solidFill>
-              <a:round/>
-              <a:headEnd type="none" w="sm" len="sm"/>
-              <a:tailEnd type="stealth" w="med" len="lg"/>
-            </a:ln>
-            <a:effectLst/>
+          <a:prstGeom prst="line">
+            <a:avLst/>
+          </a:prstGeom>
+          <a:noFill/>
+          <a:ln w="12700">
+            <a:solidFill>
+              <a:schemeClr val="tx1"/>
+            </a:solidFill>
+            <a:round/>
+            <a:headEnd type="none" w="sm" len="sm"/>
+            <a:tailEnd type="stealth" w="med" len="lg"/>
+          </a:ln>
+          <a:effectLst/>
+          <a:extLst>
+            <a:ext uri="{909E8E84-426E-40DD-AFC4-6F175D3DCCD1}">
+              <a14:hiddenFill xmlns:a14="http://schemas.microsoft.com/office/drawing/2010/main">
+                <a:noFill/>
+              </a14:hiddenFill>
+            </a:ext>
+            <a:ext uri="{AF507438-7753-43E0-B8FC-AC1667EBCBE1}">
+              <a14:hiddenEffects xmlns:a14="http://schemas.microsoft.com/office/drawing/2010/main">
+                <a:effectLst>
+                  <a:outerShdw dist="35921" dir="2700000" algn="ctr" rotWithShape="0">
+                    <a:schemeClr val="bg2"/>
+                  </a:outerShdw>
+                </a:effectLst>
+              </a14:hiddenEffects>
+            </a:ext>
+          </a:extLst>
+        </p:spPr>
+        <p:txBody>
+          <a:bodyPr wrap="none" anchor="ctr"/>
+          <a:lstStyle/>
+          <a:p>
+            <a:endParaRPr lang="de-DE" dirty="0">
+              <a:latin typeface="Helvetica Light" panose="020B0403020202020204" pitchFamily="34" charset="0"/>
+            </a:endParaRPr>
+          </a:p>
+        </p:txBody>
+      </p:sp>
+      <p:sp>
+        <p:nvSpPr>
+          <p:cNvPr id="41988" name="Line 4">
             <a:extLst>
-              <a:ext uri="{909E8E84-426E-40DD-AFC4-6F175D3DCCD1}">
-                <a14:hiddenFill xmlns:a14="http://schemas.microsoft.com/office/drawing/2010/main">
-                  <a:noFill/>
-                </a14:hiddenFill>
-              </a:ext>
-              <a:ext uri="{AF507438-7753-43E0-B8FC-AC1667EBCBE1}">
-                <a14:hiddenEffects xmlns:a14="http://schemas.microsoft.com/office/drawing/2010/main">
-                  <a:effectLst>
-                    <a:outerShdw dist="35921" dir="2700000" algn="ctr" rotWithShape="0">
-                      <a:schemeClr val="bg2"/>
-                    </a:outerShdw>
-                  </a:effectLst>
-                </a14:hiddenEffects>
+              <a:ext uri="{FF2B5EF4-FFF2-40B4-BE49-F238E27FC236}">
+                <a16:creationId xmlns:a16="http://schemas.microsoft.com/office/drawing/2014/main" id="{8EC619E7-6BE3-8C47-AD78-F7533447E138}"/>
               </a:ext>
             </a:extLst>
-          </p:spPr>
-          <p:txBody>
-            <a:bodyPr wrap="none" anchor="ctr"/>
-            <a:lstStyle/>
-            <a:p>
-              <a:endParaRPr lang="de-DE" dirty="0">
-                <a:latin typeface="Helvetica Light" panose="020B0403020202020204" pitchFamily="34" charset="0"/>
-              </a:endParaRPr>
-            </a:p>
-          </p:txBody>
-        </p:sp>
-        <p:sp>
-          <p:nvSpPr>
-            <p:cNvPr id="41988" name="Line 4">
-              <a:extLst>
-                <a:ext uri="{FF2B5EF4-FFF2-40B4-BE49-F238E27FC236}">
-                  <a16:creationId xmlns:a16="http://schemas.microsoft.com/office/drawing/2014/main" id="{8EC619E7-6BE3-8C47-AD78-F7533447E138}"/>
-                </a:ext>
-              </a:extLst>
-            </p:cNvPr>
-            <p:cNvSpPr>
-              <a:spLocks noChangeShapeType="1"/>
-            </p:cNvSpPr>
-            <p:nvPr/>
-          </p:nvSpPr>
-          <p:spPr bwMode="auto">
-            <a:xfrm>
-              <a:off x="2976036" y="6085490"/>
-              <a:ext cx="6672461" cy="0"/>
-            </a:xfrm>
-            <a:prstGeom prst="line">
-              <a:avLst/>
-            </a:prstGeom>
-            <a:noFill/>
-            <a:ln w="12700">
-              <a:solidFill>
-                <a:schemeClr val="tx1"/>
-              </a:solidFill>
-              <a:round/>
-              <a:headEnd type="none" w="sm" len="sm"/>
-              <a:tailEnd type="stealth" w="med" len="lg"/>
-            </a:ln>
-            <a:effectLst/>
+          </p:cNvPr>
+          <p:cNvSpPr>
+            <a:spLocks noChangeShapeType="1"/>
+          </p:cNvSpPr>
+          <p:nvPr/>
+        </p:nvSpPr>
+        <p:spPr bwMode="auto">
+          <a:xfrm>
+            <a:off x="828673" y="6085246"/>
+            <a:ext cx="3992657" cy="0"/>
+          </a:xfrm>
+          <a:prstGeom prst="line">
+            <a:avLst/>
+          </a:prstGeom>
+          <a:noFill/>
+          <a:ln w="12700">
+            <a:solidFill>
+              <a:schemeClr val="tx1"/>
+            </a:solidFill>
+            <a:round/>
+            <a:headEnd type="none" w="sm" len="sm"/>
+            <a:tailEnd type="stealth" w="med" len="lg"/>
+          </a:ln>
+          <a:effectLst/>
+          <a:extLst>
+            <a:ext uri="{909E8E84-426E-40DD-AFC4-6F175D3DCCD1}">
+              <a14:hiddenFill xmlns:a14="http://schemas.microsoft.com/office/drawing/2010/main">
+                <a:noFill/>
+              </a14:hiddenFill>
+            </a:ext>
+            <a:ext uri="{AF507438-7753-43E0-B8FC-AC1667EBCBE1}">
+              <a14:hiddenEffects xmlns:a14="http://schemas.microsoft.com/office/drawing/2010/main">
+                <a:effectLst>
+                  <a:outerShdw dist="35921" dir="2700000" algn="ctr" rotWithShape="0">
+                    <a:schemeClr val="bg2"/>
+                  </a:outerShdw>
+                </a:effectLst>
+              </a14:hiddenEffects>
+            </a:ext>
+          </a:extLst>
+        </p:spPr>
+        <p:txBody>
+          <a:bodyPr wrap="none" anchor="ctr"/>
+          <a:lstStyle/>
+          <a:p>
+            <a:endParaRPr lang="de-DE" dirty="0">
+              <a:latin typeface="Helvetica Light" panose="020B0403020202020204" pitchFamily="34" charset="0"/>
+            </a:endParaRPr>
+          </a:p>
+        </p:txBody>
+      </p:sp>
+      <p:sp>
+        <p:nvSpPr>
+          <p:cNvPr id="41997" name="Line 13">
             <a:extLst>
-              <a:ext uri="{909E8E84-426E-40DD-AFC4-6F175D3DCCD1}">
-                <a14:hiddenFill xmlns:a14="http://schemas.microsoft.com/office/drawing/2010/main">
-                  <a:noFill/>
-                </a14:hiddenFill>
-              </a:ext>
-              <a:ext uri="{AF507438-7753-43E0-B8FC-AC1667EBCBE1}">
-                <a14:hiddenEffects xmlns:a14="http://schemas.microsoft.com/office/drawing/2010/main">
-                  <a:effectLst>
-                    <a:outerShdw dist="35921" dir="2700000" algn="ctr" rotWithShape="0">
-                      <a:schemeClr val="bg2"/>
-                    </a:outerShdw>
-                  </a:effectLst>
-                </a14:hiddenEffects>
+              <a:ext uri="{FF2B5EF4-FFF2-40B4-BE49-F238E27FC236}">
+                <a16:creationId xmlns:a16="http://schemas.microsoft.com/office/drawing/2014/main" id="{866E3355-8117-744F-A840-C118B3BF9C24}"/>
               </a:ext>
             </a:extLst>
-          </p:spPr>
-          <p:txBody>
-            <a:bodyPr wrap="none" anchor="ctr"/>
-            <a:lstStyle/>
-            <a:p>
-              <a:endParaRPr lang="de-DE" dirty="0">
+          </p:cNvPr>
+          <p:cNvSpPr>
+            <a:spLocks noChangeShapeType="1"/>
+          </p:cNvSpPr>
+          <p:nvPr/>
+        </p:nvSpPr>
+        <p:spPr bwMode="auto">
+          <a:xfrm>
+            <a:off x="828673" y="1518380"/>
+            <a:ext cx="3019468" cy="4566866"/>
+          </a:xfrm>
+          <a:prstGeom prst="line">
+            <a:avLst/>
+          </a:prstGeom>
+          <a:noFill/>
+          <a:ln w="38100">
+            <a:solidFill>
+              <a:schemeClr val="tx1"/>
+            </a:solidFill>
+            <a:round/>
+            <a:headEnd type="none" w="sm" len="sm"/>
+            <a:tailEnd type="none" w="sm" len="sm"/>
+          </a:ln>
+          <a:effectLst/>
+          <a:extLst>
+            <a:ext uri="{909E8E84-426E-40DD-AFC4-6F175D3DCCD1}">
+              <a14:hiddenFill xmlns:a14="http://schemas.microsoft.com/office/drawing/2010/main">
+                <a:noFill/>
+              </a14:hiddenFill>
+            </a:ext>
+            <a:ext uri="{AF507438-7753-43E0-B8FC-AC1667EBCBE1}">
+              <a14:hiddenEffects xmlns:a14="http://schemas.microsoft.com/office/drawing/2010/main">
+                <a:effectLst>
+                  <a:outerShdw dist="35921" dir="2700000" algn="ctr" rotWithShape="0">
+                    <a:schemeClr val="bg2"/>
+                  </a:outerShdw>
+                </a:effectLst>
+              </a14:hiddenEffects>
+            </a:ext>
+          </a:extLst>
+        </p:spPr>
+        <p:txBody>
+          <a:bodyPr wrap="none" anchor="ctr"/>
+          <a:lstStyle/>
+          <a:p>
+            <a:r>
+              <a:rPr lang="de-DE" dirty="0">
                 <a:latin typeface="Helvetica Light" panose="020B0403020202020204" pitchFamily="34" charset="0"/>
-              </a:endParaRPr>
-            </a:p>
-          </p:txBody>
-        </p:sp>
-        <p:sp>
-          <p:nvSpPr>
-            <p:cNvPr id="41997" name="Line 13">
-              <a:extLst>
-                <a:ext uri="{FF2B5EF4-FFF2-40B4-BE49-F238E27FC236}">
-                  <a16:creationId xmlns:a16="http://schemas.microsoft.com/office/drawing/2014/main" id="{866E3355-8117-744F-A840-C118B3BF9C24}"/>
-                </a:ext>
-              </a:extLst>
-            </p:cNvPr>
-            <p:cNvSpPr>
-              <a:spLocks noChangeShapeType="1"/>
-            </p:cNvSpPr>
-            <p:nvPr/>
-          </p:nvSpPr>
-          <p:spPr bwMode="auto">
-            <a:xfrm>
-              <a:off x="2976036" y="1518624"/>
-              <a:ext cx="5046085" cy="4566866"/>
-            </a:xfrm>
-            <a:prstGeom prst="line">
-              <a:avLst/>
-            </a:prstGeom>
-            <a:noFill/>
-            <a:ln w="38100">
-              <a:solidFill>
-                <a:schemeClr val="tx1"/>
-              </a:solidFill>
-              <a:round/>
-              <a:headEnd type="none" w="sm" len="sm"/>
-              <a:tailEnd type="none" w="sm" len="sm"/>
-            </a:ln>
-            <a:effectLst/>
-            <a:extLst>
-              <a:ext uri="{909E8E84-426E-40DD-AFC4-6F175D3DCCD1}">
-                <a14:hiddenFill xmlns:a14="http://schemas.microsoft.com/office/drawing/2010/main">
-                  <a:noFill/>
-                </a14:hiddenFill>
-              </a:ext>
-              <a:ext uri="{AF507438-7753-43E0-B8FC-AC1667EBCBE1}">
-                <a14:hiddenEffects xmlns:a14="http://schemas.microsoft.com/office/drawing/2010/main">
-                  <a:effectLst>
-                    <a:outerShdw dist="35921" dir="2700000" algn="ctr" rotWithShape="0">
-                      <a:schemeClr val="bg2"/>
-                    </a:outerShdw>
-                  </a:effectLst>
-                </a14:hiddenEffects>
-              </a:ext>
-            </a:extLst>
-          </p:spPr>
-          <p:txBody>
-            <a:bodyPr wrap="none" anchor="ctr"/>
-            <a:lstStyle/>
-            <a:p>
-              <a:endParaRPr lang="de-DE" dirty="0">
-                <a:latin typeface="Helvetica Light" panose="020B0403020202020204" pitchFamily="34" charset="0"/>
-              </a:endParaRPr>
-            </a:p>
-          </p:txBody>
-        </p:sp>
-        <p:sp>
-          <p:nvSpPr>
-            <p:cNvPr id="41998" name="Oval 14">
-              <a:extLst>
-                <a:ext uri="{FF2B5EF4-FFF2-40B4-BE49-F238E27FC236}">
-                  <a16:creationId xmlns:a16="http://schemas.microsoft.com/office/drawing/2014/main" id="{660EF5A3-C5C0-4948-9704-72560F971AB4}"/>
-                </a:ext>
-              </a:extLst>
-            </p:cNvPr>
-            <p:cNvSpPr>
-              <a:spLocks noChangeArrowheads="1"/>
-            </p:cNvSpPr>
-            <p:nvPr/>
-          </p:nvSpPr>
-          <p:spPr bwMode="auto">
-            <a:xfrm>
-              <a:off x="2878225" y="1467087"/>
-              <a:ext cx="195619" cy="126857"/>
-            </a:xfrm>
-            <a:prstGeom prst="ellipse">
-              <a:avLst/>
-            </a:prstGeom>
-            <a:solidFill>
-              <a:schemeClr val="accent1"/>
-            </a:solidFill>
-            <a:ln>
-              <a:noFill/>
-            </a:ln>
-            <a:effectLst/>
-            <a:extLst>
-              <a:ext uri="{91240B29-F687-4F45-9708-019B960494DF}">
-                <a14:hiddenLine xmlns:a14="http://schemas.microsoft.com/office/drawing/2010/main" w="12700">
-                  <a:solidFill>
-                    <a:schemeClr val="tx1"/>
-                  </a:solidFill>
-                  <a:round/>
-                  <a:headEnd type="none" w="sm" len="sm"/>
-                  <a:tailEnd type="none" w="sm" len="sm"/>
-                </a14:hiddenLine>
-              </a:ext>
-              <a:ext uri="{AF507438-7753-43E0-B8FC-AC1667EBCBE1}">
-                <a14:hiddenEffects xmlns:a14="http://schemas.microsoft.com/office/drawing/2010/main">
-                  <a:effectLst>
-                    <a:outerShdw dist="35921" dir="2700000" algn="ctr" rotWithShape="0">
-                      <a:schemeClr val="bg2"/>
-                    </a:outerShdw>
-                  </a:effectLst>
-                </a14:hiddenEffects>
-              </a:ext>
-            </a:extLst>
-          </p:spPr>
-          <p:txBody>
-            <a:bodyPr wrap="none" anchor="ctr"/>
-            <a:lstStyle/>
-            <a:p>
-              <a:endParaRPr lang="de-DE" dirty="0">
-                <a:latin typeface="Helvetica Light" panose="020B0403020202020204" pitchFamily="34" charset="0"/>
-              </a:endParaRPr>
-            </a:p>
-          </p:txBody>
-        </p:sp>
-      </p:grpSp>
+              </a:rPr>
+              <a:t/>
+            </a:r>
+          </a:p>
+        </p:txBody>
+      </p:sp>
       <p:sp>
         <p:nvSpPr>
           <p:cNvPr id="15" name="TextBox 14">
@@ -7773,7 +9392,7 @@
         </p:nvSpPr>
         <p:spPr>
           <a:xfrm>
-            <a:off x="2937735" y="540043"/>
+            <a:off x="2937736" y="540047"/>
             <a:ext cx="1987724" cy="276999"/>
           </a:xfrm>
           <a:prstGeom prst="rect">
@@ -7827,7 +9446,7 @@
             </p:nvSpPr>
             <p:spPr>
               <a:xfrm>
-                <a:off x="7059" y="1399350"/>
+                <a:off x="7062" y="1399354"/>
                 <a:ext cx="746999" cy="276999"/>
               </a:xfrm>
               <a:prstGeom prst="rect">
@@ -7858,7 +9477,19 @@
                         <a:rPr lang="en-GB" b="0" i="0" smtClean="0">
                           <a:latin typeface="Cambria Math" panose="02040503050406030204" pitchFamily="18" charset="0"/>
                         </a:rPr>
-                        <m:t>7,5</m:t>
+                        <m:t>6</m:t>
+                      </m:r>
+                      <m:r>
+                        <a:rPr lang="en-GB" smtClean="0">
+                          <a:latin typeface="Cambria Math" panose="02040503050406030204" pitchFamily="18" charset="0"/>
+                        </a:rPr>
+                        <m:t>,</m:t>
+                      </m:r>
+                      <m:r>
+                        <a:rPr lang="en-GB" b="0" i="0" smtClean="0">
+                          <a:latin typeface="Cambria Math" panose="02040503050406030204" pitchFamily="18" charset="0"/>
+                        </a:rPr>
+                        <m:t>0</m:t>
                       </m:r>
                       <m:r>
                         <a:rPr lang="en-GB">
@@ -7893,7 +9524,7 @@
             </p:nvSpPr>
             <p:spPr>
               <a:xfrm>
-                <a:off x="7059" y="1399350"/>
+                <a:off x="7062" y="1399354"/>
                 <a:ext cx="746999" cy="276999"/>
               </a:xfrm>
               <a:prstGeom prst="rect">
@@ -7937,7 +9568,7 @@
             </p:nvSpPr>
             <p:spPr>
               <a:xfrm>
-                <a:off x="3472567" y="6259084"/>
+                <a:off x="3472570" y="6259088"/>
                 <a:ext cx="746999" cy="276999"/>
               </a:xfrm>
               <a:prstGeom prst="rect">
@@ -7968,10 +9599,10 @@
                         <a:rPr lang="en-GB" b="0" i="0" smtClean="0">
                           <a:latin typeface="Cambria Math" panose="02040503050406030204" pitchFamily="18" charset="0"/>
                         </a:rPr>
-                        <m:t>5</m:t>
+                        <m:t>6</m:t>
                       </m:r>
                       <m:r>
-                        <a:rPr lang="en-GB" smtClean="0">
+                        <a:rPr lang="en-GB">
                           <a:latin typeface="Cambria Math" panose="02040503050406030204" pitchFamily="18" charset="0"/>
                         </a:rPr>
                         <m:t>,</m:t>
@@ -8009,7 +9640,7 @@
             </p:nvSpPr>
             <p:spPr>
               <a:xfrm>
-                <a:off x="3472567" y="6259084"/>
+                <a:off x="3472570" y="6259088"/>
                 <a:ext cx="746999" cy="276999"/>
               </a:xfrm>
               <a:prstGeom prst="rect">
@@ -8053,7 +9684,7 @@
         </p:nvSpPr>
         <p:spPr bwMode="auto">
           <a:xfrm>
-            <a:off x="961814" y="1069995"/>
+            <a:off x="961819" y="1070000"/>
             <a:ext cx="3276931" cy="4841805"/>
           </a:xfrm>
           <a:custGeom>
@@ -8273,7 +9904,7 @@
         </p:nvSpPr>
         <p:spPr bwMode="auto">
           <a:xfrm rot="431067">
-            <a:off x="2433295" y="746883"/>
+            <a:off x="2433299" y="746883"/>
             <a:ext cx="3377637" cy="3864648"/>
           </a:xfrm>
           <a:custGeom>
@@ -8380,7 +10011,7 @@
 </p:sld>
 </file>
 
-<file path=ppt/slides/slide6.xml><?xml version="1.0" encoding="utf-8"?>
+<file path=ppt/slides/slide8.xml><?xml version="1.0" encoding="utf-8"?>
 <p:sld xmlns:a="http://schemas.openxmlformats.org/drawingml/2006/main" xmlns:r="http://schemas.openxmlformats.org/officeDocument/2006/relationships" xmlns:p="http://schemas.openxmlformats.org/presentationml/2006/main">
   <p:cSld>
     <p:spTree>
@@ -8531,7 +10162,7 @@
         </p:nvSpPr>
         <p:spPr bwMode="auto">
           <a:xfrm>
-            <a:off x="824339" y="1525959"/>
+            <a:off x="824340" y="1525959"/>
             <a:ext cx="3019468" cy="4566866"/>
           </a:xfrm>
           <a:prstGeom prst="line">
@@ -8576,67 +10207,6 @@
       </p:sp>
       <p:sp>
         <p:nvSpPr>
-          <p:cNvPr id="41998" name="Oval 14">
-            <a:extLst>
-              <a:ext uri="{FF2B5EF4-FFF2-40B4-BE49-F238E27FC236}">
-                <a16:creationId xmlns:a16="http://schemas.microsoft.com/office/drawing/2014/main" id="{660EF5A3-C5C0-4948-9704-72560F971AB4}"/>
-              </a:ext>
-            </a:extLst>
-          </p:cNvPr>
-          <p:cNvSpPr>
-            <a:spLocks noChangeArrowheads="1"/>
-          </p:cNvSpPr>
-          <p:nvPr/>
-        </p:nvSpPr>
-        <p:spPr bwMode="auto">
-          <a:xfrm>
-            <a:off x="765811" y="1474422"/>
-            <a:ext cx="117054" cy="126857"/>
-          </a:xfrm>
-          <a:prstGeom prst="ellipse">
-            <a:avLst/>
-          </a:prstGeom>
-          <a:solidFill>
-            <a:schemeClr val="accent1"/>
-          </a:solidFill>
-          <a:ln>
-            <a:noFill/>
-          </a:ln>
-          <a:effectLst/>
-          <a:extLst>
-            <a:ext uri="{91240B29-F687-4F45-9708-019B960494DF}">
-              <a14:hiddenLine xmlns:a14="http://schemas.microsoft.com/office/drawing/2010/main" w="12700">
-                <a:solidFill>
-                  <a:schemeClr val="tx1"/>
-                </a:solidFill>
-                <a:round/>
-                <a:headEnd type="none" w="sm" len="sm"/>
-                <a:tailEnd type="none" w="sm" len="sm"/>
-              </a14:hiddenLine>
-            </a:ext>
-            <a:ext uri="{AF507438-7753-43E0-B8FC-AC1667EBCBE1}">
-              <a14:hiddenEffects xmlns:a14="http://schemas.microsoft.com/office/drawing/2010/main">
-                <a:effectLst>
-                  <a:outerShdw dist="35921" dir="2700000" algn="ctr" rotWithShape="0">
-                    <a:schemeClr val="bg2"/>
-                  </a:outerShdw>
-                </a:effectLst>
-              </a14:hiddenEffects>
-            </a:ext>
-          </a:extLst>
-        </p:spPr>
-        <p:txBody>
-          <a:bodyPr wrap="none" anchor="ctr"/>
-          <a:lstStyle/>
-          <a:p>
-            <a:endParaRPr lang="de-DE" dirty="0">
-              <a:latin typeface="Helvetica Light" panose="020B0403020202020204" pitchFamily="34" charset="0"/>
-            </a:endParaRPr>
-          </a:p>
-        </p:txBody>
-      </p:sp>
-      <p:sp>
-        <p:nvSpPr>
           <p:cNvPr id="22" name="AutoShape 23">
             <a:extLst>
               <a:ext uri="{FF2B5EF4-FFF2-40B4-BE49-F238E27FC236}">
@@ -8651,7 +10221,7 @@
         </p:nvSpPr>
         <p:spPr bwMode="auto">
           <a:xfrm rot="19146572">
-            <a:off x="2317103" y="2872555"/>
+            <a:off x="2317103" y="2872559"/>
             <a:ext cx="2133600" cy="271033"/>
           </a:xfrm>
           <a:prstGeom prst="rightArrow">
@@ -8715,7 +10285,7 @@
         </p:nvSpPr>
         <p:spPr bwMode="auto">
           <a:xfrm>
-            <a:off x="3706168" y="1837948"/>
+            <a:off x="3706171" y="1837949"/>
             <a:ext cx="1736373" cy="369332"/>
           </a:xfrm>
           <a:prstGeom prst="rect">
@@ -8786,7 +10356,7 @@
             </p:nvSpPr>
             <p:spPr>
               <a:xfrm>
-                <a:off x="7059" y="1399350"/>
+                <a:off x="7062" y="1399354"/>
                 <a:ext cx="746999" cy="276999"/>
               </a:xfrm>
               <a:prstGeom prst="rect">
@@ -8817,7 +10387,19 @@
                         <a:rPr lang="en-GB" b="0" i="0" smtClean="0">
                           <a:latin typeface="Cambria Math" panose="02040503050406030204" pitchFamily="18" charset="0"/>
                         </a:rPr>
-                        <m:t>7,5</m:t>
+                        <m:t>6</m:t>
+                      </m:r>
+                      <m:r>
+                        <a:rPr lang="en-GB">
+                          <a:latin typeface="Cambria Math" panose="02040503050406030204" pitchFamily="18" charset="0"/>
+                        </a:rPr>
+                        <m:t>,</m:t>
+                      </m:r>
+                      <m:r>
+                        <a:rPr lang="en-GB" b="0" i="0" smtClean="0">
+                          <a:latin typeface="Cambria Math" panose="02040503050406030204" pitchFamily="18" charset="0"/>
+                        </a:rPr>
+                        <m:t>0</m:t>
                       </m:r>
                       <m:r>
                         <a:rPr lang="en-GB">
@@ -8852,7 +10434,7 @@
             </p:nvSpPr>
             <p:spPr>
               <a:xfrm>
-                <a:off x="7059" y="1399350"/>
+                <a:off x="7062" y="1399354"/>
                 <a:ext cx="746999" cy="276999"/>
               </a:xfrm>
               <a:prstGeom prst="rect">
@@ -8896,7 +10478,7 @@
             </p:nvSpPr>
             <p:spPr>
               <a:xfrm>
-                <a:off x="3472567" y="6259084"/>
+                <a:off x="3472570" y="6259088"/>
                 <a:ext cx="746999" cy="276999"/>
               </a:xfrm>
               <a:prstGeom prst="rect">
@@ -8927,10 +10509,10 @@
                         <a:rPr lang="en-GB" b="0" i="0" smtClean="0">
                           <a:latin typeface="Cambria Math" panose="02040503050406030204" pitchFamily="18" charset="0"/>
                         </a:rPr>
-                        <m:t>5</m:t>
+                        <m:t>6</m:t>
                       </m:r>
                       <m:r>
-                        <a:rPr lang="en-GB" smtClean="0">
+                        <a:rPr lang="en-GB">
                           <a:latin typeface="Cambria Math" panose="02040503050406030204" pitchFamily="18" charset="0"/>
                         </a:rPr>
                         <m:t>,</m:t>
@@ -8968,7 +10550,7 @@
             </p:nvSpPr>
             <p:spPr>
               <a:xfrm>
-                <a:off x="3472567" y="6259084"/>
+                <a:off x="3472570" y="6259088"/>
                 <a:ext cx="746999" cy="276999"/>
               </a:xfrm>
               <a:prstGeom prst="rect">
@@ -9012,7 +10594,7 @@
         </p:nvSpPr>
         <p:spPr bwMode="auto">
           <a:xfrm>
-            <a:off x="961814" y="1069995"/>
+            <a:off x="961819" y="1070000"/>
             <a:ext cx="3276931" cy="4841805"/>
           </a:xfrm>
           <a:custGeom>
@@ -9232,7 +10814,7 @@
         </p:nvSpPr>
         <p:spPr bwMode="auto">
           <a:xfrm rot="431067">
-            <a:off x="2433295" y="746883"/>
+            <a:off x="2433299" y="746883"/>
             <a:ext cx="3377637" cy="3864648"/>
           </a:xfrm>
           <a:custGeom>
@@ -9340,7 +10922,7 @@
         </p:nvSpPr>
         <p:spPr>
           <a:xfrm>
-            <a:off x="2937735" y="540043"/>
+            <a:off x="2937736" y="540047"/>
             <a:ext cx="1987724" cy="276999"/>
           </a:xfrm>
           <a:prstGeom prst="rect">
@@ -9391,7 +10973,7 @@
 </p:sld>
 </file>
 
-<file path=ppt/slides/slide7.xml><?xml version="1.0" encoding="utf-8"?>
+<file path=ppt/slides/slide9.xml><?xml version="1.0" encoding="utf-8"?>
 <p:sld xmlns:a="http://schemas.openxmlformats.org/drawingml/2006/main" xmlns:r="http://schemas.openxmlformats.org/officeDocument/2006/relationships" xmlns:p="http://schemas.openxmlformats.org/presentationml/2006/main">
   <p:cSld>
     <p:spTree>
@@ -9408,265 +10990,183 @@
           <a:chExt cx="0" cy="0"/>
         </a:xfrm>
       </p:grpSpPr>
-      <p:grpSp>
-        <p:nvGrpSpPr>
-          <p:cNvPr id="6" name="Group 5">
+      <p:sp>
+        <p:nvSpPr>
+          <p:cNvPr id="41987" name="Line 3">
             <a:extLst>
               <a:ext uri="{FF2B5EF4-FFF2-40B4-BE49-F238E27FC236}">
-                <a16:creationId xmlns:a16="http://schemas.microsoft.com/office/drawing/2014/main" id="{82C10D7E-E087-B64B-BD03-9774B9F66623}"/>
+                <a16:creationId xmlns:a16="http://schemas.microsoft.com/office/drawing/2014/main" id="{3127191C-404E-9046-A4E0-97AC0495884A}"/>
               </a:ext>
             </a:extLst>
           </p:cNvPr>
-          <p:cNvGrpSpPr/>
+          <p:cNvSpPr>
+            <a:spLocks noChangeShapeType="1"/>
+          </p:cNvSpPr>
           <p:nvPr/>
-        </p:nvGrpSpPr>
-        <p:grpSpPr>
-          <a:xfrm>
-            <a:off x="783323" y="637957"/>
-            <a:ext cx="4051184" cy="5454868"/>
-            <a:chOff x="2878225" y="630622"/>
-            <a:chExt cx="6770272" cy="5454868"/>
+        </p:nvSpPr>
+        <p:spPr bwMode="auto">
+          <a:xfrm flipV="1">
+            <a:off x="841851" y="637957"/>
+            <a:ext cx="0" cy="5454868"/>
           </a:xfrm>
-        </p:grpSpPr>
-        <p:sp>
-          <p:nvSpPr>
-            <p:cNvPr id="41987" name="Line 3">
-              <a:extLst>
-                <a:ext uri="{FF2B5EF4-FFF2-40B4-BE49-F238E27FC236}">
-                  <a16:creationId xmlns:a16="http://schemas.microsoft.com/office/drawing/2014/main" id="{3127191C-404E-9046-A4E0-97AC0495884A}"/>
-                </a:ext>
-              </a:extLst>
-            </p:cNvPr>
-            <p:cNvSpPr>
-              <a:spLocks noChangeShapeType="1"/>
-            </p:cNvSpPr>
-            <p:nvPr/>
-          </p:nvSpPr>
-          <p:spPr bwMode="auto">
-            <a:xfrm flipV="1">
-              <a:off x="2976036" y="630622"/>
-              <a:ext cx="0" cy="5454868"/>
-            </a:xfrm>
-            <a:prstGeom prst="line">
-              <a:avLst/>
-            </a:prstGeom>
-            <a:noFill/>
-            <a:ln w="12700">
-              <a:solidFill>
-                <a:schemeClr val="tx1"/>
-              </a:solidFill>
-              <a:round/>
-              <a:headEnd type="none" w="sm" len="sm"/>
-              <a:tailEnd type="stealth" w="med" len="lg"/>
-            </a:ln>
-            <a:effectLst/>
+          <a:prstGeom prst="line">
+            <a:avLst/>
+          </a:prstGeom>
+          <a:noFill/>
+          <a:ln w="12700">
+            <a:solidFill>
+              <a:schemeClr val="tx1"/>
+            </a:solidFill>
+            <a:round/>
+            <a:headEnd type="none" w="sm" len="sm"/>
+            <a:tailEnd type="stealth" w="med" len="lg"/>
+          </a:ln>
+          <a:effectLst/>
+          <a:extLst>
+            <a:ext uri="{909E8E84-426E-40DD-AFC4-6F175D3DCCD1}">
+              <a14:hiddenFill xmlns:a14="http://schemas.microsoft.com/office/drawing/2010/main">
+                <a:noFill/>
+              </a14:hiddenFill>
+            </a:ext>
+            <a:ext uri="{AF507438-7753-43E0-B8FC-AC1667EBCBE1}">
+              <a14:hiddenEffects xmlns:a14="http://schemas.microsoft.com/office/drawing/2010/main">
+                <a:effectLst>
+                  <a:outerShdw dist="35921" dir="2700000" algn="ctr" rotWithShape="0">
+                    <a:schemeClr val="bg2"/>
+                  </a:outerShdw>
+                </a:effectLst>
+              </a14:hiddenEffects>
+            </a:ext>
+          </a:extLst>
+        </p:spPr>
+        <p:txBody>
+          <a:bodyPr wrap="none" anchor="ctr"/>
+          <a:lstStyle/>
+          <a:p>
+            <a:endParaRPr lang="de-DE" dirty="0">
+              <a:latin typeface="Helvetica Light" panose="020B0403020202020204" pitchFamily="34" charset="0"/>
+            </a:endParaRPr>
+          </a:p>
+        </p:txBody>
+      </p:sp>
+      <p:sp>
+        <p:nvSpPr>
+          <p:cNvPr id="41988" name="Line 4">
             <a:extLst>
-              <a:ext uri="{909E8E84-426E-40DD-AFC4-6F175D3DCCD1}">
-                <a14:hiddenFill xmlns:a14="http://schemas.microsoft.com/office/drawing/2010/main">
-                  <a:noFill/>
-                </a14:hiddenFill>
-              </a:ext>
-              <a:ext uri="{AF507438-7753-43E0-B8FC-AC1667EBCBE1}">
-                <a14:hiddenEffects xmlns:a14="http://schemas.microsoft.com/office/drawing/2010/main">
-                  <a:effectLst>
-                    <a:outerShdw dist="35921" dir="2700000" algn="ctr" rotWithShape="0">
-                      <a:schemeClr val="bg2"/>
-                    </a:outerShdw>
-                  </a:effectLst>
-                </a14:hiddenEffects>
+              <a:ext uri="{FF2B5EF4-FFF2-40B4-BE49-F238E27FC236}">
+                <a16:creationId xmlns:a16="http://schemas.microsoft.com/office/drawing/2014/main" id="{8EC619E7-6BE3-8C47-AD78-F7533447E138}"/>
               </a:ext>
             </a:extLst>
-          </p:spPr>
-          <p:txBody>
-            <a:bodyPr wrap="none" anchor="ctr"/>
-            <a:lstStyle/>
-            <a:p>
-              <a:endParaRPr lang="de-DE" dirty="0">
-                <a:latin typeface="Helvetica Light" panose="020B0403020202020204" pitchFamily="34" charset="0"/>
-              </a:endParaRPr>
-            </a:p>
-          </p:txBody>
-        </p:sp>
-        <p:sp>
-          <p:nvSpPr>
-            <p:cNvPr id="41988" name="Line 4">
-              <a:extLst>
-                <a:ext uri="{FF2B5EF4-FFF2-40B4-BE49-F238E27FC236}">
-                  <a16:creationId xmlns:a16="http://schemas.microsoft.com/office/drawing/2014/main" id="{8EC619E7-6BE3-8C47-AD78-F7533447E138}"/>
-                </a:ext>
-              </a:extLst>
-            </p:cNvPr>
-            <p:cNvSpPr>
-              <a:spLocks noChangeShapeType="1"/>
-            </p:cNvSpPr>
-            <p:nvPr/>
-          </p:nvSpPr>
-          <p:spPr bwMode="auto">
-            <a:xfrm>
-              <a:off x="2976036" y="6085490"/>
-              <a:ext cx="6672461" cy="0"/>
-            </a:xfrm>
-            <a:prstGeom prst="line">
-              <a:avLst/>
-            </a:prstGeom>
-            <a:noFill/>
-            <a:ln w="12700">
-              <a:solidFill>
-                <a:schemeClr val="tx1"/>
-              </a:solidFill>
-              <a:round/>
-              <a:headEnd type="none" w="sm" len="sm"/>
-              <a:tailEnd type="stealth" w="med" len="lg"/>
-            </a:ln>
-            <a:effectLst/>
+          </p:cNvPr>
+          <p:cNvSpPr>
+            <a:spLocks noChangeShapeType="1"/>
+          </p:cNvSpPr>
+          <p:nvPr/>
+        </p:nvSpPr>
+        <p:spPr bwMode="auto">
+          <a:xfrm>
+            <a:off x="841851" y="6092825"/>
+            <a:ext cx="3992656" cy="0"/>
+          </a:xfrm>
+          <a:prstGeom prst="line">
+            <a:avLst/>
+          </a:prstGeom>
+          <a:noFill/>
+          <a:ln w="12700">
+            <a:solidFill>
+              <a:schemeClr val="tx1"/>
+            </a:solidFill>
+            <a:round/>
+            <a:headEnd type="none" w="sm" len="sm"/>
+            <a:tailEnd type="stealth" w="med" len="lg"/>
+          </a:ln>
+          <a:effectLst/>
+          <a:extLst>
+            <a:ext uri="{909E8E84-426E-40DD-AFC4-6F175D3DCCD1}">
+              <a14:hiddenFill xmlns:a14="http://schemas.microsoft.com/office/drawing/2010/main">
+                <a:noFill/>
+              </a14:hiddenFill>
+            </a:ext>
+            <a:ext uri="{AF507438-7753-43E0-B8FC-AC1667EBCBE1}">
+              <a14:hiddenEffects xmlns:a14="http://schemas.microsoft.com/office/drawing/2010/main">
+                <a:effectLst>
+                  <a:outerShdw dist="35921" dir="2700000" algn="ctr" rotWithShape="0">
+                    <a:schemeClr val="bg2"/>
+                  </a:outerShdw>
+                </a:effectLst>
+              </a14:hiddenEffects>
+            </a:ext>
+          </a:extLst>
+        </p:spPr>
+        <p:txBody>
+          <a:bodyPr wrap="none" anchor="ctr"/>
+          <a:lstStyle/>
+          <a:p>
+            <a:endParaRPr lang="de-DE" dirty="0">
+              <a:latin typeface="Helvetica Light" panose="020B0403020202020204" pitchFamily="34" charset="0"/>
+            </a:endParaRPr>
+          </a:p>
+        </p:txBody>
+      </p:sp>
+      <p:sp>
+        <p:nvSpPr>
+          <p:cNvPr id="41997" name="Line 13">
             <a:extLst>
-              <a:ext uri="{909E8E84-426E-40DD-AFC4-6F175D3DCCD1}">
-                <a14:hiddenFill xmlns:a14="http://schemas.microsoft.com/office/drawing/2010/main">
-                  <a:noFill/>
-                </a14:hiddenFill>
-              </a:ext>
-              <a:ext uri="{AF507438-7753-43E0-B8FC-AC1667EBCBE1}">
-                <a14:hiddenEffects xmlns:a14="http://schemas.microsoft.com/office/drawing/2010/main">
-                  <a:effectLst>
-                    <a:outerShdw dist="35921" dir="2700000" algn="ctr" rotWithShape="0">
-                      <a:schemeClr val="bg2"/>
-                    </a:outerShdw>
-                  </a:effectLst>
-                </a14:hiddenEffects>
+              <a:ext uri="{FF2B5EF4-FFF2-40B4-BE49-F238E27FC236}">
+                <a16:creationId xmlns:a16="http://schemas.microsoft.com/office/drawing/2014/main" id="{866E3355-8117-744F-A840-C118B3BF9C24}"/>
               </a:ext>
             </a:extLst>
-          </p:spPr>
-          <p:txBody>
-            <a:bodyPr wrap="none" anchor="ctr"/>
-            <a:lstStyle/>
-            <a:p>
-              <a:endParaRPr lang="de-DE" dirty="0">
-                <a:latin typeface="Helvetica Light" panose="020B0403020202020204" pitchFamily="34" charset="0"/>
-              </a:endParaRPr>
-            </a:p>
-          </p:txBody>
-        </p:sp>
-        <p:sp>
-          <p:nvSpPr>
-            <p:cNvPr id="41997" name="Line 13">
-              <a:extLst>
-                <a:ext uri="{FF2B5EF4-FFF2-40B4-BE49-F238E27FC236}">
-                  <a16:creationId xmlns:a16="http://schemas.microsoft.com/office/drawing/2014/main" id="{866E3355-8117-744F-A840-C118B3BF9C24}"/>
-                </a:ext>
-              </a:extLst>
-            </p:cNvPr>
-            <p:cNvSpPr>
-              <a:spLocks noChangeShapeType="1"/>
-            </p:cNvSpPr>
-            <p:nvPr/>
-          </p:nvSpPr>
-          <p:spPr bwMode="auto">
-            <a:xfrm>
-              <a:off x="2976036" y="1518624"/>
-              <a:ext cx="5046085" cy="4566866"/>
-            </a:xfrm>
-            <a:prstGeom prst="line">
-              <a:avLst/>
-            </a:prstGeom>
-            <a:noFill/>
-            <a:ln w="38100">
-              <a:solidFill>
-                <a:schemeClr val="tx1"/>
-              </a:solidFill>
-              <a:round/>
-              <a:headEnd type="none" w="sm" len="sm"/>
-              <a:tailEnd type="none" w="sm" len="sm"/>
-            </a:ln>
-            <a:effectLst/>
-            <a:extLst>
-              <a:ext uri="{909E8E84-426E-40DD-AFC4-6F175D3DCCD1}">
-                <a14:hiddenFill xmlns:a14="http://schemas.microsoft.com/office/drawing/2010/main">
-                  <a:noFill/>
-                </a14:hiddenFill>
-              </a:ext>
-              <a:ext uri="{AF507438-7753-43E0-B8FC-AC1667EBCBE1}">
-                <a14:hiddenEffects xmlns:a14="http://schemas.microsoft.com/office/drawing/2010/main">
-                  <a:effectLst>
-                    <a:outerShdw dist="35921" dir="2700000" algn="ctr" rotWithShape="0">
-                      <a:schemeClr val="bg2"/>
-                    </a:outerShdw>
-                  </a:effectLst>
-                </a14:hiddenEffects>
-              </a:ext>
-            </a:extLst>
-          </p:spPr>
-          <p:txBody>
-            <a:bodyPr wrap="none" anchor="ctr"/>
-            <a:lstStyle/>
-            <a:p>
-              <a:endParaRPr lang="de-DE" dirty="0">
-                <a:latin typeface="Helvetica Light" panose="020B0403020202020204" pitchFamily="34" charset="0"/>
-              </a:endParaRPr>
-            </a:p>
-          </p:txBody>
-        </p:sp>
-        <p:sp>
-          <p:nvSpPr>
-            <p:cNvPr id="41998" name="Oval 14">
-              <a:extLst>
-                <a:ext uri="{FF2B5EF4-FFF2-40B4-BE49-F238E27FC236}">
-                  <a16:creationId xmlns:a16="http://schemas.microsoft.com/office/drawing/2014/main" id="{660EF5A3-C5C0-4948-9704-72560F971AB4}"/>
-                </a:ext>
-              </a:extLst>
-            </p:cNvPr>
-            <p:cNvSpPr>
-              <a:spLocks noChangeArrowheads="1"/>
-            </p:cNvSpPr>
-            <p:nvPr/>
-          </p:nvSpPr>
-          <p:spPr bwMode="auto">
-            <a:xfrm>
-              <a:off x="2878225" y="1467087"/>
-              <a:ext cx="195619" cy="126857"/>
-            </a:xfrm>
-            <a:prstGeom prst="ellipse">
-              <a:avLst/>
-            </a:prstGeom>
+          </p:cNvPr>
+          <p:cNvSpPr>
+            <a:spLocks noChangeShapeType="1"/>
+          </p:cNvSpPr>
+          <p:nvPr/>
+        </p:nvSpPr>
+        <p:spPr bwMode="auto">
+          <a:xfrm>
+            <a:off x="841851" y="1525959"/>
+            <a:ext cx="3019468" cy="4566866"/>
+          </a:xfrm>
+          <a:prstGeom prst="line">
+            <a:avLst/>
+          </a:prstGeom>
+          <a:noFill/>
+          <a:ln w="38100">
             <a:solidFill>
-              <a:schemeClr val="accent1"/>
+              <a:schemeClr val="tx1"/>
             </a:solidFill>
-            <a:ln>
-              <a:noFill/>
-            </a:ln>
-            <a:effectLst/>
-            <a:extLst>
-              <a:ext uri="{91240B29-F687-4F45-9708-019B960494DF}">
-                <a14:hiddenLine xmlns:a14="http://schemas.microsoft.com/office/drawing/2010/main" w="12700">
-                  <a:solidFill>
-                    <a:schemeClr val="tx1"/>
-                  </a:solidFill>
-                  <a:round/>
-                  <a:headEnd type="none" w="sm" len="sm"/>
-                  <a:tailEnd type="none" w="sm" len="sm"/>
-                </a14:hiddenLine>
-              </a:ext>
-              <a:ext uri="{AF507438-7753-43E0-B8FC-AC1667EBCBE1}">
-                <a14:hiddenEffects xmlns:a14="http://schemas.microsoft.com/office/drawing/2010/main">
-                  <a:effectLst>
-                    <a:outerShdw dist="35921" dir="2700000" algn="ctr" rotWithShape="0">
-                      <a:schemeClr val="bg2"/>
-                    </a:outerShdw>
-                  </a:effectLst>
-                </a14:hiddenEffects>
-              </a:ext>
-            </a:extLst>
-          </p:spPr>
-          <p:txBody>
-            <a:bodyPr wrap="none" anchor="ctr"/>
-            <a:lstStyle/>
-            <a:p>
-              <a:endParaRPr lang="de-DE" dirty="0">
-                <a:latin typeface="Helvetica Light" panose="020B0403020202020204" pitchFamily="34" charset="0"/>
-              </a:endParaRPr>
-            </a:p>
-          </p:txBody>
-        </p:sp>
-      </p:grpSp>
+            <a:round/>
+            <a:headEnd type="none" w="sm" len="sm"/>
+            <a:tailEnd type="none" w="sm" len="sm"/>
+          </a:ln>
+          <a:effectLst/>
+          <a:extLst>
+            <a:ext uri="{909E8E84-426E-40DD-AFC4-6F175D3DCCD1}">
+              <a14:hiddenFill xmlns:a14="http://schemas.microsoft.com/office/drawing/2010/main">
+                <a:noFill/>
+              </a14:hiddenFill>
+            </a:ext>
+            <a:ext uri="{AF507438-7753-43E0-B8FC-AC1667EBCBE1}">
+              <a14:hiddenEffects xmlns:a14="http://schemas.microsoft.com/office/drawing/2010/main">
+                <a:effectLst>
+                  <a:outerShdw dist="35921" dir="2700000" algn="ctr" rotWithShape="0">
+                    <a:schemeClr val="bg2"/>
+                  </a:outerShdw>
+                </a:effectLst>
+              </a14:hiddenEffects>
+            </a:ext>
+          </a:extLst>
+        </p:spPr>
+        <p:txBody>
+          <a:bodyPr wrap="none" anchor="ctr"/>
+          <a:lstStyle/>
+          <a:p>
+            <a:endParaRPr lang="de-DE" dirty="0">
+              <a:latin typeface="Helvetica Light" panose="020B0403020202020204" pitchFamily="34" charset="0"/>
+            </a:endParaRPr>
+          </a:p>
+        </p:txBody>
+      </p:sp>
       <mc:AlternateContent xmlns:mc="http://schemas.openxmlformats.org/markup-compatibility/2006">
         <mc:Choice xmlns:a14="http://schemas.microsoft.com/office/drawing/2010/main" Requires="a14">
           <p:sp>
@@ -9683,7 +11183,7 @@
             </p:nvSpPr>
             <p:spPr>
               <a:xfrm>
-                <a:off x="69647" y="3962424"/>
+                <a:off x="69651" y="3962429"/>
                 <a:ext cx="698909" cy="276999"/>
               </a:xfrm>
               <a:prstGeom prst="rect">
@@ -9705,16 +11205,10 @@
                     </m:oMathParaPr>
                     <m:oMath xmlns:m="http://schemas.openxmlformats.org/officeDocument/2006/math">
                       <m:r>
-                        <a:rPr lang="en-GB" smtClean="0">
+                        <a:rPr lang="en-GB">
                           <a:latin typeface="Cambria Math" panose="02040503050406030204" pitchFamily="18" charset="0"/>
                         </a:rPr>
-                        <m:t>£</m:t>
-                      </m:r>
-                      <m:r>
-                        <a:rPr lang="en-GB" b="0" i="0" smtClean="0">
-                          <a:latin typeface="Cambria Math" panose="02040503050406030204" pitchFamily="18" charset="0"/>
-                        </a:rPr>
-                        <m:t>30</m:t>
+                        <m:t>£30</m:t>
                       </m:r>
                       <m:r>
                         <a:rPr lang="en-GB">
@@ -9749,7 +11243,7 @@
             </p:nvSpPr>
             <p:spPr>
               <a:xfrm>
-                <a:off x="69647" y="3962424"/>
+                <a:off x="69651" y="3962429"/>
                 <a:ext cx="698909" cy="276999"/>
               </a:xfrm>
               <a:prstGeom prst="rect">
@@ -9793,7 +11287,7 @@
             </p:nvSpPr>
             <p:spPr>
               <a:xfrm>
-                <a:off x="2119111" y="6214235"/>
+                <a:off x="2097091" y="6258232"/>
                 <a:ext cx="698909" cy="276999"/>
               </a:xfrm>
               <a:prstGeom prst="rect">
@@ -9815,16 +11309,10 @@
                     </m:oMathParaPr>
                     <m:oMath xmlns:m="http://schemas.openxmlformats.org/officeDocument/2006/math">
                       <m:r>
-                        <a:rPr lang="en-GB" smtClean="0">
+                        <a:rPr lang="en-GB">
                           <a:latin typeface="Cambria Math" panose="02040503050406030204" pitchFamily="18" charset="0"/>
                         </a:rPr>
-                        <m:t>£</m:t>
-                      </m:r>
-                      <m:r>
-                        <a:rPr lang="en-GB" b="0" i="0" smtClean="0">
-                          <a:latin typeface="Cambria Math" panose="02040503050406030204" pitchFamily="18" charset="0"/>
-                        </a:rPr>
-                        <m:t>3</m:t>
+                        <m:t>£3</m:t>
                       </m:r>
                       <m:r>
                         <a:rPr lang="en-GB">
@@ -9859,7 +11347,7 @@
             </p:nvSpPr>
             <p:spPr>
               <a:xfrm>
-                <a:off x="2119111" y="6214235"/>
+                <a:off x="2097091" y="6258232"/>
                 <a:ext cx="698909" cy="276999"/>
               </a:xfrm>
               <a:prstGeom prst="rect">
@@ -9901,7 +11389,7 @@
         </p:nvSpPr>
         <p:spPr>
           <a:xfrm>
-            <a:off x="2990252" y="768801"/>
+            <a:off x="2990253" y="768805"/>
             <a:ext cx="1987724" cy="276999"/>
           </a:xfrm>
           <a:prstGeom prst="rect">
@@ -9955,7 +11443,7 @@
         </p:nvSpPr>
         <p:spPr bwMode="auto">
           <a:xfrm>
-            <a:off x="3461612" y="2032247"/>
+            <a:off x="3461616" y="2032251"/>
             <a:ext cx="1774845" cy="646331"/>
           </a:xfrm>
           <a:prstGeom prst="rect">
@@ -10078,148 +11566,66 @@
           </a:p>
         </p:txBody>
       </p:sp>
-      <p:grpSp>
-        <p:nvGrpSpPr>
-          <p:cNvPr id="5" name="Group 4">
+      <p:sp>
+        <p:nvSpPr>
+          <p:cNvPr id="19" name="Line 8">
             <a:extLst>
               <a:ext uri="{FF2B5EF4-FFF2-40B4-BE49-F238E27FC236}">
-                <a16:creationId xmlns:a16="http://schemas.microsoft.com/office/drawing/2014/main" id="{A775CF3D-C167-704B-A42F-466BC1E95806}"/>
+                <a16:creationId xmlns:a16="http://schemas.microsoft.com/office/drawing/2014/main" id="{17949BB4-0150-7C4B-9EC5-7E283F5B9D1C}"/>
               </a:ext>
             </a:extLst>
           </p:cNvPr>
-          <p:cNvGrpSpPr/>
+          <p:cNvSpPr>
+            <a:spLocks noChangeShapeType="1"/>
+          </p:cNvSpPr>
           <p:nvPr/>
-        </p:nvGrpSpPr>
-        <p:grpSpPr>
-          <a:xfrm>
-            <a:off x="841851" y="4010457"/>
-            <a:ext cx="1811351" cy="202389"/>
-            <a:chOff x="841852" y="3705609"/>
-            <a:chExt cx="1583475" cy="237865"/>
+        </p:nvSpPr>
+        <p:spPr bwMode="auto">
+          <a:xfrm flipH="1">
+            <a:off x="841855" y="4098766"/>
+            <a:ext cx="1686207" cy="0"/>
           </a:xfrm>
-        </p:grpSpPr>
-        <p:sp>
-          <p:nvSpPr>
-            <p:cNvPr id="19" name="Line 8">
-              <a:extLst>
-                <a:ext uri="{FF2B5EF4-FFF2-40B4-BE49-F238E27FC236}">
-                  <a16:creationId xmlns:a16="http://schemas.microsoft.com/office/drawing/2014/main" id="{17949BB4-0150-7C4B-9EC5-7E283F5B9D1C}"/>
-                </a:ext>
-              </a:extLst>
-            </p:cNvPr>
-            <p:cNvSpPr>
-              <a:spLocks noChangeShapeType="1"/>
-            </p:cNvSpPr>
-            <p:nvPr/>
-          </p:nvSpPr>
-          <p:spPr bwMode="auto">
-            <a:xfrm flipH="1">
-              <a:off x="841852" y="3809392"/>
-              <a:ext cx="1474075" cy="0"/>
-            </a:xfrm>
-            <a:prstGeom prst="line">
-              <a:avLst/>
-            </a:prstGeom>
-            <a:noFill/>
-            <a:ln w="12700">
-              <a:solidFill>
-                <a:schemeClr val="tx1"/>
-              </a:solidFill>
-              <a:prstDash val="dash"/>
-              <a:round/>
-              <a:headEnd type="none" w="sm" len="sm"/>
-              <a:tailEnd type="none" w="sm" len="sm"/>
-            </a:ln>
-            <a:effectLst/>
-            <a:extLst>
-              <a:ext uri="{909E8E84-426E-40DD-AFC4-6F175D3DCCD1}">
-                <a14:hiddenFill xmlns:a14="http://schemas.microsoft.com/office/drawing/2010/main">
-                  <a:noFill/>
-                </a14:hiddenFill>
-              </a:ext>
-              <a:ext uri="{AF507438-7753-43E0-B8FC-AC1667EBCBE1}">
-                <a14:hiddenEffects xmlns:a14="http://schemas.microsoft.com/office/drawing/2010/main">
-                  <a:effectLst>
-                    <a:outerShdw dist="35921" dir="2700000" algn="ctr" rotWithShape="0">
-                      <a:schemeClr val="bg2"/>
-                    </a:outerShdw>
-                  </a:effectLst>
-                </a14:hiddenEffects>
-              </a:ext>
-            </a:extLst>
-          </p:spPr>
-          <p:txBody>
-            <a:bodyPr wrap="none" anchor="ctr"/>
-            <a:lstStyle/>
-            <a:p>
-              <a:endParaRPr lang="de-DE" dirty="0">
-                <a:latin typeface="Helvetica Light" panose="020B0403020202020204" pitchFamily="34" charset="0"/>
-              </a:endParaRPr>
-            </a:p>
-          </p:txBody>
-        </p:sp>
-        <p:sp>
-          <p:nvSpPr>
-            <p:cNvPr id="23" name="Oval 21">
-              <a:extLst>
-                <a:ext uri="{FF2B5EF4-FFF2-40B4-BE49-F238E27FC236}">
-                  <a16:creationId xmlns:a16="http://schemas.microsoft.com/office/drawing/2014/main" id="{D3456D18-698E-3547-9F47-7FB37A03016B}"/>
-                </a:ext>
-              </a:extLst>
-            </p:cNvPr>
-            <p:cNvSpPr>
-              <a:spLocks noChangeArrowheads="1"/>
-            </p:cNvSpPr>
-            <p:nvPr/>
-          </p:nvSpPr>
-          <p:spPr bwMode="auto">
-            <a:xfrm>
-              <a:off x="2226121" y="3705609"/>
-              <a:ext cx="199206" cy="237865"/>
-            </a:xfrm>
-            <a:prstGeom prst="ellipse">
-              <a:avLst/>
-            </a:prstGeom>
+          <a:prstGeom prst="line">
+            <a:avLst/>
+          </a:prstGeom>
+          <a:noFill/>
+          <a:ln w="12700">
             <a:solidFill>
-              <a:srgbClr val="00CCFF"/>
+              <a:schemeClr val="tx1"/>
             </a:solidFill>
-            <a:ln>
-              <a:noFill/>
-            </a:ln>
-            <a:effectLst/>
-            <a:extLst>
-              <a:ext uri="{91240B29-F687-4F45-9708-019B960494DF}">
-                <a14:hiddenLine xmlns:a14="http://schemas.microsoft.com/office/drawing/2010/main" w="12700">
-                  <a:solidFill>
-                    <a:schemeClr val="tx1"/>
-                  </a:solidFill>
-                  <a:round/>
-                  <a:headEnd type="none" w="sm" len="sm"/>
-                  <a:tailEnd type="none" w="sm" len="sm"/>
-                </a14:hiddenLine>
-              </a:ext>
-              <a:ext uri="{AF507438-7753-43E0-B8FC-AC1667EBCBE1}">
-                <a14:hiddenEffects xmlns:a14="http://schemas.microsoft.com/office/drawing/2010/main">
-                  <a:effectLst>
-                    <a:outerShdw dist="35921" dir="2700000" algn="ctr" rotWithShape="0">
-                      <a:schemeClr val="bg2"/>
-                    </a:outerShdw>
-                  </a:effectLst>
-                </a14:hiddenEffects>
-              </a:ext>
-            </a:extLst>
-          </p:spPr>
-          <p:txBody>
-            <a:bodyPr wrap="none" anchor="ctr"/>
-            <a:lstStyle/>
-            <a:p>
-              <a:endParaRPr lang="de-DE" dirty="0">
-                <a:latin typeface="Helvetica Light" panose="020B0403020202020204" pitchFamily="34" charset="0"/>
-              </a:endParaRPr>
-            </a:p>
-          </p:txBody>
-        </p:sp>
-      </p:grpSp>
+            <a:prstDash val="dash"/>
+            <a:round/>
+            <a:headEnd type="none" w="sm" len="sm"/>
+            <a:tailEnd type="none" w="sm" len="sm"/>
+          </a:ln>
+          <a:effectLst/>
+          <a:extLst>
+            <a:ext uri="{909E8E84-426E-40DD-AFC4-6F175D3DCCD1}">
+              <a14:hiddenFill xmlns:a14="http://schemas.microsoft.com/office/drawing/2010/main">
+                <a:noFill/>
+              </a14:hiddenFill>
+            </a:ext>
+            <a:ext uri="{AF507438-7753-43E0-B8FC-AC1667EBCBE1}">
+              <a14:hiddenEffects xmlns:a14="http://schemas.microsoft.com/office/drawing/2010/main">
+                <a:effectLst>
+                  <a:outerShdw dist="35921" dir="2700000" algn="ctr" rotWithShape="0">
+                    <a:schemeClr val="bg2"/>
+                  </a:outerShdw>
+                </a:effectLst>
+              </a14:hiddenEffects>
+            </a:ext>
+          </a:extLst>
+        </p:spPr>
+        <p:txBody>
+          <a:bodyPr wrap="none" anchor="ctr"/>
+          <a:lstStyle/>
+          <a:p>
+            <a:endParaRPr lang="de-DE" dirty="0">
+              <a:latin typeface="Helvetica Light" panose="020B0403020202020204" pitchFamily="34" charset="0"/>
+            </a:endParaRPr>
+          </a:p>
+        </p:txBody>
+      </p:sp>
       <p:sp>
         <p:nvSpPr>
           <p:cNvPr id="24" name="Line 22">
@@ -10295,7 +11701,7 @@
         </p:nvSpPr>
         <p:spPr bwMode="auto">
           <a:xfrm>
-            <a:off x="2795995" y="3982013"/>
+            <a:off x="2796000" y="3982017"/>
             <a:ext cx="1998295" cy="461665"/>
           </a:xfrm>
           <a:prstGeom prst="rect">
@@ -10374,7 +11780,7 @@
             </p:nvSpPr>
             <p:spPr>
               <a:xfrm>
-                <a:off x="7059" y="1399350"/>
+                <a:off x="7062" y="1399354"/>
                 <a:ext cx="746999" cy="276999"/>
               </a:xfrm>
               <a:prstGeom prst="rect">
@@ -10405,7 +11811,19 @@
                         <a:rPr lang="en-GB" b="0" i="0" smtClean="0">
                           <a:latin typeface="Cambria Math" panose="02040503050406030204" pitchFamily="18" charset="0"/>
                         </a:rPr>
-                        <m:t>7,5</m:t>
+                        <m:t>6</m:t>
+                      </m:r>
+                      <m:r>
+                        <a:rPr lang="en-GB">
+                          <a:latin typeface="Cambria Math" panose="02040503050406030204" pitchFamily="18" charset="0"/>
+                        </a:rPr>
+                        <m:t>,</m:t>
+                      </m:r>
+                      <m:r>
+                        <a:rPr lang="en-GB" b="0" i="0" smtClean="0">
+                          <a:latin typeface="Cambria Math" panose="02040503050406030204" pitchFamily="18" charset="0"/>
+                        </a:rPr>
+                        <m:t>0</m:t>
                       </m:r>
                       <m:r>
                         <a:rPr lang="en-GB">
@@ -10440,7 +11858,7 @@
             </p:nvSpPr>
             <p:spPr>
               <a:xfrm>
-                <a:off x="7059" y="1399350"/>
+                <a:off x="7062" y="1399354"/>
                 <a:ext cx="746999" cy="276999"/>
               </a:xfrm>
               <a:prstGeom prst="rect">
@@ -10484,7 +11902,7 @@
             </p:nvSpPr>
             <p:spPr>
               <a:xfrm>
-                <a:off x="3472567" y="6259084"/>
+                <a:off x="3472570" y="6259088"/>
                 <a:ext cx="746999" cy="276999"/>
               </a:xfrm>
               <a:prstGeom prst="rect">
@@ -10515,10 +11933,10 @@
                         <a:rPr lang="en-GB" b="0" i="0" smtClean="0">
                           <a:latin typeface="Cambria Math" panose="02040503050406030204" pitchFamily="18" charset="0"/>
                         </a:rPr>
-                        <m:t>5</m:t>
+                        <m:t>6</m:t>
                       </m:r>
                       <m:r>
-                        <a:rPr lang="en-GB" smtClean="0">
+                        <a:rPr lang="en-GB">
                           <a:latin typeface="Cambria Math" panose="02040503050406030204" pitchFamily="18" charset="0"/>
                         </a:rPr>
                         <m:t>,</m:t>
@@ -10556,7 +11974,7 @@
             </p:nvSpPr>
             <p:spPr>
               <a:xfrm>
-                <a:off x="3472567" y="6259084"/>
+                <a:off x="3472570" y="6259088"/>
                 <a:ext cx="746999" cy="276999"/>
               </a:xfrm>
               <a:prstGeom prst="rect">
@@ -10600,7 +12018,7 @@
         </p:nvSpPr>
         <p:spPr bwMode="auto">
           <a:xfrm>
-            <a:off x="958904" y="1231447"/>
+            <a:off x="958909" y="1231452"/>
             <a:ext cx="3276931" cy="4841805"/>
           </a:xfrm>
           <a:custGeom>
@@ -10820,7 +12238,7 @@
         </p:nvSpPr>
         <p:spPr bwMode="auto">
           <a:xfrm rot="431067">
-            <a:off x="2430385" y="908335"/>
+            <a:off x="2430389" y="908335"/>
             <a:ext cx="3377637" cy="3864648"/>
           </a:xfrm>
           <a:custGeom>
@@ -10892,6 +12310,67 @@
                   <a:schemeClr val="accent1"/>
                 </a:solidFill>
               </a14:hiddenFill>
+            </a:ext>
+            <a:ext uri="{AF507438-7753-43E0-B8FC-AC1667EBCBE1}">
+              <a14:hiddenEffects xmlns:a14="http://schemas.microsoft.com/office/drawing/2010/main">
+                <a:effectLst>
+                  <a:outerShdw dist="35921" dir="2700000" algn="ctr" rotWithShape="0">
+                    <a:schemeClr val="bg2"/>
+                  </a:outerShdw>
+                </a:effectLst>
+              </a14:hiddenEffects>
+            </a:ext>
+          </a:extLst>
+        </p:spPr>
+        <p:txBody>
+          <a:bodyPr wrap="none" anchor="ctr"/>
+          <a:lstStyle/>
+          <a:p>
+            <a:endParaRPr lang="de-DE" dirty="0">
+              <a:latin typeface="Helvetica Light" panose="020B0403020202020204" pitchFamily="34" charset="0"/>
+            </a:endParaRPr>
+          </a:p>
+        </p:txBody>
+      </p:sp>
+      <p:sp>
+        <p:nvSpPr>
+          <p:cNvPr id="23" name="Oval 21">
+            <a:extLst>
+              <a:ext uri="{FF2B5EF4-FFF2-40B4-BE49-F238E27FC236}">
+                <a16:creationId xmlns:a16="http://schemas.microsoft.com/office/drawing/2014/main" id="{D3456D18-698E-3547-9F47-7FB37A03016B}"/>
+              </a:ext>
+            </a:extLst>
+          </p:cNvPr>
+          <p:cNvSpPr>
+            <a:spLocks noChangeArrowheads="1"/>
+          </p:cNvSpPr>
+          <p:nvPr/>
+        </p:nvSpPr>
+        <p:spPr bwMode="auto">
+          <a:xfrm>
+            <a:off x="2425333" y="4010462"/>
+            <a:ext cx="227873" cy="202389"/>
+          </a:xfrm>
+          <a:prstGeom prst="ellipse">
+            <a:avLst/>
+          </a:prstGeom>
+          <a:solidFill>
+            <a:srgbClr val="00CCFF"/>
+          </a:solidFill>
+          <a:ln>
+            <a:noFill/>
+          </a:ln>
+          <a:effectLst/>
+          <a:extLst>
+            <a:ext uri="{91240B29-F687-4F45-9708-019B960494DF}">
+              <a14:hiddenLine xmlns:a14="http://schemas.microsoft.com/office/drawing/2010/main" w="12700">
+                <a:solidFill>
+                  <a:schemeClr val="tx1"/>
+                </a:solidFill>
+                <a:round/>
+                <a:headEnd type="none" w="sm" len="sm"/>
+                <a:tailEnd type="none" w="sm" len="sm"/>
+              </a14:hiddenLine>
             </a:ext>
             <a:ext uri="{AF507438-7753-43E0-B8FC-AC1667EBCBE1}">
               <a14:hiddenEffects xmlns:a14="http://schemas.microsoft.com/office/drawing/2010/main">

--- a/img/insurance.pptx
+++ b/img/insurance.pptx
@@ -3466,10 +3466,10 @@
         <mc:Choice xmlns:a14="http://schemas.microsoft.com/office/drawing/2010/main" Requires="a14">
           <p:sp>
             <p:nvSpPr>
-              <p:cNvPr id="5" name="TextBox 4">
+              <p:cNvPr id="18" name="TextBox 17">
                 <a:extLst>
                   <a:ext uri="{FF2B5EF4-FFF2-40B4-BE49-F238E27FC236}">
-                    <a16:creationId xmlns:a16="http://schemas.microsoft.com/office/drawing/2014/main" id="{054310DB-4D1F-A546-B853-AF1E6F0DE10A}"/>
+                    <a16:creationId xmlns:a16="http://schemas.microsoft.com/office/drawing/2014/main" id="{BB7D18D7-C385-A14C-A8B5-9B1E4386AD8B}"/>
                   </a:ext>
                 </a:extLst>
               </p:cNvPr>
@@ -3478,8 +3478,8 @@
             </p:nvSpPr>
             <p:spPr>
               <a:xfrm>
-                <a:off x="1519693" y="2183053"/>
-                <a:ext cx="1180644" cy="461665"/>
+                <a:off x="1582706" y="2233987"/>
+                <a:ext cx="1292341" cy="461665"/>
               </a:xfrm>
               <a:prstGeom prst="rect">
                 <a:avLst/>
@@ -3518,11 +3518,17 @@
                       </a:rPr>
                       <m:t> </m:t>
                     </m:r>
+                    <m:r>
+                      <a:rPr lang="en-GB" sz="1200" b="0" i="0" smtClean="0">
+                        <a:latin typeface="Cambria Math" panose="02040503050406030204" pitchFamily="18" charset="0"/>
+                      </a:rPr>
+                      <m:t>5</m:t>
+                    </m:r>
                   </m:oMath>
                 </a14:m>
                 <a:r>
                   <a:rPr lang="en-US" sz="1200" dirty="0"/>
-                  <a:t>5,000, 0)</a:t>
+                  <a:t>,000, £ 1,000)</a:t>
                 </a:r>
               </a:p>
             </p:txBody>
@@ -3531,10 +3537,10 @@
         <mc:Fallback>
           <p:sp>
             <p:nvSpPr>
-              <p:cNvPr id="5" name="TextBox 4">
+              <p:cNvPr id="18" name="TextBox 17">
                 <a:extLst>
                   <a:ext uri="{FF2B5EF4-FFF2-40B4-BE49-F238E27FC236}">
-                    <a16:creationId xmlns:a16="http://schemas.microsoft.com/office/drawing/2014/main" id="{054310DB-4D1F-A546-B853-AF1E6F0DE10A}"/>
+                    <a16:creationId xmlns:a16="http://schemas.microsoft.com/office/drawing/2014/main" id="{BB7D18D7-C385-A14C-A8B5-9B1E4386AD8B}"/>
                   </a:ext>
                 </a:extLst>
               </p:cNvPr>
@@ -3545,8 +3551,8 @@
             </p:nvSpPr>
             <p:spPr>
               <a:xfrm>
-                <a:off x="1519693" y="2183053"/>
-                <a:ext cx="1180644" cy="461665"/>
+                <a:off x="1582706" y="2233987"/>
+                <a:ext cx="1292341" cy="461665"/>
               </a:xfrm>
               <a:prstGeom prst="rect">
                 <a:avLst/>

--- a/img/insurance.pptx
+++ b/img/insurance.pptx
@@ -2,7 +2,7 @@
 <file path=ppt/presentation.xml><?xml version="1.0" encoding="utf-8"?>
 <p:presentation xmlns:a="http://schemas.openxmlformats.org/drawingml/2006/main" xmlns:r="http://schemas.openxmlformats.org/officeDocument/2006/relationships" xmlns:p="http://schemas.openxmlformats.org/presentationml/2006/main" saveSubsetFonts="1" autoCompressPictures="0">
   <p:sldMasterIdLst>
-    <p:sldMasterId id="2147483648" r:id="rId1"/>
+    <p:sldMasterId id="2147483672" r:id="rId1"/>
   </p:sldMasterIdLst>
   <p:sldIdLst>
     <p:sldId id="301" r:id="rId2"/>
@@ -13,7 +13,7 @@
     <p:sldId id="306" r:id="rId7"/>
     <p:sldId id="307" r:id="rId8"/>
   </p:sldIdLst>
-  <p:sldSz cx="12192000" cy="6858000"/>
+  <p:sldSz cx="5759450" cy="6858000"/>
   <p:notesSz cx="6858000" cy="9144000"/>
   <p:defaultTextStyle>
     <a:defPPr>
@@ -113,12 +113,12 @@
   <p:extLst>
     <p:ext uri="{EFAFB233-063F-42B5-8137-9DF3F51BA10A}">
       <p15:sldGuideLst xmlns:p15="http://schemas.microsoft.com/office/powerpoint/2012/main">
-        <p15:guide id="1" orient="horz" pos="2160" userDrawn="1">
+        <p15:guide id="1" orient="horz" pos="3884" userDrawn="1">
           <p15:clr>
             <a:srgbClr val="A4A3A4"/>
           </p15:clr>
         </p15:guide>
-        <p15:guide id="2" pos="3840" userDrawn="1">
+        <p15:guide id="2" pos="725" userDrawn="1">
           <p15:clr>
             <a:srgbClr val="A4A3A4"/>
           </p15:clr>
@@ -148,13 +148,7 @@
       </p:grpSpPr>
       <p:sp>
         <p:nvSpPr>
-          <p:cNvPr id="2" name="Title 1">
-            <a:extLst>
-              <a:ext uri="{FF2B5EF4-FFF2-40B4-BE49-F238E27FC236}">
-                <a16:creationId xmlns:a16="http://schemas.microsoft.com/office/drawing/2014/main" id="{60B02C46-E13F-2346-8FAF-067564CB142F}"/>
-              </a:ext>
-            </a:extLst>
-          </p:cNvPr>
+          <p:cNvPr id="2" name="Title 1"/>
           <p:cNvSpPr>
             <a:spLocks noGrp="1"/>
           </p:cNvSpPr>
@@ -164,15 +158,15 @@
         </p:nvSpPr>
         <p:spPr>
           <a:xfrm>
-            <a:off x="1524001" y="1122364"/>
-            <a:ext cx="9144000" cy="2387600"/>
+            <a:off x="431959" y="1122363"/>
+            <a:ext cx="4895533" cy="2387600"/>
           </a:xfrm>
         </p:spPr>
         <p:txBody>
           <a:bodyPr anchor="b"/>
           <a:lstStyle>
             <a:lvl1pPr algn="ctr">
-              <a:defRPr sz="6000"/>
+              <a:defRPr sz="3779"/>
             </a:lvl1pPr>
           </a:lstStyle>
           <a:p>
@@ -180,19 +174,13 @@
               <a:rPr lang="en-US"/>
               <a:t>Click to edit Master title style</a:t>
             </a:r>
-            <a:endParaRPr lang="de-DE"/>
+            <a:endParaRPr lang="en-US" dirty="0"/>
           </a:p>
         </p:txBody>
       </p:sp>
       <p:sp>
         <p:nvSpPr>
-          <p:cNvPr id="3" name="Subtitle 2">
-            <a:extLst>
-              <a:ext uri="{FF2B5EF4-FFF2-40B4-BE49-F238E27FC236}">
-                <a16:creationId xmlns:a16="http://schemas.microsoft.com/office/drawing/2014/main" id="{C2301280-E716-C94A-8E7F-FF2C9F8DE511}"/>
-              </a:ext>
-            </a:extLst>
-          </p:cNvPr>
+          <p:cNvPr id="3" name="Subtitle 2"/>
           <p:cNvSpPr>
             <a:spLocks noGrp="1"/>
           </p:cNvSpPr>
@@ -202,8 +190,8 @@
         </p:nvSpPr>
         <p:spPr>
           <a:xfrm>
-            <a:off x="1524001" y="3602039"/>
-            <a:ext cx="9144000" cy="1655762"/>
+            <a:off x="719931" y="3602038"/>
+            <a:ext cx="4319588" cy="1655762"/>
           </a:xfrm>
         </p:spPr>
         <p:txBody>
@@ -211,39 +199,39 @@
           <a:lstStyle>
             <a:lvl1pPr marL="0" indent="0" algn="ctr">
               <a:buNone/>
-              <a:defRPr sz="2400"/>
+              <a:defRPr sz="1512"/>
             </a:lvl1pPr>
-            <a:lvl2pPr marL="457200" indent="0" algn="ctr">
+            <a:lvl2pPr marL="287990" indent="0" algn="ctr">
               <a:buNone/>
-              <a:defRPr sz="2000"/>
+              <a:defRPr sz="1260"/>
             </a:lvl2pPr>
-            <a:lvl3pPr marL="914400" indent="0" algn="ctr">
+            <a:lvl3pPr marL="575981" indent="0" algn="ctr">
               <a:buNone/>
-              <a:defRPr sz="1800"/>
+              <a:defRPr sz="1134"/>
             </a:lvl3pPr>
-            <a:lvl4pPr marL="1371600" indent="0" algn="ctr">
+            <a:lvl4pPr marL="863971" indent="0" algn="ctr">
               <a:buNone/>
-              <a:defRPr sz="1600"/>
+              <a:defRPr sz="1008"/>
             </a:lvl4pPr>
-            <a:lvl5pPr marL="1828800" indent="0" algn="ctr">
+            <a:lvl5pPr marL="1151961" indent="0" algn="ctr">
               <a:buNone/>
-              <a:defRPr sz="1600"/>
+              <a:defRPr sz="1008"/>
             </a:lvl5pPr>
-            <a:lvl6pPr marL="2286000" indent="0" algn="ctr">
+            <a:lvl6pPr marL="1439951" indent="0" algn="ctr">
               <a:buNone/>
-              <a:defRPr sz="1600"/>
+              <a:defRPr sz="1008"/>
             </a:lvl6pPr>
-            <a:lvl7pPr marL="2743200" indent="0" algn="ctr">
+            <a:lvl7pPr marL="1727942" indent="0" algn="ctr">
               <a:buNone/>
-              <a:defRPr sz="1600"/>
+              <a:defRPr sz="1008"/>
             </a:lvl7pPr>
-            <a:lvl8pPr marL="3200400" indent="0" algn="ctr">
+            <a:lvl8pPr marL="2015932" indent="0" algn="ctr">
               <a:buNone/>
-              <a:defRPr sz="1600"/>
+              <a:defRPr sz="1008"/>
             </a:lvl8pPr>
-            <a:lvl9pPr marL="3657600" indent="0" algn="ctr">
+            <a:lvl9pPr marL="2303922" indent="0" algn="ctr">
               <a:buNone/>
-              <a:defRPr sz="1600"/>
+              <a:defRPr sz="1008"/>
             </a:lvl9pPr>
           </a:lstStyle>
           <a:p>
@@ -251,19 +239,13 @@
               <a:rPr lang="en-US"/>
               <a:t>Click to edit Master subtitle style</a:t>
             </a:r>
-            <a:endParaRPr lang="de-DE"/>
+            <a:endParaRPr lang="en-US" dirty="0"/>
           </a:p>
         </p:txBody>
       </p:sp>
       <p:sp>
         <p:nvSpPr>
-          <p:cNvPr id="4" name="Date Placeholder 3">
-            <a:extLst>
-              <a:ext uri="{FF2B5EF4-FFF2-40B4-BE49-F238E27FC236}">
-                <a16:creationId xmlns:a16="http://schemas.microsoft.com/office/drawing/2014/main" id="{F054E23B-5DDC-4444-B86F-282F212DBD7F}"/>
-              </a:ext>
-            </a:extLst>
-          </p:cNvPr>
+          <p:cNvPr id="4" name="Date Placeholder 3"/>
           <p:cNvSpPr>
             <a:spLocks noGrp="1"/>
           </p:cNvSpPr>
@@ -286,13 +268,7 @@
       </p:sp>
       <p:sp>
         <p:nvSpPr>
-          <p:cNvPr id="5" name="Footer Placeholder 4">
-            <a:extLst>
-              <a:ext uri="{FF2B5EF4-FFF2-40B4-BE49-F238E27FC236}">
-                <a16:creationId xmlns:a16="http://schemas.microsoft.com/office/drawing/2014/main" id="{E78C9BB5-97EA-5246-9FC6-287D1AAC2014}"/>
-              </a:ext>
-            </a:extLst>
-          </p:cNvPr>
+          <p:cNvPr id="5" name="Footer Placeholder 4"/>
           <p:cNvSpPr>
             <a:spLocks noGrp="1"/>
           </p:cNvSpPr>
@@ -311,13 +287,7 @@
       </p:sp>
       <p:sp>
         <p:nvSpPr>
-          <p:cNvPr id="6" name="Slide Number Placeholder 5">
-            <a:extLst>
-              <a:ext uri="{FF2B5EF4-FFF2-40B4-BE49-F238E27FC236}">
-                <a16:creationId xmlns:a16="http://schemas.microsoft.com/office/drawing/2014/main" id="{602D9F47-B7D1-6B45-9A50-008CC6B46D67}"/>
-              </a:ext>
-            </a:extLst>
-          </p:cNvPr>
+          <p:cNvPr id="6" name="Slide Number Placeholder 5"/>
           <p:cNvSpPr>
             <a:spLocks noGrp="1"/>
           </p:cNvSpPr>
@@ -341,7 +311,7 @@
     </p:spTree>
     <p:extLst>
       <p:ext uri="{BB962C8B-B14F-4D97-AF65-F5344CB8AC3E}">
-        <p14:creationId xmlns:p14="http://schemas.microsoft.com/office/powerpoint/2010/main" val="3767463794"/>
+        <p14:creationId xmlns:p14="http://schemas.microsoft.com/office/powerpoint/2010/main" val="1002127313"/>
       </p:ext>
     </p:extLst>
   </p:cSld>
@@ -370,13 +340,7 @@
       </p:grpSpPr>
       <p:sp>
         <p:nvSpPr>
-          <p:cNvPr id="2" name="Title 1">
-            <a:extLst>
-              <a:ext uri="{FF2B5EF4-FFF2-40B4-BE49-F238E27FC236}">
-                <a16:creationId xmlns:a16="http://schemas.microsoft.com/office/drawing/2014/main" id="{02E68427-BBD0-E240-A9F4-D67EAAB20112}"/>
-              </a:ext>
-            </a:extLst>
-          </p:cNvPr>
+          <p:cNvPr id="2" name="Title 1"/>
           <p:cNvSpPr>
             <a:spLocks noGrp="1"/>
           </p:cNvSpPr>
@@ -393,19 +357,13 @@
               <a:rPr lang="en-US"/>
               <a:t>Click to edit Master title style</a:t>
             </a:r>
-            <a:endParaRPr lang="de-DE"/>
+            <a:endParaRPr lang="en-US" dirty="0"/>
           </a:p>
         </p:txBody>
       </p:sp>
       <p:sp>
         <p:nvSpPr>
-          <p:cNvPr id="3" name="Vertical Text Placeholder 2">
-            <a:extLst>
-              <a:ext uri="{FF2B5EF4-FFF2-40B4-BE49-F238E27FC236}">
-                <a16:creationId xmlns:a16="http://schemas.microsoft.com/office/drawing/2014/main" id="{4F2B5A4F-C84D-914C-BD21-A0C3083D5EAD}"/>
-              </a:ext>
-            </a:extLst>
-          </p:cNvPr>
+          <p:cNvPr id="3" name="Vertical Text Placeholder 2"/>
           <p:cNvSpPr>
             <a:spLocks noGrp="1"/>
           </p:cNvSpPr>
@@ -451,19 +409,13 @@
               <a:rPr lang="en-US"/>
               <a:t>Fifth level</a:t>
             </a:r>
-            <a:endParaRPr lang="de-DE"/>
+            <a:endParaRPr lang="en-US" dirty="0"/>
           </a:p>
         </p:txBody>
       </p:sp>
       <p:sp>
         <p:nvSpPr>
-          <p:cNvPr id="4" name="Date Placeholder 3">
-            <a:extLst>
-              <a:ext uri="{FF2B5EF4-FFF2-40B4-BE49-F238E27FC236}">
-                <a16:creationId xmlns:a16="http://schemas.microsoft.com/office/drawing/2014/main" id="{B87847D7-F0FF-3546-94A3-F07CF010B94F}"/>
-              </a:ext>
-            </a:extLst>
-          </p:cNvPr>
+          <p:cNvPr id="4" name="Date Placeholder 3"/>
           <p:cNvSpPr>
             <a:spLocks noGrp="1"/>
           </p:cNvSpPr>
@@ -486,13 +438,7 @@
       </p:sp>
       <p:sp>
         <p:nvSpPr>
-          <p:cNvPr id="5" name="Footer Placeholder 4">
-            <a:extLst>
-              <a:ext uri="{FF2B5EF4-FFF2-40B4-BE49-F238E27FC236}">
-                <a16:creationId xmlns:a16="http://schemas.microsoft.com/office/drawing/2014/main" id="{B4435A27-701E-E948-BE49-496EAA224F25}"/>
-              </a:ext>
-            </a:extLst>
-          </p:cNvPr>
+          <p:cNvPr id="5" name="Footer Placeholder 4"/>
           <p:cNvSpPr>
             <a:spLocks noGrp="1"/>
           </p:cNvSpPr>
@@ -511,13 +457,7 @@
       </p:sp>
       <p:sp>
         <p:nvSpPr>
-          <p:cNvPr id="6" name="Slide Number Placeholder 5">
-            <a:extLst>
-              <a:ext uri="{FF2B5EF4-FFF2-40B4-BE49-F238E27FC236}">
-                <a16:creationId xmlns:a16="http://schemas.microsoft.com/office/drawing/2014/main" id="{563D84E6-1E7E-174B-90E2-3EC125F3704F}"/>
-              </a:ext>
-            </a:extLst>
-          </p:cNvPr>
+          <p:cNvPr id="6" name="Slide Number Placeholder 5"/>
           <p:cNvSpPr>
             <a:spLocks noGrp="1"/>
           </p:cNvSpPr>
@@ -541,7 +481,7 @@
     </p:spTree>
     <p:extLst>
       <p:ext uri="{BB962C8B-B14F-4D97-AF65-F5344CB8AC3E}">
-        <p14:creationId xmlns:p14="http://schemas.microsoft.com/office/powerpoint/2010/main" val="4190367790"/>
+        <p14:creationId xmlns:p14="http://schemas.microsoft.com/office/powerpoint/2010/main" val="405364606"/>
       </p:ext>
     </p:extLst>
   </p:cSld>
@@ -570,13 +510,7 @@
       </p:grpSpPr>
       <p:sp>
         <p:nvSpPr>
-          <p:cNvPr id="2" name="Vertical Title 1">
-            <a:extLst>
-              <a:ext uri="{FF2B5EF4-FFF2-40B4-BE49-F238E27FC236}">
-                <a16:creationId xmlns:a16="http://schemas.microsoft.com/office/drawing/2014/main" id="{A505664F-7A86-314C-8584-20EA5FB30AD8}"/>
-              </a:ext>
-            </a:extLst>
-          </p:cNvPr>
+          <p:cNvPr id="2" name="Vertical Title 1"/>
           <p:cNvSpPr>
             <a:spLocks noGrp="1"/>
           </p:cNvSpPr>
@@ -586,8 +520,8 @@
         </p:nvSpPr>
         <p:spPr>
           <a:xfrm>
-            <a:off x="8724899" y="365125"/>
-            <a:ext cx="2628900" cy="5811839"/>
+            <a:off x="4121607" y="365125"/>
+            <a:ext cx="1241881" cy="5811838"/>
           </a:xfrm>
         </p:spPr>
         <p:txBody>
@@ -598,19 +532,13 @@
               <a:rPr lang="en-US"/>
               <a:t>Click to edit Master title style</a:t>
             </a:r>
-            <a:endParaRPr lang="de-DE"/>
+            <a:endParaRPr lang="en-US" dirty="0"/>
           </a:p>
         </p:txBody>
       </p:sp>
       <p:sp>
         <p:nvSpPr>
-          <p:cNvPr id="3" name="Vertical Text Placeholder 2">
-            <a:extLst>
-              <a:ext uri="{FF2B5EF4-FFF2-40B4-BE49-F238E27FC236}">
-                <a16:creationId xmlns:a16="http://schemas.microsoft.com/office/drawing/2014/main" id="{48104990-B9B9-C848-9F46-118B159DD407}"/>
-              </a:ext>
-            </a:extLst>
-          </p:cNvPr>
+          <p:cNvPr id="3" name="Vertical Text Placeholder 2"/>
           <p:cNvSpPr>
             <a:spLocks noGrp="1"/>
           </p:cNvSpPr>
@@ -620,8 +548,8 @@
         </p:nvSpPr>
         <p:spPr>
           <a:xfrm>
-            <a:off x="838200" y="365125"/>
-            <a:ext cx="7734300" cy="5811839"/>
+            <a:off x="395963" y="365125"/>
+            <a:ext cx="3653651" cy="5811838"/>
           </a:xfrm>
         </p:spPr>
         <p:txBody>
@@ -661,19 +589,13 @@
               <a:rPr lang="en-US"/>
               <a:t>Fifth level</a:t>
             </a:r>
-            <a:endParaRPr lang="de-DE"/>
+            <a:endParaRPr lang="en-US" dirty="0"/>
           </a:p>
         </p:txBody>
       </p:sp>
       <p:sp>
         <p:nvSpPr>
-          <p:cNvPr id="4" name="Date Placeholder 3">
-            <a:extLst>
-              <a:ext uri="{FF2B5EF4-FFF2-40B4-BE49-F238E27FC236}">
-                <a16:creationId xmlns:a16="http://schemas.microsoft.com/office/drawing/2014/main" id="{C8985FFB-7923-1C4A-A042-746B6DDA3155}"/>
-              </a:ext>
-            </a:extLst>
-          </p:cNvPr>
+          <p:cNvPr id="4" name="Date Placeholder 3"/>
           <p:cNvSpPr>
             <a:spLocks noGrp="1"/>
           </p:cNvSpPr>
@@ -696,13 +618,7 @@
       </p:sp>
       <p:sp>
         <p:nvSpPr>
-          <p:cNvPr id="5" name="Footer Placeholder 4">
-            <a:extLst>
-              <a:ext uri="{FF2B5EF4-FFF2-40B4-BE49-F238E27FC236}">
-                <a16:creationId xmlns:a16="http://schemas.microsoft.com/office/drawing/2014/main" id="{04E6DC30-35D0-2742-8D57-1F4843F7BE42}"/>
-              </a:ext>
-            </a:extLst>
-          </p:cNvPr>
+          <p:cNvPr id="5" name="Footer Placeholder 4"/>
           <p:cNvSpPr>
             <a:spLocks noGrp="1"/>
           </p:cNvSpPr>
@@ -721,13 +637,7 @@
       </p:sp>
       <p:sp>
         <p:nvSpPr>
-          <p:cNvPr id="6" name="Slide Number Placeholder 5">
-            <a:extLst>
-              <a:ext uri="{FF2B5EF4-FFF2-40B4-BE49-F238E27FC236}">
-                <a16:creationId xmlns:a16="http://schemas.microsoft.com/office/drawing/2014/main" id="{97C012DB-444C-1348-9E96-68FC9FBF397F}"/>
-              </a:ext>
-            </a:extLst>
-          </p:cNvPr>
+          <p:cNvPr id="6" name="Slide Number Placeholder 5"/>
           <p:cNvSpPr>
             <a:spLocks noGrp="1"/>
           </p:cNvSpPr>
@@ -751,7 +661,7 @@
     </p:spTree>
     <p:extLst>
       <p:ext uri="{BB962C8B-B14F-4D97-AF65-F5344CB8AC3E}">
-        <p14:creationId xmlns:p14="http://schemas.microsoft.com/office/powerpoint/2010/main" val="1763884586"/>
+        <p14:creationId xmlns:p14="http://schemas.microsoft.com/office/powerpoint/2010/main" val="1116440913"/>
       </p:ext>
     </p:extLst>
   </p:cSld>
@@ -780,13 +690,7 @@
       </p:grpSpPr>
       <p:sp>
         <p:nvSpPr>
-          <p:cNvPr id="2" name="Title 1">
-            <a:extLst>
-              <a:ext uri="{FF2B5EF4-FFF2-40B4-BE49-F238E27FC236}">
-                <a16:creationId xmlns:a16="http://schemas.microsoft.com/office/drawing/2014/main" id="{79F25350-7086-6E44-B60B-38EF9C793EE6}"/>
-              </a:ext>
-            </a:extLst>
-          </p:cNvPr>
+          <p:cNvPr id="2" name="Title 1"/>
           <p:cNvSpPr>
             <a:spLocks noGrp="1"/>
           </p:cNvSpPr>
@@ -803,19 +707,13 @@
               <a:rPr lang="en-US"/>
               <a:t>Click to edit Master title style</a:t>
             </a:r>
-            <a:endParaRPr lang="de-DE"/>
+            <a:endParaRPr lang="en-US" dirty="0"/>
           </a:p>
         </p:txBody>
       </p:sp>
       <p:sp>
         <p:nvSpPr>
-          <p:cNvPr id="3" name="Content Placeholder 2">
-            <a:extLst>
-              <a:ext uri="{FF2B5EF4-FFF2-40B4-BE49-F238E27FC236}">
-                <a16:creationId xmlns:a16="http://schemas.microsoft.com/office/drawing/2014/main" id="{A311770A-E486-CB4E-AC7E-39040C98D373}"/>
-              </a:ext>
-            </a:extLst>
-          </p:cNvPr>
+          <p:cNvPr id="3" name="Content Placeholder 2"/>
           <p:cNvSpPr>
             <a:spLocks noGrp="1"/>
           </p:cNvSpPr>
@@ -861,19 +759,13 @@
               <a:rPr lang="en-US"/>
               <a:t>Fifth level</a:t>
             </a:r>
-            <a:endParaRPr lang="de-DE"/>
+            <a:endParaRPr lang="en-US" dirty="0"/>
           </a:p>
         </p:txBody>
       </p:sp>
       <p:sp>
         <p:nvSpPr>
-          <p:cNvPr id="4" name="Date Placeholder 3">
-            <a:extLst>
-              <a:ext uri="{FF2B5EF4-FFF2-40B4-BE49-F238E27FC236}">
-                <a16:creationId xmlns:a16="http://schemas.microsoft.com/office/drawing/2014/main" id="{8685C20C-2596-C841-B272-2E8C8583BDDA}"/>
-              </a:ext>
-            </a:extLst>
-          </p:cNvPr>
+          <p:cNvPr id="4" name="Date Placeholder 3"/>
           <p:cNvSpPr>
             <a:spLocks noGrp="1"/>
           </p:cNvSpPr>
@@ -896,13 +788,7 @@
       </p:sp>
       <p:sp>
         <p:nvSpPr>
-          <p:cNvPr id="5" name="Footer Placeholder 4">
-            <a:extLst>
-              <a:ext uri="{FF2B5EF4-FFF2-40B4-BE49-F238E27FC236}">
-                <a16:creationId xmlns:a16="http://schemas.microsoft.com/office/drawing/2014/main" id="{F9FB7132-A155-AE43-AFD8-E482411C0AAB}"/>
-              </a:ext>
-            </a:extLst>
-          </p:cNvPr>
+          <p:cNvPr id="5" name="Footer Placeholder 4"/>
           <p:cNvSpPr>
             <a:spLocks noGrp="1"/>
           </p:cNvSpPr>
@@ -921,13 +807,7 @@
       </p:sp>
       <p:sp>
         <p:nvSpPr>
-          <p:cNvPr id="6" name="Slide Number Placeholder 5">
-            <a:extLst>
-              <a:ext uri="{FF2B5EF4-FFF2-40B4-BE49-F238E27FC236}">
-                <a16:creationId xmlns:a16="http://schemas.microsoft.com/office/drawing/2014/main" id="{2E81FE2B-8518-9543-B463-1F1CCDBC2361}"/>
-              </a:ext>
-            </a:extLst>
-          </p:cNvPr>
+          <p:cNvPr id="6" name="Slide Number Placeholder 5"/>
           <p:cNvSpPr>
             <a:spLocks noGrp="1"/>
           </p:cNvSpPr>
@@ -951,7 +831,7 @@
     </p:spTree>
     <p:extLst>
       <p:ext uri="{BB962C8B-B14F-4D97-AF65-F5344CB8AC3E}">
-        <p14:creationId xmlns:p14="http://schemas.microsoft.com/office/powerpoint/2010/main" val="634359645"/>
+        <p14:creationId xmlns:p14="http://schemas.microsoft.com/office/powerpoint/2010/main" val="3562339050"/>
       </p:ext>
     </p:extLst>
   </p:cSld>
@@ -980,13 +860,7 @@
       </p:grpSpPr>
       <p:sp>
         <p:nvSpPr>
-          <p:cNvPr id="2" name="Title 1">
-            <a:extLst>
-              <a:ext uri="{FF2B5EF4-FFF2-40B4-BE49-F238E27FC236}">
-                <a16:creationId xmlns:a16="http://schemas.microsoft.com/office/drawing/2014/main" id="{C92834C2-FD52-A04D-BA9A-EC2C5527FEE0}"/>
-              </a:ext>
-            </a:extLst>
-          </p:cNvPr>
+          <p:cNvPr id="2" name="Title 1"/>
           <p:cNvSpPr>
             <a:spLocks noGrp="1"/>
           </p:cNvSpPr>
@@ -996,15 +870,15 @@
         </p:nvSpPr>
         <p:spPr>
           <a:xfrm>
-            <a:off x="831851" y="1709738"/>
-            <a:ext cx="10515599" cy="2852738"/>
+            <a:off x="392963" y="1709740"/>
+            <a:ext cx="4967526" cy="2852737"/>
           </a:xfrm>
         </p:spPr>
         <p:txBody>
           <a:bodyPr anchor="b"/>
           <a:lstStyle>
             <a:lvl1pPr>
-              <a:defRPr sz="6000"/>
+              <a:defRPr sz="3779"/>
             </a:lvl1pPr>
           </a:lstStyle>
           <a:p>
@@ -1012,19 +886,13 @@
               <a:rPr lang="en-US"/>
               <a:t>Click to edit Master title style</a:t>
             </a:r>
-            <a:endParaRPr lang="de-DE"/>
+            <a:endParaRPr lang="en-US" dirty="0"/>
           </a:p>
         </p:txBody>
       </p:sp>
       <p:sp>
         <p:nvSpPr>
-          <p:cNvPr id="3" name="Text Placeholder 2">
-            <a:extLst>
-              <a:ext uri="{FF2B5EF4-FFF2-40B4-BE49-F238E27FC236}">
-                <a16:creationId xmlns:a16="http://schemas.microsoft.com/office/drawing/2014/main" id="{AFFACBB5-8E26-D14A-B3E2-8D76CA3E31DE}"/>
-              </a:ext>
-            </a:extLst>
-          </p:cNvPr>
+          <p:cNvPr id="3" name="Text Placeholder 2"/>
           <p:cNvSpPr>
             <a:spLocks noGrp="1"/>
           </p:cNvSpPr>
@@ -1034,8 +902,8 @@
         </p:nvSpPr>
         <p:spPr>
           <a:xfrm>
-            <a:off x="831851" y="4589465"/>
-            <a:ext cx="10515599" cy="1500187"/>
+            <a:off x="392963" y="4589465"/>
+            <a:ext cx="4967526" cy="1500187"/>
           </a:xfrm>
         </p:spPr>
         <p:txBody>
@@ -1043,17 +911,15 @@
           <a:lstStyle>
             <a:lvl1pPr marL="0" indent="0">
               <a:buNone/>
-              <a:defRPr sz="2400">
+              <a:defRPr sz="1512">
                 <a:solidFill>
-                  <a:schemeClr val="tx1">
-                    <a:tint val="75000"/>
-                  </a:schemeClr>
+                  <a:schemeClr val="tx1"/>
                 </a:solidFill>
               </a:defRPr>
             </a:lvl1pPr>
-            <a:lvl2pPr marL="457200" indent="0">
+            <a:lvl2pPr marL="287990" indent="0">
               <a:buNone/>
-              <a:defRPr sz="2000">
+              <a:defRPr sz="1260">
                 <a:solidFill>
                   <a:schemeClr val="tx1">
                     <a:tint val="75000"/>
@@ -1061,9 +927,9 @@
                 </a:solidFill>
               </a:defRPr>
             </a:lvl2pPr>
-            <a:lvl3pPr marL="914400" indent="0">
+            <a:lvl3pPr marL="575981" indent="0">
               <a:buNone/>
-              <a:defRPr sz="1800">
+              <a:defRPr sz="1134">
                 <a:solidFill>
                   <a:schemeClr val="tx1">
                     <a:tint val="75000"/>
@@ -1071,9 +937,9 @@
                 </a:solidFill>
               </a:defRPr>
             </a:lvl3pPr>
-            <a:lvl4pPr marL="1371600" indent="0">
+            <a:lvl4pPr marL="863971" indent="0">
               <a:buNone/>
-              <a:defRPr sz="1600">
+              <a:defRPr sz="1008">
                 <a:solidFill>
                   <a:schemeClr val="tx1">
                     <a:tint val="75000"/>
@@ -1081,9 +947,9 @@
                 </a:solidFill>
               </a:defRPr>
             </a:lvl4pPr>
-            <a:lvl5pPr marL="1828800" indent="0">
+            <a:lvl5pPr marL="1151961" indent="0">
               <a:buNone/>
-              <a:defRPr sz="1600">
+              <a:defRPr sz="1008">
                 <a:solidFill>
                   <a:schemeClr val="tx1">
                     <a:tint val="75000"/>
@@ -1091,9 +957,9 @@
                 </a:solidFill>
               </a:defRPr>
             </a:lvl5pPr>
-            <a:lvl6pPr marL="2286000" indent="0">
+            <a:lvl6pPr marL="1439951" indent="0">
               <a:buNone/>
-              <a:defRPr sz="1600">
+              <a:defRPr sz="1008">
                 <a:solidFill>
                   <a:schemeClr val="tx1">
                     <a:tint val="75000"/>
@@ -1101,9 +967,9 @@
                 </a:solidFill>
               </a:defRPr>
             </a:lvl6pPr>
-            <a:lvl7pPr marL="2743200" indent="0">
+            <a:lvl7pPr marL="1727942" indent="0">
               <a:buNone/>
-              <a:defRPr sz="1600">
+              <a:defRPr sz="1008">
                 <a:solidFill>
                   <a:schemeClr val="tx1">
                     <a:tint val="75000"/>
@@ -1111,9 +977,9 @@
                 </a:solidFill>
               </a:defRPr>
             </a:lvl7pPr>
-            <a:lvl8pPr marL="3200400" indent="0">
+            <a:lvl8pPr marL="2015932" indent="0">
               <a:buNone/>
-              <a:defRPr sz="1600">
+              <a:defRPr sz="1008">
                 <a:solidFill>
                   <a:schemeClr val="tx1">
                     <a:tint val="75000"/>
@@ -1121,9 +987,9 @@
                 </a:solidFill>
               </a:defRPr>
             </a:lvl8pPr>
-            <a:lvl9pPr marL="3657600" indent="0">
+            <a:lvl9pPr marL="2303922" indent="0">
               <a:buNone/>
-              <a:defRPr sz="1600">
+              <a:defRPr sz="1008">
                 <a:solidFill>
                   <a:schemeClr val="tx1">
                     <a:tint val="75000"/>
@@ -1143,13 +1009,7 @@
       </p:sp>
       <p:sp>
         <p:nvSpPr>
-          <p:cNvPr id="4" name="Date Placeholder 3">
-            <a:extLst>
-              <a:ext uri="{FF2B5EF4-FFF2-40B4-BE49-F238E27FC236}">
-                <a16:creationId xmlns:a16="http://schemas.microsoft.com/office/drawing/2014/main" id="{9FEA80F0-C419-5B43-A70A-0375746499BC}"/>
-              </a:ext>
-            </a:extLst>
-          </p:cNvPr>
+          <p:cNvPr id="4" name="Date Placeholder 3"/>
           <p:cNvSpPr>
             <a:spLocks noGrp="1"/>
           </p:cNvSpPr>
@@ -1172,13 +1032,7 @@
       </p:sp>
       <p:sp>
         <p:nvSpPr>
-          <p:cNvPr id="5" name="Footer Placeholder 4">
-            <a:extLst>
-              <a:ext uri="{FF2B5EF4-FFF2-40B4-BE49-F238E27FC236}">
-                <a16:creationId xmlns:a16="http://schemas.microsoft.com/office/drawing/2014/main" id="{67F5B63B-1727-9D4A-974D-D9B55B7338AF}"/>
-              </a:ext>
-            </a:extLst>
-          </p:cNvPr>
+          <p:cNvPr id="5" name="Footer Placeholder 4"/>
           <p:cNvSpPr>
             <a:spLocks noGrp="1"/>
           </p:cNvSpPr>
@@ -1197,13 +1051,7 @@
       </p:sp>
       <p:sp>
         <p:nvSpPr>
-          <p:cNvPr id="6" name="Slide Number Placeholder 5">
-            <a:extLst>
-              <a:ext uri="{FF2B5EF4-FFF2-40B4-BE49-F238E27FC236}">
-                <a16:creationId xmlns:a16="http://schemas.microsoft.com/office/drawing/2014/main" id="{EF24C163-6DE6-9E4F-84BB-97D8D0A5D234}"/>
-              </a:ext>
-            </a:extLst>
-          </p:cNvPr>
+          <p:cNvPr id="6" name="Slide Number Placeholder 5"/>
           <p:cNvSpPr>
             <a:spLocks noGrp="1"/>
           </p:cNvSpPr>
@@ -1227,7 +1075,7 @@
     </p:spTree>
     <p:extLst>
       <p:ext uri="{BB962C8B-B14F-4D97-AF65-F5344CB8AC3E}">
-        <p14:creationId xmlns:p14="http://schemas.microsoft.com/office/powerpoint/2010/main" val="1882318127"/>
+        <p14:creationId xmlns:p14="http://schemas.microsoft.com/office/powerpoint/2010/main" val="2665576534"/>
       </p:ext>
     </p:extLst>
   </p:cSld>
@@ -1256,13 +1104,7 @@
       </p:grpSpPr>
       <p:sp>
         <p:nvSpPr>
-          <p:cNvPr id="2" name="Title 1">
-            <a:extLst>
-              <a:ext uri="{FF2B5EF4-FFF2-40B4-BE49-F238E27FC236}">
-                <a16:creationId xmlns:a16="http://schemas.microsoft.com/office/drawing/2014/main" id="{E2903CAD-63ED-0A4F-A0F3-A71B88A143A7}"/>
-              </a:ext>
-            </a:extLst>
-          </p:cNvPr>
+          <p:cNvPr id="2" name="Title 1"/>
           <p:cNvSpPr>
             <a:spLocks noGrp="1"/>
           </p:cNvSpPr>
@@ -1279,19 +1121,13 @@
               <a:rPr lang="en-US"/>
               <a:t>Click to edit Master title style</a:t>
             </a:r>
-            <a:endParaRPr lang="de-DE"/>
+            <a:endParaRPr lang="en-US" dirty="0"/>
           </a:p>
         </p:txBody>
       </p:sp>
       <p:sp>
         <p:nvSpPr>
-          <p:cNvPr id="3" name="Content Placeholder 2">
-            <a:extLst>
-              <a:ext uri="{FF2B5EF4-FFF2-40B4-BE49-F238E27FC236}">
-                <a16:creationId xmlns:a16="http://schemas.microsoft.com/office/drawing/2014/main" id="{626F48A4-3638-A341-B907-DA0692EF46EE}"/>
-              </a:ext>
-            </a:extLst>
-          </p:cNvPr>
+          <p:cNvPr id="3" name="Content Placeholder 2"/>
           <p:cNvSpPr>
             <a:spLocks noGrp="1"/>
           </p:cNvSpPr>
@@ -1301,8 +1137,8 @@
         </p:nvSpPr>
         <p:spPr>
           <a:xfrm>
-            <a:off x="838200" y="1825625"/>
-            <a:ext cx="5181600" cy="4351338"/>
+            <a:off x="395962" y="1825625"/>
+            <a:ext cx="2447766" cy="4351338"/>
           </a:xfrm>
         </p:spPr>
         <p:txBody>
@@ -1342,19 +1178,13 @@
               <a:rPr lang="en-US"/>
               <a:t>Fifth level</a:t>
             </a:r>
-            <a:endParaRPr lang="de-DE"/>
+            <a:endParaRPr lang="en-US" dirty="0"/>
           </a:p>
         </p:txBody>
       </p:sp>
       <p:sp>
         <p:nvSpPr>
-          <p:cNvPr id="4" name="Content Placeholder 3">
-            <a:extLst>
-              <a:ext uri="{FF2B5EF4-FFF2-40B4-BE49-F238E27FC236}">
-                <a16:creationId xmlns:a16="http://schemas.microsoft.com/office/drawing/2014/main" id="{F995DC58-3CAE-6944-A67D-8F3125AE9FD6}"/>
-              </a:ext>
-            </a:extLst>
-          </p:cNvPr>
+          <p:cNvPr id="4" name="Content Placeholder 3"/>
           <p:cNvSpPr>
             <a:spLocks noGrp="1"/>
           </p:cNvSpPr>
@@ -1364,8 +1194,8 @@
         </p:nvSpPr>
         <p:spPr>
           <a:xfrm>
-            <a:off x="6172200" y="1825625"/>
-            <a:ext cx="5181600" cy="4351338"/>
+            <a:off x="2915722" y="1825625"/>
+            <a:ext cx="2447766" cy="4351338"/>
           </a:xfrm>
         </p:spPr>
         <p:txBody>
@@ -1405,19 +1235,13 @@
               <a:rPr lang="en-US"/>
               <a:t>Fifth level</a:t>
             </a:r>
-            <a:endParaRPr lang="de-DE"/>
+            <a:endParaRPr lang="en-US" dirty="0"/>
           </a:p>
         </p:txBody>
       </p:sp>
       <p:sp>
         <p:nvSpPr>
-          <p:cNvPr id="5" name="Date Placeholder 4">
-            <a:extLst>
-              <a:ext uri="{FF2B5EF4-FFF2-40B4-BE49-F238E27FC236}">
-                <a16:creationId xmlns:a16="http://schemas.microsoft.com/office/drawing/2014/main" id="{535E960D-4DA8-3C4A-95DA-01196A3E1D66}"/>
-              </a:ext>
-            </a:extLst>
-          </p:cNvPr>
+          <p:cNvPr id="5" name="Date Placeholder 4"/>
           <p:cNvSpPr>
             <a:spLocks noGrp="1"/>
           </p:cNvSpPr>
@@ -1440,13 +1264,7 @@
       </p:sp>
       <p:sp>
         <p:nvSpPr>
-          <p:cNvPr id="6" name="Footer Placeholder 5">
-            <a:extLst>
-              <a:ext uri="{FF2B5EF4-FFF2-40B4-BE49-F238E27FC236}">
-                <a16:creationId xmlns:a16="http://schemas.microsoft.com/office/drawing/2014/main" id="{8B2CCA06-318A-B741-A416-401C4BB78685}"/>
-              </a:ext>
-            </a:extLst>
-          </p:cNvPr>
+          <p:cNvPr id="6" name="Footer Placeholder 5"/>
           <p:cNvSpPr>
             <a:spLocks noGrp="1"/>
           </p:cNvSpPr>
@@ -1465,13 +1283,7 @@
       </p:sp>
       <p:sp>
         <p:nvSpPr>
-          <p:cNvPr id="7" name="Slide Number Placeholder 6">
-            <a:extLst>
-              <a:ext uri="{FF2B5EF4-FFF2-40B4-BE49-F238E27FC236}">
-                <a16:creationId xmlns:a16="http://schemas.microsoft.com/office/drawing/2014/main" id="{5AB01CDC-A0DC-384D-B16E-A7727B4428E7}"/>
-              </a:ext>
-            </a:extLst>
-          </p:cNvPr>
+          <p:cNvPr id="7" name="Slide Number Placeholder 6"/>
           <p:cNvSpPr>
             <a:spLocks noGrp="1"/>
           </p:cNvSpPr>
@@ -1495,7 +1307,7 @@
     </p:spTree>
     <p:extLst>
       <p:ext uri="{BB962C8B-B14F-4D97-AF65-F5344CB8AC3E}">
-        <p14:creationId xmlns:p14="http://schemas.microsoft.com/office/powerpoint/2010/main" val="2144438895"/>
+        <p14:creationId xmlns:p14="http://schemas.microsoft.com/office/powerpoint/2010/main" val="3417677237"/>
       </p:ext>
     </p:extLst>
   </p:cSld>
@@ -1524,13 +1336,7 @@
       </p:grpSpPr>
       <p:sp>
         <p:nvSpPr>
-          <p:cNvPr id="2" name="Title 1">
-            <a:extLst>
-              <a:ext uri="{FF2B5EF4-FFF2-40B4-BE49-F238E27FC236}">
-                <a16:creationId xmlns:a16="http://schemas.microsoft.com/office/drawing/2014/main" id="{8BDCA325-58C1-BC4F-9455-8613257F80CC}"/>
-              </a:ext>
-            </a:extLst>
-          </p:cNvPr>
+          <p:cNvPr id="2" name="Title 1"/>
           <p:cNvSpPr>
             <a:spLocks noGrp="1"/>
           </p:cNvSpPr>
@@ -1540,8 +1346,8 @@
         </p:nvSpPr>
         <p:spPr>
           <a:xfrm>
-            <a:off x="839790" y="365126"/>
-            <a:ext cx="10515599" cy="1325563"/>
+            <a:off x="396712" y="365127"/>
+            <a:ext cx="4967526" cy="1325563"/>
           </a:xfrm>
         </p:spPr>
         <p:txBody>
@@ -1552,19 +1358,13 @@
               <a:rPr lang="en-US"/>
               <a:t>Click to edit Master title style</a:t>
             </a:r>
-            <a:endParaRPr lang="de-DE"/>
+            <a:endParaRPr lang="en-US" dirty="0"/>
           </a:p>
         </p:txBody>
       </p:sp>
       <p:sp>
         <p:nvSpPr>
-          <p:cNvPr id="3" name="Text Placeholder 2">
-            <a:extLst>
-              <a:ext uri="{FF2B5EF4-FFF2-40B4-BE49-F238E27FC236}">
-                <a16:creationId xmlns:a16="http://schemas.microsoft.com/office/drawing/2014/main" id="{02B08CEB-A979-0B4F-8CC7-5B411667AF2E}"/>
-              </a:ext>
-            </a:extLst>
-          </p:cNvPr>
+          <p:cNvPr id="3" name="Text Placeholder 2"/>
           <p:cNvSpPr>
             <a:spLocks noGrp="1"/>
           </p:cNvSpPr>
@@ -1574,8 +1374,8 @@
         </p:nvSpPr>
         <p:spPr>
           <a:xfrm>
-            <a:off x="839791" y="1681164"/>
-            <a:ext cx="5157788" cy="823912"/>
+            <a:off x="396713" y="1681163"/>
+            <a:ext cx="2436517" cy="823912"/>
           </a:xfrm>
         </p:spPr>
         <p:txBody>
@@ -1583,39 +1383,39 @@
           <a:lstStyle>
             <a:lvl1pPr marL="0" indent="0">
               <a:buNone/>
-              <a:defRPr sz="2400" b="1"/>
+              <a:defRPr sz="1512" b="1"/>
             </a:lvl1pPr>
-            <a:lvl2pPr marL="457200" indent="0">
+            <a:lvl2pPr marL="287990" indent="0">
               <a:buNone/>
-              <a:defRPr sz="2000" b="1"/>
+              <a:defRPr sz="1260" b="1"/>
             </a:lvl2pPr>
-            <a:lvl3pPr marL="914400" indent="0">
+            <a:lvl3pPr marL="575981" indent="0">
               <a:buNone/>
-              <a:defRPr sz="1800" b="1"/>
+              <a:defRPr sz="1134" b="1"/>
             </a:lvl3pPr>
-            <a:lvl4pPr marL="1371600" indent="0">
+            <a:lvl4pPr marL="863971" indent="0">
               <a:buNone/>
-              <a:defRPr sz="1600" b="1"/>
+              <a:defRPr sz="1008" b="1"/>
             </a:lvl4pPr>
-            <a:lvl5pPr marL="1828800" indent="0">
+            <a:lvl5pPr marL="1151961" indent="0">
               <a:buNone/>
-              <a:defRPr sz="1600" b="1"/>
+              <a:defRPr sz="1008" b="1"/>
             </a:lvl5pPr>
-            <a:lvl6pPr marL="2286000" indent="0">
+            <a:lvl6pPr marL="1439951" indent="0">
               <a:buNone/>
-              <a:defRPr sz="1600" b="1"/>
+              <a:defRPr sz="1008" b="1"/>
             </a:lvl6pPr>
-            <a:lvl7pPr marL="2743200" indent="0">
+            <a:lvl7pPr marL="1727942" indent="0">
               <a:buNone/>
-              <a:defRPr sz="1600" b="1"/>
+              <a:defRPr sz="1008" b="1"/>
             </a:lvl7pPr>
-            <a:lvl8pPr marL="3200400" indent="0">
+            <a:lvl8pPr marL="2015932" indent="0">
               <a:buNone/>
-              <a:defRPr sz="1600" b="1"/>
+              <a:defRPr sz="1008" b="1"/>
             </a:lvl8pPr>
-            <a:lvl9pPr marL="3657600" indent="0">
+            <a:lvl9pPr marL="2303922" indent="0">
               <a:buNone/>
-              <a:defRPr sz="1600" b="1"/>
+              <a:defRPr sz="1008" b="1"/>
             </a:lvl9pPr>
           </a:lstStyle>
           <a:p>
@@ -1629,13 +1429,7 @@
       </p:sp>
       <p:sp>
         <p:nvSpPr>
-          <p:cNvPr id="4" name="Content Placeholder 3">
-            <a:extLst>
-              <a:ext uri="{FF2B5EF4-FFF2-40B4-BE49-F238E27FC236}">
-                <a16:creationId xmlns:a16="http://schemas.microsoft.com/office/drawing/2014/main" id="{9F86F214-B06F-E542-B4CF-7D66A4422F58}"/>
-              </a:ext>
-            </a:extLst>
-          </p:cNvPr>
+          <p:cNvPr id="4" name="Content Placeholder 3"/>
           <p:cNvSpPr>
             <a:spLocks noGrp="1"/>
           </p:cNvSpPr>
@@ -1645,8 +1439,8 @@
         </p:nvSpPr>
         <p:spPr>
           <a:xfrm>
-            <a:off x="839791" y="2505076"/>
-            <a:ext cx="5157788" cy="3684588"/>
+            <a:off x="396713" y="2505075"/>
+            <a:ext cx="2436517" cy="3684588"/>
           </a:xfrm>
         </p:spPr>
         <p:txBody>
@@ -1686,19 +1480,13 @@
               <a:rPr lang="en-US"/>
               <a:t>Fifth level</a:t>
             </a:r>
-            <a:endParaRPr lang="de-DE"/>
+            <a:endParaRPr lang="en-US" dirty="0"/>
           </a:p>
         </p:txBody>
       </p:sp>
       <p:sp>
         <p:nvSpPr>
-          <p:cNvPr id="5" name="Text Placeholder 4">
-            <a:extLst>
-              <a:ext uri="{FF2B5EF4-FFF2-40B4-BE49-F238E27FC236}">
-                <a16:creationId xmlns:a16="http://schemas.microsoft.com/office/drawing/2014/main" id="{D9986C5A-A1F5-594A-8001-B7BA8201065C}"/>
-              </a:ext>
-            </a:extLst>
-          </p:cNvPr>
+          <p:cNvPr id="5" name="Text Placeholder 4"/>
           <p:cNvSpPr>
             <a:spLocks noGrp="1"/>
           </p:cNvSpPr>
@@ -1708,8 +1496,8 @@
         </p:nvSpPr>
         <p:spPr>
           <a:xfrm>
-            <a:off x="6172200" y="1681164"/>
-            <a:ext cx="5183188" cy="823912"/>
+            <a:off x="2915722" y="1681163"/>
+            <a:ext cx="2448516" cy="823912"/>
           </a:xfrm>
         </p:spPr>
         <p:txBody>
@@ -1717,39 +1505,39 @@
           <a:lstStyle>
             <a:lvl1pPr marL="0" indent="0">
               <a:buNone/>
-              <a:defRPr sz="2400" b="1"/>
+              <a:defRPr sz="1512" b="1"/>
             </a:lvl1pPr>
-            <a:lvl2pPr marL="457200" indent="0">
+            <a:lvl2pPr marL="287990" indent="0">
               <a:buNone/>
-              <a:defRPr sz="2000" b="1"/>
+              <a:defRPr sz="1260" b="1"/>
             </a:lvl2pPr>
-            <a:lvl3pPr marL="914400" indent="0">
+            <a:lvl3pPr marL="575981" indent="0">
               <a:buNone/>
-              <a:defRPr sz="1800" b="1"/>
+              <a:defRPr sz="1134" b="1"/>
             </a:lvl3pPr>
-            <a:lvl4pPr marL="1371600" indent="0">
+            <a:lvl4pPr marL="863971" indent="0">
               <a:buNone/>
-              <a:defRPr sz="1600" b="1"/>
+              <a:defRPr sz="1008" b="1"/>
             </a:lvl4pPr>
-            <a:lvl5pPr marL="1828800" indent="0">
+            <a:lvl5pPr marL="1151961" indent="0">
               <a:buNone/>
-              <a:defRPr sz="1600" b="1"/>
+              <a:defRPr sz="1008" b="1"/>
             </a:lvl5pPr>
-            <a:lvl6pPr marL="2286000" indent="0">
+            <a:lvl6pPr marL="1439951" indent="0">
               <a:buNone/>
-              <a:defRPr sz="1600" b="1"/>
+              <a:defRPr sz="1008" b="1"/>
             </a:lvl6pPr>
-            <a:lvl7pPr marL="2743200" indent="0">
+            <a:lvl7pPr marL="1727942" indent="0">
               <a:buNone/>
-              <a:defRPr sz="1600" b="1"/>
+              <a:defRPr sz="1008" b="1"/>
             </a:lvl7pPr>
-            <a:lvl8pPr marL="3200400" indent="0">
+            <a:lvl8pPr marL="2015932" indent="0">
               <a:buNone/>
-              <a:defRPr sz="1600" b="1"/>
+              <a:defRPr sz="1008" b="1"/>
             </a:lvl8pPr>
-            <a:lvl9pPr marL="3657600" indent="0">
+            <a:lvl9pPr marL="2303922" indent="0">
               <a:buNone/>
-              <a:defRPr sz="1600" b="1"/>
+              <a:defRPr sz="1008" b="1"/>
             </a:lvl9pPr>
           </a:lstStyle>
           <a:p>
@@ -1763,13 +1551,7 @@
       </p:sp>
       <p:sp>
         <p:nvSpPr>
-          <p:cNvPr id="6" name="Content Placeholder 5">
-            <a:extLst>
-              <a:ext uri="{FF2B5EF4-FFF2-40B4-BE49-F238E27FC236}">
-                <a16:creationId xmlns:a16="http://schemas.microsoft.com/office/drawing/2014/main" id="{443A76DA-00E7-204C-9212-DBBF2BC0D39A}"/>
-              </a:ext>
-            </a:extLst>
-          </p:cNvPr>
+          <p:cNvPr id="6" name="Content Placeholder 5"/>
           <p:cNvSpPr>
             <a:spLocks noGrp="1"/>
           </p:cNvSpPr>
@@ -1779,8 +1561,8 @@
         </p:nvSpPr>
         <p:spPr>
           <a:xfrm>
-            <a:off x="6172200" y="2505076"/>
-            <a:ext cx="5183188" cy="3684588"/>
+            <a:off x="2915722" y="2505075"/>
+            <a:ext cx="2448516" cy="3684588"/>
           </a:xfrm>
         </p:spPr>
         <p:txBody>
@@ -1820,19 +1602,13 @@
               <a:rPr lang="en-US"/>
               <a:t>Fifth level</a:t>
             </a:r>
-            <a:endParaRPr lang="de-DE"/>
+            <a:endParaRPr lang="en-US" dirty="0"/>
           </a:p>
         </p:txBody>
       </p:sp>
       <p:sp>
         <p:nvSpPr>
-          <p:cNvPr id="7" name="Date Placeholder 6">
-            <a:extLst>
-              <a:ext uri="{FF2B5EF4-FFF2-40B4-BE49-F238E27FC236}">
-                <a16:creationId xmlns:a16="http://schemas.microsoft.com/office/drawing/2014/main" id="{54B69D87-2312-E044-8923-0714188D0CF1}"/>
-              </a:ext>
-            </a:extLst>
-          </p:cNvPr>
+          <p:cNvPr id="7" name="Date Placeholder 6"/>
           <p:cNvSpPr>
             <a:spLocks noGrp="1"/>
           </p:cNvSpPr>
@@ -1855,13 +1631,7 @@
       </p:sp>
       <p:sp>
         <p:nvSpPr>
-          <p:cNvPr id="8" name="Footer Placeholder 7">
-            <a:extLst>
-              <a:ext uri="{FF2B5EF4-FFF2-40B4-BE49-F238E27FC236}">
-                <a16:creationId xmlns:a16="http://schemas.microsoft.com/office/drawing/2014/main" id="{DA896E11-0B83-E048-B1E0-F4F0DEC44F38}"/>
-              </a:ext>
-            </a:extLst>
-          </p:cNvPr>
+          <p:cNvPr id="8" name="Footer Placeholder 7"/>
           <p:cNvSpPr>
             <a:spLocks noGrp="1"/>
           </p:cNvSpPr>
@@ -1880,13 +1650,7 @@
       </p:sp>
       <p:sp>
         <p:nvSpPr>
-          <p:cNvPr id="9" name="Slide Number Placeholder 8">
-            <a:extLst>
-              <a:ext uri="{FF2B5EF4-FFF2-40B4-BE49-F238E27FC236}">
-                <a16:creationId xmlns:a16="http://schemas.microsoft.com/office/drawing/2014/main" id="{5EB83711-C47F-D94E-9ABF-BE9DD36271A1}"/>
-              </a:ext>
-            </a:extLst>
-          </p:cNvPr>
+          <p:cNvPr id="9" name="Slide Number Placeholder 8"/>
           <p:cNvSpPr>
             <a:spLocks noGrp="1"/>
           </p:cNvSpPr>
@@ -1910,7 +1674,7 @@
     </p:spTree>
     <p:extLst>
       <p:ext uri="{BB962C8B-B14F-4D97-AF65-F5344CB8AC3E}">
-        <p14:creationId xmlns:p14="http://schemas.microsoft.com/office/powerpoint/2010/main" val="523615720"/>
+        <p14:creationId xmlns:p14="http://schemas.microsoft.com/office/powerpoint/2010/main" val="627097681"/>
       </p:ext>
     </p:extLst>
   </p:cSld>
@@ -1939,13 +1703,7 @@
       </p:grpSpPr>
       <p:sp>
         <p:nvSpPr>
-          <p:cNvPr id="2" name="Title 1">
-            <a:extLst>
-              <a:ext uri="{FF2B5EF4-FFF2-40B4-BE49-F238E27FC236}">
-                <a16:creationId xmlns:a16="http://schemas.microsoft.com/office/drawing/2014/main" id="{417F8A91-DF54-F849-86FE-DE33EBB15145}"/>
-              </a:ext>
-            </a:extLst>
-          </p:cNvPr>
+          <p:cNvPr id="2" name="Title 1"/>
           <p:cNvSpPr>
             <a:spLocks noGrp="1"/>
           </p:cNvSpPr>
@@ -1962,19 +1720,13 @@
               <a:rPr lang="en-US"/>
               <a:t>Click to edit Master title style</a:t>
             </a:r>
-            <a:endParaRPr lang="de-DE"/>
+            <a:endParaRPr lang="en-US" dirty="0"/>
           </a:p>
         </p:txBody>
       </p:sp>
       <p:sp>
         <p:nvSpPr>
-          <p:cNvPr id="3" name="Date Placeholder 2">
-            <a:extLst>
-              <a:ext uri="{FF2B5EF4-FFF2-40B4-BE49-F238E27FC236}">
-                <a16:creationId xmlns:a16="http://schemas.microsoft.com/office/drawing/2014/main" id="{19363A23-FD9B-DF4A-9F36-63B2C65C3E38}"/>
-              </a:ext>
-            </a:extLst>
-          </p:cNvPr>
+          <p:cNvPr id="3" name="Date Placeholder 2"/>
           <p:cNvSpPr>
             <a:spLocks noGrp="1"/>
           </p:cNvSpPr>
@@ -1997,13 +1749,7 @@
       </p:sp>
       <p:sp>
         <p:nvSpPr>
-          <p:cNvPr id="4" name="Footer Placeholder 3">
-            <a:extLst>
-              <a:ext uri="{FF2B5EF4-FFF2-40B4-BE49-F238E27FC236}">
-                <a16:creationId xmlns:a16="http://schemas.microsoft.com/office/drawing/2014/main" id="{8938D96C-0671-3344-AB49-88DA91A35D6B}"/>
-              </a:ext>
-            </a:extLst>
-          </p:cNvPr>
+          <p:cNvPr id="4" name="Footer Placeholder 3"/>
           <p:cNvSpPr>
             <a:spLocks noGrp="1"/>
           </p:cNvSpPr>
@@ -2022,13 +1768,7 @@
       </p:sp>
       <p:sp>
         <p:nvSpPr>
-          <p:cNvPr id="5" name="Slide Number Placeholder 4">
-            <a:extLst>
-              <a:ext uri="{FF2B5EF4-FFF2-40B4-BE49-F238E27FC236}">
-                <a16:creationId xmlns:a16="http://schemas.microsoft.com/office/drawing/2014/main" id="{22BA03AC-FD07-AD41-8A3D-D30A4021610D}"/>
-              </a:ext>
-            </a:extLst>
-          </p:cNvPr>
+          <p:cNvPr id="5" name="Slide Number Placeholder 4"/>
           <p:cNvSpPr>
             <a:spLocks noGrp="1"/>
           </p:cNvSpPr>
@@ -2052,7 +1792,7 @@
     </p:spTree>
     <p:extLst>
       <p:ext uri="{BB962C8B-B14F-4D97-AF65-F5344CB8AC3E}">
-        <p14:creationId xmlns:p14="http://schemas.microsoft.com/office/powerpoint/2010/main" val="349608559"/>
+        <p14:creationId xmlns:p14="http://schemas.microsoft.com/office/powerpoint/2010/main" val="4162084219"/>
       </p:ext>
     </p:extLst>
   </p:cSld>
@@ -2081,13 +1821,7 @@
       </p:grpSpPr>
       <p:sp>
         <p:nvSpPr>
-          <p:cNvPr id="2" name="Date Placeholder 1">
-            <a:extLst>
-              <a:ext uri="{FF2B5EF4-FFF2-40B4-BE49-F238E27FC236}">
-                <a16:creationId xmlns:a16="http://schemas.microsoft.com/office/drawing/2014/main" id="{7450E785-2138-544E-9462-48B7ADBD364B}"/>
-              </a:ext>
-            </a:extLst>
-          </p:cNvPr>
+          <p:cNvPr id="2" name="Date Placeholder 1"/>
           <p:cNvSpPr>
             <a:spLocks noGrp="1"/>
           </p:cNvSpPr>
@@ -2110,13 +1844,7 @@
       </p:sp>
       <p:sp>
         <p:nvSpPr>
-          <p:cNvPr id="3" name="Footer Placeholder 2">
-            <a:extLst>
-              <a:ext uri="{FF2B5EF4-FFF2-40B4-BE49-F238E27FC236}">
-                <a16:creationId xmlns:a16="http://schemas.microsoft.com/office/drawing/2014/main" id="{CDCE58E4-6F12-CC43-8E88-EB6C7BD702E6}"/>
-              </a:ext>
-            </a:extLst>
-          </p:cNvPr>
+          <p:cNvPr id="3" name="Footer Placeholder 2"/>
           <p:cNvSpPr>
             <a:spLocks noGrp="1"/>
           </p:cNvSpPr>
@@ -2135,13 +1863,7 @@
       </p:sp>
       <p:sp>
         <p:nvSpPr>
-          <p:cNvPr id="4" name="Slide Number Placeholder 3">
-            <a:extLst>
-              <a:ext uri="{FF2B5EF4-FFF2-40B4-BE49-F238E27FC236}">
-                <a16:creationId xmlns:a16="http://schemas.microsoft.com/office/drawing/2014/main" id="{0CEB861C-3D7B-9A40-8A93-74D86D547DE4}"/>
-              </a:ext>
-            </a:extLst>
-          </p:cNvPr>
+          <p:cNvPr id="4" name="Slide Number Placeholder 3"/>
           <p:cNvSpPr>
             <a:spLocks noGrp="1"/>
           </p:cNvSpPr>
@@ -2165,7 +1887,7 @@
     </p:spTree>
     <p:extLst>
       <p:ext uri="{BB962C8B-B14F-4D97-AF65-F5344CB8AC3E}">
-        <p14:creationId xmlns:p14="http://schemas.microsoft.com/office/powerpoint/2010/main" val="2626503146"/>
+        <p14:creationId xmlns:p14="http://schemas.microsoft.com/office/powerpoint/2010/main" val="400728976"/>
       </p:ext>
     </p:extLst>
   </p:cSld>
@@ -2194,13 +1916,7 @@
       </p:grpSpPr>
       <p:sp>
         <p:nvSpPr>
-          <p:cNvPr id="2" name="Title 1">
-            <a:extLst>
-              <a:ext uri="{FF2B5EF4-FFF2-40B4-BE49-F238E27FC236}">
-                <a16:creationId xmlns:a16="http://schemas.microsoft.com/office/drawing/2014/main" id="{EB3EA6EE-9C97-7B4B-9C70-AC28B2A7FB37}"/>
-              </a:ext>
-            </a:extLst>
-          </p:cNvPr>
+          <p:cNvPr id="2" name="Title 1"/>
           <p:cNvSpPr>
             <a:spLocks noGrp="1"/>
           </p:cNvSpPr>
@@ -2210,15 +1926,15 @@
         </p:nvSpPr>
         <p:spPr>
           <a:xfrm>
-            <a:off x="839790" y="457200"/>
-            <a:ext cx="3932238" cy="1600200"/>
+            <a:off x="396712" y="457200"/>
+            <a:ext cx="1857573" cy="1600200"/>
           </a:xfrm>
         </p:spPr>
         <p:txBody>
           <a:bodyPr anchor="b"/>
           <a:lstStyle>
             <a:lvl1pPr>
-              <a:defRPr sz="3200"/>
+              <a:defRPr sz="2016"/>
             </a:lvl1pPr>
           </a:lstStyle>
           <a:p>
@@ -2226,19 +1942,13 @@
               <a:rPr lang="en-US"/>
               <a:t>Click to edit Master title style</a:t>
             </a:r>
-            <a:endParaRPr lang="de-DE"/>
+            <a:endParaRPr lang="en-US" dirty="0"/>
           </a:p>
         </p:txBody>
       </p:sp>
       <p:sp>
         <p:nvSpPr>
-          <p:cNvPr id="3" name="Content Placeholder 2">
-            <a:extLst>
-              <a:ext uri="{FF2B5EF4-FFF2-40B4-BE49-F238E27FC236}">
-                <a16:creationId xmlns:a16="http://schemas.microsoft.com/office/drawing/2014/main" id="{BFF51592-6552-E54A-AB38-FB44A9D5E6C7}"/>
-              </a:ext>
-            </a:extLst>
-          </p:cNvPr>
+          <p:cNvPr id="3" name="Content Placeholder 2"/>
           <p:cNvSpPr>
             <a:spLocks noGrp="1"/>
           </p:cNvSpPr>
@@ -2248,39 +1958,39 @@
         </p:nvSpPr>
         <p:spPr>
           <a:xfrm>
-            <a:off x="5183188" y="987426"/>
-            <a:ext cx="6172200" cy="4873625"/>
+            <a:off x="2448516" y="987427"/>
+            <a:ext cx="2915722" cy="4873625"/>
           </a:xfrm>
         </p:spPr>
         <p:txBody>
           <a:bodyPr/>
           <a:lstStyle>
             <a:lvl1pPr>
-              <a:defRPr sz="3200"/>
+              <a:defRPr sz="2016"/>
             </a:lvl1pPr>
             <a:lvl2pPr>
-              <a:defRPr sz="2800"/>
+              <a:defRPr sz="1764"/>
             </a:lvl2pPr>
             <a:lvl3pPr>
-              <a:defRPr sz="2400"/>
+              <a:defRPr sz="1512"/>
             </a:lvl3pPr>
             <a:lvl4pPr>
-              <a:defRPr sz="2000"/>
+              <a:defRPr sz="1260"/>
             </a:lvl4pPr>
             <a:lvl5pPr>
-              <a:defRPr sz="2000"/>
+              <a:defRPr sz="1260"/>
             </a:lvl5pPr>
             <a:lvl6pPr>
-              <a:defRPr sz="2000"/>
+              <a:defRPr sz="1260"/>
             </a:lvl6pPr>
             <a:lvl7pPr>
-              <a:defRPr sz="2000"/>
+              <a:defRPr sz="1260"/>
             </a:lvl7pPr>
             <a:lvl8pPr>
-              <a:defRPr sz="2000"/>
+              <a:defRPr sz="1260"/>
             </a:lvl8pPr>
             <a:lvl9pPr>
-              <a:defRPr sz="2000"/>
+              <a:defRPr sz="1260"/>
             </a:lvl9pPr>
           </a:lstStyle>
           <a:p>
@@ -2317,19 +2027,13 @@
               <a:rPr lang="en-US"/>
               <a:t>Fifth level</a:t>
             </a:r>
-            <a:endParaRPr lang="de-DE"/>
+            <a:endParaRPr lang="en-US" dirty="0"/>
           </a:p>
         </p:txBody>
       </p:sp>
       <p:sp>
         <p:nvSpPr>
-          <p:cNvPr id="4" name="Text Placeholder 3">
-            <a:extLst>
-              <a:ext uri="{FF2B5EF4-FFF2-40B4-BE49-F238E27FC236}">
-                <a16:creationId xmlns:a16="http://schemas.microsoft.com/office/drawing/2014/main" id="{07F5B62C-F9E3-1946-8686-524BCF6F9DD6}"/>
-              </a:ext>
-            </a:extLst>
-          </p:cNvPr>
+          <p:cNvPr id="4" name="Text Placeholder 3"/>
           <p:cNvSpPr>
             <a:spLocks noGrp="1"/>
           </p:cNvSpPr>
@@ -2339,8 +2043,8 @@
         </p:nvSpPr>
         <p:spPr>
           <a:xfrm>
-            <a:off x="839790" y="2057401"/>
-            <a:ext cx="3932238" cy="3811588"/>
+            <a:off x="396712" y="2057400"/>
+            <a:ext cx="1857573" cy="3811588"/>
           </a:xfrm>
         </p:spPr>
         <p:txBody>
@@ -2348,39 +2052,39 @@
           <a:lstStyle>
             <a:lvl1pPr marL="0" indent="0">
               <a:buNone/>
-              <a:defRPr sz="1600"/>
+              <a:defRPr sz="1008"/>
             </a:lvl1pPr>
-            <a:lvl2pPr marL="457200" indent="0">
+            <a:lvl2pPr marL="287990" indent="0">
               <a:buNone/>
-              <a:defRPr sz="1400"/>
+              <a:defRPr sz="882"/>
             </a:lvl2pPr>
-            <a:lvl3pPr marL="914400" indent="0">
+            <a:lvl3pPr marL="575981" indent="0">
               <a:buNone/>
-              <a:defRPr sz="1200"/>
+              <a:defRPr sz="756"/>
             </a:lvl3pPr>
-            <a:lvl4pPr marL="1371600" indent="0">
+            <a:lvl4pPr marL="863971" indent="0">
               <a:buNone/>
-              <a:defRPr sz="1000"/>
+              <a:defRPr sz="630"/>
             </a:lvl4pPr>
-            <a:lvl5pPr marL="1828800" indent="0">
+            <a:lvl5pPr marL="1151961" indent="0">
               <a:buNone/>
-              <a:defRPr sz="1000"/>
+              <a:defRPr sz="630"/>
             </a:lvl5pPr>
-            <a:lvl6pPr marL="2286000" indent="0">
+            <a:lvl6pPr marL="1439951" indent="0">
               <a:buNone/>
-              <a:defRPr sz="1000"/>
+              <a:defRPr sz="630"/>
             </a:lvl6pPr>
-            <a:lvl7pPr marL="2743200" indent="0">
+            <a:lvl7pPr marL="1727942" indent="0">
               <a:buNone/>
-              <a:defRPr sz="1000"/>
+              <a:defRPr sz="630"/>
             </a:lvl7pPr>
-            <a:lvl8pPr marL="3200400" indent="0">
+            <a:lvl8pPr marL="2015932" indent="0">
               <a:buNone/>
-              <a:defRPr sz="1000"/>
+              <a:defRPr sz="630"/>
             </a:lvl8pPr>
-            <a:lvl9pPr marL="3657600" indent="0">
+            <a:lvl9pPr marL="2303922" indent="0">
               <a:buNone/>
-              <a:defRPr sz="1000"/>
+              <a:defRPr sz="630"/>
             </a:lvl9pPr>
           </a:lstStyle>
           <a:p>
@@ -2394,13 +2098,7 @@
       </p:sp>
       <p:sp>
         <p:nvSpPr>
-          <p:cNvPr id="5" name="Date Placeholder 4">
-            <a:extLst>
-              <a:ext uri="{FF2B5EF4-FFF2-40B4-BE49-F238E27FC236}">
-                <a16:creationId xmlns:a16="http://schemas.microsoft.com/office/drawing/2014/main" id="{7BA5B35F-6744-8B43-8ED6-9660FBC5052B}"/>
-              </a:ext>
-            </a:extLst>
-          </p:cNvPr>
+          <p:cNvPr id="5" name="Date Placeholder 4"/>
           <p:cNvSpPr>
             <a:spLocks noGrp="1"/>
           </p:cNvSpPr>
@@ -2423,13 +2121,7 @@
       </p:sp>
       <p:sp>
         <p:nvSpPr>
-          <p:cNvPr id="6" name="Footer Placeholder 5">
-            <a:extLst>
-              <a:ext uri="{FF2B5EF4-FFF2-40B4-BE49-F238E27FC236}">
-                <a16:creationId xmlns:a16="http://schemas.microsoft.com/office/drawing/2014/main" id="{17E59129-DE8D-E34E-9F88-A7C089305ACC}"/>
-              </a:ext>
-            </a:extLst>
-          </p:cNvPr>
+          <p:cNvPr id="6" name="Footer Placeholder 5"/>
           <p:cNvSpPr>
             <a:spLocks noGrp="1"/>
           </p:cNvSpPr>
@@ -2448,13 +2140,7 @@
       </p:sp>
       <p:sp>
         <p:nvSpPr>
-          <p:cNvPr id="7" name="Slide Number Placeholder 6">
-            <a:extLst>
-              <a:ext uri="{FF2B5EF4-FFF2-40B4-BE49-F238E27FC236}">
-                <a16:creationId xmlns:a16="http://schemas.microsoft.com/office/drawing/2014/main" id="{52934646-7393-004F-96C8-23F3C4D53FE6}"/>
-              </a:ext>
-            </a:extLst>
-          </p:cNvPr>
+          <p:cNvPr id="7" name="Slide Number Placeholder 6"/>
           <p:cNvSpPr>
             <a:spLocks noGrp="1"/>
           </p:cNvSpPr>
@@ -2478,7 +2164,7 @@
     </p:spTree>
     <p:extLst>
       <p:ext uri="{BB962C8B-B14F-4D97-AF65-F5344CB8AC3E}">
-        <p14:creationId xmlns:p14="http://schemas.microsoft.com/office/powerpoint/2010/main" val="3164829035"/>
+        <p14:creationId xmlns:p14="http://schemas.microsoft.com/office/powerpoint/2010/main" val="3610692482"/>
       </p:ext>
     </p:extLst>
   </p:cSld>
@@ -2507,13 +2193,7 @@
       </p:grpSpPr>
       <p:sp>
         <p:nvSpPr>
-          <p:cNvPr id="2" name="Title 1">
-            <a:extLst>
-              <a:ext uri="{FF2B5EF4-FFF2-40B4-BE49-F238E27FC236}">
-                <a16:creationId xmlns:a16="http://schemas.microsoft.com/office/drawing/2014/main" id="{55C121CE-F462-5748-8EE5-626D5EAAC3C2}"/>
-              </a:ext>
-            </a:extLst>
-          </p:cNvPr>
+          <p:cNvPr id="2" name="Title 1"/>
           <p:cNvSpPr>
             <a:spLocks noGrp="1"/>
           </p:cNvSpPr>
@@ -2523,15 +2203,15 @@
         </p:nvSpPr>
         <p:spPr>
           <a:xfrm>
-            <a:off x="839790" y="457200"/>
-            <a:ext cx="3932238" cy="1600200"/>
+            <a:off x="396712" y="457200"/>
+            <a:ext cx="1857573" cy="1600200"/>
           </a:xfrm>
         </p:spPr>
         <p:txBody>
           <a:bodyPr anchor="b"/>
           <a:lstStyle>
             <a:lvl1pPr>
-              <a:defRPr sz="3200"/>
+              <a:defRPr sz="2016"/>
             </a:lvl1pPr>
           </a:lstStyle>
           <a:p>
@@ -2539,21 +2219,15 @@
               <a:rPr lang="en-US"/>
               <a:t>Click to edit Master title style</a:t>
             </a:r>
-            <a:endParaRPr lang="de-DE"/>
+            <a:endParaRPr lang="en-US" dirty="0"/>
           </a:p>
         </p:txBody>
       </p:sp>
       <p:sp>
         <p:nvSpPr>
-          <p:cNvPr id="3" name="Picture Placeholder 2">
-            <a:extLst>
-              <a:ext uri="{FF2B5EF4-FFF2-40B4-BE49-F238E27FC236}">
-                <a16:creationId xmlns:a16="http://schemas.microsoft.com/office/drawing/2014/main" id="{8337FD43-BA60-7E41-A2C4-DB3C0F198498}"/>
-              </a:ext>
-            </a:extLst>
-          </p:cNvPr>
+          <p:cNvPr id="3" name="Picture Placeholder 2"/>
           <p:cNvSpPr>
-            <a:spLocks noGrp="1"/>
+            <a:spLocks noGrp="1" noChangeAspect="1"/>
           </p:cNvSpPr>
           <p:nvPr>
             <p:ph type="pic" idx="1"/>
@@ -2561,64 +2235,62 @@
         </p:nvSpPr>
         <p:spPr>
           <a:xfrm>
-            <a:off x="5183188" y="987426"/>
-            <a:ext cx="6172200" cy="4873625"/>
+            <a:off x="2448516" y="987427"/>
+            <a:ext cx="2915722" cy="4873625"/>
           </a:xfrm>
         </p:spPr>
         <p:txBody>
-          <a:bodyPr/>
+          <a:bodyPr anchor="t"/>
           <a:lstStyle>
             <a:lvl1pPr marL="0" indent="0">
               <a:buNone/>
-              <a:defRPr sz="3200"/>
+              <a:defRPr sz="2016"/>
             </a:lvl1pPr>
-            <a:lvl2pPr marL="457200" indent="0">
+            <a:lvl2pPr marL="287990" indent="0">
               <a:buNone/>
-              <a:defRPr sz="2800"/>
+              <a:defRPr sz="1764"/>
             </a:lvl2pPr>
-            <a:lvl3pPr marL="914400" indent="0">
+            <a:lvl3pPr marL="575981" indent="0">
               <a:buNone/>
-              <a:defRPr sz="2400"/>
+              <a:defRPr sz="1512"/>
             </a:lvl3pPr>
-            <a:lvl4pPr marL="1371600" indent="0">
+            <a:lvl4pPr marL="863971" indent="0">
               <a:buNone/>
-              <a:defRPr sz="2000"/>
+              <a:defRPr sz="1260"/>
             </a:lvl4pPr>
-            <a:lvl5pPr marL="1828800" indent="0">
+            <a:lvl5pPr marL="1151961" indent="0">
               <a:buNone/>
-              <a:defRPr sz="2000"/>
+              <a:defRPr sz="1260"/>
             </a:lvl5pPr>
-            <a:lvl6pPr marL="2286000" indent="0">
+            <a:lvl6pPr marL="1439951" indent="0">
               <a:buNone/>
-              <a:defRPr sz="2000"/>
+              <a:defRPr sz="1260"/>
             </a:lvl6pPr>
-            <a:lvl7pPr marL="2743200" indent="0">
+            <a:lvl7pPr marL="1727942" indent="0">
               <a:buNone/>
-              <a:defRPr sz="2000"/>
+              <a:defRPr sz="1260"/>
             </a:lvl7pPr>
-            <a:lvl8pPr marL="3200400" indent="0">
+            <a:lvl8pPr marL="2015932" indent="0">
               <a:buNone/>
-              <a:defRPr sz="2000"/>
+              <a:defRPr sz="1260"/>
             </a:lvl8pPr>
-            <a:lvl9pPr marL="3657600" indent="0">
+            <a:lvl9pPr marL="2303922" indent="0">
               <a:buNone/>
-              <a:defRPr sz="2000"/>
+              <a:defRPr sz="1260"/>
             </a:lvl9pPr>
           </a:lstStyle>
           <a:p>
-            <a:endParaRPr lang="de-DE"/>
+            <a:r>
+              <a:rPr lang="en-US"/>
+              <a:t>Click icon to add picture</a:t>
+            </a:r>
+            <a:endParaRPr lang="en-US" dirty="0"/>
           </a:p>
         </p:txBody>
       </p:sp>
       <p:sp>
         <p:nvSpPr>
-          <p:cNvPr id="4" name="Text Placeholder 3">
-            <a:extLst>
-              <a:ext uri="{FF2B5EF4-FFF2-40B4-BE49-F238E27FC236}">
-                <a16:creationId xmlns:a16="http://schemas.microsoft.com/office/drawing/2014/main" id="{5E709600-C2C7-5541-AEAA-F34E47721D32}"/>
-              </a:ext>
-            </a:extLst>
-          </p:cNvPr>
+          <p:cNvPr id="4" name="Text Placeholder 3"/>
           <p:cNvSpPr>
             <a:spLocks noGrp="1"/>
           </p:cNvSpPr>
@@ -2628,8 +2300,8 @@
         </p:nvSpPr>
         <p:spPr>
           <a:xfrm>
-            <a:off x="839790" y="2057401"/>
-            <a:ext cx="3932238" cy="3811588"/>
+            <a:off x="396712" y="2057400"/>
+            <a:ext cx="1857573" cy="3811588"/>
           </a:xfrm>
         </p:spPr>
         <p:txBody>
@@ -2637,39 +2309,39 @@
           <a:lstStyle>
             <a:lvl1pPr marL="0" indent="0">
               <a:buNone/>
-              <a:defRPr sz="1600"/>
+              <a:defRPr sz="1008"/>
             </a:lvl1pPr>
-            <a:lvl2pPr marL="457200" indent="0">
+            <a:lvl2pPr marL="287990" indent="0">
               <a:buNone/>
-              <a:defRPr sz="1400"/>
+              <a:defRPr sz="882"/>
             </a:lvl2pPr>
-            <a:lvl3pPr marL="914400" indent="0">
+            <a:lvl3pPr marL="575981" indent="0">
               <a:buNone/>
-              <a:defRPr sz="1200"/>
+              <a:defRPr sz="756"/>
             </a:lvl3pPr>
-            <a:lvl4pPr marL="1371600" indent="0">
+            <a:lvl4pPr marL="863971" indent="0">
               <a:buNone/>
-              <a:defRPr sz="1000"/>
+              <a:defRPr sz="630"/>
             </a:lvl4pPr>
-            <a:lvl5pPr marL="1828800" indent="0">
+            <a:lvl5pPr marL="1151961" indent="0">
               <a:buNone/>
-              <a:defRPr sz="1000"/>
+              <a:defRPr sz="630"/>
             </a:lvl5pPr>
-            <a:lvl6pPr marL="2286000" indent="0">
+            <a:lvl6pPr marL="1439951" indent="0">
               <a:buNone/>
-              <a:defRPr sz="1000"/>
+              <a:defRPr sz="630"/>
             </a:lvl6pPr>
-            <a:lvl7pPr marL="2743200" indent="0">
+            <a:lvl7pPr marL="1727942" indent="0">
               <a:buNone/>
-              <a:defRPr sz="1000"/>
+              <a:defRPr sz="630"/>
             </a:lvl7pPr>
-            <a:lvl8pPr marL="3200400" indent="0">
+            <a:lvl8pPr marL="2015932" indent="0">
               <a:buNone/>
-              <a:defRPr sz="1000"/>
+              <a:defRPr sz="630"/>
             </a:lvl8pPr>
-            <a:lvl9pPr marL="3657600" indent="0">
+            <a:lvl9pPr marL="2303922" indent="0">
               <a:buNone/>
-              <a:defRPr sz="1000"/>
+              <a:defRPr sz="630"/>
             </a:lvl9pPr>
           </a:lstStyle>
           <a:p>
@@ -2683,13 +2355,7 @@
       </p:sp>
       <p:sp>
         <p:nvSpPr>
-          <p:cNvPr id="5" name="Date Placeholder 4">
-            <a:extLst>
-              <a:ext uri="{FF2B5EF4-FFF2-40B4-BE49-F238E27FC236}">
-                <a16:creationId xmlns:a16="http://schemas.microsoft.com/office/drawing/2014/main" id="{B6E010BC-7F78-AF47-BDAF-CD5C6CEE82E0}"/>
-              </a:ext>
-            </a:extLst>
-          </p:cNvPr>
+          <p:cNvPr id="5" name="Date Placeholder 4"/>
           <p:cNvSpPr>
             <a:spLocks noGrp="1"/>
           </p:cNvSpPr>
@@ -2712,13 +2378,7 @@
       </p:sp>
       <p:sp>
         <p:nvSpPr>
-          <p:cNvPr id="6" name="Footer Placeholder 5">
-            <a:extLst>
-              <a:ext uri="{FF2B5EF4-FFF2-40B4-BE49-F238E27FC236}">
-                <a16:creationId xmlns:a16="http://schemas.microsoft.com/office/drawing/2014/main" id="{A7C13FC6-5A78-3743-B77A-6B3FCE9DC57C}"/>
-              </a:ext>
-            </a:extLst>
-          </p:cNvPr>
+          <p:cNvPr id="6" name="Footer Placeholder 5"/>
           <p:cNvSpPr>
             <a:spLocks noGrp="1"/>
           </p:cNvSpPr>
@@ -2737,13 +2397,7 @@
       </p:sp>
       <p:sp>
         <p:nvSpPr>
-          <p:cNvPr id="7" name="Slide Number Placeholder 6">
-            <a:extLst>
-              <a:ext uri="{FF2B5EF4-FFF2-40B4-BE49-F238E27FC236}">
-                <a16:creationId xmlns:a16="http://schemas.microsoft.com/office/drawing/2014/main" id="{36F38786-F535-6B42-8707-B628E734FFD7}"/>
-              </a:ext>
-            </a:extLst>
-          </p:cNvPr>
+          <p:cNvPr id="7" name="Slide Number Placeholder 6"/>
           <p:cNvSpPr>
             <a:spLocks noGrp="1"/>
           </p:cNvSpPr>
@@ -2767,7 +2421,7 @@
     </p:spTree>
     <p:extLst>
       <p:ext uri="{BB962C8B-B14F-4D97-AF65-F5344CB8AC3E}">
-        <p14:creationId xmlns:p14="http://schemas.microsoft.com/office/powerpoint/2010/main" val="1170502803"/>
+        <p14:creationId xmlns:p14="http://schemas.microsoft.com/office/powerpoint/2010/main" val="2511910148"/>
       </p:ext>
     </p:extLst>
   </p:cSld>
@@ -2801,13 +2455,7 @@
       </p:grpSpPr>
       <p:sp>
         <p:nvSpPr>
-          <p:cNvPr id="2" name="Title Placeholder 1">
-            <a:extLst>
-              <a:ext uri="{FF2B5EF4-FFF2-40B4-BE49-F238E27FC236}">
-                <a16:creationId xmlns:a16="http://schemas.microsoft.com/office/drawing/2014/main" id="{EF91B4CD-56C9-1A49-81BF-E94339963407}"/>
-              </a:ext>
-            </a:extLst>
-          </p:cNvPr>
+          <p:cNvPr id="2" name="Title Placeholder 1"/>
           <p:cNvSpPr>
             <a:spLocks noGrp="1"/>
           </p:cNvSpPr>
@@ -2817,8 +2465,8 @@
         </p:nvSpPr>
         <p:spPr>
           <a:xfrm>
-            <a:off x="838201" y="365126"/>
-            <a:ext cx="10515599" cy="1325563"/>
+            <a:off x="395962" y="365127"/>
+            <a:ext cx="4967526" cy="1325563"/>
           </a:xfrm>
           <a:prstGeom prst="rect">
             <a:avLst/>
@@ -2831,22 +2479,16 @@
           <a:lstStyle/>
           <a:p>
             <a:r>
-              <a:rPr lang="en-US" dirty="0"/>
+              <a:rPr lang="en-US"/>
               <a:t>Click to edit Master title style</a:t>
             </a:r>
-            <a:endParaRPr lang="de-DE" dirty="0"/>
+            <a:endParaRPr lang="en-US" dirty="0"/>
           </a:p>
         </p:txBody>
       </p:sp>
       <p:sp>
         <p:nvSpPr>
-          <p:cNvPr id="3" name="Text Placeholder 2">
-            <a:extLst>
-              <a:ext uri="{FF2B5EF4-FFF2-40B4-BE49-F238E27FC236}">
-                <a16:creationId xmlns:a16="http://schemas.microsoft.com/office/drawing/2014/main" id="{91BB860D-290E-1D4D-8743-9632C96D4744}"/>
-              </a:ext>
-            </a:extLst>
-          </p:cNvPr>
+          <p:cNvPr id="3" name="Text Placeholder 2"/>
           <p:cNvSpPr>
             <a:spLocks noGrp="1"/>
           </p:cNvSpPr>
@@ -2856,8 +2498,8 @@
         </p:nvSpPr>
         <p:spPr>
           <a:xfrm>
-            <a:off x="838201" y="1825625"/>
-            <a:ext cx="10515599" cy="4351338"/>
+            <a:off x="395962" y="1825625"/>
+            <a:ext cx="4967526" cy="4351338"/>
           </a:xfrm>
           <a:prstGeom prst="rect">
             <a:avLst/>
@@ -2871,50 +2513,44 @@
           <a:p>
             <a:pPr lvl="0"/>
             <a:r>
-              <a:rPr lang="en-US" dirty="0"/>
+              <a:rPr lang="en-US"/>
               <a:t>Edit Master text styles</a:t>
             </a:r>
           </a:p>
           <a:p>
             <a:pPr lvl="1"/>
             <a:r>
-              <a:rPr lang="en-US" dirty="0"/>
+              <a:rPr lang="en-US"/>
               <a:t>Second level</a:t>
             </a:r>
           </a:p>
           <a:p>
             <a:pPr lvl="2"/>
             <a:r>
-              <a:rPr lang="en-US" dirty="0"/>
+              <a:rPr lang="en-US"/>
               <a:t>Third level</a:t>
             </a:r>
           </a:p>
           <a:p>
             <a:pPr lvl="3"/>
             <a:r>
-              <a:rPr lang="en-US" dirty="0"/>
+              <a:rPr lang="en-US"/>
               <a:t>Fourth level</a:t>
             </a:r>
           </a:p>
           <a:p>
             <a:pPr lvl="4"/>
             <a:r>
-              <a:rPr lang="en-US" dirty="0"/>
+              <a:rPr lang="en-US"/>
               <a:t>Fifth level</a:t>
             </a:r>
-            <a:endParaRPr lang="de-DE" dirty="0"/>
+            <a:endParaRPr lang="en-US" dirty="0"/>
           </a:p>
         </p:txBody>
       </p:sp>
       <p:sp>
         <p:nvSpPr>
-          <p:cNvPr id="4" name="Date Placeholder 3">
-            <a:extLst>
-              <a:ext uri="{FF2B5EF4-FFF2-40B4-BE49-F238E27FC236}">
-                <a16:creationId xmlns:a16="http://schemas.microsoft.com/office/drawing/2014/main" id="{E6FE5F27-A837-7346-B835-22BC28E51CFE}"/>
-              </a:ext>
-            </a:extLst>
-          </p:cNvPr>
+          <p:cNvPr id="4" name="Date Placeholder 3"/>
           <p:cNvSpPr>
             <a:spLocks noGrp="1"/>
           </p:cNvSpPr>
@@ -2924,8 +2560,8 @@
         </p:nvSpPr>
         <p:spPr>
           <a:xfrm>
-            <a:off x="838201" y="6356351"/>
-            <a:ext cx="2743199" cy="365125"/>
+            <a:off x="395962" y="6356352"/>
+            <a:ext cx="1295876" cy="365125"/>
           </a:xfrm>
           <a:prstGeom prst="rect">
             <a:avLst/>
@@ -2935,13 +2571,12 @@
           <a:bodyPr vert="horz" lIns="91440" tIns="45720" rIns="91440" bIns="45720" rtlCol="0" anchor="ctr"/>
           <a:lstStyle>
             <a:lvl1pPr algn="l">
-              <a:defRPr sz="1200" b="0" i="0">
+              <a:defRPr sz="756">
                 <a:solidFill>
                   <a:schemeClr val="tx1">
                     <a:tint val="75000"/>
                   </a:schemeClr>
                 </a:solidFill>
-                <a:latin typeface="Helvetica Light" panose="020B0403020202020204" pitchFamily="34" charset="0"/>
               </a:defRPr>
             </a:lvl1pPr>
           </a:lstStyle>
@@ -2957,13 +2592,7 @@
       </p:sp>
       <p:sp>
         <p:nvSpPr>
-          <p:cNvPr id="5" name="Footer Placeholder 4">
-            <a:extLst>
-              <a:ext uri="{FF2B5EF4-FFF2-40B4-BE49-F238E27FC236}">
-                <a16:creationId xmlns:a16="http://schemas.microsoft.com/office/drawing/2014/main" id="{13B59641-6910-E94A-A00D-42F77A1D9D3A}"/>
-              </a:ext>
-            </a:extLst>
-          </p:cNvPr>
+          <p:cNvPr id="5" name="Footer Placeholder 4"/>
           <p:cNvSpPr>
             <a:spLocks noGrp="1"/>
           </p:cNvSpPr>
@@ -2973,8 +2602,8 @@
         </p:nvSpPr>
         <p:spPr>
           <a:xfrm>
-            <a:off x="4038601" y="6356351"/>
-            <a:ext cx="4114800" cy="365125"/>
+            <a:off x="1907818" y="6356352"/>
+            <a:ext cx="1943814" cy="365125"/>
           </a:xfrm>
           <a:prstGeom prst="rect">
             <a:avLst/>
@@ -2984,13 +2613,12 @@
           <a:bodyPr vert="horz" lIns="91440" tIns="45720" rIns="91440" bIns="45720" rtlCol="0" anchor="ctr"/>
           <a:lstStyle>
             <a:lvl1pPr algn="ctr">
-              <a:defRPr sz="1200" b="0" i="0">
+              <a:defRPr sz="756">
                 <a:solidFill>
                   <a:schemeClr val="tx1">
                     <a:tint val="75000"/>
                   </a:schemeClr>
                 </a:solidFill>
-                <a:latin typeface="Helvetica Light" panose="020B0403020202020204" pitchFamily="34" charset="0"/>
               </a:defRPr>
             </a:lvl1pPr>
           </a:lstStyle>
@@ -3001,13 +2629,7 @@
       </p:sp>
       <p:sp>
         <p:nvSpPr>
-          <p:cNvPr id="6" name="Slide Number Placeholder 5">
-            <a:extLst>
-              <a:ext uri="{FF2B5EF4-FFF2-40B4-BE49-F238E27FC236}">
-                <a16:creationId xmlns:a16="http://schemas.microsoft.com/office/drawing/2014/main" id="{5A4FA0B0-B694-0347-810B-30F5CA284A83}"/>
-              </a:ext>
-            </a:extLst>
-          </p:cNvPr>
+          <p:cNvPr id="6" name="Slide Number Placeholder 5"/>
           <p:cNvSpPr>
             <a:spLocks noGrp="1"/>
           </p:cNvSpPr>
@@ -3017,8 +2639,8 @@
         </p:nvSpPr>
         <p:spPr>
           <a:xfrm>
-            <a:off x="8610601" y="6356351"/>
-            <a:ext cx="2743199" cy="365125"/>
+            <a:off x="4067612" y="6356352"/>
+            <a:ext cx="1295876" cy="365125"/>
           </a:xfrm>
           <a:prstGeom prst="rect">
             <a:avLst/>
@@ -3028,13 +2650,12 @@
           <a:bodyPr vert="horz" lIns="91440" tIns="45720" rIns="91440" bIns="45720" rtlCol="0" anchor="ctr"/>
           <a:lstStyle>
             <a:lvl1pPr algn="r">
-              <a:defRPr sz="1200" b="0" i="0">
+              <a:defRPr sz="756">
                 <a:solidFill>
                   <a:schemeClr val="tx1">
                     <a:tint val="75000"/>
                   </a:schemeClr>
                 </a:solidFill>
-                <a:latin typeface="Helvetica Light" panose="020B0403020202020204" pitchFamily="34" charset="0"/>
               </a:defRPr>
             </a:lvl1pPr>
           </a:lstStyle>
@@ -3051,27 +2672,27 @@
     </p:spTree>
     <p:extLst>
       <p:ext uri="{BB962C8B-B14F-4D97-AF65-F5344CB8AC3E}">
-        <p14:creationId xmlns:p14="http://schemas.microsoft.com/office/powerpoint/2010/main" val="2484878075"/>
+        <p14:creationId xmlns:p14="http://schemas.microsoft.com/office/powerpoint/2010/main" val="375781548"/>
       </p:ext>
     </p:extLst>
   </p:cSld>
   <p:clrMap bg1="lt1" tx1="dk1" bg2="lt2" tx2="dk2" accent1="accent1" accent2="accent2" accent3="accent3" accent4="accent4" accent5="accent5" accent6="accent6" hlink="hlink" folHlink="folHlink"/>
   <p:sldLayoutIdLst>
-    <p:sldLayoutId id="2147483649" r:id="rId1"/>
-    <p:sldLayoutId id="2147483650" r:id="rId2"/>
-    <p:sldLayoutId id="2147483651" r:id="rId3"/>
-    <p:sldLayoutId id="2147483652" r:id="rId4"/>
-    <p:sldLayoutId id="2147483653" r:id="rId5"/>
-    <p:sldLayoutId id="2147483654" r:id="rId6"/>
-    <p:sldLayoutId id="2147483655" r:id="rId7"/>
-    <p:sldLayoutId id="2147483656" r:id="rId8"/>
-    <p:sldLayoutId id="2147483657" r:id="rId9"/>
-    <p:sldLayoutId id="2147483658" r:id="rId10"/>
-    <p:sldLayoutId id="2147483659" r:id="rId11"/>
+    <p:sldLayoutId id="2147483673" r:id="rId1"/>
+    <p:sldLayoutId id="2147483674" r:id="rId2"/>
+    <p:sldLayoutId id="2147483675" r:id="rId3"/>
+    <p:sldLayoutId id="2147483676" r:id="rId4"/>
+    <p:sldLayoutId id="2147483677" r:id="rId5"/>
+    <p:sldLayoutId id="2147483678" r:id="rId6"/>
+    <p:sldLayoutId id="2147483679" r:id="rId7"/>
+    <p:sldLayoutId id="2147483680" r:id="rId8"/>
+    <p:sldLayoutId id="2147483681" r:id="rId9"/>
+    <p:sldLayoutId id="2147483682" r:id="rId10"/>
+    <p:sldLayoutId id="2147483683" r:id="rId11"/>
   </p:sldLayoutIdLst>
   <p:txStyles>
     <p:titleStyle>
-      <a:lvl1pPr algn="l" defTabSz="914400" rtl="0" eaLnBrk="1" latinLnBrk="0" hangingPunct="1">
+      <a:lvl1pPr algn="l" defTabSz="575981" rtl="0" eaLnBrk="1" latinLnBrk="0" hangingPunct="1">
         <a:lnSpc>
           <a:spcPct val="90000"/>
         </a:lnSpc>
@@ -3079,117 +2700,117 @@
           <a:spcPct val="0"/>
         </a:spcBef>
         <a:buNone/>
-        <a:defRPr sz="4400" b="0" i="0" kern="1200">
+        <a:defRPr sz="2772" kern="1200">
           <a:solidFill>
             <a:schemeClr val="tx1"/>
           </a:solidFill>
-          <a:latin typeface="Helvetica Light" panose="020B0403020202020204" pitchFamily="34" charset="0"/>
+          <a:latin typeface="+mj-lt"/>
           <a:ea typeface="+mj-ea"/>
           <a:cs typeface="+mj-cs"/>
         </a:defRPr>
       </a:lvl1pPr>
     </p:titleStyle>
     <p:bodyStyle>
-      <a:lvl1pPr marL="228600" indent="-228600" algn="l" defTabSz="914400" rtl="0" eaLnBrk="1" latinLnBrk="0" hangingPunct="1">
+      <a:lvl1pPr marL="143995" indent="-143995" algn="l" defTabSz="575981" rtl="0" eaLnBrk="1" latinLnBrk="0" hangingPunct="1">
         <a:lnSpc>
           <a:spcPct val="90000"/>
         </a:lnSpc>
         <a:spcBef>
-          <a:spcPts val="1000"/>
+          <a:spcPts val="630"/>
         </a:spcBef>
         <a:buFont typeface="Arial" panose="020B0604020202020204" pitchFamily="34" charset="0"/>
         <a:buChar char="•"/>
-        <a:defRPr sz="2800" b="0" i="0" kern="1200">
+        <a:defRPr sz="1764" kern="1200">
           <a:solidFill>
             <a:schemeClr val="tx1"/>
           </a:solidFill>
-          <a:latin typeface="Helvetica Light" panose="020B0403020202020204" pitchFamily="34" charset="0"/>
+          <a:latin typeface="+mn-lt"/>
           <a:ea typeface="+mn-ea"/>
           <a:cs typeface="+mn-cs"/>
         </a:defRPr>
       </a:lvl1pPr>
-      <a:lvl2pPr marL="685800" indent="-228600" algn="l" defTabSz="914400" rtl="0" eaLnBrk="1" latinLnBrk="0" hangingPunct="1">
+      <a:lvl2pPr marL="431985" indent="-143995" algn="l" defTabSz="575981" rtl="0" eaLnBrk="1" latinLnBrk="0" hangingPunct="1">
         <a:lnSpc>
           <a:spcPct val="90000"/>
         </a:lnSpc>
         <a:spcBef>
-          <a:spcPts val="500"/>
+          <a:spcPts val="315"/>
         </a:spcBef>
         <a:buFont typeface="Arial" panose="020B0604020202020204" pitchFamily="34" charset="0"/>
         <a:buChar char="•"/>
-        <a:defRPr sz="2400" b="0" i="0" kern="1200">
+        <a:defRPr sz="1512" kern="1200">
           <a:solidFill>
             <a:schemeClr val="tx1"/>
           </a:solidFill>
-          <a:latin typeface="Helvetica Light" panose="020B0403020202020204" pitchFamily="34" charset="0"/>
+          <a:latin typeface="+mn-lt"/>
           <a:ea typeface="+mn-ea"/>
           <a:cs typeface="+mn-cs"/>
         </a:defRPr>
       </a:lvl2pPr>
-      <a:lvl3pPr marL="1143000" indent="-228600" algn="l" defTabSz="914400" rtl="0" eaLnBrk="1" latinLnBrk="0" hangingPunct="1">
+      <a:lvl3pPr marL="719976" indent="-143995" algn="l" defTabSz="575981" rtl="0" eaLnBrk="1" latinLnBrk="0" hangingPunct="1">
         <a:lnSpc>
           <a:spcPct val="90000"/>
         </a:lnSpc>
         <a:spcBef>
-          <a:spcPts val="500"/>
+          <a:spcPts val="315"/>
         </a:spcBef>
         <a:buFont typeface="Arial" panose="020B0604020202020204" pitchFamily="34" charset="0"/>
         <a:buChar char="•"/>
-        <a:defRPr sz="2000" b="0" i="0" kern="1200">
+        <a:defRPr sz="1260" kern="1200">
           <a:solidFill>
             <a:schemeClr val="tx1"/>
           </a:solidFill>
-          <a:latin typeface="Helvetica Light" panose="020B0403020202020204" pitchFamily="34" charset="0"/>
+          <a:latin typeface="+mn-lt"/>
           <a:ea typeface="+mn-ea"/>
           <a:cs typeface="+mn-cs"/>
         </a:defRPr>
       </a:lvl3pPr>
-      <a:lvl4pPr marL="1600200" indent="-228600" algn="l" defTabSz="914400" rtl="0" eaLnBrk="1" latinLnBrk="0" hangingPunct="1">
+      <a:lvl4pPr marL="1007966" indent="-143995" algn="l" defTabSz="575981" rtl="0" eaLnBrk="1" latinLnBrk="0" hangingPunct="1">
         <a:lnSpc>
           <a:spcPct val="90000"/>
         </a:lnSpc>
         <a:spcBef>
-          <a:spcPts val="500"/>
+          <a:spcPts val="315"/>
         </a:spcBef>
         <a:buFont typeface="Arial" panose="020B0604020202020204" pitchFamily="34" charset="0"/>
         <a:buChar char="•"/>
-        <a:defRPr sz="1800" b="0" i="0" kern="1200">
+        <a:defRPr sz="1134" kern="1200">
           <a:solidFill>
             <a:schemeClr val="tx1"/>
           </a:solidFill>
-          <a:latin typeface="Helvetica Light" panose="020B0403020202020204" pitchFamily="34" charset="0"/>
+          <a:latin typeface="+mn-lt"/>
           <a:ea typeface="+mn-ea"/>
           <a:cs typeface="+mn-cs"/>
         </a:defRPr>
       </a:lvl4pPr>
-      <a:lvl5pPr marL="2057400" indent="-228600" algn="l" defTabSz="914400" rtl="0" eaLnBrk="1" latinLnBrk="0" hangingPunct="1">
+      <a:lvl5pPr marL="1295956" indent="-143995" algn="l" defTabSz="575981" rtl="0" eaLnBrk="1" latinLnBrk="0" hangingPunct="1">
         <a:lnSpc>
           <a:spcPct val="90000"/>
         </a:lnSpc>
         <a:spcBef>
-          <a:spcPts val="500"/>
+          <a:spcPts val="315"/>
         </a:spcBef>
         <a:buFont typeface="Arial" panose="020B0604020202020204" pitchFamily="34" charset="0"/>
         <a:buChar char="•"/>
-        <a:defRPr sz="1800" b="0" i="0" kern="1200">
+        <a:defRPr sz="1134" kern="1200">
           <a:solidFill>
             <a:schemeClr val="tx1"/>
           </a:solidFill>
-          <a:latin typeface="Helvetica Light" panose="020B0403020202020204" pitchFamily="34" charset="0"/>
+          <a:latin typeface="+mn-lt"/>
           <a:ea typeface="+mn-ea"/>
           <a:cs typeface="+mn-cs"/>
         </a:defRPr>
       </a:lvl5pPr>
-      <a:lvl6pPr marL="2514600" indent="-228600" algn="l" defTabSz="914400" rtl="0" eaLnBrk="1" latinLnBrk="0" hangingPunct="1">
+      <a:lvl6pPr marL="1583947" indent="-143995" algn="l" defTabSz="575981" rtl="0" eaLnBrk="1" latinLnBrk="0" hangingPunct="1">
         <a:lnSpc>
           <a:spcPct val="90000"/>
         </a:lnSpc>
         <a:spcBef>
-          <a:spcPts val="500"/>
+          <a:spcPts val="315"/>
         </a:spcBef>
         <a:buFont typeface="Arial" panose="020B0604020202020204" pitchFamily="34" charset="0"/>
         <a:buChar char="•"/>
-        <a:defRPr sz="1800" kern="1200">
+        <a:defRPr sz="1134" kern="1200">
           <a:solidFill>
             <a:schemeClr val="tx1"/>
           </a:solidFill>
@@ -3198,16 +2819,16 @@
           <a:cs typeface="+mn-cs"/>
         </a:defRPr>
       </a:lvl6pPr>
-      <a:lvl7pPr marL="2971800" indent="-228600" algn="l" defTabSz="914400" rtl="0" eaLnBrk="1" latinLnBrk="0" hangingPunct="1">
+      <a:lvl7pPr marL="1871937" indent="-143995" algn="l" defTabSz="575981" rtl="0" eaLnBrk="1" latinLnBrk="0" hangingPunct="1">
         <a:lnSpc>
           <a:spcPct val="90000"/>
         </a:lnSpc>
         <a:spcBef>
-          <a:spcPts val="500"/>
+          <a:spcPts val="315"/>
         </a:spcBef>
         <a:buFont typeface="Arial" panose="020B0604020202020204" pitchFamily="34" charset="0"/>
         <a:buChar char="•"/>
-        <a:defRPr sz="1800" kern="1200">
+        <a:defRPr sz="1134" kern="1200">
           <a:solidFill>
             <a:schemeClr val="tx1"/>
           </a:solidFill>
@@ -3216,16 +2837,16 @@
           <a:cs typeface="+mn-cs"/>
         </a:defRPr>
       </a:lvl7pPr>
-      <a:lvl8pPr marL="3429000" indent="-228600" algn="l" defTabSz="914400" rtl="0" eaLnBrk="1" latinLnBrk="0" hangingPunct="1">
+      <a:lvl8pPr marL="2159927" indent="-143995" algn="l" defTabSz="575981" rtl="0" eaLnBrk="1" latinLnBrk="0" hangingPunct="1">
         <a:lnSpc>
           <a:spcPct val="90000"/>
         </a:lnSpc>
         <a:spcBef>
-          <a:spcPts val="500"/>
+          <a:spcPts val="315"/>
         </a:spcBef>
         <a:buFont typeface="Arial" panose="020B0604020202020204" pitchFamily="34" charset="0"/>
         <a:buChar char="•"/>
-        <a:defRPr sz="1800" kern="1200">
+        <a:defRPr sz="1134" kern="1200">
           <a:solidFill>
             <a:schemeClr val="tx1"/>
           </a:solidFill>
@@ -3234,16 +2855,16 @@
           <a:cs typeface="+mn-cs"/>
         </a:defRPr>
       </a:lvl8pPr>
-      <a:lvl9pPr marL="3886200" indent="-228600" algn="l" defTabSz="914400" rtl="0" eaLnBrk="1" latinLnBrk="0" hangingPunct="1">
+      <a:lvl9pPr marL="2447917" indent="-143995" algn="l" defTabSz="575981" rtl="0" eaLnBrk="1" latinLnBrk="0" hangingPunct="1">
         <a:lnSpc>
           <a:spcPct val="90000"/>
         </a:lnSpc>
         <a:spcBef>
-          <a:spcPts val="500"/>
+          <a:spcPts val="315"/>
         </a:spcBef>
         <a:buFont typeface="Arial" panose="020B0604020202020204" pitchFamily="34" charset="0"/>
         <a:buChar char="•"/>
-        <a:defRPr sz="1800" kern="1200">
+        <a:defRPr sz="1134" kern="1200">
           <a:solidFill>
             <a:schemeClr val="tx1"/>
           </a:solidFill>
@@ -3255,10 +2876,10 @@
     </p:bodyStyle>
     <p:otherStyle>
       <a:defPPr>
-        <a:defRPr lang="de-DE"/>
+        <a:defRPr lang="en-US"/>
       </a:defPPr>
-      <a:lvl1pPr marL="0" algn="l" defTabSz="914400" rtl="0" eaLnBrk="1" latinLnBrk="0" hangingPunct="1">
-        <a:defRPr sz="1800" kern="1200">
+      <a:lvl1pPr marL="0" algn="l" defTabSz="575981" rtl="0" eaLnBrk="1" latinLnBrk="0" hangingPunct="1">
+        <a:defRPr sz="1134" kern="1200">
           <a:solidFill>
             <a:schemeClr val="tx1"/>
           </a:solidFill>
@@ -3267,8 +2888,8 @@
           <a:cs typeface="+mn-cs"/>
         </a:defRPr>
       </a:lvl1pPr>
-      <a:lvl2pPr marL="457200" algn="l" defTabSz="914400" rtl="0" eaLnBrk="1" latinLnBrk="0" hangingPunct="1">
-        <a:defRPr sz="1800" kern="1200">
+      <a:lvl2pPr marL="287990" algn="l" defTabSz="575981" rtl="0" eaLnBrk="1" latinLnBrk="0" hangingPunct="1">
+        <a:defRPr sz="1134" kern="1200">
           <a:solidFill>
             <a:schemeClr val="tx1"/>
           </a:solidFill>
@@ -3277,8 +2898,8 @@
           <a:cs typeface="+mn-cs"/>
         </a:defRPr>
       </a:lvl2pPr>
-      <a:lvl3pPr marL="914400" algn="l" defTabSz="914400" rtl="0" eaLnBrk="1" latinLnBrk="0" hangingPunct="1">
-        <a:defRPr sz="1800" kern="1200">
+      <a:lvl3pPr marL="575981" algn="l" defTabSz="575981" rtl="0" eaLnBrk="1" latinLnBrk="0" hangingPunct="1">
+        <a:defRPr sz="1134" kern="1200">
           <a:solidFill>
             <a:schemeClr val="tx1"/>
           </a:solidFill>
@@ -3287,8 +2908,8 @@
           <a:cs typeface="+mn-cs"/>
         </a:defRPr>
       </a:lvl3pPr>
-      <a:lvl4pPr marL="1371600" algn="l" defTabSz="914400" rtl="0" eaLnBrk="1" latinLnBrk="0" hangingPunct="1">
-        <a:defRPr sz="1800" kern="1200">
+      <a:lvl4pPr marL="863971" algn="l" defTabSz="575981" rtl="0" eaLnBrk="1" latinLnBrk="0" hangingPunct="1">
+        <a:defRPr sz="1134" kern="1200">
           <a:solidFill>
             <a:schemeClr val="tx1"/>
           </a:solidFill>
@@ -3297,8 +2918,8 @@
           <a:cs typeface="+mn-cs"/>
         </a:defRPr>
       </a:lvl4pPr>
-      <a:lvl5pPr marL="1828800" algn="l" defTabSz="914400" rtl="0" eaLnBrk="1" latinLnBrk="0" hangingPunct="1">
-        <a:defRPr sz="1800" kern="1200">
+      <a:lvl5pPr marL="1151961" algn="l" defTabSz="575981" rtl="0" eaLnBrk="1" latinLnBrk="0" hangingPunct="1">
+        <a:defRPr sz="1134" kern="1200">
           <a:solidFill>
             <a:schemeClr val="tx1"/>
           </a:solidFill>
@@ -3307,8 +2928,8 @@
           <a:cs typeface="+mn-cs"/>
         </a:defRPr>
       </a:lvl5pPr>
-      <a:lvl6pPr marL="2286000" algn="l" defTabSz="914400" rtl="0" eaLnBrk="1" latinLnBrk="0" hangingPunct="1">
-        <a:defRPr sz="1800" kern="1200">
+      <a:lvl6pPr marL="1439951" algn="l" defTabSz="575981" rtl="0" eaLnBrk="1" latinLnBrk="0" hangingPunct="1">
+        <a:defRPr sz="1134" kern="1200">
           <a:solidFill>
             <a:schemeClr val="tx1"/>
           </a:solidFill>
@@ -3317,8 +2938,8 @@
           <a:cs typeface="+mn-cs"/>
         </a:defRPr>
       </a:lvl6pPr>
-      <a:lvl7pPr marL="2743200" algn="l" defTabSz="914400" rtl="0" eaLnBrk="1" latinLnBrk="0" hangingPunct="1">
-        <a:defRPr sz="1800" kern="1200">
+      <a:lvl7pPr marL="1727942" algn="l" defTabSz="575981" rtl="0" eaLnBrk="1" latinLnBrk="0" hangingPunct="1">
+        <a:defRPr sz="1134" kern="1200">
           <a:solidFill>
             <a:schemeClr val="tx1"/>
           </a:solidFill>
@@ -3327,8 +2948,8 @@
           <a:cs typeface="+mn-cs"/>
         </a:defRPr>
       </a:lvl7pPr>
-      <a:lvl8pPr marL="3200400" algn="l" defTabSz="914400" rtl="0" eaLnBrk="1" latinLnBrk="0" hangingPunct="1">
-        <a:defRPr sz="1800" kern="1200">
+      <a:lvl8pPr marL="2015932" algn="l" defTabSz="575981" rtl="0" eaLnBrk="1" latinLnBrk="0" hangingPunct="1">
+        <a:defRPr sz="1134" kern="1200">
           <a:solidFill>
             <a:schemeClr val="tx1"/>
           </a:solidFill>
@@ -3337,8 +2958,8 @@
           <a:cs typeface="+mn-cs"/>
         </a:defRPr>
       </a:lvl8pPr>
-      <a:lvl9pPr marL="3657600" algn="l" defTabSz="914400" rtl="0" eaLnBrk="1" latinLnBrk="0" hangingPunct="1">
-        <a:defRPr sz="1800" kern="1200">
+      <a:lvl9pPr marL="2303922" algn="l" defTabSz="575981" rtl="0" eaLnBrk="1" latinLnBrk="0" hangingPunct="1">
+        <a:defRPr sz="1134" kern="1200">
           <a:solidFill>
             <a:schemeClr val="tx1"/>
           </a:solidFill>
@@ -3371,10 +2992,10 @@
       </p:grpSpPr>
       <p:grpSp>
         <p:nvGrpSpPr>
-          <p:cNvPr id="4" name="Group 3">
+          <p:cNvPr id="26" name="Group 25">
             <a:extLst>
               <a:ext uri="{FF2B5EF4-FFF2-40B4-BE49-F238E27FC236}">
-                <a16:creationId xmlns:a16="http://schemas.microsoft.com/office/drawing/2014/main" id="{2AC17E8F-78DD-2544-977D-95E5B0743F0E}"/>
+                <a16:creationId xmlns:a16="http://schemas.microsoft.com/office/drawing/2014/main" id="{5793B251-741C-E846-B60B-173477E3FB0C}"/>
               </a:ext>
             </a:extLst>
           </p:cNvPr>
@@ -3383,7 +3004,7 @@
         </p:nvGrpSpPr>
         <p:grpSpPr>
           <a:xfrm>
-            <a:off x="389134" y="651643"/>
+            <a:off x="313591" y="713719"/>
             <a:ext cx="4834507" cy="5886407"/>
             <a:chOff x="389134" y="651643"/>
             <a:chExt cx="4834507" cy="5886407"/>
@@ -3391,10 +3012,10 @@
         </p:grpSpPr>
         <p:sp>
           <p:nvSpPr>
-            <p:cNvPr id="41987" name="Line 3">
+            <p:cNvPr id="27" name="Line 3">
               <a:extLst>
                 <a:ext uri="{FF2B5EF4-FFF2-40B4-BE49-F238E27FC236}">
-                  <a16:creationId xmlns:a16="http://schemas.microsoft.com/office/drawing/2014/main" id="{3127191C-404E-9046-A4E0-97AC0495884A}"/>
+                  <a16:creationId xmlns:a16="http://schemas.microsoft.com/office/drawing/2014/main" id="{10F0D6F9-BC80-EC4A-81C2-C153FB2F1B92}"/>
                 </a:ext>
               </a:extLst>
             </p:cNvPr>
@@ -3450,10 +3071,10 @@
         </p:sp>
         <p:sp>
           <p:nvSpPr>
-            <p:cNvPr id="41988" name="Line 4">
+            <p:cNvPr id="28" name="Line 4">
               <a:extLst>
                 <a:ext uri="{FF2B5EF4-FFF2-40B4-BE49-F238E27FC236}">
-                  <a16:creationId xmlns:a16="http://schemas.microsoft.com/office/drawing/2014/main" id="{8EC619E7-6BE3-8C47-AD78-F7533447E138}"/>
+                  <a16:creationId xmlns:a16="http://schemas.microsoft.com/office/drawing/2014/main" id="{0DDB2DD3-4295-5F42-A901-A510A91F2DA6}"/>
                 </a:ext>
               </a:extLst>
             </p:cNvPr>
@@ -3509,10 +3130,10 @@
         </p:sp>
         <p:sp>
           <p:nvSpPr>
-            <p:cNvPr id="41997" name="Line 13">
+            <p:cNvPr id="29" name="Line 13">
               <a:extLst>
                 <a:ext uri="{FF2B5EF4-FFF2-40B4-BE49-F238E27FC236}">
-                  <a16:creationId xmlns:a16="http://schemas.microsoft.com/office/drawing/2014/main" id="{866E3355-8117-744F-A840-C118B3BF9C24}"/>
+                  <a16:creationId xmlns:a16="http://schemas.microsoft.com/office/drawing/2014/main" id="{CFB7A8D7-D20B-374B-9C4F-DFB5BC5560AF}"/>
                 </a:ext>
               </a:extLst>
             </p:cNvPr>
@@ -3568,10 +3189,10 @@
         </p:sp>
         <p:sp>
           <p:nvSpPr>
-            <p:cNvPr id="41998" name="Oval 14">
+            <p:cNvPr id="30" name="Oval 14">
               <a:extLst>
                 <a:ext uri="{FF2B5EF4-FFF2-40B4-BE49-F238E27FC236}">
-                  <a16:creationId xmlns:a16="http://schemas.microsoft.com/office/drawing/2014/main" id="{660EF5A3-C5C0-4948-9704-72560F971AB4}"/>
+                  <a16:creationId xmlns:a16="http://schemas.microsoft.com/office/drawing/2014/main" id="{F9C96E68-5151-4144-8BD1-C132303BA255}"/>
                 </a:ext>
               </a:extLst>
             </p:cNvPr>
@@ -3631,10 +3252,10 @@
           <mc:Choice xmlns:a14="http://schemas.microsoft.com/office/drawing/2010/main" Requires="a14">
             <p:sp>
               <p:nvSpPr>
-                <p:cNvPr id="2" name="TextBox 1">
+                <p:cNvPr id="31" name="TextBox 30">
                   <a:extLst>
                     <a:ext uri="{FF2B5EF4-FFF2-40B4-BE49-F238E27FC236}">
-                      <a16:creationId xmlns:a16="http://schemas.microsoft.com/office/drawing/2014/main" id="{0D5D00E4-32B1-5E4B-B925-3AD2A98A1873}"/>
+                      <a16:creationId xmlns:a16="http://schemas.microsoft.com/office/drawing/2014/main" id="{EC21B1DF-B9E2-1740-9506-9288ABD13A34}"/>
                     </a:ext>
                   </a:extLst>
                 </p:cNvPr>
@@ -3683,10 +3304,10 @@
           <mc:Fallback>
             <p:sp>
               <p:nvSpPr>
-                <p:cNvPr id="2" name="TextBox 1">
+                <p:cNvPr id="31" name="TextBox 30">
                   <a:extLst>
                     <a:ext uri="{FF2B5EF4-FFF2-40B4-BE49-F238E27FC236}">
-                      <a16:creationId xmlns:a16="http://schemas.microsoft.com/office/drawing/2014/main" id="{0D5D00E4-32B1-5E4B-B925-3AD2A98A1873}"/>
+                      <a16:creationId xmlns:a16="http://schemas.microsoft.com/office/drawing/2014/main" id="{EC21B1DF-B9E2-1740-9506-9288ABD13A34}"/>
                     </a:ext>
                   </a:extLst>
                 </p:cNvPr>
@@ -3729,10 +3350,10 @@
           <mc:Choice xmlns:a14="http://schemas.microsoft.com/office/drawing/2010/main" Requires="a14">
             <p:sp>
               <p:nvSpPr>
-                <p:cNvPr id="15" name="TextBox 14">
+                <p:cNvPr id="32" name="TextBox 31">
                   <a:extLst>
                     <a:ext uri="{FF2B5EF4-FFF2-40B4-BE49-F238E27FC236}">
-                      <a16:creationId xmlns:a16="http://schemas.microsoft.com/office/drawing/2014/main" id="{9E073F8A-FBB1-1D49-B987-48A0C098A9C8}"/>
+                      <a16:creationId xmlns:a16="http://schemas.microsoft.com/office/drawing/2014/main" id="{5C4DBAF8-16A9-AF40-877A-AF414267A530}"/>
                     </a:ext>
                   </a:extLst>
                 </p:cNvPr>
@@ -3741,7 +3362,7 @@
               </p:nvSpPr>
               <p:spPr>
                 <a:xfrm>
-                  <a:off x="3858792" y="6261051"/>
+                  <a:off x="3858791" y="6261051"/>
                   <a:ext cx="746999" cy="276999"/>
                 </a:xfrm>
                 <a:prstGeom prst="rect">
@@ -3763,22 +3384,10 @@
                       </m:oMathParaPr>
                       <m:oMath xmlns:m="http://schemas.openxmlformats.org/officeDocument/2006/math">
                         <m:r>
-                          <a:rPr lang="en-GB" smtClean="0">
-                            <a:latin typeface="Cambria Math" panose="02040503050406030204" pitchFamily="18" charset="0"/>
-                          </a:rPr>
-                          <m:t>£</m:t>
-                        </m:r>
-                        <m:r>
-                          <a:rPr lang="en-GB" b="0" i="0" smtClean="0">
-                            <a:latin typeface="Cambria Math" panose="02040503050406030204" pitchFamily="18" charset="0"/>
-                          </a:rPr>
-                          <m:t>3</m:t>
-                        </m:r>
-                        <m:r>
                           <a:rPr lang="en-GB">
                             <a:latin typeface="Cambria Math" panose="02040503050406030204" pitchFamily="18" charset="0"/>
                           </a:rPr>
-                          <m:t>,000</m:t>
+                          <m:t>£3,000</m:t>
                         </m:r>
                       </m:oMath>
                     </m:oMathPara>
@@ -3793,10 +3402,10 @@
           <mc:Fallback>
             <p:sp>
               <p:nvSpPr>
-                <p:cNvPr id="15" name="TextBox 14">
+                <p:cNvPr id="32" name="TextBox 31">
                   <a:extLst>
                     <a:ext uri="{FF2B5EF4-FFF2-40B4-BE49-F238E27FC236}">
-                      <a16:creationId xmlns:a16="http://schemas.microsoft.com/office/drawing/2014/main" id="{9E073F8A-FBB1-1D49-B987-48A0C098A9C8}"/>
+                      <a16:creationId xmlns:a16="http://schemas.microsoft.com/office/drawing/2014/main" id="{5C4DBAF8-16A9-AF40-877A-AF414267A530}"/>
                     </a:ext>
                   </a:extLst>
                 </p:cNvPr>
@@ -3807,7 +3416,7 @@
               </p:nvSpPr>
               <p:spPr>
                 <a:xfrm>
-                  <a:off x="3858792" y="6261051"/>
+                  <a:off x="3858791" y="6261051"/>
                   <a:ext cx="746999" cy="276999"/>
                 </a:xfrm>
                 <a:prstGeom prst="rect">
@@ -3866,6 +3475,122 @@
           <a:chExt cx="0" cy="0"/>
         </a:xfrm>
       </p:grpSpPr>
+      <mc:AlternateContent xmlns:mc="http://schemas.openxmlformats.org/markup-compatibility/2006">
+        <mc:Choice xmlns:a14="http://schemas.microsoft.com/office/drawing/2010/main" Requires="a14">
+          <p:sp>
+            <p:nvSpPr>
+              <p:cNvPr id="15" name="TextBox 14">
+                <a:extLst>
+                  <a:ext uri="{FF2B5EF4-FFF2-40B4-BE49-F238E27FC236}">
+                    <a16:creationId xmlns:a16="http://schemas.microsoft.com/office/drawing/2014/main" id="{F13E77ED-CF39-2A41-A964-1C21F800441F}"/>
+                  </a:ext>
+                </a:extLst>
+              </p:cNvPr>
+              <p:cNvSpPr txBox="1"/>
+              <p:nvPr/>
+            </p:nvSpPr>
+            <p:spPr>
+              <a:xfrm>
+                <a:off x="1846781" y="1495299"/>
+                <a:ext cx="1917192" cy="276999"/>
+              </a:xfrm>
+              <a:prstGeom prst="rect">
+                <a:avLst/>
+              </a:prstGeom>
+              <a:noFill/>
+            </p:spPr>
+            <p:txBody>
+              <a:bodyPr wrap="none" lIns="0" tIns="0" rIns="0" bIns="0" rtlCol="0">
+                <a:spAutoFit/>
+              </a:bodyPr>
+              <a:lstStyle/>
+              <a:p>
+                <a14:m>
+                  <m:oMath xmlns:m="http://schemas.openxmlformats.org/officeDocument/2006/math">
+                    <m:r>
+                      <a:rPr lang="en-GB">
+                        <a:latin typeface="Cambria Math" panose="02040503050406030204" pitchFamily="18" charset="0"/>
+                      </a:rPr>
+                      <m:t>£700</m:t>
+                    </m:r>
+                  </m:oMath>
+                </a14:m>
+                <a:r>
+                  <a:rPr lang="de-DE" dirty="0">
+                    <a:latin typeface="Helvetica Light" panose="020B0403020202020204" pitchFamily="34" charset="0"/>
+                  </a:rPr>
+                  <a:t> </a:t>
+                </a:r>
+                <a:r>
+                  <a:rPr lang="de-DE" dirty="0" err="1">
+                    <a:latin typeface="Helvetica Light" panose="020B0403020202020204" pitchFamily="34" charset="0"/>
+                  </a:rPr>
+                  <a:t>for</a:t>
+                </a:r>
+                <a:r>
+                  <a:rPr lang="de-DE" dirty="0">
+                    <a:latin typeface="Helvetica Light" panose="020B0403020202020204" pitchFamily="34" charset="0"/>
+                  </a:rPr>
+                  <a:t> </a:t>
+                </a:r>
+                <a:r>
+                  <a:rPr lang="de-DE" dirty="0" err="1">
+                    <a:latin typeface="Helvetica Light" panose="020B0403020202020204" pitchFamily="34" charset="0"/>
+                  </a:rPr>
+                  <a:t>insurance</a:t>
+                </a:r>
+                <a:endParaRPr lang="de-DE" dirty="0">
+                  <a:latin typeface="Helvetica Light" panose="020B0403020202020204" pitchFamily="34" charset="0"/>
+                </a:endParaRPr>
+              </a:p>
+            </p:txBody>
+          </p:sp>
+        </mc:Choice>
+        <mc:Fallback>
+          <p:sp>
+            <p:nvSpPr>
+              <p:cNvPr id="15" name="TextBox 14">
+                <a:extLst>
+                  <a:ext uri="{FF2B5EF4-FFF2-40B4-BE49-F238E27FC236}">
+                    <a16:creationId xmlns:a16="http://schemas.microsoft.com/office/drawing/2014/main" id="{F13E77ED-CF39-2A41-A964-1C21F800441F}"/>
+                  </a:ext>
+                </a:extLst>
+              </p:cNvPr>
+              <p:cNvSpPr txBox="1">
+                <a:spLocks noRot="1" noChangeAspect="1" noMove="1" noResize="1" noEditPoints="1" noAdjustHandles="1" noChangeArrowheads="1" noChangeShapeType="1" noTextEdit="1"/>
+              </p:cNvSpPr>
+              <p:nvPr/>
+            </p:nvSpPr>
+            <p:spPr>
+              <a:xfrm>
+                <a:off x="1846781" y="1495299"/>
+                <a:ext cx="1917192" cy="276999"/>
+              </a:xfrm>
+              <a:prstGeom prst="rect">
+                <a:avLst/>
+              </a:prstGeom>
+              <a:blipFill>
+                <a:blip r:embed="rId2"/>
+                <a:stretch>
+                  <a:fillRect l="-3289" t="-26087" r="-6579" b="-47826"/>
+                </a:stretch>
+              </a:blipFill>
+            </p:spPr>
+            <p:txBody>
+              <a:bodyPr/>
+              <a:lstStyle/>
+              <a:p>
+                <a:r>
+                  <a:rPr lang="de-DE">
+                    <a:noFill/>
+                  </a:rPr>
+                  <a:t> </a:t>
+                </a:r>
+              </a:p>
+            </p:txBody>
+          </p:sp>
+        </mc:Fallback>
+      </mc:AlternateContent>
       <p:grpSp>
         <p:nvGrpSpPr>
           <p:cNvPr id="6" name="Group 5">
@@ -3880,7 +3605,1119 @@
         </p:nvGrpSpPr>
         <p:grpSpPr>
           <a:xfrm>
-            <a:off x="389134" y="651643"/>
+            <a:off x="313161" y="711890"/>
+            <a:ext cx="4834507" cy="5518296"/>
+            <a:chOff x="1569149" y="630622"/>
+            <a:chExt cx="8079348" cy="5518296"/>
+          </a:xfrm>
+        </p:grpSpPr>
+        <p:sp>
+          <p:nvSpPr>
+            <p:cNvPr id="41987" name="Line 3">
+              <a:extLst>
+                <a:ext uri="{FF2B5EF4-FFF2-40B4-BE49-F238E27FC236}">
+                  <a16:creationId xmlns:a16="http://schemas.microsoft.com/office/drawing/2014/main" id="{3127191C-404E-9046-A4E0-97AC0495884A}"/>
+                </a:ext>
+              </a:extLst>
+            </p:cNvPr>
+            <p:cNvSpPr>
+              <a:spLocks noChangeShapeType="1"/>
+            </p:cNvSpPr>
+            <p:nvPr/>
+          </p:nvSpPr>
+          <p:spPr bwMode="auto">
+            <a:xfrm flipV="1">
+              <a:off x="2976036" y="630622"/>
+              <a:ext cx="0" cy="5454868"/>
+            </a:xfrm>
+            <a:prstGeom prst="line">
+              <a:avLst/>
+            </a:prstGeom>
+            <a:noFill/>
+            <a:ln w="12700">
+              <a:solidFill>
+                <a:schemeClr val="tx1"/>
+              </a:solidFill>
+              <a:round/>
+              <a:headEnd type="none" w="sm" len="sm"/>
+              <a:tailEnd type="stealth" w="med" len="lg"/>
+            </a:ln>
+            <a:effectLst/>
+            <a:extLst>
+              <a:ext uri="{909E8E84-426E-40DD-AFC4-6F175D3DCCD1}">
+                <a14:hiddenFill xmlns:a14="http://schemas.microsoft.com/office/drawing/2010/main">
+                  <a:noFill/>
+                </a14:hiddenFill>
+              </a:ext>
+              <a:ext uri="{AF507438-7753-43E0-B8FC-AC1667EBCBE1}">
+                <a14:hiddenEffects xmlns:a14="http://schemas.microsoft.com/office/drawing/2010/main">
+                  <a:effectLst>
+                    <a:outerShdw dist="35921" dir="2700000" algn="ctr" rotWithShape="0">
+                      <a:schemeClr val="bg2"/>
+                    </a:outerShdw>
+                  </a:effectLst>
+                </a14:hiddenEffects>
+              </a:ext>
+            </a:extLst>
+          </p:spPr>
+          <p:txBody>
+            <a:bodyPr wrap="none" anchor="ctr"/>
+            <a:lstStyle/>
+            <a:p>
+              <a:endParaRPr lang="de-DE" dirty="0">
+                <a:latin typeface="Helvetica Light" panose="020B0403020202020204" pitchFamily="34" charset="0"/>
+              </a:endParaRPr>
+            </a:p>
+          </p:txBody>
+        </p:sp>
+        <p:sp>
+          <p:nvSpPr>
+            <p:cNvPr id="41988" name="Line 4">
+              <a:extLst>
+                <a:ext uri="{FF2B5EF4-FFF2-40B4-BE49-F238E27FC236}">
+                  <a16:creationId xmlns:a16="http://schemas.microsoft.com/office/drawing/2014/main" id="{8EC619E7-6BE3-8C47-AD78-F7533447E138}"/>
+                </a:ext>
+              </a:extLst>
+            </p:cNvPr>
+            <p:cNvSpPr>
+              <a:spLocks noChangeShapeType="1"/>
+            </p:cNvSpPr>
+            <p:nvPr/>
+          </p:nvSpPr>
+          <p:spPr bwMode="auto">
+            <a:xfrm>
+              <a:off x="2976036" y="6085490"/>
+              <a:ext cx="6672461" cy="0"/>
+            </a:xfrm>
+            <a:prstGeom prst="line">
+              <a:avLst/>
+            </a:prstGeom>
+            <a:noFill/>
+            <a:ln w="12700">
+              <a:solidFill>
+                <a:schemeClr val="tx1"/>
+              </a:solidFill>
+              <a:round/>
+              <a:headEnd type="none" w="sm" len="sm"/>
+              <a:tailEnd type="stealth" w="med" len="lg"/>
+            </a:ln>
+            <a:effectLst/>
+            <a:extLst>
+              <a:ext uri="{909E8E84-426E-40DD-AFC4-6F175D3DCCD1}">
+                <a14:hiddenFill xmlns:a14="http://schemas.microsoft.com/office/drawing/2010/main">
+                  <a:noFill/>
+                </a14:hiddenFill>
+              </a:ext>
+              <a:ext uri="{AF507438-7753-43E0-B8FC-AC1667EBCBE1}">
+                <a14:hiddenEffects xmlns:a14="http://schemas.microsoft.com/office/drawing/2010/main">
+                  <a:effectLst>
+                    <a:outerShdw dist="35921" dir="2700000" algn="ctr" rotWithShape="0">
+                      <a:schemeClr val="bg2"/>
+                    </a:outerShdw>
+                  </a:effectLst>
+                </a14:hiddenEffects>
+              </a:ext>
+            </a:extLst>
+          </p:spPr>
+          <p:txBody>
+            <a:bodyPr wrap="none" anchor="ctr"/>
+            <a:lstStyle/>
+            <a:p>
+              <a:endParaRPr lang="de-DE" dirty="0">
+                <a:latin typeface="Helvetica Light" panose="020B0403020202020204" pitchFamily="34" charset="0"/>
+              </a:endParaRPr>
+            </a:p>
+          </p:txBody>
+        </p:sp>
+        <p:sp>
+          <p:nvSpPr>
+            <p:cNvPr id="41997" name="Line 13">
+              <a:extLst>
+                <a:ext uri="{FF2B5EF4-FFF2-40B4-BE49-F238E27FC236}">
+                  <a16:creationId xmlns:a16="http://schemas.microsoft.com/office/drawing/2014/main" id="{866E3355-8117-744F-A840-C118B3BF9C24}"/>
+                </a:ext>
+              </a:extLst>
+            </p:cNvPr>
+            <p:cNvSpPr>
+              <a:spLocks noChangeShapeType="1"/>
+            </p:cNvSpPr>
+            <p:nvPr/>
+          </p:nvSpPr>
+          <p:spPr bwMode="auto">
+            <a:xfrm>
+              <a:off x="2976036" y="1518624"/>
+              <a:ext cx="5046085" cy="4566866"/>
+            </a:xfrm>
+            <a:prstGeom prst="line">
+              <a:avLst/>
+            </a:prstGeom>
+            <a:noFill/>
+            <a:ln w="38100">
+              <a:solidFill>
+                <a:schemeClr val="tx1"/>
+              </a:solidFill>
+              <a:round/>
+              <a:headEnd type="none" w="sm" len="sm"/>
+              <a:tailEnd type="none" w="sm" len="sm"/>
+            </a:ln>
+            <a:effectLst/>
+            <a:extLst>
+              <a:ext uri="{909E8E84-426E-40DD-AFC4-6F175D3DCCD1}">
+                <a14:hiddenFill xmlns:a14="http://schemas.microsoft.com/office/drawing/2010/main">
+                  <a:noFill/>
+                </a14:hiddenFill>
+              </a:ext>
+              <a:ext uri="{AF507438-7753-43E0-B8FC-AC1667EBCBE1}">
+                <a14:hiddenEffects xmlns:a14="http://schemas.microsoft.com/office/drawing/2010/main">
+                  <a:effectLst>
+                    <a:outerShdw dist="35921" dir="2700000" algn="ctr" rotWithShape="0">
+                      <a:schemeClr val="bg2"/>
+                    </a:outerShdw>
+                  </a:effectLst>
+                </a14:hiddenEffects>
+              </a:ext>
+            </a:extLst>
+          </p:spPr>
+          <p:txBody>
+            <a:bodyPr wrap="none" anchor="ctr"/>
+            <a:lstStyle/>
+            <a:p>
+              <a:endParaRPr lang="de-DE" dirty="0">
+                <a:latin typeface="Helvetica Light" panose="020B0403020202020204" pitchFamily="34" charset="0"/>
+              </a:endParaRPr>
+            </a:p>
+          </p:txBody>
+        </p:sp>
+        <p:sp>
+          <p:nvSpPr>
+            <p:cNvPr id="41998" name="Oval 14">
+              <a:extLst>
+                <a:ext uri="{FF2B5EF4-FFF2-40B4-BE49-F238E27FC236}">
+                  <a16:creationId xmlns:a16="http://schemas.microsoft.com/office/drawing/2014/main" id="{660EF5A3-C5C0-4948-9704-72560F971AB4}"/>
+                </a:ext>
+              </a:extLst>
+            </p:cNvPr>
+            <p:cNvSpPr>
+              <a:spLocks noChangeArrowheads="1"/>
+            </p:cNvSpPr>
+            <p:nvPr/>
+          </p:nvSpPr>
+          <p:spPr bwMode="auto">
+            <a:xfrm>
+              <a:off x="7892314" y="6022061"/>
+              <a:ext cx="195619" cy="126857"/>
+            </a:xfrm>
+            <a:prstGeom prst="ellipse">
+              <a:avLst/>
+            </a:prstGeom>
+            <a:solidFill>
+              <a:schemeClr val="accent1"/>
+            </a:solidFill>
+            <a:ln>
+              <a:noFill/>
+            </a:ln>
+            <a:effectLst/>
+            <a:extLst>
+              <a:ext uri="{91240B29-F687-4F45-9708-019B960494DF}">
+                <a14:hiddenLine xmlns:a14="http://schemas.microsoft.com/office/drawing/2010/main" w="12700">
+                  <a:solidFill>
+                    <a:schemeClr val="tx1"/>
+                  </a:solidFill>
+                  <a:round/>
+                  <a:headEnd type="none" w="sm" len="sm"/>
+                  <a:tailEnd type="none" w="sm" len="sm"/>
+                </a14:hiddenLine>
+              </a:ext>
+              <a:ext uri="{AF507438-7753-43E0-B8FC-AC1667EBCBE1}">
+                <a14:hiddenEffects xmlns:a14="http://schemas.microsoft.com/office/drawing/2010/main">
+                  <a:effectLst>
+                    <a:outerShdw dist="35921" dir="2700000" algn="ctr" rotWithShape="0">
+                      <a:schemeClr val="bg2"/>
+                    </a:outerShdw>
+                  </a:effectLst>
+                </a14:hiddenEffects>
+              </a:ext>
+            </a:extLst>
+          </p:spPr>
+          <p:txBody>
+            <a:bodyPr wrap="none" anchor="ctr"/>
+            <a:lstStyle/>
+            <a:p>
+              <a:endParaRPr lang="de-DE" dirty="0">
+                <a:latin typeface="Helvetica Light" panose="020B0403020202020204" pitchFamily="34" charset="0"/>
+              </a:endParaRPr>
+            </a:p>
+          </p:txBody>
+        </p:sp>
+        <mc:AlternateContent xmlns:mc="http://schemas.openxmlformats.org/markup-compatibility/2006">
+          <mc:Choice xmlns:a14="http://schemas.microsoft.com/office/drawing/2010/main" Requires="a14">
+            <p:sp>
+              <p:nvSpPr>
+                <p:cNvPr id="2" name="TextBox 1">
+                  <a:extLst>
+                    <a:ext uri="{FF2B5EF4-FFF2-40B4-BE49-F238E27FC236}">
+                      <a16:creationId xmlns:a16="http://schemas.microsoft.com/office/drawing/2014/main" id="{0D5D00E4-32B1-5E4B-B925-3AD2A98A1873}"/>
+                    </a:ext>
+                  </a:extLst>
+                </p:cNvPr>
+                <p:cNvSpPr txBox="1"/>
+                <p:nvPr/>
+              </p:nvSpPr>
+              <p:spPr>
+                <a:xfrm>
+                  <a:off x="1569149" y="1363370"/>
+                  <a:ext cx="1168005" cy="276999"/>
+                </a:xfrm>
+                <a:prstGeom prst="rect">
+                  <a:avLst/>
+                </a:prstGeom>
+                <a:noFill/>
+              </p:spPr>
+              <p:txBody>
+                <a:bodyPr wrap="none" lIns="0" tIns="0" rIns="0" bIns="0" rtlCol="0">
+                  <a:spAutoFit/>
+                </a:bodyPr>
+                <a:lstStyle/>
+                <a:p>
+                  <a:pPr/>
+                  <a14:m>
+                    <m:oMathPara xmlns:m="http://schemas.openxmlformats.org/officeDocument/2006/math">
+                      <m:oMathParaPr>
+                        <m:jc m:val="centerGroup"/>
+                      </m:oMathParaPr>
+                      <m:oMath xmlns:m="http://schemas.openxmlformats.org/officeDocument/2006/math">
+                        <m:r>
+                          <a:rPr lang="en-GB" smtClean="0">
+                            <a:latin typeface="Cambria Math" panose="02040503050406030204" pitchFamily="18" charset="0"/>
+                          </a:rPr>
+                          <m:t>£</m:t>
+                        </m:r>
+                        <m:r>
+                          <a:rPr lang="en-GB" b="0" i="0" smtClean="0">
+                            <a:latin typeface="Cambria Math" panose="02040503050406030204" pitchFamily="18" charset="0"/>
+                          </a:rPr>
+                          <m:t>8</m:t>
+                        </m:r>
+                        <m:r>
+                          <a:rPr lang="en-GB">
+                            <a:latin typeface="Cambria Math" panose="02040503050406030204" pitchFamily="18" charset="0"/>
+                          </a:rPr>
+                          <m:t>000</m:t>
+                        </m:r>
+                      </m:oMath>
+                    </m:oMathPara>
+                  </a14:m>
+                  <a:endParaRPr lang="de-DE" dirty="0">
+                    <a:latin typeface="Helvetica Light" panose="020B0403020202020204" pitchFamily="34" charset="0"/>
+                  </a:endParaRPr>
+                </a:p>
+              </p:txBody>
+            </p:sp>
+          </mc:Choice>
+          <mc:Fallback>
+            <p:sp>
+              <p:nvSpPr>
+                <p:cNvPr id="2" name="TextBox 1">
+                  <a:extLst>
+                    <a:ext uri="{FF2B5EF4-FFF2-40B4-BE49-F238E27FC236}">
+                      <a16:creationId xmlns:a16="http://schemas.microsoft.com/office/drawing/2014/main" id="{0D5D00E4-32B1-5E4B-B925-3AD2A98A1873}"/>
+                    </a:ext>
+                  </a:extLst>
+                </p:cNvPr>
+                <p:cNvSpPr txBox="1">
+                  <a:spLocks noRot="1" noChangeAspect="1" noMove="1" noResize="1" noEditPoints="1" noAdjustHandles="1" noChangeArrowheads="1" noChangeShapeType="1" noTextEdit="1"/>
+                </p:cNvSpPr>
+                <p:nvPr/>
+              </p:nvSpPr>
+              <p:spPr>
+                <a:xfrm>
+                  <a:off x="1569149" y="1363370"/>
+                  <a:ext cx="1168005" cy="276999"/>
+                </a:xfrm>
+                <a:prstGeom prst="rect">
+                  <a:avLst/>
+                </a:prstGeom>
+                <a:blipFill>
+                  <a:blip r:embed="rId3"/>
+                  <a:stretch>
+                    <a:fillRect l="-5357" r="-5357"/>
+                  </a:stretch>
+                </a:blipFill>
+              </p:spPr>
+              <p:txBody>
+                <a:bodyPr/>
+                <a:lstStyle/>
+                <a:p>
+                  <a:r>
+                    <a:rPr lang="de-DE">
+                      <a:noFill/>
+                    </a:rPr>
+                    <a:t> </a:t>
+                  </a:r>
+                </a:p>
+              </p:txBody>
+            </p:sp>
+          </mc:Fallback>
+        </mc:AlternateContent>
+      </p:grpSp>
+      <p:grpSp>
+        <p:nvGrpSpPr>
+          <p:cNvPr id="4" name="Group 3">
+            <a:extLst>
+              <a:ext uri="{FF2B5EF4-FFF2-40B4-BE49-F238E27FC236}">
+                <a16:creationId xmlns:a16="http://schemas.microsoft.com/office/drawing/2014/main" id="{5D935CC4-C132-F047-B222-E9320B80A908}"/>
+              </a:ext>
+            </a:extLst>
+          </p:cNvPr>
+          <p:cNvGrpSpPr/>
+          <p:nvPr/>
+        </p:nvGrpSpPr>
+        <p:grpSpPr>
+          <a:xfrm>
+            <a:off x="1155011" y="4298731"/>
+            <a:ext cx="1766865" cy="1843360"/>
+            <a:chOff x="1166822" y="2604156"/>
+            <a:chExt cx="678952" cy="2841068"/>
+          </a:xfrm>
+        </p:grpSpPr>
+        <p:sp>
+          <p:nvSpPr>
+            <p:cNvPr id="11" name="Line 8">
+              <a:extLst>
+                <a:ext uri="{FF2B5EF4-FFF2-40B4-BE49-F238E27FC236}">
+                  <a16:creationId xmlns:a16="http://schemas.microsoft.com/office/drawing/2014/main" id="{929685E1-241C-A74F-9DF4-3A593FF3601A}"/>
+                </a:ext>
+              </a:extLst>
+            </p:cNvPr>
+            <p:cNvSpPr>
+              <a:spLocks noChangeShapeType="1"/>
+            </p:cNvSpPr>
+            <p:nvPr/>
+          </p:nvSpPr>
+          <p:spPr bwMode="auto">
+            <a:xfrm flipH="1">
+              <a:off x="1166822" y="2604156"/>
+              <a:ext cx="678952" cy="0"/>
+            </a:xfrm>
+            <a:prstGeom prst="line">
+              <a:avLst/>
+            </a:prstGeom>
+            <a:noFill/>
+            <a:ln w="12700">
+              <a:solidFill>
+                <a:schemeClr val="tx1"/>
+              </a:solidFill>
+              <a:prstDash val="dash"/>
+              <a:round/>
+              <a:headEnd type="none" w="sm" len="sm"/>
+              <a:tailEnd type="none" w="sm" len="sm"/>
+            </a:ln>
+            <a:effectLst/>
+            <a:extLst>
+              <a:ext uri="{909E8E84-426E-40DD-AFC4-6F175D3DCCD1}">
+                <a14:hiddenFill xmlns:a14="http://schemas.microsoft.com/office/drawing/2010/main">
+                  <a:noFill/>
+                </a14:hiddenFill>
+              </a:ext>
+              <a:ext uri="{AF507438-7753-43E0-B8FC-AC1667EBCBE1}">
+                <a14:hiddenEffects xmlns:a14="http://schemas.microsoft.com/office/drawing/2010/main">
+                  <a:effectLst>
+                    <a:outerShdw dist="35921" dir="2700000" algn="ctr" rotWithShape="0">
+                      <a:schemeClr val="bg2"/>
+                    </a:outerShdw>
+                  </a:effectLst>
+                </a14:hiddenEffects>
+              </a:ext>
+            </a:extLst>
+          </p:spPr>
+          <p:txBody>
+            <a:bodyPr wrap="none" anchor="ctr"/>
+            <a:lstStyle/>
+            <a:p>
+              <a:endParaRPr lang="de-DE" dirty="0">
+                <a:latin typeface="Helvetica Light" panose="020B0403020202020204" pitchFamily="34" charset="0"/>
+              </a:endParaRPr>
+            </a:p>
+          </p:txBody>
+        </p:sp>
+        <p:sp>
+          <p:nvSpPr>
+            <p:cNvPr id="12" name="Line 7">
+              <a:extLst>
+                <a:ext uri="{FF2B5EF4-FFF2-40B4-BE49-F238E27FC236}">
+                  <a16:creationId xmlns:a16="http://schemas.microsoft.com/office/drawing/2014/main" id="{B01FF1B0-968A-4447-8DDC-EA14F3E85C7B}"/>
+                </a:ext>
+              </a:extLst>
+            </p:cNvPr>
+            <p:cNvSpPr>
+              <a:spLocks noChangeShapeType="1"/>
+            </p:cNvSpPr>
+            <p:nvPr/>
+          </p:nvSpPr>
+          <p:spPr bwMode="auto">
+            <a:xfrm>
+              <a:off x="1845774" y="2604156"/>
+              <a:ext cx="0" cy="2841068"/>
+            </a:xfrm>
+            <a:prstGeom prst="line">
+              <a:avLst/>
+            </a:prstGeom>
+            <a:noFill/>
+            <a:ln w="12700">
+              <a:solidFill>
+                <a:schemeClr val="tx1"/>
+              </a:solidFill>
+              <a:prstDash val="dash"/>
+              <a:round/>
+              <a:headEnd type="none" w="sm" len="sm"/>
+              <a:tailEnd type="none" w="sm" len="sm"/>
+            </a:ln>
+            <a:effectLst/>
+            <a:extLst>
+              <a:ext uri="{909E8E84-426E-40DD-AFC4-6F175D3DCCD1}">
+                <a14:hiddenFill xmlns:a14="http://schemas.microsoft.com/office/drawing/2010/main">
+                  <a:noFill/>
+                </a14:hiddenFill>
+              </a:ext>
+              <a:ext uri="{AF507438-7753-43E0-B8FC-AC1667EBCBE1}">
+                <a14:hiddenEffects xmlns:a14="http://schemas.microsoft.com/office/drawing/2010/main">
+                  <a:effectLst>
+                    <a:outerShdw dist="35921" dir="2700000" algn="ctr" rotWithShape="0">
+                      <a:schemeClr val="bg2"/>
+                    </a:outerShdw>
+                  </a:effectLst>
+                </a14:hiddenEffects>
+              </a:ext>
+            </a:extLst>
+          </p:spPr>
+          <p:txBody>
+            <a:bodyPr wrap="none" anchor="ctr"/>
+            <a:lstStyle/>
+            <a:p>
+              <a:endParaRPr lang="de-DE" dirty="0">
+                <a:latin typeface="Helvetica Light" panose="020B0403020202020204" pitchFamily="34" charset="0"/>
+              </a:endParaRPr>
+            </a:p>
+          </p:txBody>
+        </p:sp>
+      </p:grpSp>
+      <mc:AlternateContent xmlns:mc="http://schemas.openxmlformats.org/markup-compatibility/2006">
+        <mc:Choice xmlns:a14="http://schemas.microsoft.com/office/drawing/2010/main" Requires="a14">
+          <p:sp>
+            <p:nvSpPr>
+              <p:cNvPr id="14" name="TextBox 13">
+                <a:extLst>
+                  <a:ext uri="{FF2B5EF4-FFF2-40B4-BE49-F238E27FC236}">
+                    <a16:creationId xmlns:a16="http://schemas.microsoft.com/office/drawing/2014/main" id="{DB4F6BD1-6B9D-6341-BD8B-167E20C36BF4}"/>
+                  </a:ext>
+                </a:extLst>
+              </p:cNvPr>
+              <p:cNvSpPr txBox="1"/>
+              <p:nvPr/>
+            </p:nvSpPr>
+            <p:spPr>
+              <a:xfrm>
+                <a:off x="1481291" y="6328828"/>
+                <a:ext cx="570669" cy="276999"/>
+              </a:xfrm>
+              <a:prstGeom prst="rect">
+                <a:avLst/>
+              </a:prstGeom>
+              <a:noFill/>
+            </p:spPr>
+            <p:txBody>
+              <a:bodyPr wrap="none" lIns="0" tIns="0" rIns="0" bIns="0" rtlCol="0">
+                <a:spAutoFit/>
+              </a:bodyPr>
+              <a:lstStyle/>
+              <a:p>
+                <a:pPr/>
+                <a14:m>
+                  <m:oMathPara xmlns:m="http://schemas.openxmlformats.org/officeDocument/2006/math">
+                    <m:oMathParaPr>
+                      <m:jc m:val="centerGroup"/>
+                    </m:oMathParaPr>
+                    <m:oMath xmlns:m="http://schemas.openxmlformats.org/officeDocument/2006/math">
+                      <m:r>
+                        <a:rPr lang="en-GB">
+                          <a:latin typeface="Cambria Math" panose="02040503050406030204" pitchFamily="18" charset="0"/>
+                        </a:rPr>
+                        <m:t>£750</m:t>
+                      </m:r>
+                    </m:oMath>
+                  </m:oMathPara>
+                </a14:m>
+                <a:endParaRPr lang="de-DE" dirty="0">
+                  <a:latin typeface="Helvetica Light" panose="020B0403020202020204" pitchFamily="34" charset="0"/>
+                </a:endParaRPr>
+              </a:p>
+            </p:txBody>
+          </p:sp>
+        </mc:Choice>
+        <mc:Fallback>
+          <p:sp>
+            <p:nvSpPr>
+              <p:cNvPr id="14" name="TextBox 13">
+                <a:extLst>
+                  <a:ext uri="{FF2B5EF4-FFF2-40B4-BE49-F238E27FC236}">
+                    <a16:creationId xmlns:a16="http://schemas.microsoft.com/office/drawing/2014/main" id="{DB4F6BD1-6B9D-6341-BD8B-167E20C36BF4}"/>
+                  </a:ext>
+                </a:extLst>
+              </p:cNvPr>
+              <p:cNvSpPr txBox="1">
+                <a:spLocks noRot="1" noChangeAspect="1" noMove="1" noResize="1" noEditPoints="1" noAdjustHandles="1" noChangeArrowheads="1" noChangeShapeType="1" noTextEdit="1"/>
+              </p:cNvSpPr>
+              <p:nvPr/>
+            </p:nvSpPr>
+            <p:spPr>
+              <a:xfrm>
+                <a:off x="1481291" y="6328828"/>
+                <a:ext cx="570669" cy="276999"/>
+              </a:xfrm>
+              <a:prstGeom prst="rect">
+                <a:avLst/>
+              </a:prstGeom>
+              <a:blipFill>
+                <a:blip r:embed="rId4"/>
+                <a:stretch>
+                  <a:fillRect l="-8696" r="-6522" b="-8696"/>
+                </a:stretch>
+              </a:blipFill>
+            </p:spPr>
+            <p:txBody>
+              <a:bodyPr/>
+              <a:lstStyle/>
+              <a:p>
+                <a:r>
+                  <a:rPr lang="de-DE">
+                    <a:noFill/>
+                  </a:rPr>
+                  <a:t> </a:t>
+                </a:r>
+              </a:p>
+            </p:txBody>
+          </p:sp>
+        </mc:Fallback>
+      </mc:AlternateContent>
+      <p:sp>
+        <p:nvSpPr>
+          <p:cNvPr id="3" name="Arc 2">
+            <a:extLst>
+              <a:ext uri="{FF2B5EF4-FFF2-40B4-BE49-F238E27FC236}">
+                <a16:creationId xmlns:a16="http://schemas.microsoft.com/office/drawing/2014/main" id="{E08C5916-E8F7-5C4D-947C-556926177F16}"/>
+              </a:ext>
+            </a:extLst>
+          </p:cNvPr>
+          <p:cNvSpPr/>
+          <p:nvPr/>
+        </p:nvSpPr>
+        <p:spPr>
+          <a:xfrm rot="3902952" flipH="1">
+            <a:off x="2374828" y="4623827"/>
+            <a:ext cx="2312020" cy="1313621"/>
+          </a:xfrm>
+          <a:prstGeom prst="arc">
+            <a:avLst>
+              <a:gd name="adj1" fmla="val 12192148"/>
+              <a:gd name="adj2" fmla="val 40817"/>
+            </a:avLst>
+          </a:prstGeom>
+          <a:ln w="28575">
+            <a:tailEnd type="triangle"/>
+          </a:ln>
+        </p:spPr>
+        <p:style>
+          <a:lnRef idx="1">
+            <a:schemeClr val="accent1"/>
+          </a:lnRef>
+          <a:fillRef idx="0">
+            <a:schemeClr val="accent1"/>
+          </a:fillRef>
+          <a:effectRef idx="0">
+            <a:schemeClr val="accent1"/>
+          </a:effectRef>
+          <a:fontRef idx="minor">
+            <a:schemeClr val="tx1"/>
+          </a:fontRef>
+        </p:style>
+        <p:txBody>
+          <a:bodyPr rtlCol="0" anchor="ctr"/>
+          <a:lstStyle/>
+          <a:p>
+            <a:pPr algn="ctr"/>
+            <a:endParaRPr lang="de-DE" dirty="0">
+              <a:latin typeface="Helvetica Light" panose="020B0403020202020204" pitchFamily="34" charset="0"/>
+            </a:endParaRPr>
+          </a:p>
+        </p:txBody>
+      </p:sp>
+      <p:sp>
+        <p:nvSpPr>
+          <p:cNvPr id="16" name="Oval 14">
+            <a:extLst>
+              <a:ext uri="{FF2B5EF4-FFF2-40B4-BE49-F238E27FC236}">
+                <a16:creationId xmlns:a16="http://schemas.microsoft.com/office/drawing/2014/main" id="{D38A9E78-5451-014B-8A6C-1269713417C0}"/>
+              </a:ext>
+            </a:extLst>
+          </p:cNvPr>
+          <p:cNvSpPr>
+            <a:spLocks noChangeArrowheads="1"/>
+          </p:cNvSpPr>
+          <p:nvPr/>
+        </p:nvSpPr>
+        <p:spPr bwMode="auto">
+          <a:xfrm>
+            <a:off x="2880398" y="4212914"/>
+            <a:ext cx="117054" cy="126857"/>
+          </a:xfrm>
+          <a:prstGeom prst="ellipse">
+            <a:avLst/>
+          </a:prstGeom>
+          <a:solidFill>
+            <a:schemeClr val="accent1"/>
+          </a:solidFill>
+          <a:ln>
+            <a:noFill/>
+          </a:ln>
+          <a:effectLst/>
+          <a:extLst>
+            <a:ext uri="{91240B29-F687-4F45-9708-019B960494DF}">
+              <a14:hiddenLine xmlns:a14="http://schemas.microsoft.com/office/drawing/2010/main" w="12700">
+                <a:solidFill>
+                  <a:schemeClr val="tx1"/>
+                </a:solidFill>
+                <a:round/>
+                <a:headEnd type="none" w="sm" len="sm"/>
+                <a:tailEnd type="none" w="sm" len="sm"/>
+              </a14:hiddenLine>
+            </a:ext>
+            <a:ext uri="{AF507438-7753-43E0-B8FC-AC1667EBCBE1}">
+              <a14:hiddenEffects xmlns:a14="http://schemas.microsoft.com/office/drawing/2010/main">
+                <a:effectLst>
+                  <a:outerShdw dist="35921" dir="2700000" algn="ctr" rotWithShape="0">
+                    <a:schemeClr val="bg2"/>
+                  </a:outerShdw>
+                </a:effectLst>
+              </a14:hiddenEffects>
+            </a:ext>
+          </a:extLst>
+        </p:spPr>
+        <p:txBody>
+          <a:bodyPr wrap="none" anchor="ctr"/>
+          <a:lstStyle/>
+          <a:p>
+            <a:endParaRPr lang="de-DE" dirty="0">
+              <a:latin typeface="Helvetica Light" panose="020B0403020202020204" pitchFamily="34" charset="0"/>
+            </a:endParaRPr>
+          </a:p>
+        </p:txBody>
+      </p:sp>
+      <mc:AlternateContent xmlns:mc="http://schemas.openxmlformats.org/markup-compatibility/2006">
+        <mc:Choice xmlns:a14="http://schemas.microsoft.com/office/drawing/2010/main" Requires="a14">
+          <p:sp>
+            <p:nvSpPr>
+              <p:cNvPr id="19" name="TextBox 18">
+                <a:extLst>
+                  <a:ext uri="{FF2B5EF4-FFF2-40B4-BE49-F238E27FC236}">
+                    <a16:creationId xmlns:a16="http://schemas.microsoft.com/office/drawing/2014/main" id="{3882B97E-1AD0-9B45-A429-1E0A7E47FB74}"/>
+                  </a:ext>
+                </a:extLst>
+              </p:cNvPr>
+              <p:cNvSpPr txBox="1"/>
+              <p:nvPr/>
+            </p:nvSpPr>
+            <p:spPr>
+              <a:xfrm>
+                <a:off x="3782824" y="6321301"/>
+                <a:ext cx="746999" cy="276999"/>
+              </a:xfrm>
+              <a:prstGeom prst="rect">
+                <a:avLst/>
+              </a:prstGeom>
+              <a:noFill/>
+            </p:spPr>
+            <p:txBody>
+              <a:bodyPr wrap="none" lIns="0" tIns="0" rIns="0" bIns="0" rtlCol="0">
+                <a:spAutoFit/>
+              </a:bodyPr>
+              <a:lstStyle/>
+              <a:p>
+                <a:pPr/>
+                <a14:m>
+                  <m:oMathPara xmlns:m="http://schemas.openxmlformats.org/officeDocument/2006/math">
+                    <m:oMathParaPr>
+                      <m:jc m:val="centerGroup"/>
+                    </m:oMathParaPr>
+                    <m:oMath xmlns:m="http://schemas.openxmlformats.org/officeDocument/2006/math">
+                      <m:r>
+                        <a:rPr lang="en-GB" smtClean="0">
+                          <a:latin typeface="Cambria Math" panose="02040503050406030204" pitchFamily="18" charset="0"/>
+                        </a:rPr>
+                        <m:t>£</m:t>
+                      </m:r>
+                      <m:r>
+                        <a:rPr lang="en-GB" b="0" i="0" smtClean="0">
+                          <a:latin typeface="Cambria Math" panose="02040503050406030204" pitchFamily="18" charset="0"/>
+                        </a:rPr>
+                        <m:t>5</m:t>
+                      </m:r>
+                      <m:r>
+                        <a:rPr lang="en-GB">
+                          <a:latin typeface="Cambria Math" panose="02040503050406030204" pitchFamily="18" charset="0"/>
+                        </a:rPr>
+                        <m:t>,000</m:t>
+                      </m:r>
+                    </m:oMath>
+                  </m:oMathPara>
+                </a14:m>
+                <a:endParaRPr lang="de-DE" dirty="0">
+                  <a:latin typeface="Helvetica Light" panose="020B0403020202020204" pitchFamily="34" charset="0"/>
+                </a:endParaRPr>
+              </a:p>
+            </p:txBody>
+          </p:sp>
+        </mc:Choice>
+        <mc:Fallback>
+          <p:sp>
+            <p:nvSpPr>
+              <p:cNvPr id="19" name="TextBox 18">
+                <a:extLst>
+                  <a:ext uri="{FF2B5EF4-FFF2-40B4-BE49-F238E27FC236}">
+                    <a16:creationId xmlns:a16="http://schemas.microsoft.com/office/drawing/2014/main" id="{3882B97E-1AD0-9B45-A429-1E0A7E47FB74}"/>
+                  </a:ext>
+                </a:extLst>
+              </p:cNvPr>
+              <p:cNvSpPr txBox="1">
+                <a:spLocks noRot="1" noChangeAspect="1" noMove="1" noResize="1" noEditPoints="1" noAdjustHandles="1" noChangeArrowheads="1" noChangeShapeType="1" noTextEdit="1"/>
+              </p:cNvSpPr>
+              <p:nvPr/>
+            </p:nvSpPr>
+            <p:spPr>
+              <a:xfrm>
+                <a:off x="3782824" y="6321301"/>
+                <a:ext cx="746999" cy="276999"/>
+              </a:xfrm>
+              <a:prstGeom prst="rect">
+                <a:avLst/>
+              </a:prstGeom>
+              <a:blipFill>
+                <a:blip r:embed="rId5"/>
+                <a:stretch>
+                  <a:fillRect l="-5000" r="-5000" b="-4348"/>
+                </a:stretch>
+              </a:blipFill>
+            </p:spPr>
+            <p:txBody>
+              <a:bodyPr/>
+              <a:lstStyle/>
+              <a:p>
+                <a:r>
+                  <a:rPr lang="de-DE">
+                    <a:noFill/>
+                  </a:rPr>
+                  <a:t> </a:t>
+                </a:r>
+              </a:p>
+            </p:txBody>
+          </p:sp>
+        </mc:Fallback>
+      </mc:AlternateContent>
+      <p:grpSp>
+        <p:nvGrpSpPr>
+          <p:cNvPr id="23" name="Group 22">
+            <a:extLst>
+              <a:ext uri="{FF2B5EF4-FFF2-40B4-BE49-F238E27FC236}">
+                <a16:creationId xmlns:a16="http://schemas.microsoft.com/office/drawing/2014/main" id="{8867C32F-F0C4-744C-BF75-6ABCC2120C3E}"/>
+              </a:ext>
+            </a:extLst>
+          </p:cNvPr>
+          <p:cNvGrpSpPr/>
+          <p:nvPr/>
+        </p:nvGrpSpPr>
+        <p:grpSpPr>
+          <a:xfrm>
+            <a:off x="1155011" y="3036185"/>
+            <a:ext cx="3000663" cy="3130574"/>
+            <a:chOff x="1166822" y="2604156"/>
+            <a:chExt cx="678952" cy="2841068"/>
+          </a:xfrm>
+        </p:grpSpPr>
+        <p:sp>
+          <p:nvSpPr>
+            <p:cNvPr id="24" name="Line 8">
+              <a:extLst>
+                <a:ext uri="{FF2B5EF4-FFF2-40B4-BE49-F238E27FC236}">
+                  <a16:creationId xmlns:a16="http://schemas.microsoft.com/office/drawing/2014/main" id="{2CAE511A-2C82-9A46-B868-66EA95BE8680}"/>
+                </a:ext>
+              </a:extLst>
+            </p:cNvPr>
+            <p:cNvSpPr>
+              <a:spLocks noChangeShapeType="1"/>
+            </p:cNvSpPr>
+            <p:nvPr/>
+          </p:nvSpPr>
+          <p:spPr bwMode="auto">
+            <a:xfrm flipH="1">
+              <a:off x="1166822" y="2604156"/>
+              <a:ext cx="678952" cy="0"/>
+            </a:xfrm>
+            <a:prstGeom prst="line">
+              <a:avLst/>
+            </a:prstGeom>
+            <a:noFill/>
+            <a:ln w="12700">
+              <a:solidFill>
+                <a:schemeClr val="tx1"/>
+              </a:solidFill>
+              <a:prstDash val="dash"/>
+              <a:round/>
+              <a:headEnd type="none" w="sm" len="sm"/>
+              <a:tailEnd type="none" w="sm" len="sm"/>
+            </a:ln>
+            <a:effectLst/>
+            <a:extLst>
+              <a:ext uri="{909E8E84-426E-40DD-AFC4-6F175D3DCCD1}">
+                <a14:hiddenFill xmlns:a14="http://schemas.microsoft.com/office/drawing/2010/main">
+                  <a:noFill/>
+                </a14:hiddenFill>
+              </a:ext>
+              <a:ext uri="{AF507438-7753-43E0-B8FC-AC1667EBCBE1}">
+                <a14:hiddenEffects xmlns:a14="http://schemas.microsoft.com/office/drawing/2010/main">
+                  <a:effectLst>
+                    <a:outerShdw dist="35921" dir="2700000" algn="ctr" rotWithShape="0">
+                      <a:schemeClr val="bg2"/>
+                    </a:outerShdw>
+                  </a:effectLst>
+                </a14:hiddenEffects>
+              </a:ext>
+            </a:extLst>
+          </p:spPr>
+          <p:txBody>
+            <a:bodyPr wrap="none" anchor="ctr"/>
+            <a:lstStyle/>
+            <a:p>
+              <a:endParaRPr lang="de-DE" dirty="0">
+                <a:latin typeface="Helvetica Light" panose="020B0403020202020204" pitchFamily="34" charset="0"/>
+              </a:endParaRPr>
+            </a:p>
+          </p:txBody>
+        </p:sp>
+        <p:sp>
+          <p:nvSpPr>
+            <p:cNvPr id="25" name="Line 7">
+              <a:extLst>
+                <a:ext uri="{FF2B5EF4-FFF2-40B4-BE49-F238E27FC236}">
+                  <a16:creationId xmlns:a16="http://schemas.microsoft.com/office/drawing/2014/main" id="{E846911F-16CE-4944-B314-3919806562E0}"/>
+                </a:ext>
+              </a:extLst>
+            </p:cNvPr>
+            <p:cNvSpPr>
+              <a:spLocks noChangeShapeType="1"/>
+            </p:cNvSpPr>
+            <p:nvPr/>
+          </p:nvSpPr>
+          <p:spPr bwMode="auto">
+            <a:xfrm>
+              <a:off x="1845774" y="2604156"/>
+              <a:ext cx="0" cy="2841068"/>
+            </a:xfrm>
+            <a:prstGeom prst="line">
+              <a:avLst/>
+            </a:prstGeom>
+            <a:noFill/>
+            <a:ln w="12700">
+              <a:solidFill>
+                <a:schemeClr val="tx1"/>
+              </a:solidFill>
+              <a:prstDash val="dash"/>
+              <a:round/>
+              <a:headEnd type="none" w="sm" len="sm"/>
+              <a:tailEnd type="none" w="sm" len="sm"/>
+            </a:ln>
+            <a:effectLst/>
+            <a:extLst>
+              <a:ext uri="{909E8E84-426E-40DD-AFC4-6F175D3DCCD1}">
+                <a14:hiddenFill xmlns:a14="http://schemas.microsoft.com/office/drawing/2010/main">
+                  <a:noFill/>
+                </a14:hiddenFill>
+              </a:ext>
+              <a:ext uri="{AF507438-7753-43E0-B8FC-AC1667EBCBE1}">
+                <a14:hiddenEffects xmlns:a14="http://schemas.microsoft.com/office/drawing/2010/main">
+                  <a:effectLst>
+                    <a:outerShdw dist="35921" dir="2700000" algn="ctr" rotWithShape="0">
+                      <a:schemeClr val="bg2"/>
+                    </a:outerShdw>
+                  </a:effectLst>
+                </a14:hiddenEffects>
+              </a:ext>
+            </a:extLst>
+          </p:spPr>
+          <p:txBody>
+            <a:bodyPr wrap="none" anchor="ctr"/>
+            <a:lstStyle/>
+            <a:p>
+              <a:endParaRPr lang="de-DE" dirty="0">
+                <a:latin typeface="Helvetica Light" panose="020B0403020202020204" pitchFamily="34" charset="0"/>
+              </a:endParaRPr>
+            </a:p>
+          </p:txBody>
+        </p:sp>
+      </p:grpSp>
+      <mc:AlternateContent xmlns:mc="http://schemas.openxmlformats.org/markup-compatibility/2006">
+        <mc:Choice xmlns:a14="http://schemas.microsoft.com/office/drawing/2010/main" Requires="a14">
+          <p:sp>
+            <p:nvSpPr>
+              <p:cNvPr id="26" name="TextBox 25">
+                <a:extLst>
+                  <a:ext uri="{FF2B5EF4-FFF2-40B4-BE49-F238E27FC236}">
+                    <a16:creationId xmlns:a16="http://schemas.microsoft.com/office/drawing/2014/main" id="{AC074D02-4DD6-4245-BC6C-8E74A29C616B}"/>
+                  </a:ext>
+                </a:extLst>
+              </p:cNvPr>
+              <p:cNvSpPr txBox="1"/>
+              <p:nvPr/>
+            </p:nvSpPr>
+            <p:spPr>
+              <a:xfrm>
+                <a:off x="313161" y="2897685"/>
+                <a:ext cx="746999" cy="276999"/>
+              </a:xfrm>
+              <a:prstGeom prst="rect">
+                <a:avLst/>
+              </a:prstGeom>
+              <a:noFill/>
+            </p:spPr>
+            <p:txBody>
+              <a:bodyPr wrap="none" lIns="0" tIns="0" rIns="0" bIns="0" rtlCol="0">
+                <a:spAutoFit/>
+              </a:bodyPr>
+              <a:lstStyle/>
+              <a:p>
+                <a:pPr/>
+                <a14:m>
+                  <m:oMathPara xmlns:m="http://schemas.openxmlformats.org/officeDocument/2006/math">
+                    <m:oMathParaPr>
+                      <m:jc m:val="centerGroup"/>
+                    </m:oMathParaPr>
+                    <m:oMath xmlns:m="http://schemas.openxmlformats.org/officeDocument/2006/math">
+                      <m:r>
+                        <a:rPr lang="en-GB" smtClean="0">
+                          <a:latin typeface="Cambria Math" panose="02040503050406030204" pitchFamily="18" charset="0"/>
+                        </a:rPr>
+                        <m:t>£</m:t>
+                      </m:r>
+                      <m:r>
+                        <a:rPr lang="en-GB" b="0" i="0" smtClean="0">
+                          <a:latin typeface="Cambria Math" panose="02040503050406030204" pitchFamily="18" charset="0"/>
+                        </a:rPr>
+                        <m:t>5</m:t>
+                      </m:r>
+                      <m:r>
+                        <a:rPr lang="en-GB">
+                          <a:latin typeface="Cambria Math" panose="02040503050406030204" pitchFamily="18" charset="0"/>
+                        </a:rPr>
+                        <m:t>,000</m:t>
+                      </m:r>
+                    </m:oMath>
+                  </m:oMathPara>
+                </a14:m>
+                <a:endParaRPr lang="de-DE" dirty="0">
+                  <a:latin typeface="Helvetica Light" panose="020B0403020202020204" pitchFamily="34" charset="0"/>
+                </a:endParaRPr>
+              </a:p>
+            </p:txBody>
+          </p:sp>
+        </mc:Choice>
+        <mc:Fallback>
+          <p:sp>
+            <p:nvSpPr>
+              <p:cNvPr id="26" name="TextBox 25">
+                <a:extLst>
+                  <a:ext uri="{FF2B5EF4-FFF2-40B4-BE49-F238E27FC236}">
+                    <a16:creationId xmlns:a16="http://schemas.microsoft.com/office/drawing/2014/main" id="{AC074D02-4DD6-4245-BC6C-8E74A29C616B}"/>
+                  </a:ext>
+                </a:extLst>
+              </p:cNvPr>
+              <p:cNvSpPr txBox="1">
+                <a:spLocks noRot="1" noChangeAspect="1" noMove="1" noResize="1" noEditPoints="1" noAdjustHandles="1" noChangeArrowheads="1" noChangeShapeType="1" noTextEdit="1"/>
+              </p:cNvSpPr>
+              <p:nvPr/>
+            </p:nvSpPr>
+            <p:spPr>
+              <a:xfrm>
+                <a:off x="313161" y="2897685"/>
+                <a:ext cx="746999" cy="276999"/>
+              </a:xfrm>
+              <a:prstGeom prst="rect">
+                <a:avLst/>
+              </a:prstGeom>
+              <a:blipFill>
+                <a:blip r:embed="rId6"/>
+                <a:stretch>
+                  <a:fillRect l="-5085" r="-5085" b="-9091"/>
+                </a:stretch>
+              </a:blipFill>
+            </p:spPr>
+            <p:txBody>
+              <a:bodyPr/>
+              <a:lstStyle/>
+              <a:p>
+                <a:r>
+                  <a:rPr lang="de-DE">
+                    <a:noFill/>
+                  </a:rPr>
+                  <a:t> </a:t>
+                </a:r>
+              </a:p>
+            </p:txBody>
+          </p:sp>
+        </mc:Fallback>
+      </mc:AlternateContent>
+    </p:spTree>
+    <p:extLst>
+      <p:ext uri="{BB962C8B-B14F-4D97-AF65-F5344CB8AC3E}">
+        <p14:creationId xmlns:p14="http://schemas.microsoft.com/office/powerpoint/2010/main" val="2806225907"/>
+      </p:ext>
+    </p:extLst>
+  </p:cSld>
+  <p:clrMapOvr>
+    <a:masterClrMapping/>
+  </p:clrMapOvr>
+</p:sld>
+</file>
+
+<file path=ppt/slides/slide3.xml><?xml version="1.0" encoding="utf-8"?>
+<p:sld xmlns:a="http://schemas.openxmlformats.org/drawingml/2006/main" xmlns:r="http://schemas.openxmlformats.org/officeDocument/2006/relationships" xmlns:p="http://schemas.openxmlformats.org/presentationml/2006/main">
+  <p:cSld>
+    <p:spTree>
+      <p:nvGrpSpPr>
+        <p:cNvPr id="1" name=""/>
+        <p:cNvGrpSpPr/>
+        <p:nvPr/>
+      </p:nvGrpSpPr>
+      <p:grpSpPr>
+        <a:xfrm>
+          <a:off x="0" y="0"/>
+          <a:ext cx="0" cy="0"/>
+          <a:chOff x="0" y="0"/>
+          <a:chExt cx="0" cy="0"/>
+        </a:xfrm>
+      </p:grpSpPr>
+      <p:grpSp>
+        <p:nvGrpSpPr>
+          <p:cNvPr id="6" name="Group 5">
+            <a:extLst>
+              <a:ext uri="{FF2B5EF4-FFF2-40B4-BE49-F238E27FC236}">
+                <a16:creationId xmlns:a16="http://schemas.microsoft.com/office/drawing/2014/main" id="{82C10D7E-E087-B64B-BD03-9774B9F66623}"/>
+              </a:ext>
+            </a:extLst>
+          </p:cNvPr>
+          <p:cNvGrpSpPr/>
+          <p:nvPr/>
+        </p:nvGrpSpPr>
+        <p:grpSpPr>
+          <a:xfrm>
+            <a:off x="315454" y="714706"/>
             <a:ext cx="4834507" cy="5454868"/>
             <a:chOff x="1569149" y="630622"/>
             <a:chExt cx="8079348" cy="5454868"/>
@@ -4203,7 +5040,7 @@
                 <a:blipFill>
                   <a:blip r:embed="rId2"/>
                   <a:stretch>
-                    <a:fillRect l="-7143" r="-5357" b="-4348"/>
+                    <a:fillRect l="-7143" r="-7143" b="-4348"/>
                   </a:stretch>
                 </a:blipFill>
               </p:spPr>
@@ -4239,7 +5076,7 @@
         </p:nvSpPr>
         <p:spPr bwMode="auto">
           <a:xfrm flipH="1">
-            <a:off x="1242795" y="2543909"/>
+            <a:off x="1169114" y="2606971"/>
             <a:ext cx="678952" cy="0"/>
           </a:xfrm>
           <a:prstGeom prst="line">
@@ -4299,7 +5136,7 @@
         </p:nvSpPr>
         <p:spPr bwMode="auto">
           <a:xfrm>
-            <a:off x="1901110" y="2543909"/>
+            <a:off x="1827430" y="2606971"/>
             <a:ext cx="0" cy="3562602"/>
           </a:xfrm>
           <a:prstGeom prst="line">
@@ -4359,7 +5196,7 @@
             </p:nvSpPr>
             <p:spPr>
               <a:xfrm>
-                <a:off x="456501" y="2405411"/>
+                <a:off x="382822" y="2468476"/>
                 <a:ext cx="698909" cy="276999"/>
               </a:xfrm>
               <a:prstGeom prst="rect">
@@ -4413,7 +5250,7 @@
             </p:nvSpPr>
             <p:spPr>
               <a:xfrm>
-                <a:off x="456501" y="2405411"/>
+                <a:off x="382822" y="2468476"/>
                 <a:ext cx="698909" cy="276999"/>
               </a:xfrm>
               <a:prstGeom prst="rect">
@@ -4422,7 +5259,7 @@
               <a:blipFill>
                 <a:blip r:embed="rId3"/>
                 <a:stretch>
-                  <a:fillRect l="-7273" r="-5455" b="-4348"/>
+                  <a:fillRect l="-5357" r="-5357" b="-4348"/>
                 </a:stretch>
               </a:blipFill>
             </p:spPr>
@@ -4457,8 +5294,8 @@
             </p:nvSpPr>
             <p:spPr>
               <a:xfrm>
-                <a:off x="1557265" y="6268580"/>
-                <a:ext cx="570669" cy="276999"/>
+                <a:off x="1483588" y="6331647"/>
+                <a:ext cx="698909" cy="276999"/>
               </a:xfrm>
               <a:prstGeom prst="rect">
                 <a:avLst/>
@@ -4479,16 +5316,10 @@
                     </m:oMathParaPr>
                     <m:oMath xmlns:m="http://schemas.openxmlformats.org/officeDocument/2006/math">
                       <m:r>
-                        <a:rPr lang="en-GB" smtClean="0">
+                        <a:rPr lang="en-GB">
                           <a:latin typeface="Cambria Math" panose="02040503050406030204" pitchFamily="18" charset="0"/>
                         </a:rPr>
-                        <m:t>£</m:t>
-                      </m:r>
-                      <m:r>
-                        <a:rPr lang="en-GB" b="0" i="0" smtClean="0">
-                          <a:latin typeface="Cambria Math" panose="02040503050406030204" pitchFamily="18" charset="0"/>
-                        </a:rPr>
-                        <m:t>750</m:t>
+                        <m:t>£1400</m:t>
                       </m:r>
                     </m:oMath>
                   </m:oMathPara>
@@ -4517,8 +5348,8 @@
             </p:nvSpPr>
             <p:spPr>
               <a:xfrm>
-                <a:off x="1557265" y="6268580"/>
-                <a:ext cx="570669" cy="276999"/>
+                <a:off x="1483588" y="6331647"/>
+                <a:ext cx="698909" cy="276999"/>
               </a:xfrm>
               <a:prstGeom prst="rect">
                 <a:avLst/>
@@ -4526,7 +5357,7 @@
               <a:blipFill>
                 <a:blip r:embed="rId4"/>
                 <a:stretch>
-                  <a:fillRect l="-6522" r="-6522" b="-9091"/>
+                  <a:fillRect l="-5357" r="-5357" b="-4545"/>
                 </a:stretch>
               </a:blipFill>
             </p:spPr>
@@ -4559,8 +5390,8 @@
         </p:nvSpPr>
         <p:spPr>
           <a:xfrm rot="1691785">
-            <a:off x="763245" y="1550636"/>
-            <a:ext cx="1262762" cy="1190269"/>
+            <a:off x="44322" y="1547165"/>
+            <a:ext cx="2878524" cy="2987016"/>
           </a:xfrm>
           <a:prstGeom prst="arc">
             <a:avLst>
@@ -4597,122 +5428,108 @@
           </a:p>
         </p:txBody>
       </p:sp>
-      <mc:AlternateContent xmlns:mc="http://schemas.openxmlformats.org/markup-compatibility/2006">
-        <mc:Choice xmlns:a14="http://schemas.microsoft.com/office/drawing/2010/main" Requires="a14">
-          <p:sp>
-            <p:nvSpPr>
-              <p:cNvPr id="15" name="TextBox 14">
-                <a:extLst>
-                  <a:ext uri="{FF2B5EF4-FFF2-40B4-BE49-F238E27FC236}">
-                    <a16:creationId xmlns:a16="http://schemas.microsoft.com/office/drawing/2014/main" id="{F13E77ED-CF39-2A41-A964-1C21F800441F}"/>
-                  </a:ext>
-                </a:extLst>
-              </p:cNvPr>
-              <p:cNvSpPr txBox="1"/>
-              <p:nvPr/>
-            </p:nvSpPr>
-            <p:spPr>
-              <a:xfrm>
-                <a:off x="1922754" y="1435048"/>
-                <a:ext cx="1917192" cy="276999"/>
-              </a:xfrm>
-              <a:prstGeom prst="rect">
-                <a:avLst/>
-              </a:prstGeom>
-              <a:noFill/>
-            </p:spPr>
-            <p:txBody>
-              <a:bodyPr wrap="none" lIns="0" tIns="0" rIns="0" bIns="0" rtlCol="0">
-                <a:spAutoFit/>
-              </a:bodyPr>
-              <a:lstStyle/>
-              <a:p>
-                <a14:m>
-                  <m:oMath xmlns:m="http://schemas.openxmlformats.org/officeDocument/2006/math">
-                    <m:r>
-                      <a:rPr lang="en-GB">
-                        <a:latin typeface="Cambria Math" panose="02040503050406030204" pitchFamily="18" charset="0"/>
-                      </a:rPr>
-                      <m:t>£700</m:t>
-                    </m:r>
-                  </m:oMath>
-                </a14:m>
-                <a:r>
-                  <a:rPr lang="de-DE" dirty="0">
-                    <a:latin typeface="Helvetica Light" panose="020B0403020202020204" pitchFamily="34" charset="0"/>
-                  </a:rPr>
-                  <a:t> </a:t>
-                </a:r>
-                <a:r>
-                  <a:rPr lang="de-DE" dirty="0" err="1">
-                    <a:latin typeface="Helvetica Light" panose="020B0403020202020204" pitchFamily="34" charset="0"/>
-                  </a:rPr>
-                  <a:t>for</a:t>
-                </a:r>
-                <a:r>
-                  <a:rPr lang="de-DE" dirty="0">
-                    <a:latin typeface="Helvetica Light" panose="020B0403020202020204" pitchFamily="34" charset="0"/>
-                  </a:rPr>
-                  <a:t> </a:t>
-                </a:r>
-                <a:r>
-                  <a:rPr lang="de-DE" dirty="0" err="1">
-                    <a:latin typeface="Helvetica Light" panose="020B0403020202020204" pitchFamily="34" charset="0"/>
-                  </a:rPr>
-                  <a:t>insurance</a:t>
-                </a:r>
-                <a:endParaRPr lang="de-DE" dirty="0">
-                  <a:latin typeface="Helvetica Light" panose="020B0403020202020204" pitchFamily="34" charset="0"/>
-                </a:endParaRPr>
-              </a:p>
-            </p:txBody>
-          </p:sp>
-        </mc:Choice>
-        <mc:Fallback>
-          <p:sp>
-            <p:nvSpPr>
-              <p:cNvPr id="15" name="TextBox 14">
-                <a:extLst>
-                  <a:ext uri="{FF2B5EF4-FFF2-40B4-BE49-F238E27FC236}">
-                    <a16:creationId xmlns:a16="http://schemas.microsoft.com/office/drawing/2014/main" id="{F13E77ED-CF39-2A41-A964-1C21F800441F}"/>
-                  </a:ext>
-                </a:extLst>
-              </p:cNvPr>
-              <p:cNvSpPr txBox="1">
-                <a:spLocks noRot="1" noChangeAspect="1" noMove="1" noResize="1" noEditPoints="1" noAdjustHandles="1" noChangeArrowheads="1" noChangeShapeType="1" noTextEdit="1"/>
-              </p:cNvSpPr>
-              <p:nvPr/>
-            </p:nvSpPr>
-            <p:spPr>
-              <a:xfrm>
-                <a:off x="1922754" y="1435048"/>
-                <a:ext cx="1917192" cy="276999"/>
-              </a:xfrm>
-              <a:prstGeom prst="rect">
-                <a:avLst/>
-              </a:prstGeom>
-              <a:blipFill>
-                <a:blip r:embed="rId5"/>
-                <a:stretch>
-                  <a:fillRect l="-3947" t="-21739" r="-6579" b="-47826"/>
-                </a:stretch>
-              </a:blipFill>
-            </p:spPr>
-            <p:txBody>
-              <a:bodyPr/>
-              <a:lstStyle/>
-              <a:p>
-                <a:r>
-                  <a:rPr lang="de-DE">
-                    <a:noFill/>
-                  </a:rPr>
-                  <a:t> </a:t>
-                </a:r>
-              </a:p>
-            </p:txBody>
-          </p:sp>
-        </mc:Fallback>
-      </mc:AlternateContent>
+      <p:sp>
+        <p:nvSpPr>
+          <p:cNvPr id="15" name="TextBox 14">
+            <a:extLst>
+              <a:ext uri="{FF2B5EF4-FFF2-40B4-BE49-F238E27FC236}">
+                <a16:creationId xmlns:a16="http://schemas.microsoft.com/office/drawing/2014/main" id="{F13E77ED-CF39-2A41-A964-1C21F800441F}"/>
+              </a:ext>
+            </a:extLst>
+          </p:cNvPr>
+          <p:cNvSpPr txBox="1"/>
+          <p:nvPr/>
+        </p:nvSpPr>
+        <p:spPr>
+          <a:xfrm>
+            <a:off x="3518751" y="1774173"/>
+            <a:ext cx="2090316" cy="553998"/>
+          </a:xfrm>
+          <a:prstGeom prst="rect">
+            <a:avLst/>
+          </a:prstGeom>
+          <a:noFill/>
+        </p:spPr>
+        <p:txBody>
+          <a:bodyPr wrap="none" lIns="0" tIns="0" rIns="0" bIns="0" rtlCol="0">
+            <a:spAutoFit/>
+          </a:bodyPr>
+          <a:lstStyle/>
+          <a:p>
+            <a:r>
+              <a:rPr lang="de-DE" dirty="0" err="1">
+                <a:latin typeface="Helvetica Light" panose="020B0403020202020204" pitchFamily="34" charset="0"/>
+              </a:rPr>
+              <a:t>Any</a:t>
+            </a:r>
+            <a:r>
+              <a:rPr lang="de-DE" dirty="0">
+                <a:latin typeface="Helvetica Light" panose="020B0403020202020204" pitchFamily="34" charset="0"/>
+              </a:rPr>
+              <a:t> </a:t>
+            </a:r>
+            <a:r>
+              <a:rPr lang="de-DE" dirty="0" err="1">
+                <a:latin typeface="Helvetica Light" panose="020B0403020202020204" pitchFamily="34" charset="0"/>
+              </a:rPr>
+              <a:t>point</a:t>
+            </a:r>
+            <a:r>
+              <a:rPr lang="de-DE" dirty="0">
+                <a:latin typeface="Helvetica Light" panose="020B0403020202020204" pitchFamily="34" charset="0"/>
+              </a:rPr>
+              <a:t> on </a:t>
+            </a:r>
+          </a:p>
+          <a:p>
+            <a:r>
+              <a:rPr lang="de-DE" dirty="0" err="1">
+                <a:latin typeface="Helvetica Light" panose="020B0403020202020204" pitchFamily="34" charset="0"/>
+              </a:rPr>
+              <a:t>the</a:t>
+            </a:r>
+            <a:r>
+              <a:rPr lang="de-DE" dirty="0">
+                <a:latin typeface="Helvetica Light" panose="020B0403020202020204" pitchFamily="34" charset="0"/>
+              </a:rPr>
+              <a:t> </a:t>
+            </a:r>
+            <a:r>
+              <a:rPr lang="de-DE" dirty="0" err="1">
+                <a:latin typeface="Helvetica Light" panose="020B0403020202020204" pitchFamily="34" charset="0"/>
+              </a:rPr>
+              <a:t>line</a:t>
+            </a:r>
+            <a:r>
+              <a:rPr lang="de-DE" dirty="0">
+                <a:latin typeface="Helvetica Light" panose="020B0403020202020204" pitchFamily="34" charset="0"/>
+              </a:rPr>
+              <a:t> </a:t>
+            </a:r>
+            <a:r>
+              <a:rPr lang="de-DE" dirty="0" err="1">
+                <a:latin typeface="Helvetica Light" panose="020B0403020202020204" pitchFamily="34" charset="0"/>
+              </a:rPr>
+              <a:t>is</a:t>
+            </a:r>
+            <a:r>
+              <a:rPr lang="de-DE" dirty="0">
+                <a:latin typeface="Helvetica Light" panose="020B0403020202020204" pitchFamily="34" charset="0"/>
+              </a:rPr>
+              <a:t> </a:t>
+            </a:r>
+            <a:r>
+              <a:rPr lang="de-DE" dirty="0" err="1">
+                <a:latin typeface="Helvetica Light" panose="020B0403020202020204" pitchFamily="34" charset="0"/>
+              </a:rPr>
+              <a:t>affordable</a:t>
+            </a:r>
+            <a:endParaRPr lang="de-DE" dirty="0">
+              <a:latin typeface="Helvetica Light" panose="020B0403020202020204" pitchFamily="34" charset="0"/>
+            </a:endParaRPr>
+          </a:p>
+        </p:txBody>
+      </p:sp>
       <p:sp>
         <p:nvSpPr>
           <p:cNvPr id="16" name="Oval 14">
@@ -4729,7 +5546,7 @@
         </p:nvSpPr>
         <p:spPr bwMode="auto">
           <a:xfrm>
-            <a:off x="1842582" y="2480481"/>
+            <a:off x="1768901" y="2543547"/>
             <a:ext cx="117054" cy="126857"/>
           </a:xfrm>
           <a:prstGeom prst="ellipse">
@@ -4774,14 +5591,308 @@
           </a:p>
         </p:txBody>
       </p:sp>
+      <p:sp>
+        <p:nvSpPr>
+          <p:cNvPr id="19" name="Line 8">
+            <a:extLst>
+              <a:ext uri="{FF2B5EF4-FFF2-40B4-BE49-F238E27FC236}">
+                <a16:creationId xmlns:a16="http://schemas.microsoft.com/office/drawing/2014/main" id="{17949BB4-0150-7C4B-9EC5-7E283F5B9D1C}"/>
+              </a:ext>
+            </a:extLst>
+          </p:cNvPr>
+          <p:cNvSpPr>
+            <a:spLocks noChangeShapeType="1"/>
+          </p:cNvSpPr>
+          <p:nvPr/>
+        </p:nvSpPr>
+        <p:spPr bwMode="auto">
+          <a:xfrm flipH="1">
+            <a:off x="1157309" y="3886141"/>
+            <a:ext cx="1474075" cy="0"/>
+          </a:xfrm>
+          <a:prstGeom prst="line">
+            <a:avLst/>
+          </a:prstGeom>
+          <a:noFill/>
+          <a:ln w="12700">
+            <a:solidFill>
+              <a:schemeClr val="tx1"/>
+            </a:solidFill>
+            <a:prstDash val="dash"/>
+            <a:round/>
+            <a:headEnd type="none" w="sm" len="sm"/>
+            <a:tailEnd type="none" w="sm" len="sm"/>
+          </a:ln>
+          <a:effectLst/>
+          <a:extLst>
+            <a:ext uri="{909E8E84-426E-40DD-AFC4-6F175D3DCCD1}">
+              <a14:hiddenFill xmlns:a14="http://schemas.microsoft.com/office/drawing/2010/main">
+                <a:noFill/>
+              </a14:hiddenFill>
+            </a:ext>
+            <a:ext uri="{AF507438-7753-43E0-B8FC-AC1667EBCBE1}">
+              <a14:hiddenEffects xmlns:a14="http://schemas.microsoft.com/office/drawing/2010/main">
+                <a:effectLst>
+                  <a:outerShdw dist="35921" dir="2700000" algn="ctr" rotWithShape="0">
+                    <a:schemeClr val="bg2"/>
+                  </a:outerShdw>
+                </a:effectLst>
+              </a14:hiddenEffects>
+            </a:ext>
+          </a:extLst>
+        </p:spPr>
+        <p:txBody>
+          <a:bodyPr wrap="none" anchor="ctr"/>
+          <a:lstStyle/>
+          <a:p>
+            <a:endParaRPr lang="de-DE" dirty="0">
+              <a:latin typeface="Helvetica Light" panose="020B0403020202020204" pitchFamily="34" charset="0"/>
+            </a:endParaRPr>
+          </a:p>
+        </p:txBody>
+      </p:sp>
+      <p:sp>
+        <p:nvSpPr>
+          <p:cNvPr id="20" name="Line 7">
+            <a:extLst>
+              <a:ext uri="{FF2B5EF4-FFF2-40B4-BE49-F238E27FC236}">
+                <a16:creationId xmlns:a16="http://schemas.microsoft.com/office/drawing/2014/main" id="{E4FEC2A8-5622-C642-8404-9E29CB62E195}"/>
+              </a:ext>
+            </a:extLst>
+          </p:cNvPr>
+          <p:cNvSpPr>
+            <a:spLocks noChangeShapeType="1"/>
+          </p:cNvSpPr>
+          <p:nvPr/>
+        </p:nvSpPr>
+        <p:spPr bwMode="auto">
+          <a:xfrm>
+            <a:off x="2631378" y="3886141"/>
+            <a:ext cx="0" cy="2366598"/>
+          </a:xfrm>
+          <a:prstGeom prst="line">
+            <a:avLst/>
+          </a:prstGeom>
+          <a:noFill/>
+          <a:ln w="12700">
+            <a:solidFill>
+              <a:schemeClr val="tx1"/>
+            </a:solidFill>
+            <a:prstDash val="dash"/>
+            <a:round/>
+            <a:headEnd type="none" w="sm" len="sm"/>
+            <a:tailEnd type="none" w="sm" len="sm"/>
+          </a:ln>
+          <a:effectLst/>
+          <a:extLst>
+            <a:ext uri="{909E8E84-426E-40DD-AFC4-6F175D3DCCD1}">
+              <a14:hiddenFill xmlns:a14="http://schemas.microsoft.com/office/drawing/2010/main">
+                <a:noFill/>
+              </a14:hiddenFill>
+            </a:ext>
+            <a:ext uri="{AF507438-7753-43E0-B8FC-AC1667EBCBE1}">
+              <a14:hiddenEffects xmlns:a14="http://schemas.microsoft.com/office/drawing/2010/main">
+                <a:effectLst>
+                  <a:outerShdw dist="35921" dir="2700000" algn="ctr" rotWithShape="0">
+                    <a:schemeClr val="bg2"/>
+                  </a:outerShdw>
+                </a:effectLst>
+              </a14:hiddenEffects>
+            </a:ext>
+          </a:extLst>
+        </p:spPr>
+        <p:txBody>
+          <a:bodyPr wrap="none" anchor="ctr"/>
+          <a:lstStyle/>
+          <a:p>
+            <a:endParaRPr lang="de-DE" dirty="0">
+              <a:latin typeface="Helvetica Light" panose="020B0403020202020204" pitchFamily="34" charset="0"/>
+            </a:endParaRPr>
+          </a:p>
+        </p:txBody>
+      </p:sp>
+      <p:sp>
+        <p:nvSpPr>
+          <p:cNvPr id="21" name="Oval 14">
+            <a:extLst>
+              <a:ext uri="{FF2B5EF4-FFF2-40B4-BE49-F238E27FC236}">
+                <a16:creationId xmlns:a16="http://schemas.microsoft.com/office/drawing/2014/main" id="{5BE6A8D8-FF7E-304E-85DE-ADDE48CC452F}"/>
+              </a:ext>
+            </a:extLst>
+          </p:cNvPr>
+          <p:cNvSpPr>
+            <a:spLocks noChangeArrowheads="1"/>
+          </p:cNvSpPr>
+          <p:nvPr/>
+        </p:nvSpPr>
+        <p:spPr bwMode="auto">
+          <a:xfrm>
+            <a:off x="2572852" y="3810214"/>
+            <a:ext cx="117054" cy="126857"/>
+          </a:xfrm>
+          <a:prstGeom prst="ellipse">
+            <a:avLst/>
+          </a:prstGeom>
+          <a:solidFill>
+            <a:schemeClr val="accent1"/>
+          </a:solidFill>
+          <a:ln>
+            <a:noFill/>
+          </a:ln>
+          <a:effectLst/>
+          <a:extLst>
+            <a:ext uri="{91240B29-F687-4F45-9708-019B960494DF}">
+              <a14:hiddenLine xmlns:a14="http://schemas.microsoft.com/office/drawing/2010/main" w="12700">
+                <a:solidFill>
+                  <a:schemeClr val="tx1"/>
+                </a:solidFill>
+                <a:round/>
+                <a:headEnd type="none" w="sm" len="sm"/>
+                <a:tailEnd type="none" w="sm" len="sm"/>
+              </a14:hiddenLine>
+            </a:ext>
+            <a:ext uri="{AF507438-7753-43E0-B8FC-AC1667EBCBE1}">
+              <a14:hiddenEffects xmlns:a14="http://schemas.microsoft.com/office/drawing/2010/main">
+                <a:effectLst>
+                  <a:outerShdw dist="35921" dir="2700000" algn="ctr" rotWithShape="0">
+                    <a:schemeClr val="bg2"/>
+                  </a:outerShdw>
+                </a:effectLst>
+              </a14:hiddenEffects>
+            </a:ext>
+          </a:extLst>
+        </p:spPr>
+        <p:txBody>
+          <a:bodyPr wrap="none" anchor="ctr"/>
+          <a:lstStyle/>
+          <a:p>
+            <a:endParaRPr lang="de-DE" dirty="0">
+              <a:latin typeface="Helvetica Light" panose="020B0403020202020204" pitchFamily="34" charset="0"/>
+            </a:endParaRPr>
+          </a:p>
+        </p:txBody>
+      </p:sp>
+      <p:sp>
+        <p:nvSpPr>
+          <p:cNvPr id="22" name="Arc 21">
+            <a:extLst>
+              <a:ext uri="{FF2B5EF4-FFF2-40B4-BE49-F238E27FC236}">
+                <a16:creationId xmlns:a16="http://schemas.microsoft.com/office/drawing/2014/main" id="{39E8DF06-786B-684A-BF54-C8DEF022FE33}"/>
+              </a:ext>
+            </a:extLst>
+          </p:cNvPr>
+          <p:cNvSpPr/>
+          <p:nvPr/>
+        </p:nvSpPr>
+        <p:spPr>
+          <a:xfrm rot="1691785">
+            <a:off x="-588675" y="1490337"/>
+            <a:ext cx="4194531" cy="4387692"/>
+          </a:xfrm>
+          <a:prstGeom prst="arc">
+            <a:avLst>
+              <a:gd name="adj1" fmla="val 13876355"/>
+              <a:gd name="adj2" fmla="val 0"/>
+            </a:avLst>
+          </a:prstGeom>
+          <a:ln w="28575">
+            <a:tailEnd type="triangle"/>
+          </a:ln>
+        </p:spPr>
+        <p:style>
+          <a:lnRef idx="1">
+            <a:schemeClr val="accent1"/>
+          </a:lnRef>
+          <a:fillRef idx="0">
+            <a:schemeClr val="accent1"/>
+          </a:fillRef>
+          <a:effectRef idx="0">
+            <a:schemeClr val="accent1"/>
+          </a:effectRef>
+          <a:fontRef idx="minor">
+            <a:schemeClr val="tx1"/>
+          </a:fontRef>
+        </p:style>
+        <p:txBody>
+          <a:bodyPr rtlCol="0" anchor="ctr"/>
+          <a:lstStyle/>
+          <a:p>
+            <a:pPr algn="ctr"/>
+            <a:endParaRPr lang="de-DE" dirty="0">
+              <a:latin typeface="Helvetica Light" panose="020B0403020202020204" pitchFamily="34" charset="0"/>
+            </a:endParaRPr>
+          </a:p>
+        </p:txBody>
+      </p:sp>
+      <p:sp>
+        <p:nvSpPr>
+          <p:cNvPr id="23" name="Oval 14">
+            <a:extLst>
+              <a:ext uri="{FF2B5EF4-FFF2-40B4-BE49-F238E27FC236}">
+                <a16:creationId xmlns:a16="http://schemas.microsoft.com/office/drawing/2014/main" id="{59DC2685-B293-9E48-AE33-00CE60D03C09}"/>
+              </a:ext>
+            </a:extLst>
+          </p:cNvPr>
+          <p:cNvSpPr>
+            <a:spLocks noChangeArrowheads="1"/>
+          </p:cNvSpPr>
+          <p:nvPr/>
+        </p:nvSpPr>
+        <p:spPr bwMode="auto">
+          <a:xfrm>
+            <a:off x="3189472" y="4716240"/>
+            <a:ext cx="117054" cy="126857"/>
+          </a:xfrm>
+          <a:prstGeom prst="ellipse">
+            <a:avLst/>
+          </a:prstGeom>
+          <a:solidFill>
+            <a:schemeClr val="accent1"/>
+          </a:solidFill>
+          <a:ln>
+            <a:noFill/>
+          </a:ln>
+          <a:effectLst/>
+          <a:extLst>
+            <a:ext uri="{91240B29-F687-4F45-9708-019B960494DF}">
+              <a14:hiddenLine xmlns:a14="http://schemas.microsoft.com/office/drawing/2010/main" w="12700">
+                <a:solidFill>
+                  <a:schemeClr val="tx1"/>
+                </a:solidFill>
+                <a:round/>
+                <a:headEnd type="none" w="sm" len="sm"/>
+                <a:tailEnd type="none" w="sm" len="sm"/>
+              </a14:hiddenLine>
+            </a:ext>
+            <a:ext uri="{AF507438-7753-43E0-B8FC-AC1667EBCBE1}">
+              <a14:hiddenEffects xmlns:a14="http://schemas.microsoft.com/office/drawing/2010/main">
+                <a:effectLst>
+                  <a:outerShdw dist="35921" dir="2700000" algn="ctr" rotWithShape="0">
+                    <a:schemeClr val="bg2"/>
+                  </a:outerShdw>
+                </a:effectLst>
+              </a14:hiddenEffects>
+            </a:ext>
+          </a:extLst>
+        </p:spPr>
+        <p:txBody>
+          <a:bodyPr wrap="none" anchor="ctr"/>
+          <a:lstStyle/>
+          <a:p>
+            <a:endParaRPr lang="de-DE" dirty="0">
+              <a:latin typeface="Helvetica Light" panose="020B0403020202020204" pitchFamily="34" charset="0"/>
+            </a:endParaRPr>
+          </a:p>
+        </p:txBody>
+      </p:sp>
       <mc:AlternateContent xmlns:mc="http://schemas.openxmlformats.org/markup-compatibility/2006">
         <mc:Choice xmlns:a14="http://schemas.microsoft.com/office/drawing/2010/main" Requires="a14">
           <p:sp>
             <p:nvSpPr>
-              <p:cNvPr id="19" name="TextBox 18">
+              <p:cNvPr id="25" name="TextBox 24">
                 <a:extLst>
                   <a:ext uri="{FF2B5EF4-FFF2-40B4-BE49-F238E27FC236}">
-                    <a16:creationId xmlns:a16="http://schemas.microsoft.com/office/drawing/2014/main" id="{3882B97E-1AD0-9B45-A429-1E0A7E47FB74}"/>
+                    <a16:creationId xmlns:a16="http://schemas.microsoft.com/office/drawing/2014/main" id="{7C6653C5-AA95-D44C-A65C-12C58D58CF8E}"/>
                   </a:ext>
                 </a:extLst>
               </p:cNvPr>
@@ -4790,7 +5901,7 @@
             </p:nvSpPr>
             <p:spPr>
               <a:xfrm>
-                <a:off x="3858792" y="6261051"/>
+                <a:off x="3785116" y="6324118"/>
                 <a:ext cx="746999" cy="276999"/>
               </a:xfrm>
               <a:prstGeom prst="rect">
@@ -4812,22 +5923,10 @@
                     </m:oMathParaPr>
                     <m:oMath xmlns:m="http://schemas.openxmlformats.org/officeDocument/2006/math">
                       <m:r>
-                        <a:rPr lang="en-GB" smtClean="0">
-                          <a:latin typeface="Cambria Math" panose="02040503050406030204" pitchFamily="18" charset="0"/>
-                        </a:rPr>
-                        <m:t>£</m:t>
-                      </m:r>
-                      <m:r>
-                        <a:rPr lang="en-GB" b="0" i="0" smtClean="0">
-                          <a:latin typeface="Cambria Math" panose="02040503050406030204" pitchFamily="18" charset="0"/>
-                        </a:rPr>
-                        <m:t>3</m:t>
-                      </m:r>
-                      <m:r>
                         <a:rPr lang="en-GB">
                           <a:latin typeface="Cambria Math" panose="02040503050406030204" pitchFamily="18" charset="0"/>
                         </a:rPr>
-                        <m:t>,000</m:t>
+                        <m:t>£3,000</m:t>
                       </m:r>
                     </m:oMath>
                   </m:oMathPara>
@@ -4842,10 +5941,10 @@
         <mc:Fallback>
           <p:sp>
             <p:nvSpPr>
-              <p:cNvPr id="19" name="TextBox 18">
+              <p:cNvPr id="25" name="TextBox 24">
                 <a:extLst>
                   <a:ext uri="{FF2B5EF4-FFF2-40B4-BE49-F238E27FC236}">
-                    <a16:creationId xmlns:a16="http://schemas.microsoft.com/office/drawing/2014/main" id="{3882B97E-1AD0-9B45-A429-1E0A7E47FB74}"/>
+                    <a16:creationId xmlns:a16="http://schemas.microsoft.com/office/drawing/2014/main" id="{7C6653C5-AA95-D44C-A65C-12C58D58CF8E}"/>
                   </a:ext>
                 </a:extLst>
               </p:cNvPr>
@@ -4856,14 +5955,14 @@
             </p:nvSpPr>
             <p:spPr>
               <a:xfrm>
-                <a:off x="3858792" y="6261051"/>
+                <a:off x="3785116" y="6324118"/>
                 <a:ext cx="746999" cy="276999"/>
               </a:xfrm>
               <a:prstGeom prst="rect">
                 <a:avLst/>
               </a:prstGeom>
               <a:blipFill>
-                <a:blip r:embed="rId6"/>
+                <a:blip r:embed="rId5"/>
                 <a:stretch>
                   <a:fillRect l="-5000" r="-5000" b="-4348"/>
                 </a:stretch>
@@ -4887,7 +5986,7 @@
     </p:spTree>
     <p:extLst>
       <p:ext uri="{BB962C8B-B14F-4D97-AF65-F5344CB8AC3E}">
-        <p14:creationId xmlns:p14="http://schemas.microsoft.com/office/powerpoint/2010/main" val="2806225907"/>
+        <p14:creationId xmlns:p14="http://schemas.microsoft.com/office/powerpoint/2010/main" val="747039800"/>
       </p:ext>
     </p:extLst>
   </p:cSld>
@@ -4897,7 +5996,7 @@
 </p:sld>
 </file>
 
-<file path=ppt/slides/slide3.xml><?xml version="1.0" encoding="utf-8"?>
+<file path=ppt/slides/slide4.xml><?xml version="1.0" encoding="utf-8"?>
 <p:sld xmlns:a="http://schemas.openxmlformats.org/drawingml/2006/main" xmlns:r="http://schemas.openxmlformats.org/officeDocument/2006/relationships" xmlns:p="http://schemas.openxmlformats.org/presentationml/2006/main">
   <p:cSld>
     <p:spTree>
@@ -4928,7 +6027,7 @@
         </p:nvGrpSpPr>
         <p:grpSpPr>
           <a:xfrm>
-            <a:off x="389134" y="651643"/>
+            <a:off x="315454" y="714706"/>
             <a:ext cx="4834507" cy="5454868"/>
             <a:chOff x="1569149" y="630622"/>
             <a:chExt cx="8079348" cy="5454868"/>
@@ -5251,7 +6350,7 @@
                 <a:blipFill>
                   <a:blip r:embed="rId2"/>
                   <a:stretch>
-                    <a:fillRect l="-7143" r="-5357" b="-4348"/>
+                    <a:fillRect l="-7143" r="-7143" b="-4348"/>
                   </a:stretch>
                 </a:blipFill>
               </p:spPr>
@@ -5287,7 +6386,7 @@
         </p:nvSpPr>
         <p:spPr bwMode="auto">
           <a:xfrm flipH="1">
-            <a:off x="1242795" y="2543909"/>
+            <a:off x="1169114" y="2606971"/>
             <a:ext cx="678952" cy="0"/>
           </a:xfrm>
           <a:prstGeom prst="line">
@@ -5347,7 +6446,7 @@
         </p:nvSpPr>
         <p:spPr bwMode="auto">
           <a:xfrm>
-            <a:off x="1901110" y="2543909"/>
+            <a:off x="1827430" y="2606971"/>
             <a:ext cx="0" cy="3562602"/>
           </a:xfrm>
           <a:prstGeom prst="line">
@@ -5407,7 +6506,7 @@
             </p:nvSpPr>
             <p:spPr>
               <a:xfrm>
-                <a:off x="456501" y="2405411"/>
+                <a:off x="382822" y="2468476"/>
                 <a:ext cx="698909" cy="276999"/>
               </a:xfrm>
               <a:prstGeom prst="rect">
@@ -5461,7 +6560,7 @@
             </p:nvSpPr>
             <p:spPr>
               <a:xfrm>
-                <a:off x="456501" y="2405411"/>
+                <a:off x="382822" y="2468476"/>
                 <a:ext cx="698909" cy="276999"/>
               </a:xfrm>
               <a:prstGeom prst="rect">
@@ -5470,7 +6569,7 @@
               <a:blipFill>
                 <a:blip r:embed="rId3"/>
                 <a:stretch>
-                  <a:fillRect l="-7273" r="-5455" b="-4348"/>
+                  <a:fillRect l="-5357" r="-5357" b="-4348"/>
                 </a:stretch>
               </a:blipFill>
             </p:spPr>
@@ -5505,7 +6604,7 @@
             </p:nvSpPr>
             <p:spPr>
               <a:xfrm>
-                <a:off x="1557265" y="6268580"/>
+                <a:off x="1483588" y="6331647"/>
                 <a:ext cx="698909" cy="276999"/>
               </a:xfrm>
               <a:prstGeom prst="rect">
@@ -5559,7 +6658,7 @@
             </p:nvSpPr>
             <p:spPr>
               <a:xfrm>
-                <a:off x="1557265" y="6268580"/>
+                <a:off x="1483588" y="6331647"/>
                 <a:ext cx="698909" cy="276999"/>
               </a:xfrm>
               <a:prstGeom prst="rect">
@@ -5568,7 +6667,7 @@
               <a:blipFill>
                 <a:blip r:embed="rId4"/>
                 <a:stretch>
-                  <a:fillRect l="-5357" r="-3571" b="-4545"/>
+                  <a:fillRect l="-5357" r="-5357" b="-4545"/>
                 </a:stretch>
               </a:blipFill>
             </p:spPr>
@@ -5589,58 +6688,6 @@
       </mc:AlternateContent>
       <p:sp>
         <p:nvSpPr>
-          <p:cNvPr id="3" name="Arc 2">
-            <a:extLst>
-              <a:ext uri="{FF2B5EF4-FFF2-40B4-BE49-F238E27FC236}">
-                <a16:creationId xmlns:a16="http://schemas.microsoft.com/office/drawing/2014/main" id="{E08C5916-E8F7-5C4D-947C-556926177F16}"/>
-              </a:ext>
-            </a:extLst>
-          </p:cNvPr>
-          <p:cNvSpPr/>
-          <p:nvPr/>
-        </p:nvSpPr>
-        <p:spPr>
-          <a:xfrm rot="1691785">
-            <a:off x="118003" y="1484103"/>
-            <a:ext cx="2878524" cy="2987016"/>
-          </a:xfrm>
-          <a:prstGeom prst="arc">
-            <a:avLst>
-              <a:gd name="adj1" fmla="val 13876355"/>
-              <a:gd name="adj2" fmla="val 0"/>
-            </a:avLst>
-          </a:prstGeom>
-          <a:ln w="28575">
-            <a:tailEnd type="triangle"/>
-          </a:ln>
-        </p:spPr>
-        <p:style>
-          <a:lnRef idx="1">
-            <a:schemeClr val="accent1"/>
-          </a:lnRef>
-          <a:fillRef idx="0">
-            <a:schemeClr val="accent1"/>
-          </a:fillRef>
-          <a:effectRef idx="0">
-            <a:schemeClr val="accent1"/>
-          </a:effectRef>
-          <a:fontRef idx="minor">
-            <a:schemeClr val="tx1"/>
-          </a:fontRef>
-        </p:style>
-        <p:txBody>
-          <a:bodyPr rtlCol="0" anchor="ctr"/>
-          <a:lstStyle/>
-          <a:p>
-            <a:pPr algn="ctr"/>
-            <a:endParaRPr lang="de-DE" dirty="0">
-              <a:latin typeface="Helvetica Light" panose="020B0403020202020204" pitchFamily="34" charset="0"/>
-            </a:endParaRPr>
-          </a:p>
-        </p:txBody>
-      </p:sp>
-      <p:sp>
-        <p:nvSpPr>
           <p:cNvPr id="15" name="TextBox 14">
             <a:extLst>
               <a:ext uri="{FF2B5EF4-FFF2-40B4-BE49-F238E27FC236}">
@@ -5653,8 +6700,8 @@
         </p:nvSpPr>
         <p:spPr>
           <a:xfrm>
-            <a:off x="3592432" y="1711111"/>
-            <a:ext cx="2090316" cy="553998"/>
+            <a:off x="3518750" y="1774181"/>
+            <a:ext cx="1923604" cy="276999"/>
           </a:xfrm>
           <a:prstGeom prst="rect">
             <a:avLst/>
@@ -5671,45 +6718,7 @@
               <a:rPr lang="de-DE" dirty="0" err="1">
                 <a:latin typeface="Helvetica Light" panose="020B0403020202020204" pitchFamily="34" charset="0"/>
               </a:rPr>
-              <a:t>Any</a:t>
-            </a:r>
-            <a:r>
-              <a:rPr lang="de-DE" dirty="0">
-                <a:latin typeface="Helvetica Light" panose="020B0403020202020204" pitchFamily="34" charset="0"/>
-              </a:rPr>
-              <a:t> </a:t>
-            </a:r>
-            <a:r>
-              <a:rPr lang="de-DE" dirty="0" err="1">
-                <a:latin typeface="Helvetica Light" panose="020B0403020202020204" pitchFamily="34" charset="0"/>
-              </a:rPr>
-              <a:t>point</a:t>
-            </a:r>
-            <a:r>
-              <a:rPr lang="de-DE" dirty="0">
-                <a:latin typeface="Helvetica Light" panose="020B0403020202020204" pitchFamily="34" charset="0"/>
-              </a:rPr>
-              <a:t> on </a:t>
-            </a:r>
-          </a:p>
-          <a:p>
-            <a:r>
-              <a:rPr lang="de-DE" dirty="0" err="1">
-                <a:latin typeface="Helvetica Light" panose="020B0403020202020204" pitchFamily="34" charset="0"/>
-              </a:rPr>
-              <a:t>the</a:t>
-            </a:r>
-            <a:r>
-              <a:rPr lang="de-DE" dirty="0">
-                <a:latin typeface="Helvetica Light" panose="020B0403020202020204" pitchFamily="34" charset="0"/>
-              </a:rPr>
-              <a:t> </a:t>
-            </a:r>
-            <a:r>
-              <a:rPr lang="de-DE" dirty="0" err="1">
-                <a:latin typeface="Helvetica Light" panose="020B0403020202020204" pitchFamily="34" charset="0"/>
-              </a:rPr>
-              <a:t>line</a:t>
+              <a:t>Which</a:t>
             </a:r>
             <a:r>
               <a:rPr lang="de-DE" dirty="0">
@@ -5727,17 +6736,8 @@
               <a:rPr lang="de-DE" dirty="0">
                 <a:latin typeface="Helvetica Light" panose="020B0403020202020204" pitchFamily="34" charset="0"/>
               </a:rPr>
-              <a:t> </a:t>
+              <a:t> optimal??</a:t>
             </a:r>
-            <a:r>
-              <a:rPr lang="de-DE" dirty="0" err="1">
-                <a:latin typeface="Helvetica Light" panose="020B0403020202020204" pitchFamily="34" charset="0"/>
-              </a:rPr>
-              <a:t>affordable</a:t>
-            </a:r>
-            <a:endParaRPr lang="de-DE" dirty="0">
-              <a:latin typeface="Helvetica Light" panose="020B0403020202020204" pitchFamily="34" charset="0"/>
-            </a:endParaRPr>
           </a:p>
         </p:txBody>
       </p:sp>
@@ -5757,7 +6757,7 @@
         </p:nvSpPr>
         <p:spPr bwMode="auto">
           <a:xfrm>
-            <a:off x="1842582" y="2480481"/>
+            <a:off x="1768901" y="2543547"/>
             <a:ext cx="117054" cy="126857"/>
           </a:xfrm>
           <a:prstGeom prst="ellipse">
@@ -5818,7 +6818,7 @@
         </p:nvSpPr>
         <p:spPr bwMode="auto">
           <a:xfrm flipH="1">
-            <a:off x="1230986" y="3823078"/>
+            <a:off x="1157309" y="3886141"/>
             <a:ext cx="1474075" cy="0"/>
           </a:xfrm>
           <a:prstGeom prst="line">
@@ -5878,7 +6878,7 @@
         </p:nvSpPr>
         <p:spPr bwMode="auto">
           <a:xfrm>
-            <a:off x="2705059" y="3823078"/>
+            <a:off x="2631378" y="3886141"/>
             <a:ext cx="0" cy="2366598"/>
           </a:xfrm>
           <a:prstGeom prst="line">
@@ -5938,7 +6938,7 @@
         </p:nvSpPr>
         <p:spPr bwMode="auto">
           <a:xfrm>
-            <a:off x="2646533" y="3747148"/>
+            <a:off x="2572852" y="3810214"/>
             <a:ext cx="117054" cy="126857"/>
           </a:xfrm>
           <a:prstGeom prst="ellipse">
@@ -5985,58 +6985,6 @@
       </p:sp>
       <p:sp>
         <p:nvSpPr>
-          <p:cNvPr id="22" name="Arc 21">
-            <a:extLst>
-              <a:ext uri="{FF2B5EF4-FFF2-40B4-BE49-F238E27FC236}">
-                <a16:creationId xmlns:a16="http://schemas.microsoft.com/office/drawing/2014/main" id="{39E8DF06-786B-684A-BF54-C8DEF022FE33}"/>
-              </a:ext>
-            </a:extLst>
-          </p:cNvPr>
-          <p:cNvSpPr/>
-          <p:nvPr/>
-        </p:nvSpPr>
-        <p:spPr>
-          <a:xfrm rot="1691785">
-            <a:off x="-514994" y="1427275"/>
-            <a:ext cx="4194531" cy="4387692"/>
-          </a:xfrm>
-          <a:prstGeom prst="arc">
-            <a:avLst>
-              <a:gd name="adj1" fmla="val 13876355"/>
-              <a:gd name="adj2" fmla="val 0"/>
-            </a:avLst>
-          </a:prstGeom>
-          <a:ln w="28575">
-            <a:tailEnd type="triangle"/>
-          </a:ln>
-        </p:spPr>
-        <p:style>
-          <a:lnRef idx="1">
-            <a:schemeClr val="accent1"/>
-          </a:lnRef>
-          <a:fillRef idx="0">
-            <a:schemeClr val="accent1"/>
-          </a:fillRef>
-          <a:effectRef idx="0">
-            <a:schemeClr val="accent1"/>
-          </a:effectRef>
-          <a:fontRef idx="minor">
-            <a:schemeClr val="tx1"/>
-          </a:fontRef>
-        </p:style>
-        <p:txBody>
-          <a:bodyPr rtlCol="0" anchor="ctr"/>
-          <a:lstStyle/>
-          <a:p>
-            <a:pPr algn="ctr"/>
-            <a:endParaRPr lang="de-DE" dirty="0">
-              <a:latin typeface="Helvetica Light" panose="020B0403020202020204" pitchFamily="34" charset="0"/>
-            </a:endParaRPr>
-          </a:p>
-        </p:txBody>
-      </p:sp>
-      <p:sp>
-        <p:nvSpPr>
           <p:cNvPr id="23" name="Oval 14">
             <a:extLst>
               <a:ext uri="{FF2B5EF4-FFF2-40B4-BE49-F238E27FC236}">
@@ -6051,7 +6999,7 @@
         </p:nvSpPr>
         <p:spPr bwMode="auto">
           <a:xfrm>
-            <a:off x="3263153" y="4653174"/>
+            <a:off x="3189472" y="4716240"/>
             <a:ext cx="117054" cy="126857"/>
           </a:xfrm>
           <a:prstGeom prst="ellipse">
@@ -6096,14 +7044,134 @@
           </a:p>
         </p:txBody>
       </p:sp>
+      <p:sp>
+        <p:nvSpPr>
+          <p:cNvPr id="24" name="Line 8">
+            <a:extLst>
+              <a:ext uri="{FF2B5EF4-FFF2-40B4-BE49-F238E27FC236}">
+                <a16:creationId xmlns:a16="http://schemas.microsoft.com/office/drawing/2014/main" id="{40EAC9DF-F447-ED46-9EF8-CBD653C13AEB}"/>
+              </a:ext>
+            </a:extLst>
+          </p:cNvPr>
+          <p:cNvSpPr>
+            <a:spLocks noChangeShapeType="1"/>
+          </p:cNvSpPr>
+          <p:nvPr/>
+        </p:nvSpPr>
+        <p:spPr bwMode="auto">
+          <a:xfrm flipH="1" flipV="1">
+            <a:off x="1011542" y="4765699"/>
+            <a:ext cx="2244510" cy="6379"/>
+          </a:xfrm>
+          <a:prstGeom prst="line">
+            <a:avLst/>
+          </a:prstGeom>
+          <a:noFill/>
+          <a:ln w="12700">
+            <a:solidFill>
+              <a:schemeClr val="tx1"/>
+            </a:solidFill>
+            <a:prstDash val="dash"/>
+            <a:round/>
+            <a:headEnd type="none" w="sm" len="sm"/>
+            <a:tailEnd type="none" w="sm" len="sm"/>
+          </a:ln>
+          <a:effectLst/>
+          <a:extLst>
+            <a:ext uri="{909E8E84-426E-40DD-AFC4-6F175D3DCCD1}">
+              <a14:hiddenFill xmlns:a14="http://schemas.microsoft.com/office/drawing/2010/main">
+                <a:noFill/>
+              </a14:hiddenFill>
+            </a:ext>
+            <a:ext uri="{AF507438-7753-43E0-B8FC-AC1667EBCBE1}">
+              <a14:hiddenEffects xmlns:a14="http://schemas.microsoft.com/office/drawing/2010/main">
+                <a:effectLst>
+                  <a:outerShdw dist="35921" dir="2700000" algn="ctr" rotWithShape="0">
+                    <a:schemeClr val="bg2"/>
+                  </a:outerShdw>
+                </a:effectLst>
+              </a14:hiddenEffects>
+            </a:ext>
+          </a:extLst>
+        </p:spPr>
+        <p:txBody>
+          <a:bodyPr wrap="none" anchor="ctr"/>
+          <a:lstStyle/>
+          <a:p>
+            <a:endParaRPr lang="de-DE" dirty="0">
+              <a:latin typeface="Helvetica Light" panose="020B0403020202020204" pitchFamily="34" charset="0"/>
+            </a:endParaRPr>
+          </a:p>
+        </p:txBody>
+      </p:sp>
+      <p:sp>
+        <p:nvSpPr>
+          <p:cNvPr id="25" name="Line 7">
+            <a:extLst>
+              <a:ext uri="{FF2B5EF4-FFF2-40B4-BE49-F238E27FC236}">
+                <a16:creationId xmlns:a16="http://schemas.microsoft.com/office/drawing/2014/main" id="{68A8CD36-0781-E844-8B59-825E1CC5015E}"/>
+              </a:ext>
+            </a:extLst>
+          </p:cNvPr>
+          <p:cNvSpPr>
+            <a:spLocks noChangeShapeType="1"/>
+          </p:cNvSpPr>
+          <p:nvPr/>
+        </p:nvSpPr>
+        <p:spPr bwMode="auto">
+          <a:xfrm>
+            <a:off x="3256050" y="4772078"/>
+            <a:ext cx="0" cy="1397503"/>
+          </a:xfrm>
+          <a:prstGeom prst="line">
+            <a:avLst/>
+          </a:prstGeom>
+          <a:noFill/>
+          <a:ln w="12700">
+            <a:solidFill>
+              <a:schemeClr val="tx1"/>
+            </a:solidFill>
+            <a:prstDash val="dash"/>
+            <a:round/>
+            <a:headEnd type="none" w="sm" len="sm"/>
+            <a:tailEnd type="none" w="sm" len="sm"/>
+          </a:ln>
+          <a:effectLst/>
+          <a:extLst>
+            <a:ext uri="{909E8E84-426E-40DD-AFC4-6F175D3DCCD1}">
+              <a14:hiddenFill xmlns:a14="http://schemas.microsoft.com/office/drawing/2010/main">
+                <a:noFill/>
+              </a14:hiddenFill>
+            </a:ext>
+            <a:ext uri="{AF507438-7753-43E0-B8FC-AC1667EBCBE1}">
+              <a14:hiddenEffects xmlns:a14="http://schemas.microsoft.com/office/drawing/2010/main">
+                <a:effectLst>
+                  <a:outerShdw dist="35921" dir="2700000" algn="ctr" rotWithShape="0">
+                    <a:schemeClr val="bg2"/>
+                  </a:outerShdw>
+                </a:effectLst>
+              </a14:hiddenEffects>
+            </a:ext>
+          </a:extLst>
+        </p:spPr>
+        <p:txBody>
+          <a:bodyPr wrap="none" anchor="ctr"/>
+          <a:lstStyle/>
+          <a:p>
+            <a:endParaRPr lang="de-DE" dirty="0">
+              <a:latin typeface="Helvetica Light" panose="020B0403020202020204" pitchFamily="34" charset="0"/>
+            </a:endParaRPr>
+          </a:p>
+        </p:txBody>
+      </p:sp>
       <mc:AlternateContent xmlns:mc="http://schemas.openxmlformats.org/markup-compatibility/2006">
         <mc:Choice xmlns:a14="http://schemas.microsoft.com/office/drawing/2010/main" Requires="a14">
           <p:sp>
             <p:nvSpPr>
-              <p:cNvPr id="25" name="TextBox 24">
+              <p:cNvPr id="22" name="TextBox 21">
                 <a:extLst>
                   <a:ext uri="{FF2B5EF4-FFF2-40B4-BE49-F238E27FC236}">
-                    <a16:creationId xmlns:a16="http://schemas.microsoft.com/office/drawing/2014/main" id="{7C6653C5-AA95-D44C-A65C-12C58D58CF8E}"/>
+                    <a16:creationId xmlns:a16="http://schemas.microsoft.com/office/drawing/2014/main" id="{55EF10E2-B239-FB47-9C77-8950DFD89E6F}"/>
                   </a:ext>
                 </a:extLst>
               </p:cNvPr>
@@ -6112,7 +7180,7 @@
             </p:nvSpPr>
             <p:spPr>
               <a:xfrm>
-                <a:off x="3858792" y="6261051"/>
+                <a:off x="3785116" y="6324118"/>
                 <a:ext cx="746999" cy="276999"/>
               </a:xfrm>
               <a:prstGeom prst="rect">
@@ -6134,22 +7202,10 @@
                     </m:oMathParaPr>
                     <m:oMath xmlns:m="http://schemas.openxmlformats.org/officeDocument/2006/math">
                       <m:r>
-                        <a:rPr lang="en-GB" smtClean="0">
-                          <a:latin typeface="Cambria Math" panose="02040503050406030204" pitchFamily="18" charset="0"/>
-                        </a:rPr>
-                        <m:t>£</m:t>
-                      </m:r>
-                      <m:r>
-                        <a:rPr lang="en-GB" b="0" i="0" smtClean="0">
-                          <a:latin typeface="Cambria Math" panose="02040503050406030204" pitchFamily="18" charset="0"/>
-                        </a:rPr>
-                        <m:t>3</m:t>
-                      </m:r>
-                      <m:r>
                         <a:rPr lang="en-GB">
                           <a:latin typeface="Cambria Math" panose="02040503050406030204" pitchFamily="18" charset="0"/>
                         </a:rPr>
-                        <m:t>,000</m:t>
+                        <m:t>£3,000</m:t>
                       </m:r>
                     </m:oMath>
                   </m:oMathPara>
@@ -6164,10 +7220,10 @@
         <mc:Fallback>
           <p:sp>
             <p:nvSpPr>
-              <p:cNvPr id="25" name="TextBox 24">
+              <p:cNvPr id="22" name="TextBox 21">
                 <a:extLst>
                   <a:ext uri="{FF2B5EF4-FFF2-40B4-BE49-F238E27FC236}">
-                    <a16:creationId xmlns:a16="http://schemas.microsoft.com/office/drawing/2014/main" id="{7C6653C5-AA95-D44C-A65C-12C58D58CF8E}"/>
+                    <a16:creationId xmlns:a16="http://schemas.microsoft.com/office/drawing/2014/main" id="{55EF10E2-B239-FB47-9C77-8950DFD89E6F}"/>
                   </a:ext>
                 </a:extLst>
               </p:cNvPr>
@@ -6178,7 +7234,7 @@
             </p:nvSpPr>
             <p:spPr>
               <a:xfrm>
-                <a:off x="3858792" y="6261051"/>
+                <a:off x="3785116" y="6324118"/>
                 <a:ext cx="746999" cy="276999"/>
               </a:xfrm>
               <a:prstGeom prst="rect">
@@ -6209,7 +7265,7 @@
     </p:spTree>
     <p:extLst>
       <p:ext uri="{BB962C8B-B14F-4D97-AF65-F5344CB8AC3E}">
-        <p14:creationId xmlns:p14="http://schemas.microsoft.com/office/powerpoint/2010/main" val="747039800"/>
+        <p14:creationId xmlns:p14="http://schemas.microsoft.com/office/powerpoint/2010/main" val="3026722784"/>
       </p:ext>
     </p:extLst>
   </p:cSld>
@@ -6219,7 +7275,7 @@
 </p:sld>
 </file>
 
-<file path=ppt/slides/slide4.xml><?xml version="1.0" encoding="utf-8"?>
+<file path=ppt/slides/slide5.xml><?xml version="1.0" encoding="utf-8"?>
 <p:sld xmlns:a="http://schemas.openxmlformats.org/drawingml/2006/main" xmlns:r="http://schemas.openxmlformats.org/officeDocument/2006/relationships" xmlns:p="http://schemas.openxmlformats.org/presentationml/2006/main">
   <p:cSld>
     <p:spTree>
@@ -6250,7 +7306,7 @@
         </p:nvGrpSpPr>
         <p:grpSpPr>
           <a:xfrm>
-            <a:off x="389134" y="651643"/>
+            <a:off x="315453" y="714706"/>
             <a:ext cx="4834507" cy="5454868"/>
             <a:chOff x="1569149" y="630622"/>
             <a:chExt cx="8079348" cy="5454868"/>
@@ -6573,7 +7629,7 @@
                 <a:blipFill>
                   <a:blip r:embed="rId2"/>
                   <a:stretch>
-                    <a:fillRect l="-7143" r="-5357" b="-4348"/>
+                    <a:fillRect l="-7143" r="-7143" b="-4348"/>
                   </a:stretch>
                 </a:blipFill>
               </p:spPr>
@@ -6593,126 +7649,6 @@
           </mc:Fallback>
         </mc:AlternateContent>
       </p:grpSp>
-      <p:sp>
-        <p:nvSpPr>
-          <p:cNvPr id="11" name="Line 8">
-            <a:extLst>
-              <a:ext uri="{FF2B5EF4-FFF2-40B4-BE49-F238E27FC236}">
-                <a16:creationId xmlns:a16="http://schemas.microsoft.com/office/drawing/2014/main" id="{929685E1-241C-A74F-9DF4-3A593FF3601A}"/>
-              </a:ext>
-            </a:extLst>
-          </p:cNvPr>
-          <p:cNvSpPr>
-            <a:spLocks noChangeShapeType="1"/>
-          </p:cNvSpPr>
-          <p:nvPr/>
-        </p:nvSpPr>
-        <p:spPr bwMode="auto">
-          <a:xfrm flipH="1">
-            <a:off x="1242795" y="2543909"/>
-            <a:ext cx="678952" cy="0"/>
-          </a:xfrm>
-          <a:prstGeom prst="line">
-            <a:avLst/>
-          </a:prstGeom>
-          <a:noFill/>
-          <a:ln w="12700">
-            <a:solidFill>
-              <a:schemeClr val="tx1"/>
-            </a:solidFill>
-            <a:prstDash val="dash"/>
-            <a:round/>
-            <a:headEnd type="none" w="sm" len="sm"/>
-            <a:tailEnd type="none" w="sm" len="sm"/>
-          </a:ln>
-          <a:effectLst/>
-          <a:extLst>
-            <a:ext uri="{909E8E84-426E-40DD-AFC4-6F175D3DCCD1}">
-              <a14:hiddenFill xmlns:a14="http://schemas.microsoft.com/office/drawing/2010/main">
-                <a:noFill/>
-              </a14:hiddenFill>
-            </a:ext>
-            <a:ext uri="{AF507438-7753-43E0-B8FC-AC1667EBCBE1}">
-              <a14:hiddenEffects xmlns:a14="http://schemas.microsoft.com/office/drawing/2010/main">
-                <a:effectLst>
-                  <a:outerShdw dist="35921" dir="2700000" algn="ctr" rotWithShape="0">
-                    <a:schemeClr val="bg2"/>
-                  </a:outerShdw>
-                </a:effectLst>
-              </a14:hiddenEffects>
-            </a:ext>
-          </a:extLst>
-        </p:spPr>
-        <p:txBody>
-          <a:bodyPr wrap="none" anchor="ctr"/>
-          <a:lstStyle/>
-          <a:p>
-            <a:endParaRPr lang="de-DE" dirty="0">
-              <a:latin typeface="Helvetica Light" panose="020B0403020202020204" pitchFamily="34" charset="0"/>
-            </a:endParaRPr>
-          </a:p>
-        </p:txBody>
-      </p:sp>
-      <p:sp>
-        <p:nvSpPr>
-          <p:cNvPr id="12" name="Line 7">
-            <a:extLst>
-              <a:ext uri="{FF2B5EF4-FFF2-40B4-BE49-F238E27FC236}">
-                <a16:creationId xmlns:a16="http://schemas.microsoft.com/office/drawing/2014/main" id="{B01FF1B0-968A-4447-8DDC-EA14F3E85C7B}"/>
-              </a:ext>
-            </a:extLst>
-          </p:cNvPr>
-          <p:cNvSpPr>
-            <a:spLocks noChangeShapeType="1"/>
-          </p:cNvSpPr>
-          <p:nvPr/>
-        </p:nvSpPr>
-        <p:spPr bwMode="auto">
-          <a:xfrm>
-            <a:off x="1901110" y="2543909"/>
-            <a:ext cx="0" cy="3562602"/>
-          </a:xfrm>
-          <a:prstGeom prst="line">
-            <a:avLst/>
-          </a:prstGeom>
-          <a:noFill/>
-          <a:ln w="12700">
-            <a:solidFill>
-              <a:schemeClr val="tx1"/>
-            </a:solidFill>
-            <a:prstDash val="dash"/>
-            <a:round/>
-            <a:headEnd type="none" w="sm" len="sm"/>
-            <a:tailEnd type="none" w="sm" len="sm"/>
-          </a:ln>
-          <a:effectLst/>
-          <a:extLst>
-            <a:ext uri="{909E8E84-426E-40DD-AFC4-6F175D3DCCD1}">
-              <a14:hiddenFill xmlns:a14="http://schemas.microsoft.com/office/drawing/2010/main">
-                <a:noFill/>
-              </a14:hiddenFill>
-            </a:ext>
-            <a:ext uri="{AF507438-7753-43E0-B8FC-AC1667EBCBE1}">
-              <a14:hiddenEffects xmlns:a14="http://schemas.microsoft.com/office/drawing/2010/main">
-                <a:effectLst>
-                  <a:outerShdw dist="35921" dir="2700000" algn="ctr" rotWithShape="0">
-                    <a:schemeClr val="bg2"/>
-                  </a:outerShdw>
-                </a:effectLst>
-              </a14:hiddenEffects>
-            </a:ext>
-          </a:extLst>
-        </p:spPr>
-        <p:txBody>
-          <a:bodyPr wrap="none" anchor="ctr"/>
-          <a:lstStyle/>
-          <a:p>
-            <a:endParaRPr lang="de-DE" dirty="0">
-              <a:latin typeface="Helvetica Light" panose="020B0403020202020204" pitchFamily="34" charset="0"/>
-            </a:endParaRPr>
-          </a:p>
-        </p:txBody>
-      </p:sp>
       <mc:AlternateContent xmlns:mc="http://schemas.openxmlformats.org/markup-compatibility/2006">
         <mc:Choice xmlns:a14="http://schemas.microsoft.com/office/drawing/2010/main" Requires="a14">
           <p:sp>
@@ -6729,7 +7665,7 @@
             </p:nvSpPr>
             <p:spPr>
               <a:xfrm>
-                <a:off x="456501" y="2405411"/>
+                <a:off x="382821" y="2468476"/>
                 <a:ext cx="698909" cy="276999"/>
               </a:xfrm>
               <a:prstGeom prst="rect">
@@ -6783,7 +7719,7 @@
             </p:nvSpPr>
             <p:spPr>
               <a:xfrm>
-                <a:off x="456501" y="2405411"/>
+                <a:off x="382821" y="2468476"/>
                 <a:ext cx="698909" cy="276999"/>
               </a:xfrm>
               <a:prstGeom prst="rect">
@@ -6792,7 +7728,7 @@
               <a:blipFill>
                 <a:blip r:embed="rId3"/>
                 <a:stretch>
-                  <a:fillRect l="-7273" r="-5455" b="-4348"/>
+                  <a:fillRect l="-5357" r="-5357" b="-4348"/>
                 </a:stretch>
               </a:blipFill>
             </p:spPr>
@@ -6827,7 +7763,7 @@
             </p:nvSpPr>
             <p:spPr>
               <a:xfrm>
-                <a:off x="1557265" y="6268580"/>
+                <a:off x="1483587" y="6331647"/>
                 <a:ext cx="698909" cy="276999"/>
               </a:xfrm>
               <a:prstGeom prst="rect">
@@ -6881,7 +7817,7 @@
             </p:nvSpPr>
             <p:spPr>
               <a:xfrm>
-                <a:off x="1557265" y="6268580"/>
+                <a:off x="1483587" y="6331647"/>
                 <a:ext cx="698909" cy="276999"/>
               </a:xfrm>
               <a:prstGeom prst="rect">
@@ -6890,7 +7826,7 @@
               <a:blipFill>
                 <a:blip r:embed="rId4"/>
                 <a:stretch>
-                  <a:fillRect l="-5357" r="-3571" b="-4545"/>
+                  <a:fillRect l="-5357" r="-5357" b="-4545"/>
                 </a:stretch>
               </a:blipFill>
             </p:spPr>
@@ -6923,8 +7859,8 @@
         </p:nvSpPr>
         <p:spPr>
           <a:xfrm>
-            <a:off x="3592431" y="1711114"/>
-            <a:ext cx="1923604" cy="276999"/>
+            <a:off x="2968654" y="920671"/>
+            <a:ext cx="1987724" cy="276999"/>
           </a:xfrm>
           <a:prstGeom prst="rect">
             <a:avLst/>
@@ -6941,7 +7877,7 @@
               <a:rPr lang="de-DE" dirty="0" err="1">
                 <a:latin typeface="Helvetica Light" panose="020B0403020202020204" pitchFamily="34" charset="0"/>
               </a:rPr>
-              <a:t>Which</a:t>
+              <a:t>Indifference</a:t>
             </a:r>
             <a:r>
               <a:rPr lang="de-DE" dirty="0">
@@ -6953,106 +7889,90 @@
               <a:rPr lang="de-DE" dirty="0" err="1">
                 <a:latin typeface="Helvetica Light" panose="020B0403020202020204" pitchFamily="34" charset="0"/>
               </a:rPr>
-              <a:t>is</a:t>
+              <a:t>curves</a:t>
             </a:r>
-            <a:r>
-              <a:rPr lang="de-DE" dirty="0">
-                <a:latin typeface="Helvetica Light" panose="020B0403020202020204" pitchFamily="34" charset="0"/>
-              </a:rPr>
-              <a:t> optimal??</a:t>
-            </a:r>
+            <a:endParaRPr lang="de-DE" dirty="0">
+              <a:latin typeface="Helvetica Light" panose="020B0403020202020204" pitchFamily="34" charset="0"/>
+            </a:endParaRPr>
           </a:p>
         </p:txBody>
       </p:sp>
       <p:sp>
         <p:nvSpPr>
-          <p:cNvPr id="16" name="Oval 14">
+          <p:cNvPr id="28" name="Freeform 20">
             <a:extLst>
               <a:ext uri="{FF2B5EF4-FFF2-40B4-BE49-F238E27FC236}">
-                <a16:creationId xmlns:a16="http://schemas.microsoft.com/office/drawing/2014/main" id="{D38A9E78-5451-014B-8A6C-1269713417C0}"/>
+                <a16:creationId xmlns:a16="http://schemas.microsoft.com/office/drawing/2014/main" id="{7722FC68-5665-A342-BF29-943B6ED56958}"/>
               </a:ext>
             </a:extLst>
           </p:cNvPr>
           <p:cNvSpPr>
-            <a:spLocks noChangeArrowheads="1"/>
+            <a:spLocks/>
           </p:cNvSpPr>
           <p:nvPr/>
         </p:nvSpPr>
         <p:spPr bwMode="auto">
           <a:xfrm>
-            <a:off x="1842582" y="2480481"/>
-            <a:ext cx="117054" cy="126857"/>
+            <a:off x="1157308" y="1288915"/>
+            <a:ext cx="4157091" cy="4797494"/>
           </a:xfrm>
-          <a:prstGeom prst="ellipse">
+          <a:custGeom>
             <a:avLst/>
-          </a:prstGeom>
-          <a:solidFill>
-            <a:schemeClr val="accent1"/>
-          </a:solidFill>
-          <a:ln>
-            <a:noFill/>
-          </a:ln>
-          <a:effectLst/>
-          <a:extLst>
-            <a:ext uri="{91240B29-F687-4F45-9708-019B960494DF}">
-              <a14:hiddenLine xmlns:a14="http://schemas.microsoft.com/office/drawing/2010/main" w="12700">
-                <a:solidFill>
-                  <a:schemeClr val="tx1"/>
-                </a:solidFill>
-                <a:round/>
-                <a:headEnd type="none" w="sm" len="sm"/>
-                <a:tailEnd type="none" w="sm" len="sm"/>
-              </a14:hiddenLine>
-            </a:ext>
-            <a:ext uri="{AF507438-7753-43E0-B8FC-AC1667EBCBE1}">
-              <a14:hiddenEffects xmlns:a14="http://schemas.microsoft.com/office/drawing/2010/main">
-                <a:effectLst>
-                  <a:outerShdw dist="35921" dir="2700000" algn="ctr" rotWithShape="0">
-                    <a:schemeClr val="bg2"/>
-                  </a:outerShdw>
-                </a:effectLst>
-              </a14:hiddenEffects>
-            </a:ext>
-          </a:extLst>
-        </p:spPr>
-        <p:txBody>
-          <a:bodyPr wrap="none" anchor="ctr"/>
-          <a:lstStyle/>
-          <a:p>
-            <a:endParaRPr lang="de-DE" dirty="0">
-              <a:latin typeface="Helvetica Light" panose="020B0403020202020204" pitchFamily="34" charset="0"/>
-            </a:endParaRPr>
-          </a:p>
-        </p:txBody>
-      </p:sp>
-      <p:sp>
-        <p:nvSpPr>
-          <p:cNvPr id="19" name="Line 8">
-            <a:extLst>
-              <a:ext uri="{FF2B5EF4-FFF2-40B4-BE49-F238E27FC236}">
-                <a16:creationId xmlns:a16="http://schemas.microsoft.com/office/drawing/2014/main" id="{17949BB4-0150-7C4B-9EC5-7E283F5B9D1C}"/>
-              </a:ext>
-            </a:extLst>
-          </p:cNvPr>
-          <p:cNvSpPr>
-            <a:spLocks noChangeShapeType="1"/>
-          </p:cNvSpPr>
-          <p:nvPr/>
-        </p:nvSpPr>
-        <p:spPr bwMode="auto">
-          <a:xfrm flipH="1">
-            <a:off x="1230986" y="3823078"/>
-            <a:ext cx="1474075" cy="0"/>
-          </a:xfrm>
-          <a:prstGeom prst="line">
-            <a:avLst/>
-          </a:prstGeom>
+            <a:gdLst>
+              <a:gd name="T0" fmla="*/ 0 w 1536"/>
+              <a:gd name="T1" fmla="*/ 0 h 1728"/>
+              <a:gd name="T2" fmla="*/ 96 w 1536"/>
+              <a:gd name="T3" fmla="*/ 960 h 1728"/>
+              <a:gd name="T4" fmla="*/ 576 w 1536"/>
+              <a:gd name="T5" fmla="*/ 1488 h 1728"/>
+              <a:gd name="T6" fmla="*/ 1536 w 1536"/>
+              <a:gd name="T7" fmla="*/ 1728 h 1728"/>
+            </a:gdLst>
+            <a:ahLst/>
+            <a:cxnLst>
+              <a:cxn ang="0">
+                <a:pos x="T0" y="T1"/>
+              </a:cxn>
+              <a:cxn ang="0">
+                <a:pos x="T2" y="T3"/>
+              </a:cxn>
+              <a:cxn ang="0">
+                <a:pos x="T4" y="T5"/>
+              </a:cxn>
+              <a:cxn ang="0">
+                <a:pos x="T6" y="T7"/>
+              </a:cxn>
+            </a:cxnLst>
+            <a:rect l="0" t="0" r="r" b="b"/>
+            <a:pathLst>
+              <a:path w="1536" h="1728">
+                <a:moveTo>
+                  <a:pt x="0" y="0"/>
+                </a:moveTo>
+                <a:cubicBezTo>
+                  <a:pt x="0" y="356"/>
+                  <a:pt x="0" y="712"/>
+                  <a:pt x="96" y="960"/>
+                </a:cubicBezTo>
+                <a:cubicBezTo>
+                  <a:pt x="192" y="1208"/>
+                  <a:pt x="336" y="1360"/>
+                  <a:pt x="576" y="1488"/>
+                </a:cubicBezTo>
+                <a:cubicBezTo>
+                  <a:pt x="816" y="1616"/>
+                  <a:pt x="1176" y="1672"/>
+                  <a:pt x="1536" y="1728"/>
+                </a:cubicBezTo>
+              </a:path>
+            </a:pathLst>
+          </a:custGeom>
           <a:noFill/>
-          <a:ln w="12700">
+          <a:ln w="25400" cap="flat" cmpd="sng">
             <a:solidFill>
-              <a:schemeClr val="tx1"/>
+              <a:schemeClr val="hlink"/>
             </a:solidFill>
-            <a:prstDash val="dash"/>
+            <a:prstDash val="solid"/>
             <a:round/>
             <a:headEnd type="none" w="sm" len="sm"/>
             <a:tailEnd type="none" w="sm" len="sm"/>
@@ -7061,7 +7981,9 @@
           <a:extLst>
             <a:ext uri="{909E8E84-426E-40DD-AFC4-6F175D3DCCD1}">
               <a14:hiddenFill xmlns:a14="http://schemas.microsoft.com/office/drawing/2010/main">
-                <a:noFill/>
+                <a:solidFill>
+                  <a:schemeClr val="accent1"/>
+                </a:solidFill>
               </a14:hiddenFill>
             </a:ext>
             <a:ext uri="{AF507438-7753-43E0-B8FC-AC1667EBCBE1}">
@@ -7087,32 +8009,80 @@
       </p:sp>
       <p:sp>
         <p:nvSpPr>
-          <p:cNvPr id="20" name="Line 7">
+          <p:cNvPr id="29" name="Freeform 21">
             <a:extLst>
               <a:ext uri="{FF2B5EF4-FFF2-40B4-BE49-F238E27FC236}">
-                <a16:creationId xmlns:a16="http://schemas.microsoft.com/office/drawing/2014/main" id="{E4FEC2A8-5622-C642-8404-9E29CB62E195}"/>
+                <a16:creationId xmlns:a16="http://schemas.microsoft.com/office/drawing/2014/main" id="{1EE5A137-5692-DC48-B713-E92B90731BEE}"/>
               </a:ext>
             </a:extLst>
           </p:cNvPr>
           <p:cNvSpPr>
-            <a:spLocks noChangeShapeType="1"/>
+            <a:spLocks/>
           </p:cNvSpPr>
           <p:nvPr/>
         </p:nvSpPr>
         <p:spPr bwMode="auto">
           <a:xfrm>
-            <a:off x="2705059" y="3823078"/>
-            <a:ext cx="0" cy="2366598"/>
+            <a:off x="1676946" y="1022387"/>
+            <a:ext cx="3767363" cy="4530966"/>
           </a:xfrm>
-          <a:prstGeom prst="line">
+          <a:custGeom>
             <a:avLst/>
-          </a:prstGeom>
+            <a:gdLst>
+              <a:gd name="T0" fmla="*/ 0 w 1392"/>
+              <a:gd name="T1" fmla="*/ 0 h 1632"/>
+              <a:gd name="T2" fmla="*/ 144 w 1392"/>
+              <a:gd name="T3" fmla="*/ 864 h 1632"/>
+              <a:gd name="T4" fmla="*/ 720 w 1392"/>
+              <a:gd name="T5" fmla="*/ 1440 h 1632"/>
+              <a:gd name="T6" fmla="*/ 1392 w 1392"/>
+              <a:gd name="T7" fmla="*/ 1632 h 1632"/>
+            </a:gdLst>
+            <a:ahLst/>
+            <a:cxnLst>
+              <a:cxn ang="0">
+                <a:pos x="T0" y="T1"/>
+              </a:cxn>
+              <a:cxn ang="0">
+                <a:pos x="T2" y="T3"/>
+              </a:cxn>
+              <a:cxn ang="0">
+                <a:pos x="T4" y="T5"/>
+              </a:cxn>
+              <a:cxn ang="0">
+                <a:pos x="T6" y="T7"/>
+              </a:cxn>
+            </a:cxnLst>
+            <a:rect l="0" t="0" r="r" b="b"/>
+            <a:pathLst>
+              <a:path w="1392" h="1632">
+                <a:moveTo>
+                  <a:pt x="0" y="0"/>
+                </a:moveTo>
+                <a:cubicBezTo>
+                  <a:pt x="12" y="312"/>
+                  <a:pt x="24" y="624"/>
+                  <a:pt x="144" y="864"/>
+                </a:cubicBezTo>
+                <a:cubicBezTo>
+                  <a:pt x="264" y="1104"/>
+                  <a:pt x="512" y="1312"/>
+                  <a:pt x="720" y="1440"/>
+                </a:cubicBezTo>
+                <a:cubicBezTo>
+                  <a:pt x="928" y="1568"/>
+                  <a:pt x="1160" y="1600"/>
+                  <a:pt x="1392" y="1632"/>
+                </a:cubicBezTo>
+              </a:path>
+            </a:pathLst>
+          </a:custGeom>
           <a:noFill/>
-          <a:ln w="12700">
+          <a:ln w="25400" cap="flat" cmpd="sng">
             <a:solidFill>
-              <a:schemeClr val="tx1"/>
+              <a:schemeClr val="hlink"/>
             </a:solidFill>
-            <a:prstDash val="dash"/>
+            <a:prstDash val="solid"/>
             <a:round/>
             <a:headEnd type="none" w="sm" len="sm"/>
             <a:tailEnd type="none" w="sm" len="sm"/>
@@ -7121,7 +8091,9 @@
           <a:extLst>
             <a:ext uri="{909E8E84-426E-40DD-AFC4-6F175D3DCCD1}">
               <a14:hiddenFill xmlns:a14="http://schemas.microsoft.com/office/drawing/2010/main">
-                <a:noFill/>
+                <a:solidFill>
+                  <a:schemeClr val="accent1"/>
+                </a:solidFill>
               </a14:hiddenFill>
             </a:ext>
             <a:ext uri="{AF507438-7753-43E0-B8FC-AC1667EBCBE1}">
@@ -7147,154 +8119,80 @@
       </p:sp>
       <p:sp>
         <p:nvSpPr>
-          <p:cNvPr id="21" name="Oval 14">
+          <p:cNvPr id="30" name="Freeform 22">
             <a:extLst>
               <a:ext uri="{FF2B5EF4-FFF2-40B4-BE49-F238E27FC236}">
-                <a16:creationId xmlns:a16="http://schemas.microsoft.com/office/drawing/2014/main" id="{5BE6A8D8-FF7E-304E-85DE-ADDE48CC452F}"/>
+                <a16:creationId xmlns:a16="http://schemas.microsoft.com/office/drawing/2014/main" id="{1D8D49FA-716A-FD4F-92BF-665A34CFAE63}"/>
               </a:ext>
             </a:extLst>
           </p:cNvPr>
           <p:cNvSpPr>
-            <a:spLocks noChangeArrowheads="1"/>
+            <a:spLocks/>
           </p:cNvSpPr>
           <p:nvPr/>
         </p:nvSpPr>
         <p:spPr bwMode="auto">
           <a:xfrm>
-            <a:off x="2646533" y="3747148"/>
-            <a:ext cx="117054" cy="126857"/>
+            <a:off x="2326486" y="889123"/>
+            <a:ext cx="3377637" cy="3864648"/>
           </a:xfrm>
-          <a:prstGeom prst="ellipse">
+          <a:custGeom>
             <a:avLst/>
-          </a:prstGeom>
-          <a:solidFill>
-            <a:schemeClr val="accent1"/>
-          </a:solidFill>
-          <a:ln>
-            <a:noFill/>
-          </a:ln>
-          <a:effectLst/>
-          <a:extLst>
-            <a:ext uri="{91240B29-F687-4F45-9708-019B960494DF}">
-              <a14:hiddenLine xmlns:a14="http://schemas.microsoft.com/office/drawing/2010/main" w="12700">
-                <a:solidFill>
-                  <a:schemeClr val="tx1"/>
-                </a:solidFill>
-                <a:round/>
-                <a:headEnd type="none" w="sm" len="sm"/>
-                <a:tailEnd type="none" w="sm" len="sm"/>
-              </a14:hiddenLine>
-            </a:ext>
-            <a:ext uri="{AF507438-7753-43E0-B8FC-AC1667EBCBE1}">
-              <a14:hiddenEffects xmlns:a14="http://schemas.microsoft.com/office/drawing/2010/main">
-                <a:effectLst>
-                  <a:outerShdw dist="35921" dir="2700000" algn="ctr" rotWithShape="0">
-                    <a:schemeClr val="bg2"/>
-                  </a:outerShdw>
-                </a:effectLst>
-              </a14:hiddenEffects>
-            </a:ext>
-          </a:extLst>
-        </p:spPr>
-        <p:txBody>
-          <a:bodyPr wrap="none" anchor="ctr"/>
-          <a:lstStyle/>
-          <a:p>
-            <a:endParaRPr lang="de-DE" dirty="0">
-              <a:latin typeface="Helvetica Light" panose="020B0403020202020204" pitchFamily="34" charset="0"/>
-            </a:endParaRPr>
-          </a:p>
-        </p:txBody>
-      </p:sp>
-      <p:sp>
-        <p:nvSpPr>
-          <p:cNvPr id="23" name="Oval 14">
-            <a:extLst>
-              <a:ext uri="{FF2B5EF4-FFF2-40B4-BE49-F238E27FC236}">
-                <a16:creationId xmlns:a16="http://schemas.microsoft.com/office/drawing/2014/main" id="{59DC2685-B293-9E48-AE33-00CE60D03C09}"/>
-              </a:ext>
-            </a:extLst>
-          </p:cNvPr>
-          <p:cNvSpPr>
-            <a:spLocks noChangeArrowheads="1"/>
-          </p:cNvSpPr>
-          <p:nvPr/>
-        </p:nvSpPr>
-        <p:spPr bwMode="auto">
-          <a:xfrm>
-            <a:off x="3263153" y="4653174"/>
-            <a:ext cx="117054" cy="126857"/>
-          </a:xfrm>
-          <a:prstGeom prst="ellipse">
-            <a:avLst/>
-          </a:prstGeom>
-          <a:solidFill>
-            <a:schemeClr val="accent1"/>
-          </a:solidFill>
-          <a:ln>
-            <a:noFill/>
-          </a:ln>
-          <a:effectLst/>
-          <a:extLst>
-            <a:ext uri="{91240B29-F687-4F45-9708-019B960494DF}">
-              <a14:hiddenLine xmlns:a14="http://schemas.microsoft.com/office/drawing/2010/main" w="12700">
-                <a:solidFill>
-                  <a:schemeClr val="tx1"/>
-                </a:solidFill>
-                <a:round/>
-                <a:headEnd type="none" w="sm" len="sm"/>
-                <a:tailEnd type="none" w="sm" len="sm"/>
-              </a14:hiddenLine>
-            </a:ext>
-            <a:ext uri="{AF507438-7753-43E0-B8FC-AC1667EBCBE1}">
-              <a14:hiddenEffects xmlns:a14="http://schemas.microsoft.com/office/drawing/2010/main">
-                <a:effectLst>
-                  <a:outerShdw dist="35921" dir="2700000" algn="ctr" rotWithShape="0">
-                    <a:schemeClr val="bg2"/>
-                  </a:outerShdw>
-                </a:effectLst>
-              </a14:hiddenEffects>
-            </a:ext>
-          </a:extLst>
-        </p:spPr>
-        <p:txBody>
-          <a:bodyPr wrap="none" anchor="ctr"/>
-          <a:lstStyle/>
-          <a:p>
-            <a:endParaRPr lang="de-DE" dirty="0">
-              <a:latin typeface="Helvetica Light" panose="020B0403020202020204" pitchFamily="34" charset="0"/>
-            </a:endParaRPr>
-          </a:p>
-        </p:txBody>
-      </p:sp>
-      <p:sp>
-        <p:nvSpPr>
-          <p:cNvPr id="24" name="Line 8">
-            <a:extLst>
-              <a:ext uri="{FF2B5EF4-FFF2-40B4-BE49-F238E27FC236}">
-                <a16:creationId xmlns:a16="http://schemas.microsoft.com/office/drawing/2014/main" id="{40EAC9DF-F447-ED46-9EF8-CBD653C13AEB}"/>
-              </a:ext>
-            </a:extLst>
-          </p:cNvPr>
-          <p:cNvSpPr>
-            <a:spLocks noChangeShapeType="1"/>
-          </p:cNvSpPr>
-          <p:nvPr/>
-        </p:nvSpPr>
-        <p:spPr bwMode="auto">
-          <a:xfrm flipH="1" flipV="1">
-            <a:off x="1085222" y="4702631"/>
-            <a:ext cx="2244510" cy="6379"/>
-          </a:xfrm>
-          <a:prstGeom prst="line">
-            <a:avLst/>
-          </a:prstGeom>
+            <a:gdLst>
+              <a:gd name="T0" fmla="*/ 0 w 1248"/>
+              <a:gd name="T1" fmla="*/ 0 h 1392"/>
+              <a:gd name="T2" fmla="*/ 240 w 1248"/>
+              <a:gd name="T3" fmla="*/ 720 h 1392"/>
+              <a:gd name="T4" fmla="*/ 768 w 1248"/>
+              <a:gd name="T5" fmla="*/ 1200 h 1392"/>
+              <a:gd name="T6" fmla="*/ 1248 w 1248"/>
+              <a:gd name="T7" fmla="*/ 1392 h 1392"/>
+            </a:gdLst>
+            <a:ahLst/>
+            <a:cxnLst>
+              <a:cxn ang="0">
+                <a:pos x="T0" y="T1"/>
+              </a:cxn>
+              <a:cxn ang="0">
+                <a:pos x="T2" y="T3"/>
+              </a:cxn>
+              <a:cxn ang="0">
+                <a:pos x="T4" y="T5"/>
+              </a:cxn>
+              <a:cxn ang="0">
+                <a:pos x="T6" y="T7"/>
+              </a:cxn>
+            </a:cxnLst>
+            <a:rect l="0" t="0" r="r" b="b"/>
+            <a:pathLst>
+              <a:path w="1248" h="1392">
+                <a:moveTo>
+                  <a:pt x="0" y="0"/>
+                </a:moveTo>
+                <a:cubicBezTo>
+                  <a:pt x="56" y="260"/>
+                  <a:pt x="112" y="520"/>
+                  <a:pt x="240" y="720"/>
+                </a:cubicBezTo>
+                <a:cubicBezTo>
+                  <a:pt x="368" y="920"/>
+                  <a:pt x="600" y="1088"/>
+                  <a:pt x="768" y="1200"/>
+                </a:cubicBezTo>
+                <a:cubicBezTo>
+                  <a:pt x="936" y="1312"/>
+                  <a:pt x="1092" y="1352"/>
+                  <a:pt x="1248" y="1392"/>
+                </a:cubicBezTo>
+              </a:path>
+            </a:pathLst>
+          </a:custGeom>
           <a:noFill/>
-          <a:ln w="12700">
+          <a:ln w="25400" cap="flat" cmpd="sng">
             <a:solidFill>
-              <a:schemeClr val="tx1"/>
+              <a:schemeClr val="hlink"/>
             </a:solidFill>
-            <a:prstDash val="dash"/>
+            <a:prstDash val="solid"/>
             <a:round/>
             <a:headEnd type="none" w="sm" len="sm"/>
             <a:tailEnd type="none" w="sm" len="sm"/>
@@ -7303,7 +8201,9 @@
           <a:extLst>
             <a:ext uri="{909E8E84-426E-40DD-AFC4-6F175D3DCCD1}">
               <a14:hiddenFill xmlns:a14="http://schemas.microsoft.com/office/drawing/2010/main">
-                <a:noFill/>
+                <a:solidFill>
+                  <a:schemeClr val="accent1"/>
+                </a:solidFill>
               </a14:hiddenFill>
             </a:ext>
             <a:ext uri="{AF507438-7753-43E0-B8FC-AC1667EBCBE1}">
@@ -7327,74 +8227,14 @@
           </a:p>
         </p:txBody>
       </p:sp>
-      <p:sp>
-        <p:nvSpPr>
-          <p:cNvPr id="25" name="Line 7">
-            <a:extLst>
-              <a:ext uri="{FF2B5EF4-FFF2-40B4-BE49-F238E27FC236}">
-                <a16:creationId xmlns:a16="http://schemas.microsoft.com/office/drawing/2014/main" id="{68A8CD36-0781-E844-8B59-825E1CC5015E}"/>
-              </a:ext>
-            </a:extLst>
-          </p:cNvPr>
-          <p:cNvSpPr>
-            <a:spLocks noChangeShapeType="1"/>
-          </p:cNvSpPr>
-          <p:nvPr/>
-        </p:nvSpPr>
-        <p:spPr bwMode="auto">
-          <a:xfrm>
-            <a:off x="3329732" y="4709012"/>
-            <a:ext cx="0" cy="1397503"/>
-          </a:xfrm>
-          <a:prstGeom prst="line">
-            <a:avLst/>
-          </a:prstGeom>
-          <a:noFill/>
-          <a:ln w="12700">
-            <a:solidFill>
-              <a:schemeClr val="tx1"/>
-            </a:solidFill>
-            <a:prstDash val="dash"/>
-            <a:round/>
-            <a:headEnd type="none" w="sm" len="sm"/>
-            <a:tailEnd type="none" w="sm" len="sm"/>
-          </a:ln>
-          <a:effectLst/>
-          <a:extLst>
-            <a:ext uri="{909E8E84-426E-40DD-AFC4-6F175D3DCCD1}">
-              <a14:hiddenFill xmlns:a14="http://schemas.microsoft.com/office/drawing/2010/main">
-                <a:noFill/>
-              </a14:hiddenFill>
-            </a:ext>
-            <a:ext uri="{AF507438-7753-43E0-B8FC-AC1667EBCBE1}">
-              <a14:hiddenEffects xmlns:a14="http://schemas.microsoft.com/office/drawing/2010/main">
-                <a:effectLst>
-                  <a:outerShdw dist="35921" dir="2700000" algn="ctr" rotWithShape="0">
-                    <a:schemeClr val="bg2"/>
-                  </a:outerShdw>
-                </a:effectLst>
-              </a14:hiddenEffects>
-            </a:ext>
-          </a:extLst>
-        </p:spPr>
-        <p:txBody>
-          <a:bodyPr wrap="none" anchor="ctr"/>
-          <a:lstStyle/>
-          <a:p>
-            <a:endParaRPr lang="de-DE" dirty="0">
-              <a:latin typeface="Helvetica Light" panose="020B0403020202020204" pitchFamily="34" charset="0"/>
-            </a:endParaRPr>
-          </a:p>
-        </p:txBody>
-      </p:sp>
       <mc:AlternateContent xmlns:mc="http://schemas.openxmlformats.org/markup-compatibility/2006">
         <mc:Choice xmlns:a14="http://schemas.microsoft.com/office/drawing/2010/main" Requires="a14">
           <p:sp>
             <p:nvSpPr>
-              <p:cNvPr id="22" name="TextBox 21">
+              <p:cNvPr id="16" name="TextBox 15">
                 <a:extLst>
                   <a:ext uri="{FF2B5EF4-FFF2-40B4-BE49-F238E27FC236}">
-                    <a16:creationId xmlns:a16="http://schemas.microsoft.com/office/drawing/2014/main" id="{55EF10E2-B239-FB47-9C77-8950DFD89E6F}"/>
+                    <a16:creationId xmlns:a16="http://schemas.microsoft.com/office/drawing/2014/main" id="{1088BE8C-E9C6-AA41-8B66-7C1ADD2B118B}"/>
                   </a:ext>
                 </a:extLst>
               </p:cNvPr>
@@ -7403,7 +8243,7 @@
             </p:nvSpPr>
             <p:spPr>
               <a:xfrm>
-                <a:off x="3858792" y="6261051"/>
+                <a:off x="3785115" y="6324118"/>
                 <a:ext cx="746999" cy="276999"/>
               </a:xfrm>
               <a:prstGeom prst="rect">
@@ -7425,22 +8265,10 @@
                     </m:oMathParaPr>
                     <m:oMath xmlns:m="http://schemas.openxmlformats.org/officeDocument/2006/math">
                       <m:r>
-                        <a:rPr lang="en-GB" smtClean="0">
-                          <a:latin typeface="Cambria Math" panose="02040503050406030204" pitchFamily="18" charset="0"/>
-                        </a:rPr>
-                        <m:t>£</m:t>
-                      </m:r>
-                      <m:r>
-                        <a:rPr lang="en-GB" b="0" i="0" smtClean="0">
-                          <a:latin typeface="Cambria Math" panose="02040503050406030204" pitchFamily="18" charset="0"/>
-                        </a:rPr>
-                        <m:t>3</m:t>
-                      </m:r>
-                      <m:r>
                         <a:rPr lang="en-GB">
                           <a:latin typeface="Cambria Math" panose="02040503050406030204" pitchFamily="18" charset="0"/>
                         </a:rPr>
-                        <m:t>,000</m:t>
+                        <m:t>£3,000</m:t>
                       </m:r>
                     </m:oMath>
                   </m:oMathPara>
@@ -7455,10 +8283,10 @@
         <mc:Fallback>
           <p:sp>
             <p:nvSpPr>
-              <p:cNvPr id="22" name="TextBox 21">
+              <p:cNvPr id="16" name="TextBox 15">
                 <a:extLst>
                   <a:ext uri="{FF2B5EF4-FFF2-40B4-BE49-F238E27FC236}">
-                    <a16:creationId xmlns:a16="http://schemas.microsoft.com/office/drawing/2014/main" id="{55EF10E2-B239-FB47-9C77-8950DFD89E6F}"/>
+                    <a16:creationId xmlns:a16="http://schemas.microsoft.com/office/drawing/2014/main" id="{1088BE8C-E9C6-AA41-8B66-7C1ADD2B118B}"/>
                   </a:ext>
                 </a:extLst>
               </p:cNvPr>
@@ -7469,7 +8297,7 @@
             </p:nvSpPr>
             <p:spPr>
               <a:xfrm>
-                <a:off x="3858792" y="6261051"/>
+                <a:off x="3785115" y="6324118"/>
                 <a:ext cx="746999" cy="276999"/>
               </a:xfrm>
               <a:prstGeom prst="rect">
@@ -7500,7 +8328,7 @@
     </p:spTree>
     <p:extLst>
       <p:ext uri="{BB962C8B-B14F-4D97-AF65-F5344CB8AC3E}">
-        <p14:creationId xmlns:p14="http://schemas.microsoft.com/office/powerpoint/2010/main" val="3026722784"/>
+        <p14:creationId xmlns:p14="http://schemas.microsoft.com/office/powerpoint/2010/main" val="243812772"/>
       </p:ext>
     </p:extLst>
   </p:cSld>
@@ -7510,7 +8338,7 @@
 </p:sld>
 </file>
 
-<file path=ppt/slides/slide5.xml><?xml version="1.0" encoding="utf-8"?>
+<file path=ppt/slides/slide6.xml><?xml version="1.0" encoding="utf-8"?>
 <p:sld xmlns:a="http://schemas.openxmlformats.org/drawingml/2006/main" xmlns:r="http://schemas.openxmlformats.org/officeDocument/2006/relationships" xmlns:p="http://schemas.openxmlformats.org/presentationml/2006/main">
   <p:cSld>
     <p:spTree>
@@ -7541,7 +8369,7 @@
         </p:nvGrpSpPr>
         <p:grpSpPr>
           <a:xfrm>
-            <a:off x="389134" y="651643"/>
+            <a:off x="315453" y="714706"/>
             <a:ext cx="4834507" cy="5454868"/>
             <a:chOff x="1569149" y="630622"/>
             <a:chExt cx="8079348" cy="5454868"/>
@@ -7864,7 +8692,7 @@
                 <a:blipFill>
                   <a:blip r:embed="rId2"/>
                   <a:stretch>
-                    <a:fillRect l="-7143" r="-5357" b="-4348"/>
+                    <a:fillRect l="-7143" r="-7143" b="-4348"/>
                   </a:stretch>
                 </a:blipFill>
               </p:spPr>
@@ -7884,6 +8712,126 @@
           </mc:Fallback>
         </mc:AlternateContent>
       </p:grpSp>
+      <p:sp>
+        <p:nvSpPr>
+          <p:cNvPr id="11" name="Line 8">
+            <a:extLst>
+              <a:ext uri="{FF2B5EF4-FFF2-40B4-BE49-F238E27FC236}">
+                <a16:creationId xmlns:a16="http://schemas.microsoft.com/office/drawing/2014/main" id="{929685E1-241C-A74F-9DF4-3A593FF3601A}"/>
+              </a:ext>
+            </a:extLst>
+          </p:cNvPr>
+          <p:cNvSpPr>
+            <a:spLocks noChangeShapeType="1"/>
+          </p:cNvSpPr>
+          <p:nvPr/>
+        </p:nvSpPr>
+        <p:spPr bwMode="auto">
+          <a:xfrm flipH="1">
+            <a:off x="1169113" y="2606971"/>
+            <a:ext cx="678952" cy="0"/>
+          </a:xfrm>
+          <a:prstGeom prst="line">
+            <a:avLst/>
+          </a:prstGeom>
+          <a:noFill/>
+          <a:ln w="12700">
+            <a:solidFill>
+              <a:schemeClr val="tx1"/>
+            </a:solidFill>
+            <a:prstDash val="dash"/>
+            <a:round/>
+            <a:headEnd type="none" w="sm" len="sm"/>
+            <a:tailEnd type="none" w="sm" len="sm"/>
+          </a:ln>
+          <a:effectLst/>
+          <a:extLst>
+            <a:ext uri="{909E8E84-426E-40DD-AFC4-6F175D3DCCD1}">
+              <a14:hiddenFill xmlns:a14="http://schemas.microsoft.com/office/drawing/2010/main">
+                <a:noFill/>
+              </a14:hiddenFill>
+            </a:ext>
+            <a:ext uri="{AF507438-7753-43E0-B8FC-AC1667EBCBE1}">
+              <a14:hiddenEffects xmlns:a14="http://schemas.microsoft.com/office/drawing/2010/main">
+                <a:effectLst>
+                  <a:outerShdw dist="35921" dir="2700000" algn="ctr" rotWithShape="0">
+                    <a:schemeClr val="bg2"/>
+                  </a:outerShdw>
+                </a:effectLst>
+              </a14:hiddenEffects>
+            </a:ext>
+          </a:extLst>
+        </p:spPr>
+        <p:txBody>
+          <a:bodyPr wrap="none" anchor="ctr"/>
+          <a:lstStyle/>
+          <a:p>
+            <a:endParaRPr lang="de-DE" dirty="0">
+              <a:latin typeface="Helvetica Light" panose="020B0403020202020204" pitchFamily="34" charset="0"/>
+            </a:endParaRPr>
+          </a:p>
+        </p:txBody>
+      </p:sp>
+      <p:sp>
+        <p:nvSpPr>
+          <p:cNvPr id="12" name="Line 7">
+            <a:extLst>
+              <a:ext uri="{FF2B5EF4-FFF2-40B4-BE49-F238E27FC236}">
+                <a16:creationId xmlns:a16="http://schemas.microsoft.com/office/drawing/2014/main" id="{B01FF1B0-968A-4447-8DDC-EA14F3E85C7B}"/>
+              </a:ext>
+            </a:extLst>
+          </p:cNvPr>
+          <p:cNvSpPr>
+            <a:spLocks noChangeShapeType="1"/>
+          </p:cNvSpPr>
+          <p:nvPr/>
+        </p:nvSpPr>
+        <p:spPr bwMode="auto">
+          <a:xfrm>
+            <a:off x="1827429" y="2606971"/>
+            <a:ext cx="0" cy="3562602"/>
+          </a:xfrm>
+          <a:prstGeom prst="line">
+            <a:avLst/>
+          </a:prstGeom>
+          <a:noFill/>
+          <a:ln w="12700">
+            <a:solidFill>
+              <a:schemeClr val="tx1"/>
+            </a:solidFill>
+            <a:prstDash val="dash"/>
+            <a:round/>
+            <a:headEnd type="none" w="sm" len="sm"/>
+            <a:tailEnd type="none" w="sm" len="sm"/>
+          </a:ln>
+          <a:effectLst/>
+          <a:extLst>
+            <a:ext uri="{909E8E84-426E-40DD-AFC4-6F175D3DCCD1}">
+              <a14:hiddenFill xmlns:a14="http://schemas.microsoft.com/office/drawing/2010/main">
+                <a:noFill/>
+              </a14:hiddenFill>
+            </a:ext>
+            <a:ext uri="{AF507438-7753-43E0-B8FC-AC1667EBCBE1}">
+              <a14:hiddenEffects xmlns:a14="http://schemas.microsoft.com/office/drawing/2010/main">
+                <a:effectLst>
+                  <a:outerShdw dist="35921" dir="2700000" algn="ctr" rotWithShape="0">
+                    <a:schemeClr val="bg2"/>
+                  </a:outerShdw>
+                </a:effectLst>
+              </a14:hiddenEffects>
+            </a:ext>
+          </a:extLst>
+        </p:spPr>
+        <p:txBody>
+          <a:bodyPr wrap="none" anchor="ctr"/>
+          <a:lstStyle/>
+          <a:p>
+            <a:endParaRPr lang="de-DE" dirty="0">
+              <a:latin typeface="Helvetica Light" panose="020B0403020202020204" pitchFamily="34" charset="0"/>
+            </a:endParaRPr>
+          </a:p>
+        </p:txBody>
+      </p:sp>
       <mc:AlternateContent xmlns:mc="http://schemas.openxmlformats.org/markup-compatibility/2006">
         <mc:Choice xmlns:a14="http://schemas.microsoft.com/office/drawing/2010/main" Requires="a14">
           <p:sp>
@@ -7900,7 +8848,7 @@
             </p:nvSpPr>
             <p:spPr>
               <a:xfrm>
-                <a:off x="456501" y="2405411"/>
+                <a:off x="382821" y="2468476"/>
                 <a:ext cx="698909" cy="276999"/>
               </a:xfrm>
               <a:prstGeom prst="rect">
@@ -7954,7 +8902,7 @@
             </p:nvSpPr>
             <p:spPr>
               <a:xfrm>
-                <a:off x="456501" y="2405411"/>
+                <a:off x="382821" y="2468476"/>
                 <a:ext cx="698909" cy="276999"/>
               </a:xfrm>
               <a:prstGeom prst="rect">
@@ -7963,7 +8911,7 @@
               <a:blipFill>
                 <a:blip r:embed="rId3"/>
                 <a:stretch>
-                  <a:fillRect l="-7273" r="-5455" b="-4348"/>
+                  <a:fillRect l="-5357" r="-5357" b="-4348"/>
                 </a:stretch>
               </a:blipFill>
             </p:spPr>
@@ -7998,7 +8946,7 @@
             </p:nvSpPr>
             <p:spPr>
               <a:xfrm>
-                <a:off x="1557265" y="6268580"/>
+                <a:off x="1483587" y="6331647"/>
                 <a:ext cx="698909" cy="276999"/>
               </a:xfrm>
               <a:prstGeom prst="rect">
@@ -8052,7 +9000,7 @@
             </p:nvSpPr>
             <p:spPr>
               <a:xfrm>
-                <a:off x="1557265" y="6268580"/>
+                <a:off x="1483587" y="6331647"/>
                 <a:ext cx="698909" cy="276999"/>
               </a:xfrm>
               <a:prstGeom prst="rect">
@@ -8061,7 +9009,7 @@
               <a:blipFill>
                 <a:blip r:embed="rId4"/>
                 <a:stretch>
-                  <a:fillRect l="-5357" r="-3571" b="-4545"/>
+                  <a:fillRect l="-5357" r="-5357" b="-4545"/>
                 </a:stretch>
               </a:blipFill>
             </p:spPr>
@@ -8094,7 +9042,7 @@
         </p:nvSpPr>
         <p:spPr>
           <a:xfrm>
-            <a:off x="3042336" y="857603"/>
+            <a:off x="2493819" y="945292"/>
             <a:ext cx="1987724" cy="276999"/>
           </a:xfrm>
           <a:prstGeom prst="rect">
@@ -8134,1201 +9082,6 @@
       </p:sp>
       <p:sp>
         <p:nvSpPr>
-          <p:cNvPr id="28" name="Freeform 20">
-            <a:extLst>
-              <a:ext uri="{FF2B5EF4-FFF2-40B4-BE49-F238E27FC236}">
-                <a16:creationId xmlns:a16="http://schemas.microsoft.com/office/drawing/2014/main" id="{7722FC68-5665-A342-BF29-943B6ED56958}"/>
-              </a:ext>
-            </a:extLst>
-          </p:cNvPr>
-          <p:cNvSpPr>
-            <a:spLocks/>
-          </p:cNvSpPr>
-          <p:nvPr/>
-        </p:nvSpPr>
-        <p:spPr bwMode="auto">
-          <a:xfrm>
-            <a:off x="1230987" y="1225852"/>
-            <a:ext cx="4157091" cy="4797494"/>
-          </a:xfrm>
-          <a:custGeom>
-            <a:avLst/>
-            <a:gdLst>
-              <a:gd name="T0" fmla="*/ 0 w 1536"/>
-              <a:gd name="T1" fmla="*/ 0 h 1728"/>
-              <a:gd name="T2" fmla="*/ 96 w 1536"/>
-              <a:gd name="T3" fmla="*/ 960 h 1728"/>
-              <a:gd name="T4" fmla="*/ 576 w 1536"/>
-              <a:gd name="T5" fmla="*/ 1488 h 1728"/>
-              <a:gd name="T6" fmla="*/ 1536 w 1536"/>
-              <a:gd name="T7" fmla="*/ 1728 h 1728"/>
-            </a:gdLst>
-            <a:ahLst/>
-            <a:cxnLst>
-              <a:cxn ang="0">
-                <a:pos x="T0" y="T1"/>
-              </a:cxn>
-              <a:cxn ang="0">
-                <a:pos x="T2" y="T3"/>
-              </a:cxn>
-              <a:cxn ang="0">
-                <a:pos x="T4" y="T5"/>
-              </a:cxn>
-              <a:cxn ang="0">
-                <a:pos x="T6" y="T7"/>
-              </a:cxn>
-            </a:cxnLst>
-            <a:rect l="0" t="0" r="r" b="b"/>
-            <a:pathLst>
-              <a:path w="1536" h="1728">
-                <a:moveTo>
-                  <a:pt x="0" y="0"/>
-                </a:moveTo>
-                <a:cubicBezTo>
-                  <a:pt x="0" y="356"/>
-                  <a:pt x="0" y="712"/>
-                  <a:pt x="96" y="960"/>
-                </a:cubicBezTo>
-                <a:cubicBezTo>
-                  <a:pt x="192" y="1208"/>
-                  <a:pt x="336" y="1360"/>
-                  <a:pt x="576" y="1488"/>
-                </a:cubicBezTo>
-                <a:cubicBezTo>
-                  <a:pt x="816" y="1616"/>
-                  <a:pt x="1176" y="1672"/>
-                  <a:pt x="1536" y="1728"/>
-                </a:cubicBezTo>
-              </a:path>
-            </a:pathLst>
-          </a:custGeom>
-          <a:noFill/>
-          <a:ln w="25400" cap="flat" cmpd="sng">
-            <a:solidFill>
-              <a:schemeClr val="hlink"/>
-            </a:solidFill>
-            <a:prstDash val="solid"/>
-            <a:round/>
-            <a:headEnd type="none" w="sm" len="sm"/>
-            <a:tailEnd type="none" w="sm" len="sm"/>
-          </a:ln>
-          <a:effectLst/>
-          <a:extLst>
-            <a:ext uri="{909E8E84-426E-40DD-AFC4-6F175D3DCCD1}">
-              <a14:hiddenFill xmlns:a14="http://schemas.microsoft.com/office/drawing/2010/main">
-                <a:solidFill>
-                  <a:schemeClr val="accent1"/>
-                </a:solidFill>
-              </a14:hiddenFill>
-            </a:ext>
-            <a:ext uri="{AF507438-7753-43E0-B8FC-AC1667EBCBE1}">
-              <a14:hiddenEffects xmlns:a14="http://schemas.microsoft.com/office/drawing/2010/main">
-                <a:effectLst>
-                  <a:outerShdw dist="35921" dir="2700000" algn="ctr" rotWithShape="0">
-                    <a:schemeClr val="bg2"/>
-                  </a:outerShdw>
-                </a:effectLst>
-              </a14:hiddenEffects>
-            </a:ext>
-          </a:extLst>
-        </p:spPr>
-        <p:txBody>
-          <a:bodyPr wrap="none" anchor="ctr"/>
-          <a:lstStyle/>
-          <a:p>
-            <a:endParaRPr lang="de-DE" dirty="0">
-              <a:latin typeface="Helvetica Light" panose="020B0403020202020204" pitchFamily="34" charset="0"/>
-            </a:endParaRPr>
-          </a:p>
-        </p:txBody>
-      </p:sp>
-      <p:sp>
-        <p:nvSpPr>
-          <p:cNvPr id="29" name="Freeform 21">
-            <a:extLst>
-              <a:ext uri="{FF2B5EF4-FFF2-40B4-BE49-F238E27FC236}">
-                <a16:creationId xmlns:a16="http://schemas.microsoft.com/office/drawing/2014/main" id="{1EE5A137-5692-DC48-B713-E92B90731BEE}"/>
-              </a:ext>
-            </a:extLst>
-          </p:cNvPr>
-          <p:cNvSpPr>
-            <a:spLocks/>
-          </p:cNvSpPr>
-          <p:nvPr/>
-        </p:nvSpPr>
-        <p:spPr bwMode="auto">
-          <a:xfrm>
-            <a:off x="1750623" y="959325"/>
-            <a:ext cx="3767363" cy="4530966"/>
-          </a:xfrm>
-          <a:custGeom>
-            <a:avLst/>
-            <a:gdLst>
-              <a:gd name="T0" fmla="*/ 0 w 1392"/>
-              <a:gd name="T1" fmla="*/ 0 h 1632"/>
-              <a:gd name="T2" fmla="*/ 144 w 1392"/>
-              <a:gd name="T3" fmla="*/ 864 h 1632"/>
-              <a:gd name="T4" fmla="*/ 720 w 1392"/>
-              <a:gd name="T5" fmla="*/ 1440 h 1632"/>
-              <a:gd name="T6" fmla="*/ 1392 w 1392"/>
-              <a:gd name="T7" fmla="*/ 1632 h 1632"/>
-            </a:gdLst>
-            <a:ahLst/>
-            <a:cxnLst>
-              <a:cxn ang="0">
-                <a:pos x="T0" y="T1"/>
-              </a:cxn>
-              <a:cxn ang="0">
-                <a:pos x="T2" y="T3"/>
-              </a:cxn>
-              <a:cxn ang="0">
-                <a:pos x="T4" y="T5"/>
-              </a:cxn>
-              <a:cxn ang="0">
-                <a:pos x="T6" y="T7"/>
-              </a:cxn>
-            </a:cxnLst>
-            <a:rect l="0" t="0" r="r" b="b"/>
-            <a:pathLst>
-              <a:path w="1392" h="1632">
-                <a:moveTo>
-                  <a:pt x="0" y="0"/>
-                </a:moveTo>
-                <a:cubicBezTo>
-                  <a:pt x="12" y="312"/>
-                  <a:pt x="24" y="624"/>
-                  <a:pt x="144" y="864"/>
-                </a:cubicBezTo>
-                <a:cubicBezTo>
-                  <a:pt x="264" y="1104"/>
-                  <a:pt x="512" y="1312"/>
-                  <a:pt x="720" y="1440"/>
-                </a:cubicBezTo>
-                <a:cubicBezTo>
-                  <a:pt x="928" y="1568"/>
-                  <a:pt x="1160" y="1600"/>
-                  <a:pt x="1392" y="1632"/>
-                </a:cubicBezTo>
-              </a:path>
-            </a:pathLst>
-          </a:custGeom>
-          <a:noFill/>
-          <a:ln w="25400" cap="flat" cmpd="sng">
-            <a:solidFill>
-              <a:schemeClr val="hlink"/>
-            </a:solidFill>
-            <a:prstDash val="solid"/>
-            <a:round/>
-            <a:headEnd type="none" w="sm" len="sm"/>
-            <a:tailEnd type="none" w="sm" len="sm"/>
-          </a:ln>
-          <a:effectLst/>
-          <a:extLst>
-            <a:ext uri="{909E8E84-426E-40DD-AFC4-6F175D3DCCD1}">
-              <a14:hiddenFill xmlns:a14="http://schemas.microsoft.com/office/drawing/2010/main">
-                <a:solidFill>
-                  <a:schemeClr val="accent1"/>
-                </a:solidFill>
-              </a14:hiddenFill>
-            </a:ext>
-            <a:ext uri="{AF507438-7753-43E0-B8FC-AC1667EBCBE1}">
-              <a14:hiddenEffects xmlns:a14="http://schemas.microsoft.com/office/drawing/2010/main">
-                <a:effectLst>
-                  <a:outerShdw dist="35921" dir="2700000" algn="ctr" rotWithShape="0">
-                    <a:schemeClr val="bg2"/>
-                  </a:outerShdw>
-                </a:effectLst>
-              </a14:hiddenEffects>
-            </a:ext>
-          </a:extLst>
-        </p:spPr>
-        <p:txBody>
-          <a:bodyPr wrap="none" anchor="ctr"/>
-          <a:lstStyle/>
-          <a:p>
-            <a:endParaRPr lang="de-DE" dirty="0">
-              <a:latin typeface="Helvetica Light" panose="020B0403020202020204" pitchFamily="34" charset="0"/>
-            </a:endParaRPr>
-          </a:p>
-        </p:txBody>
-      </p:sp>
-      <p:sp>
-        <p:nvSpPr>
-          <p:cNvPr id="30" name="Freeform 22">
-            <a:extLst>
-              <a:ext uri="{FF2B5EF4-FFF2-40B4-BE49-F238E27FC236}">
-                <a16:creationId xmlns:a16="http://schemas.microsoft.com/office/drawing/2014/main" id="{1D8D49FA-716A-FD4F-92BF-665A34CFAE63}"/>
-              </a:ext>
-            </a:extLst>
-          </p:cNvPr>
-          <p:cNvSpPr>
-            <a:spLocks/>
-          </p:cNvSpPr>
-          <p:nvPr/>
-        </p:nvSpPr>
-        <p:spPr bwMode="auto">
-          <a:xfrm>
-            <a:off x="2400167" y="826061"/>
-            <a:ext cx="3377636" cy="3864648"/>
-          </a:xfrm>
-          <a:custGeom>
-            <a:avLst/>
-            <a:gdLst>
-              <a:gd name="T0" fmla="*/ 0 w 1248"/>
-              <a:gd name="T1" fmla="*/ 0 h 1392"/>
-              <a:gd name="T2" fmla="*/ 240 w 1248"/>
-              <a:gd name="T3" fmla="*/ 720 h 1392"/>
-              <a:gd name="T4" fmla="*/ 768 w 1248"/>
-              <a:gd name="T5" fmla="*/ 1200 h 1392"/>
-              <a:gd name="T6" fmla="*/ 1248 w 1248"/>
-              <a:gd name="T7" fmla="*/ 1392 h 1392"/>
-            </a:gdLst>
-            <a:ahLst/>
-            <a:cxnLst>
-              <a:cxn ang="0">
-                <a:pos x="T0" y="T1"/>
-              </a:cxn>
-              <a:cxn ang="0">
-                <a:pos x="T2" y="T3"/>
-              </a:cxn>
-              <a:cxn ang="0">
-                <a:pos x="T4" y="T5"/>
-              </a:cxn>
-              <a:cxn ang="0">
-                <a:pos x="T6" y="T7"/>
-              </a:cxn>
-            </a:cxnLst>
-            <a:rect l="0" t="0" r="r" b="b"/>
-            <a:pathLst>
-              <a:path w="1248" h="1392">
-                <a:moveTo>
-                  <a:pt x="0" y="0"/>
-                </a:moveTo>
-                <a:cubicBezTo>
-                  <a:pt x="56" y="260"/>
-                  <a:pt x="112" y="520"/>
-                  <a:pt x="240" y="720"/>
-                </a:cubicBezTo>
-                <a:cubicBezTo>
-                  <a:pt x="368" y="920"/>
-                  <a:pt x="600" y="1088"/>
-                  <a:pt x="768" y="1200"/>
-                </a:cubicBezTo>
-                <a:cubicBezTo>
-                  <a:pt x="936" y="1312"/>
-                  <a:pt x="1092" y="1352"/>
-                  <a:pt x="1248" y="1392"/>
-                </a:cubicBezTo>
-              </a:path>
-            </a:pathLst>
-          </a:custGeom>
-          <a:noFill/>
-          <a:ln w="25400" cap="flat" cmpd="sng">
-            <a:solidFill>
-              <a:schemeClr val="hlink"/>
-            </a:solidFill>
-            <a:prstDash val="solid"/>
-            <a:round/>
-            <a:headEnd type="none" w="sm" len="sm"/>
-            <a:tailEnd type="none" w="sm" len="sm"/>
-          </a:ln>
-          <a:effectLst/>
-          <a:extLst>
-            <a:ext uri="{909E8E84-426E-40DD-AFC4-6F175D3DCCD1}">
-              <a14:hiddenFill xmlns:a14="http://schemas.microsoft.com/office/drawing/2010/main">
-                <a:solidFill>
-                  <a:schemeClr val="accent1"/>
-                </a:solidFill>
-              </a14:hiddenFill>
-            </a:ext>
-            <a:ext uri="{AF507438-7753-43E0-B8FC-AC1667EBCBE1}">
-              <a14:hiddenEffects xmlns:a14="http://schemas.microsoft.com/office/drawing/2010/main">
-                <a:effectLst>
-                  <a:outerShdw dist="35921" dir="2700000" algn="ctr" rotWithShape="0">
-                    <a:schemeClr val="bg2"/>
-                  </a:outerShdw>
-                </a:effectLst>
-              </a14:hiddenEffects>
-            </a:ext>
-          </a:extLst>
-        </p:spPr>
-        <p:txBody>
-          <a:bodyPr wrap="none" anchor="ctr"/>
-          <a:lstStyle/>
-          <a:p>
-            <a:endParaRPr lang="de-DE" dirty="0">
-              <a:latin typeface="Helvetica Light" panose="020B0403020202020204" pitchFamily="34" charset="0"/>
-            </a:endParaRPr>
-          </a:p>
-        </p:txBody>
-      </p:sp>
-      <mc:AlternateContent xmlns:mc="http://schemas.openxmlformats.org/markup-compatibility/2006">
-        <mc:Choice xmlns:a14="http://schemas.microsoft.com/office/drawing/2010/main" Requires="a14">
-          <p:sp>
-            <p:nvSpPr>
-              <p:cNvPr id="16" name="TextBox 15">
-                <a:extLst>
-                  <a:ext uri="{FF2B5EF4-FFF2-40B4-BE49-F238E27FC236}">
-                    <a16:creationId xmlns:a16="http://schemas.microsoft.com/office/drawing/2014/main" id="{1088BE8C-E9C6-AA41-8B66-7C1ADD2B118B}"/>
-                  </a:ext>
-                </a:extLst>
-              </p:cNvPr>
-              <p:cNvSpPr txBox="1"/>
-              <p:nvPr/>
-            </p:nvSpPr>
-            <p:spPr>
-              <a:xfrm>
-                <a:off x="3858792" y="6261051"/>
-                <a:ext cx="746999" cy="276999"/>
-              </a:xfrm>
-              <a:prstGeom prst="rect">
-                <a:avLst/>
-              </a:prstGeom>
-              <a:noFill/>
-            </p:spPr>
-            <p:txBody>
-              <a:bodyPr wrap="none" lIns="0" tIns="0" rIns="0" bIns="0" rtlCol="0">
-                <a:spAutoFit/>
-              </a:bodyPr>
-              <a:lstStyle/>
-              <a:p>
-                <a:pPr/>
-                <a14:m>
-                  <m:oMathPara xmlns:m="http://schemas.openxmlformats.org/officeDocument/2006/math">
-                    <m:oMathParaPr>
-                      <m:jc m:val="centerGroup"/>
-                    </m:oMathParaPr>
-                    <m:oMath xmlns:m="http://schemas.openxmlformats.org/officeDocument/2006/math">
-                      <m:r>
-                        <a:rPr lang="en-GB" smtClean="0">
-                          <a:latin typeface="Cambria Math" panose="02040503050406030204" pitchFamily="18" charset="0"/>
-                        </a:rPr>
-                        <m:t>£</m:t>
-                      </m:r>
-                      <m:r>
-                        <a:rPr lang="en-GB" b="0" i="0" smtClean="0">
-                          <a:latin typeface="Cambria Math" panose="02040503050406030204" pitchFamily="18" charset="0"/>
-                        </a:rPr>
-                        <m:t>3</m:t>
-                      </m:r>
-                      <m:r>
-                        <a:rPr lang="en-GB">
-                          <a:latin typeface="Cambria Math" panose="02040503050406030204" pitchFamily="18" charset="0"/>
-                        </a:rPr>
-                        <m:t>,000</m:t>
-                      </m:r>
-                    </m:oMath>
-                  </m:oMathPara>
-                </a14:m>
-                <a:endParaRPr lang="de-DE" dirty="0">
-                  <a:latin typeface="Helvetica Light" panose="020B0403020202020204" pitchFamily="34" charset="0"/>
-                </a:endParaRPr>
-              </a:p>
-            </p:txBody>
-          </p:sp>
-        </mc:Choice>
-        <mc:Fallback>
-          <p:sp>
-            <p:nvSpPr>
-              <p:cNvPr id="16" name="TextBox 15">
-                <a:extLst>
-                  <a:ext uri="{FF2B5EF4-FFF2-40B4-BE49-F238E27FC236}">
-                    <a16:creationId xmlns:a16="http://schemas.microsoft.com/office/drawing/2014/main" id="{1088BE8C-E9C6-AA41-8B66-7C1ADD2B118B}"/>
-                  </a:ext>
-                </a:extLst>
-              </p:cNvPr>
-              <p:cNvSpPr txBox="1">
-                <a:spLocks noRot="1" noChangeAspect="1" noMove="1" noResize="1" noEditPoints="1" noAdjustHandles="1" noChangeArrowheads="1" noChangeShapeType="1" noTextEdit="1"/>
-              </p:cNvSpPr>
-              <p:nvPr/>
-            </p:nvSpPr>
-            <p:spPr>
-              <a:xfrm>
-                <a:off x="3858792" y="6261051"/>
-                <a:ext cx="746999" cy="276999"/>
-              </a:xfrm>
-              <a:prstGeom prst="rect">
-                <a:avLst/>
-              </a:prstGeom>
-              <a:blipFill>
-                <a:blip r:embed="rId5"/>
-                <a:stretch>
-                  <a:fillRect l="-5000" r="-5000" b="-4348"/>
-                </a:stretch>
-              </a:blipFill>
-            </p:spPr>
-            <p:txBody>
-              <a:bodyPr/>
-              <a:lstStyle/>
-              <a:p>
-                <a:r>
-                  <a:rPr lang="de-DE">
-                    <a:noFill/>
-                  </a:rPr>
-                  <a:t> </a:t>
-                </a:r>
-              </a:p>
-            </p:txBody>
-          </p:sp>
-        </mc:Fallback>
-      </mc:AlternateContent>
-    </p:spTree>
-    <p:extLst>
-      <p:ext uri="{BB962C8B-B14F-4D97-AF65-F5344CB8AC3E}">
-        <p14:creationId xmlns:p14="http://schemas.microsoft.com/office/powerpoint/2010/main" val="243812772"/>
-      </p:ext>
-    </p:extLst>
-  </p:cSld>
-  <p:clrMapOvr>
-    <a:masterClrMapping/>
-  </p:clrMapOvr>
-</p:sld>
-</file>
-
-<file path=ppt/slides/slide6.xml><?xml version="1.0" encoding="utf-8"?>
-<p:sld xmlns:a="http://schemas.openxmlformats.org/drawingml/2006/main" xmlns:r="http://schemas.openxmlformats.org/officeDocument/2006/relationships" xmlns:p="http://schemas.openxmlformats.org/presentationml/2006/main">
-  <p:cSld>
-    <p:spTree>
-      <p:nvGrpSpPr>
-        <p:cNvPr id="1" name=""/>
-        <p:cNvGrpSpPr/>
-        <p:nvPr/>
-      </p:nvGrpSpPr>
-      <p:grpSpPr>
-        <a:xfrm>
-          <a:off x="0" y="0"/>
-          <a:ext cx="0" cy="0"/>
-          <a:chOff x="0" y="0"/>
-          <a:chExt cx="0" cy="0"/>
-        </a:xfrm>
-      </p:grpSpPr>
-      <p:grpSp>
-        <p:nvGrpSpPr>
-          <p:cNvPr id="6" name="Group 5">
-            <a:extLst>
-              <a:ext uri="{FF2B5EF4-FFF2-40B4-BE49-F238E27FC236}">
-                <a16:creationId xmlns:a16="http://schemas.microsoft.com/office/drawing/2014/main" id="{82C10D7E-E087-B64B-BD03-9774B9F66623}"/>
-              </a:ext>
-            </a:extLst>
-          </p:cNvPr>
-          <p:cNvGrpSpPr/>
-          <p:nvPr/>
-        </p:nvGrpSpPr>
-        <p:grpSpPr>
-          <a:xfrm>
-            <a:off x="389134" y="651643"/>
-            <a:ext cx="4834507" cy="5454868"/>
-            <a:chOff x="1569149" y="630622"/>
-            <a:chExt cx="8079348" cy="5454868"/>
-          </a:xfrm>
-        </p:grpSpPr>
-        <p:sp>
-          <p:nvSpPr>
-            <p:cNvPr id="41987" name="Line 3">
-              <a:extLst>
-                <a:ext uri="{FF2B5EF4-FFF2-40B4-BE49-F238E27FC236}">
-                  <a16:creationId xmlns:a16="http://schemas.microsoft.com/office/drawing/2014/main" id="{3127191C-404E-9046-A4E0-97AC0495884A}"/>
-                </a:ext>
-              </a:extLst>
-            </p:cNvPr>
-            <p:cNvSpPr>
-              <a:spLocks noChangeShapeType="1"/>
-            </p:cNvSpPr>
-            <p:nvPr/>
-          </p:nvSpPr>
-          <p:spPr bwMode="auto">
-            <a:xfrm flipV="1">
-              <a:off x="2976036" y="630622"/>
-              <a:ext cx="0" cy="5454868"/>
-            </a:xfrm>
-            <a:prstGeom prst="line">
-              <a:avLst/>
-            </a:prstGeom>
-            <a:noFill/>
-            <a:ln w="12700">
-              <a:solidFill>
-                <a:schemeClr val="tx1"/>
-              </a:solidFill>
-              <a:round/>
-              <a:headEnd type="none" w="sm" len="sm"/>
-              <a:tailEnd type="stealth" w="med" len="lg"/>
-            </a:ln>
-            <a:effectLst/>
-            <a:extLst>
-              <a:ext uri="{909E8E84-426E-40DD-AFC4-6F175D3DCCD1}">
-                <a14:hiddenFill xmlns:a14="http://schemas.microsoft.com/office/drawing/2010/main">
-                  <a:noFill/>
-                </a14:hiddenFill>
-              </a:ext>
-              <a:ext uri="{AF507438-7753-43E0-B8FC-AC1667EBCBE1}">
-                <a14:hiddenEffects xmlns:a14="http://schemas.microsoft.com/office/drawing/2010/main">
-                  <a:effectLst>
-                    <a:outerShdw dist="35921" dir="2700000" algn="ctr" rotWithShape="0">
-                      <a:schemeClr val="bg2"/>
-                    </a:outerShdw>
-                  </a:effectLst>
-                </a14:hiddenEffects>
-              </a:ext>
-            </a:extLst>
-          </p:spPr>
-          <p:txBody>
-            <a:bodyPr wrap="none" anchor="ctr"/>
-            <a:lstStyle/>
-            <a:p>
-              <a:endParaRPr lang="de-DE" dirty="0">
-                <a:latin typeface="Helvetica Light" panose="020B0403020202020204" pitchFamily="34" charset="0"/>
-              </a:endParaRPr>
-            </a:p>
-          </p:txBody>
-        </p:sp>
-        <p:sp>
-          <p:nvSpPr>
-            <p:cNvPr id="41988" name="Line 4">
-              <a:extLst>
-                <a:ext uri="{FF2B5EF4-FFF2-40B4-BE49-F238E27FC236}">
-                  <a16:creationId xmlns:a16="http://schemas.microsoft.com/office/drawing/2014/main" id="{8EC619E7-6BE3-8C47-AD78-F7533447E138}"/>
-                </a:ext>
-              </a:extLst>
-            </p:cNvPr>
-            <p:cNvSpPr>
-              <a:spLocks noChangeShapeType="1"/>
-            </p:cNvSpPr>
-            <p:nvPr/>
-          </p:nvSpPr>
-          <p:spPr bwMode="auto">
-            <a:xfrm>
-              <a:off x="2976036" y="6085490"/>
-              <a:ext cx="6672461" cy="0"/>
-            </a:xfrm>
-            <a:prstGeom prst="line">
-              <a:avLst/>
-            </a:prstGeom>
-            <a:noFill/>
-            <a:ln w="12700">
-              <a:solidFill>
-                <a:schemeClr val="tx1"/>
-              </a:solidFill>
-              <a:round/>
-              <a:headEnd type="none" w="sm" len="sm"/>
-              <a:tailEnd type="stealth" w="med" len="lg"/>
-            </a:ln>
-            <a:effectLst/>
-            <a:extLst>
-              <a:ext uri="{909E8E84-426E-40DD-AFC4-6F175D3DCCD1}">
-                <a14:hiddenFill xmlns:a14="http://schemas.microsoft.com/office/drawing/2010/main">
-                  <a:noFill/>
-                </a14:hiddenFill>
-              </a:ext>
-              <a:ext uri="{AF507438-7753-43E0-B8FC-AC1667EBCBE1}">
-                <a14:hiddenEffects xmlns:a14="http://schemas.microsoft.com/office/drawing/2010/main">
-                  <a:effectLst>
-                    <a:outerShdw dist="35921" dir="2700000" algn="ctr" rotWithShape="0">
-                      <a:schemeClr val="bg2"/>
-                    </a:outerShdw>
-                  </a:effectLst>
-                </a14:hiddenEffects>
-              </a:ext>
-            </a:extLst>
-          </p:spPr>
-          <p:txBody>
-            <a:bodyPr wrap="none" anchor="ctr"/>
-            <a:lstStyle/>
-            <a:p>
-              <a:endParaRPr lang="de-DE" dirty="0">
-                <a:latin typeface="Helvetica Light" panose="020B0403020202020204" pitchFamily="34" charset="0"/>
-              </a:endParaRPr>
-            </a:p>
-          </p:txBody>
-        </p:sp>
-        <p:sp>
-          <p:nvSpPr>
-            <p:cNvPr id="41997" name="Line 13">
-              <a:extLst>
-                <a:ext uri="{FF2B5EF4-FFF2-40B4-BE49-F238E27FC236}">
-                  <a16:creationId xmlns:a16="http://schemas.microsoft.com/office/drawing/2014/main" id="{866E3355-8117-744F-A840-C118B3BF9C24}"/>
-                </a:ext>
-              </a:extLst>
-            </p:cNvPr>
-            <p:cNvSpPr>
-              <a:spLocks noChangeShapeType="1"/>
-            </p:cNvSpPr>
-            <p:nvPr/>
-          </p:nvSpPr>
-          <p:spPr bwMode="auto">
-            <a:xfrm>
-              <a:off x="2976036" y="1518624"/>
-              <a:ext cx="5046085" cy="4566866"/>
-            </a:xfrm>
-            <a:prstGeom prst="line">
-              <a:avLst/>
-            </a:prstGeom>
-            <a:noFill/>
-            <a:ln w="38100">
-              <a:solidFill>
-                <a:schemeClr val="tx1"/>
-              </a:solidFill>
-              <a:round/>
-              <a:headEnd type="none" w="sm" len="sm"/>
-              <a:tailEnd type="none" w="sm" len="sm"/>
-            </a:ln>
-            <a:effectLst/>
-            <a:extLst>
-              <a:ext uri="{909E8E84-426E-40DD-AFC4-6F175D3DCCD1}">
-                <a14:hiddenFill xmlns:a14="http://schemas.microsoft.com/office/drawing/2010/main">
-                  <a:noFill/>
-                </a14:hiddenFill>
-              </a:ext>
-              <a:ext uri="{AF507438-7753-43E0-B8FC-AC1667EBCBE1}">
-                <a14:hiddenEffects xmlns:a14="http://schemas.microsoft.com/office/drawing/2010/main">
-                  <a:effectLst>
-                    <a:outerShdw dist="35921" dir="2700000" algn="ctr" rotWithShape="0">
-                      <a:schemeClr val="bg2"/>
-                    </a:outerShdw>
-                  </a:effectLst>
-                </a14:hiddenEffects>
-              </a:ext>
-            </a:extLst>
-          </p:spPr>
-          <p:txBody>
-            <a:bodyPr wrap="none" anchor="ctr"/>
-            <a:lstStyle/>
-            <a:p>
-              <a:endParaRPr lang="de-DE" dirty="0">
-                <a:latin typeface="Helvetica Light" panose="020B0403020202020204" pitchFamily="34" charset="0"/>
-              </a:endParaRPr>
-            </a:p>
-          </p:txBody>
-        </p:sp>
-        <p:sp>
-          <p:nvSpPr>
-            <p:cNvPr id="41998" name="Oval 14">
-              <a:extLst>
-                <a:ext uri="{FF2B5EF4-FFF2-40B4-BE49-F238E27FC236}">
-                  <a16:creationId xmlns:a16="http://schemas.microsoft.com/office/drawing/2014/main" id="{660EF5A3-C5C0-4948-9704-72560F971AB4}"/>
-                </a:ext>
-              </a:extLst>
-            </p:cNvPr>
-            <p:cNvSpPr>
-              <a:spLocks noChangeArrowheads="1"/>
-            </p:cNvSpPr>
-            <p:nvPr/>
-          </p:nvSpPr>
-          <p:spPr bwMode="auto">
-            <a:xfrm>
-              <a:off x="2878225" y="1467087"/>
-              <a:ext cx="195619" cy="126857"/>
-            </a:xfrm>
-            <a:prstGeom prst="ellipse">
-              <a:avLst/>
-            </a:prstGeom>
-            <a:solidFill>
-              <a:schemeClr val="accent1"/>
-            </a:solidFill>
-            <a:ln>
-              <a:noFill/>
-            </a:ln>
-            <a:effectLst/>
-            <a:extLst>
-              <a:ext uri="{91240B29-F687-4F45-9708-019B960494DF}">
-                <a14:hiddenLine xmlns:a14="http://schemas.microsoft.com/office/drawing/2010/main" w="12700">
-                  <a:solidFill>
-                    <a:schemeClr val="tx1"/>
-                  </a:solidFill>
-                  <a:round/>
-                  <a:headEnd type="none" w="sm" len="sm"/>
-                  <a:tailEnd type="none" w="sm" len="sm"/>
-                </a14:hiddenLine>
-              </a:ext>
-              <a:ext uri="{AF507438-7753-43E0-B8FC-AC1667EBCBE1}">
-                <a14:hiddenEffects xmlns:a14="http://schemas.microsoft.com/office/drawing/2010/main">
-                  <a:effectLst>
-                    <a:outerShdw dist="35921" dir="2700000" algn="ctr" rotWithShape="0">
-                      <a:schemeClr val="bg2"/>
-                    </a:outerShdw>
-                  </a:effectLst>
-                </a14:hiddenEffects>
-              </a:ext>
-            </a:extLst>
-          </p:spPr>
-          <p:txBody>
-            <a:bodyPr wrap="none" anchor="ctr"/>
-            <a:lstStyle/>
-            <a:p>
-              <a:endParaRPr lang="de-DE" dirty="0">
-                <a:latin typeface="Helvetica Light" panose="020B0403020202020204" pitchFamily="34" charset="0"/>
-              </a:endParaRPr>
-            </a:p>
-          </p:txBody>
-        </p:sp>
-        <mc:AlternateContent xmlns:mc="http://schemas.openxmlformats.org/markup-compatibility/2006">
-          <mc:Choice xmlns:a14="http://schemas.microsoft.com/office/drawing/2010/main" Requires="a14">
-            <p:sp>
-              <p:nvSpPr>
-                <p:cNvPr id="2" name="TextBox 1">
-                  <a:extLst>
-                    <a:ext uri="{FF2B5EF4-FFF2-40B4-BE49-F238E27FC236}">
-                      <a16:creationId xmlns:a16="http://schemas.microsoft.com/office/drawing/2014/main" id="{0D5D00E4-32B1-5E4B-B925-3AD2A98A1873}"/>
-                    </a:ext>
-                  </a:extLst>
-                </p:cNvPr>
-                <p:cNvSpPr txBox="1"/>
-                <p:nvPr/>
-              </p:nvSpPr>
-              <p:spPr>
-                <a:xfrm>
-                  <a:off x="1569149" y="1363370"/>
-                  <a:ext cx="1168005" cy="276999"/>
-                </a:xfrm>
-                <a:prstGeom prst="rect">
-                  <a:avLst/>
-                </a:prstGeom>
-                <a:noFill/>
-              </p:spPr>
-              <p:txBody>
-                <a:bodyPr wrap="none" lIns="0" tIns="0" rIns="0" bIns="0" rtlCol="0">
-                  <a:spAutoFit/>
-                </a:bodyPr>
-                <a:lstStyle/>
-                <a:p>
-                  <a:pPr/>
-                  <a14:m>
-                    <m:oMathPara xmlns:m="http://schemas.openxmlformats.org/officeDocument/2006/math">
-                      <m:oMathParaPr>
-                        <m:jc m:val="centerGroup"/>
-                      </m:oMathParaPr>
-                      <m:oMath xmlns:m="http://schemas.openxmlformats.org/officeDocument/2006/math">
-                        <m:r>
-                          <a:rPr lang="en-GB">
-                            <a:latin typeface="Cambria Math" panose="02040503050406030204" pitchFamily="18" charset="0"/>
-                          </a:rPr>
-                          <m:t>£5000</m:t>
-                        </m:r>
-                      </m:oMath>
-                    </m:oMathPara>
-                  </a14:m>
-                  <a:endParaRPr lang="de-DE" dirty="0">
-                    <a:latin typeface="Helvetica Light" panose="020B0403020202020204" pitchFamily="34" charset="0"/>
-                  </a:endParaRPr>
-                </a:p>
-              </p:txBody>
-            </p:sp>
-          </mc:Choice>
-          <mc:Fallback>
-            <p:sp>
-              <p:nvSpPr>
-                <p:cNvPr id="2" name="TextBox 1">
-                  <a:extLst>
-                    <a:ext uri="{FF2B5EF4-FFF2-40B4-BE49-F238E27FC236}">
-                      <a16:creationId xmlns:a16="http://schemas.microsoft.com/office/drawing/2014/main" id="{0D5D00E4-32B1-5E4B-B925-3AD2A98A1873}"/>
-                    </a:ext>
-                  </a:extLst>
-                </p:cNvPr>
-                <p:cNvSpPr txBox="1">
-                  <a:spLocks noRot="1" noChangeAspect="1" noMove="1" noResize="1" noEditPoints="1" noAdjustHandles="1" noChangeArrowheads="1" noChangeShapeType="1" noTextEdit="1"/>
-                </p:cNvSpPr>
-                <p:nvPr/>
-              </p:nvSpPr>
-              <p:spPr>
-                <a:xfrm>
-                  <a:off x="1569149" y="1363370"/>
-                  <a:ext cx="1168005" cy="276999"/>
-                </a:xfrm>
-                <a:prstGeom prst="rect">
-                  <a:avLst/>
-                </a:prstGeom>
-                <a:blipFill>
-                  <a:blip r:embed="rId2"/>
-                  <a:stretch>
-                    <a:fillRect l="-7143" r="-5357" b="-4348"/>
-                  </a:stretch>
-                </a:blipFill>
-              </p:spPr>
-              <p:txBody>
-                <a:bodyPr/>
-                <a:lstStyle/>
-                <a:p>
-                  <a:r>
-                    <a:rPr lang="de-DE">
-                      <a:noFill/>
-                    </a:rPr>
-                    <a:t> </a:t>
-                  </a:r>
-                </a:p>
-              </p:txBody>
-            </p:sp>
-          </mc:Fallback>
-        </mc:AlternateContent>
-      </p:grpSp>
-      <p:sp>
-        <p:nvSpPr>
-          <p:cNvPr id="11" name="Line 8">
-            <a:extLst>
-              <a:ext uri="{FF2B5EF4-FFF2-40B4-BE49-F238E27FC236}">
-                <a16:creationId xmlns:a16="http://schemas.microsoft.com/office/drawing/2014/main" id="{929685E1-241C-A74F-9DF4-3A593FF3601A}"/>
-              </a:ext>
-            </a:extLst>
-          </p:cNvPr>
-          <p:cNvSpPr>
-            <a:spLocks noChangeShapeType="1"/>
-          </p:cNvSpPr>
-          <p:nvPr/>
-        </p:nvSpPr>
-        <p:spPr bwMode="auto">
-          <a:xfrm flipH="1">
-            <a:off x="1242795" y="2543909"/>
-            <a:ext cx="678952" cy="0"/>
-          </a:xfrm>
-          <a:prstGeom prst="line">
-            <a:avLst/>
-          </a:prstGeom>
-          <a:noFill/>
-          <a:ln w="12700">
-            <a:solidFill>
-              <a:schemeClr val="tx1"/>
-            </a:solidFill>
-            <a:prstDash val="dash"/>
-            <a:round/>
-            <a:headEnd type="none" w="sm" len="sm"/>
-            <a:tailEnd type="none" w="sm" len="sm"/>
-          </a:ln>
-          <a:effectLst/>
-          <a:extLst>
-            <a:ext uri="{909E8E84-426E-40DD-AFC4-6F175D3DCCD1}">
-              <a14:hiddenFill xmlns:a14="http://schemas.microsoft.com/office/drawing/2010/main">
-                <a:noFill/>
-              </a14:hiddenFill>
-            </a:ext>
-            <a:ext uri="{AF507438-7753-43E0-B8FC-AC1667EBCBE1}">
-              <a14:hiddenEffects xmlns:a14="http://schemas.microsoft.com/office/drawing/2010/main">
-                <a:effectLst>
-                  <a:outerShdw dist="35921" dir="2700000" algn="ctr" rotWithShape="0">
-                    <a:schemeClr val="bg2"/>
-                  </a:outerShdw>
-                </a:effectLst>
-              </a14:hiddenEffects>
-            </a:ext>
-          </a:extLst>
-        </p:spPr>
-        <p:txBody>
-          <a:bodyPr wrap="none" anchor="ctr"/>
-          <a:lstStyle/>
-          <a:p>
-            <a:endParaRPr lang="de-DE" dirty="0">
-              <a:latin typeface="Helvetica Light" panose="020B0403020202020204" pitchFamily="34" charset="0"/>
-            </a:endParaRPr>
-          </a:p>
-        </p:txBody>
-      </p:sp>
-      <p:sp>
-        <p:nvSpPr>
-          <p:cNvPr id="12" name="Line 7">
-            <a:extLst>
-              <a:ext uri="{FF2B5EF4-FFF2-40B4-BE49-F238E27FC236}">
-                <a16:creationId xmlns:a16="http://schemas.microsoft.com/office/drawing/2014/main" id="{B01FF1B0-968A-4447-8DDC-EA14F3E85C7B}"/>
-              </a:ext>
-            </a:extLst>
-          </p:cNvPr>
-          <p:cNvSpPr>
-            <a:spLocks noChangeShapeType="1"/>
-          </p:cNvSpPr>
-          <p:nvPr/>
-        </p:nvSpPr>
-        <p:spPr bwMode="auto">
-          <a:xfrm>
-            <a:off x="1901110" y="2543909"/>
-            <a:ext cx="0" cy="3562602"/>
-          </a:xfrm>
-          <a:prstGeom prst="line">
-            <a:avLst/>
-          </a:prstGeom>
-          <a:noFill/>
-          <a:ln w="12700">
-            <a:solidFill>
-              <a:schemeClr val="tx1"/>
-            </a:solidFill>
-            <a:prstDash val="dash"/>
-            <a:round/>
-            <a:headEnd type="none" w="sm" len="sm"/>
-            <a:tailEnd type="none" w="sm" len="sm"/>
-          </a:ln>
-          <a:effectLst/>
-          <a:extLst>
-            <a:ext uri="{909E8E84-426E-40DD-AFC4-6F175D3DCCD1}">
-              <a14:hiddenFill xmlns:a14="http://schemas.microsoft.com/office/drawing/2010/main">
-                <a:noFill/>
-              </a14:hiddenFill>
-            </a:ext>
-            <a:ext uri="{AF507438-7753-43E0-B8FC-AC1667EBCBE1}">
-              <a14:hiddenEffects xmlns:a14="http://schemas.microsoft.com/office/drawing/2010/main">
-                <a:effectLst>
-                  <a:outerShdw dist="35921" dir="2700000" algn="ctr" rotWithShape="0">
-                    <a:schemeClr val="bg2"/>
-                  </a:outerShdw>
-                </a:effectLst>
-              </a14:hiddenEffects>
-            </a:ext>
-          </a:extLst>
-        </p:spPr>
-        <p:txBody>
-          <a:bodyPr wrap="none" anchor="ctr"/>
-          <a:lstStyle/>
-          <a:p>
-            <a:endParaRPr lang="de-DE" dirty="0">
-              <a:latin typeface="Helvetica Light" panose="020B0403020202020204" pitchFamily="34" charset="0"/>
-            </a:endParaRPr>
-          </a:p>
-        </p:txBody>
-      </p:sp>
-      <mc:AlternateContent xmlns:mc="http://schemas.openxmlformats.org/markup-compatibility/2006">
-        <mc:Choice xmlns:a14="http://schemas.microsoft.com/office/drawing/2010/main" Requires="a14">
-          <p:sp>
-            <p:nvSpPr>
-              <p:cNvPr id="13" name="TextBox 12">
-                <a:extLst>
-                  <a:ext uri="{FF2B5EF4-FFF2-40B4-BE49-F238E27FC236}">
-                    <a16:creationId xmlns:a16="http://schemas.microsoft.com/office/drawing/2014/main" id="{CFC881D7-D917-864C-B99C-C825FD3C7BF5}"/>
-                  </a:ext>
-                </a:extLst>
-              </p:cNvPr>
-              <p:cNvSpPr txBox="1"/>
-              <p:nvPr/>
-            </p:nvSpPr>
-            <p:spPr>
-              <a:xfrm>
-                <a:off x="456501" y="2405411"/>
-                <a:ext cx="698909" cy="276999"/>
-              </a:xfrm>
-              <a:prstGeom prst="rect">
-                <a:avLst/>
-              </a:prstGeom>
-              <a:noFill/>
-            </p:spPr>
-            <p:txBody>
-              <a:bodyPr wrap="none" lIns="0" tIns="0" rIns="0" bIns="0" rtlCol="0">
-                <a:spAutoFit/>
-              </a:bodyPr>
-              <a:lstStyle/>
-              <a:p>
-                <a:pPr/>
-                <a14:m>
-                  <m:oMathPara xmlns:m="http://schemas.openxmlformats.org/officeDocument/2006/math">
-                    <m:oMathParaPr>
-                      <m:jc m:val="centerGroup"/>
-                    </m:oMathParaPr>
-                    <m:oMath xmlns:m="http://schemas.openxmlformats.org/officeDocument/2006/math">
-                      <m:r>
-                        <a:rPr lang="en-GB">
-                          <a:latin typeface="Cambria Math" panose="02040503050406030204" pitchFamily="18" charset="0"/>
-                        </a:rPr>
-                        <m:t>£4300</m:t>
-                      </m:r>
-                    </m:oMath>
-                  </m:oMathPara>
-                </a14:m>
-                <a:endParaRPr lang="de-DE" dirty="0">
-                  <a:latin typeface="Helvetica Light" panose="020B0403020202020204" pitchFamily="34" charset="0"/>
-                </a:endParaRPr>
-              </a:p>
-            </p:txBody>
-          </p:sp>
-        </mc:Choice>
-        <mc:Fallback>
-          <p:sp>
-            <p:nvSpPr>
-              <p:cNvPr id="13" name="TextBox 12">
-                <a:extLst>
-                  <a:ext uri="{FF2B5EF4-FFF2-40B4-BE49-F238E27FC236}">
-                    <a16:creationId xmlns:a16="http://schemas.microsoft.com/office/drawing/2014/main" id="{CFC881D7-D917-864C-B99C-C825FD3C7BF5}"/>
-                  </a:ext>
-                </a:extLst>
-              </p:cNvPr>
-              <p:cNvSpPr txBox="1">
-                <a:spLocks noRot="1" noChangeAspect="1" noMove="1" noResize="1" noEditPoints="1" noAdjustHandles="1" noChangeArrowheads="1" noChangeShapeType="1" noTextEdit="1"/>
-              </p:cNvSpPr>
-              <p:nvPr/>
-            </p:nvSpPr>
-            <p:spPr>
-              <a:xfrm>
-                <a:off x="456501" y="2405411"/>
-                <a:ext cx="698909" cy="276999"/>
-              </a:xfrm>
-              <a:prstGeom prst="rect">
-                <a:avLst/>
-              </a:prstGeom>
-              <a:blipFill>
-                <a:blip r:embed="rId3"/>
-                <a:stretch>
-                  <a:fillRect l="-7273" r="-5455" b="-4348"/>
-                </a:stretch>
-              </a:blipFill>
-            </p:spPr>
-            <p:txBody>
-              <a:bodyPr/>
-              <a:lstStyle/>
-              <a:p>
-                <a:r>
-                  <a:rPr lang="de-DE">
-                    <a:noFill/>
-                  </a:rPr>
-                  <a:t> </a:t>
-                </a:r>
-              </a:p>
-            </p:txBody>
-          </p:sp>
-        </mc:Fallback>
-      </mc:AlternateContent>
-      <mc:AlternateContent xmlns:mc="http://schemas.openxmlformats.org/markup-compatibility/2006">
-        <mc:Choice xmlns:a14="http://schemas.microsoft.com/office/drawing/2010/main" Requires="a14">
-          <p:sp>
-            <p:nvSpPr>
-              <p:cNvPr id="14" name="TextBox 13">
-                <a:extLst>
-                  <a:ext uri="{FF2B5EF4-FFF2-40B4-BE49-F238E27FC236}">
-                    <a16:creationId xmlns:a16="http://schemas.microsoft.com/office/drawing/2014/main" id="{DB4F6BD1-6B9D-6341-BD8B-167E20C36BF4}"/>
-                  </a:ext>
-                </a:extLst>
-              </p:cNvPr>
-              <p:cNvSpPr txBox="1"/>
-              <p:nvPr/>
-            </p:nvSpPr>
-            <p:spPr>
-              <a:xfrm>
-                <a:off x="1557265" y="6268580"/>
-                <a:ext cx="698909" cy="276999"/>
-              </a:xfrm>
-              <a:prstGeom prst="rect">
-                <a:avLst/>
-              </a:prstGeom>
-              <a:noFill/>
-            </p:spPr>
-            <p:txBody>
-              <a:bodyPr wrap="none" lIns="0" tIns="0" rIns="0" bIns="0" rtlCol="0">
-                <a:spAutoFit/>
-              </a:bodyPr>
-              <a:lstStyle/>
-              <a:p>
-                <a:pPr/>
-                <a14:m>
-                  <m:oMathPara xmlns:m="http://schemas.openxmlformats.org/officeDocument/2006/math">
-                    <m:oMathParaPr>
-                      <m:jc m:val="centerGroup"/>
-                    </m:oMathParaPr>
-                    <m:oMath xmlns:m="http://schemas.openxmlformats.org/officeDocument/2006/math">
-                      <m:r>
-                        <a:rPr lang="en-GB">
-                          <a:latin typeface="Cambria Math" panose="02040503050406030204" pitchFamily="18" charset="0"/>
-                        </a:rPr>
-                        <m:t>£1400</m:t>
-                      </m:r>
-                    </m:oMath>
-                  </m:oMathPara>
-                </a14:m>
-                <a:endParaRPr lang="de-DE" dirty="0">
-                  <a:latin typeface="Helvetica Light" panose="020B0403020202020204" pitchFamily="34" charset="0"/>
-                </a:endParaRPr>
-              </a:p>
-            </p:txBody>
-          </p:sp>
-        </mc:Choice>
-        <mc:Fallback>
-          <p:sp>
-            <p:nvSpPr>
-              <p:cNvPr id="14" name="TextBox 13">
-                <a:extLst>
-                  <a:ext uri="{FF2B5EF4-FFF2-40B4-BE49-F238E27FC236}">
-                    <a16:creationId xmlns:a16="http://schemas.microsoft.com/office/drawing/2014/main" id="{DB4F6BD1-6B9D-6341-BD8B-167E20C36BF4}"/>
-                  </a:ext>
-                </a:extLst>
-              </p:cNvPr>
-              <p:cNvSpPr txBox="1">
-                <a:spLocks noRot="1" noChangeAspect="1" noMove="1" noResize="1" noEditPoints="1" noAdjustHandles="1" noChangeArrowheads="1" noChangeShapeType="1" noTextEdit="1"/>
-              </p:cNvSpPr>
-              <p:nvPr/>
-            </p:nvSpPr>
-            <p:spPr>
-              <a:xfrm>
-                <a:off x="1557265" y="6268580"/>
-                <a:ext cx="698909" cy="276999"/>
-              </a:xfrm>
-              <a:prstGeom prst="rect">
-                <a:avLst/>
-              </a:prstGeom>
-              <a:blipFill>
-                <a:blip r:embed="rId4"/>
-                <a:stretch>
-                  <a:fillRect l="-5357" r="-3571" b="-4545"/>
-                </a:stretch>
-              </a:blipFill>
-            </p:spPr>
-            <p:txBody>
-              <a:bodyPr/>
-              <a:lstStyle/>
-              <a:p>
-                <a:r>
-                  <a:rPr lang="de-DE">
-                    <a:noFill/>
-                  </a:rPr>
-                  <a:t> </a:t>
-                </a:r>
-              </a:p>
-            </p:txBody>
-          </p:sp>
-        </mc:Fallback>
-      </mc:AlternateContent>
-      <p:sp>
-        <p:nvSpPr>
-          <p:cNvPr id="15" name="TextBox 14">
-            <a:extLst>
-              <a:ext uri="{FF2B5EF4-FFF2-40B4-BE49-F238E27FC236}">
-                <a16:creationId xmlns:a16="http://schemas.microsoft.com/office/drawing/2014/main" id="{F13E77ED-CF39-2A41-A964-1C21F800441F}"/>
-              </a:ext>
-            </a:extLst>
-          </p:cNvPr>
-          <p:cNvSpPr txBox="1"/>
-          <p:nvPr/>
-        </p:nvSpPr>
-        <p:spPr>
-          <a:xfrm>
-            <a:off x="2567500" y="882225"/>
-            <a:ext cx="1987724" cy="276999"/>
-          </a:xfrm>
-          <a:prstGeom prst="rect">
-            <a:avLst/>
-          </a:prstGeom>
-          <a:noFill/>
-        </p:spPr>
-        <p:txBody>
-          <a:bodyPr wrap="none" lIns="0" tIns="0" rIns="0" bIns="0" rtlCol="0">
-            <a:spAutoFit/>
-          </a:bodyPr>
-          <a:lstStyle/>
-          <a:p>
-            <a:r>
-              <a:rPr lang="de-DE" dirty="0" err="1">
-                <a:latin typeface="Helvetica Light" panose="020B0403020202020204" pitchFamily="34" charset="0"/>
-              </a:rPr>
-              <a:t>Indifference</a:t>
-            </a:r>
-            <a:r>
-              <a:rPr lang="de-DE" dirty="0">
-                <a:latin typeface="Helvetica Light" panose="020B0403020202020204" pitchFamily="34" charset="0"/>
-              </a:rPr>
-              <a:t> </a:t>
-            </a:r>
-            <a:r>
-              <a:rPr lang="de-DE" dirty="0" err="1">
-                <a:latin typeface="Helvetica Light" panose="020B0403020202020204" pitchFamily="34" charset="0"/>
-              </a:rPr>
-              <a:t>curves</a:t>
-            </a:r>
-            <a:endParaRPr lang="de-DE" dirty="0">
-              <a:latin typeface="Helvetica Light" panose="020B0403020202020204" pitchFamily="34" charset="0"/>
-            </a:endParaRPr>
-          </a:p>
-        </p:txBody>
-      </p:sp>
-      <p:sp>
-        <p:nvSpPr>
           <p:cNvPr id="16" name="Oval 14">
             <a:extLst>
               <a:ext uri="{FF2B5EF4-FFF2-40B4-BE49-F238E27FC236}">
@@ -9343,7 +9096,7 @@
         </p:nvSpPr>
         <p:spPr bwMode="auto">
           <a:xfrm>
-            <a:off x="1842582" y="2480481"/>
+            <a:off x="1768900" y="2543547"/>
             <a:ext cx="117054" cy="126857"/>
           </a:xfrm>
           <a:prstGeom prst="ellipse">
@@ -9404,7 +9157,7 @@
         </p:nvSpPr>
         <p:spPr bwMode="auto">
           <a:xfrm flipH="1">
-            <a:off x="1230986" y="3823078"/>
+            <a:off x="1157308" y="3886141"/>
             <a:ext cx="1474075" cy="0"/>
           </a:xfrm>
           <a:prstGeom prst="line">
@@ -9464,7 +9217,7 @@
         </p:nvSpPr>
         <p:spPr bwMode="auto">
           <a:xfrm>
-            <a:off x="2705059" y="3823078"/>
+            <a:off x="2631377" y="3886141"/>
             <a:ext cx="0" cy="2366598"/>
           </a:xfrm>
           <a:prstGeom prst="line">
@@ -9524,7 +9277,7 @@
         </p:nvSpPr>
         <p:spPr bwMode="auto">
           <a:xfrm>
-            <a:off x="2646533" y="3747148"/>
+            <a:off x="2572851" y="3810214"/>
             <a:ext cx="117054" cy="126857"/>
           </a:xfrm>
           <a:prstGeom prst="ellipse">
@@ -9585,7 +9338,7 @@
         </p:nvSpPr>
         <p:spPr bwMode="auto">
           <a:xfrm>
-            <a:off x="3263153" y="4653174"/>
+            <a:off x="3189471" y="4716240"/>
             <a:ext cx="117054" cy="126857"/>
           </a:xfrm>
           <a:prstGeom prst="ellipse">
@@ -9644,8 +9397,8 @@
         </p:nvGrpSpPr>
         <p:grpSpPr>
           <a:xfrm>
-            <a:off x="1230985" y="826063"/>
-            <a:ext cx="4546818" cy="5197285"/>
+            <a:off x="1157305" y="889130"/>
+            <a:ext cx="4546817" cy="5197285"/>
             <a:chOff x="3390900" y="1809750"/>
             <a:chExt cx="2667000" cy="2971800"/>
           </a:xfrm>
@@ -9997,8 +9750,8 @@
         </p:nvSpPr>
         <p:spPr bwMode="auto">
           <a:xfrm rot="19146572">
-            <a:off x="2723749" y="2886240"/>
-            <a:ext cx="2133600" cy="271033"/>
+            <a:off x="2650068" y="2949306"/>
+            <a:ext cx="2133600" cy="271034"/>
           </a:xfrm>
           <a:prstGeom prst="rightArrow">
             <a:avLst>
@@ -10061,7 +9814,7 @@
         </p:nvSpPr>
         <p:spPr bwMode="auto">
           <a:xfrm>
-            <a:off x="4112813" y="1851634"/>
+            <a:off x="4039136" y="1914697"/>
             <a:ext cx="1736373" cy="369332"/>
           </a:xfrm>
           <a:prstGeom prst="rect">
@@ -10132,7 +9885,7 @@
             </p:nvSpPr>
             <p:spPr>
               <a:xfrm>
-                <a:off x="3858792" y="6261051"/>
+                <a:off x="3785115" y="6324118"/>
                 <a:ext cx="746999" cy="276999"/>
               </a:xfrm>
               <a:prstGeom prst="rect">
@@ -10154,22 +9907,10 @@
                     </m:oMathParaPr>
                     <m:oMath xmlns:m="http://schemas.openxmlformats.org/officeDocument/2006/math">
                       <m:r>
-                        <a:rPr lang="en-GB" smtClean="0">
-                          <a:latin typeface="Cambria Math" panose="02040503050406030204" pitchFamily="18" charset="0"/>
-                        </a:rPr>
-                        <m:t>£</m:t>
-                      </m:r>
-                      <m:r>
-                        <a:rPr lang="en-GB" b="0" i="0" smtClean="0">
-                          <a:latin typeface="Cambria Math" panose="02040503050406030204" pitchFamily="18" charset="0"/>
-                        </a:rPr>
-                        <m:t>3</m:t>
-                      </m:r>
-                      <m:r>
                         <a:rPr lang="en-GB">
                           <a:latin typeface="Cambria Math" panose="02040503050406030204" pitchFamily="18" charset="0"/>
                         </a:rPr>
-                        <m:t>,000</m:t>
+                        <m:t>£3,000</m:t>
                       </m:r>
                     </m:oMath>
                   </m:oMathPara>
@@ -10198,7 +9939,7 @@
             </p:nvSpPr>
             <p:spPr>
               <a:xfrm>
-                <a:off x="3858792" y="6261051"/>
+                <a:off x="3785115" y="6324118"/>
                 <a:ext cx="746999" cy="276999"/>
               </a:xfrm>
               <a:prstGeom prst="rect">
@@ -10270,7 +10011,7 @@
         </p:nvGrpSpPr>
         <p:grpSpPr>
           <a:xfrm>
-            <a:off x="389134" y="651643"/>
+            <a:off x="315453" y="714706"/>
             <a:ext cx="4834507" cy="5454868"/>
             <a:chOff x="1569149" y="630622"/>
             <a:chExt cx="8079348" cy="5454868"/>
@@ -10593,7 +10334,7 @@
                 <a:blipFill>
                   <a:blip r:embed="rId2"/>
                   <a:stretch>
-                    <a:fillRect l="-7143" r="-5357" b="-4348"/>
+                    <a:fillRect l="-7143" r="-7143" b="-4348"/>
                   </a:stretch>
                 </a:blipFill>
               </p:spPr>
@@ -10629,7 +10370,7 @@
             </p:nvSpPr>
             <p:spPr>
               <a:xfrm>
-                <a:off x="436952" y="3747146"/>
+                <a:off x="363272" y="3810211"/>
                 <a:ext cx="698909" cy="276999"/>
               </a:xfrm>
               <a:prstGeom prst="rect">
@@ -10683,7 +10424,7 @@
             </p:nvSpPr>
             <p:spPr>
               <a:xfrm>
-                <a:off x="436952" y="3747146"/>
+                <a:off x="363272" y="3810211"/>
                 <a:ext cx="698909" cy="276999"/>
               </a:xfrm>
               <a:prstGeom prst="rect">
@@ -10692,7 +10433,7 @@
               <a:blipFill>
                 <a:blip r:embed="rId3"/>
                 <a:stretch>
-                  <a:fillRect l="-5357" r="-7143" b="-4348"/>
+                  <a:fillRect l="-7143" r="-5357" b="-4545"/>
                 </a:stretch>
               </a:blipFill>
             </p:spPr>
@@ -10727,7 +10468,7 @@
             </p:nvSpPr>
             <p:spPr>
               <a:xfrm>
-                <a:off x="2314743" y="6261049"/>
+                <a:off x="2241066" y="6324116"/>
                 <a:ext cx="698909" cy="276999"/>
               </a:xfrm>
               <a:prstGeom prst="rect">
@@ -10781,7 +10522,7 @@
             </p:nvSpPr>
             <p:spPr>
               <a:xfrm>
-                <a:off x="2314743" y="6261049"/>
+                <a:off x="2241066" y="6324116"/>
                 <a:ext cx="698909" cy="276999"/>
               </a:xfrm>
               <a:prstGeom prst="rect">
@@ -10823,7 +10564,7 @@
         </p:nvSpPr>
         <p:spPr>
           <a:xfrm>
-            <a:off x="3042336" y="857603"/>
+            <a:off x="1293263" y="250853"/>
             <a:ext cx="1987724" cy="276999"/>
           </a:xfrm>
           <a:prstGeom prst="rect">
@@ -10877,7 +10618,7 @@
         </p:nvSpPr>
         <p:spPr bwMode="auto">
           <a:xfrm flipH="1">
-            <a:off x="1230986" y="3823078"/>
+            <a:off x="1157308" y="3886141"/>
             <a:ext cx="1474075" cy="0"/>
           </a:xfrm>
           <a:prstGeom prst="line">
@@ -10937,7 +10678,7 @@
         </p:nvSpPr>
         <p:spPr bwMode="auto">
           <a:xfrm>
-            <a:off x="2705059" y="3823078"/>
+            <a:off x="2631377" y="3886141"/>
             <a:ext cx="0" cy="2366598"/>
           </a:xfrm>
           <a:prstGeom prst="line">
@@ -10997,7 +10738,7 @@
         </p:nvSpPr>
         <p:spPr bwMode="auto">
           <a:xfrm>
-            <a:off x="2646533" y="3747148"/>
+            <a:off x="2572851" y="3810214"/>
             <a:ext cx="117054" cy="126857"/>
           </a:xfrm>
           <a:prstGeom prst="ellipse">
@@ -11056,10 +10797,10 @@
         </p:nvGrpSpPr>
         <p:grpSpPr>
           <a:xfrm>
-            <a:off x="1242795" y="657162"/>
-            <a:ext cx="4773584" cy="5274929"/>
-            <a:chOff x="3308998" y="1721265"/>
-            <a:chExt cx="2800013" cy="3016197"/>
+            <a:off x="1215830" y="793764"/>
+            <a:ext cx="4590336" cy="5221267"/>
+            <a:chOff x="3308998" y="1751949"/>
+            <a:chExt cx="2692527" cy="2985513"/>
           </a:xfrm>
         </p:grpSpPr>
         <p:sp>
@@ -11298,8 +11039,8 @@
           </p:nvSpPr>
           <p:spPr bwMode="auto">
             <a:xfrm>
-              <a:off x="4127811" y="1721265"/>
-              <a:ext cx="1981200" cy="2209800"/>
+              <a:off x="4203175" y="1751949"/>
+              <a:ext cx="1798350" cy="2094623"/>
             </a:xfrm>
             <a:custGeom>
               <a:avLst/>
@@ -11409,8 +11150,8 @@
         </p:nvSpPr>
         <p:spPr bwMode="auto">
           <a:xfrm>
-            <a:off x="3553953" y="2313427"/>
-            <a:ext cx="3339376" cy="369332"/>
+            <a:off x="3644691" y="2059886"/>
+            <a:ext cx="1774845" cy="646331"/>
           </a:xfrm>
           <a:prstGeom prst="rect">
             <a:avLst/>
@@ -11459,7 +11200,15 @@
               <a:rPr lang="en-US" altLang="de-DE" dirty="0">
                 <a:latin typeface="Helvetica Light" panose="020B0403020202020204" pitchFamily="34" charset="0"/>
               </a:rPr>
-              <a:t>Most preferred affordable plan</a:t>
+              <a:t>Most preferred </a:t>
+            </a:r>
+          </a:p>
+          <a:p>
+            <a:r>
+              <a:rPr lang="en-US" altLang="de-DE" dirty="0">
+                <a:latin typeface="Helvetica Light" panose="020B0403020202020204" pitchFamily="34" charset="0"/>
+              </a:rPr>
+              <a:t>affordable plan</a:t>
             </a:r>
           </a:p>
         </p:txBody>
@@ -11480,7 +11229,7 @@
         </p:nvSpPr>
         <p:spPr bwMode="auto">
           <a:xfrm>
-            <a:off x="2585862" y="3719296"/>
+            <a:off x="2512180" y="3782358"/>
             <a:ext cx="228600" cy="228600"/>
           </a:xfrm>
           <a:prstGeom prst="ellipse">
@@ -11541,8 +11290,8 @@
         </p:nvSpPr>
         <p:spPr bwMode="auto">
           <a:xfrm flipH="1">
-            <a:off x="2814462" y="2728696"/>
-            <a:ext cx="1447800" cy="990600"/>
+            <a:off x="2740782" y="2791758"/>
+            <a:ext cx="1447799" cy="990600"/>
           </a:xfrm>
           <a:prstGeom prst="line">
             <a:avLst/>
@@ -11600,8 +11349,8 @@
         </p:nvSpPr>
         <p:spPr bwMode="auto">
           <a:xfrm>
-            <a:off x="5323268" y="2797693"/>
-            <a:ext cx="2645276" cy="646331"/>
+            <a:off x="2807093" y="3879038"/>
+            <a:ext cx="1827744" cy="461665"/>
           </a:xfrm>
           <a:prstGeom prst="rect">
             <a:avLst/>
@@ -11647,18 +11396,18 @@
           <a:lstStyle/>
           <a:p>
             <a:r>
-              <a:rPr lang="en-US" altLang="de-DE" dirty="0">
+              <a:rPr lang="en-US" altLang="de-DE" sz="1200" dirty="0">
                 <a:latin typeface="Helvetica Light" panose="020B0403020202020204" pitchFamily="34" charset="0"/>
               </a:rPr>
               <a:t>MRS = slope of budget </a:t>
             </a:r>
             <a:br>
-              <a:rPr lang="en-US" altLang="de-DE" dirty="0">
+              <a:rPr lang="en-US" altLang="de-DE" sz="1200" dirty="0">
                 <a:latin typeface="Helvetica Light" panose="020B0403020202020204" pitchFamily="34" charset="0"/>
               </a:rPr>
             </a:br>
             <a:r>
-              <a:rPr lang="en-US" altLang="de-DE" dirty="0">
+              <a:rPr lang="en-US" altLang="de-DE" sz="1200" dirty="0">
                 <a:latin typeface="Helvetica Light" panose="020B0403020202020204" pitchFamily="34" charset="0"/>
               </a:rPr>
               <a:t>            constraint</a:t>
@@ -11682,7 +11431,7 @@
             </p:nvSpPr>
             <p:spPr>
               <a:xfrm>
-                <a:off x="3858792" y="6261051"/>
+                <a:off x="3785115" y="6324118"/>
                 <a:ext cx="746999" cy="276999"/>
               </a:xfrm>
               <a:prstGeom prst="rect">
@@ -11704,22 +11453,10 @@
                     </m:oMathParaPr>
                     <m:oMath xmlns:m="http://schemas.openxmlformats.org/officeDocument/2006/math">
                       <m:r>
-                        <a:rPr lang="en-GB" smtClean="0">
-                          <a:latin typeface="Cambria Math" panose="02040503050406030204" pitchFamily="18" charset="0"/>
-                        </a:rPr>
-                        <m:t>£</m:t>
-                      </m:r>
-                      <m:r>
-                        <a:rPr lang="en-GB" b="0" i="0" smtClean="0">
-                          <a:latin typeface="Cambria Math" panose="02040503050406030204" pitchFamily="18" charset="0"/>
-                        </a:rPr>
-                        <m:t>3</m:t>
-                      </m:r>
-                      <m:r>
                         <a:rPr lang="en-GB">
                           <a:latin typeface="Cambria Math" panose="02040503050406030204" pitchFamily="18" charset="0"/>
                         </a:rPr>
-                        <m:t>,000</m:t>
+                        <m:t>£3,000</m:t>
                       </m:r>
                     </m:oMath>
                   </m:oMathPara>
@@ -11748,7 +11485,7 @@
             </p:nvSpPr>
             <p:spPr>
               <a:xfrm>
-                <a:off x="3858792" y="6261051"/>
+                <a:off x="3785115" y="6324118"/>
                 <a:ext cx="746999" cy="276999"/>
               </a:xfrm>
               <a:prstGeom prst="rect">
@@ -11792,7 +11529,7 @@
 <file path=ppt/theme/theme1.xml><?xml version="1.0" encoding="utf-8"?>
 <a:theme xmlns:a="http://schemas.openxmlformats.org/drawingml/2006/main" name="Office Theme">
   <a:themeElements>
-    <a:clrScheme name="Office">
+    <a:clrScheme name="Office Theme">
       <a:dk1>
         <a:sysClr val="windowText" lastClr="000000"/>
       </a:dk1>
@@ -11830,7 +11567,7 @@
         <a:srgbClr val="954F72"/>
       </a:folHlink>
     </a:clrScheme>
-    <a:fontScheme name="Office">
+    <a:fontScheme name="Office Theme">
       <a:majorFont>
         <a:latin typeface="Calibri Light" panose="020F0302020204030204"/>
         <a:ea typeface=""/>
@@ -11865,23 +11602,6 @@
         <a:font script="Viet" typeface="Times New Roman"/>
         <a:font script="Uigh" typeface="Microsoft Uighur"/>
         <a:font script="Geor" typeface="Sylfaen"/>
-        <a:font script="Armn" typeface="Arial"/>
-        <a:font script="Bugi" typeface="Leelawadee UI"/>
-        <a:font script="Bopo" typeface="Microsoft JhengHei"/>
-        <a:font script="Java" typeface="Javanese Text"/>
-        <a:font script="Lisu" typeface="Segoe UI"/>
-        <a:font script="Mymr" typeface="Myanmar Text"/>
-        <a:font script="Nkoo" typeface="Ebrima"/>
-        <a:font script="Olck" typeface="Nirmala UI"/>
-        <a:font script="Osma" typeface="Ebrima"/>
-        <a:font script="Phag" typeface="Phagspa"/>
-        <a:font script="Syrn" typeface="Estrangelo Edessa"/>
-        <a:font script="Syrj" typeface="Estrangelo Edessa"/>
-        <a:font script="Syre" typeface="Estrangelo Edessa"/>
-        <a:font script="Sora" typeface="Nirmala UI"/>
-        <a:font script="Tale" typeface="Microsoft Tai Le"/>
-        <a:font script="Talu" typeface="Microsoft New Tai Lue"/>
-        <a:font script="Tfng" typeface="Ebrima"/>
       </a:majorFont>
       <a:minorFont>
         <a:latin typeface="Calibri" panose="020F0502020204030204"/>
@@ -11917,26 +11637,9 @@
         <a:font script="Viet" typeface="Arial"/>
         <a:font script="Uigh" typeface="Microsoft Uighur"/>
         <a:font script="Geor" typeface="Sylfaen"/>
-        <a:font script="Armn" typeface="Arial"/>
-        <a:font script="Bugi" typeface="Leelawadee UI"/>
-        <a:font script="Bopo" typeface="Microsoft JhengHei"/>
-        <a:font script="Java" typeface="Javanese Text"/>
-        <a:font script="Lisu" typeface="Segoe UI"/>
-        <a:font script="Mymr" typeface="Myanmar Text"/>
-        <a:font script="Nkoo" typeface="Ebrima"/>
-        <a:font script="Olck" typeface="Nirmala UI"/>
-        <a:font script="Osma" typeface="Ebrima"/>
-        <a:font script="Phag" typeface="Phagspa"/>
-        <a:font script="Syrn" typeface="Estrangelo Edessa"/>
-        <a:font script="Syrj" typeface="Estrangelo Edessa"/>
-        <a:font script="Syre" typeface="Estrangelo Edessa"/>
-        <a:font script="Sora" typeface="Nirmala UI"/>
-        <a:font script="Tale" typeface="Microsoft Tai Le"/>
-        <a:font script="Talu" typeface="Microsoft New Tai Lue"/>
-        <a:font script="Tfng" typeface="Ebrima"/>
       </a:minorFont>
     </a:fontScheme>
-    <a:fmtScheme name="Office">
+    <a:fmtScheme name="Office Theme">
       <a:fillStyleLst>
         <a:solidFill>
           <a:schemeClr val="phClr"/>

--- a/img/insurance.pptx
+++ b/img/insurance.pptx
@@ -5,13 +5,11 @@
     <p:sldMasterId id="2147483672" r:id="rId1"/>
   </p:sldMasterIdLst>
   <p:sldIdLst>
-    <p:sldId id="301" r:id="rId2"/>
-    <p:sldId id="302" r:id="rId3"/>
-    <p:sldId id="303" r:id="rId4"/>
-    <p:sldId id="304" r:id="rId5"/>
-    <p:sldId id="305" r:id="rId6"/>
-    <p:sldId id="306" r:id="rId7"/>
-    <p:sldId id="307" r:id="rId8"/>
+    <p:sldId id="303" r:id="rId2"/>
+    <p:sldId id="304" r:id="rId3"/>
+    <p:sldId id="305" r:id="rId4"/>
+    <p:sldId id="306" r:id="rId5"/>
+    <p:sldId id="307" r:id="rId6"/>
   </p:sldIdLst>
   <p:sldSz cx="5759450" cy="6858000"/>
   <p:notesSz cx="6858000" cy="9144000"/>
@@ -113,12 +111,12 @@
   <p:extLst>
     <p:ext uri="{EFAFB233-063F-42B5-8137-9DF3F51BA10A}">
       <p15:sldGuideLst xmlns:p15="http://schemas.microsoft.com/office/powerpoint/2012/main">
-        <p15:guide id="1" orient="horz" pos="3884" userDrawn="1">
+        <p15:guide id="1" orient="horz" pos="3430" userDrawn="1">
           <p15:clr>
             <a:srgbClr val="A4A3A4"/>
           </p15:clr>
         </p15:guide>
-        <p15:guide id="2" pos="725" userDrawn="1">
+        <p15:guide id="2" pos="710" userDrawn="1">
           <p15:clr>
             <a:srgbClr val="A4A3A4"/>
           </p15:clr>
@@ -260,7 +258,7 @@
           <a:p>
             <a:fld id="{5D3959E1-A87B-A541-B403-66789E06BC77}" type="datetimeFigureOut">
               <a:rPr lang="de-DE" smtClean="0"/>
-              <a:t>28.10.19</a:t>
+              <a:t>30.09.20</a:t>
             </a:fld>
             <a:endParaRPr lang="de-DE"/>
           </a:p>
@@ -430,7 +428,7 @@
           <a:p>
             <a:fld id="{5D3959E1-A87B-A541-B403-66789E06BC77}" type="datetimeFigureOut">
               <a:rPr lang="de-DE" smtClean="0"/>
-              <a:t>28.10.19</a:t>
+              <a:t>30.09.20</a:t>
             </a:fld>
             <a:endParaRPr lang="de-DE"/>
           </a:p>
@@ -610,7 +608,7 @@
           <a:p>
             <a:fld id="{5D3959E1-A87B-A541-B403-66789E06BC77}" type="datetimeFigureOut">
               <a:rPr lang="de-DE" smtClean="0"/>
-              <a:t>28.10.19</a:t>
+              <a:t>30.09.20</a:t>
             </a:fld>
             <a:endParaRPr lang="de-DE"/>
           </a:p>
@@ -780,7 +778,7 @@
           <a:p>
             <a:fld id="{5D3959E1-A87B-A541-B403-66789E06BC77}" type="datetimeFigureOut">
               <a:rPr lang="de-DE" smtClean="0"/>
-              <a:t>28.10.19</a:t>
+              <a:t>30.09.20</a:t>
             </a:fld>
             <a:endParaRPr lang="de-DE"/>
           </a:p>
@@ -1024,7 +1022,7 @@
           <a:p>
             <a:fld id="{5D3959E1-A87B-A541-B403-66789E06BC77}" type="datetimeFigureOut">
               <a:rPr lang="de-DE" smtClean="0"/>
-              <a:t>28.10.19</a:t>
+              <a:t>30.09.20</a:t>
             </a:fld>
             <a:endParaRPr lang="de-DE"/>
           </a:p>
@@ -1256,7 +1254,7 @@
           <a:p>
             <a:fld id="{5D3959E1-A87B-A541-B403-66789E06BC77}" type="datetimeFigureOut">
               <a:rPr lang="de-DE" smtClean="0"/>
-              <a:t>28.10.19</a:t>
+              <a:t>30.09.20</a:t>
             </a:fld>
             <a:endParaRPr lang="de-DE"/>
           </a:p>
@@ -1623,7 +1621,7 @@
           <a:p>
             <a:fld id="{5D3959E1-A87B-A541-B403-66789E06BC77}" type="datetimeFigureOut">
               <a:rPr lang="de-DE" smtClean="0"/>
-              <a:t>28.10.19</a:t>
+              <a:t>30.09.20</a:t>
             </a:fld>
             <a:endParaRPr lang="de-DE"/>
           </a:p>
@@ -1741,7 +1739,7 @@
           <a:p>
             <a:fld id="{5D3959E1-A87B-A541-B403-66789E06BC77}" type="datetimeFigureOut">
               <a:rPr lang="de-DE" smtClean="0"/>
-              <a:t>28.10.19</a:t>
+              <a:t>30.09.20</a:t>
             </a:fld>
             <a:endParaRPr lang="de-DE"/>
           </a:p>
@@ -1836,7 +1834,7 @@
           <a:p>
             <a:fld id="{5D3959E1-A87B-A541-B403-66789E06BC77}" type="datetimeFigureOut">
               <a:rPr lang="de-DE" smtClean="0"/>
-              <a:t>28.10.19</a:t>
+              <a:t>30.09.20</a:t>
             </a:fld>
             <a:endParaRPr lang="de-DE"/>
           </a:p>
@@ -2113,7 +2111,7 @@
           <a:p>
             <a:fld id="{5D3959E1-A87B-A541-B403-66789E06BC77}" type="datetimeFigureOut">
               <a:rPr lang="de-DE" smtClean="0"/>
-              <a:t>28.10.19</a:t>
+              <a:t>30.09.20</a:t>
             </a:fld>
             <a:endParaRPr lang="de-DE"/>
           </a:p>
@@ -2370,7 +2368,7 @@
           <a:p>
             <a:fld id="{5D3959E1-A87B-A541-B403-66789E06BC77}" type="datetimeFigureOut">
               <a:rPr lang="de-DE" smtClean="0"/>
-              <a:t>28.10.19</a:t>
+              <a:t>30.09.20</a:t>
             </a:fld>
             <a:endParaRPr lang="de-DE"/>
           </a:p>
@@ -2584,7 +2582,7 @@
             <a:fld id="{5D3959E1-A87B-A541-B403-66789E06BC77}" type="datetimeFigureOut">
               <a:rPr lang="de-DE" smtClean="0"/>
               <a:pPr/>
-              <a:t>28.10.19</a:t>
+              <a:t>30.09.20</a:t>
             </a:fld>
             <a:endParaRPr lang="de-DE" dirty="0"/>
           </a:p>
@@ -2992,607 +2990,6 @@
       </p:grpSpPr>
       <p:grpSp>
         <p:nvGrpSpPr>
-          <p:cNvPr id="26" name="Group 25">
-            <a:extLst>
-              <a:ext uri="{FF2B5EF4-FFF2-40B4-BE49-F238E27FC236}">
-                <a16:creationId xmlns:a16="http://schemas.microsoft.com/office/drawing/2014/main" id="{5793B251-741C-E846-B60B-173477E3FB0C}"/>
-              </a:ext>
-            </a:extLst>
-          </p:cNvPr>
-          <p:cNvGrpSpPr/>
-          <p:nvPr/>
-        </p:nvGrpSpPr>
-        <p:grpSpPr>
-          <a:xfrm>
-            <a:off x="313591" y="713719"/>
-            <a:ext cx="4834507" cy="5886407"/>
-            <a:chOff x="389134" y="651643"/>
-            <a:chExt cx="4834507" cy="5886407"/>
-          </a:xfrm>
-        </p:grpSpPr>
-        <p:sp>
-          <p:nvSpPr>
-            <p:cNvPr id="27" name="Line 3">
-              <a:extLst>
-                <a:ext uri="{FF2B5EF4-FFF2-40B4-BE49-F238E27FC236}">
-                  <a16:creationId xmlns:a16="http://schemas.microsoft.com/office/drawing/2014/main" id="{10F0D6F9-BC80-EC4A-81C2-C153FB2F1B92}"/>
-                </a:ext>
-              </a:extLst>
-            </p:cNvPr>
-            <p:cNvSpPr>
-              <a:spLocks noChangeShapeType="1"/>
-            </p:cNvSpPr>
-            <p:nvPr/>
-          </p:nvSpPr>
-          <p:spPr bwMode="auto">
-            <a:xfrm flipV="1">
-              <a:off x="1230985" y="651643"/>
-              <a:ext cx="0" cy="5454868"/>
-            </a:xfrm>
-            <a:prstGeom prst="line">
-              <a:avLst/>
-            </a:prstGeom>
-            <a:noFill/>
-            <a:ln w="12700">
-              <a:solidFill>
-                <a:schemeClr val="tx1"/>
-              </a:solidFill>
-              <a:round/>
-              <a:headEnd type="none" w="sm" len="sm"/>
-              <a:tailEnd type="stealth" w="med" len="lg"/>
-            </a:ln>
-            <a:effectLst/>
-            <a:extLst>
-              <a:ext uri="{909E8E84-426E-40DD-AFC4-6F175D3DCCD1}">
-                <a14:hiddenFill xmlns:a14="http://schemas.microsoft.com/office/drawing/2010/main">
-                  <a:noFill/>
-                </a14:hiddenFill>
-              </a:ext>
-              <a:ext uri="{AF507438-7753-43E0-B8FC-AC1667EBCBE1}">
-                <a14:hiddenEffects xmlns:a14="http://schemas.microsoft.com/office/drawing/2010/main">
-                  <a:effectLst>
-                    <a:outerShdw dist="35921" dir="2700000" algn="ctr" rotWithShape="0">
-                      <a:schemeClr val="bg2"/>
-                    </a:outerShdw>
-                  </a:effectLst>
-                </a14:hiddenEffects>
-              </a:ext>
-            </a:extLst>
-          </p:spPr>
-          <p:txBody>
-            <a:bodyPr wrap="none" anchor="ctr"/>
-            <a:lstStyle/>
-            <a:p>
-              <a:endParaRPr lang="de-DE" dirty="0">
-                <a:latin typeface="Helvetica Light" panose="020B0403020202020204" pitchFamily="34" charset="0"/>
-              </a:endParaRPr>
-            </a:p>
-          </p:txBody>
-        </p:sp>
-        <p:sp>
-          <p:nvSpPr>
-            <p:cNvPr id="28" name="Line 4">
-              <a:extLst>
-                <a:ext uri="{FF2B5EF4-FFF2-40B4-BE49-F238E27FC236}">
-                  <a16:creationId xmlns:a16="http://schemas.microsoft.com/office/drawing/2014/main" id="{0DDB2DD3-4295-5F42-A901-A510A91F2DA6}"/>
-                </a:ext>
-              </a:extLst>
-            </p:cNvPr>
-            <p:cNvSpPr>
-              <a:spLocks noChangeShapeType="1"/>
-            </p:cNvSpPr>
-            <p:nvPr/>
-          </p:nvSpPr>
-          <p:spPr bwMode="auto">
-            <a:xfrm>
-              <a:off x="1230985" y="6106511"/>
-              <a:ext cx="3992656" cy="0"/>
-            </a:xfrm>
-            <a:prstGeom prst="line">
-              <a:avLst/>
-            </a:prstGeom>
-            <a:noFill/>
-            <a:ln w="12700">
-              <a:solidFill>
-                <a:schemeClr val="tx1"/>
-              </a:solidFill>
-              <a:round/>
-              <a:headEnd type="none" w="sm" len="sm"/>
-              <a:tailEnd type="stealth" w="med" len="lg"/>
-            </a:ln>
-            <a:effectLst/>
-            <a:extLst>
-              <a:ext uri="{909E8E84-426E-40DD-AFC4-6F175D3DCCD1}">
-                <a14:hiddenFill xmlns:a14="http://schemas.microsoft.com/office/drawing/2010/main">
-                  <a:noFill/>
-                </a14:hiddenFill>
-              </a:ext>
-              <a:ext uri="{AF507438-7753-43E0-B8FC-AC1667EBCBE1}">
-                <a14:hiddenEffects xmlns:a14="http://schemas.microsoft.com/office/drawing/2010/main">
-                  <a:effectLst>
-                    <a:outerShdw dist="35921" dir="2700000" algn="ctr" rotWithShape="0">
-                      <a:schemeClr val="bg2"/>
-                    </a:outerShdw>
-                  </a:effectLst>
-                </a14:hiddenEffects>
-              </a:ext>
-            </a:extLst>
-          </p:spPr>
-          <p:txBody>
-            <a:bodyPr wrap="none" anchor="ctr"/>
-            <a:lstStyle/>
-            <a:p>
-              <a:endParaRPr lang="de-DE" dirty="0">
-                <a:latin typeface="Helvetica Light" panose="020B0403020202020204" pitchFamily="34" charset="0"/>
-              </a:endParaRPr>
-            </a:p>
-          </p:txBody>
-        </p:sp>
-        <p:sp>
-          <p:nvSpPr>
-            <p:cNvPr id="29" name="Line 13">
-              <a:extLst>
-                <a:ext uri="{FF2B5EF4-FFF2-40B4-BE49-F238E27FC236}">
-                  <a16:creationId xmlns:a16="http://schemas.microsoft.com/office/drawing/2014/main" id="{CFB7A8D7-D20B-374B-9C4F-DFB5BC5560AF}"/>
-                </a:ext>
-              </a:extLst>
-            </p:cNvPr>
-            <p:cNvSpPr>
-              <a:spLocks noChangeShapeType="1"/>
-            </p:cNvSpPr>
-            <p:nvPr/>
-          </p:nvSpPr>
-          <p:spPr bwMode="auto">
-            <a:xfrm>
-              <a:off x="1230985" y="1539645"/>
-              <a:ext cx="3019468" cy="4566866"/>
-            </a:xfrm>
-            <a:prstGeom prst="line">
-              <a:avLst/>
-            </a:prstGeom>
-            <a:noFill/>
-            <a:ln w="38100">
-              <a:solidFill>
-                <a:schemeClr val="tx1"/>
-              </a:solidFill>
-              <a:round/>
-              <a:headEnd type="none" w="sm" len="sm"/>
-              <a:tailEnd type="none" w="sm" len="sm"/>
-            </a:ln>
-            <a:effectLst/>
-            <a:extLst>
-              <a:ext uri="{909E8E84-426E-40DD-AFC4-6F175D3DCCD1}">
-                <a14:hiddenFill xmlns:a14="http://schemas.microsoft.com/office/drawing/2010/main">
-                  <a:noFill/>
-                </a14:hiddenFill>
-              </a:ext>
-              <a:ext uri="{AF507438-7753-43E0-B8FC-AC1667EBCBE1}">
-                <a14:hiddenEffects xmlns:a14="http://schemas.microsoft.com/office/drawing/2010/main">
-                  <a:effectLst>
-                    <a:outerShdw dist="35921" dir="2700000" algn="ctr" rotWithShape="0">
-                      <a:schemeClr val="bg2"/>
-                    </a:outerShdw>
-                  </a:effectLst>
-                </a14:hiddenEffects>
-              </a:ext>
-            </a:extLst>
-          </p:spPr>
-          <p:txBody>
-            <a:bodyPr wrap="none" anchor="ctr"/>
-            <a:lstStyle/>
-            <a:p>
-              <a:endParaRPr lang="de-DE" dirty="0">
-                <a:latin typeface="Helvetica Light" panose="020B0403020202020204" pitchFamily="34" charset="0"/>
-              </a:endParaRPr>
-            </a:p>
-          </p:txBody>
-        </p:sp>
-        <p:sp>
-          <p:nvSpPr>
-            <p:cNvPr id="30" name="Oval 14">
-              <a:extLst>
-                <a:ext uri="{FF2B5EF4-FFF2-40B4-BE49-F238E27FC236}">
-                  <a16:creationId xmlns:a16="http://schemas.microsoft.com/office/drawing/2014/main" id="{F9C96E68-5151-4144-8BD1-C132303BA255}"/>
-                </a:ext>
-              </a:extLst>
-            </p:cNvPr>
-            <p:cNvSpPr>
-              <a:spLocks noChangeArrowheads="1"/>
-            </p:cNvSpPr>
-            <p:nvPr/>
-          </p:nvSpPr>
-          <p:spPr bwMode="auto">
-            <a:xfrm>
-              <a:off x="1172457" y="1488108"/>
-              <a:ext cx="117054" cy="126857"/>
-            </a:xfrm>
-            <a:prstGeom prst="ellipse">
-              <a:avLst/>
-            </a:prstGeom>
-            <a:solidFill>
-              <a:schemeClr val="accent1"/>
-            </a:solidFill>
-            <a:ln>
-              <a:noFill/>
-            </a:ln>
-            <a:effectLst/>
-            <a:extLst>
-              <a:ext uri="{91240B29-F687-4F45-9708-019B960494DF}">
-                <a14:hiddenLine xmlns:a14="http://schemas.microsoft.com/office/drawing/2010/main" w="12700">
-                  <a:solidFill>
-                    <a:schemeClr val="tx1"/>
-                  </a:solidFill>
-                  <a:round/>
-                  <a:headEnd type="none" w="sm" len="sm"/>
-                  <a:tailEnd type="none" w="sm" len="sm"/>
-                </a14:hiddenLine>
-              </a:ext>
-              <a:ext uri="{AF507438-7753-43E0-B8FC-AC1667EBCBE1}">
-                <a14:hiddenEffects xmlns:a14="http://schemas.microsoft.com/office/drawing/2010/main">
-                  <a:effectLst>
-                    <a:outerShdw dist="35921" dir="2700000" algn="ctr" rotWithShape="0">
-                      <a:schemeClr val="bg2"/>
-                    </a:outerShdw>
-                  </a:effectLst>
-                </a14:hiddenEffects>
-              </a:ext>
-            </a:extLst>
-          </p:spPr>
-          <p:txBody>
-            <a:bodyPr wrap="none" anchor="ctr"/>
-            <a:lstStyle/>
-            <a:p>
-              <a:endParaRPr lang="de-DE" dirty="0">
-                <a:latin typeface="Helvetica Light" panose="020B0403020202020204" pitchFamily="34" charset="0"/>
-              </a:endParaRPr>
-            </a:p>
-          </p:txBody>
-        </p:sp>
-        <mc:AlternateContent xmlns:mc="http://schemas.openxmlformats.org/markup-compatibility/2006">
-          <mc:Choice xmlns:a14="http://schemas.microsoft.com/office/drawing/2010/main" Requires="a14">
-            <p:sp>
-              <p:nvSpPr>
-                <p:cNvPr id="31" name="TextBox 30">
-                  <a:extLst>
-                    <a:ext uri="{FF2B5EF4-FFF2-40B4-BE49-F238E27FC236}">
-                      <a16:creationId xmlns:a16="http://schemas.microsoft.com/office/drawing/2014/main" id="{EC21B1DF-B9E2-1740-9506-9288ABD13A34}"/>
-                    </a:ext>
-                  </a:extLst>
-                </p:cNvPr>
-                <p:cNvSpPr txBox="1"/>
-                <p:nvPr/>
-              </p:nvSpPr>
-              <p:spPr>
-                <a:xfrm>
-                  <a:off x="389134" y="1384391"/>
-                  <a:ext cx="698909" cy="276999"/>
-                </a:xfrm>
-                <a:prstGeom prst="rect">
-                  <a:avLst/>
-                </a:prstGeom>
-                <a:noFill/>
-              </p:spPr>
-              <p:txBody>
-                <a:bodyPr wrap="none" lIns="0" tIns="0" rIns="0" bIns="0" rtlCol="0">
-                  <a:spAutoFit/>
-                </a:bodyPr>
-                <a:lstStyle/>
-                <a:p>
-                  <a:pPr/>
-                  <a14:m>
-                    <m:oMathPara xmlns:m="http://schemas.openxmlformats.org/officeDocument/2006/math">
-                      <m:oMathParaPr>
-                        <m:jc m:val="centerGroup"/>
-                      </m:oMathParaPr>
-                      <m:oMath xmlns:m="http://schemas.openxmlformats.org/officeDocument/2006/math">
-                        <m:r>
-                          <a:rPr lang="en-GB">
-                            <a:latin typeface="Cambria Math" panose="02040503050406030204" pitchFamily="18" charset="0"/>
-                          </a:rPr>
-                          <m:t>£5000</m:t>
-                        </m:r>
-                      </m:oMath>
-                    </m:oMathPara>
-                  </a14:m>
-                  <a:endParaRPr lang="de-DE" dirty="0">
-                    <a:latin typeface="Helvetica Light" panose="020B0403020202020204" pitchFamily="34" charset="0"/>
-                  </a:endParaRPr>
-                </a:p>
-              </p:txBody>
-            </p:sp>
-          </mc:Choice>
-          <mc:Fallback>
-            <p:sp>
-              <p:nvSpPr>
-                <p:cNvPr id="31" name="TextBox 30">
-                  <a:extLst>
-                    <a:ext uri="{FF2B5EF4-FFF2-40B4-BE49-F238E27FC236}">
-                      <a16:creationId xmlns:a16="http://schemas.microsoft.com/office/drawing/2014/main" id="{EC21B1DF-B9E2-1740-9506-9288ABD13A34}"/>
-                    </a:ext>
-                  </a:extLst>
-                </p:cNvPr>
-                <p:cNvSpPr txBox="1">
-                  <a:spLocks noRot="1" noChangeAspect="1" noMove="1" noResize="1" noEditPoints="1" noAdjustHandles="1" noChangeArrowheads="1" noChangeShapeType="1" noTextEdit="1"/>
-                </p:cNvSpPr>
-                <p:nvPr/>
-              </p:nvSpPr>
-              <p:spPr>
-                <a:xfrm>
-                  <a:off x="389134" y="1384391"/>
-                  <a:ext cx="698909" cy="276999"/>
-                </a:xfrm>
-                <a:prstGeom prst="rect">
-                  <a:avLst/>
-                </a:prstGeom>
-                <a:blipFill>
-                  <a:blip r:embed="rId2"/>
-                  <a:stretch>
-                    <a:fillRect l="-7143" r="-5357" b="-4348"/>
-                  </a:stretch>
-                </a:blipFill>
-              </p:spPr>
-              <p:txBody>
-                <a:bodyPr/>
-                <a:lstStyle/>
-                <a:p>
-                  <a:r>
-                    <a:rPr lang="de-DE">
-                      <a:noFill/>
-                    </a:rPr>
-                    <a:t> </a:t>
-                  </a:r>
-                </a:p>
-              </p:txBody>
-            </p:sp>
-          </mc:Fallback>
-        </mc:AlternateContent>
-        <mc:AlternateContent xmlns:mc="http://schemas.openxmlformats.org/markup-compatibility/2006">
-          <mc:Choice xmlns:a14="http://schemas.microsoft.com/office/drawing/2010/main" Requires="a14">
-            <p:sp>
-              <p:nvSpPr>
-                <p:cNvPr id="32" name="TextBox 31">
-                  <a:extLst>
-                    <a:ext uri="{FF2B5EF4-FFF2-40B4-BE49-F238E27FC236}">
-                      <a16:creationId xmlns:a16="http://schemas.microsoft.com/office/drawing/2014/main" id="{5C4DBAF8-16A9-AF40-877A-AF414267A530}"/>
-                    </a:ext>
-                  </a:extLst>
-                </p:cNvPr>
-                <p:cNvSpPr txBox="1"/>
-                <p:nvPr/>
-              </p:nvSpPr>
-              <p:spPr>
-                <a:xfrm>
-                  <a:off x="3858791" y="6261051"/>
-                  <a:ext cx="746999" cy="276999"/>
-                </a:xfrm>
-                <a:prstGeom prst="rect">
-                  <a:avLst/>
-                </a:prstGeom>
-                <a:noFill/>
-              </p:spPr>
-              <p:txBody>
-                <a:bodyPr wrap="none" lIns="0" tIns="0" rIns="0" bIns="0" rtlCol="0">
-                  <a:spAutoFit/>
-                </a:bodyPr>
-                <a:lstStyle/>
-                <a:p>
-                  <a:pPr/>
-                  <a14:m>
-                    <m:oMathPara xmlns:m="http://schemas.openxmlformats.org/officeDocument/2006/math">
-                      <m:oMathParaPr>
-                        <m:jc m:val="centerGroup"/>
-                      </m:oMathParaPr>
-                      <m:oMath xmlns:m="http://schemas.openxmlformats.org/officeDocument/2006/math">
-                        <m:r>
-                          <a:rPr lang="en-GB">
-                            <a:latin typeface="Cambria Math" panose="02040503050406030204" pitchFamily="18" charset="0"/>
-                          </a:rPr>
-                          <m:t>£3,000</m:t>
-                        </m:r>
-                      </m:oMath>
-                    </m:oMathPara>
-                  </a14:m>
-                  <a:endParaRPr lang="de-DE" dirty="0">
-                    <a:latin typeface="Helvetica Light" panose="020B0403020202020204" pitchFamily="34" charset="0"/>
-                  </a:endParaRPr>
-                </a:p>
-              </p:txBody>
-            </p:sp>
-          </mc:Choice>
-          <mc:Fallback>
-            <p:sp>
-              <p:nvSpPr>
-                <p:cNvPr id="32" name="TextBox 31">
-                  <a:extLst>
-                    <a:ext uri="{FF2B5EF4-FFF2-40B4-BE49-F238E27FC236}">
-                      <a16:creationId xmlns:a16="http://schemas.microsoft.com/office/drawing/2014/main" id="{5C4DBAF8-16A9-AF40-877A-AF414267A530}"/>
-                    </a:ext>
-                  </a:extLst>
-                </p:cNvPr>
-                <p:cNvSpPr txBox="1">
-                  <a:spLocks noRot="1" noChangeAspect="1" noMove="1" noResize="1" noEditPoints="1" noAdjustHandles="1" noChangeArrowheads="1" noChangeShapeType="1" noTextEdit="1"/>
-                </p:cNvSpPr>
-                <p:nvPr/>
-              </p:nvSpPr>
-              <p:spPr>
-                <a:xfrm>
-                  <a:off x="3858791" y="6261051"/>
-                  <a:ext cx="746999" cy="276999"/>
-                </a:xfrm>
-                <a:prstGeom prst="rect">
-                  <a:avLst/>
-                </a:prstGeom>
-                <a:blipFill>
-                  <a:blip r:embed="rId3"/>
-                  <a:stretch>
-                    <a:fillRect l="-5000" r="-5000" b="-4348"/>
-                  </a:stretch>
-                </a:blipFill>
-              </p:spPr>
-              <p:txBody>
-                <a:bodyPr/>
-                <a:lstStyle/>
-                <a:p>
-                  <a:r>
-                    <a:rPr lang="de-DE">
-                      <a:noFill/>
-                    </a:rPr>
-                    <a:t> </a:t>
-                  </a:r>
-                </a:p>
-              </p:txBody>
-            </p:sp>
-          </mc:Fallback>
-        </mc:AlternateContent>
-      </p:grpSp>
-    </p:spTree>
-    <p:extLst>
-      <p:ext uri="{BB962C8B-B14F-4D97-AF65-F5344CB8AC3E}">
-        <p14:creationId xmlns:p14="http://schemas.microsoft.com/office/powerpoint/2010/main" val="1649274151"/>
-      </p:ext>
-    </p:extLst>
-  </p:cSld>
-  <p:clrMapOvr>
-    <a:masterClrMapping/>
-  </p:clrMapOvr>
-</p:sld>
-</file>
-
-<file path=ppt/slides/slide2.xml><?xml version="1.0" encoding="utf-8"?>
-<p:sld xmlns:a="http://schemas.openxmlformats.org/drawingml/2006/main" xmlns:r="http://schemas.openxmlformats.org/officeDocument/2006/relationships" xmlns:p="http://schemas.openxmlformats.org/presentationml/2006/main">
-  <p:cSld>
-    <p:spTree>
-      <p:nvGrpSpPr>
-        <p:cNvPr id="1" name=""/>
-        <p:cNvGrpSpPr/>
-        <p:nvPr/>
-      </p:nvGrpSpPr>
-      <p:grpSpPr>
-        <a:xfrm>
-          <a:off x="0" y="0"/>
-          <a:ext cx="0" cy="0"/>
-          <a:chOff x="0" y="0"/>
-          <a:chExt cx="0" cy="0"/>
-        </a:xfrm>
-      </p:grpSpPr>
-      <mc:AlternateContent xmlns:mc="http://schemas.openxmlformats.org/markup-compatibility/2006">
-        <mc:Choice xmlns:a14="http://schemas.microsoft.com/office/drawing/2010/main" Requires="a14">
-          <p:sp>
-            <p:nvSpPr>
-              <p:cNvPr id="15" name="TextBox 14">
-                <a:extLst>
-                  <a:ext uri="{FF2B5EF4-FFF2-40B4-BE49-F238E27FC236}">
-                    <a16:creationId xmlns:a16="http://schemas.microsoft.com/office/drawing/2014/main" id="{F13E77ED-CF39-2A41-A964-1C21F800441F}"/>
-                  </a:ext>
-                </a:extLst>
-              </p:cNvPr>
-              <p:cNvSpPr txBox="1"/>
-              <p:nvPr/>
-            </p:nvSpPr>
-            <p:spPr>
-              <a:xfrm>
-                <a:off x="1846781" y="1495299"/>
-                <a:ext cx="1917192" cy="276999"/>
-              </a:xfrm>
-              <a:prstGeom prst="rect">
-                <a:avLst/>
-              </a:prstGeom>
-              <a:noFill/>
-            </p:spPr>
-            <p:txBody>
-              <a:bodyPr wrap="none" lIns="0" tIns="0" rIns="0" bIns="0" rtlCol="0">
-                <a:spAutoFit/>
-              </a:bodyPr>
-              <a:lstStyle/>
-              <a:p>
-                <a14:m>
-                  <m:oMath xmlns:m="http://schemas.openxmlformats.org/officeDocument/2006/math">
-                    <m:r>
-                      <a:rPr lang="en-GB">
-                        <a:latin typeface="Cambria Math" panose="02040503050406030204" pitchFamily="18" charset="0"/>
-                      </a:rPr>
-                      <m:t>£700</m:t>
-                    </m:r>
-                  </m:oMath>
-                </a14:m>
-                <a:r>
-                  <a:rPr lang="de-DE" dirty="0">
-                    <a:latin typeface="Helvetica Light" panose="020B0403020202020204" pitchFamily="34" charset="0"/>
-                  </a:rPr>
-                  <a:t> </a:t>
-                </a:r>
-                <a:r>
-                  <a:rPr lang="de-DE" dirty="0" err="1">
-                    <a:latin typeface="Helvetica Light" panose="020B0403020202020204" pitchFamily="34" charset="0"/>
-                  </a:rPr>
-                  <a:t>for</a:t>
-                </a:r>
-                <a:r>
-                  <a:rPr lang="de-DE" dirty="0">
-                    <a:latin typeface="Helvetica Light" panose="020B0403020202020204" pitchFamily="34" charset="0"/>
-                  </a:rPr>
-                  <a:t> </a:t>
-                </a:r>
-                <a:r>
-                  <a:rPr lang="de-DE" dirty="0" err="1">
-                    <a:latin typeface="Helvetica Light" panose="020B0403020202020204" pitchFamily="34" charset="0"/>
-                  </a:rPr>
-                  <a:t>insurance</a:t>
-                </a:r>
-                <a:endParaRPr lang="de-DE" dirty="0">
-                  <a:latin typeface="Helvetica Light" panose="020B0403020202020204" pitchFamily="34" charset="0"/>
-                </a:endParaRPr>
-              </a:p>
-            </p:txBody>
-          </p:sp>
-        </mc:Choice>
-        <mc:Fallback>
-          <p:sp>
-            <p:nvSpPr>
-              <p:cNvPr id="15" name="TextBox 14">
-                <a:extLst>
-                  <a:ext uri="{FF2B5EF4-FFF2-40B4-BE49-F238E27FC236}">
-                    <a16:creationId xmlns:a16="http://schemas.microsoft.com/office/drawing/2014/main" id="{F13E77ED-CF39-2A41-A964-1C21F800441F}"/>
-                  </a:ext>
-                </a:extLst>
-              </p:cNvPr>
-              <p:cNvSpPr txBox="1">
-                <a:spLocks noRot="1" noChangeAspect="1" noMove="1" noResize="1" noEditPoints="1" noAdjustHandles="1" noChangeArrowheads="1" noChangeShapeType="1" noTextEdit="1"/>
-              </p:cNvSpPr>
-              <p:nvPr/>
-            </p:nvSpPr>
-            <p:spPr>
-              <a:xfrm>
-                <a:off x="1846781" y="1495299"/>
-                <a:ext cx="1917192" cy="276999"/>
-              </a:xfrm>
-              <a:prstGeom prst="rect">
-                <a:avLst/>
-              </a:prstGeom>
-              <a:blipFill>
-                <a:blip r:embed="rId2"/>
-                <a:stretch>
-                  <a:fillRect l="-3289" t="-26087" r="-6579" b="-47826"/>
-                </a:stretch>
-              </a:blipFill>
-            </p:spPr>
-            <p:txBody>
-              <a:bodyPr/>
-              <a:lstStyle/>
-              <a:p>
-                <a:r>
-                  <a:rPr lang="de-DE">
-                    <a:noFill/>
-                  </a:rPr>
-                  <a:t> </a:t>
-                </a:r>
-              </a:p>
-            </p:txBody>
-          </p:sp>
-        </mc:Fallback>
-      </mc:AlternateContent>
-      <p:grpSp>
-        <p:nvGrpSpPr>
           <p:cNvPr id="6" name="Group 5">
             <a:extLst>
               <a:ext uri="{FF2B5EF4-FFF2-40B4-BE49-F238E27FC236}">
@@ -3605,10 +3002,10 @@
         </p:nvGrpSpPr>
         <p:grpSpPr>
           <a:xfrm>
-            <a:off x="313161" y="711890"/>
-            <a:ext cx="4834507" cy="5518296"/>
+            <a:off x="315454" y="714706"/>
+            <a:ext cx="4834507" cy="5454868"/>
             <a:chOff x="1569149" y="630622"/>
-            <a:chExt cx="8079348" cy="5518296"/>
+            <a:chExt cx="8079348" cy="5454868"/>
           </a:xfrm>
         </p:grpSpPr>
         <p:sp>
@@ -3804,7 +3201,7 @@
           </p:nvSpPr>
           <p:spPr bwMode="auto">
             <a:xfrm>
-              <a:off x="7892314" y="6022061"/>
+              <a:off x="2878225" y="1467087"/>
               <a:ext cx="195619" cy="126857"/>
             </a:xfrm>
             <a:prstGeom prst="ellipse">
@@ -3849,8 +3246,8 @@
             </a:p>
           </p:txBody>
         </p:sp>
-        <mc:AlternateContent xmlns:mc="http://schemas.openxmlformats.org/markup-compatibility/2006">
-          <mc:Choice xmlns:a14="http://schemas.microsoft.com/office/drawing/2010/main" Requires="a14">
+        <mc:AlternateContent xmlns:mc="http://schemas.openxmlformats.org/markup-compatibility/2006" xmlns:a14="http://schemas.microsoft.com/office/drawing/2010/main">
+          <mc:Choice Requires="a14">
             <p:sp>
               <p:nvSpPr>
                 <p:cNvPr id="2" name="TextBox 1">
@@ -3887,22 +3284,10 @@
                       </m:oMathParaPr>
                       <m:oMath xmlns:m="http://schemas.openxmlformats.org/officeDocument/2006/math">
                         <m:r>
-                          <a:rPr lang="en-GB" smtClean="0">
-                            <a:latin typeface="Cambria Math" panose="02040503050406030204" pitchFamily="18" charset="0"/>
-                          </a:rPr>
-                          <m:t>£</m:t>
-                        </m:r>
-                        <m:r>
-                          <a:rPr lang="en-GB" b="0" i="0" smtClean="0">
-                            <a:latin typeface="Cambria Math" panose="02040503050406030204" pitchFamily="18" charset="0"/>
-                          </a:rPr>
-                          <m:t>8</m:t>
-                        </m:r>
-                        <m:r>
                           <a:rPr lang="en-GB">
                             <a:latin typeface="Cambria Math" panose="02040503050406030204" pitchFamily="18" charset="0"/>
                           </a:rPr>
-                          <m:t>000</m:t>
+                          <m:t>£5000</m:t>
                         </m:r>
                       </m:oMath>
                     </m:oMathPara>
@@ -3914,7 +3299,7 @@
               </p:txBody>
             </p:sp>
           </mc:Choice>
-          <mc:Fallback>
+          <mc:Fallback xmlns="">
             <p:sp>
               <p:nvSpPr>
                 <p:cNvPr id="2" name="TextBox 1">
@@ -3938,9 +3323,9 @@
                   <a:avLst/>
                 </a:prstGeom>
                 <a:blipFill>
-                  <a:blip r:embed="rId3"/>
+                  <a:blip r:embed="rId2"/>
                   <a:stretch>
-                    <a:fillRect l="-5357" r="-5357"/>
+                    <a:fillRect l="-7143" r="-7143" b="-4348"/>
                   </a:stretch>
                 </a:blipFill>
               </p:spPr>
@@ -3960,155 +3345,14 @@
           </mc:Fallback>
         </mc:AlternateContent>
       </p:grpSp>
-      <p:grpSp>
-        <p:nvGrpSpPr>
-          <p:cNvPr id="4" name="Group 3">
-            <a:extLst>
-              <a:ext uri="{FF2B5EF4-FFF2-40B4-BE49-F238E27FC236}">
-                <a16:creationId xmlns:a16="http://schemas.microsoft.com/office/drawing/2014/main" id="{5D935CC4-C132-F047-B222-E9320B80A908}"/>
-              </a:ext>
-            </a:extLst>
-          </p:cNvPr>
-          <p:cNvGrpSpPr/>
-          <p:nvPr/>
-        </p:nvGrpSpPr>
-        <p:grpSpPr>
-          <a:xfrm>
-            <a:off x="1155011" y="4298731"/>
-            <a:ext cx="1766865" cy="1843360"/>
-            <a:chOff x="1166822" y="2604156"/>
-            <a:chExt cx="678952" cy="2841068"/>
-          </a:xfrm>
-        </p:grpSpPr>
-        <p:sp>
-          <p:nvSpPr>
-            <p:cNvPr id="11" name="Line 8">
-              <a:extLst>
-                <a:ext uri="{FF2B5EF4-FFF2-40B4-BE49-F238E27FC236}">
-                  <a16:creationId xmlns:a16="http://schemas.microsoft.com/office/drawing/2014/main" id="{929685E1-241C-A74F-9DF4-3A593FF3601A}"/>
-                </a:ext>
-              </a:extLst>
-            </p:cNvPr>
-            <p:cNvSpPr>
-              <a:spLocks noChangeShapeType="1"/>
-            </p:cNvSpPr>
-            <p:nvPr/>
-          </p:nvSpPr>
-          <p:spPr bwMode="auto">
-            <a:xfrm flipH="1">
-              <a:off x="1166822" y="2604156"/>
-              <a:ext cx="678952" cy="0"/>
-            </a:xfrm>
-            <a:prstGeom prst="line">
-              <a:avLst/>
-            </a:prstGeom>
-            <a:noFill/>
-            <a:ln w="12700">
-              <a:solidFill>
-                <a:schemeClr val="tx1"/>
-              </a:solidFill>
-              <a:prstDash val="dash"/>
-              <a:round/>
-              <a:headEnd type="none" w="sm" len="sm"/>
-              <a:tailEnd type="none" w="sm" len="sm"/>
-            </a:ln>
-            <a:effectLst/>
-            <a:extLst>
-              <a:ext uri="{909E8E84-426E-40DD-AFC4-6F175D3DCCD1}">
-                <a14:hiddenFill xmlns:a14="http://schemas.microsoft.com/office/drawing/2010/main">
-                  <a:noFill/>
-                </a14:hiddenFill>
-              </a:ext>
-              <a:ext uri="{AF507438-7753-43E0-B8FC-AC1667EBCBE1}">
-                <a14:hiddenEffects xmlns:a14="http://schemas.microsoft.com/office/drawing/2010/main">
-                  <a:effectLst>
-                    <a:outerShdw dist="35921" dir="2700000" algn="ctr" rotWithShape="0">
-                      <a:schemeClr val="bg2"/>
-                    </a:outerShdw>
-                  </a:effectLst>
-                </a14:hiddenEffects>
-              </a:ext>
-            </a:extLst>
-          </p:spPr>
-          <p:txBody>
-            <a:bodyPr wrap="none" anchor="ctr"/>
-            <a:lstStyle/>
-            <a:p>
-              <a:endParaRPr lang="de-DE" dirty="0">
-                <a:latin typeface="Helvetica Light" panose="020B0403020202020204" pitchFamily="34" charset="0"/>
-              </a:endParaRPr>
-            </a:p>
-          </p:txBody>
-        </p:sp>
-        <p:sp>
-          <p:nvSpPr>
-            <p:cNvPr id="12" name="Line 7">
-              <a:extLst>
-                <a:ext uri="{FF2B5EF4-FFF2-40B4-BE49-F238E27FC236}">
-                  <a16:creationId xmlns:a16="http://schemas.microsoft.com/office/drawing/2014/main" id="{B01FF1B0-968A-4447-8DDC-EA14F3E85C7B}"/>
-                </a:ext>
-              </a:extLst>
-            </p:cNvPr>
-            <p:cNvSpPr>
-              <a:spLocks noChangeShapeType="1"/>
-            </p:cNvSpPr>
-            <p:nvPr/>
-          </p:nvSpPr>
-          <p:spPr bwMode="auto">
-            <a:xfrm>
-              <a:off x="1845774" y="2604156"/>
-              <a:ext cx="0" cy="2841068"/>
-            </a:xfrm>
-            <a:prstGeom prst="line">
-              <a:avLst/>
-            </a:prstGeom>
-            <a:noFill/>
-            <a:ln w="12700">
-              <a:solidFill>
-                <a:schemeClr val="tx1"/>
-              </a:solidFill>
-              <a:prstDash val="dash"/>
-              <a:round/>
-              <a:headEnd type="none" w="sm" len="sm"/>
-              <a:tailEnd type="none" w="sm" len="sm"/>
-            </a:ln>
-            <a:effectLst/>
-            <a:extLst>
-              <a:ext uri="{909E8E84-426E-40DD-AFC4-6F175D3DCCD1}">
-                <a14:hiddenFill xmlns:a14="http://schemas.microsoft.com/office/drawing/2010/main">
-                  <a:noFill/>
-                </a14:hiddenFill>
-              </a:ext>
-              <a:ext uri="{AF507438-7753-43E0-B8FC-AC1667EBCBE1}">
-                <a14:hiddenEffects xmlns:a14="http://schemas.microsoft.com/office/drawing/2010/main">
-                  <a:effectLst>
-                    <a:outerShdw dist="35921" dir="2700000" algn="ctr" rotWithShape="0">
-                      <a:schemeClr val="bg2"/>
-                    </a:outerShdw>
-                  </a:effectLst>
-                </a14:hiddenEffects>
-              </a:ext>
-            </a:extLst>
-          </p:spPr>
-          <p:txBody>
-            <a:bodyPr wrap="none" anchor="ctr"/>
-            <a:lstStyle/>
-            <a:p>
-              <a:endParaRPr lang="de-DE" dirty="0">
-                <a:latin typeface="Helvetica Light" panose="020B0403020202020204" pitchFamily="34" charset="0"/>
-              </a:endParaRPr>
-            </a:p>
-          </p:txBody>
-        </p:sp>
-      </p:grpSp>
       <mc:AlternateContent xmlns:mc="http://schemas.openxmlformats.org/markup-compatibility/2006">
         <mc:Choice xmlns:a14="http://schemas.microsoft.com/office/drawing/2010/main" Requires="a14">
           <p:sp>
             <p:nvSpPr>
-              <p:cNvPr id="14" name="TextBox 13">
+              <p:cNvPr id="25" name="TextBox 24">
                 <a:extLst>
                   <a:ext uri="{FF2B5EF4-FFF2-40B4-BE49-F238E27FC236}">
-                    <a16:creationId xmlns:a16="http://schemas.microsoft.com/office/drawing/2014/main" id="{DB4F6BD1-6B9D-6341-BD8B-167E20C36BF4}"/>
+                    <a16:creationId xmlns:a16="http://schemas.microsoft.com/office/drawing/2014/main" id="{7C6653C5-AA95-D44C-A65C-12C58D58CF8E}"/>
                   </a:ext>
                 </a:extLst>
               </p:cNvPr>
@@ -4117,218 +3361,7 @@
             </p:nvSpPr>
             <p:spPr>
               <a:xfrm>
-                <a:off x="1481291" y="6328828"/>
-                <a:ext cx="570669" cy="276999"/>
-              </a:xfrm>
-              <a:prstGeom prst="rect">
-                <a:avLst/>
-              </a:prstGeom>
-              <a:noFill/>
-            </p:spPr>
-            <p:txBody>
-              <a:bodyPr wrap="none" lIns="0" tIns="0" rIns="0" bIns="0" rtlCol="0">
-                <a:spAutoFit/>
-              </a:bodyPr>
-              <a:lstStyle/>
-              <a:p>
-                <a:pPr/>
-                <a14:m>
-                  <m:oMathPara xmlns:m="http://schemas.openxmlformats.org/officeDocument/2006/math">
-                    <m:oMathParaPr>
-                      <m:jc m:val="centerGroup"/>
-                    </m:oMathParaPr>
-                    <m:oMath xmlns:m="http://schemas.openxmlformats.org/officeDocument/2006/math">
-                      <m:r>
-                        <a:rPr lang="en-GB">
-                          <a:latin typeface="Cambria Math" panose="02040503050406030204" pitchFamily="18" charset="0"/>
-                        </a:rPr>
-                        <m:t>£750</m:t>
-                      </m:r>
-                    </m:oMath>
-                  </m:oMathPara>
-                </a14:m>
-                <a:endParaRPr lang="de-DE" dirty="0">
-                  <a:latin typeface="Helvetica Light" panose="020B0403020202020204" pitchFamily="34" charset="0"/>
-                </a:endParaRPr>
-              </a:p>
-            </p:txBody>
-          </p:sp>
-        </mc:Choice>
-        <mc:Fallback>
-          <p:sp>
-            <p:nvSpPr>
-              <p:cNvPr id="14" name="TextBox 13">
-                <a:extLst>
-                  <a:ext uri="{FF2B5EF4-FFF2-40B4-BE49-F238E27FC236}">
-                    <a16:creationId xmlns:a16="http://schemas.microsoft.com/office/drawing/2014/main" id="{DB4F6BD1-6B9D-6341-BD8B-167E20C36BF4}"/>
-                  </a:ext>
-                </a:extLst>
-              </p:cNvPr>
-              <p:cNvSpPr txBox="1">
-                <a:spLocks noRot="1" noChangeAspect="1" noMove="1" noResize="1" noEditPoints="1" noAdjustHandles="1" noChangeArrowheads="1" noChangeShapeType="1" noTextEdit="1"/>
-              </p:cNvSpPr>
-              <p:nvPr/>
-            </p:nvSpPr>
-            <p:spPr>
-              <a:xfrm>
-                <a:off x="1481291" y="6328828"/>
-                <a:ext cx="570669" cy="276999"/>
-              </a:xfrm>
-              <a:prstGeom prst="rect">
-                <a:avLst/>
-              </a:prstGeom>
-              <a:blipFill>
-                <a:blip r:embed="rId4"/>
-                <a:stretch>
-                  <a:fillRect l="-8696" r="-6522" b="-8696"/>
-                </a:stretch>
-              </a:blipFill>
-            </p:spPr>
-            <p:txBody>
-              <a:bodyPr/>
-              <a:lstStyle/>
-              <a:p>
-                <a:r>
-                  <a:rPr lang="de-DE">
-                    <a:noFill/>
-                  </a:rPr>
-                  <a:t> </a:t>
-                </a:r>
-              </a:p>
-            </p:txBody>
-          </p:sp>
-        </mc:Fallback>
-      </mc:AlternateContent>
-      <p:sp>
-        <p:nvSpPr>
-          <p:cNvPr id="3" name="Arc 2">
-            <a:extLst>
-              <a:ext uri="{FF2B5EF4-FFF2-40B4-BE49-F238E27FC236}">
-                <a16:creationId xmlns:a16="http://schemas.microsoft.com/office/drawing/2014/main" id="{E08C5916-E8F7-5C4D-947C-556926177F16}"/>
-              </a:ext>
-            </a:extLst>
-          </p:cNvPr>
-          <p:cNvSpPr/>
-          <p:nvPr/>
-        </p:nvSpPr>
-        <p:spPr>
-          <a:xfrm rot="3902952" flipH="1">
-            <a:off x="2374828" y="4623827"/>
-            <a:ext cx="2312020" cy="1313621"/>
-          </a:xfrm>
-          <a:prstGeom prst="arc">
-            <a:avLst>
-              <a:gd name="adj1" fmla="val 12192148"/>
-              <a:gd name="adj2" fmla="val 40817"/>
-            </a:avLst>
-          </a:prstGeom>
-          <a:ln w="28575">
-            <a:tailEnd type="triangle"/>
-          </a:ln>
-        </p:spPr>
-        <p:style>
-          <a:lnRef idx="1">
-            <a:schemeClr val="accent1"/>
-          </a:lnRef>
-          <a:fillRef idx="0">
-            <a:schemeClr val="accent1"/>
-          </a:fillRef>
-          <a:effectRef idx="0">
-            <a:schemeClr val="accent1"/>
-          </a:effectRef>
-          <a:fontRef idx="minor">
-            <a:schemeClr val="tx1"/>
-          </a:fontRef>
-        </p:style>
-        <p:txBody>
-          <a:bodyPr rtlCol="0" anchor="ctr"/>
-          <a:lstStyle/>
-          <a:p>
-            <a:pPr algn="ctr"/>
-            <a:endParaRPr lang="de-DE" dirty="0">
-              <a:latin typeface="Helvetica Light" panose="020B0403020202020204" pitchFamily="34" charset="0"/>
-            </a:endParaRPr>
-          </a:p>
-        </p:txBody>
-      </p:sp>
-      <p:sp>
-        <p:nvSpPr>
-          <p:cNvPr id="16" name="Oval 14">
-            <a:extLst>
-              <a:ext uri="{FF2B5EF4-FFF2-40B4-BE49-F238E27FC236}">
-                <a16:creationId xmlns:a16="http://schemas.microsoft.com/office/drawing/2014/main" id="{D38A9E78-5451-014B-8A6C-1269713417C0}"/>
-              </a:ext>
-            </a:extLst>
-          </p:cNvPr>
-          <p:cNvSpPr>
-            <a:spLocks noChangeArrowheads="1"/>
-          </p:cNvSpPr>
-          <p:nvPr/>
-        </p:nvSpPr>
-        <p:spPr bwMode="auto">
-          <a:xfrm>
-            <a:off x="2880398" y="4212914"/>
-            <a:ext cx="117054" cy="126857"/>
-          </a:xfrm>
-          <a:prstGeom prst="ellipse">
-            <a:avLst/>
-          </a:prstGeom>
-          <a:solidFill>
-            <a:schemeClr val="accent1"/>
-          </a:solidFill>
-          <a:ln>
-            <a:noFill/>
-          </a:ln>
-          <a:effectLst/>
-          <a:extLst>
-            <a:ext uri="{91240B29-F687-4F45-9708-019B960494DF}">
-              <a14:hiddenLine xmlns:a14="http://schemas.microsoft.com/office/drawing/2010/main" w="12700">
-                <a:solidFill>
-                  <a:schemeClr val="tx1"/>
-                </a:solidFill>
-                <a:round/>
-                <a:headEnd type="none" w="sm" len="sm"/>
-                <a:tailEnd type="none" w="sm" len="sm"/>
-              </a14:hiddenLine>
-            </a:ext>
-            <a:ext uri="{AF507438-7753-43E0-B8FC-AC1667EBCBE1}">
-              <a14:hiddenEffects xmlns:a14="http://schemas.microsoft.com/office/drawing/2010/main">
-                <a:effectLst>
-                  <a:outerShdw dist="35921" dir="2700000" algn="ctr" rotWithShape="0">
-                    <a:schemeClr val="bg2"/>
-                  </a:outerShdw>
-                </a:effectLst>
-              </a14:hiddenEffects>
-            </a:ext>
-          </a:extLst>
-        </p:spPr>
-        <p:txBody>
-          <a:bodyPr wrap="none" anchor="ctr"/>
-          <a:lstStyle/>
-          <a:p>
-            <a:endParaRPr lang="de-DE" dirty="0">
-              <a:latin typeface="Helvetica Light" panose="020B0403020202020204" pitchFamily="34" charset="0"/>
-            </a:endParaRPr>
-          </a:p>
-        </p:txBody>
-      </p:sp>
-      <mc:AlternateContent xmlns:mc="http://schemas.openxmlformats.org/markup-compatibility/2006">
-        <mc:Choice xmlns:a14="http://schemas.microsoft.com/office/drawing/2010/main" Requires="a14">
-          <p:sp>
-            <p:nvSpPr>
-              <p:cNvPr id="19" name="TextBox 18">
-                <a:extLst>
-                  <a:ext uri="{FF2B5EF4-FFF2-40B4-BE49-F238E27FC236}">
-                    <a16:creationId xmlns:a16="http://schemas.microsoft.com/office/drawing/2014/main" id="{3882B97E-1AD0-9B45-A429-1E0A7E47FB74}"/>
-                  </a:ext>
-                </a:extLst>
-              </p:cNvPr>
-              <p:cNvSpPr txBox="1"/>
-              <p:nvPr/>
-            </p:nvSpPr>
-            <p:spPr>
-              <a:xfrm>
-                <a:off x="3782824" y="6321301"/>
+                <a:off x="3785116" y="6324118"/>
                 <a:ext cx="746999" cy="276999"/>
               </a:xfrm>
               <a:prstGeom prst="rect">
@@ -4380,10 +3413,10 @@
         <mc:Fallback>
           <p:sp>
             <p:nvSpPr>
-              <p:cNvPr id="19" name="TextBox 18">
+              <p:cNvPr id="25" name="TextBox 24">
                 <a:extLst>
                   <a:ext uri="{FF2B5EF4-FFF2-40B4-BE49-F238E27FC236}">
-                    <a16:creationId xmlns:a16="http://schemas.microsoft.com/office/drawing/2014/main" id="{3882B97E-1AD0-9B45-A429-1E0A7E47FB74}"/>
+                    <a16:creationId xmlns:a16="http://schemas.microsoft.com/office/drawing/2014/main" id="{7C6653C5-AA95-D44C-A65C-12C58D58CF8E}"/>
                   </a:ext>
                 </a:extLst>
               </p:cNvPr>
@@ -4394,16 +3427,16 @@
             </p:nvSpPr>
             <p:spPr>
               <a:xfrm>
-                <a:off x="3782824" y="6321301"/>
+                <a:off x="3785116" y="6324118"/>
                 <a:ext cx="746999" cy="276999"/>
               </a:xfrm>
               <a:prstGeom prst="rect">
                 <a:avLst/>
               </a:prstGeom>
               <a:blipFill>
-                <a:blip r:embed="rId5"/>
+                <a:blip r:embed="rId3"/>
                 <a:stretch>
-                  <a:fillRect l="-5000" r="-5000" b="-4348"/>
+                  <a:fillRect l="-6780" r="-6780" b="-8696"/>
                 </a:stretch>
               </a:blipFill>
             </p:spPr>
@@ -4412,258 +3445,7 @@
               <a:lstStyle/>
               <a:p>
                 <a:r>
-                  <a:rPr lang="de-DE">
-                    <a:noFill/>
-                  </a:rPr>
-                  <a:t> </a:t>
-                </a:r>
-              </a:p>
-            </p:txBody>
-          </p:sp>
-        </mc:Fallback>
-      </mc:AlternateContent>
-      <p:grpSp>
-        <p:nvGrpSpPr>
-          <p:cNvPr id="23" name="Group 22">
-            <a:extLst>
-              <a:ext uri="{FF2B5EF4-FFF2-40B4-BE49-F238E27FC236}">
-                <a16:creationId xmlns:a16="http://schemas.microsoft.com/office/drawing/2014/main" id="{8867C32F-F0C4-744C-BF75-6ABCC2120C3E}"/>
-              </a:ext>
-            </a:extLst>
-          </p:cNvPr>
-          <p:cNvGrpSpPr/>
-          <p:nvPr/>
-        </p:nvGrpSpPr>
-        <p:grpSpPr>
-          <a:xfrm>
-            <a:off x="1155011" y="3036185"/>
-            <a:ext cx="3000663" cy="3130574"/>
-            <a:chOff x="1166822" y="2604156"/>
-            <a:chExt cx="678952" cy="2841068"/>
-          </a:xfrm>
-        </p:grpSpPr>
-        <p:sp>
-          <p:nvSpPr>
-            <p:cNvPr id="24" name="Line 8">
-              <a:extLst>
-                <a:ext uri="{FF2B5EF4-FFF2-40B4-BE49-F238E27FC236}">
-                  <a16:creationId xmlns:a16="http://schemas.microsoft.com/office/drawing/2014/main" id="{2CAE511A-2C82-9A46-B868-66EA95BE8680}"/>
-                </a:ext>
-              </a:extLst>
-            </p:cNvPr>
-            <p:cNvSpPr>
-              <a:spLocks noChangeShapeType="1"/>
-            </p:cNvSpPr>
-            <p:nvPr/>
-          </p:nvSpPr>
-          <p:spPr bwMode="auto">
-            <a:xfrm flipH="1">
-              <a:off x="1166822" y="2604156"/>
-              <a:ext cx="678952" cy="0"/>
-            </a:xfrm>
-            <a:prstGeom prst="line">
-              <a:avLst/>
-            </a:prstGeom>
-            <a:noFill/>
-            <a:ln w="12700">
-              <a:solidFill>
-                <a:schemeClr val="tx1"/>
-              </a:solidFill>
-              <a:prstDash val="dash"/>
-              <a:round/>
-              <a:headEnd type="none" w="sm" len="sm"/>
-              <a:tailEnd type="none" w="sm" len="sm"/>
-            </a:ln>
-            <a:effectLst/>
-            <a:extLst>
-              <a:ext uri="{909E8E84-426E-40DD-AFC4-6F175D3DCCD1}">
-                <a14:hiddenFill xmlns:a14="http://schemas.microsoft.com/office/drawing/2010/main">
-                  <a:noFill/>
-                </a14:hiddenFill>
-              </a:ext>
-              <a:ext uri="{AF507438-7753-43E0-B8FC-AC1667EBCBE1}">
-                <a14:hiddenEffects xmlns:a14="http://schemas.microsoft.com/office/drawing/2010/main">
-                  <a:effectLst>
-                    <a:outerShdw dist="35921" dir="2700000" algn="ctr" rotWithShape="0">
-                      <a:schemeClr val="bg2"/>
-                    </a:outerShdw>
-                  </a:effectLst>
-                </a14:hiddenEffects>
-              </a:ext>
-            </a:extLst>
-          </p:spPr>
-          <p:txBody>
-            <a:bodyPr wrap="none" anchor="ctr"/>
-            <a:lstStyle/>
-            <a:p>
-              <a:endParaRPr lang="de-DE" dirty="0">
-                <a:latin typeface="Helvetica Light" panose="020B0403020202020204" pitchFamily="34" charset="0"/>
-              </a:endParaRPr>
-            </a:p>
-          </p:txBody>
-        </p:sp>
-        <p:sp>
-          <p:nvSpPr>
-            <p:cNvPr id="25" name="Line 7">
-              <a:extLst>
-                <a:ext uri="{FF2B5EF4-FFF2-40B4-BE49-F238E27FC236}">
-                  <a16:creationId xmlns:a16="http://schemas.microsoft.com/office/drawing/2014/main" id="{E846911F-16CE-4944-B314-3919806562E0}"/>
-                </a:ext>
-              </a:extLst>
-            </p:cNvPr>
-            <p:cNvSpPr>
-              <a:spLocks noChangeShapeType="1"/>
-            </p:cNvSpPr>
-            <p:nvPr/>
-          </p:nvSpPr>
-          <p:spPr bwMode="auto">
-            <a:xfrm>
-              <a:off x="1845774" y="2604156"/>
-              <a:ext cx="0" cy="2841068"/>
-            </a:xfrm>
-            <a:prstGeom prst="line">
-              <a:avLst/>
-            </a:prstGeom>
-            <a:noFill/>
-            <a:ln w="12700">
-              <a:solidFill>
-                <a:schemeClr val="tx1"/>
-              </a:solidFill>
-              <a:prstDash val="dash"/>
-              <a:round/>
-              <a:headEnd type="none" w="sm" len="sm"/>
-              <a:tailEnd type="none" w="sm" len="sm"/>
-            </a:ln>
-            <a:effectLst/>
-            <a:extLst>
-              <a:ext uri="{909E8E84-426E-40DD-AFC4-6F175D3DCCD1}">
-                <a14:hiddenFill xmlns:a14="http://schemas.microsoft.com/office/drawing/2010/main">
-                  <a:noFill/>
-                </a14:hiddenFill>
-              </a:ext>
-              <a:ext uri="{AF507438-7753-43E0-B8FC-AC1667EBCBE1}">
-                <a14:hiddenEffects xmlns:a14="http://schemas.microsoft.com/office/drawing/2010/main">
-                  <a:effectLst>
-                    <a:outerShdw dist="35921" dir="2700000" algn="ctr" rotWithShape="0">
-                      <a:schemeClr val="bg2"/>
-                    </a:outerShdw>
-                  </a:effectLst>
-                </a14:hiddenEffects>
-              </a:ext>
-            </a:extLst>
-          </p:spPr>
-          <p:txBody>
-            <a:bodyPr wrap="none" anchor="ctr"/>
-            <a:lstStyle/>
-            <a:p>
-              <a:endParaRPr lang="de-DE" dirty="0">
-                <a:latin typeface="Helvetica Light" panose="020B0403020202020204" pitchFamily="34" charset="0"/>
-              </a:endParaRPr>
-            </a:p>
-          </p:txBody>
-        </p:sp>
-      </p:grpSp>
-      <mc:AlternateContent xmlns:mc="http://schemas.openxmlformats.org/markup-compatibility/2006">
-        <mc:Choice xmlns:a14="http://schemas.microsoft.com/office/drawing/2010/main" Requires="a14">
-          <p:sp>
-            <p:nvSpPr>
-              <p:cNvPr id="26" name="TextBox 25">
-                <a:extLst>
-                  <a:ext uri="{FF2B5EF4-FFF2-40B4-BE49-F238E27FC236}">
-                    <a16:creationId xmlns:a16="http://schemas.microsoft.com/office/drawing/2014/main" id="{AC074D02-4DD6-4245-BC6C-8E74A29C616B}"/>
-                  </a:ext>
-                </a:extLst>
-              </p:cNvPr>
-              <p:cNvSpPr txBox="1"/>
-              <p:nvPr/>
-            </p:nvSpPr>
-            <p:spPr>
-              <a:xfrm>
-                <a:off x="313161" y="2897685"/>
-                <a:ext cx="746999" cy="276999"/>
-              </a:xfrm>
-              <a:prstGeom prst="rect">
-                <a:avLst/>
-              </a:prstGeom>
-              <a:noFill/>
-            </p:spPr>
-            <p:txBody>
-              <a:bodyPr wrap="none" lIns="0" tIns="0" rIns="0" bIns="0" rtlCol="0">
-                <a:spAutoFit/>
-              </a:bodyPr>
-              <a:lstStyle/>
-              <a:p>
-                <a:pPr/>
-                <a14:m>
-                  <m:oMathPara xmlns:m="http://schemas.openxmlformats.org/officeDocument/2006/math">
-                    <m:oMathParaPr>
-                      <m:jc m:val="centerGroup"/>
-                    </m:oMathParaPr>
-                    <m:oMath xmlns:m="http://schemas.openxmlformats.org/officeDocument/2006/math">
-                      <m:r>
-                        <a:rPr lang="en-GB" smtClean="0">
-                          <a:latin typeface="Cambria Math" panose="02040503050406030204" pitchFamily="18" charset="0"/>
-                        </a:rPr>
-                        <m:t>£</m:t>
-                      </m:r>
-                      <m:r>
-                        <a:rPr lang="en-GB" b="0" i="0" smtClean="0">
-                          <a:latin typeface="Cambria Math" panose="02040503050406030204" pitchFamily="18" charset="0"/>
-                        </a:rPr>
-                        <m:t>5</m:t>
-                      </m:r>
-                      <m:r>
-                        <a:rPr lang="en-GB">
-                          <a:latin typeface="Cambria Math" panose="02040503050406030204" pitchFamily="18" charset="0"/>
-                        </a:rPr>
-                        <m:t>,000</m:t>
-                      </m:r>
-                    </m:oMath>
-                  </m:oMathPara>
-                </a14:m>
-                <a:endParaRPr lang="de-DE" dirty="0">
-                  <a:latin typeface="Helvetica Light" panose="020B0403020202020204" pitchFamily="34" charset="0"/>
-                </a:endParaRPr>
-              </a:p>
-            </p:txBody>
-          </p:sp>
-        </mc:Choice>
-        <mc:Fallback>
-          <p:sp>
-            <p:nvSpPr>
-              <p:cNvPr id="26" name="TextBox 25">
-                <a:extLst>
-                  <a:ext uri="{FF2B5EF4-FFF2-40B4-BE49-F238E27FC236}">
-                    <a16:creationId xmlns:a16="http://schemas.microsoft.com/office/drawing/2014/main" id="{AC074D02-4DD6-4245-BC6C-8E74A29C616B}"/>
-                  </a:ext>
-                </a:extLst>
-              </p:cNvPr>
-              <p:cNvSpPr txBox="1">
-                <a:spLocks noRot="1" noChangeAspect="1" noMove="1" noResize="1" noEditPoints="1" noAdjustHandles="1" noChangeArrowheads="1" noChangeShapeType="1" noTextEdit="1"/>
-              </p:cNvSpPr>
-              <p:nvPr/>
-            </p:nvSpPr>
-            <p:spPr>
-              <a:xfrm>
-                <a:off x="313161" y="2897685"/>
-                <a:ext cx="746999" cy="276999"/>
-              </a:xfrm>
-              <a:prstGeom prst="rect">
-                <a:avLst/>
-              </a:prstGeom>
-              <a:blipFill>
-                <a:blip r:embed="rId6"/>
-                <a:stretch>
-                  <a:fillRect l="-5085" r="-5085" b="-9091"/>
-                </a:stretch>
-              </a:blipFill>
-            </p:spPr>
-            <p:txBody>
-              <a:bodyPr/>
-              <a:lstStyle/>
-              <a:p>
-                <a:r>
-                  <a:rPr lang="de-DE">
+                  <a:rPr lang="en-US">
                     <a:noFill/>
                   </a:rPr>
                   <a:t> </a:t>
@@ -4676,7 +3458,7 @@
     </p:spTree>
     <p:extLst>
       <p:ext uri="{BB962C8B-B14F-4D97-AF65-F5344CB8AC3E}">
-        <p14:creationId xmlns:p14="http://schemas.microsoft.com/office/powerpoint/2010/main" val="2806225907"/>
+        <p14:creationId xmlns:p14="http://schemas.microsoft.com/office/powerpoint/2010/main" val="747039800"/>
       </p:ext>
     </p:extLst>
   </p:cSld>
@@ -4686,7 +3468,7 @@
 </p:sld>
 </file>
 
-<file path=ppt/slides/slide3.xml><?xml version="1.0" encoding="utf-8"?>
+<file path=ppt/slides/slide2.xml><?xml version="1.0" encoding="utf-8"?>
 <p:sld xmlns:a="http://schemas.openxmlformats.org/drawingml/2006/main" xmlns:r="http://schemas.openxmlformats.org/officeDocument/2006/relationships" xmlns:p="http://schemas.openxmlformats.org/presentationml/2006/main">
   <p:cSld>
     <p:spTree>
@@ -4961,8 +3743,8 @@
             </a:p>
           </p:txBody>
         </p:sp>
-        <mc:AlternateContent xmlns:mc="http://schemas.openxmlformats.org/markup-compatibility/2006">
-          <mc:Choice xmlns:a14="http://schemas.microsoft.com/office/drawing/2010/main" Requires="a14">
+        <mc:AlternateContent xmlns:mc="http://schemas.openxmlformats.org/markup-compatibility/2006" xmlns:a14="http://schemas.microsoft.com/office/drawing/2010/main">
+          <mc:Choice Requires="a14">
             <p:sp>
               <p:nvSpPr>
                 <p:cNvPr id="2" name="TextBox 1">
@@ -5014,7 +3796,7 @@
               </p:txBody>
             </p:sp>
           </mc:Choice>
-          <mc:Fallback>
+          <mc:Fallback xmlns="">
             <p:sp>
               <p:nvSpPr>
                 <p:cNvPr id="2" name="TextBox 1">
@@ -5259,7 +4041,7 @@
               <a:blipFill>
                 <a:blip r:embed="rId3"/>
                 <a:stretch>
-                  <a:fillRect l="-5357" r="-5357" b="-4348"/>
+                  <a:fillRect l="-7273" r="-7273" b="-4348"/>
                 </a:stretch>
               </a:blipFill>
             </p:spPr>
@@ -5268,7 +4050,7 @@
               <a:lstStyle/>
               <a:p>
                 <a:r>
-                  <a:rPr lang="de-DE">
+                  <a:rPr lang="en-US">
                     <a:noFill/>
                   </a:rPr>
                   <a:t> </a:t>
@@ -5357,7 +4139,7 @@
               <a:blipFill>
                 <a:blip r:embed="rId4"/>
                 <a:stretch>
-                  <a:fillRect l="-5357" r="-5357" b="-4545"/>
+                  <a:fillRect l="-5357" r="-7143" b="-4348"/>
                 </a:stretch>
               </a:blipFill>
             </p:spPr>
@@ -5366,1317 +4148,7 @@
               <a:lstStyle/>
               <a:p>
                 <a:r>
-                  <a:rPr lang="de-DE">
-                    <a:noFill/>
-                  </a:rPr>
-                  <a:t> </a:t>
-                </a:r>
-              </a:p>
-            </p:txBody>
-          </p:sp>
-        </mc:Fallback>
-      </mc:AlternateContent>
-      <p:sp>
-        <p:nvSpPr>
-          <p:cNvPr id="3" name="Arc 2">
-            <a:extLst>
-              <a:ext uri="{FF2B5EF4-FFF2-40B4-BE49-F238E27FC236}">
-                <a16:creationId xmlns:a16="http://schemas.microsoft.com/office/drawing/2014/main" id="{E08C5916-E8F7-5C4D-947C-556926177F16}"/>
-              </a:ext>
-            </a:extLst>
-          </p:cNvPr>
-          <p:cNvSpPr/>
-          <p:nvPr/>
-        </p:nvSpPr>
-        <p:spPr>
-          <a:xfrm rot="1691785">
-            <a:off x="44322" y="1547165"/>
-            <a:ext cx="2878524" cy="2987016"/>
-          </a:xfrm>
-          <a:prstGeom prst="arc">
-            <a:avLst>
-              <a:gd name="adj1" fmla="val 13876355"/>
-              <a:gd name="adj2" fmla="val 0"/>
-            </a:avLst>
-          </a:prstGeom>
-          <a:ln w="28575">
-            <a:tailEnd type="triangle"/>
-          </a:ln>
-        </p:spPr>
-        <p:style>
-          <a:lnRef idx="1">
-            <a:schemeClr val="accent1"/>
-          </a:lnRef>
-          <a:fillRef idx="0">
-            <a:schemeClr val="accent1"/>
-          </a:fillRef>
-          <a:effectRef idx="0">
-            <a:schemeClr val="accent1"/>
-          </a:effectRef>
-          <a:fontRef idx="minor">
-            <a:schemeClr val="tx1"/>
-          </a:fontRef>
-        </p:style>
-        <p:txBody>
-          <a:bodyPr rtlCol="0" anchor="ctr"/>
-          <a:lstStyle/>
-          <a:p>
-            <a:pPr algn="ctr"/>
-            <a:endParaRPr lang="de-DE" dirty="0">
-              <a:latin typeface="Helvetica Light" panose="020B0403020202020204" pitchFamily="34" charset="0"/>
-            </a:endParaRPr>
-          </a:p>
-        </p:txBody>
-      </p:sp>
-      <p:sp>
-        <p:nvSpPr>
-          <p:cNvPr id="15" name="TextBox 14">
-            <a:extLst>
-              <a:ext uri="{FF2B5EF4-FFF2-40B4-BE49-F238E27FC236}">
-                <a16:creationId xmlns:a16="http://schemas.microsoft.com/office/drawing/2014/main" id="{F13E77ED-CF39-2A41-A964-1C21F800441F}"/>
-              </a:ext>
-            </a:extLst>
-          </p:cNvPr>
-          <p:cNvSpPr txBox="1"/>
-          <p:nvPr/>
-        </p:nvSpPr>
-        <p:spPr>
-          <a:xfrm>
-            <a:off x="3518751" y="1774173"/>
-            <a:ext cx="2090316" cy="553998"/>
-          </a:xfrm>
-          <a:prstGeom prst="rect">
-            <a:avLst/>
-          </a:prstGeom>
-          <a:noFill/>
-        </p:spPr>
-        <p:txBody>
-          <a:bodyPr wrap="none" lIns="0" tIns="0" rIns="0" bIns="0" rtlCol="0">
-            <a:spAutoFit/>
-          </a:bodyPr>
-          <a:lstStyle/>
-          <a:p>
-            <a:r>
-              <a:rPr lang="de-DE" dirty="0" err="1">
-                <a:latin typeface="Helvetica Light" panose="020B0403020202020204" pitchFamily="34" charset="0"/>
-              </a:rPr>
-              <a:t>Any</a:t>
-            </a:r>
-            <a:r>
-              <a:rPr lang="de-DE" dirty="0">
-                <a:latin typeface="Helvetica Light" panose="020B0403020202020204" pitchFamily="34" charset="0"/>
-              </a:rPr>
-              <a:t> </a:t>
-            </a:r>
-            <a:r>
-              <a:rPr lang="de-DE" dirty="0" err="1">
-                <a:latin typeface="Helvetica Light" panose="020B0403020202020204" pitchFamily="34" charset="0"/>
-              </a:rPr>
-              <a:t>point</a:t>
-            </a:r>
-            <a:r>
-              <a:rPr lang="de-DE" dirty="0">
-                <a:latin typeface="Helvetica Light" panose="020B0403020202020204" pitchFamily="34" charset="0"/>
-              </a:rPr>
-              <a:t> on </a:t>
-            </a:r>
-          </a:p>
-          <a:p>
-            <a:r>
-              <a:rPr lang="de-DE" dirty="0" err="1">
-                <a:latin typeface="Helvetica Light" panose="020B0403020202020204" pitchFamily="34" charset="0"/>
-              </a:rPr>
-              <a:t>the</a:t>
-            </a:r>
-            <a:r>
-              <a:rPr lang="de-DE" dirty="0">
-                <a:latin typeface="Helvetica Light" panose="020B0403020202020204" pitchFamily="34" charset="0"/>
-              </a:rPr>
-              <a:t> </a:t>
-            </a:r>
-            <a:r>
-              <a:rPr lang="de-DE" dirty="0" err="1">
-                <a:latin typeface="Helvetica Light" panose="020B0403020202020204" pitchFamily="34" charset="0"/>
-              </a:rPr>
-              <a:t>line</a:t>
-            </a:r>
-            <a:r>
-              <a:rPr lang="de-DE" dirty="0">
-                <a:latin typeface="Helvetica Light" panose="020B0403020202020204" pitchFamily="34" charset="0"/>
-              </a:rPr>
-              <a:t> </a:t>
-            </a:r>
-            <a:r>
-              <a:rPr lang="de-DE" dirty="0" err="1">
-                <a:latin typeface="Helvetica Light" panose="020B0403020202020204" pitchFamily="34" charset="0"/>
-              </a:rPr>
-              <a:t>is</a:t>
-            </a:r>
-            <a:r>
-              <a:rPr lang="de-DE" dirty="0">
-                <a:latin typeface="Helvetica Light" panose="020B0403020202020204" pitchFamily="34" charset="0"/>
-              </a:rPr>
-              <a:t> </a:t>
-            </a:r>
-            <a:r>
-              <a:rPr lang="de-DE" dirty="0" err="1">
-                <a:latin typeface="Helvetica Light" panose="020B0403020202020204" pitchFamily="34" charset="0"/>
-              </a:rPr>
-              <a:t>affordable</a:t>
-            </a:r>
-            <a:endParaRPr lang="de-DE" dirty="0">
-              <a:latin typeface="Helvetica Light" panose="020B0403020202020204" pitchFamily="34" charset="0"/>
-            </a:endParaRPr>
-          </a:p>
-        </p:txBody>
-      </p:sp>
-      <p:sp>
-        <p:nvSpPr>
-          <p:cNvPr id="16" name="Oval 14">
-            <a:extLst>
-              <a:ext uri="{FF2B5EF4-FFF2-40B4-BE49-F238E27FC236}">
-                <a16:creationId xmlns:a16="http://schemas.microsoft.com/office/drawing/2014/main" id="{D38A9E78-5451-014B-8A6C-1269713417C0}"/>
-              </a:ext>
-            </a:extLst>
-          </p:cNvPr>
-          <p:cNvSpPr>
-            <a:spLocks noChangeArrowheads="1"/>
-          </p:cNvSpPr>
-          <p:nvPr/>
-        </p:nvSpPr>
-        <p:spPr bwMode="auto">
-          <a:xfrm>
-            <a:off x="1768901" y="2543547"/>
-            <a:ext cx="117054" cy="126857"/>
-          </a:xfrm>
-          <a:prstGeom prst="ellipse">
-            <a:avLst/>
-          </a:prstGeom>
-          <a:solidFill>
-            <a:schemeClr val="accent1"/>
-          </a:solidFill>
-          <a:ln>
-            <a:noFill/>
-          </a:ln>
-          <a:effectLst/>
-          <a:extLst>
-            <a:ext uri="{91240B29-F687-4F45-9708-019B960494DF}">
-              <a14:hiddenLine xmlns:a14="http://schemas.microsoft.com/office/drawing/2010/main" w="12700">
-                <a:solidFill>
-                  <a:schemeClr val="tx1"/>
-                </a:solidFill>
-                <a:round/>
-                <a:headEnd type="none" w="sm" len="sm"/>
-                <a:tailEnd type="none" w="sm" len="sm"/>
-              </a14:hiddenLine>
-            </a:ext>
-            <a:ext uri="{AF507438-7753-43E0-B8FC-AC1667EBCBE1}">
-              <a14:hiddenEffects xmlns:a14="http://schemas.microsoft.com/office/drawing/2010/main">
-                <a:effectLst>
-                  <a:outerShdw dist="35921" dir="2700000" algn="ctr" rotWithShape="0">
-                    <a:schemeClr val="bg2"/>
-                  </a:outerShdw>
-                </a:effectLst>
-              </a14:hiddenEffects>
-            </a:ext>
-          </a:extLst>
-        </p:spPr>
-        <p:txBody>
-          <a:bodyPr wrap="none" anchor="ctr"/>
-          <a:lstStyle/>
-          <a:p>
-            <a:endParaRPr lang="de-DE" dirty="0">
-              <a:latin typeface="Helvetica Light" panose="020B0403020202020204" pitchFamily="34" charset="0"/>
-            </a:endParaRPr>
-          </a:p>
-        </p:txBody>
-      </p:sp>
-      <p:sp>
-        <p:nvSpPr>
-          <p:cNvPr id="19" name="Line 8">
-            <a:extLst>
-              <a:ext uri="{FF2B5EF4-FFF2-40B4-BE49-F238E27FC236}">
-                <a16:creationId xmlns:a16="http://schemas.microsoft.com/office/drawing/2014/main" id="{17949BB4-0150-7C4B-9EC5-7E283F5B9D1C}"/>
-              </a:ext>
-            </a:extLst>
-          </p:cNvPr>
-          <p:cNvSpPr>
-            <a:spLocks noChangeShapeType="1"/>
-          </p:cNvSpPr>
-          <p:nvPr/>
-        </p:nvSpPr>
-        <p:spPr bwMode="auto">
-          <a:xfrm flipH="1">
-            <a:off x="1157309" y="3886141"/>
-            <a:ext cx="1474075" cy="0"/>
-          </a:xfrm>
-          <a:prstGeom prst="line">
-            <a:avLst/>
-          </a:prstGeom>
-          <a:noFill/>
-          <a:ln w="12700">
-            <a:solidFill>
-              <a:schemeClr val="tx1"/>
-            </a:solidFill>
-            <a:prstDash val="dash"/>
-            <a:round/>
-            <a:headEnd type="none" w="sm" len="sm"/>
-            <a:tailEnd type="none" w="sm" len="sm"/>
-          </a:ln>
-          <a:effectLst/>
-          <a:extLst>
-            <a:ext uri="{909E8E84-426E-40DD-AFC4-6F175D3DCCD1}">
-              <a14:hiddenFill xmlns:a14="http://schemas.microsoft.com/office/drawing/2010/main">
-                <a:noFill/>
-              </a14:hiddenFill>
-            </a:ext>
-            <a:ext uri="{AF507438-7753-43E0-B8FC-AC1667EBCBE1}">
-              <a14:hiddenEffects xmlns:a14="http://schemas.microsoft.com/office/drawing/2010/main">
-                <a:effectLst>
-                  <a:outerShdw dist="35921" dir="2700000" algn="ctr" rotWithShape="0">
-                    <a:schemeClr val="bg2"/>
-                  </a:outerShdw>
-                </a:effectLst>
-              </a14:hiddenEffects>
-            </a:ext>
-          </a:extLst>
-        </p:spPr>
-        <p:txBody>
-          <a:bodyPr wrap="none" anchor="ctr"/>
-          <a:lstStyle/>
-          <a:p>
-            <a:endParaRPr lang="de-DE" dirty="0">
-              <a:latin typeface="Helvetica Light" panose="020B0403020202020204" pitchFamily="34" charset="0"/>
-            </a:endParaRPr>
-          </a:p>
-        </p:txBody>
-      </p:sp>
-      <p:sp>
-        <p:nvSpPr>
-          <p:cNvPr id="20" name="Line 7">
-            <a:extLst>
-              <a:ext uri="{FF2B5EF4-FFF2-40B4-BE49-F238E27FC236}">
-                <a16:creationId xmlns:a16="http://schemas.microsoft.com/office/drawing/2014/main" id="{E4FEC2A8-5622-C642-8404-9E29CB62E195}"/>
-              </a:ext>
-            </a:extLst>
-          </p:cNvPr>
-          <p:cNvSpPr>
-            <a:spLocks noChangeShapeType="1"/>
-          </p:cNvSpPr>
-          <p:nvPr/>
-        </p:nvSpPr>
-        <p:spPr bwMode="auto">
-          <a:xfrm>
-            <a:off x="2631378" y="3886141"/>
-            <a:ext cx="0" cy="2366598"/>
-          </a:xfrm>
-          <a:prstGeom prst="line">
-            <a:avLst/>
-          </a:prstGeom>
-          <a:noFill/>
-          <a:ln w="12700">
-            <a:solidFill>
-              <a:schemeClr val="tx1"/>
-            </a:solidFill>
-            <a:prstDash val="dash"/>
-            <a:round/>
-            <a:headEnd type="none" w="sm" len="sm"/>
-            <a:tailEnd type="none" w="sm" len="sm"/>
-          </a:ln>
-          <a:effectLst/>
-          <a:extLst>
-            <a:ext uri="{909E8E84-426E-40DD-AFC4-6F175D3DCCD1}">
-              <a14:hiddenFill xmlns:a14="http://schemas.microsoft.com/office/drawing/2010/main">
-                <a:noFill/>
-              </a14:hiddenFill>
-            </a:ext>
-            <a:ext uri="{AF507438-7753-43E0-B8FC-AC1667EBCBE1}">
-              <a14:hiddenEffects xmlns:a14="http://schemas.microsoft.com/office/drawing/2010/main">
-                <a:effectLst>
-                  <a:outerShdw dist="35921" dir="2700000" algn="ctr" rotWithShape="0">
-                    <a:schemeClr val="bg2"/>
-                  </a:outerShdw>
-                </a:effectLst>
-              </a14:hiddenEffects>
-            </a:ext>
-          </a:extLst>
-        </p:spPr>
-        <p:txBody>
-          <a:bodyPr wrap="none" anchor="ctr"/>
-          <a:lstStyle/>
-          <a:p>
-            <a:endParaRPr lang="de-DE" dirty="0">
-              <a:latin typeface="Helvetica Light" panose="020B0403020202020204" pitchFamily="34" charset="0"/>
-            </a:endParaRPr>
-          </a:p>
-        </p:txBody>
-      </p:sp>
-      <p:sp>
-        <p:nvSpPr>
-          <p:cNvPr id="21" name="Oval 14">
-            <a:extLst>
-              <a:ext uri="{FF2B5EF4-FFF2-40B4-BE49-F238E27FC236}">
-                <a16:creationId xmlns:a16="http://schemas.microsoft.com/office/drawing/2014/main" id="{5BE6A8D8-FF7E-304E-85DE-ADDE48CC452F}"/>
-              </a:ext>
-            </a:extLst>
-          </p:cNvPr>
-          <p:cNvSpPr>
-            <a:spLocks noChangeArrowheads="1"/>
-          </p:cNvSpPr>
-          <p:nvPr/>
-        </p:nvSpPr>
-        <p:spPr bwMode="auto">
-          <a:xfrm>
-            <a:off x="2572852" y="3810214"/>
-            <a:ext cx="117054" cy="126857"/>
-          </a:xfrm>
-          <a:prstGeom prst="ellipse">
-            <a:avLst/>
-          </a:prstGeom>
-          <a:solidFill>
-            <a:schemeClr val="accent1"/>
-          </a:solidFill>
-          <a:ln>
-            <a:noFill/>
-          </a:ln>
-          <a:effectLst/>
-          <a:extLst>
-            <a:ext uri="{91240B29-F687-4F45-9708-019B960494DF}">
-              <a14:hiddenLine xmlns:a14="http://schemas.microsoft.com/office/drawing/2010/main" w="12700">
-                <a:solidFill>
-                  <a:schemeClr val="tx1"/>
-                </a:solidFill>
-                <a:round/>
-                <a:headEnd type="none" w="sm" len="sm"/>
-                <a:tailEnd type="none" w="sm" len="sm"/>
-              </a14:hiddenLine>
-            </a:ext>
-            <a:ext uri="{AF507438-7753-43E0-B8FC-AC1667EBCBE1}">
-              <a14:hiddenEffects xmlns:a14="http://schemas.microsoft.com/office/drawing/2010/main">
-                <a:effectLst>
-                  <a:outerShdw dist="35921" dir="2700000" algn="ctr" rotWithShape="0">
-                    <a:schemeClr val="bg2"/>
-                  </a:outerShdw>
-                </a:effectLst>
-              </a14:hiddenEffects>
-            </a:ext>
-          </a:extLst>
-        </p:spPr>
-        <p:txBody>
-          <a:bodyPr wrap="none" anchor="ctr"/>
-          <a:lstStyle/>
-          <a:p>
-            <a:endParaRPr lang="de-DE" dirty="0">
-              <a:latin typeface="Helvetica Light" panose="020B0403020202020204" pitchFamily="34" charset="0"/>
-            </a:endParaRPr>
-          </a:p>
-        </p:txBody>
-      </p:sp>
-      <p:sp>
-        <p:nvSpPr>
-          <p:cNvPr id="22" name="Arc 21">
-            <a:extLst>
-              <a:ext uri="{FF2B5EF4-FFF2-40B4-BE49-F238E27FC236}">
-                <a16:creationId xmlns:a16="http://schemas.microsoft.com/office/drawing/2014/main" id="{39E8DF06-786B-684A-BF54-C8DEF022FE33}"/>
-              </a:ext>
-            </a:extLst>
-          </p:cNvPr>
-          <p:cNvSpPr/>
-          <p:nvPr/>
-        </p:nvSpPr>
-        <p:spPr>
-          <a:xfrm rot="1691785">
-            <a:off x="-588675" y="1490337"/>
-            <a:ext cx="4194531" cy="4387692"/>
-          </a:xfrm>
-          <a:prstGeom prst="arc">
-            <a:avLst>
-              <a:gd name="adj1" fmla="val 13876355"/>
-              <a:gd name="adj2" fmla="val 0"/>
-            </a:avLst>
-          </a:prstGeom>
-          <a:ln w="28575">
-            <a:tailEnd type="triangle"/>
-          </a:ln>
-        </p:spPr>
-        <p:style>
-          <a:lnRef idx="1">
-            <a:schemeClr val="accent1"/>
-          </a:lnRef>
-          <a:fillRef idx="0">
-            <a:schemeClr val="accent1"/>
-          </a:fillRef>
-          <a:effectRef idx="0">
-            <a:schemeClr val="accent1"/>
-          </a:effectRef>
-          <a:fontRef idx="minor">
-            <a:schemeClr val="tx1"/>
-          </a:fontRef>
-        </p:style>
-        <p:txBody>
-          <a:bodyPr rtlCol="0" anchor="ctr"/>
-          <a:lstStyle/>
-          <a:p>
-            <a:pPr algn="ctr"/>
-            <a:endParaRPr lang="de-DE" dirty="0">
-              <a:latin typeface="Helvetica Light" panose="020B0403020202020204" pitchFamily="34" charset="0"/>
-            </a:endParaRPr>
-          </a:p>
-        </p:txBody>
-      </p:sp>
-      <p:sp>
-        <p:nvSpPr>
-          <p:cNvPr id="23" name="Oval 14">
-            <a:extLst>
-              <a:ext uri="{FF2B5EF4-FFF2-40B4-BE49-F238E27FC236}">
-                <a16:creationId xmlns:a16="http://schemas.microsoft.com/office/drawing/2014/main" id="{59DC2685-B293-9E48-AE33-00CE60D03C09}"/>
-              </a:ext>
-            </a:extLst>
-          </p:cNvPr>
-          <p:cNvSpPr>
-            <a:spLocks noChangeArrowheads="1"/>
-          </p:cNvSpPr>
-          <p:nvPr/>
-        </p:nvSpPr>
-        <p:spPr bwMode="auto">
-          <a:xfrm>
-            <a:off x="3189472" y="4716240"/>
-            <a:ext cx="117054" cy="126857"/>
-          </a:xfrm>
-          <a:prstGeom prst="ellipse">
-            <a:avLst/>
-          </a:prstGeom>
-          <a:solidFill>
-            <a:schemeClr val="accent1"/>
-          </a:solidFill>
-          <a:ln>
-            <a:noFill/>
-          </a:ln>
-          <a:effectLst/>
-          <a:extLst>
-            <a:ext uri="{91240B29-F687-4F45-9708-019B960494DF}">
-              <a14:hiddenLine xmlns:a14="http://schemas.microsoft.com/office/drawing/2010/main" w="12700">
-                <a:solidFill>
-                  <a:schemeClr val="tx1"/>
-                </a:solidFill>
-                <a:round/>
-                <a:headEnd type="none" w="sm" len="sm"/>
-                <a:tailEnd type="none" w="sm" len="sm"/>
-              </a14:hiddenLine>
-            </a:ext>
-            <a:ext uri="{AF507438-7753-43E0-B8FC-AC1667EBCBE1}">
-              <a14:hiddenEffects xmlns:a14="http://schemas.microsoft.com/office/drawing/2010/main">
-                <a:effectLst>
-                  <a:outerShdw dist="35921" dir="2700000" algn="ctr" rotWithShape="0">
-                    <a:schemeClr val="bg2"/>
-                  </a:outerShdw>
-                </a:effectLst>
-              </a14:hiddenEffects>
-            </a:ext>
-          </a:extLst>
-        </p:spPr>
-        <p:txBody>
-          <a:bodyPr wrap="none" anchor="ctr"/>
-          <a:lstStyle/>
-          <a:p>
-            <a:endParaRPr lang="de-DE" dirty="0">
-              <a:latin typeface="Helvetica Light" panose="020B0403020202020204" pitchFamily="34" charset="0"/>
-            </a:endParaRPr>
-          </a:p>
-        </p:txBody>
-      </p:sp>
-      <mc:AlternateContent xmlns:mc="http://schemas.openxmlformats.org/markup-compatibility/2006">
-        <mc:Choice xmlns:a14="http://schemas.microsoft.com/office/drawing/2010/main" Requires="a14">
-          <p:sp>
-            <p:nvSpPr>
-              <p:cNvPr id="25" name="TextBox 24">
-                <a:extLst>
-                  <a:ext uri="{FF2B5EF4-FFF2-40B4-BE49-F238E27FC236}">
-                    <a16:creationId xmlns:a16="http://schemas.microsoft.com/office/drawing/2014/main" id="{7C6653C5-AA95-D44C-A65C-12C58D58CF8E}"/>
-                  </a:ext>
-                </a:extLst>
-              </p:cNvPr>
-              <p:cNvSpPr txBox="1"/>
-              <p:nvPr/>
-            </p:nvSpPr>
-            <p:spPr>
-              <a:xfrm>
-                <a:off x="3785116" y="6324118"/>
-                <a:ext cx="746999" cy="276999"/>
-              </a:xfrm>
-              <a:prstGeom prst="rect">
-                <a:avLst/>
-              </a:prstGeom>
-              <a:noFill/>
-            </p:spPr>
-            <p:txBody>
-              <a:bodyPr wrap="none" lIns="0" tIns="0" rIns="0" bIns="0" rtlCol="0">
-                <a:spAutoFit/>
-              </a:bodyPr>
-              <a:lstStyle/>
-              <a:p>
-                <a:pPr/>
-                <a14:m>
-                  <m:oMathPara xmlns:m="http://schemas.openxmlformats.org/officeDocument/2006/math">
-                    <m:oMathParaPr>
-                      <m:jc m:val="centerGroup"/>
-                    </m:oMathParaPr>
-                    <m:oMath xmlns:m="http://schemas.openxmlformats.org/officeDocument/2006/math">
-                      <m:r>
-                        <a:rPr lang="en-GB">
-                          <a:latin typeface="Cambria Math" panose="02040503050406030204" pitchFamily="18" charset="0"/>
-                        </a:rPr>
-                        <m:t>£3,000</m:t>
-                      </m:r>
-                    </m:oMath>
-                  </m:oMathPara>
-                </a14:m>
-                <a:endParaRPr lang="de-DE" dirty="0">
-                  <a:latin typeface="Helvetica Light" panose="020B0403020202020204" pitchFamily="34" charset="0"/>
-                </a:endParaRPr>
-              </a:p>
-            </p:txBody>
-          </p:sp>
-        </mc:Choice>
-        <mc:Fallback>
-          <p:sp>
-            <p:nvSpPr>
-              <p:cNvPr id="25" name="TextBox 24">
-                <a:extLst>
-                  <a:ext uri="{FF2B5EF4-FFF2-40B4-BE49-F238E27FC236}">
-                    <a16:creationId xmlns:a16="http://schemas.microsoft.com/office/drawing/2014/main" id="{7C6653C5-AA95-D44C-A65C-12C58D58CF8E}"/>
-                  </a:ext>
-                </a:extLst>
-              </p:cNvPr>
-              <p:cNvSpPr txBox="1">
-                <a:spLocks noRot="1" noChangeAspect="1" noMove="1" noResize="1" noEditPoints="1" noAdjustHandles="1" noChangeArrowheads="1" noChangeShapeType="1" noTextEdit="1"/>
-              </p:cNvSpPr>
-              <p:nvPr/>
-            </p:nvSpPr>
-            <p:spPr>
-              <a:xfrm>
-                <a:off x="3785116" y="6324118"/>
-                <a:ext cx="746999" cy="276999"/>
-              </a:xfrm>
-              <a:prstGeom prst="rect">
-                <a:avLst/>
-              </a:prstGeom>
-              <a:blipFill>
-                <a:blip r:embed="rId5"/>
-                <a:stretch>
-                  <a:fillRect l="-5000" r="-5000" b="-4348"/>
-                </a:stretch>
-              </a:blipFill>
-            </p:spPr>
-            <p:txBody>
-              <a:bodyPr/>
-              <a:lstStyle/>
-              <a:p>
-                <a:r>
-                  <a:rPr lang="de-DE">
-                    <a:noFill/>
-                  </a:rPr>
-                  <a:t> </a:t>
-                </a:r>
-              </a:p>
-            </p:txBody>
-          </p:sp>
-        </mc:Fallback>
-      </mc:AlternateContent>
-    </p:spTree>
-    <p:extLst>
-      <p:ext uri="{BB962C8B-B14F-4D97-AF65-F5344CB8AC3E}">
-        <p14:creationId xmlns:p14="http://schemas.microsoft.com/office/powerpoint/2010/main" val="747039800"/>
-      </p:ext>
-    </p:extLst>
-  </p:cSld>
-  <p:clrMapOvr>
-    <a:masterClrMapping/>
-  </p:clrMapOvr>
-</p:sld>
-</file>
-
-<file path=ppt/slides/slide4.xml><?xml version="1.0" encoding="utf-8"?>
-<p:sld xmlns:a="http://schemas.openxmlformats.org/drawingml/2006/main" xmlns:r="http://schemas.openxmlformats.org/officeDocument/2006/relationships" xmlns:p="http://schemas.openxmlformats.org/presentationml/2006/main">
-  <p:cSld>
-    <p:spTree>
-      <p:nvGrpSpPr>
-        <p:cNvPr id="1" name=""/>
-        <p:cNvGrpSpPr/>
-        <p:nvPr/>
-      </p:nvGrpSpPr>
-      <p:grpSpPr>
-        <a:xfrm>
-          <a:off x="0" y="0"/>
-          <a:ext cx="0" cy="0"/>
-          <a:chOff x="0" y="0"/>
-          <a:chExt cx="0" cy="0"/>
-        </a:xfrm>
-      </p:grpSpPr>
-      <p:grpSp>
-        <p:nvGrpSpPr>
-          <p:cNvPr id="6" name="Group 5">
-            <a:extLst>
-              <a:ext uri="{FF2B5EF4-FFF2-40B4-BE49-F238E27FC236}">
-                <a16:creationId xmlns:a16="http://schemas.microsoft.com/office/drawing/2014/main" id="{82C10D7E-E087-B64B-BD03-9774B9F66623}"/>
-              </a:ext>
-            </a:extLst>
-          </p:cNvPr>
-          <p:cNvGrpSpPr/>
-          <p:nvPr/>
-        </p:nvGrpSpPr>
-        <p:grpSpPr>
-          <a:xfrm>
-            <a:off x="315454" y="714706"/>
-            <a:ext cx="4834507" cy="5454868"/>
-            <a:chOff x="1569149" y="630622"/>
-            <a:chExt cx="8079348" cy="5454868"/>
-          </a:xfrm>
-        </p:grpSpPr>
-        <p:sp>
-          <p:nvSpPr>
-            <p:cNvPr id="41987" name="Line 3">
-              <a:extLst>
-                <a:ext uri="{FF2B5EF4-FFF2-40B4-BE49-F238E27FC236}">
-                  <a16:creationId xmlns:a16="http://schemas.microsoft.com/office/drawing/2014/main" id="{3127191C-404E-9046-A4E0-97AC0495884A}"/>
-                </a:ext>
-              </a:extLst>
-            </p:cNvPr>
-            <p:cNvSpPr>
-              <a:spLocks noChangeShapeType="1"/>
-            </p:cNvSpPr>
-            <p:nvPr/>
-          </p:nvSpPr>
-          <p:spPr bwMode="auto">
-            <a:xfrm flipV="1">
-              <a:off x="2976036" y="630622"/>
-              <a:ext cx="0" cy="5454868"/>
-            </a:xfrm>
-            <a:prstGeom prst="line">
-              <a:avLst/>
-            </a:prstGeom>
-            <a:noFill/>
-            <a:ln w="12700">
-              <a:solidFill>
-                <a:schemeClr val="tx1"/>
-              </a:solidFill>
-              <a:round/>
-              <a:headEnd type="none" w="sm" len="sm"/>
-              <a:tailEnd type="stealth" w="med" len="lg"/>
-            </a:ln>
-            <a:effectLst/>
-            <a:extLst>
-              <a:ext uri="{909E8E84-426E-40DD-AFC4-6F175D3DCCD1}">
-                <a14:hiddenFill xmlns:a14="http://schemas.microsoft.com/office/drawing/2010/main">
-                  <a:noFill/>
-                </a14:hiddenFill>
-              </a:ext>
-              <a:ext uri="{AF507438-7753-43E0-B8FC-AC1667EBCBE1}">
-                <a14:hiddenEffects xmlns:a14="http://schemas.microsoft.com/office/drawing/2010/main">
-                  <a:effectLst>
-                    <a:outerShdw dist="35921" dir="2700000" algn="ctr" rotWithShape="0">
-                      <a:schemeClr val="bg2"/>
-                    </a:outerShdw>
-                  </a:effectLst>
-                </a14:hiddenEffects>
-              </a:ext>
-            </a:extLst>
-          </p:spPr>
-          <p:txBody>
-            <a:bodyPr wrap="none" anchor="ctr"/>
-            <a:lstStyle/>
-            <a:p>
-              <a:endParaRPr lang="de-DE" dirty="0">
-                <a:latin typeface="Helvetica Light" panose="020B0403020202020204" pitchFamily="34" charset="0"/>
-              </a:endParaRPr>
-            </a:p>
-          </p:txBody>
-        </p:sp>
-        <p:sp>
-          <p:nvSpPr>
-            <p:cNvPr id="41988" name="Line 4">
-              <a:extLst>
-                <a:ext uri="{FF2B5EF4-FFF2-40B4-BE49-F238E27FC236}">
-                  <a16:creationId xmlns:a16="http://schemas.microsoft.com/office/drawing/2014/main" id="{8EC619E7-6BE3-8C47-AD78-F7533447E138}"/>
-                </a:ext>
-              </a:extLst>
-            </p:cNvPr>
-            <p:cNvSpPr>
-              <a:spLocks noChangeShapeType="1"/>
-            </p:cNvSpPr>
-            <p:nvPr/>
-          </p:nvSpPr>
-          <p:spPr bwMode="auto">
-            <a:xfrm>
-              <a:off x="2976036" y="6085490"/>
-              <a:ext cx="6672461" cy="0"/>
-            </a:xfrm>
-            <a:prstGeom prst="line">
-              <a:avLst/>
-            </a:prstGeom>
-            <a:noFill/>
-            <a:ln w="12700">
-              <a:solidFill>
-                <a:schemeClr val="tx1"/>
-              </a:solidFill>
-              <a:round/>
-              <a:headEnd type="none" w="sm" len="sm"/>
-              <a:tailEnd type="stealth" w="med" len="lg"/>
-            </a:ln>
-            <a:effectLst/>
-            <a:extLst>
-              <a:ext uri="{909E8E84-426E-40DD-AFC4-6F175D3DCCD1}">
-                <a14:hiddenFill xmlns:a14="http://schemas.microsoft.com/office/drawing/2010/main">
-                  <a:noFill/>
-                </a14:hiddenFill>
-              </a:ext>
-              <a:ext uri="{AF507438-7753-43E0-B8FC-AC1667EBCBE1}">
-                <a14:hiddenEffects xmlns:a14="http://schemas.microsoft.com/office/drawing/2010/main">
-                  <a:effectLst>
-                    <a:outerShdw dist="35921" dir="2700000" algn="ctr" rotWithShape="0">
-                      <a:schemeClr val="bg2"/>
-                    </a:outerShdw>
-                  </a:effectLst>
-                </a14:hiddenEffects>
-              </a:ext>
-            </a:extLst>
-          </p:spPr>
-          <p:txBody>
-            <a:bodyPr wrap="none" anchor="ctr"/>
-            <a:lstStyle/>
-            <a:p>
-              <a:endParaRPr lang="de-DE" dirty="0">
-                <a:latin typeface="Helvetica Light" panose="020B0403020202020204" pitchFamily="34" charset="0"/>
-              </a:endParaRPr>
-            </a:p>
-          </p:txBody>
-        </p:sp>
-        <p:sp>
-          <p:nvSpPr>
-            <p:cNvPr id="41997" name="Line 13">
-              <a:extLst>
-                <a:ext uri="{FF2B5EF4-FFF2-40B4-BE49-F238E27FC236}">
-                  <a16:creationId xmlns:a16="http://schemas.microsoft.com/office/drawing/2014/main" id="{866E3355-8117-744F-A840-C118B3BF9C24}"/>
-                </a:ext>
-              </a:extLst>
-            </p:cNvPr>
-            <p:cNvSpPr>
-              <a:spLocks noChangeShapeType="1"/>
-            </p:cNvSpPr>
-            <p:nvPr/>
-          </p:nvSpPr>
-          <p:spPr bwMode="auto">
-            <a:xfrm>
-              <a:off x="2976036" y="1518624"/>
-              <a:ext cx="5046085" cy="4566866"/>
-            </a:xfrm>
-            <a:prstGeom prst="line">
-              <a:avLst/>
-            </a:prstGeom>
-            <a:noFill/>
-            <a:ln w="38100">
-              <a:solidFill>
-                <a:schemeClr val="tx1"/>
-              </a:solidFill>
-              <a:round/>
-              <a:headEnd type="none" w="sm" len="sm"/>
-              <a:tailEnd type="none" w="sm" len="sm"/>
-            </a:ln>
-            <a:effectLst/>
-            <a:extLst>
-              <a:ext uri="{909E8E84-426E-40DD-AFC4-6F175D3DCCD1}">
-                <a14:hiddenFill xmlns:a14="http://schemas.microsoft.com/office/drawing/2010/main">
-                  <a:noFill/>
-                </a14:hiddenFill>
-              </a:ext>
-              <a:ext uri="{AF507438-7753-43E0-B8FC-AC1667EBCBE1}">
-                <a14:hiddenEffects xmlns:a14="http://schemas.microsoft.com/office/drawing/2010/main">
-                  <a:effectLst>
-                    <a:outerShdw dist="35921" dir="2700000" algn="ctr" rotWithShape="0">
-                      <a:schemeClr val="bg2"/>
-                    </a:outerShdw>
-                  </a:effectLst>
-                </a14:hiddenEffects>
-              </a:ext>
-            </a:extLst>
-          </p:spPr>
-          <p:txBody>
-            <a:bodyPr wrap="none" anchor="ctr"/>
-            <a:lstStyle/>
-            <a:p>
-              <a:endParaRPr lang="de-DE" dirty="0">
-                <a:latin typeface="Helvetica Light" panose="020B0403020202020204" pitchFamily="34" charset="0"/>
-              </a:endParaRPr>
-            </a:p>
-          </p:txBody>
-        </p:sp>
-        <p:sp>
-          <p:nvSpPr>
-            <p:cNvPr id="41998" name="Oval 14">
-              <a:extLst>
-                <a:ext uri="{FF2B5EF4-FFF2-40B4-BE49-F238E27FC236}">
-                  <a16:creationId xmlns:a16="http://schemas.microsoft.com/office/drawing/2014/main" id="{660EF5A3-C5C0-4948-9704-72560F971AB4}"/>
-                </a:ext>
-              </a:extLst>
-            </p:cNvPr>
-            <p:cNvSpPr>
-              <a:spLocks noChangeArrowheads="1"/>
-            </p:cNvSpPr>
-            <p:nvPr/>
-          </p:nvSpPr>
-          <p:spPr bwMode="auto">
-            <a:xfrm>
-              <a:off x="2878225" y="1467087"/>
-              <a:ext cx="195619" cy="126857"/>
-            </a:xfrm>
-            <a:prstGeom prst="ellipse">
-              <a:avLst/>
-            </a:prstGeom>
-            <a:solidFill>
-              <a:schemeClr val="accent1"/>
-            </a:solidFill>
-            <a:ln>
-              <a:noFill/>
-            </a:ln>
-            <a:effectLst/>
-            <a:extLst>
-              <a:ext uri="{91240B29-F687-4F45-9708-019B960494DF}">
-                <a14:hiddenLine xmlns:a14="http://schemas.microsoft.com/office/drawing/2010/main" w="12700">
-                  <a:solidFill>
-                    <a:schemeClr val="tx1"/>
-                  </a:solidFill>
-                  <a:round/>
-                  <a:headEnd type="none" w="sm" len="sm"/>
-                  <a:tailEnd type="none" w="sm" len="sm"/>
-                </a14:hiddenLine>
-              </a:ext>
-              <a:ext uri="{AF507438-7753-43E0-B8FC-AC1667EBCBE1}">
-                <a14:hiddenEffects xmlns:a14="http://schemas.microsoft.com/office/drawing/2010/main">
-                  <a:effectLst>
-                    <a:outerShdw dist="35921" dir="2700000" algn="ctr" rotWithShape="0">
-                      <a:schemeClr val="bg2"/>
-                    </a:outerShdw>
-                  </a:effectLst>
-                </a14:hiddenEffects>
-              </a:ext>
-            </a:extLst>
-          </p:spPr>
-          <p:txBody>
-            <a:bodyPr wrap="none" anchor="ctr"/>
-            <a:lstStyle/>
-            <a:p>
-              <a:endParaRPr lang="de-DE" dirty="0">
-                <a:latin typeface="Helvetica Light" panose="020B0403020202020204" pitchFamily="34" charset="0"/>
-              </a:endParaRPr>
-            </a:p>
-          </p:txBody>
-        </p:sp>
-        <mc:AlternateContent xmlns:mc="http://schemas.openxmlformats.org/markup-compatibility/2006">
-          <mc:Choice xmlns:a14="http://schemas.microsoft.com/office/drawing/2010/main" Requires="a14">
-            <p:sp>
-              <p:nvSpPr>
-                <p:cNvPr id="2" name="TextBox 1">
-                  <a:extLst>
-                    <a:ext uri="{FF2B5EF4-FFF2-40B4-BE49-F238E27FC236}">
-                      <a16:creationId xmlns:a16="http://schemas.microsoft.com/office/drawing/2014/main" id="{0D5D00E4-32B1-5E4B-B925-3AD2A98A1873}"/>
-                    </a:ext>
-                  </a:extLst>
-                </p:cNvPr>
-                <p:cNvSpPr txBox="1"/>
-                <p:nvPr/>
-              </p:nvSpPr>
-              <p:spPr>
-                <a:xfrm>
-                  <a:off x="1569149" y="1363370"/>
-                  <a:ext cx="1168005" cy="276999"/>
-                </a:xfrm>
-                <a:prstGeom prst="rect">
-                  <a:avLst/>
-                </a:prstGeom>
-                <a:noFill/>
-              </p:spPr>
-              <p:txBody>
-                <a:bodyPr wrap="none" lIns="0" tIns="0" rIns="0" bIns="0" rtlCol="0">
-                  <a:spAutoFit/>
-                </a:bodyPr>
-                <a:lstStyle/>
-                <a:p>
-                  <a:pPr/>
-                  <a14:m>
-                    <m:oMathPara xmlns:m="http://schemas.openxmlformats.org/officeDocument/2006/math">
-                      <m:oMathParaPr>
-                        <m:jc m:val="centerGroup"/>
-                      </m:oMathParaPr>
-                      <m:oMath xmlns:m="http://schemas.openxmlformats.org/officeDocument/2006/math">
-                        <m:r>
-                          <a:rPr lang="en-GB">
-                            <a:latin typeface="Cambria Math" panose="02040503050406030204" pitchFamily="18" charset="0"/>
-                          </a:rPr>
-                          <m:t>£5000</m:t>
-                        </m:r>
-                      </m:oMath>
-                    </m:oMathPara>
-                  </a14:m>
-                  <a:endParaRPr lang="de-DE" dirty="0">
-                    <a:latin typeface="Helvetica Light" panose="020B0403020202020204" pitchFamily="34" charset="0"/>
-                  </a:endParaRPr>
-                </a:p>
-              </p:txBody>
-            </p:sp>
-          </mc:Choice>
-          <mc:Fallback>
-            <p:sp>
-              <p:nvSpPr>
-                <p:cNvPr id="2" name="TextBox 1">
-                  <a:extLst>
-                    <a:ext uri="{FF2B5EF4-FFF2-40B4-BE49-F238E27FC236}">
-                      <a16:creationId xmlns:a16="http://schemas.microsoft.com/office/drawing/2014/main" id="{0D5D00E4-32B1-5E4B-B925-3AD2A98A1873}"/>
-                    </a:ext>
-                  </a:extLst>
-                </p:cNvPr>
-                <p:cNvSpPr txBox="1">
-                  <a:spLocks noRot="1" noChangeAspect="1" noMove="1" noResize="1" noEditPoints="1" noAdjustHandles="1" noChangeArrowheads="1" noChangeShapeType="1" noTextEdit="1"/>
-                </p:cNvSpPr>
-                <p:nvPr/>
-              </p:nvSpPr>
-              <p:spPr>
-                <a:xfrm>
-                  <a:off x="1569149" y="1363370"/>
-                  <a:ext cx="1168005" cy="276999"/>
-                </a:xfrm>
-                <a:prstGeom prst="rect">
-                  <a:avLst/>
-                </a:prstGeom>
-                <a:blipFill>
-                  <a:blip r:embed="rId2"/>
-                  <a:stretch>
-                    <a:fillRect l="-7143" r="-7143" b="-4348"/>
-                  </a:stretch>
-                </a:blipFill>
-              </p:spPr>
-              <p:txBody>
-                <a:bodyPr/>
-                <a:lstStyle/>
-                <a:p>
-                  <a:r>
-                    <a:rPr lang="de-DE">
-                      <a:noFill/>
-                    </a:rPr>
-                    <a:t> </a:t>
-                  </a:r>
-                </a:p>
-              </p:txBody>
-            </p:sp>
-          </mc:Fallback>
-        </mc:AlternateContent>
-      </p:grpSp>
-      <p:sp>
-        <p:nvSpPr>
-          <p:cNvPr id="11" name="Line 8">
-            <a:extLst>
-              <a:ext uri="{FF2B5EF4-FFF2-40B4-BE49-F238E27FC236}">
-                <a16:creationId xmlns:a16="http://schemas.microsoft.com/office/drawing/2014/main" id="{929685E1-241C-A74F-9DF4-3A593FF3601A}"/>
-              </a:ext>
-            </a:extLst>
-          </p:cNvPr>
-          <p:cNvSpPr>
-            <a:spLocks noChangeShapeType="1"/>
-          </p:cNvSpPr>
-          <p:nvPr/>
-        </p:nvSpPr>
-        <p:spPr bwMode="auto">
-          <a:xfrm flipH="1">
-            <a:off x="1169114" y="2606971"/>
-            <a:ext cx="678952" cy="0"/>
-          </a:xfrm>
-          <a:prstGeom prst="line">
-            <a:avLst/>
-          </a:prstGeom>
-          <a:noFill/>
-          <a:ln w="12700">
-            <a:solidFill>
-              <a:schemeClr val="tx1"/>
-            </a:solidFill>
-            <a:prstDash val="dash"/>
-            <a:round/>
-            <a:headEnd type="none" w="sm" len="sm"/>
-            <a:tailEnd type="none" w="sm" len="sm"/>
-          </a:ln>
-          <a:effectLst/>
-          <a:extLst>
-            <a:ext uri="{909E8E84-426E-40DD-AFC4-6F175D3DCCD1}">
-              <a14:hiddenFill xmlns:a14="http://schemas.microsoft.com/office/drawing/2010/main">
-                <a:noFill/>
-              </a14:hiddenFill>
-            </a:ext>
-            <a:ext uri="{AF507438-7753-43E0-B8FC-AC1667EBCBE1}">
-              <a14:hiddenEffects xmlns:a14="http://schemas.microsoft.com/office/drawing/2010/main">
-                <a:effectLst>
-                  <a:outerShdw dist="35921" dir="2700000" algn="ctr" rotWithShape="0">
-                    <a:schemeClr val="bg2"/>
-                  </a:outerShdw>
-                </a:effectLst>
-              </a14:hiddenEffects>
-            </a:ext>
-          </a:extLst>
-        </p:spPr>
-        <p:txBody>
-          <a:bodyPr wrap="none" anchor="ctr"/>
-          <a:lstStyle/>
-          <a:p>
-            <a:endParaRPr lang="de-DE" dirty="0">
-              <a:latin typeface="Helvetica Light" panose="020B0403020202020204" pitchFamily="34" charset="0"/>
-            </a:endParaRPr>
-          </a:p>
-        </p:txBody>
-      </p:sp>
-      <p:sp>
-        <p:nvSpPr>
-          <p:cNvPr id="12" name="Line 7">
-            <a:extLst>
-              <a:ext uri="{FF2B5EF4-FFF2-40B4-BE49-F238E27FC236}">
-                <a16:creationId xmlns:a16="http://schemas.microsoft.com/office/drawing/2014/main" id="{B01FF1B0-968A-4447-8DDC-EA14F3E85C7B}"/>
-              </a:ext>
-            </a:extLst>
-          </p:cNvPr>
-          <p:cNvSpPr>
-            <a:spLocks noChangeShapeType="1"/>
-          </p:cNvSpPr>
-          <p:nvPr/>
-        </p:nvSpPr>
-        <p:spPr bwMode="auto">
-          <a:xfrm>
-            <a:off x="1827430" y="2606971"/>
-            <a:ext cx="0" cy="3562602"/>
-          </a:xfrm>
-          <a:prstGeom prst="line">
-            <a:avLst/>
-          </a:prstGeom>
-          <a:noFill/>
-          <a:ln w="12700">
-            <a:solidFill>
-              <a:schemeClr val="tx1"/>
-            </a:solidFill>
-            <a:prstDash val="dash"/>
-            <a:round/>
-            <a:headEnd type="none" w="sm" len="sm"/>
-            <a:tailEnd type="none" w="sm" len="sm"/>
-          </a:ln>
-          <a:effectLst/>
-          <a:extLst>
-            <a:ext uri="{909E8E84-426E-40DD-AFC4-6F175D3DCCD1}">
-              <a14:hiddenFill xmlns:a14="http://schemas.microsoft.com/office/drawing/2010/main">
-                <a:noFill/>
-              </a14:hiddenFill>
-            </a:ext>
-            <a:ext uri="{AF507438-7753-43E0-B8FC-AC1667EBCBE1}">
-              <a14:hiddenEffects xmlns:a14="http://schemas.microsoft.com/office/drawing/2010/main">
-                <a:effectLst>
-                  <a:outerShdw dist="35921" dir="2700000" algn="ctr" rotWithShape="0">
-                    <a:schemeClr val="bg2"/>
-                  </a:outerShdw>
-                </a:effectLst>
-              </a14:hiddenEffects>
-            </a:ext>
-          </a:extLst>
-        </p:spPr>
-        <p:txBody>
-          <a:bodyPr wrap="none" anchor="ctr"/>
-          <a:lstStyle/>
-          <a:p>
-            <a:endParaRPr lang="de-DE" dirty="0">
-              <a:latin typeface="Helvetica Light" panose="020B0403020202020204" pitchFamily="34" charset="0"/>
-            </a:endParaRPr>
-          </a:p>
-        </p:txBody>
-      </p:sp>
-      <mc:AlternateContent xmlns:mc="http://schemas.openxmlformats.org/markup-compatibility/2006">
-        <mc:Choice xmlns:a14="http://schemas.microsoft.com/office/drawing/2010/main" Requires="a14">
-          <p:sp>
-            <p:nvSpPr>
-              <p:cNvPr id="13" name="TextBox 12">
-                <a:extLst>
-                  <a:ext uri="{FF2B5EF4-FFF2-40B4-BE49-F238E27FC236}">
-                    <a16:creationId xmlns:a16="http://schemas.microsoft.com/office/drawing/2014/main" id="{CFC881D7-D917-864C-B99C-C825FD3C7BF5}"/>
-                  </a:ext>
-                </a:extLst>
-              </p:cNvPr>
-              <p:cNvSpPr txBox="1"/>
-              <p:nvPr/>
-            </p:nvSpPr>
-            <p:spPr>
-              <a:xfrm>
-                <a:off x="382822" y="2468476"/>
-                <a:ext cx="698909" cy="276999"/>
-              </a:xfrm>
-              <a:prstGeom prst="rect">
-                <a:avLst/>
-              </a:prstGeom>
-              <a:noFill/>
-            </p:spPr>
-            <p:txBody>
-              <a:bodyPr wrap="none" lIns="0" tIns="0" rIns="0" bIns="0" rtlCol="0">
-                <a:spAutoFit/>
-              </a:bodyPr>
-              <a:lstStyle/>
-              <a:p>
-                <a:pPr/>
-                <a14:m>
-                  <m:oMathPara xmlns:m="http://schemas.openxmlformats.org/officeDocument/2006/math">
-                    <m:oMathParaPr>
-                      <m:jc m:val="centerGroup"/>
-                    </m:oMathParaPr>
-                    <m:oMath xmlns:m="http://schemas.openxmlformats.org/officeDocument/2006/math">
-                      <m:r>
-                        <a:rPr lang="en-GB">
-                          <a:latin typeface="Cambria Math" panose="02040503050406030204" pitchFamily="18" charset="0"/>
-                        </a:rPr>
-                        <m:t>£4300</m:t>
-                      </m:r>
-                    </m:oMath>
-                  </m:oMathPara>
-                </a14:m>
-                <a:endParaRPr lang="de-DE" dirty="0">
-                  <a:latin typeface="Helvetica Light" panose="020B0403020202020204" pitchFamily="34" charset="0"/>
-                </a:endParaRPr>
-              </a:p>
-            </p:txBody>
-          </p:sp>
-        </mc:Choice>
-        <mc:Fallback>
-          <p:sp>
-            <p:nvSpPr>
-              <p:cNvPr id="13" name="TextBox 12">
-                <a:extLst>
-                  <a:ext uri="{FF2B5EF4-FFF2-40B4-BE49-F238E27FC236}">
-                    <a16:creationId xmlns:a16="http://schemas.microsoft.com/office/drawing/2014/main" id="{CFC881D7-D917-864C-B99C-C825FD3C7BF5}"/>
-                  </a:ext>
-                </a:extLst>
-              </p:cNvPr>
-              <p:cNvSpPr txBox="1">
-                <a:spLocks noRot="1" noChangeAspect="1" noMove="1" noResize="1" noEditPoints="1" noAdjustHandles="1" noChangeArrowheads="1" noChangeShapeType="1" noTextEdit="1"/>
-              </p:cNvSpPr>
-              <p:nvPr/>
-            </p:nvSpPr>
-            <p:spPr>
-              <a:xfrm>
-                <a:off x="382822" y="2468476"/>
-                <a:ext cx="698909" cy="276999"/>
-              </a:xfrm>
-              <a:prstGeom prst="rect">
-                <a:avLst/>
-              </a:prstGeom>
-              <a:blipFill>
-                <a:blip r:embed="rId3"/>
-                <a:stretch>
-                  <a:fillRect l="-5357" r="-5357" b="-4348"/>
-                </a:stretch>
-              </a:blipFill>
-            </p:spPr>
-            <p:txBody>
-              <a:bodyPr/>
-              <a:lstStyle/>
-              <a:p>
-                <a:r>
-                  <a:rPr lang="de-DE">
-                    <a:noFill/>
-                  </a:rPr>
-                  <a:t> </a:t>
-                </a:r>
-              </a:p>
-            </p:txBody>
-          </p:sp>
-        </mc:Fallback>
-      </mc:AlternateContent>
-      <mc:AlternateContent xmlns:mc="http://schemas.openxmlformats.org/markup-compatibility/2006">
-        <mc:Choice xmlns:a14="http://schemas.microsoft.com/office/drawing/2010/main" Requires="a14">
-          <p:sp>
-            <p:nvSpPr>
-              <p:cNvPr id="14" name="TextBox 13">
-                <a:extLst>
-                  <a:ext uri="{FF2B5EF4-FFF2-40B4-BE49-F238E27FC236}">
-                    <a16:creationId xmlns:a16="http://schemas.microsoft.com/office/drawing/2014/main" id="{DB4F6BD1-6B9D-6341-BD8B-167E20C36BF4}"/>
-                  </a:ext>
-                </a:extLst>
-              </p:cNvPr>
-              <p:cNvSpPr txBox="1"/>
-              <p:nvPr/>
-            </p:nvSpPr>
-            <p:spPr>
-              <a:xfrm>
-                <a:off x="1483588" y="6331647"/>
-                <a:ext cx="698909" cy="276999"/>
-              </a:xfrm>
-              <a:prstGeom prst="rect">
-                <a:avLst/>
-              </a:prstGeom>
-              <a:noFill/>
-            </p:spPr>
-            <p:txBody>
-              <a:bodyPr wrap="none" lIns="0" tIns="0" rIns="0" bIns="0" rtlCol="0">
-                <a:spAutoFit/>
-              </a:bodyPr>
-              <a:lstStyle/>
-              <a:p>
-                <a:pPr/>
-                <a14:m>
-                  <m:oMathPara xmlns:m="http://schemas.openxmlformats.org/officeDocument/2006/math">
-                    <m:oMathParaPr>
-                      <m:jc m:val="centerGroup"/>
-                    </m:oMathParaPr>
-                    <m:oMath xmlns:m="http://schemas.openxmlformats.org/officeDocument/2006/math">
-                      <m:r>
-                        <a:rPr lang="en-GB">
-                          <a:latin typeface="Cambria Math" panose="02040503050406030204" pitchFamily="18" charset="0"/>
-                        </a:rPr>
-                        <m:t>£1400</m:t>
-                      </m:r>
-                    </m:oMath>
-                  </m:oMathPara>
-                </a14:m>
-                <a:endParaRPr lang="de-DE" dirty="0">
-                  <a:latin typeface="Helvetica Light" panose="020B0403020202020204" pitchFamily="34" charset="0"/>
-                </a:endParaRPr>
-              </a:p>
-            </p:txBody>
-          </p:sp>
-        </mc:Choice>
-        <mc:Fallback>
-          <p:sp>
-            <p:nvSpPr>
-              <p:cNvPr id="14" name="TextBox 13">
-                <a:extLst>
-                  <a:ext uri="{FF2B5EF4-FFF2-40B4-BE49-F238E27FC236}">
-                    <a16:creationId xmlns:a16="http://schemas.microsoft.com/office/drawing/2014/main" id="{DB4F6BD1-6B9D-6341-BD8B-167E20C36BF4}"/>
-                  </a:ext>
-                </a:extLst>
-              </p:cNvPr>
-              <p:cNvSpPr txBox="1">
-                <a:spLocks noRot="1" noChangeAspect="1" noMove="1" noResize="1" noEditPoints="1" noAdjustHandles="1" noChangeArrowheads="1" noChangeShapeType="1" noTextEdit="1"/>
-              </p:cNvSpPr>
-              <p:nvPr/>
-            </p:nvSpPr>
-            <p:spPr>
-              <a:xfrm>
-                <a:off x="1483588" y="6331647"/>
-                <a:ext cx="698909" cy="276999"/>
-              </a:xfrm>
-              <a:prstGeom prst="rect">
-                <a:avLst/>
-              </a:prstGeom>
-              <a:blipFill>
-                <a:blip r:embed="rId4"/>
-                <a:stretch>
-                  <a:fillRect l="-5357" r="-5357" b="-4545"/>
-                </a:stretch>
-              </a:blipFill>
-            </p:spPr>
-            <p:txBody>
-              <a:bodyPr/>
-              <a:lstStyle/>
-              <a:p>
-                <a:r>
-                  <a:rPr lang="de-DE">
+                  <a:rPr lang="en-US">
                     <a:noFill/>
                   </a:rPr>
                   <a:t> </a:t>
@@ -7202,10 +4674,22 @@
                     </m:oMathParaPr>
                     <m:oMath xmlns:m="http://schemas.openxmlformats.org/officeDocument/2006/math">
                       <m:r>
+                        <a:rPr lang="en-GB" smtClean="0">
+                          <a:latin typeface="Cambria Math" panose="02040503050406030204" pitchFamily="18" charset="0"/>
+                        </a:rPr>
+                        <m:t>£</m:t>
+                      </m:r>
+                      <m:r>
+                        <a:rPr lang="en-GB" b="0" i="0" smtClean="0">
+                          <a:latin typeface="Cambria Math" panose="02040503050406030204" pitchFamily="18" charset="0"/>
+                        </a:rPr>
+                        <m:t>5</m:t>
+                      </m:r>
+                      <m:r>
                         <a:rPr lang="en-GB">
                           <a:latin typeface="Cambria Math" panose="02040503050406030204" pitchFamily="18" charset="0"/>
                         </a:rPr>
-                        <m:t>£3,000</m:t>
+                        <m:t>,000</m:t>
                       </m:r>
                     </m:oMath>
                   </m:oMathPara>
@@ -7243,7 +4727,7 @@
               <a:blipFill>
                 <a:blip r:embed="rId5"/>
                 <a:stretch>
-                  <a:fillRect l="-5000" r="-5000" b="-4348"/>
+                  <a:fillRect l="-6780" r="-6780" b="-8696"/>
                 </a:stretch>
               </a:blipFill>
             </p:spPr>
@@ -7252,7 +4736,7 @@
               <a:lstStyle/>
               <a:p>
                 <a:r>
-                  <a:rPr lang="de-DE">
+                  <a:rPr lang="en-US">
                     <a:noFill/>
                   </a:rPr>
                   <a:t> </a:t>
@@ -7275,7 +4759,7 @@
 </p:sld>
 </file>
 
-<file path=ppt/slides/slide5.xml><?xml version="1.0" encoding="utf-8"?>
+<file path=ppt/slides/slide3.xml><?xml version="1.0" encoding="utf-8"?>
 <p:sld xmlns:a="http://schemas.openxmlformats.org/drawingml/2006/main" xmlns:r="http://schemas.openxmlformats.org/officeDocument/2006/relationships" xmlns:p="http://schemas.openxmlformats.org/presentationml/2006/main">
   <p:cSld>
     <p:spTree>
@@ -7550,8 +5034,8 @@
             </a:p>
           </p:txBody>
         </p:sp>
-        <mc:AlternateContent xmlns:mc="http://schemas.openxmlformats.org/markup-compatibility/2006">
-          <mc:Choice xmlns:a14="http://schemas.microsoft.com/office/drawing/2010/main" Requires="a14">
+        <mc:AlternateContent xmlns:mc="http://schemas.openxmlformats.org/markup-compatibility/2006" xmlns:a14="http://schemas.microsoft.com/office/drawing/2010/main">
+          <mc:Choice Requires="a14">
             <p:sp>
               <p:nvSpPr>
                 <p:cNvPr id="2" name="TextBox 1">
@@ -7603,7 +5087,7 @@
               </p:txBody>
             </p:sp>
           </mc:Choice>
-          <mc:Fallback>
+          <mc:Fallback xmlns="">
             <p:sp>
               <p:nvSpPr>
                 <p:cNvPr id="2" name="TextBox 1">
@@ -7649,8 +5133,8 @@
           </mc:Fallback>
         </mc:AlternateContent>
       </p:grpSp>
-      <mc:AlternateContent xmlns:mc="http://schemas.openxmlformats.org/markup-compatibility/2006">
-        <mc:Choice xmlns:a14="http://schemas.microsoft.com/office/drawing/2010/main" Requires="a14">
+      <mc:AlternateContent xmlns:mc="http://schemas.openxmlformats.org/markup-compatibility/2006" xmlns:a14="http://schemas.microsoft.com/office/drawing/2010/main">
+        <mc:Choice Requires="a14">
           <p:sp>
             <p:nvSpPr>
               <p:cNvPr id="13" name="TextBox 12">
@@ -7702,7 +5186,7 @@
             </p:txBody>
           </p:sp>
         </mc:Choice>
-        <mc:Fallback>
+        <mc:Fallback xmlns="">
           <p:sp>
             <p:nvSpPr>
               <p:cNvPr id="13" name="TextBox 12">
@@ -7747,8 +5231,8 @@
           </p:sp>
         </mc:Fallback>
       </mc:AlternateContent>
-      <mc:AlternateContent xmlns:mc="http://schemas.openxmlformats.org/markup-compatibility/2006">
-        <mc:Choice xmlns:a14="http://schemas.microsoft.com/office/drawing/2010/main" Requires="a14">
+      <mc:AlternateContent xmlns:mc="http://schemas.openxmlformats.org/markup-compatibility/2006" xmlns:a14="http://schemas.microsoft.com/office/drawing/2010/main">
+        <mc:Choice Requires="a14">
           <p:sp>
             <p:nvSpPr>
               <p:cNvPr id="14" name="TextBox 13">
@@ -7800,7 +5284,7 @@
             </p:txBody>
           </p:sp>
         </mc:Choice>
-        <mc:Fallback>
+        <mc:Fallback xmlns="">
           <p:sp>
             <p:nvSpPr>
               <p:cNvPr id="14" name="TextBox 13">
@@ -8265,10 +5749,22 @@
                     </m:oMathParaPr>
                     <m:oMath xmlns:m="http://schemas.openxmlformats.org/officeDocument/2006/math">
                       <m:r>
+                        <a:rPr lang="en-GB" smtClean="0">
+                          <a:latin typeface="Cambria Math" panose="02040503050406030204" pitchFamily="18" charset="0"/>
+                        </a:rPr>
+                        <m:t>£</m:t>
+                      </m:r>
+                      <m:r>
+                        <a:rPr lang="en-GB" b="0" i="0" smtClean="0">
+                          <a:latin typeface="Cambria Math" panose="02040503050406030204" pitchFamily="18" charset="0"/>
+                        </a:rPr>
+                        <m:t>5</m:t>
+                      </m:r>
+                      <m:r>
                         <a:rPr lang="en-GB">
                           <a:latin typeface="Cambria Math" panose="02040503050406030204" pitchFamily="18" charset="0"/>
                         </a:rPr>
-                        <m:t>£3,000</m:t>
+                        <m:t>,000</m:t>
                       </m:r>
                     </m:oMath>
                   </m:oMathPara>
@@ -8306,7 +5802,7 @@
               <a:blipFill>
                 <a:blip r:embed="rId5"/>
                 <a:stretch>
-                  <a:fillRect l="-5000" r="-5000" b="-4348"/>
+                  <a:fillRect l="-6780" r="-6780" b="-8696"/>
                 </a:stretch>
               </a:blipFill>
             </p:spPr>
@@ -8315,7 +5811,7 @@
               <a:lstStyle/>
               <a:p>
                 <a:r>
-                  <a:rPr lang="de-DE">
+                  <a:rPr lang="en-US">
                     <a:noFill/>
                   </a:rPr>
                   <a:t> </a:t>
@@ -8338,7 +5834,7 @@
 </p:sld>
 </file>
 
-<file path=ppt/slides/slide6.xml><?xml version="1.0" encoding="utf-8"?>
+<file path=ppt/slides/slide4.xml><?xml version="1.0" encoding="utf-8"?>
 <p:sld xmlns:a="http://schemas.openxmlformats.org/drawingml/2006/main" xmlns:r="http://schemas.openxmlformats.org/officeDocument/2006/relationships" xmlns:p="http://schemas.openxmlformats.org/presentationml/2006/main">
   <p:cSld>
     <p:spTree>
@@ -8613,8 +6109,8 @@
             </a:p>
           </p:txBody>
         </p:sp>
-        <mc:AlternateContent xmlns:mc="http://schemas.openxmlformats.org/markup-compatibility/2006">
-          <mc:Choice xmlns:a14="http://schemas.microsoft.com/office/drawing/2010/main" Requires="a14">
+        <mc:AlternateContent xmlns:mc="http://schemas.openxmlformats.org/markup-compatibility/2006" xmlns:a14="http://schemas.microsoft.com/office/drawing/2010/main">
+          <mc:Choice Requires="a14">
             <p:sp>
               <p:nvSpPr>
                 <p:cNvPr id="2" name="TextBox 1">
@@ -8666,7 +6162,7 @@
               </p:txBody>
             </p:sp>
           </mc:Choice>
-          <mc:Fallback>
+          <mc:Fallback xmlns="">
             <p:sp>
               <p:nvSpPr>
                 <p:cNvPr id="2" name="TextBox 1">
@@ -8832,8 +6328,8 @@
           </a:p>
         </p:txBody>
       </p:sp>
-      <mc:AlternateContent xmlns:mc="http://schemas.openxmlformats.org/markup-compatibility/2006">
-        <mc:Choice xmlns:a14="http://schemas.microsoft.com/office/drawing/2010/main" Requires="a14">
+      <mc:AlternateContent xmlns:mc="http://schemas.openxmlformats.org/markup-compatibility/2006" xmlns:a14="http://schemas.microsoft.com/office/drawing/2010/main">
+        <mc:Choice Requires="a14">
           <p:sp>
             <p:nvSpPr>
               <p:cNvPr id="13" name="TextBox 12">
@@ -8885,7 +6381,7 @@
             </p:txBody>
           </p:sp>
         </mc:Choice>
-        <mc:Fallback>
+        <mc:Fallback xmlns="">
           <p:sp>
             <p:nvSpPr>
               <p:cNvPr id="13" name="TextBox 12">
@@ -8930,8 +6426,8 @@
           </p:sp>
         </mc:Fallback>
       </mc:AlternateContent>
-      <mc:AlternateContent xmlns:mc="http://schemas.openxmlformats.org/markup-compatibility/2006">
-        <mc:Choice xmlns:a14="http://schemas.microsoft.com/office/drawing/2010/main" Requires="a14">
+      <mc:AlternateContent xmlns:mc="http://schemas.openxmlformats.org/markup-compatibility/2006" xmlns:a14="http://schemas.microsoft.com/office/drawing/2010/main">
+        <mc:Choice Requires="a14">
           <p:sp>
             <p:nvSpPr>
               <p:cNvPr id="14" name="TextBox 13">
@@ -8983,7 +6479,7 @@
             </p:txBody>
           </p:sp>
         </mc:Choice>
-        <mc:Fallback>
+        <mc:Fallback xmlns="">
           <p:sp>
             <p:nvSpPr>
               <p:cNvPr id="14" name="TextBox 13">
@@ -9907,10 +7403,22 @@
                     </m:oMathParaPr>
                     <m:oMath xmlns:m="http://schemas.openxmlformats.org/officeDocument/2006/math">
                       <m:r>
+                        <a:rPr lang="en-GB" smtClean="0">
+                          <a:latin typeface="Cambria Math" panose="02040503050406030204" pitchFamily="18" charset="0"/>
+                        </a:rPr>
+                        <m:t>£</m:t>
+                      </m:r>
+                      <m:r>
+                        <a:rPr lang="en-GB" b="0" i="0" smtClean="0">
+                          <a:latin typeface="Cambria Math" panose="02040503050406030204" pitchFamily="18" charset="0"/>
+                        </a:rPr>
+                        <m:t>5</m:t>
+                      </m:r>
+                      <m:r>
                         <a:rPr lang="en-GB">
                           <a:latin typeface="Cambria Math" panose="02040503050406030204" pitchFamily="18" charset="0"/>
                         </a:rPr>
-                        <m:t>£3,000</m:t>
+                        <m:t>,000</m:t>
                       </m:r>
                     </m:oMath>
                   </m:oMathPara>
@@ -9948,7 +7456,7 @@
               <a:blipFill>
                 <a:blip r:embed="rId5"/>
                 <a:stretch>
-                  <a:fillRect l="-5000" r="-5000" b="-4348"/>
+                  <a:fillRect l="-6780" r="-6780" b="-8696"/>
                 </a:stretch>
               </a:blipFill>
             </p:spPr>
@@ -9957,7 +7465,7 @@
               <a:lstStyle/>
               <a:p>
                 <a:r>
-                  <a:rPr lang="de-DE">
+                  <a:rPr lang="en-US">
                     <a:noFill/>
                   </a:rPr>
                   <a:t> </a:t>
@@ -9980,7 +7488,7 @@
 </p:sld>
 </file>
 
-<file path=ppt/slides/slide7.xml><?xml version="1.0" encoding="utf-8"?>
+<file path=ppt/slides/slide5.xml><?xml version="1.0" encoding="utf-8"?>
 <p:sld xmlns:a="http://schemas.openxmlformats.org/drawingml/2006/main" xmlns:r="http://schemas.openxmlformats.org/officeDocument/2006/relationships" xmlns:p="http://schemas.openxmlformats.org/presentationml/2006/main">
   <p:cSld>
     <p:spTree>
@@ -10255,8 +7763,8 @@
             </a:p>
           </p:txBody>
         </p:sp>
-        <mc:AlternateContent xmlns:mc="http://schemas.openxmlformats.org/markup-compatibility/2006">
-          <mc:Choice xmlns:a14="http://schemas.microsoft.com/office/drawing/2010/main" Requires="a14">
+        <mc:AlternateContent xmlns:mc="http://schemas.openxmlformats.org/markup-compatibility/2006" xmlns:a14="http://schemas.microsoft.com/office/drawing/2010/main">
+          <mc:Choice Requires="a14">
             <p:sp>
               <p:nvSpPr>
                 <p:cNvPr id="2" name="TextBox 1">
@@ -10308,7 +7816,7 @@
               </p:txBody>
             </p:sp>
           </mc:Choice>
-          <mc:Fallback>
+          <mc:Fallback xmlns="">
             <p:sp>
               <p:nvSpPr>
                 <p:cNvPr id="2" name="TextBox 1">
@@ -10354,8 +7862,8 @@
           </mc:Fallback>
         </mc:AlternateContent>
       </p:grpSp>
-      <mc:AlternateContent xmlns:mc="http://schemas.openxmlformats.org/markup-compatibility/2006">
-        <mc:Choice xmlns:a14="http://schemas.microsoft.com/office/drawing/2010/main" Requires="a14">
+      <mc:AlternateContent xmlns:mc="http://schemas.openxmlformats.org/markup-compatibility/2006" xmlns:a14="http://schemas.microsoft.com/office/drawing/2010/main">
+        <mc:Choice Requires="a14">
           <p:sp>
             <p:nvSpPr>
               <p:cNvPr id="13" name="TextBox 12">
@@ -10407,7 +7915,7 @@
             </p:txBody>
           </p:sp>
         </mc:Choice>
-        <mc:Fallback>
+        <mc:Fallback xmlns="">
           <p:sp>
             <p:nvSpPr>
               <p:cNvPr id="13" name="TextBox 12">
@@ -10490,10 +7998,22 @@
                     </m:oMathParaPr>
                     <m:oMath xmlns:m="http://schemas.openxmlformats.org/officeDocument/2006/math">
                       <m:r>
+                        <a:rPr lang="en-GB" smtClean="0">
+                          <a:latin typeface="Cambria Math" panose="02040503050406030204" pitchFamily="18" charset="0"/>
+                        </a:rPr>
+                        <m:t>£</m:t>
+                      </m:r>
+                      <m:r>
+                        <a:rPr lang="en-GB" b="0" i="0" smtClean="0">
+                          <a:latin typeface="Cambria Math" panose="02040503050406030204" pitchFamily="18" charset="0"/>
+                        </a:rPr>
+                        <m:t>25</m:t>
+                      </m:r>
+                      <m:r>
                         <a:rPr lang="en-GB">
                           <a:latin typeface="Cambria Math" panose="02040503050406030204" pitchFamily="18" charset="0"/>
                         </a:rPr>
-                        <m:t>£5000</m:t>
+                        <m:t>00</m:t>
                       </m:r>
                     </m:oMath>
                   </m:oMathPara>
@@ -10531,7 +8051,7 @@
               <a:blipFill>
                 <a:blip r:embed="rId4"/>
                 <a:stretch>
-                  <a:fillRect l="-5357" r="-7143" b="-4348"/>
+                  <a:fillRect l="-7143" r="-5357" b="-8696"/>
                 </a:stretch>
               </a:blipFill>
             </p:spPr>
@@ -10540,7 +8060,7 @@
               <a:lstStyle/>
               <a:p>
                 <a:r>
-                  <a:rPr lang="de-DE">
+                  <a:rPr lang="en-US">
                     <a:noFill/>
                   </a:rPr>
                   <a:t> </a:t>
@@ -11453,10 +8973,22 @@
                     </m:oMathParaPr>
                     <m:oMath xmlns:m="http://schemas.openxmlformats.org/officeDocument/2006/math">
                       <m:r>
+                        <a:rPr lang="en-GB" smtClean="0">
+                          <a:latin typeface="Cambria Math" panose="02040503050406030204" pitchFamily="18" charset="0"/>
+                        </a:rPr>
+                        <m:t>£</m:t>
+                      </m:r>
+                      <m:r>
+                        <a:rPr lang="en-GB" b="0" i="0" smtClean="0">
+                          <a:latin typeface="Cambria Math" panose="02040503050406030204" pitchFamily="18" charset="0"/>
+                        </a:rPr>
+                        <m:t>5</m:t>
+                      </m:r>
+                      <m:r>
                         <a:rPr lang="en-GB">
                           <a:latin typeface="Cambria Math" panose="02040503050406030204" pitchFamily="18" charset="0"/>
                         </a:rPr>
-                        <m:t>£3,000</m:t>
+                        <m:t>,000</m:t>
                       </m:r>
                     </m:oMath>
                   </m:oMathPara>
@@ -11494,7 +9026,7 @@
               <a:blipFill>
                 <a:blip r:embed="rId5"/>
                 <a:stretch>
-                  <a:fillRect l="-5000" r="-5000" b="-4348"/>
+                  <a:fillRect l="-6780" r="-6780" b="-8696"/>
                 </a:stretch>
               </a:blipFill>
             </p:spPr>
@@ -11503,7 +9035,7 @@
               <a:lstStyle/>
               <a:p>
                 <a:r>
-                  <a:rPr lang="de-DE">
+                  <a:rPr lang="en-US">
                     <a:noFill/>
                   </a:rPr>
                   <a:t> </a:t>

--- a/img/insurance.pptx
+++ b/img/insurance.pptx
@@ -3002,10 +3002,10 @@
         </p:nvGrpSpPr>
         <p:grpSpPr>
           <a:xfrm>
-            <a:off x="315454" y="714706"/>
-            <a:ext cx="4834507" cy="5454868"/>
-            <a:chOff x="1569149" y="630622"/>
-            <a:chExt cx="8079348" cy="5454868"/>
+            <a:off x="231654" y="714706"/>
+            <a:ext cx="4918307" cy="5454868"/>
+            <a:chOff x="1429104" y="630622"/>
+            <a:chExt cx="8219393" cy="5454868"/>
           </a:xfrm>
         </p:grpSpPr>
         <p:sp>
@@ -3246,8 +3246,8 @@
             </a:p>
           </p:txBody>
         </p:sp>
-        <mc:AlternateContent xmlns:mc="http://schemas.openxmlformats.org/markup-compatibility/2006" xmlns:a14="http://schemas.microsoft.com/office/drawing/2010/main">
-          <mc:Choice Requires="a14">
+        <mc:AlternateContent xmlns:mc="http://schemas.openxmlformats.org/markup-compatibility/2006">
+          <mc:Choice xmlns:a14="http://schemas.microsoft.com/office/drawing/2010/main" Requires="a14">
             <p:sp>
               <p:nvSpPr>
                 <p:cNvPr id="2" name="TextBox 1">
@@ -3262,8 +3262,8 @@
               </p:nvSpPr>
               <p:spPr>
                 <a:xfrm>
-                  <a:off x="1569149" y="1363370"/>
-                  <a:ext cx="1168005" cy="276999"/>
+                  <a:off x="1429104" y="1380124"/>
+                  <a:ext cx="1462687" cy="276999"/>
                 </a:xfrm>
                 <a:prstGeom prst="rect">
                   <a:avLst/>
@@ -3284,10 +3284,22 @@
                       </m:oMathParaPr>
                       <m:oMath xmlns:m="http://schemas.openxmlformats.org/officeDocument/2006/math">
                         <m:r>
+                          <a:rPr lang="en-GB" smtClean="0">
+                            <a:latin typeface="Cambria Math" panose="02040503050406030204" pitchFamily="18" charset="0"/>
+                          </a:rPr>
+                          <m:t>£</m:t>
+                        </m:r>
+                        <m:r>
+                          <a:rPr lang="en-GB" b="0" i="0" smtClean="0">
+                            <a:latin typeface="Cambria Math" panose="02040503050406030204" pitchFamily="18" charset="0"/>
+                          </a:rPr>
+                          <m:t>10,</m:t>
+                        </m:r>
+                        <m:r>
                           <a:rPr lang="en-GB">
                             <a:latin typeface="Cambria Math" panose="02040503050406030204" pitchFamily="18" charset="0"/>
                           </a:rPr>
-                          <m:t>£5000</m:t>
+                          <m:t>000</m:t>
                         </m:r>
                       </m:oMath>
                     </m:oMathPara>
@@ -3299,7 +3311,7 @@
               </p:txBody>
             </p:sp>
           </mc:Choice>
-          <mc:Fallback xmlns="">
+          <mc:Fallback>
             <p:sp>
               <p:nvSpPr>
                 <p:cNvPr id="2" name="TextBox 1">
@@ -3316,8 +3328,8 @@
               </p:nvSpPr>
               <p:spPr>
                 <a:xfrm>
-                  <a:off x="1569149" y="1363370"/>
-                  <a:ext cx="1168005" cy="276999"/>
+                  <a:off x="1429104" y="1380124"/>
+                  <a:ext cx="1462687" cy="276999"/>
                 </a:xfrm>
                 <a:prstGeom prst="rect">
                   <a:avLst/>
@@ -3325,7 +3337,7 @@
                 <a:blipFill>
                   <a:blip r:embed="rId2"/>
                   <a:stretch>
-                    <a:fillRect l="-7143" r="-7143" b="-4348"/>
+                    <a:fillRect l="-5714" r="-4286" b="-4348"/>
                   </a:stretch>
                 </a:blipFill>
               </p:spPr>
@@ -3334,7 +3346,7 @@
                 <a:lstStyle/>
                 <a:p>
                   <a:r>
-                    <a:rPr lang="de-DE">
+                    <a:rPr lang="en-US">
                       <a:noFill/>
                     </a:rPr>
                     <a:t> </a:t>
@@ -3455,6 +3467,86 @@
           </p:sp>
         </mc:Fallback>
       </mc:AlternateContent>
+      <p:sp>
+        <p:nvSpPr>
+          <p:cNvPr id="4" name="TextBox 3">
+            <a:extLst>
+              <a:ext uri="{FF2B5EF4-FFF2-40B4-BE49-F238E27FC236}">
+                <a16:creationId xmlns:a16="http://schemas.microsoft.com/office/drawing/2014/main" id="{1A8EA251-12CA-0D4D-9A9F-B662E0000E53}"/>
+              </a:ext>
+            </a:extLst>
+          </p:cNvPr>
+          <p:cNvSpPr txBox="1"/>
+          <p:nvPr/>
+        </p:nvSpPr>
+        <p:spPr>
+          <a:xfrm>
+            <a:off x="719485" y="620688"/>
+            <a:ext cx="364202" cy="369332"/>
+          </a:xfrm>
+          <a:prstGeom prst="rect">
+            <a:avLst/>
+          </a:prstGeom>
+          <a:noFill/>
+        </p:spPr>
+        <p:txBody>
+          <a:bodyPr wrap="none" rtlCol="0">
+            <a:spAutoFit/>
+          </a:bodyPr>
+          <a:lstStyle/>
+          <a:p>
+            <a:r>
+              <a:rPr lang="en-US" dirty="0" err="1"/>
+              <a:t>x</a:t>
+            </a:r>
+            <a:r>
+              <a:rPr lang="en-US" baseline="-25000" dirty="0" err="1"/>
+              <a:t>b</a:t>
+            </a:r>
+            <a:endParaRPr lang="en-US" dirty="0"/>
+          </a:p>
+        </p:txBody>
+      </p:sp>
+      <p:sp>
+        <p:nvSpPr>
+          <p:cNvPr id="24" name="TextBox 23">
+            <a:extLst>
+              <a:ext uri="{FF2B5EF4-FFF2-40B4-BE49-F238E27FC236}">
+                <a16:creationId xmlns:a16="http://schemas.microsoft.com/office/drawing/2014/main" id="{CD4D3037-305F-8444-8231-8C44116B4F74}"/>
+              </a:ext>
+            </a:extLst>
+          </p:cNvPr>
+          <p:cNvSpPr txBox="1"/>
+          <p:nvPr/>
+        </p:nvSpPr>
+        <p:spPr>
+          <a:xfrm>
+            <a:off x="5149961" y="6184885"/>
+            <a:ext cx="356188" cy="369332"/>
+          </a:xfrm>
+          <a:prstGeom prst="rect">
+            <a:avLst/>
+          </a:prstGeom>
+          <a:noFill/>
+        </p:spPr>
+        <p:txBody>
+          <a:bodyPr wrap="none" rtlCol="0">
+            <a:spAutoFit/>
+          </a:bodyPr>
+          <a:lstStyle/>
+          <a:p>
+            <a:r>
+              <a:rPr lang="en-US" dirty="0" err="1"/>
+              <a:t>x</a:t>
+            </a:r>
+            <a:r>
+              <a:rPr lang="en-US" baseline="-25000" dirty="0" err="1"/>
+              <a:t>g</a:t>
+            </a:r>
+            <a:endParaRPr lang="en-US" dirty="0"/>
+          </a:p>
+        </p:txBody>
+      </p:sp>
     </p:spTree>
     <p:extLst>
       <p:ext uri="{BB962C8B-B14F-4D97-AF65-F5344CB8AC3E}">
@@ -3499,10 +3591,10 @@
         </p:nvGrpSpPr>
         <p:grpSpPr>
           <a:xfrm>
-            <a:off x="315454" y="714706"/>
-            <a:ext cx="4834507" cy="5454868"/>
-            <a:chOff x="1569149" y="630622"/>
-            <a:chExt cx="8079348" cy="5454868"/>
+            <a:off x="1098777" y="714706"/>
+            <a:ext cx="4051184" cy="5454868"/>
+            <a:chOff x="2878225" y="630622"/>
+            <a:chExt cx="6770272" cy="5454868"/>
           </a:xfrm>
         </p:grpSpPr>
         <p:sp>
@@ -3558,6 +3650,7 @@
             <a:bodyPr wrap="none" anchor="ctr"/>
             <a:lstStyle/>
             <a:p>
+              <a:pPr algn="ctr"/>
               <a:endParaRPr lang="de-DE" dirty="0">
                 <a:latin typeface="Helvetica Light" panose="020B0403020202020204" pitchFamily="34" charset="0"/>
               </a:endParaRPr>
@@ -3617,6 +3710,7 @@
             <a:bodyPr wrap="none" anchor="ctr"/>
             <a:lstStyle/>
             <a:p>
+              <a:pPr algn="ctr"/>
               <a:endParaRPr lang="de-DE" dirty="0">
                 <a:latin typeface="Helvetica Light" panose="020B0403020202020204" pitchFamily="34" charset="0"/>
               </a:endParaRPr>
@@ -3676,6 +3770,7 @@
             <a:bodyPr wrap="none" anchor="ctr"/>
             <a:lstStyle/>
             <a:p>
+              <a:pPr algn="ctr"/>
               <a:endParaRPr lang="de-DE" dirty="0">
                 <a:latin typeface="Helvetica Light" panose="020B0403020202020204" pitchFamily="34" charset="0"/>
               </a:endParaRPr>
@@ -3737,329 +3832,14 @@
             <a:bodyPr wrap="none" anchor="ctr"/>
             <a:lstStyle/>
             <a:p>
+              <a:pPr algn="ctr"/>
               <a:endParaRPr lang="de-DE" dirty="0">
                 <a:latin typeface="Helvetica Light" panose="020B0403020202020204" pitchFamily="34" charset="0"/>
               </a:endParaRPr>
             </a:p>
           </p:txBody>
         </p:sp>
-        <mc:AlternateContent xmlns:mc="http://schemas.openxmlformats.org/markup-compatibility/2006" xmlns:a14="http://schemas.microsoft.com/office/drawing/2010/main">
-          <mc:Choice Requires="a14">
-            <p:sp>
-              <p:nvSpPr>
-                <p:cNvPr id="2" name="TextBox 1">
-                  <a:extLst>
-                    <a:ext uri="{FF2B5EF4-FFF2-40B4-BE49-F238E27FC236}">
-                      <a16:creationId xmlns:a16="http://schemas.microsoft.com/office/drawing/2014/main" id="{0D5D00E4-32B1-5E4B-B925-3AD2A98A1873}"/>
-                    </a:ext>
-                  </a:extLst>
-                </p:cNvPr>
-                <p:cNvSpPr txBox="1"/>
-                <p:nvPr/>
-              </p:nvSpPr>
-              <p:spPr>
-                <a:xfrm>
-                  <a:off x="1569149" y="1363370"/>
-                  <a:ext cx="1168005" cy="276999"/>
-                </a:xfrm>
-                <a:prstGeom prst="rect">
-                  <a:avLst/>
-                </a:prstGeom>
-                <a:noFill/>
-              </p:spPr>
-              <p:txBody>
-                <a:bodyPr wrap="none" lIns="0" tIns="0" rIns="0" bIns="0" rtlCol="0">
-                  <a:spAutoFit/>
-                </a:bodyPr>
-                <a:lstStyle/>
-                <a:p>
-                  <a:pPr/>
-                  <a14:m>
-                    <m:oMathPara xmlns:m="http://schemas.openxmlformats.org/officeDocument/2006/math">
-                      <m:oMathParaPr>
-                        <m:jc m:val="centerGroup"/>
-                      </m:oMathParaPr>
-                      <m:oMath xmlns:m="http://schemas.openxmlformats.org/officeDocument/2006/math">
-                        <m:r>
-                          <a:rPr lang="en-GB">
-                            <a:latin typeface="Cambria Math" panose="02040503050406030204" pitchFamily="18" charset="0"/>
-                          </a:rPr>
-                          <m:t>£5000</m:t>
-                        </m:r>
-                      </m:oMath>
-                    </m:oMathPara>
-                  </a14:m>
-                  <a:endParaRPr lang="de-DE" dirty="0">
-                    <a:latin typeface="Helvetica Light" panose="020B0403020202020204" pitchFamily="34" charset="0"/>
-                  </a:endParaRPr>
-                </a:p>
-              </p:txBody>
-            </p:sp>
-          </mc:Choice>
-          <mc:Fallback xmlns="">
-            <p:sp>
-              <p:nvSpPr>
-                <p:cNvPr id="2" name="TextBox 1">
-                  <a:extLst>
-                    <a:ext uri="{FF2B5EF4-FFF2-40B4-BE49-F238E27FC236}">
-                      <a16:creationId xmlns:a16="http://schemas.microsoft.com/office/drawing/2014/main" id="{0D5D00E4-32B1-5E4B-B925-3AD2A98A1873}"/>
-                    </a:ext>
-                  </a:extLst>
-                </p:cNvPr>
-                <p:cNvSpPr txBox="1">
-                  <a:spLocks noRot="1" noChangeAspect="1" noMove="1" noResize="1" noEditPoints="1" noAdjustHandles="1" noChangeArrowheads="1" noChangeShapeType="1" noTextEdit="1"/>
-                </p:cNvSpPr>
-                <p:nvPr/>
-              </p:nvSpPr>
-              <p:spPr>
-                <a:xfrm>
-                  <a:off x="1569149" y="1363370"/>
-                  <a:ext cx="1168005" cy="276999"/>
-                </a:xfrm>
-                <a:prstGeom prst="rect">
-                  <a:avLst/>
-                </a:prstGeom>
-                <a:blipFill>
-                  <a:blip r:embed="rId2"/>
-                  <a:stretch>
-                    <a:fillRect l="-7143" r="-7143" b="-4348"/>
-                  </a:stretch>
-                </a:blipFill>
-              </p:spPr>
-              <p:txBody>
-                <a:bodyPr/>
-                <a:lstStyle/>
-                <a:p>
-                  <a:r>
-                    <a:rPr lang="de-DE">
-                      <a:noFill/>
-                    </a:rPr>
-                    <a:t> </a:t>
-                  </a:r>
-                </a:p>
-              </p:txBody>
-            </p:sp>
-          </mc:Fallback>
-        </mc:AlternateContent>
       </p:grpSp>
-      <p:sp>
-        <p:nvSpPr>
-          <p:cNvPr id="11" name="Line 8">
-            <a:extLst>
-              <a:ext uri="{FF2B5EF4-FFF2-40B4-BE49-F238E27FC236}">
-                <a16:creationId xmlns:a16="http://schemas.microsoft.com/office/drawing/2014/main" id="{929685E1-241C-A74F-9DF4-3A593FF3601A}"/>
-              </a:ext>
-            </a:extLst>
-          </p:cNvPr>
-          <p:cNvSpPr>
-            <a:spLocks noChangeShapeType="1"/>
-          </p:cNvSpPr>
-          <p:nvPr/>
-        </p:nvSpPr>
-        <p:spPr bwMode="auto">
-          <a:xfrm flipH="1">
-            <a:off x="1169114" y="2606971"/>
-            <a:ext cx="678952" cy="0"/>
-          </a:xfrm>
-          <a:prstGeom prst="line">
-            <a:avLst/>
-          </a:prstGeom>
-          <a:noFill/>
-          <a:ln w="12700">
-            <a:solidFill>
-              <a:schemeClr val="tx1"/>
-            </a:solidFill>
-            <a:prstDash val="dash"/>
-            <a:round/>
-            <a:headEnd type="none" w="sm" len="sm"/>
-            <a:tailEnd type="none" w="sm" len="sm"/>
-          </a:ln>
-          <a:effectLst/>
-          <a:extLst>
-            <a:ext uri="{909E8E84-426E-40DD-AFC4-6F175D3DCCD1}">
-              <a14:hiddenFill xmlns:a14="http://schemas.microsoft.com/office/drawing/2010/main">
-                <a:noFill/>
-              </a14:hiddenFill>
-            </a:ext>
-            <a:ext uri="{AF507438-7753-43E0-B8FC-AC1667EBCBE1}">
-              <a14:hiddenEffects xmlns:a14="http://schemas.microsoft.com/office/drawing/2010/main">
-                <a:effectLst>
-                  <a:outerShdw dist="35921" dir="2700000" algn="ctr" rotWithShape="0">
-                    <a:schemeClr val="bg2"/>
-                  </a:outerShdw>
-                </a:effectLst>
-              </a14:hiddenEffects>
-            </a:ext>
-          </a:extLst>
-        </p:spPr>
-        <p:txBody>
-          <a:bodyPr wrap="none" anchor="ctr"/>
-          <a:lstStyle/>
-          <a:p>
-            <a:endParaRPr lang="de-DE" dirty="0">
-              <a:latin typeface="Helvetica Light" panose="020B0403020202020204" pitchFamily="34" charset="0"/>
-            </a:endParaRPr>
-          </a:p>
-        </p:txBody>
-      </p:sp>
-      <p:sp>
-        <p:nvSpPr>
-          <p:cNvPr id="12" name="Line 7">
-            <a:extLst>
-              <a:ext uri="{FF2B5EF4-FFF2-40B4-BE49-F238E27FC236}">
-                <a16:creationId xmlns:a16="http://schemas.microsoft.com/office/drawing/2014/main" id="{B01FF1B0-968A-4447-8DDC-EA14F3E85C7B}"/>
-              </a:ext>
-            </a:extLst>
-          </p:cNvPr>
-          <p:cNvSpPr>
-            <a:spLocks noChangeShapeType="1"/>
-          </p:cNvSpPr>
-          <p:nvPr/>
-        </p:nvSpPr>
-        <p:spPr bwMode="auto">
-          <a:xfrm>
-            <a:off x="1827430" y="2606971"/>
-            <a:ext cx="0" cy="3562602"/>
-          </a:xfrm>
-          <a:prstGeom prst="line">
-            <a:avLst/>
-          </a:prstGeom>
-          <a:noFill/>
-          <a:ln w="12700">
-            <a:solidFill>
-              <a:schemeClr val="tx1"/>
-            </a:solidFill>
-            <a:prstDash val="dash"/>
-            <a:round/>
-            <a:headEnd type="none" w="sm" len="sm"/>
-            <a:tailEnd type="none" w="sm" len="sm"/>
-          </a:ln>
-          <a:effectLst/>
-          <a:extLst>
-            <a:ext uri="{909E8E84-426E-40DD-AFC4-6F175D3DCCD1}">
-              <a14:hiddenFill xmlns:a14="http://schemas.microsoft.com/office/drawing/2010/main">
-                <a:noFill/>
-              </a14:hiddenFill>
-            </a:ext>
-            <a:ext uri="{AF507438-7753-43E0-B8FC-AC1667EBCBE1}">
-              <a14:hiddenEffects xmlns:a14="http://schemas.microsoft.com/office/drawing/2010/main">
-                <a:effectLst>
-                  <a:outerShdw dist="35921" dir="2700000" algn="ctr" rotWithShape="0">
-                    <a:schemeClr val="bg2"/>
-                  </a:outerShdw>
-                </a:effectLst>
-              </a14:hiddenEffects>
-            </a:ext>
-          </a:extLst>
-        </p:spPr>
-        <p:txBody>
-          <a:bodyPr wrap="none" anchor="ctr"/>
-          <a:lstStyle/>
-          <a:p>
-            <a:endParaRPr lang="de-DE" dirty="0">
-              <a:latin typeface="Helvetica Light" panose="020B0403020202020204" pitchFamily="34" charset="0"/>
-            </a:endParaRPr>
-          </a:p>
-        </p:txBody>
-      </p:sp>
-      <mc:AlternateContent xmlns:mc="http://schemas.openxmlformats.org/markup-compatibility/2006">
-        <mc:Choice xmlns:a14="http://schemas.microsoft.com/office/drawing/2010/main" Requires="a14">
-          <p:sp>
-            <p:nvSpPr>
-              <p:cNvPr id="13" name="TextBox 12">
-                <a:extLst>
-                  <a:ext uri="{FF2B5EF4-FFF2-40B4-BE49-F238E27FC236}">
-                    <a16:creationId xmlns:a16="http://schemas.microsoft.com/office/drawing/2014/main" id="{CFC881D7-D917-864C-B99C-C825FD3C7BF5}"/>
-                  </a:ext>
-                </a:extLst>
-              </p:cNvPr>
-              <p:cNvSpPr txBox="1"/>
-              <p:nvPr/>
-            </p:nvSpPr>
-            <p:spPr>
-              <a:xfrm>
-                <a:off x="382822" y="2468476"/>
-                <a:ext cx="698909" cy="276999"/>
-              </a:xfrm>
-              <a:prstGeom prst="rect">
-                <a:avLst/>
-              </a:prstGeom>
-              <a:noFill/>
-            </p:spPr>
-            <p:txBody>
-              <a:bodyPr wrap="none" lIns="0" tIns="0" rIns="0" bIns="0" rtlCol="0">
-                <a:spAutoFit/>
-              </a:bodyPr>
-              <a:lstStyle/>
-              <a:p>
-                <a:pPr/>
-                <a14:m>
-                  <m:oMathPara xmlns:m="http://schemas.openxmlformats.org/officeDocument/2006/math">
-                    <m:oMathParaPr>
-                      <m:jc m:val="centerGroup"/>
-                    </m:oMathParaPr>
-                    <m:oMath xmlns:m="http://schemas.openxmlformats.org/officeDocument/2006/math">
-                      <m:r>
-                        <a:rPr lang="en-GB">
-                          <a:latin typeface="Cambria Math" panose="02040503050406030204" pitchFamily="18" charset="0"/>
-                        </a:rPr>
-                        <m:t>£4300</m:t>
-                      </m:r>
-                    </m:oMath>
-                  </m:oMathPara>
-                </a14:m>
-                <a:endParaRPr lang="de-DE" dirty="0">
-                  <a:latin typeface="Helvetica Light" panose="020B0403020202020204" pitchFamily="34" charset="0"/>
-                </a:endParaRPr>
-              </a:p>
-            </p:txBody>
-          </p:sp>
-        </mc:Choice>
-        <mc:Fallback>
-          <p:sp>
-            <p:nvSpPr>
-              <p:cNvPr id="13" name="TextBox 12">
-                <a:extLst>
-                  <a:ext uri="{FF2B5EF4-FFF2-40B4-BE49-F238E27FC236}">
-                    <a16:creationId xmlns:a16="http://schemas.microsoft.com/office/drawing/2014/main" id="{CFC881D7-D917-864C-B99C-C825FD3C7BF5}"/>
-                  </a:ext>
-                </a:extLst>
-              </p:cNvPr>
-              <p:cNvSpPr txBox="1">
-                <a:spLocks noRot="1" noChangeAspect="1" noMove="1" noResize="1" noEditPoints="1" noAdjustHandles="1" noChangeArrowheads="1" noChangeShapeType="1" noTextEdit="1"/>
-              </p:cNvSpPr>
-              <p:nvPr/>
-            </p:nvSpPr>
-            <p:spPr>
-              <a:xfrm>
-                <a:off x="382822" y="2468476"/>
-                <a:ext cx="698909" cy="276999"/>
-              </a:xfrm>
-              <a:prstGeom prst="rect">
-                <a:avLst/>
-              </a:prstGeom>
-              <a:blipFill>
-                <a:blip r:embed="rId3"/>
-                <a:stretch>
-                  <a:fillRect l="-7273" r="-7273" b="-4348"/>
-                </a:stretch>
-              </a:blipFill>
-            </p:spPr>
-            <p:txBody>
-              <a:bodyPr/>
-              <a:lstStyle/>
-              <a:p>
-                <a:r>
-                  <a:rPr lang="en-US">
-                    <a:noFill/>
-                  </a:rPr>
-                  <a:t> </a:t>
-                </a:r>
-              </a:p>
-            </p:txBody>
-          </p:sp>
-        </mc:Fallback>
-      </mc:AlternateContent>
       <mc:AlternateContent xmlns:mc="http://schemas.openxmlformats.org/markup-compatibility/2006">
         <mc:Choice xmlns:a14="http://schemas.microsoft.com/office/drawing/2010/main" Requires="a14">
           <p:sp>
@@ -4076,8 +3856,8 @@
             </p:nvSpPr>
             <p:spPr>
               <a:xfrm>
-                <a:off x="1483588" y="6331647"/>
-                <a:ext cx="698909" cy="276999"/>
+                <a:off x="2173704" y="6300378"/>
+                <a:ext cx="798295" cy="276999"/>
               </a:xfrm>
               <a:prstGeom prst="rect">
                 <a:avLst/>
@@ -4090,7 +3870,7 @@
               </a:bodyPr>
               <a:lstStyle/>
               <a:p>
-                <a:pPr/>
+                <a:pPr algn="ctr"/>
                 <a14:m>
                   <m:oMathPara xmlns:m="http://schemas.openxmlformats.org/officeDocument/2006/math">
                     <m:oMathParaPr>
@@ -4098,10 +3878,16 @@
                     </m:oMathParaPr>
                     <m:oMath xmlns:m="http://schemas.openxmlformats.org/officeDocument/2006/math">
                       <m:r>
-                        <a:rPr lang="en-GB">
+                        <a:rPr lang="en-GB" smtClean="0">
                           <a:latin typeface="Cambria Math" panose="02040503050406030204" pitchFamily="18" charset="0"/>
                         </a:rPr>
-                        <m:t>£1400</m:t>
+                        <m:t>£</m:t>
+                      </m:r>
+                      <m:r>
+                        <a:rPr lang="en-GB" b="0" i="0" smtClean="0">
+                          <a:latin typeface="Cambria Math" panose="02040503050406030204" pitchFamily="18" charset="0"/>
+                        </a:rPr>
+                        <m:t> 2,500</m:t>
                       </m:r>
                     </m:oMath>
                   </m:oMathPara>
@@ -4130,16 +3916,16 @@
             </p:nvSpPr>
             <p:spPr>
               <a:xfrm>
-                <a:off x="1483588" y="6331647"/>
-                <a:ext cx="698909" cy="276999"/>
+                <a:off x="2173704" y="6300378"/>
+                <a:ext cx="798295" cy="276999"/>
               </a:xfrm>
               <a:prstGeom prst="rect">
                 <a:avLst/>
               </a:prstGeom>
               <a:blipFill>
-                <a:blip r:embed="rId4"/>
+                <a:blip r:embed="rId2"/>
                 <a:stretch>
-                  <a:fillRect l="-5357" r="-7143" b="-4348"/>
+                  <a:fillRect l="-9375" t="-9091" r="-1563" b="-40909"/>
                 </a:stretch>
               </a:blipFill>
             </p:spPr>
@@ -4186,6 +3972,7 @@
           </a:bodyPr>
           <a:lstStyle/>
           <a:p>
+            <a:pPr algn="ctr"/>
             <a:r>
               <a:rPr lang="de-DE" dirty="0" err="1">
                 <a:latin typeface="Helvetica Light" panose="020B0403020202020204" pitchFamily="34" charset="0"/>
@@ -4210,67 +3997,6 @@
               </a:rPr>
               <a:t> optimal??</a:t>
             </a:r>
-          </a:p>
-        </p:txBody>
-      </p:sp>
-      <p:sp>
-        <p:nvSpPr>
-          <p:cNvPr id="16" name="Oval 14">
-            <a:extLst>
-              <a:ext uri="{FF2B5EF4-FFF2-40B4-BE49-F238E27FC236}">
-                <a16:creationId xmlns:a16="http://schemas.microsoft.com/office/drawing/2014/main" id="{D38A9E78-5451-014B-8A6C-1269713417C0}"/>
-              </a:ext>
-            </a:extLst>
-          </p:cNvPr>
-          <p:cNvSpPr>
-            <a:spLocks noChangeArrowheads="1"/>
-          </p:cNvSpPr>
-          <p:nvPr/>
-        </p:nvSpPr>
-        <p:spPr bwMode="auto">
-          <a:xfrm>
-            <a:off x="1768901" y="2543547"/>
-            <a:ext cx="117054" cy="126857"/>
-          </a:xfrm>
-          <a:prstGeom prst="ellipse">
-            <a:avLst/>
-          </a:prstGeom>
-          <a:solidFill>
-            <a:schemeClr val="accent1"/>
-          </a:solidFill>
-          <a:ln>
-            <a:noFill/>
-          </a:ln>
-          <a:effectLst/>
-          <a:extLst>
-            <a:ext uri="{91240B29-F687-4F45-9708-019B960494DF}">
-              <a14:hiddenLine xmlns:a14="http://schemas.microsoft.com/office/drawing/2010/main" w="12700">
-                <a:solidFill>
-                  <a:schemeClr val="tx1"/>
-                </a:solidFill>
-                <a:round/>
-                <a:headEnd type="none" w="sm" len="sm"/>
-                <a:tailEnd type="none" w="sm" len="sm"/>
-              </a14:hiddenLine>
-            </a:ext>
-            <a:ext uri="{AF507438-7753-43E0-B8FC-AC1667EBCBE1}">
-              <a14:hiddenEffects xmlns:a14="http://schemas.microsoft.com/office/drawing/2010/main">
-                <a:effectLst>
-                  <a:outerShdw dist="35921" dir="2700000" algn="ctr" rotWithShape="0">
-                    <a:schemeClr val="bg2"/>
-                  </a:outerShdw>
-                </a:effectLst>
-              </a14:hiddenEffects>
-            </a:ext>
-          </a:extLst>
-        </p:spPr>
-        <p:txBody>
-          <a:bodyPr wrap="none" anchor="ctr"/>
-          <a:lstStyle/>
-          <a:p>
-            <a:endParaRPr lang="de-DE" dirty="0">
-              <a:latin typeface="Helvetica Light" panose="020B0403020202020204" pitchFamily="34" charset="0"/>
-            </a:endParaRPr>
           </a:p>
         </p:txBody>
       </p:sp>
@@ -4328,6 +4054,7 @@
           <a:bodyPr wrap="none" anchor="ctr"/>
           <a:lstStyle/>
           <a:p>
+            <a:pPr algn="ctr"/>
             <a:endParaRPr lang="de-DE" dirty="0">
               <a:latin typeface="Helvetica Light" panose="020B0403020202020204" pitchFamily="34" charset="0"/>
             </a:endParaRPr>
@@ -4388,6 +4115,7 @@
           <a:bodyPr wrap="none" anchor="ctr"/>
           <a:lstStyle/>
           <a:p>
+            <a:pPr algn="ctr"/>
             <a:endParaRPr lang="de-DE" dirty="0">
               <a:latin typeface="Helvetica Light" panose="020B0403020202020204" pitchFamily="34" charset="0"/>
             </a:endParaRPr>
@@ -4449,6 +4177,7 @@
           <a:bodyPr wrap="none" anchor="ctr"/>
           <a:lstStyle/>
           <a:p>
+            <a:pPr algn="ctr"/>
             <a:endParaRPr lang="de-DE" dirty="0">
               <a:latin typeface="Helvetica Light" panose="020B0403020202020204" pitchFamily="34" charset="0"/>
             </a:endParaRPr>
@@ -4510,6 +4239,7 @@
           <a:bodyPr wrap="none" anchor="ctr"/>
           <a:lstStyle/>
           <a:p>
+            <a:pPr algn="ctr"/>
             <a:endParaRPr lang="de-DE" dirty="0">
               <a:latin typeface="Helvetica Light" panose="020B0403020202020204" pitchFamily="34" charset="0"/>
             </a:endParaRPr>
@@ -4532,8 +4262,8 @@
         </p:nvSpPr>
         <p:spPr bwMode="auto">
           <a:xfrm flipH="1" flipV="1">
-            <a:off x="1011542" y="4765699"/>
-            <a:ext cx="2244510" cy="6379"/>
+            <a:off x="1169114" y="4772077"/>
+            <a:ext cx="2086938" cy="0"/>
           </a:xfrm>
           <a:prstGeom prst="line">
             <a:avLst/>
@@ -4570,6 +4300,7 @@
           <a:bodyPr wrap="none" anchor="ctr"/>
           <a:lstStyle/>
           <a:p>
+            <a:pPr algn="ctr"/>
             <a:endParaRPr lang="de-DE" dirty="0">
               <a:latin typeface="Helvetica Light" panose="020B0403020202020204" pitchFamily="34" charset="0"/>
             </a:endParaRPr>
@@ -4591,9 +4322,9 @@
           <p:nvPr/>
         </p:nvSpPr>
         <p:spPr bwMode="auto">
-          <a:xfrm>
-            <a:off x="3256050" y="4772078"/>
-            <a:ext cx="0" cy="1397503"/>
+          <a:xfrm flipH="1">
+            <a:off x="3256049" y="4772078"/>
+            <a:ext cx="1" cy="1673149"/>
           </a:xfrm>
           <a:prstGeom prst="line">
             <a:avLst/>
@@ -4630,6 +4361,7 @@
           <a:bodyPr wrap="none" anchor="ctr"/>
           <a:lstStyle/>
           <a:p>
+            <a:pPr algn="ctr"/>
             <a:endParaRPr lang="de-DE" dirty="0">
               <a:latin typeface="Helvetica Light" panose="020B0403020202020204" pitchFamily="34" charset="0"/>
             </a:endParaRPr>
@@ -4666,7 +4398,7 @@
               </a:bodyPr>
               <a:lstStyle/>
               <a:p>
-                <a:pPr/>
+                <a:pPr algn="ctr"/>
                 <a14:m>
                   <m:oMathPara xmlns:m="http://schemas.openxmlformats.org/officeDocument/2006/math">
                     <m:oMathParaPr>
@@ -4725,9 +4457,456 @@
                 <a:avLst/>
               </a:prstGeom>
               <a:blipFill>
+                <a:blip r:embed="rId3"/>
+                <a:stretch>
+                  <a:fillRect l="-10169" r="-1695" b="-8696"/>
+                </a:stretch>
+              </a:blipFill>
+            </p:spPr>
+            <p:txBody>
+              <a:bodyPr/>
+              <a:lstStyle/>
+              <a:p>
+                <a:r>
+                  <a:rPr lang="en-US">
+                    <a:noFill/>
+                  </a:rPr>
+                  <a:t> </a:t>
+                </a:r>
+              </a:p>
+            </p:txBody>
+          </p:sp>
+        </mc:Fallback>
+      </mc:AlternateContent>
+      <p:sp>
+        <p:nvSpPr>
+          <p:cNvPr id="26" name="TextBox 25">
+            <a:extLst>
+              <a:ext uri="{FF2B5EF4-FFF2-40B4-BE49-F238E27FC236}">
+                <a16:creationId xmlns:a16="http://schemas.microsoft.com/office/drawing/2014/main" id="{16F0B847-D038-3348-8517-960BD8814157}"/>
+              </a:ext>
+            </a:extLst>
+          </p:cNvPr>
+          <p:cNvSpPr txBox="1"/>
+          <p:nvPr/>
+        </p:nvSpPr>
+        <p:spPr>
+          <a:xfrm>
+            <a:off x="719485" y="620688"/>
+            <a:ext cx="364202" cy="369332"/>
+          </a:xfrm>
+          <a:prstGeom prst="rect">
+            <a:avLst/>
+          </a:prstGeom>
+          <a:noFill/>
+        </p:spPr>
+        <p:txBody>
+          <a:bodyPr wrap="none" rtlCol="0">
+            <a:spAutoFit/>
+          </a:bodyPr>
+          <a:lstStyle/>
+          <a:p>
+            <a:pPr algn="ctr"/>
+            <a:r>
+              <a:rPr lang="en-US" dirty="0" err="1"/>
+              <a:t>x</a:t>
+            </a:r>
+            <a:r>
+              <a:rPr lang="en-US" baseline="-25000" dirty="0" err="1"/>
+              <a:t>b</a:t>
+            </a:r>
+            <a:endParaRPr lang="en-US" dirty="0"/>
+          </a:p>
+        </p:txBody>
+      </p:sp>
+      <p:sp>
+        <p:nvSpPr>
+          <p:cNvPr id="27" name="TextBox 26">
+            <a:extLst>
+              <a:ext uri="{FF2B5EF4-FFF2-40B4-BE49-F238E27FC236}">
+                <a16:creationId xmlns:a16="http://schemas.microsoft.com/office/drawing/2014/main" id="{D8CEDF42-5059-6748-8DBA-20BCDCAF85A5}"/>
+              </a:ext>
+            </a:extLst>
+          </p:cNvPr>
+          <p:cNvSpPr txBox="1"/>
+          <p:nvPr/>
+        </p:nvSpPr>
+        <p:spPr>
+          <a:xfrm>
+            <a:off x="5149961" y="6184885"/>
+            <a:ext cx="356188" cy="369332"/>
+          </a:xfrm>
+          <a:prstGeom prst="rect">
+            <a:avLst/>
+          </a:prstGeom>
+          <a:noFill/>
+        </p:spPr>
+        <p:txBody>
+          <a:bodyPr wrap="none" rtlCol="0">
+            <a:spAutoFit/>
+          </a:bodyPr>
+          <a:lstStyle/>
+          <a:p>
+            <a:pPr algn="ctr"/>
+            <a:r>
+              <a:rPr lang="en-US" dirty="0" err="1"/>
+              <a:t>x</a:t>
+            </a:r>
+            <a:r>
+              <a:rPr lang="en-US" baseline="-25000" dirty="0" err="1"/>
+              <a:t>g</a:t>
+            </a:r>
+            <a:endParaRPr lang="en-US" dirty="0"/>
+          </a:p>
+        </p:txBody>
+      </p:sp>
+      <mc:AlternateContent xmlns:mc="http://schemas.openxmlformats.org/markup-compatibility/2006">
+        <mc:Choice xmlns:a14="http://schemas.microsoft.com/office/drawing/2010/main" Requires="a14">
+          <p:sp>
+            <p:nvSpPr>
+              <p:cNvPr id="37" name="TextBox 36">
+                <a:extLst>
+                  <a:ext uri="{FF2B5EF4-FFF2-40B4-BE49-F238E27FC236}">
+                    <a16:creationId xmlns:a16="http://schemas.microsoft.com/office/drawing/2014/main" id="{F91E7F19-5E74-5A46-ACA5-C9824155ED80}"/>
+                  </a:ext>
+                </a:extLst>
+              </p:cNvPr>
+              <p:cNvSpPr txBox="1"/>
+              <p:nvPr/>
+            </p:nvSpPr>
+            <p:spPr>
+              <a:xfrm>
+                <a:off x="131284" y="1464208"/>
+                <a:ext cx="875240" cy="276999"/>
+              </a:xfrm>
+              <a:prstGeom prst="rect">
+                <a:avLst/>
+              </a:prstGeom>
+              <a:noFill/>
+            </p:spPr>
+            <p:txBody>
+              <a:bodyPr wrap="none" lIns="0" tIns="0" rIns="0" bIns="0" rtlCol="0">
+                <a:spAutoFit/>
+              </a:bodyPr>
+              <a:lstStyle/>
+              <a:p>
+                <a:pPr/>
+                <a14:m>
+                  <m:oMathPara xmlns:m="http://schemas.openxmlformats.org/officeDocument/2006/math">
+                    <m:oMathParaPr>
+                      <m:jc m:val="centerGroup"/>
+                    </m:oMathParaPr>
+                    <m:oMath xmlns:m="http://schemas.openxmlformats.org/officeDocument/2006/math">
+                      <m:r>
+                        <a:rPr lang="en-GB" smtClean="0">
+                          <a:latin typeface="Cambria Math" panose="02040503050406030204" pitchFamily="18" charset="0"/>
+                        </a:rPr>
+                        <m:t>£</m:t>
+                      </m:r>
+                      <m:r>
+                        <a:rPr lang="en-GB" b="0" i="0" smtClean="0">
+                          <a:latin typeface="Cambria Math" panose="02040503050406030204" pitchFamily="18" charset="0"/>
+                        </a:rPr>
+                        <m:t>10,</m:t>
+                      </m:r>
+                      <m:r>
+                        <a:rPr lang="en-GB">
+                          <a:latin typeface="Cambria Math" panose="02040503050406030204" pitchFamily="18" charset="0"/>
+                        </a:rPr>
+                        <m:t>000</m:t>
+                      </m:r>
+                    </m:oMath>
+                  </m:oMathPara>
+                </a14:m>
+                <a:endParaRPr lang="de-DE" dirty="0">
+                  <a:latin typeface="Helvetica Light" panose="020B0403020202020204" pitchFamily="34" charset="0"/>
+                </a:endParaRPr>
+              </a:p>
+            </p:txBody>
+          </p:sp>
+        </mc:Choice>
+        <mc:Fallback>
+          <p:sp>
+            <p:nvSpPr>
+              <p:cNvPr id="37" name="TextBox 36">
+                <a:extLst>
+                  <a:ext uri="{FF2B5EF4-FFF2-40B4-BE49-F238E27FC236}">
+                    <a16:creationId xmlns:a16="http://schemas.microsoft.com/office/drawing/2014/main" id="{F91E7F19-5E74-5A46-ACA5-C9824155ED80}"/>
+                  </a:ext>
+                </a:extLst>
+              </p:cNvPr>
+              <p:cNvSpPr txBox="1">
+                <a:spLocks noRot="1" noChangeAspect="1" noMove="1" noResize="1" noEditPoints="1" noAdjustHandles="1" noChangeArrowheads="1" noChangeShapeType="1" noTextEdit="1"/>
+              </p:cNvSpPr>
+              <p:nvPr/>
+            </p:nvSpPr>
+            <p:spPr>
+              <a:xfrm>
+                <a:off x="131284" y="1464208"/>
+                <a:ext cx="875240" cy="276999"/>
+              </a:xfrm>
+              <a:prstGeom prst="rect">
+                <a:avLst/>
+              </a:prstGeom>
+              <a:blipFill>
+                <a:blip r:embed="rId4"/>
+                <a:stretch>
+                  <a:fillRect l="-5714" r="-4286" b="-4348"/>
+                </a:stretch>
+              </a:blipFill>
+            </p:spPr>
+            <p:txBody>
+              <a:bodyPr/>
+              <a:lstStyle/>
+              <a:p>
+                <a:r>
+                  <a:rPr lang="en-US">
+                    <a:noFill/>
+                  </a:rPr>
+                  <a:t> </a:t>
+                </a:r>
+              </a:p>
+            </p:txBody>
+          </p:sp>
+        </mc:Fallback>
+      </mc:AlternateContent>
+      <mc:AlternateContent xmlns:mc="http://schemas.openxmlformats.org/markup-compatibility/2006">
+        <mc:Choice xmlns:a14="http://schemas.microsoft.com/office/drawing/2010/main" Requires="a14">
+          <p:sp>
+            <p:nvSpPr>
+              <p:cNvPr id="39" name="TextBox 38">
+                <a:extLst>
+                  <a:ext uri="{FF2B5EF4-FFF2-40B4-BE49-F238E27FC236}">
+                    <a16:creationId xmlns:a16="http://schemas.microsoft.com/office/drawing/2014/main" id="{0290C697-251A-AA45-9166-613117013830}"/>
+                  </a:ext>
+                </a:extLst>
+              </p:cNvPr>
+              <p:cNvSpPr txBox="1"/>
+              <p:nvPr/>
+            </p:nvSpPr>
+            <p:spPr>
+              <a:xfrm>
+                <a:off x="280459" y="3747641"/>
+                <a:ext cx="746999" cy="276999"/>
+              </a:xfrm>
+              <a:prstGeom prst="rect">
+                <a:avLst/>
+              </a:prstGeom>
+              <a:noFill/>
+            </p:spPr>
+            <p:txBody>
+              <a:bodyPr wrap="none" lIns="0" tIns="0" rIns="0" bIns="0" rtlCol="0">
+                <a:spAutoFit/>
+              </a:bodyPr>
+              <a:lstStyle/>
+              <a:p>
+                <a:pPr algn="ctr"/>
+                <a14:m>
+                  <m:oMathPara xmlns:m="http://schemas.openxmlformats.org/officeDocument/2006/math">
+                    <m:oMathParaPr>
+                      <m:jc m:val="centerGroup"/>
+                    </m:oMathParaPr>
+                    <m:oMath xmlns:m="http://schemas.openxmlformats.org/officeDocument/2006/math">
+                      <m:r>
+                        <a:rPr lang="en-GB" smtClean="0">
+                          <a:latin typeface="Cambria Math" panose="02040503050406030204" pitchFamily="18" charset="0"/>
+                        </a:rPr>
+                        <m:t>£</m:t>
+                      </m:r>
+                      <m:r>
+                        <a:rPr lang="en-GB" b="0" i="0" smtClean="0">
+                          <a:latin typeface="Cambria Math" panose="02040503050406030204" pitchFamily="18" charset="0"/>
+                        </a:rPr>
+                        <m:t>5</m:t>
+                      </m:r>
+                      <m:r>
+                        <a:rPr lang="en-GB">
+                          <a:latin typeface="Cambria Math" panose="02040503050406030204" pitchFamily="18" charset="0"/>
+                        </a:rPr>
+                        <m:t>,000</m:t>
+                      </m:r>
+                    </m:oMath>
+                  </m:oMathPara>
+                </a14:m>
+                <a:endParaRPr lang="de-DE" dirty="0">
+                  <a:latin typeface="Helvetica Light" panose="020B0403020202020204" pitchFamily="34" charset="0"/>
+                </a:endParaRPr>
+              </a:p>
+            </p:txBody>
+          </p:sp>
+        </mc:Choice>
+        <mc:Fallback>
+          <p:sp>
+            <p:nvSpPr>
+              <p:cNvPr id="39" name="TextBox 38">
+                <a:extLst>
+                  <a:ext uri="{FF2B5EF4-FFF2-40B4-BE49-F238E27FC236}">
+                    <a16:creationId xmlns:a16="http://schemas.microsoft.com/office/drawing/2014/main" id="{0290C697-251A-AA45-9166-613117013830}"/>
+                  </a:ext>
+                </a:extLst>
+              </p:cNvPr>
+              <p:cNvSpPr txBox="1">
+                <a:spLocks noRot="1" noChangeAspect="1" noMove="1" noResize="1" noEditPoints="1" noAdjustHandles="1" noChangeArrowheads="1" noChangeShapeType="1" noTextEdit="1"/>
+              </p:cNvSpPr>
+              <p:nvPr/>
+            </p:nvSpPr>
+            <p:spPr>
+              <a:xfrm>
+                <a:off x="280459" y="3747641"/>
+                <a:ext cx="746999" cy="276999"/>
+              </a:xfrm>
+              <a:prstGeom prst="rect">
+                <a:avLst/>
+              </a:prstGeom>
+              <a:blipFill>
                 <a:blip r:embed="rId5"/>
                 <a:stretch>
-                  <a:fillRect l="-6780" r="-6780" b="-8696"/>
+                  <a:fillRect l="-10000" r="-1667" b="-9091"/>
+                </a:stretch>
+              </a:blipFill>
+            </p:spPr>
+            <p:txBody>
+              <a:bodyPr/>
+              <a:lstStyle/>
+              <a:p>
+                <a:r>
+                  <a:rPr lang="en-US">
+                    <a:noFill/>
+                  </a:rPr>
+                  <a:t> </a:t>
+                </a:r>
+              </a:p>
+            </p:txBody>
+          </p:sp>
+        </mc:Fallback>
+      </mc:AlternateContent>
+      <p:sp>
+        <p:nvSpPr>
+          <p:cNvPr id="33" name="TextBox 32">
+            <a:extLst>
+              <a:ext uri="{FF2B5EF4-FFF2-40B4-BE49-F238E27FC236}">
+                <a16:creationId xmlns:a16="http://schemas.microsoft.com/office/drawing/2014/main" id="{F128BBB6-2218-6E48-8A81-CB18984BFC22}"/>
+              </a:ext>
+            </a:extLst>
+          </p:cNvPr>
+          <p:cNvSpPr txBox="1"/>
+          <p:nvPr/>
+        </p:nvSpPr>
+        <p:spPr>
+          <a:xfrm>
+            <a:off x="2879725" y="6445230"/>
+            <a:ext cx="880369" cy="369332"/>
+          </a:xfrm>
+          <a:prstGeom prst="rect">
+            <a:avLst/>
+          </a:prstGeom>
+          <a:noFill/>
+        </p:spPr>
+        <p:txBody>
+          <a:bodyPr wrap="none" rtlCol="0">
+            <a:spAutoFit/>
+          </a:bodyPr>
+          <a:lstStyle/>
+          <a:p>
+            <a:r>
+              <a:rPr lang="en-US" dirty="0"/>
+              <a:t>£ 3,500</a:t>
+            </a:r>
+          </a:p>
+        </p:txBody>
+      </p:sp>
+      <mc:AlternateContent xmlns:mc="http://schemas.openxmlformats.org/markup-compatibility/2006">
+        <mc:Choice xmlns:a14="http://schemas.microsoft.com/office/drawing/2010/main" Requires="a14">
+          <p:sp>
+            <p:nvSpPr>
+              <p:cNvPr id="41" name="TextBox 40">
+                <a:extLst>
+                  <a:ext uri="{FF2B5EF4-FFF2-40B4-BE49-F238E27FC236}">
+                    <a16:creationId xmlns:a16="http://schemas.microsoft.com/office/drawing/2014/main" id="{10F6A10D-B6E2-1942-A85D-8C8702C941FB}"/>
+                  </a:ext>
+                </a:extLst>
+              </p:cNvPr>
+              <p:cNvSpPr txBox="1"/>
+              <p:nvPr/>
+            </p:nvSpPr>
+            <p:spPr>
+              <a:xfrm>
+                <a:off x="380126" y="4641168"/>
+                <a:ext cx="746999" cy="276999"/>
+              </a:xfrm>
+              <a:prstGeom prst="rect">
+                <a:avLst/>
+              </a:prstGeom>
+              <a:noFill/>
+            </p:spPr>
+            <p:txBody>
+              <a:bodyPr wrap="none" lIns="0" tIns="0" rIns="0" bIns="0" rtlCol="0">
+                <a:spAutoFit/>
+              </a:bodyPr>
+              <a:lstStyle/>
+              <a:p>
+                <a:pPr algn="ctr"/>
+                <a14:m>
+                  <m:oMathPara xmlns:m="http://schemas.openxmlformats.org/officeDocument/2006/math">
+                    <m:oMathParaPr>
+                      <m:jc m:val="centerGroup"/>
+                    </m:oMathParaPr>
+                    <m:oMath xmlns:m="http://schemas.openxmlformats.org/officeDocument/2006/math">
+                      <m:r>
+                        <a:rPr lang="en-GB" smtClean="0">
+                          <a:latin typeface="Cambria Math" panose="02040503050406030204" pitchFamily="18" charset="0"/>
+                        </a:rPr>
+                        <m:t>£</m:t>
+                      </m:r>
+                      <m:r>
+                        <a:rPr lang="en-GB" b="0" i="0" smtClean="0">
+                          <a:latin typeface="Cambria Math" panose="02040503050406030204" pitchFamily="18" charset="0"/>
+                        </a:rPr>
+                        <m:t>3</m:t>
+                      </m:r>
+                      <m:r>
+                        <a:rPr lang="en-GB">
+                          <a:latin typeface="Cambria Math" panose="02040503050406030204" pitchFamily="18" charset="0"/>
+                        </a:rPr>
+                        <m:t>,000</m:t>
+                      </m:r>
+                    </m:oMath>
+                  </m:oMathPara>
+                </a14:m>
+                <a:endParaRPr lang="de-DE" dirty="0">
+                  <a:latin typeface="Helvetica Light" panose="020B0403020202020204" pitchFamily="34" charset="0"/>
+                </a:endParaRPr>
+              </a:p>
+            </p:txBody>
+          </p:sp>
+        </mc:Choice>
+        <mc:Fallback>
+          <p:sp>
+            <p:nvSpPr>
+              <p:cNvPr id="41" name="TextBox 40">
+                <a:extLst>
+                  <a:ext uri="{FF2B5EF4-FFF2-40B4-BE49-F238E27FC236}">
+                    <a16:creationId xmlns:a16="http://schemas.microsoft.com/office/drawing/2014/main" id="{10F6A10D-B6E2-1942-A85D-8C8702C941FB}"/>
+                  </a:ext>
+                </a:extLst>
+              </p:cNvPr>
+              <p:cNvSpPr txBox="1">
+                <a:spLocks noRot="1" noChangeAspect="1" noMove="1" noResize="1" noEditPoints="1" noAdjustHandles="1" noChangeArrowheads="1" noChangeShapeType="1" noTextEdit="1"/>
+              </p:cNvSpPr>
+              <p:nvPr/>
+            </p:nvSpPr>
+            <p:spPr>
+              <a:xfrm>
+                <a:off x="380126" y="4641168"/>
+                <a:ext cx="746999" cy="276999"/>
+              </a:xfrm>
+              <a:prstGeom prst="rect">
+                <a:avLst/>
+              </a:prstGeom>
+              <a:blipFill>
+                <a:blip r:embed="rId6"/>
+                <a:stretch>
+                  <a:fillRect l="-8333" r="-1667" b="-4348"/>
                 </a:stretch>
               </a:blipFill>
             </p:spPr>
@@ -4790,10 +4969,10 @@
         </p:nvGrpSpPr>
         <p:grpSpPr>
           <a:xfrm>
-            <a:off x="315453" y="714706"/>
-            <a:ext cx="4834507" cy="5454868"/>
-            <a:chOff x="1569149" y="630622"/>
-            <a:chExt cx="8079348" cy="5454868"/>
+            <a:off x="1098776" y="714706"/>
+            <a:ext cx="4051184" cy="5454868"/>
+            <a:chOff x="2878225" y="630622"/>
+            <a:chExt cx="6770272" cy="5454868"/>
           </a:xfrm>
         </p:grpSpPr>
         <p:sp>
@@ -5034,301 +5213,7 @@
             </a:p>
           </p:txBody>
         </p:sp>
-        <mc:AlternateContent xmlns:mc="http://schemas.openxmlformats.org/markup-compatibility/2006" xmlns:a14="http://schemas.microsoft.com/office/drawing/2010/main">
-          <mc:Choice Requires="a14">
-            <p:sp>
-              <p:nvSpPr>
-                <p:cNvPr id="2" name="TextBox 1">
-                  <a:extLst>
-                    <a:ext uri="{FF2B5EF4-FFF2-40B4-BE49-F238E27FC236}">
-                      <a16:creationId xmlns:a16="http://schemas.microsoft.com/office/drawing/2014/main" id="{0D5D00E4-32B1-5E4B-B925-3AD2A98A1873}"/>
-                    </a:ext>
-                  </a:extLst>
-                </p:cNvPr>
-                <p:cNvSpPr txBox="1"/>
-                <p:nvPr/>
-              </p:nvSpPr>
-              <p:spPr>
-                <a:xfrm>
-                  <a:off x="1569149" y="1363370"/>
-                  <a:ext cx="1168005" cy="276999"/>
-                </a:xfrm>
-                <a:prstGeom prst="rect">
-                  <a:avLst/>
-                </a:prstGeom>
-                <a:noFill/>
-              </p:spPr>
-              <p:txBody>
-                <a:bodyPr wrap="none" lIns="0" tIns="0" rIns="0" bIns="0" rtlCol="0">
-                  <a:spAutoFit/>
-                </a:bodyPr>
-                <a:lstStyle/>
-                <a:p>
-                  <a:pPr/>
-                  <a14:m>
-                    <m:oMathPara xmlns:m="http://schemas.openxmlformats.org/officeDocument/2006/math">
-                      <m:oMathParaPr>
-                        <m:jc m:val="centerGroup"/>
-                      </m:oMathParaPr>
-                      <m:oMath xmlns:m="http://schemas.openxmlformats.org/officeDocument/2006/math">
-                        <m:r>
-                          <a:rPr lang="en-GB">
-                            <a:latin typeface="Cambria Math" panose="02040503050406030204" pitchFamily="18" charset="0"/>
-                          </a:rPr>
-                          <m:t>£5000</m:t>
-                        </m:r>
-                      </m:oMath>
-                    </m:oMathPara>
-                  </a14:m>
-                  <a:endParaRPr lang="de-DE" dirty="0">
-                    <a:latin typeface="Helvetica Light" panose="020B0403020202020204" pitchFamily="34" charset="0"/>
-                  </a:endParaRPr>
-                </a:p>
-              </p:txBody>
-            </p:sp>
-          </mc:Choice>
-          <mc:Fallback xmlns="">
-            <p:sp>
-              <p:nvSpPr>
-                <p:cNvPr id="2" name="TextBox 1">
-                  <a:extLst>
-                    <a:ext uri="{FF2B5EF4-FFF2-40B4-BE49-F238E27FC236}">
-                      <a16:creationId xmlns:a16="http://schemas.microsoft.com/office/drawing/2014/main" id="{0D5D00E4-32B1-5E4B-B925-3AD2A98A1873}"/>
-                    </a:ext>
-                  </a:extLst>
-                </p:cNvPr>
-                <p:cNvSpPr txBox="1">
-                  <a:spLocks noRot="1" noChangeAspect="1" noMove="1" noResize="1" noEditPoints="1" noAdjustHandles="1" noChangeArrowheads="1" noChangeShapeType="1" noTextEdit="1"/>
-                </p:cNvSpPr>
-                <p:nvPr/>
-              </p:nvSpPr>
-              <p:spPr>
-                <a:xfrm>
-                  <a:off x="1569149" y="1363370"/>
-                  <a:ext cx="1168005" cy="276999"/>
-                </a:xfrm>
-                <a:prstGeom prst="rect">
-                  <a:avLst/>
-                </a:prstGeom>
-                <a:blipFill>
-                  <a:blip r:embed="rId2"/>
-                  <a:stretch>
-                    <a:fillRect l="-7143" r="-7143" b="-4348"/>
-                  </a:stretch>
-                </a:blipFill>
-              </p:spPr>
-              <p:txBody>
-                <a:bodyPr/>
-                <a:lstStyle/>
-                <a:p>
-                  <a:r>
-                    <a:rPr lang="de-DE">
-                      <a:noFill/>
-                    </a:rPr>
-                    <a:t> </a:t>
-                  </a:r>
-                </a:p>
-              </p:txBody>
-            </p:sp>
-          </mc:Fallback>
-        </mc:AlternateContent>
       </p:grpSp>
-      <mc:AlternateContent xmlns:mc="http://schemas.openxmlformats.org/markup-compatibility/2006" xmlns:a14="http://schemas.microsoft.com/office/drawing/2010/main">
-        <mc:Choice Requires="a14">
-          <p:sp>
-            <p:nvSpPr>
-              <p:cNvPr id="13" name="TextBox 12">
-                <a:extLst>
-                  <a:ext uri="{FF2B5EF4-FFF2-40B4-BE49-F238E27FC236}">
-                    <a16:creationId xmlns:a16="http://schemas.microsoft.com/office/drawing/2014/main" id="{CFC881D7-D917-864C-B99C-C825FD3C7BF5}"/>
-                  </a:ext>
-                </a:extLst>
-              </p:cNvPr>
-              <p:cNvSpPr txBox="1"/>
-              <p:nvPr/>
-            </p:nvSpPr>
-            <p:spPr>
-              <a:xfrm>
-                <a:off x="382821" y="2468476"/>
-                <a:ext cx="698909" cy="276999"/>
-              </a:xfrm>
-              <a:prstGeom prst="rect">
-                <a:avLst/>
-              </a:prstGeom>
-              <a:noFill/>
-            </p:spPr>
-            <p:txBody>
-              <a:bodyPr wrap="none" lIns="0" tIns="0" rIns="0" bIns="0" rtlCol="0">
-                <a:spAutoFit/>
-              </a:bodyPr>
-              <a:lstStyle/>
-              <a:p>
-                <a:pPr/>
-                <a14:m>
-                  <m:oMathPara xmlns:m="http://schemas.openxmlformats.org/officeDocument/2006/math">
-                    <m:oMathParaPr>
-                      <m:jc m:val="centerGroup"/>
-                    </m:oMathParaPr>
-                    <m:oMath xmlns:m="http://schemas.openxmlformats.org/officeDocument/2006/math">
-                      <m:r>
-                        <a:rPr lang="en-GB">
-                          <a:latin typeface="Cambria Math" panose="02040503050406030204" pitchFamily="18" charset="0"/>
-                        </a:rPr>
-                        <m:t>£4300</m:t>
-                      </m:r>
-                    </m:oMath>
-                  </m:oMathPara>
-                </a14:m>
-                <a:endParaRPr lang="de-DE" dirty="0">
-                  <a:latin typeface="Helvetica Light" panose="020B0403020202020204" pitchFamily="34" charset="0"/>
-                </a:endParaRPr>
-              </a:p>
-            </p:txBody>
-          </p:sp>
-        </mc:Choice>
-        <mc:Fallback xmlns="">
-          <p:sp>
-            <p:nvSpPr>
-              <p:cNvPr id="13" name="TextBox 12">
-                <a:extLst>
-                  <a:ext uri="{FF2B5EF4-FFF2-40B4-BE49-F238E27FC236}">
-                    <a16:creationId xmlns:a16="http://schemas.microsoft.com/office/drawing/2014/main" id="{CFC881D7-D917-864C-B99C-C825FD3C7BF5}"/>
-                  </a:ext>
-                </a:extLst>
-              </p:cNvPr>
-              <p:cNvSpPr txBox="1">
-                <a:spLocks noRot="1" noChangeAspect="1" noMove="1" noResize="1" noEditPoints="1" noAdjustHandles="1" noChangeArrowheads="1" noChangeShapeType="1" noTextEdit="1"/>
-              </p:cNvSpPr>
-              <p:nvPr/>
-            </p:nvSpPr>
-            <p:spPr>
-              <a:xfrm>
-                <a:off x="382821" y="2468476"/>
-                <a:ext cx="698909" cy="276999"/>
-              </a:xfrm>
-              <a:prstGeom prst="rect">
-                <a:avLst/>
-              </a:prstGeom>
-              <a:blipFill>
-                <a:blip r:embed="rId3"/>
-                <a:stretch>
-                  <a:fillRect l="-5357" r="-5357" b="-4348"/>
-                </a:stretch>
-              </a:blipFill>
-            </p:spPr>
-            <p:txBody>
-              <a:bodyPr/>
-              <a:lstStyle/>
-              <a:p>
-                <a:r>
-                  <a:rPr lang="de-DE">
-                    <a:noFill/>
-                  </a:rPr>
-                  <a:t> </a:t>
-                </a:r>
-              </a:p>
-            </p:txBody>
-          </p:sp>
-        </mc:Fallback>
-      </mc:AlternateContent>
-      <mc:AlternateContent xmlns:mc="http://schemas.openxmlformats.org/markup-compatibility/2006" xmlns:a14="http://schemas.microsoft.com/office/drawing/2010/main">
-        <mc:Choice Requires="a14">
-          <p:sp>
-            <p:nvSpPr>
-              <p:cNvPr id="14" name="TextBox 13">
-                <a:extLst>
-                  <a:ext uri="{FF2B5EF4-FFF2-40B4-BE49-F238E27FC236}">
-                    <a16:creationId xmlns:a16="http://schemas.microsoft.com/office/drawing/2014/main" id="{DB4F6BD1-6B9D-6341-BD8B-167E20C36BF4}"/>
-                  </a:ext>
-                </a:extLst>
-              </p:cNvPr>
-              <p:cNvSpPr txBox="1"/>
-              <p:nvPr/>
-            </p:nvSpPr>
-            <p:spPr>
-              <a:xfrm>
-                <a:off x="1483587" y="6331647"/>
-                <a:ext cx="698909" cy="276999"/>
-              </a:xfrm>
-              <a:prstGeom prst="rect">
-                <a:avLst/>
-              </a:prstGeom>
-              <a:noFill/>
-            </p:spPr>
-            <p:txBody>
-              <a:bodyPr wrap="none" lIns="0" tIns="0" rIns="0" bIns="0" rtlCol="0">
-                <a:spAutoFit/>
-              </a:bodyPr>
-              <a:lstStyle/>
-              <a:p>
-                <a:pPr/>
-                <a14:m>
-                  <m:oMathPara xmlns:m="http://schemas.openxmlformats.org/officeDocument/2006/math">
-                    <m:oMathParaPr>
-                      <m:jc m:val="centerGroup"/>
-                    </m:oMathParaPr>
-                    <m:oMath xmlns:m="http://schemas.openxmlformats.org/officeDocument/2006/math">
-                      <m:r>
-                        <a:rPr lang="en-GB">
-                          <a:latin typeface="Cambria Math" panose="02040503050406030204" pitchFamily="18" charset="0"/>
-                        </a:rPr>
-                        <m:t>£1400</m:t>
-                      </m:r>
-                    </m:oMath>
-                  </m:oMathPara>
-                </a14:m>
-                <a:endParaRPr lang="de-DE" dirty="0">
-                  <a:latin typeface="Helvetica Light" panose="020B0403020202020204" pitchFamily="34" charset="0"/>
-                </a:endParaRPr>
-              </a:p>
-            </p:txBody>
-          </p:sp>
-        </mc:Choice>
-        <mc:Fallback xmlns="">
-          <p:sp>
-            <p:nvSpPr>
-              <p:cNvPr id="14" name="TextBox 13">
-                <a:extLst>
-                  <a:ext uri="{FF2B5EF4-FFF2-40B4-BE49-F238E27FC236}">
-                    <a16:creationId xmlns:a16="http://schemas.microsoft.com/office/drawing/2014/main" id="{DB4F6BD1-6B9D-6341-BD8B-167E20C36BF4}"/>
-                  </a:ext>
-                </a:extLst>
-              </p:cNvPr>
-              <p:cNvSpPr txBox="1">
-                <a:spLocks noRot="1" noChangeAspect="1" noMove="1" noResize="1" noEditPoints="1" noAdjustHandles="1" noChangeArrowheads="1" noChangeShapeType="1" noTextEdit="1"/>
-              </p:cNvSpPr>
-              <p:nvPr/>
-            </p:nvSpPr>
-            <p:spPr>
-              <a:xfrm>
-                <a:off x="1483587" y="6331647"/>
-                <a:ext cx="698909" cy="276999"/>
-              </a:xfrm>
-              <a:prstGeom prst="rect">
-                <a:avLst/>
-              </a:prstGeom>
-              <a:blipFill>
-                <a:blip r:embed="rId4"/>
-                <a:stretch>
-                  <a:fillRect l="-5357" r="-5357" b="-4545"/>
-                </a:stretch>
-              </a:blipFill>
-            </p:spPr>
-            <p:txBody>
-              <a:bodyPr/>
-              <a:lstStyle/>
-              <a:p>
-                <a:r>
-                  <a:rPr lang="de-DE">
-                    <a:noFill/>
-                  </a:rPr>
-                  <a:t> </a:t>
-                </a:r>
-              </a:p>
-            </p:txBody>
-          </p:sp>
-        </mc:Fallback>
-      </mc:AlternateContent>
       <p:sp>
         <p:nvSpPr>
           <p:cNvPr id="15" name="TextBox 14">
@@ -5800,9 +5685,199 @@
                 <a:avLst/>
               </a:prstGeom>
               <a:blipFill>
-                <a:blip r:embed="rId5"/>
+                <a:blip r:embed="rId2"/>
                 <a:stretch>
                   <a:fillRect l="-6780" r="-6780" b="-8696"/>
+                </a:stretch>
+              </a:blipFill>
+            </p:spPr>
+            <p:txBody>
+              <a:bodyPr/>
+              <a:lstStyle/>
+              <a:p>
+                <a:r>
+                  <a:rPr lang="en-US">
+                    <a:noFill/>
+                  </a:rPr>
+                  <a:t> </a:t>
+                </a:r>
+              </a:p>
+            </p:txBody>
+          </p:sp>
+        </mc:Fallback>
+      </mc:AlternateContent>
+      <p:sp>
+        <p:nvSpPr>
+          <p:cNvPr id="17" name="TextBox 16">
+            <a:extLst>
+              <a:ext uri="{FF2B5EF4-FFF2-40B4-BE49-F238E27FC236}">
+                <a16:creationId xmlns:a16="http://schemas.microsoft.com/office/drawing/2014/main" id="{087D572F-D991-014B-868C-3C75A85F01D4}"/>
+              </a:ext>
+            </a:extLst>
+          </p:cNvPr>
+          <p:cNvSpPr txBox="1"/>
+          <p:nvPr/>
+        </p:nvSpPr>
+        <p:spPr>
+          <a:xfrm>
+            <a:off x="719485" y="620688"/>
+            <a:ext cx="364202" cy="369332"/>
+          </a:xfrm>
+          <a:prstGeom prst="rect">
+            <a:avLst/>
+          </a:prstGeom>
+          <a:noFill/>
+        </p:spPr>
+        <p:txBody>
+          <a:bodyPr wrap="none" rtlCol="0">
+            <a:spAutoFit/>
+          </a:bodyPr>
+          <a:lstStyle/>
+          <a:p>
+            <a:r>
+              <a:rPr lang="en-US" dirty="0" err="1"/>
+              <a:t>x</a:t>
+            </a:r>
+            <a:r>
+              <a:rPr lang="en-US" baseline="-25000" dirty="0" err="1"/>
+              <a:t>b</a:t>
+            </a:r>
+            <a:endParaRPr lang="en-US" dirty="0"/>
+          </a:p>
+        </p:txBody>
+      </p:sp>
+      <p:sp>
+        <p:nvSpPr>
+          <p:cNvPr id="18" name="TextBox 17">
+            <a:extLst>
+              <a:ext uri="{FF2B5EF4-FFF2-40B4-BE49-F238E27FC236}">
+                <a16:creationId xmlns:a16="http://schemas.microsoft.com/office/drawing/2014/main" id="{39AE0434-C8B1-844D-96FF-5F6A21EF39BD}"/>
+              </a:ext>
+            </a:extLst>
+          </p:cNvPr>
+          <p:cNvSpPr txBox="1"/>
+          <p:nvPr/>
+        </p:nvSpPr>
+        <p:spPr>
+          <a:xfrm>
+            <a:off x="5149961" y="6184885"/>
+            <a:ext cx="356188" cy="369332"/>
+          </a:xfrm>
+          <a:prstGeom prst="rect">
+            <a:avLst/>
+          </a:prstGeom>
+          <a:noFill/>
+        </p:spPr>
+        <p:txBody>
+          <a:bodyPr wrap="none" rtlCol="0">
+            <a:spAutoFit/>
+          </a:bodyPr>
+          <a:lstStyle/>
+          <a:p>
+            <a:r>
+              <a:rPr lang="en-US" dirty="0" err="1"/>
+              <a:t>x</a:t>
+            </a:r>
+            <a:r>
+              <a:rPr lang="en-US" baseline="-25000" dirty="0" err="1"/>
+              <a:t>g</a:t>
+            </a:r>
+            <a:endParaRPr lang="en-US" dirty="0"/>
+          </a:p>
+        </p:txBody>
+      </p:sp>
+      <mc:AlternateContent xmlns:mc="http://schemas.openxmlformats.org/markup-compatibility/2006">
+        <mc:Choice xmlns:a14="http://schemas.microsoft.com/office/drawing/2010/main" Requires="a14">
+          <p:sp>
+            <p:nvSpPr>
+              <p:cNvPr id="19" name="TextBox 18">
+                <a:extLst>
+                  <a:ext uri="{FF2B5EF4-FFF2-40B4-BE49-F238E27FC236}">
+                    <a16:creationId xmlns:a16="http://schemas.microsoft.com/office/drawing/2014/main" id="{7ED16F87-E2FF-FC48-B3D3-DFEEFB96F6C8}"/>
+                  </a:ext>
+                </a:extLst>
+              </p:cNvPr>
+              <p:cNvSpPr txBox="1"/>
+              <p:nvPr/>
+            </p:nvSpPr>
+            <p:spPr>
+              <a:xfrm>
+                <a:off x="131284" y="1464208"/>
+                <a:ext cx="875240" cy="276999"/>
+              </a:xfrm>
+              <a:prstGeom prst="rect">
+                <a:avLst/>
+              </a:prstGeom>
+              <a:noFill/>
+            </p:spPr>
+            <p:txBody>
+              <a:bodyPr wrap="none" lIns="0" tIns="0" rIns="0" bIns="0" rtlCol="0">
+                <a:spAutoFit/>
+              </a:bodyPr>
+              <a:lstStyle/>
+              <a:p>
+                <a:pPr/>
+                <a14:m>
+                  <m:oMathPara xmlns:m="http://schemas.openxmlformats.org/officeDocument/2006/math">
+                    <m:oMathParaPr>
+                      <m:jc m:val="centerGroup"/>
+                    </m:oMathParaPr>
+                    <m:oMath xmlns:m="http://schemas.openxmlformats.org/officeDocument/2006/math">
+                      <m:r>
+                        <a:rPr lang="en-GB" smtClean="0">
+                          <a:latin typeface="Cambria Math" panose="02040503050406030204" pitchFamily="18" charset="0"/>
+                        </a:rPr>
+                        <m:t>£</m:t>
+                      </m:r>
+                      <m:r>
+                        <a:rPr lang="en-GB" b="0" i="0" smtClean="0">
+                          <a:latin typeface="Cambria Math" panose="02040503050406030204" pitchFamily="18" charset="0"/>
+                        </a:rPr>
+                        <m:t>10,</m:t>
+                      </m:r>
+                      <m:r>
+                        <a:rPr lang="en-GB">
+                          <a:latin typeface="Cambria Math" panose="02040503050406030204" pitchFamily="18" charset="0"/>
+                        </a:rPr>
+                        <m:t>000</m:t>
+                      </m:r>
+                    </m:oMath>
+                  </m:oMathPara>
+                </a14:m>
+                <a:endParaRPr lang="de-DE" dirty="0">
+                  <a:latin typeface="Helvetica Light" panose="020B0403020202020204" pitchFamily="34" charset="0"/>
+                </a:endParaRPr>
+              </a:p>
+            </p:txBody>
+          </p:sp>
+        </mc:Choice>
+        <mc:Fallback>
+          <p:sp>
+            <p:nvSpPr>
+              <p:cNvPr id="19" name="TextBox 18">
+                <a:extLst>
+                  <a:ext uri="{FF2B5EF4-FFF2-40B4-BE49-F238E27FC236}">
+                    <a16:creationId xmlns:a16="http://schemas.microsoft.com/office/drawing/2014/main" id="{7ED16F87-E2FF-FC48-B3D3-DFEEFB96F6C8}"/>
+                  </a:ext>
+                </a:extLst>
+              </p:cNvPr>
+              <p:cNvSpPr txBox="1">
+                <a:spLocks noRot="1" noChangeAspect="1" noMove="1" noResize="1" noEditPoints="1" noAdjustHandles="1" noChangeArrowheads="1" noChangeShapeType="1" noTextEdit="1"/>
+              </p:cNvSpPr>
+              <p:nvPr/>
+            </p:nvSpPr>
+            <p:spPr>
+              <a:xfrm>
+                <a:off x="131284" y="1464208"/>
+                <a:ext cx="875240" cy="276999"/>
+              </a:xfrm>
+              <a:prstGeom prst="rect">
+                <a:avLst/>
+              </a:prstGeom>
+              <a:blipFill>
+                <a:blip r:embed="rId3"/>
+                <a:stretch>
+                  <a:fillRect l="-5714" r="-4286" b="-4348"/>
                 </a:stretch>
               </a:blipFill>
             </p:spPr>
@@ -5865,10 +5940,10 @@
         </p:nvGrpSpPr>
         <p:grpSpPr>
           <a:xfrm>
-            <a:off x="315453" y="714706"/>
-            <a:ext cx="4834507" cy="5454868"/>
-            <a:chOff x="1569149" y="630622"/>
-            <a:chExt cx="8079348" cy="5454868"/>
+            <a:off x="1098776" y="714706"/>
+            <a:ext cx="4051184" cy="5454868"/>
+            <a:chOff x="2878225" y="630622"/>
+            <a:chExt cx="6770272" cy="5454868"/>
           </a:xfrm>
         </p:grpSpPr>
         <p:sp>
@@ -6109,104 +6184,6 @@
             </a:p>
           </p:txBody>
         </p:sp>
-        <mc:AlternateContent xmlns:mc="http://schemas.openxmlformats.org/markup-compatibility/2006" xmlns:a14="http://schemas.microsoft.com/office/drawing/2010/main">
-          <mc:Choice Requires="a14">
-            <p:sp>
-              <p:nvSpPr>
-                <p:cNvPr id="2" name="TextBox 1">
-                  <a:extLst>
-                    <a:ext uri="{FF2B5EF4-FFF2-40B4-BE49-F238E27FC236}">
-                      <a16:creationId xmlns:a16="http://schemas.microsoft.com/office/drawing/2014/main" id="{0D5D00E4-32B1-5E4B-B925-3AD2A98A1873}"/>
-                    </a:ext>
-                  </a:extLst>
-                </p:cNvPr>
-                <p:cNvSpPr txBox="1"/>
-                <p:nvPr/>
-              </p:nvSpPr>
-              <p:spPr>
-                <a:xfrm>
-                  <a:off x="1569149" y="1363370"/>
-                  <a:ext cx="1168005" cy="276999"/>
-                </a:xfrm>
-                <a:prstGeom prst="rect">
-                  <a:avLst/>
-                </a:prstGeom>
-                <a:noFill/>
-              </p:spPr>
-              <p:txBody>
-                <a:bodyPr wrap="none" lIns="0" tIns="0" rIns="0" bIns="0" rtlCol="0">
-                  <a:spAutoFit/>
-                </a:bodyPr>
-                <a:lstStyle/>
-                <a:p>
-                  <a:pPr/>
-                  <a14:m>
-                    <m:oMathPara xmlns:m="http://schemas.openxmlformats.org/officeDocument/2006/math">
-                      <m:oMathParaPr>
-                        <m:jc m:val="centerGroup"/>
-                      </m:oMathParaPr>
-                      <m:oMath xmlns:m="http://schemas.openxmlformats.org/officeDocument/2006/math">
-                        <m:r>
-                          <a:rPr lang="en-GB">
-                            <a:latin typeface="Cambria Math" panose="02040503050406030204" pitchFamily="18" charset="0"/>
-                          </a:rPr>
-                          <m:t>£5000</m:t>
-                        </m:r>
-                      </m:oMath>
-                    </m:oMathPara>
-                  </a14:m>
-                  <a:endParaRPr lang="de-DE" dirty="0">
-                    <a:latin typeface="Helvetica Light" panose="020B0403020202020204" pitchFamily="34" charset="0"/>
-                  </a:endParaRPr>
-                </a:p>
-              </p:txBody>
-            </p:sp>
-          </mc:Choice>
-          <mc:Fallback xmlns="">
-            <p:sp>
-              <p:nvSpPr>
-                <p:cNvPr id="2" name="TextBox 1">
-                  <a:extLst>
-                    <a:ext uri="{FF2B5EF4-FFF2-40B4-BE49-F238E27FC236}">
-                      <a16:creationId xmlns:a16="http://schemas.microsoft.com/office/drawing/2014/main" id="{0D5D00E4-32B1-5E4B-B925-3AD2A98A1873}"/>
-                    </a:ext>
-                  </a:extLst>
-                </p:cNvPr>
-                <p:cNvSpPr txBox="1">
-                  <a:spLocks noRot="1" noChangeAspect="1" noMove="1" noResize="1" noEditPoints="1" noAdjustHandles="1" noChangeArrowheads="1" noChangeShapeType="1" noTextEdit="1"/>
-                </p:cNvSpPr>
-                <p:nvPr/>
-              </p:nvSpPr>
-              <p:spPr>
-                <a:xfrm>
-                  <a:off x="1569149" y="1363370"/>
-                  <a:ext cx="1168005" cy="276999"/>
-                </a:xfrm>
-                <a:prstGeom prst="rect">
-                  <a:avLst/>
-                </a:prstGeom>
-                <a:blipFill>
-                  <a:blip r:embed="rId2"/>
-                  <a:stretch>
-                    <a:fillRect l="-7143" r="-7143" b="-4348"/>
-                  </a:stretch>
-                </a:blipFill>
-              </p:spPr>
-              <p:txBody>
-                <a:bodyPr/>
-                <a:lstStyle/>
-                <a:p>
-                  <a:r>
-                    <a:rPr lang="de-DE">
-                      <a:noFill/>
-                    </a:rPr>
-                    <a:t> </a:t>
-                  </a:r>
-                </a:p>
-              </p:txBody>
-            </p:sp>
-          </mc:Fallback>
-        </mc:AlternateContent>
       </p:grpSp>
       <p:sp>
         <p:nvSpPr>
@@ -6328,202 +6305,6 @@
           </a:p>
         </p:txBody>
       </p:sp>
-      <mc:AlternateContent xmlns:mc="http://schemas.openxmlformats.org/markup-compatibility/2006" xmlns:a14="http://schemas.microsoft.com/office/drawing/2010/main">
-        <mc:Choice Requires="a14">
-          <p:sp>
-            <p:nvSpPr>
-              <p:cNvPr id="13" name="TextBox 12">
-                <a:extLst>
-                  <a:ext uri="{FF2B5EF4-FFF2-40B4-BE49-F238E27FC236}">
-                    <a16:creationId xmlns:a16="http://schemas.microsoft.com/office/drawing/2014/main" id="{CFC881D7-D917-864C-B99C-C825FD3C7BF5}"/>
-                  </a:ext>
-                </a:extLst>
-              </p:cNvPr>
-              <p:cNvSpPr txBox="1"/>
-              <p:nvPr/>
-            </p:nvSpPr>
-            <p:spPr>
-              <a:xfrm>
-                <a:off x="382821" y="2468476"/>
-                <a:ext cx="698909" cy="276999"/>
-              </a:xfrm>
-              <a:prstGeom prst="rect">
-                <a:avLst/>
-              </a:prstGeom>
-              <a:noFill/>
-            </p:spPr>
-            <p:txBody>
-              <a:bodyPr wrap="none" lIns="0" tIns="0" rIns="0" bIns="0" rtlCol="0">
-                <a:spAutoFit/>
-              </a:bodyPr>
-              <a:lstStyle/>
-              <a:p>
-                <a:pPr/>
-                <a14:m>
-                  <m:oMathPara xmlns:m="http://schemas.openxmlformats.org/officeDocument/2006/math">
-                    <m:oMathParaPr>
-                      <m:jc m:val="centerGroup"/>
-                    </m:oMathParaPr>
-                    <m:oMath xmlns:m="http://schemas.openxmlformats.org/officeDocument/2006/math">
-                      <m:r>
-                        <a:rPr lang="en-GB">
-                          <a:latin typeface="Cambria Math" panose="02040503050406030204" pitchFamily="18" charset="0"/>
-                        </a:rPr>
-                        <m:t>£4300</m:t>
-                      </m:r>
-                    </m:oMath>
-                  </m:oMathPara>
-                </a14:m>
-                <a:endParaRPr lang="de-DE" dirty="0">
-                  <a:latin typeface="Helvetica Light" panose="020B0403020202020204" pitchFamily="34" charset="0"/>
-                </a:endParaRPr>
-              </a:p>
-            </p:txBody>
-          </p:sp>
-        </mc:Choice>
-        <mc:Fallback xmlns="">
-          <p:sp>
-            <p:nvSpPr>
-              <p:cNvPr id="13" name="TextBox 12">
-                <a:extLst>
-                  <a:ext uri="{FF2B5EF4-FFF2-40B4-BE49-F238E27FC236}">
-                    <a16:creationId xmlns:a16="http://schemas.microsoft.com/office/drawing/2014/main" id="{CFC881D7-D917-864C-B99C-C825FD3C7BF5}"/>
-                  </a:ext>
-                </a:extLst>
-              </p:cNvPr>
-              <p:cNvSpPr txBox="1">
-                <a:spLocks noRot="1" noChangeAspect="1" noMove="1" noResize="1" noEditPoints="1" noAdjustHandles="1" noChangeArrowheads="1" noChangeShapeType="1" noTextEdit="1"/>
-              </p:cNvSpPr>
-              <p:nvPr/>
-            </p:nvSpPr>
-            <p:spPr>
-              <a:xfrm>
-                <a:off x="382821" y="2468476"/>
-                <a:ext cx="698909" cy="276999"/>
-              </a:xfrm>
-              <a:prstGeom prst="rect">
-                <a:avLst/>
-              </a:prstGeom>
-              <a:blipFill>
-                <a:blip r:embed="rId3"/>
-                <a:stretch>
-                  <a:fillRect l="-5357" r="-5357" b="-4348"/>
-                </a:stretch>
-              </a:blipFill>
-            </p:spPr>
-            <p:txBody>
-              <a:bodyPr/>
-              <a:lstStyle/>
-              <a:p>
-                <a:r>
-                  <a:rPr lang="de-DE">
-                    <a:noFill/>
-                  </a:rPr>
-                  <a:t> </a:t>
-                </a:r>
-              </a:p>
-            </p:txBody>
-          </p:sp>
-        </mc:Fallback>
-      </mc:AlternateContent>
-      <mc:AlternateContent xmlns:mc="http://schemas.openxmlformats.org/markup-compatibility/2006" xmlns:a14="http://schemas.microsoft.com/office/drawing/2010/main">
-        <mc:Choice Requires="a14">
-          <p:sp>
-            <p:nvSpPr>
-              <p:cNvPr id="14" name="TextBox 13">
-                <a:extLst>
-                  <a:ext uri="{FF2B5EF4-FFF2-40B4-BE49-F238E27FC236}">
-                    <a16:creationId xmlns:a16="http://schemas.microsoft.com/office/drawing/2014/main" id="{DB4F6BD1-6B9D-6341-BD8B-167E20C36BF4}"/>
-                  </a:ext>
-                </a:extLst>
-              </p:cNvPr>
-              <p:cNvSpPr txBox="1"/>
-              <p:nvPr/>
-            </p:nvSpPr>
-            <p:spPr>
-              <a:xfrm>
-                <a:off x="1483587" y="6331647"/>
-                <a:ext cx="698909" cy="276999"/>
-              </a:xfrm>
-              <a:prstGeom prst="rect">
-                <a:avLst/>
-              </a:prstGeom>
-              <a:noFill/>
-            </p:spPr>
-            <p:txBody>
-              <a:bodyPr wrap="none" lIns="0" tIns="0" rIns="0" bIns="0" rtlCol="0">
-                <a:spAutoFit/>
-              </a:bodyPr>
-              <a:lstStyle/>
-              <a:p>
-                <a:pPr/>
-                <a14:m>
-                  <m:oMathPara xmlns:m="http://schemas.openxmlformats.org/officeDocument/2006/math">
-                    <m:oMathParaPr>
-                      <m:jc m:val="centerGroup"/>
-                    </m:oMathParaPr>
-                    <m:oMath xmlns:m="http://schemas.openxmlformats.org/officeDocument/2006/math">
-                      <m:r>
-                        <a:rPr lang="en-GB">
-                          <a:latin typeface="Cambria Math" panose="02040503050406030204" pitchFamily="18" charset="0"/>
-                        </a:rPr>
-                        <m:t>£1400</m:t>
-                      </m:r>
-                    </m:oMath>
-                  </m:oMathPara>
-                </a14:m>
-                <a:endParaRPr lang="de-DE" dirty="0">
-                  <a:latin typeface="Helvetica Light" panose="020B0403020202020204" pitchFamily="34" charset="0"/>
-                </a:endParaRPr>
-              </a:p>
-            </p:txBody>
-          </p:sp>
-        </mc:Choice>
-        <mc:Fallback xmlns="">
-          <p:sp>
-            <p:nvSpPr>
-              <p:cNvPr id="14" name="TextBox 13">
-                <a:extLst>
-                  <a:ext uri="{FF2B5EF4-FFF2-40B4-BE49-F238E27FC236}">
-                    <a16:creationId xmlns:a16="http://schemas.microsoft.com/office/drawing/2014/main" id="{DB4F6BD1-6B9D-6341-BD8B-167E20C36BF4}"/>
-                  </a:ext>
-                </a:extLst>
-              </p:cNvPr>
-              <p:cNvSpPr txBox="1">
-                <a:spLocks noRot="1" noChangeAspect="1" noMove="1" noResize="1" noEditPoints="1" noAdjustHandles="1" noChangeArrowheads="1" noChangeShapeType="1" noTextEdit="1"/>
-              </p:cNvSpPr>
-              <p:nvPr/>
-            </p:nvSpPr>
-            <p:spPr>
-              <a:xfrm>
-                <a:off x="1483587" y="6331647"/>
-                <a:ext cx="698909" cy="276999"/>
-              </a:xfrm>
-              <a:prstGeom prst="rect">
-                <a:avLst/>
-              </a:prstGeom>
-              <a:blipFill>
-                <a:blip r:embed="rId4"/>
-                <a:stretch>
-                  <a:fillRect l="-5357" r="-5357" b="-4545"/>
-                </a:stretch>
-              </a:blipFill>
-            </p:spPr>
-            <p:txBody>
-              <a:bodyPr/>
-              <a:lstStyle/>
-              <a:p>
-                <a:r>
-                  <a:rPr lang="de-DE">
-                    <a:noFill/>
-                  </a:rPr>
-                  <a:t> </a:t>
-                </a:r>
-              </a:p>
-            </p:txBody>
-          </p:sp>
-        </mc:Fallback>
-      </mc:AlternateContent>
       <p:sp>
         <p:nvSpPr>
           <p:cNvPr id="15" name="TextBox 14">
@@ -7454,9 +7235,199 @@
                 <a:avLst/>
               </a:prstGeom>
               <a:blipFill>
-                <a:blip r:embed="rId5"/>
+                <a:blip r:embed="rId2"/>
                 <a:stretch>
                   <a:fillRect l="-6780" r="-6780" b="-8696"/>
+                </a:stretch>
+              </a:blipFill>
+            </p:spPr>
+            <p:txBody>
+              <a:bodyPr/>
+              <a:lstStyle/>
+              <a:p>
+                <a:r>
+                  <a:rPr lang="en-US">
+                    <a:noFill/>
+                  </a:rPr>
+                  <a:t> </a:t>
+                </a:r>
+              </a:p>
+            </p:txBody>
+          </p:sp>
+        </mc:Fallback>
+      </mc:AlternateContent>
+      <p:sp>
+        <p:nvSpPr>
+          <p:cNvPr id="28" name="TextBox 27">
+            <a:extLst>
+              <a:ext uri="{FF2B5EF4-FFF2-40B4-BE49-F238E27FC236}">
+                <a16:creationId xmlns:a16="http://schemas.microsoft.com/office/drawing/2014/main" id="{BA6B2F8B-E2D2-A545-85B6-E453AD6CA4B9}"/>
+              </a:ext>
+            </a:extLst>
+          </p:cNvPr>
+          <p:cNvSpPr txBox="1"/>
+          <p:nvPr/>
+        </p:nvSpPr>
+        <p:spPr>
+          <a:xfrm>
+            <a:off x="719485" y="620688"/>
+            <a:ext cx="364202" cy="369332"/>
+          </a:xfrm>
+          <a:prstGeom prst="rect">
+            <a:avLst/>
+          </a:prstGeom>
+          <a:noFill/>
+        </p:spPr>
+        <p:txBody>
+          <a:bodyPr wrap="none" rtlCol="0">
+            <a:spAutoFit/>
+          </a:bodyPr>
+          <a:lstStyle/>
+          <a:p>
+            <a:r>
+              <a:rPr lang="en-US" dirty="0" err="1"/>
+              <a:t>x</a:t>
+            </a:r>
+            <a:r>
+              <a:rPr lang="en-US" baseline="-25000" dirty="0" err="1"/>
+              <a:t>b</a:t>
+            </a:r>
+            <a:endParaRPr lang="en-US" dirty="0"/>
+          </a:p>
+        </p:txBody>
+      </p:sp>
+      <p:sp>
+        <p:nvSpPr>
+          <p:cNvPr id="30" name="TextBox 29">
+            <a:extLst>
+              <a:ext uri="{FF2B5EF4-FFF2-40B4-BE49-F238E27FC236}">
+                <a16:creationId xmlns:a16="http://schemas.microsoft.com/office/drawing/2014/main" id="{DEDE52D6-1EEE-A346-8720-83422D63F5C2}"/>
+              </a:ext>
+            </a:extLst>
+          </p:cNvPr>
+          <p:cNvSpPr txBox="1"/>
+          <p:nvPr/>
+        </p:nvSpPr>
+        <p:spPr>
+          <a:xfrm>
+            <a:off x="5149961" y="6184885"/>
+            <a:ext cx="356188" cy="369332"/>
+          </a:xfrm>
+          <a:prstGeom prst="rect">
+            <a:avLst/>
+          </a:prstGeom>
+          <a:noFill/>
+        </p:spPr>
+        <p:txBody>
+          <a:bodyPr wrap="none" rtlCol="0">
+            <a:spAutoFit/>
+          </a:bodyPr>
+          <a:lstStyle/>
+          <a:p>
+            <a:r>
+              <a:rPr lang="en-US" dirty="0" err="1"/>
+              <a:t>x</a:t>
+            </a:r>
+            <a:r>
+              <a:rPr lang="en-US" baseline="-25000" dirty="0" err="1"/>
+              <a:t>g</a:t>
+            </a:r>
+            <a:endParaRPr lang="en-US" dirty="0"/>
+          </a:p>
+        </p:txBody>
+      </p:sp>
+      <mc:AlternateContent xmlns:mc="http://schemas.openxmlformats.org/markup-compatibility/2006">
+        <mc:Choice xmlns:a14="http://schemas.microsoft.com/office/drawing/2010/main" Requires="a14">
+          <p:sp>
+            <p:nvSpPr>
+              <p:cNvPr id="31" name="TextBox 30">
+                <a:extLst>
+                  <a:ext uri="{FF2B5EF4-FFF2-40B4-BE49-F238E27FC236}">
+                    <a16:creationId xmlns:a16="http://schemas.microsoft.com/office/drawing/2014/main" id="{0C10AAC7-70A7-144E-8FE2-7538DBE9AC10}"/>
+                  </a:ext>
+                </a:extLst>
+              </p:cNvPr>
+              <p:cNvSpPr txBox="1"/>
+              <p:nvPr/>
+            </p:nvSpPr>
+            <p:spPr>
+              <a:xfrm>
+                <a:off x="131284" y="1464208"/>
+                <a:ext cx="875240" cy="276999"/>
+              </a:xfrm>
+              <a:prstGeom prst="rect">
+                <a:avLst/>
+              </a:prstGeom>
+              <a:noFill/>
+            </p:spPr>
+            <p:txBody>
+              <a:bodyPr wrap="none" lIns="0" tIns="0" rIns="0" bIns="0" rtlCol="0">
+                <a:spAutoFit/>
+              </a:bodyPr>
+              <a:lstStyle/>
+              <a:p>
+                <a:pPr/>
+                <a14:m>
+                  <m:oMathPara xmlns:m="http://schemas.openxmlformats.org/officeDocument/2006/math">
+                    <m:oMathParaPr>
+                      <m:jc m:val="centerGroup"/>
+                    </m:oMathParaPr>
+                    <m:oMath xmlns:m="http://schemas.openxmlformats.org/officeDocument/2006/math">
+                      <m:r>
+                        <a:rPr lang="en-GB" smtClean="0">
+                          <a:latin typeface="Cambria Math" panose="02040503050406030204" pitchFamily="18" charset="0"/>
+                        </a:rPr>
+                        <m:t>£</m:t>
+                      </m:r>
+                      <m:r>
+                        <a:rPr lang="en-GB" b="0" i="0" smtClean="0">
+                          <a:latin typeface="Cambria Math" panose="02040503050406030204" pitchFamily="18" charset="0"/>
+                        </a:rPr>
+                        <m:t>10,</m:t>
+                      </m:r>
+                      <m:r>
+                        <a:rPr lang="en-GB">
+                          <a:latin typeface="Cambria Math" panose="02040503050406030204" pitchFamily="18" charset="0"/>
+                        </a:rPr>
+                        <m:t>000</m:t>
+                      </m:r>
+                    </m:oMath>
+                  </m:oMathPara>
+                </a14:m>
+                <a:endParaRPr lang="de-DE" dirty="0">
+                  <a:latin typeface="Helvetica Light" panose="020B0403020202020204" pitchFamily="34" charset="0"/>
+                </a:endParaRPr>
+              </a:p>
+            </p:txBody>
+          </p:sp>
+        </mc:Choice>
+        <mc:Fallback>
+          <p:sp>
+            <p:nvSpPr>
+              <p:cNvPr id="31" name="TextBox 30">
+                <a:extLst>
+                  <a:ext uri="{FF2B5EF4-FFF2-40B4-BE49-F238E27FC236}">
+                    <a16:creationId xmlns:a16="http://schemas.microsoft.com/office/drawing/2014/main" id="{0C10AAC7-70A7-144E-8FE2-7538DBE9AC10}"/>
+                  </a:ext>
+                </a:extLst>
+              </p:cNvPr>
+              <p:cNvSpPr txBox="1">
+                <a:spLocks noRot="1" noChangeAspect="1" noMove="1" noResize="1" noEditPoints="1" noAdjustHandles="1" noChangeArrowheads="1" noChangeShapeType="1" noTextEdit="1"/>
+              </p:cNvSpPr>
+              <p:nvPr/>
+            </p:nvSpPr>
+            <p:spPr>
+              <a:xfrm>
+                <a:off x="131284" y="1464208"/>
+                <a:ext cx="875240" cy="276999"/>
+              </a:xfrm>
+              <a:prstGeom prst="rect">
+                <a:avLst/>
+              </a:prstGeom>
+              <a:blipFill>
+                <a:blip r:embed="rId3"/>
+                <a:stretch>
+                  <a:fillRect l="-5714" r="-4286" b="-4348"/>
                 </a:stretch>
               </a:blipFill>
             </p:spPr>
@@ -7519,10 +7490,10 @@
         </p:nvGrpSpPr>
         <p:grpSpPr>
           <a:xfrm>
-            <a:off x="315453" y="714706"/>
-            <a:ext cx="4834507" cy="5454868"/>
-            <a:chOff x="1569149" y="630622"/>
-            <a:chExt cx="8079348" cy="5454868"/>
+            <a:off x="1098776" y="714706"/>
+            <a:ext cx="4051184" cy="5454868"/>
+            <a:chOff x="2878225" y="630622"/>
+            <a:chExt cx="6770272" cy="5454868"/>
           </a:xfrm>
         </p:grpSpPr>
         <p:sp>
@@ -7763,104 +7734,6 @@
             </a:p>
           </p:txBody>
         </p:sp>
-        <mc:AlternateContent xmlns:mc="http://schemas.openxmlformats.org/markup-compatibility/2006" xmlns:a14="http://schemas.microsoft.com/office/drawing/2010/main">
-          <mc:Choice Requires="a14">
-            <p:sp>
-              <p:nvSpPr>
-                <p:cNvPr id="2" name="TextBox 1">
-                  <a:extLst>
-                    <a:ext uri="{FF2B5EF4-FFF2-40B4-BE49-F238E27FC236}">
-                      <a16:creationId xmlns:a16="http://schemas.microsoft.com/office/drawing/2014/main" id="{0D5D00E4-32B1-5E4B-B925-3AD2A98A1873}"/>
-                    </a:ext>
-                  </a:extLst>
-                </p:cNvPr>
-                <p:cNvSpPr txBox="1"/>
-                <p:nvPr/>
-              </p:nvSpPr>
-              <p:spPr>
-                <a:xfrm>
-                  <a:off x="1569149" y="1363370"/>
-                  <a:ext cx="1168005" cy="276999"/>
-                </a:xfrm>
-                <a:prstGeom prst="rect">
-                  <a:avLst/>
-                </a:prstGeom>
-                <a:noFill/>
-              </p:spPr>
-              <p:txBody>
-                <a:bodyPr wrap="none" lIns="0" tIns="0" rIns="0" bIns="0" rtlCol="0">
-                  <a:spAutoFit/>
-                </a:bodyPr>
-                <a:lstStyle/>
-                <a:p>
-                  <a:pPr/>
-                  <a14:m>
-                    <m:oMathPara xmlns:m="http://schemas.openxmlformats.org/officeDocument/2006/math">
-                      <m:oMathParaPr>
-                        <m:jc m:val="centerGroup"/>
-                      </m:oMathParaPr>
-                      <m:oMath xmlns:m="http://schemas.openxmlformats.org/officeDocument/2006/math">
-                        <m:r>
-                          <a:rPr lang="en-GB">
-                            <a:latin typeface="Cambria Math" panose="02040503050406030204" pitchFamily="18" charset="0"/>
-                          </a:rPr>
-                          <m:t>£5000</m:t>
-                        </m:r>
-                      </m:oMath>
-                    </m:oMathPara>
-                  </a14:m>
-                  <a:endParaRPr lang="de-DE" dirty="0">
-                    <a:latin typeface="Helvetica Light" panose="020B0403020202020204" pitchFamily="34" charset="0"/>
-                  </a:endParaRPr>
-                </a:p>
-              </p:txBody>
-            </p:sp>
-          </mc:Choice>
-          <mc:Fallback xmlns="">
-            <p:sp>
-              <p:nvSpPr>
-                <p:cNvPr id="2" name="TextBox 1">
-                  <a:extLst>
-                    <a:ext uri="{FF2B5EF4-FFF2-40B4-BE49-F238E27FC236}">
-                      <a16:creationId xmlns:a16="http://schemas.microsoft.com/office/drawing/2014/main" id="{0D5D00E4-32B1-5E4B-B925-3AD2A98A1873}"/>
-                    </a:ext>
-                  </a:extLst>
-                </p:cNvPr>
-                <p:cNvSpPr txBox="1">
-                  <a:spLocks noRot="1" noChangeAspect="1" noMove="1" noResize="1" noEditPoints="1" noAdjustHandles="1" noChangeArrowheads="1" noChangeShapeType="1" noTextEdit="1"/>
-                </p:cNvSpPr>
-                <p:nvPr/>
-              </p:nvSpPr>
-              <p:spPr>
-                <a:xfrm>
-                  <a:off x="1569149" y="1363370"/>
-                  <a:ext cx="1168005" cy="276999"/>
-                </a:xfrm>
-                <a:prstGeom prst="rect">
-                  <a:avLst/>
-                </a:prstGeom>
-                <a:blipFill>
-                  <a:blip r:embed="rId2"/>
-                  <a:stretch>
-                    <a:fillRect l="-7143" r="-7143" b="-4348"/>
-                  </a:stretch>
-                </a:blipFill>
-              </p:spPr>
-              <p:txBody>
-                <a:bodyPr/>
-                <a:lstStyle/>
-                <a:p>
-                  <a:r>
-                    <a:rPr lang="de-DE">
-                      <a:noFill/>
-                    </a:rPr>
-                    <a:t> </a:t>
-                  </a:r>
-                </a:p>
-              </p:txBody>
-            </p:sp>
-          </mc:Fallback>
-        </mc:AlternateContent>
       </p:grpSp>
       <mc:AlternateContent xmlns:mc="http://schemas.openxmlformats.org/markup-compatibility/2006" xmlns:a14="http://schemas.microsoft.com/office/drawing/2010/main">
         <mc:Choice Requires="a14">
@@ -9027,6 +8900,196 @@
                 <a:blip r:embed="rId5"/>
                 <a:stretch>
                   <a:fillRect l="-6780" r="-6780" b="-8696"/>
+                </a:stretch>
+              </a:blipFill>
+            </p:spPr>
+            <p:txBody>
+              <a:bodyPr/>
+              <a:lstStyle/>
+              <a:p>
+                <a:r>
+                  <a:rPr lang="en-US">
+                    <a:noFill/>
+                  </a:rPr>
+                  <a:t> </a:t>
+                </a:r>
+              </a:p>
+            </p:txBody>
+          </p:sp>
+        </mc:Fallback>
+      </mc:AlternateContent>
+      <p:sp>
+        <p:nvSpPr>
+          <p:cNvPr id="30" name="TextBox 29">
+            <a:extLst>
+              <a:ext uri="{FF2B5EF4-FFF2-40B4-BE49-F238E27FC236}">
+                <a16:creationId xmlns:a16="http://schemas.microsoft.com/office/drawing/2014/main" id="{3F793BA2-3F77-724C-8752-DE00818088EF}"/>
+              </a:ext>
+            </a:extLst>
+          </p:cNvPr>
+          <p:cNvSpPr txBox="1"/>
+          <p:nvPr/>
+        </p:nvSpPr>
+        <p:spPr>
+          <a:xfrm>
+            <a:off x="719485" y="620688"/>
+            <a:ext cx="364202" cy="369332"/>
+          </a:xfrm>
+          <a:prstGeom prst="rect">
+            <a:avLst/>
+          </a:prstGeom>
+          <a:noFill/>
+        </p:spPr>
+        <p:txBody>
+          <a:bodyPr wrap="none" rtlCol="0">
+            <a:spAutoFit/>
+          </a:bodyPr>
+          <a:lstStyle/>
+          <a:p>
+            <a:r>
+              <a:rPr lang="en-US" dirty="0" err="1"/>
+              <a:t>x</a:t>
+            </a:r>
+            <a:r>
+              <a:rPr lang="en-US" baseline="-25000" dirty="0" err="1"/>
+              <a:t>b</a:t>
+            </a:r>
+            <a:endParaRPr lang="en-US" dirty="0"/>
+          </a:p>
+        </p:txBody>
+      </p:sp>
+      <p:sp>
+        <p:nvSpPr>
+          <p:cNvPr id="31" name="TextBox 30">
+            <a:extLst>
+              <a:ext uri="{FF2B5EF4-FFF2-40B4-BE49-F238E27FC236}">
+                <a16:creationId xmlns:a16="http://schemas.microsoft.com/office/drawing/2014/main" id="{E84F0414-BDA3-BF4B-913C-E8538920A42A}"/>
+              </a:ext>
+            </a:extLst>
+          </p:cNvPr>
+          <p:cNvSpPr txBox="1"/>
+          <p:nvPr/>
+        </p:nvSpPr>
+        <p:spPr>
+          <a:xfrm>
+            <a:off x="5149961" y="6184885"/>
+            <a:ext cx="356188" cy="369332"/>
+          </a:xfrm>
+          <a:prstGeom prst="rect">
+            <a:avLst/>
+          </a:prstGeom>
+          <a:noFill/>
+        </p:spPr>
+        <p:txBody>
+          <a:bodyPr wrap="none" rtlCol="0">
+            <a:spAutoFit/>
+          </a:bodyPr>
+          <a:lstStyle/>
+          <a:p>
+            <a:r>
+              <a:rPr lang="en-US" dirty="0" err="1"/>
+              <a:t>x</a:t>
+            </a:r>
+            <a:r>
+              <a:rPr lang="en-US" baseline="-25000" dirty="0" err="1"/>
+              <a:t>g</a:t>
+            </a:r>
+            <a:endParaRPr lang="en-US" dirty="0"/>
+          </a:p>
+        </p:txBody>
+      </p:sp>
+      <mc:AlternateContent xmlns:mc="http://schemas.openxmlformats.org/markup-compatibility/2006">
+        <mc:Choice xmlns:a14="http://schemas.microsoft.com/office/drawing/2010/main" Requires="a14">
+          <p:sp>
+            <p:nvSpPr>
+              <p:cNvPr id="33" name="TextBox 32">
+                <a:extLst>
+                  <a:ext uri="{FF2B5EF4-FFF2-40B4-BE49-F238E27FC236}">
+                    <a16:creationId xmlns:a16="http://schemas.microsoft.com/office/drawing/2014/main" id="{A93B7033-407D-2F49-B0A4-2AC2CD6354F1}"/>
+                  </a:ext>
+                </a:extLst>
+              </p:cNvPr>
+              <p:cNvSpPr txBox="1"/>
+              <p:nvPr/>
+            </p:nvSpPr>
+            <p:spPr>
+              <a:xfrm>
+                <a:off x="131284" y="1464208"/>
+                <a:ext cx="875240" cy="276999"/>
+              </a:xfrm>
+              <a:prstGeom prst="rect">
+                <a:avLst/>
+              </a:prstGeom>
+              <a:noFill/>
+            </p:spPr>
+            <p:txBody>
+              <a:bodyPr wrap="none" lIns="0" tIns="0" rIns="0" bIns="0" rtlCol="0">
+                <a:spAutoFit/>
+              </a:bodyPr>
+              <a:lstStyle/>
+              <a:p>
+                <a:pPr/>
+                <a14:m>
+                  <m:oMathPara xmlns:m="http://schemas.openxmlformats.org/officeDocument/2006/math">
+                    <m:oMathParaPr>
+                      <m:jc m:val="centerGroup"/>
+                    </m:oMathParaPr>
+                    <m:oMath xmlns:m="http://schemas.openxmlformats.org/officeDocument/2006/math">
+                      <m:r>
+                        <a:rPr lang="en-GB" smtClean="0">
+                          <a:latin typeface="Cambria Math" panose="02040503050406030204" pitchFamily="18" charset="0"/>
+                        </a:rPr>
+                        <m:t>£</m:t>
+                      </m:r>
+                      <m:r>
+                        <a:rPr lang="en-GB" b="0" i="0" smtClean="0">
+                          <a:latin typeface="Cambria Math" panose="02040503050406030204" pitchFamily="18" charset="0"/>
+                        </a:rPr>
+                        <m:t>10,</m:t>
+                      </m:r>
+                      <m:r>
+                        <a:rPr lang="en-GB">
+                          <a:latin typeface="Cambria Math" panose="02040503050406030204" pitchFamily="18" charset="0"/>
+                        </a:rPr>
+                        <m:t>000</m:t>
+                      </m:r>
+                    </m:oMath>
+                  </m:oMathPara>
+                </a14:m>
+                <a:endParaRPr lang="de-DE" dirty="0">
+                  <a:latin typeface="Helvetica Light" panose="020B0403020202020204" pitchFamily="34" charset="0"/>
+                </a:endParaRPr>
+              </a:p>
+            </p:txBody>
+          </p:sp>
+        </mc:Choice>
+        <mc:Fallback>
+          <p:sp>
+            <p:nvSpPr>
+              <p:cNvPr id="33" name="TextBox 32">
+                <a:extLst>
+                  <a:ext uri="{FF2B5EF4-FFF2-40B4-BE49-F238E27FC236}">
+                    <a16:creationId xmlns:a16="http://schemas.microsoft.com/office/drawing/2014/main" id="{A93B7033-407D-2F49-B0A4-2AC2CD6354F1}"/>
+                  </a:ext>
+                </a:extLst>
+              </p:cNvPr>
+              <p:cNvSpPr txBox="1">
+                <a:spLocks noRot="1" noChangeAspect="1" noMove="1" noResize="1" noEditPoints="1" noAdjustHandles="1" noChangeArrowheads="1" noChangeShapeType="1" noTextEdit="1"/>
+              </p:cNvSpPr>
+              <p:nvPr/>
+            </p:nvSpPr>
+            <p:spPr>
+              <a:xfrm>
+                <a:off x="131284" y="1464208"/>
+                <a:ext cx="875240" cy="276999"/>
+              </a:xfrm>
+              <a:prstGeom prst="rect">
+                <a:avLst/>
+              </a:prstGeom>
+              <a:blipFill>
+                <a:blip r:embed="rId6"/>
+                <a:stretch>
+                  <a:fillRect l="-5714" r="-4286" b="-4348"/>
                 </a:stretch>
               </a:blipFill>
             </p:spPr>
